--- a/notes/csc402-ln001.pptx
+++ b/notes/csc402-ln001.pptx
@@ -233,17 +233,17 @@
           </a:ln>
           <a:extLst>
             <a:ext uri="{FAA26D3D-D897-4be2-8F04-BA451C77F1D7}">
-              <ma14:placeholderFlag xmlns:ma14="http://schemas.microsoft.com/office/mac/drawingml/2011/main" val="1"/>
+              <ma14:placeholderFlag xmlns:ma14="http://schemas.microsoft.com/office/mac/drawingml/2011/main" xmlns="" val="1"/>
             </a:ext>
             <a:ext uri="{909E8E84-426E-40dd-AFC4-6F175D3DCCD1}">
-              <a14:hiddenFill xmlns:a14="http://schemas.microsoft.com/office/drawing/2010/main" xmlns="">
+              <a14:hiddenFill xmlns="" xmlns:a14="http://schemas.microsoft.com/office/drawing/2010/main">
                 <a:solidFill>
                   <a:schemeClr val="accent1"/>
                 </a:solidFill>
               </a14:hiddenFill>
             </a:ext>
             <a:ext uri="{91240B29-F687-4f45-9708-019B960494DF}">
-              <a14:hiddenLine xmlns:a14="http://schemas.microsoft.com/office/drawing/2010/main" xmlns="" w="9525">
+              <a14:hiddenLine xmlns="" xmlns:a14="http://schemas.microsoft.com/office/drawing/2010/main" w="9525">
                 <a:solidFill>
                   <a:schemeClr val="tx1"/>
                 </a:solidFill>
@@ -294,17 +294,17 @@
           </a:ln>
           <a:extLst>
             <a:ext uri="{FAA26D3D-D897-4be2-8F04-BA451C77F1D7}">
-              <ma14:placeholderFlag xmlns:ma14="http://schemas.microsoft.com/office/mac/drawingml/2011/main" val="1"/>
+              <ma14:placeholderFlag xmlns:ma14="http://schemas.microsoft.com/office/mac/drawingml/2011/main" xmlns="" val="1"/>
             </a:ext>
             <a:ext uri="{909E8E84-426E-40dd-AFC4-6F175D3DCCD1}">
-              <a14:hiddenFill xmlns:a14="http://schemas.microsoft.com/office/drawing/2010/main" xmlns="">
+              <a14:hiddenFill xmlns="" xmlns:a14="http://schemas.microsoft.com/office/drawing/2010/main">
                 <a:solidFill>
                   <a:schemeClr val="accent1"/>
                 </a:solidFill>
               </a14:hiddenFill>
             </a:ext>
             <a:ext uri="{91240B29-F687-4f45-9708-019B960494DF}">
-              <a14:hiddenLine xmlns:a14="http://schemas.microsoft.com/office/drawing/2010/main" xmlns="" w="9525">
+              <a14:hiddenLine xmlns="" xmlns:a14="http://schemas.microsoft.com/office/drawing/2010/main" w="9525">
                 <a:solidFill>
                   <a:schemeClr val="tx1"/>
                 </a:solidFill>
@@ -361,7 +361,7 @@
           <a:effectLst/>
           <a:extLst>
             <a:ext uri="{AF507438-7753-43e0-B8FC-AC1667EBCBE1}">
-              <a14:hiddenEffects xmlns:a14="http://schemas.microsoft.com/office/drawing/2010/main" xmlns="">
+              <a14:hiddenEffects xmlns="" xmlns:a14="http://schemas.microsoft.com/office/drawing/2010/main">
                 <a:effectLst>
                   <a:outerShdw blurRad="63500" dist="38099" dir="2700000" algn="ctr" rotWithShape="0">
                     <a:srgbClr val="000000">
@@ -372,7 +372,7 @@
               </a14:hiddenEffects>
             </a:ext>
             <a:ext uri="{53640926-AAD7-44d8-BBD7-CCE9431645EC}">
-              <a14:shadowObscured xmlns:a14="http://schemas.microsoft.com/office/drawing/2010/main" xmlns="" val="1"/>
+              <a14:shadowObscured xmlns="" xmlns:a14="http://schemas.microsoft.com/office/drawing/2010/main" val="1"/>
             </a:ext>
           </a:extLst>
         </p:spPr>
@@ -401,17 +401,17 @@
           </a:ln>
           <a:extLst>
             <a:ext uri="{FAA26D3D-D897-4be2-8F04-BA451C77F1D7}">
-              <ma14:placeholderFlag xmlns:ma14="http://schemas.microsoft.com/office/mac/drawingml/2011/main" val="1"/>
+              <ma14:placeholderFlag xmlns:ma14="http://schemas.microsoft.com/office/mac/drawingml/2011/main" xmlns="" val="1"/>
             </a:ext>
             <a:ext uri="{909E8E84-426E-40dd-AFC4-6F175D3DCCD1}">
-              <a14:hiddenFill xmlns:a14="http://schemas.microsoft.com/office/drawing/2010/main" xmlns="">
+              <a14:hiddenFill xmlns="" xmlns:a14="http://schemas.microsoft.com/office/drawing/2010/main">
                 <a:solidFill>
                   <a:schemeClr val="accent1"/>
                 </a:solidFill>
               </a14:hiddenFill>
             </a:ext>
             <a:ext uri="{91240B29-F687-4f45-9708-019B960494DF}">
-              <a14:hiddenLine xmlns:a14="http://schemas.microsoft.com/office/drawing/2010/main" xmlns="" w="9525">
+              <a14:hiddenLine xmlns="" xmlns:a14="http://schemas.microsoft.com/office/drawing/2010/main" w="9525">
                 <a:solidFill>
                   <a:schemeClr val="tx1"/>
                 </a:solidFill>
@@ -490,17 +490,17 @@
           </a:ln>
           <a:extLst>
             <a:ext uri="{FAA26D3D-D897-4be2-8F04-BA451C77F1D7}">
-              <ma14:placeholderFlag xmlns:ma14="http://schemas.microsoft.com/office/mac/drawingml/2011/main" val="1"/>
+              <ma14:placeholderFlag xmlns:ma14="http://schemas.microsoft.com/office/mac/drawingml/2011/main" xmlns="" val="1"/>
             </a:ext>
             <a:ext uri="{909E8E84-426E-40dd-AFC4-6F175D3DCCD1}">
-              <a14:hiddenFill xmlns:a14="http://schemas.microsoft.com/office/drawing/2010/main" xmlns="">
+              <a14:hiddenFill xmlns="" xmlns:a14="http://schemas.microsoft.com/office/drawing/2010/main">
                 <a:solidFill>
                   <a:schemeClr val="accent1"/>
                 </a:solidFill>
               </a14:hiddenFill>
             </a:ext>
             <a:ext uri="{91240B29-F687-4f45-9708-019B960494DF}">
-              <a14:hiddenLine xmlns:a14="http://schemas.microsoft.com/office/drawing/2010/main" xmlns="" w="9525">
+              <a14:hiddenLine xmlns="" xmlns:a14="http://schemas.microsoft.com/office/drawing/2010/main" w="9525">
                 <a:solidFill>
                   <a:schemeClr val="tx1"/>
                 </a:solidFill>
@@ -551,17 +551,17 @@
           </a:ln>
           <a:extLst>
             <a:ext uri="{FAA26D3D-D897-4be2-8F04-BA451C77F1D7}">
-              <ma14:placeholderFlag xmlns:ma14="http://schemas.microsoft.com/office/mac/drawingml/2011/main" val="1"/>
+              <ma14:placeholderFlag xmlns:ma14="http://schemas.microsoft.com/office/mac/drawingml/2011/main" xmlns="" val="1"/>
             </a:ext>
             <a:ext uri="{909E8E84-426E-40dd-AFC4-6F175D3DCCD1}">
-              <a14:hiddenFill xmlns:a14="http://schemas.microsoft.com/office/drawing/2010/main" xmlns="">
+              <a14:hiddenFill xmlns="" xmlns:a14="http://schemas.microsoft.com/office/drawing/2010/main">
                 <a:solidFill>
                   <a:schemeClr val="accent1"/>
                 </a:solidFill>
               </a14:hiddenFill>
             </a:ext>
             <a:ext uri="{91240B29-F687-4f45-9708-019B960494DF}">
-              <a14:hiddenLine xmlns:a14="http://schemas.microsoft.com/office/drawing/2010/main" xmlns="" w="9525">
+              <a14:hiddenLine xmlns="" xmlns:a14="http://schemas.microsoft.com/office/drawing/2010/main" w="9525">
                 <a:solidFill>
                   <a:schemeClr val="tx1"/>
                 </a:solidFill>
@@ -783,7 +783,7 @@
           <a:ln/>
           <a:extLst>
             <a:ext uri="{FAA26D3D-D897-4be2-8F04-BA451C77F1D7}">
-              <ma14:placeholderFlag xmlns:ma14="http://schemas.microsoft.com/office/mac/drawingml/2011/main" val="1"/>
+              <ma14:placeholderFlag xmlns:ma14="http://schemas.microsoft.com/office/mac/drawingml/2011/main" xmlns="" val="1"/>
             </a:ext>
           </a:extLst>
         </p:spPr>
@@ -872,7 +872,7 @@
           <a:ln/>
           <a:extLst>
             <a:ext uri="{FAA26D3D-D897-4be2-8F04-BA451C77F1D7}">
-              <ma14:placeholderFlag xmlns:ma14="http://schemas.microsoft.com/office/mac/drawingml/2011/main" val="1"/>
+              <ma14:placeholderFlag xmlns:ma14="http://schemas.microsoft.com/office/mac/drawingml/2011/main" xmlns="" val="1"/>
             </a:ext>
           </a:extLst>
         </p:spPr>
@@ -961,7 +961,7 @@
           <a:ln/>
           <a:extLst>
             <a:ext uri="{FAA26D3D-D897-4be2-8F04-BA451C77F1D7}">
-              <ma14:placeholderFlag xmlns:ma14="http://schemas.microsoft.com/office/mac/drawingml/2011/main" val="1"/>
+              <ma14:placeholderFlag xmlns:ma14="http://schemas.microsoft.com/office/mac/drawingml/2011/main" xmlns="" val="1"/>
             </a:ext>
           </a:extLst>
         </p:spPr>
@@ -1050,7 +1050,7 @@
           <a:ln/>
           <a:extLst>
             <a:ext uri="{FAA26D3D-D897-4be2-8F04-BA451C77F1D7}">
-              <ma14:placeholderFlag xmlns:ma14="http://schemas.microsoft.com/office/mac/drawingml/2011/main" val="1"/>
+              <ma14:placeholderFlag xmlns:ma14="http://schemas.microsoft.com/office/mac/drawingml/2011/main" xmlns="" val="1"/>
             </a:ext>
           </a:extLst>
         </p:spPr>
@@ -1139,7 +1139,7 @@
           <a:ln/>
           <a:extLst>
             <a:ext uri="{FAA26D3D-D897-4be2-8F04-BA451C77F1D7}">
-              <ma14:placeholderFlag xmlns:ma14="http://schemas.microsoft.com/office/mac/drawingml/2011/main" val="1"/>
+              <ma14:placeholderFlag xmlns:ma14="http://schemas.microsoft.com/office/mac/drawingml/2011/main" xmlns="" val="1"/>
             </a:ext>
           </a:extLst>
         </p:spPr>
@@ -1228,7 +1228,7 @@
           <a:ln/>
           <a:extLst>
             <a:ext uri="{FAA26D3D-D897-4be2-8F04-BA451C77F1D7}">
-              <ma14:placeholderFlag xmlns:ma14="http://schemas.microsoft.com/office/mac/drawingml/2011/main" val="1"/>
+              <ma14:placeholderFlag xmlns:ma14="http://schemas.microsoft.com/office/mac/drawingml/2011/main" xmlns="" val="1"/>
             </a:ext>
           </a:extLst>
         </p:spPr>
@@ -1317,7 +1317,7 @@
           <a:ln/>
           <a:extLst>
             <a:ext uri="{FAA26D3D-D897-4be2-8F04-BA451C77F1D7}">
-              <ma14:placeholderFlag xmlns:ma14="http://schemas.microsoft.com/office/mac/drawingml/2011/main" val="1"/>
+              <ma14:placeholderFlag xmlns:ma14="http://schemas.microsoft.com/office/mac/drawingml/2011/main" xmlns="" val="1"/>
             </a:ext>
           </a:extLst>
         </p:spPr>
@@ -1406,7 +1406,7 @@
           <a:ln/>
           <a:extLst>
             <a:ext uri="{FAA26D3D-D897-4be2-8F04-BA451C77F1D7}">
-              <ma14:placeholderFlag xmlns:ma14="http://schemas.microsoft.com/office/mac/drawingml/2011/main" val="1"/>
+              <ma14:placeholderFlag xmlns:ma14="http://schemas.microsoft.com/office/mac/drawingml/2011/main" xmlns="" val="1"/>
             </a:ext>
           </a:extLst>
         </p:spPr>
@@ -1495,7 +1495,7 @@
           <a:ln/>
           <a:extLst>
             <a:ext uri="{FAA26D3D-D897-4be2-8F04-BA451C77F1D7}">
-              <ma14:placeholderFlag xmlns:ma14="http://schemas.microsoft.com/office/mac/drawingml/2011/main" val="1"/>
+              <ma14:placeholderFlag xmlns:ma14="http://schemas.microsoft.com/office/mac/drawingml/2011/main" xmlns="" val="1"/>
             </a:ext>
           </a:extLst>
         </p:spPr>
@@ -1584,7 +1584,7 @@
           <a:ln/>
           <a:extLst>
             <a:ext uri="{FAA26D3D-D897-4be2-8F04-BA451C77F1D7}">
-              <ma14:placeholderFlag xmlns:ma14="http://schemas.microsoft.com/office/mac/drawingml/2011/main" val="1"/>
+              <ma14:placeholderFlag xmlns:ma14="http://schemas.microsoft.com/office/mac/drawingml/2011/main" xmlns="" val="1"/>
             </a:ext>
           </a:extLst>
         </p:spPr>
@@ -1673,7 +1673,7 @@
           <a:ln/>
           <a:extLst>
             <a:ext uri="{FAA26D3D-D897-4be2-8F04-BA451C77F1D7}">
-              <ma14:placeholderFlag xmlns:ma14="http://schemas.microsoft.com/office/mac/drawingml/2011/main" val="1"/>
+              <ma14:placeholderFlag xmlns:ma14="http://schemas.microsoft.com/office/mac/drawingml/2011/main" xmlns="" val="1"/>
             </a:ext>
           </a:extLst>
         </p:spPr>
@@ -1762,7 +1762,7 @@
           <a:ln/>
           <a:extLst>
             <a:ext uri="{FAA26D3D-D897-4be2-8F04-BA451C77F1D7}">
-              <ma14:placeholderFlag xmlns:ma14="http://schemas.microsoft.com/office/mac/drawingml/2011/main" val="1"/>
+              <ma14:placeholderFlag xmlns:ma14="http://schemas.microsoft.com/office/mac/drawingml/2011/main" xmlns="" val="1"/>
             </a:ext>
           </a:extLst>
         </p:spPr>
@@ -1851,7 +1851,7 @@
           <a:ln/>
           <a:extLst>
             <a:ext uri="{FAA26D3D-D897-4be2-8F04-BA451C77F1D7}">
-              <ma14:placeholderFlag xmlns:ma14="http://schemas.microsoft.com/office/mac/drawingml/2011/main" val="1"/>
+              <ma14:placeholderFlag xmlns:ma14="http://schemas.microsoft.com/office/mac/drawingml/2011/main" xmlns="" val="1"/>
             </a:ext>
           </a:extLst>
         </p:spPr>
@@ -1940,7 +1940,7 @@
           <a:ln/>
           <a:extLst>
             <a:ext uri="{FAA26D3D-D897-4be2-8F04-BA451C77F1D7}">
-              <ma14:placeholderFlag xmlns:ma14="http://schemas.microsoft.com/office/mac/drawingml/2011/main" val="1"/>
+              <ma14:placeholderFlag xmlns:ma14="http://schemas.microsoft.com/office/mac/drawingml/2011/main" xmlns="" val="1"/>
             </a:ext>
           </a:extLst>
         </p:spPr>
@@ -2034,7 +2034,7 @@
           <a:ln/>
           <a:extLst>
             <a:ext uri="{FAA26D3D-D897-4be2-8F04-BA451C77F1D7}">
-              <ma14:placeholderFlag xmlns:ma14="http://schemas.microsoft.com/office/mac/drawingml/2011/main" val="1"/>
+              <ma14:placeholderFlag xmlns:ma14="http://schemas.microsoft.com/office/mac/drawingml/2011/main" xmlns="" val="1"/>
             </a:ext>
           </a:extLst>
         </p:spPr>
@@ -2123,7 +2123,7 @@
           <a:ln/>
           <a:extLst>
             <a:ext uri="{FAA26D3D-D897-4be2-8F04-BA451C77F1D7}">
-              <ma14:placeholderFlag xmlns:ma14="http://schemas.microsoft.com/office/mac/drawingml/2011/main" val="1"/>
+              <ma14:placeholderFlag xmlns:ma14="http://schemas.microsoft.com/office/mac/drawingml/2011/main" xmlns="" val="1"/>
             </a:ext>
           </a:extLst>
         </p:spPr>
@@ -2212,7 +2212,7 @@
           <a:ln/>
           <a:extLst>
             <a:ext uri="{FAA26D3D-D897-4be2-8F04-BA451C77F1D7}">
-              <ma14:placeholderFlag xmlns:ma14="http://schemas.microsoft.com/office/mac/drawingml/2011/main" val="1"/>
+              <ma14:placeholderFlag xmlns:ma14="http://schemas.microsoft.com/office/mac/drawingml/2011/main" xmlns="" val="1"/>
             </a:ext>
           </a:extLst>
         </p:spPr>
@@ -2301,7 +2301,7 @@
           <a:ln/>
           <a:extLst>
             <a:ext uri="{FAA26D3D-D897-4be2-8F04-BA451C77F1D7}">
-              <ma14:placeholderFlag xmlns:ma14="http://schemas.microsoft.com/office/mac/drawingml/2011/main" val="1"/>
+              <ma14:placeholderFlag xmlns:ma14="http://schemas.microsoft.com/office/mac/drawingml/2011/main" xmlns="" val="1"/>
             </a:ext>
           </a:extLst>
         </p:spPr>
@@ -2390,7 +2390,7 @@
           <a:ln/>
           <a:extLst>
             <a:ext uri="{FAA26D3D-D897-4be2-8F04-BA451C77F1D7}">
-              <ma14:placeholderFlag xmlns:ma14="http://schemas.microsoft.com/office/mac/drawingml/2011/main" val="1"/>
+              <ma14:placeholderFlag xmlns:ma14="http://schemas.microsoft.com/office/mac/drawingml/2011/main" xmlns="" val="1"/>
             </a:ext>
           </a:extLst>
         </p:spPr>
@@ -2479,7 +2479,7 @@
           <a:ln/>
           <a:extLst>
             <a:ext uri="{FAA26D3D-D897-4be2-8F04-BA451C77F1D7}">
-              <ma14:placeholderFlag xmlns:ma14="http://schemas.microsoft.com/office/mac/drawingml/2011/main" val="1"/>
+              <ma14:placeholderFlag xmlns:ma14="http://schemas.microsoft.com/office/mac/drawingml/2011/main" xmlns="" val="1"/>
             </a:ext>
           </a:extLst>
         </p:spPr>
@@ -2556,12 +2556,12 @@
           <a:effectLst/>
           <a:extLst>
             <a:ext uri="{909E8E84-426E-40dd-AFC4-6F175D3DCCD1}">
-              <a14:hiddenFill xmlns:a14="http://schemas.microsoft.com/office/drawing/2010/main" xmlns="">
+              <a14:hiddenFill xmlns="" xmlns:a14="http://schemas.microsoft.com/office/drawing/2010/main">
                 <a:noFill/>
               </a14:hiddenFill>
             </a:ext>
             <a:ext uri="{AF507438-7753-43e0-B8FC-AC1667EBCBE1}">
-              <a14:hiddenEffects xmlns:a14="http://schemas.microsoft.com/office/drawing/2010/main" xmlns="">
+              <a14:hiddenEffects xmlns="" xmlns:a14="http://schemas.microsoft.com/office/drawing/2010/main">
                 <a:effectLst>
                   <a:outerShdw blurRad="63500" dist="38099" dir="2700000" algn="ctr" rotWithShape="0">
                     <a:schemeClr val="bg2">
@@ -2607,7 +2607,7 @@
           <a:p>
             <a:pPr lvl="0"/>
             <a:r>
-              <a:rPr lang="en-US" noProof="0" smtClean="0"/>
+              <a:rPr lang="en-US" noProof="0"/>
               <a:t>Click to edit Master title style</a:t>
             </a:r>
           </a:p>
@@ -2641,7 +2641,7 @@
           <a:p>
             <a:pPr lvl="0"/>
             <a:r>
-              <a:rPr lang="en-US" noProof="0" smtClean="0"/>
+              <a:rPr lang="en-US" noProof="0"/>
               <a:t>Click to edit Master subtitle style</a:t>
             </a:r>
           </a:p>
@@ -2762,7 +2762,7 @@
             <a:effectLst/>
             <a:extLst>
               <a:ext uri="{91240B29-F687-4f45-9708-019B960494DF}">
-                <a14:hiddenLine xmlns:a14="http://schemas.microsoft.com/office/drawing/2010/main" xmlns="" w="9525">
+                <a14:hiddenLine xmlns="" xmlns:a14="http://schemas.microsoft.com/office/drawing/2010/main" w="9525">
                   <a:solidFill>
                     <a:schemeClr val="tx1"/>
                   </a:solidFill>
@@ -2772,7 +2772,7 @@
                 </a14:hiddenLine>
               </a:ext>
               <a:ext uri="{AF507438-7753-43e0-B8FC-AC1667EBCBE1}">
-                <a14:hiddenEffects xmlns:a14="http://schemas.microsoft.com/office/drawing/2010/main" xmlns="">
+                <a14:hiddenEffects xmlns="" xmlns:a14="http://schemas.microsoft.com/office/drawing/2010/main">
                   <a:effectLst>
                     <a:outerShdw blurRad="63500" dist="38099" dir="2700000" algn="ctr" rotWithShape="0">
                       <a:schemeClr val="bg2">
@@ -2817,7 +2817,7 @@
             <a:effectLst/>
             <a:extLst>
               <a:ext uri="{91240B29-F687-4f45-9708-019B960494DF}">
-                <a14:hiddenLine xmlns:a14="http://schemas.microsoft.com/office/drawing/2010/main" xmlns="" w="9525">
+                <a14:hiddenLine xmlns="" xmlns:a14="http://schemas.microsoft.com/office/drawing/2010/main" w="9525">
                   <a:solidFill>
                     <a:schemeClr val="tx1"/>
                   </a:solidFill>
@@ -2827,7 +2827,7 @@
                 </a14:hiddenLine>
               </a:ext>
               <a:ext uri="{AF507438-7753-43e0-B8FC-AC1667EBCBE1}">
-                <a14:hiddenEffects xmlns:a14="http://schemas.microsoft.com/office/drawing/2010/main" xmlns="">
+                <a14:hiddenEffects xmlns="" xmlns:a14="http://schemas.microsoft.com/office/drawing/2010/main">
                   <a:effectLst>
                     <a:outerShdw blurRad="63500" dist="38099" dir="2700000" algn="ctr" rotWithShape="0">
                       <a:schemeClr val="bg2">
@@ -2872,7 +2872,7 @@
             <a:effectLst/>
             <a:extLst>
               <a:ext uri="{91240B29-F687-4f45-9708-019B960494DF}">
-                <a14:hiddenLine xmlns:a14="http://schemas.microsoft.com/office/drawing/2010/main" xmlns="" w="9525">
+                <a14:hiddenLine xmlns="" xmlns:a14="http://schemas.microsoft.com/office/drawing/2010/main" w="9525">
                   <a:solidFill>
                     <a:schemeClr val="tx1"/>
                   </a:solidFill>
@@ -2882,7 +2882,7 @@
                 </a14:hiddenLine>
               </a:ext>
               <a:ext uri="{AF507438-7753-43e0-B8FC-AC1667EBCBE1}">
-                <a14:hiddenEffects xmlns:a14="http://schemas.microsoft.com/office/drawing/2010/main" xmlns="">
+                <a14:hiddenEffects xmlns="" xmlns:a14="http://schemas.microsoft.com/office/drawing/2010/main">
                   <a:effectLst>
                     <a:outerShdw blurRad="63500" dist="38099" dir="2700000" algn="ctr" rotWithShape="0">
                       <a:schemeClr val="bg2">
@@ -2927,7 +2927,7 @@
             <a:effectLst/>
             <a:extLst>
               <a:ext uri="{91240B29-F687-4f45-9708-019B960494DF}">
-                <a14:hiddenLine xmlns:a14="http://schemas.microsoft.com/office/drawing/2010/main" xmlns="" w="9525">
+                <a14:hiddenLine xmlns="" xmlns:a14="http://schemas.microsoft.com/office/drawing/2010/main" w="9525">
                   <a:solidFill>
                     <a:schemeClr val="tx1"/>
                   </a:solidFill>
@@ -2937,7 +2937,7 @@
                 </a14:hiddenLine>
               </a:ext>
               <a:ext uri="{AF507438-7753-43e0-B8FC-AC1667EBCBE1}">
-                <a14:hiddenEffects xmlns:a14="http://schemas.microsoft.com/office/drawing/2010/main" xmlns="">
+                <a14:hiddenEffects xmlns="" xmlns:a14="http://schemas.microsoft.com/office/drawing/2010/main">
                   <a:effectLst>
                     <a:outerShdw blurRad="63500" dist="38099" dir="2700000" algn="ctr" rotWithShape="0">
                       <a:schemeClr val="bg2">
@@ -2982,7 +2982,7 @@
             <a:effectLst/>
             <a:extLst>
               <a:ext uri="{91240B29-F687-4f45-9708-019B960494DF}">
-                <a14:hiddenLine xmlns:a14="http://schemas.microsoft.com/office/drawing/2010/main" xmlns="" w="9525">
+                <a14:hiddenLine xmlns="" xmlns:a14="http://schemas.microsoft.com/office/drawing/2010/main" w="9525">
                   <a:solidFill>
                     <a:schemeClr val="tx1"/>
                   </a:solidFill>
@@ -2992,7 +2992,7 @@
                 </a14:hiddenLine>
               </a:ext>
               <a:ext uri="{AF507438-7753-43e0-B8FC-AC1667EBCBE1}">
-                <a14:hiddenEffects xmlns:a14="http://schemas.microsoft.com/office/drawing/2010/main" xmlns="">
+                <a14:hiddenEffects xmlns="" xmlns:a14="http://schemas.microsoft.com/office/drawing/2010/main">
                   <a:effectLst>
                     <a:outerShdw blurRad="63500" dist="38099" dir="2700000" algn="ctr" rotWithShape="0">
                       <a:schemeClr val="bg2">
@@ -3037,7 +3037,7 @@
             <a:effectLst/>
             <a:extLst>
               <a:ext uri="{91240B29-F687-4f45-9708-019B960494DF}">
-                <a14:hiddenLine xmlns:a14="http://schemas.microsoft.com/office/drawing/2010/main" xmlns="" w="9525">
+                <a14:hiddenLine xmlns="" xmlns:a14="http://schemas.microsoft.com/office/drawing/2010/main" w="9525">
                   <a:solidFill>
                     <a:schemeClr val="tx1"/>
                   </a:solidFill>
@@ -3047,7 +3047,7 @@
                 </a14:hiddenLine>
               </a:ext>
               <a:ext uri="{AF507438-7753-43e0-B8FC-AC1667EBCBE1}">
-                <a14:hiddenEffects xmlns:a14="http://schemas.microsoft.com/office/drawing/2010/main" xmlns="">
+                <a14:hiddenEffects xmlns="" xmlns:a14="http://schemas.microsoft.com/office/drawing/2010/main">
                   <a:effectLst>
                     <a:outerShdw blurRad="63500" dist="38099" dir="2700000" algn="ctr" rotWithShape="0">
                       <a:schemeClr val="bg2">
@@ -3092,7 +3092,7 @@
             <a:effectLst/>
             <a:extLst>
               <a:ext uri="{91240B29-F687-4f45-9708-019B960494DF}">
-                <a14:hiddenLine xmlns:a14="http://schemas.microsoft.com/office/drawing/2010/main" xmlns="" w="9525">
+                <a14:hiddenLine xmlns="" xmlns:a14="http://schemas.microsoft.com/office/drawing/2010/main" w="9525">
                   <a:solidFill>
                     <a:schemeClr val="tx1"/>
                   </a:solidFill>
@@ -3102,7 +3102,7 @@
                 </a14:hiddenLine>
               </a:ext>
               <a:ext uri="{AF507438-7753-43e0-B8FC-AC1667EBCBE1}">
-                <a14:hiddenEffects xmlns:a14="http://schemas.microsoft.com/office/drawing/2010/main" xmlns="">
+                <a14:hiddenEffects xmlns="" xmlns:a14="http://schemas.microsoft.com/office/drawing/2010/main">
                   <a:effectLst>
                     <a:outerShdw blurRad="63500" dist="38099" dir="2700000" algn="ctr" rotWithShape="0">
                       <a:schemeClr val="bg2">
@@ -3147,7 +3147,7 @@
             <a:effectLst/>
             <a:extLst>
               <a:ext uri="{91240B29-F687-4f45-9708-019B960494DF}">
-                <a14:hiddenLine xmlns:a14="http://schemas.microsoft.com/office/drawing/2010/main" xmlns="" w="9525">
+                <a14:hiddenLine xmlns="" xmlns:a14="http://schemas.microsoft.com/office/drawing/2010/main" w="9525">
                   <a:solidFill>
                     <a:schemeClr val="tx1"/>
                   </a:solidFill>
@@ -3157,7 +3157,7 @@
                 </a14:hiddenLine>
               </a:ext>
               <a:ext uri="{AF507438-7753-43e0-B8FC-AC1667EBCBE1}">
-                <a14:hiddenEffects xmlns:a14="http://schemas.microsoft.com/office/drawing/2010/main" xmlns="">
+                <a14:hiddenEffects xmlns="" xmlns:a14="http://schemas.microsoft.com/office/drawing/2010/main">
                   <a:effectLst>
                     <a:outerShdw blurRad="63500" dist="38099" dir="2700000" algn="ctr" rotWithShape="0">
                       <a:schemeClr val="bg2">
@@ -3202,7 +3202,7 @@
             <a:effectLst/>
             <a:extLst>
               <a:ext uri="{91240B29-F687-4f45-9708-019B960494DF}">
-                <a14:hiddenLine xmlns:a14="http://schemas.microsoft.com/office/drawing/2010/main" xmlns="" w="9525">
+                <a14:hiddenLine xmlns="" xmlns:a14="http://schemas.microsoft.com/office/drawing/2010/main" w="9525">
                   <a:solidFill>
                     <a:schemeClr val="tx1"/>
                   </a:solidFill>
@@ -3212,7 +3212,7 @@
                 </a14:hiddenLine>
               </a:ext>
               <a:ext uri="{AF507438-7753-43e0-B8FC-AC1667EBCBE1}">
-                <a14:hiddenEffects xmlns:a14="http://schemas.microsoft.com/office/drawing/2010/main" xmlns="">
+                <a14:hiddenEffects xmlns="" xmlns:a14="http://schemas.microsoft.com/office/drawing/2010/main">
                   <a:effectLst>
                     <a:outerShdw blurRad="63500" dist="38099" dir="2700000" algn="ctr" rotWithShape="0">
                       <a:schemeClr val="bg2">
@@ -3257,7 +3257,7 @@
             <a:effectLst/>
             <a:extLst>
               <a:ext uri="{91240B29-F687-4f45-9708-019B960494DF}">
-                <a14:hiddenLine xmlns:a14="http://schemas.microsoft.com/office/drawing/2010/main" xmlns="" w="9525">
+                <a14:hiddenLine xmlns="" xmlns:a14="http://schemas.microsoft.com/office/drawing/2010/main" w="9525">
                   <a:solidFill>
                     <a:schemeClr val="tx1"/>
                   </a:solidFill>
@@ -3267,7 +3267,7 @@
                 </a14:hiddenLine>
               </a:ext>
               <a:ext uri="{AF507438-7753-43e0-B8FC-AC1667EBCBE1}">
-                <a14:hiddenEffects xmlns:a14="http://schemas.microsoft.com/office/drawing/2010/main" xmlns="">
+                <a14:hiddenEffects xmlns="" xmlns:a14="http://schemas.microsoft.com/office/drawing/2010/main">
                   <a:effectLst>
                     <a:outerShdw blurRad="63500" dist="38099" dir="2700000" algn="ctr" rotWithShape="0">
                       <a:schemeClr val="bg2">
@@ -3312,7 +3312,7 @@
             <a:effectLst/>
             <a:extLst>
               <a:ext uri="{91240B29-F687-4f45-9708-019B960494DF}">
-                <a14:hiddenLine xmlns:a14="http://schemas.microsoft.com/office/drawing/2010/main" xmlns="" w="9525">
+                <a14:hiddenLine xmlns="" xmlns:a14="http://schemas.microsoft.com/office/drawing/2010/main" w="9525">
                   <a:solidFill>
                     <a:schemeClr val="tx1"/>
                   </a:solidFill>
@@ -3322,7 +3322,7 @@
                 </a14:hiddenLine>
               </a:ext>
               <a:ext uri="{AF507438-7753-43e0-B8FC-AC1667EBCBE1}">
-                <a14:hiddenEffects xmlns:a14="http://schemas.microsoft.com/office/drawing/2010/main" xmlns="">
+                <a14:hiddenEffects xmlns="" xmlns:a14="http://schemas.microsoft.com/office/drawing/2010/main">
                   <a:effectLst>
                     <a:outerShdw blurRad="63500" dist="38099" dir="2700000" algn="ctr" rotWithShape="0">
                       <a:schemeClr val="bg2">
@@ -3367,7 +3367,7 @@
             <a:effectLst/>
             <a:extLst>
               <a:ext uri="{91240B29-F687-4f45-9708-019B960494DF}">
-                <a14:hiddenLine xmlns:a14="http://schemas.microsoft.com/office/drawing/2010/main" xmlns="" w="9525">
+                <a14:hiddenLine xmlns="" xmlns:a14="http://schemas.microsoft.com/office/drawing/2010/main" w="9525">
                   <a:solidFill>
                     <a:schemeClr val="tx1"/>
                   </a:solidFill>
@@ -3377,7 +3377,7 @@
                 </a14:hiddenLine>
               </a:ext>
               <a:ext uri="{AF507438-7753-43e0-B8FC-AC1667EBCBE1}">
-                <a14:hiddenEffects xmlns:a14="http://schemas.microsoft.com/office/drawing/2010/main" xmlns="">
+                <a14:hiddenEffects xmlns="" xmlns:a14="http://schemas.microsoft.com/office/drawing/2010/main">
                   <a:effectLst>
                     <a:outerShdw blurRad="63500" dist="38099" dir="2700000" algn="ctr" rotWithShape="0">
                       <a:schemeClr val="bg2">
@@ -3422,7 +3422,7 @@
             <a:effectLst/>
             <a:extLst>
               <a:ext uri="{91240B29-F687-4f45-9708-019B960494DF}">
-                <a14:hiddenLine xmlns:a14="http://schemas.microsoft.com/office/drawing/2010/main" xmlns="" w="9525">
+                <a14:hiddenLine xmlns="" xmlns:a14="http://schemas.microsoft.com/office/drawing/2010/main" w="9525">
                   <a:solidFill>
                     <a:schemeClr val="tx1"/>
                   </a:solidFill>
@@ -3432,7 +3432,7 @@
                 </a14:hiddenLine>
               </a:ext>
               <a:ext uri="{AF507438-7753-43e0-B8FC-AC1667EBCBE1}">
-                <a14:hiddenEffects xmlns:a14="http://schemas.microsoft.com/office/drawing/2010/main" xmlns="">
+                <a14:hiddenEffects xmlns="" xmlns:a14="http://schemas.microsoft.com/office/drawing/2010/main">
                   <a:effectLst>
                     <a:outerShdw blurRad="63500" dist="38099" dir="2700000" algn="ctr" rotWithShape="0">
                       <a:schemeClr val="bg2">
@@ -3477,7 +3477,7 @@
             <a:effectLst/>
             <a:extLst>
               <a:ext uri="{91240B29-F687-4f45-9708-019B960494DF}">
-                <a14:hiddenLine xmlns:a14="http://schemas.microsoft.com/office/drawing/2010/main" xmlns="" w="9525">
+                <a14:hiddenLine xmlns="" xmlns:a14="http://schemas.microsoft.com/office/drawing/2010/main" w="9525">
                   <a:solidFill>
                     <a:schemeClr val="tx1"/>
                   </a:solidFill>
@@ -3487,7 +3487,7 @@
                 </a14:hiddenLine>
               </a:ext>
               <a:ext uri="{AF507438-7753-43e0-B8FC-AC1667EBCBE1}">
-                <a14:hiddenEffects xmlns:a14="http://schemas.microsoft.com/office/drawing/2010/main" xmlns="">
+                <a14:hiddenEffects xmlns="" xmlns:a14="http://schemas.microsoft.com/office/drawing/2010/main">
                   <a:effectLst>
                     <a:outerShdw blurRad="63500" dist="38099" dir="2700000" algn="ctr" rotWithShape="0">
                       <a:schemeClr val="bg2">
@@ -3532,7 +3532,7 @@
             <a:effectLst/>
             <a:extLst>
               <a:ext uri="{91240B29-F687-4f45-9708-019B960494DF}">
-                <a14:hiddenLine xmlns:a14="http://schemas.microsoft.com/office/drawing/2010/main" xmlns="" w="9525">
+                <a14:hiddenLine xmlns="" xmlns:a14="http://schemas.microsoft.com/office/drawing/2010/main" w="9525">
                   <a:solidFill>
                     <a:schemeClr val="tx1"/>
                   </a:solidFill>
@@ -3542,7 +3542,7 @@
                 </a14:hiddenLine>
               </a:ext>
               <a:ext uri="{AF507438-7753-43e0-B8FC-AC1667EBCBE1}">
-                <a14:hiddenEffects xmlns:a14="http://schemas.microsoft.com/office/drawing/2010/main" xmlns="">
+                <a14:hiddenEffects xmlns="" xmlns:a14="http://schemas.microsoft.com/office/drawing/2010/main">
                   <a:effectLst>
                     <a:outerShdw blurRad="63500" dist="38099" dir="2700000" algn="ctr" rotWithShape="0">
                       <a:schemeClr val="bg2">
@@ -3587,7 +3587,7 @@
             <a:effectLst/>
             <a:extLst>
               <a:ext uri="{91240B29-F687-4f45-9708-019B960494DF}">
-                <a14:hiddenLine xmlns:a14="http://schemas.microsoft.com/office/drawing/2010/main" xmlns="" w="9525">
+                <a14:hiddenLine xmlns="" xmlns:a14="http://schemas.microsoft.com/office/drawing/2010/main" w="9525">
                   <a:solidFill>
                     <a:schemeClr val="tx1"/>
                   </a:solidFill>
@@ -3597,7 +3597,7 @@
                 </a14:hiddenLine>
               </a:ext>
               <a:ext uri="{AF507438-7753-43e0-B8FC-AC1667EBCBE1}">
-                <a14:hiddenEffects xmlns:a14="http://schemas.microsoft.com/office/drawing/2010/main" xmlns="">
+                <a14:hiddenEffects xmlns="" xmlns:a14="http://schemas.microsoft.com/office/drawing/2010/main">
                   <a:effectLst>
                     <a:outerShdw blurRad="63500" dist="38099" dir="2700000" algn="ctr" rotWithShape="0">
                       <a:schemeClr val="bg2">
@@ -3642,7 +3642,7 @@
             <a:effectLst/>
             <a:extLst>
               <a:ext uri="{91240B29-F687-4f45-9708-019B960494DF}">
-                <a14:hiddenLine xmlns:a14="http://schemas.microsoft.com/office/drawing/2010/main" xmlns="" w="9525">
+                <a14:hiddenLine xmlns="" xmlns:a14="http://schemas.microsoft.com/office/drawing/2010/main" w="9525">
                   <a:solidFill>
                     <a:schemeClr val="tx1"/>
                   </a:solidFill>
@@ -3652,7 +3652,7 @@
                 </a14:hiddenLine>
               </a:ext>
               <a:ext uri="{AF507438-7753-43e0-B8FC-AC1667EBCBE1}">
-                <a14:hiddenEffects xmlns:a14="http://schemas.microsoft.com/office/drawing/2010/main" xmlns="">
+                <a14:hiddenEffects xmlns="" xmlns:a14="http://schemas.microsoft.com/office/drawing/2010/main">
                   <a:effectLst>
                     <a:outerShdw blurRad="63500" dist="38099" dir="2700000" algn="ctr" rotWithShape="0">
                       <a:schemeClr val="bg2">
@@ -3697,7 +3697,7 @@
             <a:effectLst/>
             <a:extLst>
               <a:ext uri="{91240B29-F687-4f45-9708-019B960494DF}">
-                <a14:hiddenLine xmlns:a14="http://schemas.microsoft.com/office/drawing/2010/main" xmlns="" w="9525">
+                <a14:hiddenLine xmlns="" xmlns:a14="http://schemas.microsoft.com/office/drawing/2010/main" w="9525">
                   <a:solidFill>
                     <a:schemeClr val="tx1"/>
                   </a:solidFill>
@@ -3707,7 +3707,7 @@
                 </a14:hiddenLine>
               </a:ext>
               <a:ext uri="{AF507438-7753-43e0-B8FC-AC1667EBCBE1}">
-                <a14:hiddenEffects xmlns:a14="http://schemas.microsoft.com/office/drawing/2010/main" xmlns="">
+                <a14:hiddenEffects xmlns="" xmlns:a14="http://schemas.microsoft.com/office/drawing/2010/main">
                   <a:effectLst>
                     <a:outerShdw blurRad="63500" dist="38099" dir="2700000" algn="ctr" rotWithShape="0">
                       <a:schemeClr val="bg2">
@@ -3752,7 +3752,7 @@
             <a:effectLst/>
             <a:extLst>
               <a:ext uri="{91240B29-F687-4f45-9708-019B960494DF}">
-                <a14:hiddenLine xmlns:a14="http://schemas.microsoft.com/office/drawing/2010/main" xmlns="" w="9525">
+                <a14:hiddenLine xmlns="" xmlns:a14="http://schemas.microsoft.com/office/drawing/2010/main" w="9525">
                   <a:solidFill>
                     <a:schemeClr val="tx1"/>
                   </a:solidFill>
@@ -3762,7 +3762,7 @@
                 </a14:hiddenLine>
               </a:ext>
               <a:ext uri="{AF507438-7753-43e0-B8FC-AC1667EBCBE1}">
-                <a14:hiddenEffects xmlns:a14="http://schemas.microsoft.com/office/drawing/2010/main" xmlns="">
+                <a14:hiddenEffects xmlns="" xmlns:a14="http://schemas.microsoft.com/office/drawing/2010/main">
                   <a:effectLst>
                     <a:outerShdw blurRad="63500" dist="38099" dir="2700000" algn="ctr" rotWithShape="0">
                       <a:schemeClr val="bg2">
@@ -3807,7 +3807,7 @@
             <a:effectLst/>
             <a:extLst>
               <a:ext uri="{91240B29-F687-4f45-9708-019B960494DF}">
-                <a14:hiddenLine xmlns:a14="http://schemas.microsoft.com/office/drawing/2010/main" xmlns="" w="9525">
+                <a14:hiddenLine xmlns="" xmlns:a14="http://schemas.microsoft.com/office/drawing/2010/main" w="9525">
                   <a:solidFill>
                     <a:schemeClr val="tx1"/>
                   </a:solidFill>
@@ -3817,7 +3817,7 @@
                 </a14:hiddenLine>
               </a:ext>
               <a:ext uri="{AF507438-7753-43e0-B8FC-AC1667EBCBE1}">
-                <a14:hiddenEffects xmlns:a14="http://schemas.microsoft.com/office/drawing/2010/main" xmlns="">
+                <a14:hiddenEffects xmlns="" xmlns:a14="http://schemas.microsoft.com/office/drawing/2010/main">
                   <a:effectLst>
                     <a:outerShdw blurRad="63500" dist="38099" dir="2700000" algn="ctr" rotWithShape="0">
                       <a:schemeClr val="bg2">
@@ -3862,7 +3862,7 @@
             <a:effectLst/>
             <a:extLst>
               <a:ext uri="{91240B29-F687-4f45-9708-019B960494DF}">
-                <a14:hiddenLine xmlns:a14="http://schemas.microsoft.com/office/drawing/2010/main" xmlns="" w="9525">
+                <a14:hiddenLine xmlns="" xmlns:a14="http://schemas.microsoft.com/office/drawing/2010/main" w="9525">
                   <a:solidFill>
                     <a:schemeClr val="tx1"/>
                   </a:solidFill>
@@ -3872,7 +3872,7 @@
                 </a14:hiddenLine>
               </a:ext>
               <a:ext uri="{AF507438-7753-43e0-B8FC-AC1667EBCBE1}">
-                <a14:hiddenEffects xmlns:a14="http://schemas.microsoft.com/office/drawing/2010/main" xmlns="">
+                <a14:hiddenEffects xmlns="" xmlns:a14="http://schemas.microsoft.com/office/drawing/2010/main">
                   <a:effectLst>
                     <a:outerShdw blurRad="63500" dist="38099" dir="2700000" algn="ctr" rotWithShape="0">
                       <a:schemeClr val="bg2">
@@ -3917,7 +3917,7 @@
             <a:effectLst/>
             <a:extLst>
               <a:ext uri="{91240B29-F687-4f45-9708-019B960494DF}">
-                <a14:hiddenLine xmlns:a14="http://schemas.microsoft.com/office/drawing/2010/main" xmlns="" w="9525">
+                <a14:hiddenLine xmlns="" xmlns:a14="http://schemas.microsoft.com/office/drawing/2010/main" w="9525">
                   <a:solidFill>
                     <a:schemeClr val="tx1"/>
                   </a:solidFill>
@@ -3927,7 +3927,7 @@
                 </a14:hiddenLine>
               </a:ext>
               <a:ext uri="{AF507438-7753-43e0-B8FC-AC1667EBCBE1}">
-                <a14:hiddenEffects xmlns:a14="http://schemas.microsoft.com/office/drawing/2010/main" xmlns="">
+                <a14:hiddenEffects xmlns="" xmlns:a14="http://schemas.microsoft.com/office/drawing/2010/main">
                   <a:effectLst>
                     <a:outerShdw blurRad="63500" dist="38099" dir="2700000" algn="ctr" rotWithShape="0">
                       <a:schemeClr val="bg2">
@@ -3972,7 +3972,7 @@
             <a:effectLst/>
             <a:extLst>
               <a:ext uri="{91240B29-F687-4f45-9708-019B960494DF}">
-                <a14:hiddenLine xmlns:a14="http://schemas.microsoft.com/office/drawing/2010/main" xmlns="" w="9525">
+                <a14:hiddenLine xmlns="" xmlns:a14="http://schemas.microsoft.com/office/drawing/2010/main" w="9525">
                   <a:solidFill>
                     <a:schemeClr val="tx1"/>
                   </a:solidFill>
@@ -3982,7 +3982,7 @@
                 </a14:hiddenLine>
               </a:ext>
               <a:ext uri="{AF507438-7753-43e0-B8FC-AC1667EBCBE1}">
-                <a14:hiddenEffects xmlns:a14="http://schemas.microsoft.com/office/drawing/2010/main" xmlns="">
+                <a14:hiddenEffects xmlns="" xmlns:a14="http://schemas.microsoft.com/office/drawing/2010/main">
                   <a:effectLst>
                     <a:outerShdw blurRad="63500" dist="38099" dir="2700000" algn="ctr" rotWithShape="0">
                       <a:schemeClr val="bg2">
@@ -4027,7 +4027,7 @@
             <a:effectLst/>
             <a:extLst>
               <a:ext uri="{91240B29-F687-4f45-9708-019B960494DF}">
-                <a14:hiddenLine xmlns:a14="http://schemas.microsoft.com/office/drawing/2010/main" xmlns="" w="9525">
+                <a14:hiddenLine xmlns="" xmlns:a14="http://schemas.microsoft.com/office/drawing/2010/main" w="9525">
                   <a:solidFill>
                     <a:schemeClr val="tx1"/>
                   </a:solidFill>
@@ -4037,7 +4037,7 @@
                 </a14:hiddenLine>
               </a:ext>
               <a:ext uri="{AF507438-7753-43e0-B8FC-AC1667EBCBE1}">
-                <a14:hiddenEffects xmlns:a14="http://schemas.microsoft.com/office/drawing/2010/main" xmlns="">
+                <a14:hiddenEffects xmlns="" xmlns:a14="http://schemas.microsoft.com/office/drawing/2010/main">
                   <a:effectLst>
                     <a:outerShdw blurRad="63500" dist="38099" dir="2700000" algn="ctr" rotWithShape="0">
                       <a:schemeClr val="bg2">
@@ -4082,7 +4082,7 @@
             <a:effectLst/>
             <a:extLst>
               <a:ext uri="{91240B29-F687-4f45-9708-019B960494DF}">
-                <a14:hiddenLine xmlns:a14="http://schemas.microsoft.com/office/drawing/2010/main" xmlns="" w="9525">
+                <a14:hiddenLine xmlns="" xmlns:a14="http://schemas.microsoft.com/office/drawing/2010/main" w="9525">
                   <a:solidFill>
                     <a:schemeClr val="tx1"/>
                   </a:solidFill>
@@ -4092,7 +4092,7 @@
                 </a14:hiddenLine>
               </a:ext>
               <a:ext uri="{AF507438-7753-43e0-B8FC-AC1667EBCBE1}">
-                <a14:hiddenEffects xmlns:a14="http://schemas.microsoft.com/office/drawing/2010/main" xmlns="">
+                <a14:hiddenEffects xmlns="" xmlns:a14="http://schemas.microsoft.com/office/drawing/2010/main">
                   <a:effectLst>
                     <a:outerShdw blurRad="63500" dist="38099" dir="2700000" algn="ctr" rotWithShape="0">
                       <a:schemeClr val="bg2">
@@ -4137,7 +4137,7 @@
             <a:effectLst/>
             <a:extLst>
               <a:ext uri="{91240B29-F687-4f45-9708-019B960494DF}">
-                <a14:hiddenLine xmlns:a14="http://schemas.microsoft.com/office/drawing/2010/main" xmlns="" w="9525">
+                <a14:hiddenLine xmlns="" xmlns:a14="http://schemas.microsoft.com/office/drawing/2010/main" w="9525">
                   <a:solidFill>
                     <a:schemeClr val="tx1"/>
                   </a:solidFill>
@@ -4147,7 +4147,7 @@
                 </a14:hiddenLine>
               </a:ext>
               <a:ext uri="{AF507438-7753-43e0-B8FC-AC1667EBCBE1}">
-                <a14:hiddenEffects xmlns:a14="http://schemas.microsoft.com/office/drawing/2010/main" xmlns="">
+                <a14:hiddenEffects xmlns="" xmlns:a14="http://schemas.microsoft.com/office/drawing/2010/main">
                   <a:effectLst>
                     <a:outerShdw blurRad="63500" dist="38099" dir="2700000" algn="ctr" rotWithShape="0">
                       <a:schemeClr val="bg2">
@@ -4192,7 +4192,7 @@
             <a:effectLst/>
             <a:extLst>
               <a:ext uri="{91240B29-F687-4f45-9708-019B960494DF}">
-                <a14:hiddenLine xmlns:a14="http://schemas.microsoft.com/office/drawing/2010/main" xmlns="" w="9525">
+                <a14:hiddenLine xmlns="" xmlns:a14="http://schemas.microsoft.com/office/drawing/2010/main" w="9525">
                   <a:solidFill>
                     <a:schemeClr val="tx1"/>
                   </a:solidFill>
@@ -4202,7 +4202,7 @@
                 </a14:hiddenLine>
               </a:ext>
               <a:ext uri="{AF507438-7753-43e0-B8FC-AC1667EBCBE1}">
-                <a14:hiddenEffects xmlns:a14="http://schemas.microsoft.com/office/drawing/2010/main" xmlns="">
+                <a14:hiddenEffects xmlns="" xmlns:a14="http://schemas.microsoft.com/office/drawing/2010/main">
                   <a:effectLst>
                     <a:outerShdw blurRad="63500" dist="38099" dir="2700000" algn="ctr" rotWithShape="0">
                       <a:schemeClr val="bg2">
@@ -4247,7 +4247,7 @@
             <a:effectLst/>
             <a:extLst>
               <a:ext uri="{91240B29-F687-4f45-9708-019B960494DF}">
-                <a14:hiddenLine xmlns:a14="http://schemas.microsoft.com/office/drawing/2010/main" xmlns="" w="9525">
+                <a14:hiddenLine xmlns="" xmlns:a14="http://schemas.microsoft.com/office/drawing/2010/main" w="9525">
                   <a:solidFill>
                     <a:schemeClr val="tx1"/>
                   </a:solidFill>
@@ -4257,7 +4257,7 @@
                 </a14:hiddenLine>
               </a:ext>
               <a:ext uri="{AF507438-7753-43e0-B8FC-AC1667EBCBE1}">
-                <a14:hiddenEffects xmlns:a14="http://schemas.microsoft.com/office/drawing/2010/main" xmlns="">
+                <a14:hiddenEffects xmlns="" xmlns:a14="http://schemas.microsoft.com/office/drawing/2010/main">
                   <a:effectLst>
                     <a:outerShdw blurRad="63500" dist="38099" dir="2700000" algn="ctr" rotWithShape="0">
                       <a:schemeClr val="bg2">
@@ -4302,7 +4302,7 @@
             <a:effectLst/>
             <a:extLst>
               <a:ext uri="{91240B29-F687-4f45-9708-019B960494DF}">
-                <a14:hiddenLine xmlns:a14="http://schemas.microsoft.com/office/drawing/2010/main" xmlns="" w="9525">
+                <a14:hiddenLine xmlns="" xmlns:a14="http://schemas.microsoft.com/office/drawing/2010/main" w="9525">
                   <a:solidFill>
                     <a:schemeClr val="tx1"/>
                   </a:solidFill>
@@ -4312,7 +4312,7 @@
                 </a14:hiddenLine>
               </a:ext>
               <a:ext uri="{AF507438-7753-43e0-B8FC-AC1667EBCBE1}">
-                <a14:hiddenEffects xmlns:a14="http://schemas.microsoft.com/office/drawing/2010/main" xmlns="">
+                <a14:hiddenEffects xmlns="" xmlns:a14="http://schemas.microsoft.com/office/drawing/2010/main">
                   <a:effectLst>
                     <a:outerShdw blurRad="63500" dist="38099" dir="2700000" algn="ctr" rotWithShape="0">
                       <a:schemeClr val="bg2">
@@ -4357,7 +4357,7 @@
             <a:effectLst/>
             <a:extLst>
               <a:ext uri="{91240B29-F687-4f45-9708-019B960494DF}">
-                <a14:hiddenLine xmlns:a14="http://schemas.microsoft.com/office/drawing/2010/main" xmlns="" w="9525">
+                <a14:hiddenLine xmlns="" xmlns:a14="http://schemas.microsoft.com/office/drawing/2010/main" w="9525">
                   <a:solidFill>
                     <a:schemeClr val="tx1"/>
                   </a:solidFill>
@@ -4367,7 +4367,7 @@
                 </a14:hiddenLine>
               </a:ext>
               <a:ext uri="{AF507438-7753-43e0-B8FC-AC1667EBCBE1}">
-                <a14:hiddenEffects xmlns:a14="http://schemas.microsoft.com/office/drawing/2010/main" xmlns="">
+                <a14:hiddenEffects xmlns="" xmlns:a14="http://schemas.microsoft.com/office/drawing/2010/main">
                   <a:effectLst>
                     <a:outerShdw blurRad="63500" dist="38099" dir="2700000" algn="ctr" rotWithShape="0">
                       <a:schemeClr val="bg2">
@@ -4412,7 +4412,7 @@
             <a:effectLst/>
             <a:extLst>
               <a:ext uri="{91240B29-F687-4f45-9708-019B960494DF}">
-                <a14:hiddenLine xmlns:a14="http://schemas.microsoft.com/office/drawing/2010/main" xmlns="" w="9525">
+                <a14:hiddenLine xmlns="" xmlns:a14="http://schemas.microsoft.com/office/drawing/2010/main" w="9525">
                   <a:solidFill>
                     <a:schemeClr val="tx1"/>
                   </a:solidFill>
@@ -4422,7 +4422,7 @@
                 </a14:hiddenLine>
               </a:ext>
               <a:ext uri="{AF507438-7753-43e0-B8FC-AC1667EBCBE1}">
-                <a14:hiddenEffects xmlns:a14="http://schemas.microsoft.com/office/drawing/2010/main" xmlns="">
+                <a14:hiddenEffects xmlns="" xmlns:a14="http://schemas.microsoft.com/office/drawing/2010/main">
                   <a:effectLst>
                     <a:outerShdw blurRad="63500" dist="38099" dir="2700000" algn="ctr" rotWithShape="0">
                       <a:schemeClr val="bg2">
@@ -4471,12 +4471,12 @@
           <a:effectLst/>
           <a:extLst>
             <a:ext uri="{909E8E84-426E-40dd-AFC4-6F175D3DCCD1}">
-              <a14:hiddenFill xmlns:a14="http://schemas.microsoft.com/office/drawing/2010/main" xmlns="">
+              <a14:hiddenFill xmlns="" xmlns:a14="http://schemas.microsoft.com/office/drawing/2010/main">
                 <a:noFill/>
               </a14:hiddenFill>
             </a:ext>
             <a:ext uri="{AF507438-7753-43e0-B8FC-AC1667EBCBE1}">
-              <a14:hiddenEffects xmlns:a14="http://schemas.microsoft.com/office/drawing/2010/main" xmlns="">
+              <a14:hiddenEffects xmlns="" xmlns:a14="http://schemas.microsoft.com/office/drawing/2010/main">
                 <a:effectLst>
                   <a:outerShdw blurRad="63500" dist="38099" dir="2700000" algn="ctr" rotWithShape="0">
                     <a:schemeClr val="bg2">
@@ -4501,13 +4501,6 @@
   <p:clrMapOvr>
     <a:masterClrMapping/>
   </p:clrMapOvr>
-  <p:timing>
-    <p:tnLst>
-      <p:par>
-        <p:cTn id="1" dur="indefinite" restart="never" nodeType="tmRoot"/>
-      </p:par>
-    </p:tnLst>
-  </p:timing>
 </p:sldLayout>
 </file>
 
@@ -4544,10 +4537,9 @@
           <a:lstStyle/>
           <a:p>
             <a:r>
-              <a:rPr lang="en-US" smtClean="0"/>
+              <a:rPr lang="en-US"/>
               <a:t>Click to edit Master title style</a:t>
             </a:r>
-            <a:endParaRPr lang="en-US"/>
           </a:p>
         </p:txBody>
       </p:sp>
@@ -4568,38 +4560,37 @@
           <a:p>
             <a:pPr lvl="0"/>
             <a:r>
-              <a:rPr lang="en-US" smtClean="0"/>
+              <a:rPr lang="en-US"/>
               <a:t>Click to edit Master text styles</a:t>
             </a:r>
           </a:p>
           <a:p>
             <a:pPr lvl="1"/>
             <a:r>
-              <a:rPr lang="en-US" smtClean="0"/>
+              <a:rPr lang="en-US"/>
               <a:t>Second level</a:t>
             </a:r>
           </a:p>
           <a:p>
             <a:pPr lvl="2"/>
             <a:r>
-              <a:rPr lang="en-US" smtClean="0"/>
+              <a:rPr lang="en-US"/>
               <a:t>Third level</a:t>
             </a:r>
           </a:p>
           <a:p>
             <a:pPr lvl="3"/>
             <a:r>
-              <a:rPr lang="en-US" smtClean="0"/>
+              <a:rPr lang="en-US"/>
               <a:t>Fourth level</a:t>
             </a:r>
           </a:p>
           <a:p>
             <a:pPr lvl="4"/>
             <a:r>
-              <a:rPr lang="en-US" smtClean="0"/>
+              <a:rPr lang="en-US"/>
               <a:t>Fifth level</a:t>
             </a:r>
-            <a:endParaRPr lang="en-US"/>
           </a:p>
         </p:txBody>
       </p:sp>
@@ -4728,10 +4719,9 @@
           <a:lstStyle/>
           <a:p>
             <a:r>
-              <a:rPr lang="en-US" smtClean="0"/>
+              <a:rPr lang="en-US"/>
               <a:t>Click to edit Master title style</a:t>
             </a:r>
-            <a:endParaRPr lang="en-US"/>
           </a:p>
         </p:txBody>
       </p:sp>
@@ -4757,38 +4747,37 @@
           <a:p>
             <a:pPr lvl="0"/>
             <a:r>
-              <a:rPr lang="en-US" smtClean="0"/>
+              <a:rPr lang="en-US"/>
               <a:t>Click to edit Master text styles</a:t>
             </a:r>
           </a:p>
           <a:p>
             <a:pPr lvl="1"/>
             <a:r>
-              <a:rPr lang="en-US" smtClean="0"/>
+              <a:rPr lang="en-US"/>
               <a:t>Second level</a:t>
             </a:r>
           </a:p>
           <a:p>
             <a:pPr lvl="2"/>
             <a:r>
-              <a:rPr lang="en-US" smtClean="0"/>
+              <a:rPr lang="en-US"/>
               <a:t>Third level</a:t>
             </a:r>
           </a:p>
           <a:p>
             <a:pPr lvl="3"/>
             <a:r>
-              <a:rPr lang="en-US" smtClean="0"/>
+              <a:rPr lang="en-US"/>
               <a:t>Fourth level</a:t>
             </a:r>
           </a:p>
           <a:p>
             <a:pPr lvl="4"/>
             <a:r>
-              <a:rPr lang="en-US" smtClean="0"/>
+              <a:rPr lang="en-US"/>
               <a:t>Fifth level</a:t>
             </a:r>
-            <a:endParaRPr lang="en-US"/>
           </a:p>
         </p:txBody>
       </p:sp>
@@ -4912,10 +4901,9 @@
           <a:lstStyle/>
           <a:p>
             <a:r>
-              <a:rPr lang="en-US" smtClean="0"/>
+              <a:rPr lang="en-US"/>
               <a:t>Click to edit Master title style</a:t>
             </a:r>
-            <a:endParaRPr lang="en-US"/>
           </a:p>
         </p:txBody>
       </p:sp>
@@ -4936,38 +4924,37 @@
           <a:p>
             <a:pPr lvl="0"/>
             <a:r>
-              <a:rPr lang="en-US" smtClean="0"/>
+              <a:rPr lang="en-US"/>
               <a:t>Click to edit Master text styles</a:t>
             </a:r>
           </a:p>
           <a:p>
             <a:pPr lvl="1"/>
             <a:r>
-              <a:rPr lang="en-US" smtClean="0"/>
+              <a:rPr lang="en-US"/>
               <a:t>Second level</a:t>
             </a:r>
           </a:p>
           <a:p>
             <a:pPr lvl="2"/>
             <a:r>
-              <a:rPr lang="en-US" smtClean="0"/>
+              <a:rPr lang="en-US"/>
               <a:t>Third level</a:t>
             </a:r>
           </a:p>
           <a:p>
             <a:pPr lvl="3"/>
             <a:r>
-              <a:rPr lang="en-US" smtClean="0"/>
+              <a:rPr lang="en-US"/>
               <a:t>Fourth level</a:t>
             </a:r>
           </a:p>
           <a:p>
             <a:pPr lvl="4"/>
             <a:r>
-              <a:rPr lang="en-US" smtClean="0"/>
+              <a:rPr lang="en-US"/>
               <a:t>Fifth level</a:t>
             </a:r>
-            <a:endParaRPr lang="en-US"/>
           </a:p>
         </p:txBody>
       </p:sp>
@@ -5100,10 +5087,9 @@
           </a:lstStyle>
           <a:p>
             <a:r>
-              <a:rPr lang="en-US" smtClean="0"/>
+              <a:rPr lang="en-US"/>
               <a:t>Click to edit Master title style</a:t>
             </a:r>
-            <a:endParaRPr lang="en-US"/>
           </a:p>
         </p:txBody>
       </p:sp>
@@ -5166,7 +5152,7 @@
           <a:p>
             <a:pPr lvl="0"/>
             <a:r>
-              <a:rPr lang="en-US" smtClean="0"/>
+              <a:rPr lang="en-US"/>
               <a:t>Click to edit Master text styles</a:t>
             </a:r>
           </a:p>
@@ -5292,10 +5278,9 @@
           <a:lstStyle/>
           <a:p>
             <a:r>
-              <a:rPr lang="en-US" smtClean="0"/>
+              <a:rPr lang="en-US"/>
               <a:t>Click to edit Master title style</a:t>
             </a:r>
-            <a:endParaRPr lang="en-US"/>
           </a:p>
         </p:txBody>
       </p:sp>
@@ -5349,38 +5334,37 @@
           <a:p>
             <a:pPr lvl="0"/>
             <a:r>
-              <a:rPr lang="en-US" smtClean="0"/>
+              <a:rPr lang="en-US"/>
               <a:t>Click to edit Master text styles</a:t>
             </a:r>
           </a:p>
           <a:p>
             <a:pPr lvl="1"/>
             <a:r>
-              <a:rPr lang="en-US" smtClean="0"/>
+              <a:rPr lang="en-US"/>
               <a:t>Second level</a:t>
             </a:r>
           </a:p>
           <a:p>
             <a:pPr lvl="2"/>
             <a:r>
-              <a:rPr lang="en-US" smtClean="0"/>
+              <a:rPr lang="en-US"/>
               <a:t>Third level</a:t>
             </a:r>
           </a:p>
           <a:p>
             <a:pPr lvl="3"/>
             <a:r>
-              <a:rPr lang="en-US" smtClean="0"/>
+              <a:rPr lang="en-US"/>
               <a:t>Fourth level</a:t>
             </a:r>
           </a:p>
           <a:p>
             <a:pPr lvl="4"/>
             <a:r>
-              <a:rPr lang="en-US" smtClean="0"/>
+              <a:rPr lang="en-US"/>
               <a:t>Fifth level</a:t>
             </a:r>
-            <a:endParaRPr lang="en-US"/>
           </a:p>
         </p:txBody>
       </p:sp>
@@ -5434,38 +5418,37 @@
           <a:p>
             <a:pPr lvl="0"/>
             <a:r>
-              <a:rPr lang="en-US" smtClean="0"/>
+              <a:rPr lang="en-US"/>
               <a:t>Click to edit Master text styles</a:t>
             </a:r>
           </a:p>
           <a:p>
             <a:pPr lvl="1"/>
             <a:r>
-              <a:rPr lang="en-US" smtClean="0"/>
+              <a:rPr lang="en-US"/>
               <a:t>Second level</a:t>
             </a:r>
           </a:p>
           <a:p>
             <a:pPr lvl="2"/>
             <a:r>
-              <a:rPr lang="en-US" smtClean="0"/>
+              <a:rPr lang="en-US"/>
               <a:t>Third level</a:t>
             </a:r>
           </a:p>
           <a:p>
             <a:pPr lvl="3"/>
             <a:r>
-              <a:rPr lang="en-US" smtClean="0"/>
+              <a:rPr lang="en-US"/>
               <a:t>Fourth level</a:t>
             </a:r>
           </a:p>
           <a:p>
             <a:pPr lvl="4"/>
             <a:r>
-              <a:rPr lang="en-US" smtClean="0"/>
+              <a:rPr lang="en-US"/>
               <a:t>Fifth level</a:t>
             </a:r>
-            <a:endParaRPr lang="en-US"/>
           </a:p>
         </p:txBody>
       </p:sp>
@@ -5598,10 +5581,9 @@
           </a:lstStyle>
           <a:p>
             <a:r>
-              <a:rPr lang="en-US" smtClean="0"/>
+              <a:rPr lang="en-US"/>
               <a:t>Click to edit Master title style</a:t>
             </a:r>
-            <a:endParaRPr lang="en-US"/>
           </a:p>
         </p:txBody>
       </p:sp>
@@ -5664,7 +5646,7 @@
           <a:p>
             <a:pPr lvl="0"/>
             <a:r>
-              <a:rPr lang="en-US" smtClean="0"/>
+              <a:rPr lang="en-US"/>
               <a:t>Click to edit Master text styles</a:t>
             </a:r>
           </a:p>
@@ -5720,38 +5702,37 @@
           <a:p>
             <a:pPr lvl="0"/>
             <a:r>
-              <a:rPr lang="en-US" smtClean="0"/>
+              <a:rPr lang="en-US"/>
               <a:t>Click to edit Master text styles</a:t>
             </a:r>
           </a:p>
           <a:p>
             <a:pPr lvl="1"/>
             <a:r>
-              <a:rPr lang="en-US" smtClean="0"/>
+              <a:rPr lang="en-US"/>
               <a:t>Second level</a:t>
             </a:r>
           </a:p>
           <a:p>
             <a:pPr lvl="2"/>
             <a:r>
-              <a:rPr lang="en-US" smtClean="0"/>
+              <a:rPr lang="en-US"/>
               <a:t>Third level</a:t>
             </a:r>
           </a:p>
           <a:p>
             <a:pPr lvl="3"/>
             <a:r>
-              <a:rPr lang="en-US" smtClean="0"/>
+              <a:rPr lang="en-US"/>
               <a:t>Fourth level</a:t>
             </a:r>
           </a:p>
           <a:p>
             <a:pPr lvl="4"/>
             <a:r>
-              <a:rPr lang="en-US" smtClean="0"/>
+              <a:rPr lang="en-US"/>
               <a:t>Fifth level</a:t>
             </a:r>
-            <a:endParaRPr lang="en-US"/>
           </a:p>
         </p:txBody>
       </p:sp>
@@ -5814,7 +5795,7 @@
           <a:p>
             <a:pPr lvl="0"/>
             <a:r>
-              <a:rPr lang="en-US" smtClean="0"/>
+              <a:rPr lang="en-US"/>
               <a:t>Click to edit Master text styles</a:t>
             </a:r>
           </a:p>
@@ -5870,38 +5851,37 @@
           <a:p>
             <a:pPr lvl="0"/>
             <a:r>
-              <a:rPr lang="en-US" smtClean="0"/>
+              <a:rPr lang="en-US"/>
               <a:t>Click to edit Master text styles</a:t>
             </a:r>
           </a:p>
           <a:p>
             <a:pPr lvl="1"/>
             <a:r>
-              <a:rPr lang="en-US" smtClean="0"/>
+              <a:rPr lang="en-US"/>
               <a:t>Second level</a:t>
             </a:r>
           </a:p>
           <a:p>
             <a:pPr lvl="2"/>
             <a:r>
-              <a:rPr lang="en-US" smtClean="0"/>
+              <a:rPr lang="en-US"/>
               <a:t>Third level</a:t>
             </a:r>
           </a:p>
           <a:p>
             <a:pPr lvl="3"/>
             <a:r>
-              <a:rPr lang="en-US" smtClean="0"/>
+              <a:rPr lang="en-US"/>
               <a:t>Fourth level</a:t>
             </a:r>
           </a:p>
           <a:p>
             <a:pPr lvl="4"/>
             <a:r>
-              <a:rPr lang="en-US" smtClean="0"/>
+              <a:rPr lang="en-US"/>
               <a:t>Fifth level</a:t>
             </a:r>
-            <a:endParaRPr lang="en-US"/>
           </a:p>
         </p:txBody>
       </p:sp>
@@ -6025,10 +6005,9 @@
           <a:lstStyle/>
           <a:p>
             <a:r>
-              <a:rPr lang="en-US" smtClean="0"/>
+              <a:rPr lang="en-US"/>
               <a:t>Click to edit Master title style</a:t>
             </a:r>
-            <a:endParaRPr lang="en-US"/>
           </a:p>
         </p:txBody>
       </p:sp>
@@ -6265,10 +6244,9 @@
           </a:lstStyle>
           <a:p>
             <a:r>
-              <a:rPr lang="en-US" smtClean="0"/>
+              <a:rPr lang="en-US"/>
               <a:t>Click to edit Master title style</a:t>
             </a:r>
-            <a:endParaRPr lang="en-US"/>
           </a:p>
         </p:txBody>
       </p:sp>
@@ -6322,38 +6300,37 @@
           <a:p>
             <a:pPr lvl="0"/>
             <a:r>
-              <a:rPr lang="en-US" smtClean="0"/>
+              <a:rPr lang="en-US"/>
               <a:t>Click to edit Master text styles</a:t>
             </a:r>
           </a:p>
           <a:p>
             <a:pPr lvl="1"/>
             <a:r>
-              <a:rPr lang="en-US" smtClean="0"/>
+              <a:rPr lang="en-US"/>
               <a:t>Second level</a:t>
             </a:r>
           </a:p>
           <a:p>
             <a:pPr lvl="2"/>
             <a:r>
-              <a:rPr lang="en-US" smtClean="0"/>
+              <a:rPr lang="en-US"/>
               <a:t>Third level</a:t>
             </a:r>
           </a:p>
           <a:p>
             <a:pPr lvl="3"/>
             <a:r>
-              <a:rPr lang="en-US" smtClean="0"/>
+              <a:rPr lang="en-US"/>
               <a:t>Fourth level</a:t>
             </a:r>
           </a:p>
           <a:p>
             <a:pPr lvl="4"/>
             <a:r>
-              <a:rPr lang="en-US" smtClean="0"/>
+              <a:rPr lang="en-US"/>
               <a:t>Fifth level</a:t>
             </a:r>
-            <a:endParaRPr lang="en-US"/>
           </a:p>
         </p:txBody>
       </p:sp>
@@ -6416,7 +6393,7 @@
           <a:p>
             <a:pPr lvl="0"/>
             <a:r>
-              <a:rPr lang="en-US" smtClean="0"/>
+              <a:rPr lang="en-US"/>
               <a:t>Click to edit Master text styles</a:t>
             </a:r>
           </a:p>
@@ -6551,10 +6528,9 @@
           </a:lstStyle>
           <a:p>
             <a:r>
-              <a:rPr lang="en-US" smtClean="0"/>
+              <a:rPr lang="en-US"/>
               <a:t>Click to edit Master title style</a:t>
             </a:r>
-            <a:endParaRPr lang="en-US"/>
           </a:p>
         </p:txBody>
       </p:sp>
@@ -6678,7 +6654,7 @@
           <a:p>
             <a:pPr lvl="0"/>
             <a:r>
-              <a:rPr lang="en-US" smtClean="0"/>
+              <a:rPr lang="en-US"/>
               <a:t>Click to edit Master text styles</a:t>
             </a:r>
           </a:p>
@@ -6824,12 +6800,12 @@
           <a:effectLst/>
           <a:extLst>
             <a:ext uri="{909E8E84-426E-40dd-AFC4-6F175D3DCCD1}">
-              <a14:hiddenFill xmlns:a14="http://schemas.microsoft.com/office/drawing/2010/main" xmlns="">
+              <a14:hiddenFill xmlns="" xmlns:a14="http://schemas.microsoft.com/office/drawing/2010/main">
                 <a:noFill/>
               </a14:hiddenFill>
             </a:ext>
             <a:ext uri="{AF507438-7753-43e0-B8FC-AC1667EBCBE1}">
-              <a14:hiddenEffects xmlns:a14="http://schemas.microsoft.com/office/drawing/2010/main" xmlns="">
+              <a14:hiddenEffects xmlns="" xmlns:a14="http://schemas.microsoft.com/office/drawing/2010/main">
                 <a:effectLst>
                   <a:outerShdw blurRad="63500" dist="38099" dir="2700000" algn="ctr" rotWithShape="0">
                     <a:schemeClr val="bg2">
@@ -6874,17 +6850,17 @@
           <a:effectLst/>
           <a:extLst>
             <a:ext uri="{FAA26D3D-D897-4be2-8F04-BA451C77F1D7}">
-              <ma14:placeholderFlag xmlns:ma14="http://schemas.microsoft.com/office/mac/drawingml/2011/main" val="1"/>
+              <ma14:placeholderFlag xmlns:ma14="http://schemas.microsoft.com/office/mac/drawingml/2011/main" xmlns="" val="1"/>
             </a:ext>
             <a:ext uri="{909E8E84-426E-40dd-AFC4-6F175D3DCCD1}">
-              <a14:hiddenFill xmlns:a14="http://schemas.microsoft.com/office/drawing/2010/main" xmlns="">
+              <a14:hiddenFill xmlns="" xmlns:a14="http://schemas.microsoft.com/office/drawing/2010/main">
                 <a:solidFill>
                   <a:schemeClr val="accent1"/>
                 </a:solidFill>
               </a14:hiddenFill>
             </a:ext>
             <a:ext uri="{91240B29-F687-4f45-9708-019B960494DF}">
-              <a14:hiddenLine xmlns:a14="http://schemas.microsoft.com/office/drawing/2010/main" xmlns="" w="9525">
+              <a14:hiddenLine xmlns="" xmlns:a14="http://schemas.microsoft.com/office/drawing/2010/main" w="9525">
                 <a:solidFill>
                   <a:schemeClr val="tx1"/>
                 </a:solidFill>
@@ -6894,7 +6870,7 @@
               </a14:hiddenLine>
             </a:ext>
             <a:ext uri="{AF507438-7753-43e0-B8FC-AC1667EBCBE1}">
-              <a14:hiddenEffects xmlns:a14="http://schemas.microsoft.com/office/drawing/2010/main" xmlns="">
+              <a14:hiddenEffects xmlns="" xmlns:a14="http://schemas.microsoft.com/office/drawing/2010/main">
                 <a:effectLst>
                   <a:outerShdw blurRad="63500" dist="38099" dir="2700000" algn="ctr" rotWithShape="0">
                     <a:schemeClr val="bg2">
@@ -6947,17 +6923,17 @@
           <a:effectLst/>
           <a:extLst>
             <a:ext uri="{FAA26D3D-D897-4be2-8F04-BA451C77F1D7}">
-              <ma14:placeholderFlag xmlns:ma14="http://schemas.microsoft.com/office/mac/drawingml/2011/main" val="1"/>
+              <ma14:placeholderFlag xmlns:ma14="http://schemas.microsoft.com/office/mac/drawingml/2011/main" xmlns="" val="1"/>
             </a:ext>
             <a:ext uri="{909E8E84-426E-40dd-AFC4-6F175D3DCCD1}">
-              <a14:hiddenFill xmlns:a14="http://schemas.microsoft.com/office/drawing/2010/main" xmlns="">
+              <a14:hiddenFill xmlns="" xmlns:a14="http://schemas.microsoft.com/office/drawing/2010/main">
                 <a:solidFill>
                   <a:schemeClr val="accent1"/>
                 </a:solidFill>
               </a14:hiddenFill>
             </a:ext>
             <a:ext uri="{91240B29-F687-4f45-9708-019B960494DF}">
-              <a14:hiddenLine xmlns:a14="http://schemas.microsoft.com/office/drawing/2010/main" xmlns="" w="9525">
+              <a14:hiddenLine xmlns="" xmlns:a14="http://schemas.microsoft.com/office/drawing/2010/main" w="9525">
                 <a:solidFill>
                   <a:schemeClr val="tx1"/>
                 </a:solidFill>
@@ -6967,7 +6943,7 @@
               </a14:hiddenLine>
             </a:ext>
             <a:ext uri="{AF507438-7753-43e0-B8FC-AC1667EBCBE1}">
-              <a14:hiddenEffects xmlns:a14="http://schemas.microsoft.com/office/drawing/2010/main" xmlns="">
+              <a14:hiddenEffects xmlns="" xmlns:a14="http://schemas.microsoft.com/office/drawing/2010/main">
                 <a:effectLst>
                   <a:outerShdw blurRad="63500" dist="38099" dir="2700000" algn="ctr" rotWithShape="0">
                     <a:schemeClr val="bg2">
@@ -7048,17 +7024,17 @@
           <a:effectLst/>
           <a:extLst>
             <a:ext uri="{FAA26D3D-D897-4be2-8F04-BA451C77F1D7}">
-              <ma14:placeholderFlag xmlns:ma14="http://schemas.microsoft.com/office/mac/drawingml/2011/main" val="1"/>
+              <ma14:placeholderFlag xmlns:ma14="http://schemas.microsoft.com/office/mac/drawingml/2011/main" xmlns="" val="1"/>
             </a:ext>
             <a:ext uri="{909E8E84-426E-40dd-AFC4-6F175D3DCCD1}">
-              <a14:hiddenFill xmlns:a14="http://schemas.microsoft.com/office/drawing/2010/main" xmlns="">
+              <a14:hiddenFill xmlns="" xmlns:a14="http://schemas.microsoft.com/office/drawing/2010/main">
                 <a:solidFill>
                   <a:schemeClr val="accent1"/>
                 </a:solidFill>
               </a14:hiddenFill>
             </a:ext>
             <a:ext uri="{91240B29-F687-4f45-9708-019B960494DF}">
-              <a14:hiddenLine xmlns:a14="http://schemas.microsoft.com/office/drawing/2010/main" xmlns="" w="9525">
+              <a14:hiddenLine xmlns="" xmlns:a14="http://schemas.microsoft.com/office/drawing/2010/main" w="9525">
                 <a:solidFill>
                   <a:schemeClr val="tx1"/>
                 </a:solidFill>
@@ -7068,7 +7044,7 @@
               </a14:hiddenLine>
             </a:ext>
             <a:ext uri="{AF507438-7753-43e0-B8FC-AC1667EBCBE1}">
-              <a14:hiddenEffects xmlns:a14="http://schemas.microsoft.com/office/drawing/2010/main" xmlns="">
+              <a14:hiddenEffects xmlns="" xmlns:a14="http://schemas.microsoft.com/office/drawing/2010/main">
                 <a:effectLst>
                   <a:outerShdw blurRad="63500" dist="38099" dir="2700000" algn="ctr" rotWithShape="0">
                     <a:schemeClr val="bg2">
@@ -7121,17 +7097,17 @@
           <a:effectLst/>
           <a:extLst>
             <a:ext uri="{FAA26D3D-D897-4be2-8F04-BA451C77F1D7}">
-              <ma14:placeholderFlag xmlns:ma14="http://schemas.microsoft.com/office/mac/drawingml/2011/main" val="1"/>
+              <ma14:placeholderFlag xmlns:ma14="http://schemas.microsoft.com/office/mac/drawingml/2011/main" xmlns="" val="1"/>
             </a:ext>
             <a:ext uri="{909E8E84-426E-40dd-AFC4-6F175D3DCCD1}">
-              <a14:hiddenFill xmlns:a14="http://schemas.microsoft.com/office/drawing/2010/main" xmlns="">
+              <a14:hiddenFill xmlns="" xmlns:a14="http://schemas.microsoft.com/office/drawing/2010/main">
                 <a:solidFill>
                   <a:schemeClr val="accent1"/>
                 </a:solidFill>
               </a14:hiddenFill>
             </a:ext>
             <a:ext uri="{91240B29-F687-4f45-9708-019B960494DF}">
-              <a14:hiddenLine xmlns:a14="http://schemas.microsoft.com/office/drawing/2010/main" xmlns="" w="9525">
+              <a14:hiddenLine xmlns="" xmlns:a14="http://schemas.microsoft.com/office/drawing/2010/main" w="9525">
                 <a:solidFill>
                   <a:schemeClr val="tx1"/>
                 </a:solidFill>
@@ -7141,7 +7117,7 @@
               </a14:hiddenLine>
             </a:ext>
             <a:ext uri="{AF507438-7753-43e0-B8FC-AC1667EBCBE1}">
-              <a14:hiddenEffects xmlns:a14="http://schemas.microsoft.com/office/drawing/2010/main" xmlns="">
+              <a14:hiddenEffects xmlns="" xmlns:a14="http://schemas.microsoft.com/office/drawing/2010/main">
                 <a:effectLst>
                   <a:outerShdw blurRad="63500" dist="38099" dir="2700000" algn="ctr" rotWithShape="0">
                     <a:schemeClr val="bg2">
@@ -7194,17 +7170,17 @@
           <a:effectLst/>
           <a:extLst>
             <a:ext uri="{FAA26D3D-D897-4be2-8F04-BA451C77F1D7}">
-              <ma14:placeholderFlag xmlns:ma14="http://schemas.microsoft.com/office/mac/drawingml/2011/main" val="1"/>
+              <ma14:placeholderFlag xmlns:ma14="http://schemas.microsoft.com/office/mac/drawingml/2011/main" xmlns="" val="1"/>
             </a:ext>
             <a:ext uri="{909E8E84-426E-40dd-AFC4-6F175D3DCCD1}">
-              <a14:hiddenFill xmlns:a14="http://schemas.microsoft.com/office/drawing/2010/main" xmlns="">
+              <a14:hiddenFill xmlns="" xmlns:a14="http://schemas.microsoft.com/office/drawing/2010/main">
                 <a:solidFill>
                   <a:schemeClr val="accent1"/>
                 </a:solidFill>
               </a14:hiddenFill>
             </a:ext>
             <a:ext uri="{91240B29-F687-4f45-9708-019B960494DF}">
-              <a14:hiddenLine xmlns:a14="http://schemas.microsoft.com/office/drawing/2010/main" xmlns="" w="9525">
+              <a14:hiddenLine xmlns="" xmlns:a14="http://schemas.microsoft.com/office/drawing/2010/main" w="9525">
                 <a:solidFill>
                   <a:schemeClr val="tx1"/>
                 </a:solidFill>
@@ -7214,7 +7190,7 @@
               </a14:hiddenLine>
             </a:ext>
             <a:ext uri="{AF507438-7753-43e0-B8FC-AC1667EBCBE1}">
-              <a14:hiddenEffects xmlns:a14="http://schemas.microsoft.com/office/drawing/2010/main" xmlns="">
+              <a14:hiddenEffects xmlns="" xmlns:a14="http://schemas.microsoft.com/office/drawing/2010/main">
                 <a:effectLst>
                   <a:outerShdw blurRad="63500" dist="38099" dir="2700000" algn="ctr" rotWithShape="0">
                     <a:schemeClr val="bg2">
@@ -7288,7 +7264,7 @@
             <a:effectLst/>
             <a:extLst>
               <a:ext uri="{91240B29-F687-4f45-9708-019B960494DF}">
-                <a14:hiddenLine xmlns:a14="http://schemas.microsoft.com/office/drawing/2010/main" xmlns="" w="9525">
+                <a14:hiddenLine xmlns="" xmlns:a14="http://schemas.microsoft.com/office/drawing/2010/main" w="9525">
                   <a:solidFill>
                     <a:schemeClr val="tx1"/>
                   </a:solidFill>
@@ -7298,7 +7274,7 @@
                 </a14:hiddenLine>
               </a:ext>
               <a:ext uri="{AF507438-7753-43e0-B8FC-AC1667EBCBE1}">
-                <a14:hiddenEffects xmlns:a14="http://schemas.microsoft.com/office/drawing/2010/main" xmlns="">
+                <a14:hiddenEffects xmlns="" xmlns:a14="http://schemas.microsoft.com/office/drawing/2010/main">
                   <a:effectLst>
                     <a:outerShdw blurRad="63500" dist="38099" dir="2700000" algn="ctr" rotWithShape="0">
                       <a:schemeClr val="bg2">
@@ -7343,7 +7319,7 @@
             <a:effectLst/>
             <a:extLst>
               <a:ext uri="{91240B29-F687-4f45-9708-019B960494DF}">
-                <a14:hiddenLine xmlns:a14="http://schemas.microsoft.com/office/drawing/2010/main" xmlns="" w="9525">
+                <a14:hiddenLine xmlns="" xmlns:a14="http://schemas.microsoft.com/office/drawing/2010/main" w="9525">
                   <a:solidFill>
                     <a:schemeClr val="tx1"/>
                   </a:solidFill>
@@ -7353,7 +7329,7 @@
                 </a14:hiddenLine>
               </a:ext>
               <a:ext uri="{AF507438-7753-43e0-B8FC-AC1667EBCBE1}">
-                <a14:hiddenEffects xmlns:a14="http://schemas.microsoft.com/office/drawing/2010/main" xmlns="">
+                <a14:hiddenEffects xmlns="" xmlns:a14="http://schemas.microsoft.com/office/drawing/2010/main">
                   <a:effectLst>
                     <a:outerShdw blurRad="63500" dist="38099" dir="2700000" algn="ctr" rotWithShape="0">
                       <a:schemeClr val="bg2">
@@ -7398,7 +7374,7 @@
             <a:effectLst/>
             <a:extLst>
               <a:ext uri="{91240B29-F687-4f45-9708-019B960494DF}">
-                <a14:hiddenLine xmlns:a14="http://schemas.microsoft.com/office/drawing/2010/main" xmlns="" w="9525">
+                <a14:hiddenLine xmlns="" xmlns:a14="http://schemas.microsoft.com/office/drawing/2010/main" w="9525">
                   <a:solidFill>
                     <a:schemeClr val="tx1"/>
                   </a:solidFill>
@@ -7408,7 +7384,7 @@
                 </a14:hiddenLine>
               </a:ext>
               <a:ext uri="{AF507438-7753-43e0-B8FC-AC1667EBCBE1}">
-                <a14:hiddenEffects xmlns:a14="http://schemas.microsoft.com/office/drawing/2010/main" xmlns="">
+                <a14:hiddenEffects xmlns="" xmlns:a14="http://schemas.microsoft.com/office/drawing/2010/main">
                   <a:effectLst>
                     <a:outerShdw blurRad="63500" dist="38099" dir="2700000" algn="ctr" rotWithShape="0">
                       <a:schemeClr val="bg2">
@@ -7453,7 +7429,7 @@
             <a:effectLst/>
             <a:extLst>
               <a:ext uri="{91240B29-F687-4f45-9708-019B960494DF}">
-                <a14:hiddenLine xmlns:a14="http://schemas.microsoft.com/office/drawing/2010/main" xmlns="" w="9525">
+                <a14:hiddenLine xmlns="" xmlns:a14="http://schemas.microsoft.com/office/drawing/2010/main" w="9525">
                   <a:solidFill>
                     <a:schemeClr val="tx1"/>
                   </a:solidFill>
@@ -7463,7 +7439,7 @@
                 </a14:hiddenLine>
               </a:ext>
               <a:ext uri="{AF507438-7753-43e0-B8FC-AC1667EBCBE1}">
-                <a14:hiddenEffects xmlns:a14="http://schemas.microsoft.com/office/drawing/2010/main" xmlns="">
+                <a14:hiddenEffects xmlns="" xmlns:a14="http://schemas.microsoft.com/office/drawing/2010/main">
                   <a:effectLst>
                     <a:outerShdw blurRad="63500" dist="38099" dir="2700000" algn="ctr" rotWithShape="0">
                       <a:schemeClr val="bg2">
@@ -7508,7 +7484,7 @@
             <a:effectLst/>
             <a:extLst>
               <a:ext uri="{91240B29-F687-4f45-9708-019B960494DF}">
-                <a14:hiddenLine xmlns:a14="http://schemas.microsoft.com/office/drawing/2010/main" xmlns="" w="9525">
+                <a14:hiddenLine xmlns="" xmlns:a14="http://schemas.microsoft.com/office/drawing/2010/main" w="9525">
                   <a:solidFill>
                     <a:schemeClr val="tx1"/>
                   </a:solidFill>
@@ -7518,7 +7494,7 @@
                 </a14:hiddenLine>
               </a:ext>
               <a:ext uri="{AF507438-7753-43e0-B8FC-AC1667EBCBE1}">
-                <a14:hiddenEffects xmlns:a14="http://schemas.microsoft.com/office/drawing/2010/main" xmlns="">
+                <a14:hiddenEffects xmlns="" xmlns:a14="http://schemas.microsoft.com/office/drawing/2010/main">
                   <a:effectLst>
                     <a:outerShdw blurRad="63500" dist="38099" dir="2700000" algn="ctr" rotWithShape="0">
                       <a:schemeClr val="bg2">
@@ -7563,7 +7539,7 @@
             <a:effectLst/>
             <a:extLst>
               <a:ext uri="{91240B29-F687-4f45-9708-019B960494DF}">
-                <a14:hiddenLine xmlns:a14="http://schemas.microsoft.com/office/drawing/2010/main" xmlns="" w="9525">
+                <a14:hiddenLine xmlns="" xmlns:a14="http://schemas.microsoft.com/office/drawing/2010/main" w="9525">
                   <a:solidFill>
                     <a:schemeClr val="tx1"/>
                   </a:solidFill>
@@ -7573,7 +7549,7 @@
                 </a14:hiddenLine>
               </a:ext>
               <a:ext uri="{AF507438-7753-43e0-B8FC-AC1667EBCBE1}">
-                <a14:hiddenEffects xmlns:a14="http://schemas.microsoft.com/office/drawing/2010/main" xmlns="">
+                <a14:hiddenEffects xmlns="" xmlns:a14="http://schemas.microsoft.com/office/drawing/2010/main">
                   <a:effectLst>
                     <a:outerShdw blurRad="63500" dist="38099" dir="2700000" algn="ctr" rotWithShape="0">
                       <a:schemeClr val="bg2">
@@ -7618,7 +7594,7 @@
             <a:effectLst/>
             <a:extLst>
               <a:ext uri="{91240B29-F687-4f45-9708-019B960494DF}">
-                <a14:hiddenLine xmlns:a14="http://schemas.microsoft.com/office/drawing/2010/main" xmlns="" w="9525">
+                <a14:hiddenLine xmlns="" xmlns:a14="http://schemas.microsoft.com/office/drawing/2010/main" w="9525">
                   <a:solidFill>
                     <a:schemeClr val="tx1"/>
                   </a:solidFill>
@@ -7628,7 +7604,7 @@
                 </a14:hiddenLine>
               </a:ext>
               <a:ext uri="{AF507438-7753-43e0-B8FC-AC1667EBCBE1}">
-                <a14:hiddenEffects xmlns:a14="http://schemas.microsoft.com/office/drawing/2010/main" xmlns="">
+                <a14:hiddenEffects xmlns="" xmlns:a14="http://schemas.microsoft.com/office/drawing/2010/main">
                   <a:effectLst>
                     <a:outerShdw blurRad="63500" dist="38099" dir="2700000" algn="ctr" rotWithShape="0">
                       <a:schemeClr val="bg2">
@@ -7673,7 +7649,7 @@
             <a:effectLst/>
             <a:extLst>
               <a:ext uri="{91240B29-F687-4f45-9708-019B960494DF}">
-                <a14:hiddenLine xmlns:a14="http://schemas.microsoft.com/office/drawing/2010/main" xmlns="" w="9525">
+                <a14:hiddenLine xmlns="" xmlns:a14="http://schemas.microsoft.com/office/drawing/2010/main" w="9525">
                   <a:solidFill>
                     <a:schemeClr val="tx1"/>
                   </a:solidFill>
@@ -7683,7 +7659,7 @@
                 </a14:hiddenLine>
               </a:ext>
               <a:ext uri="{AF507438-7753-43e0-B8FC-AC1667EBCBE1}">
-                <a14:hiddenEffects xmlns:a14="http://schemas.microsoft.com/office/drawing/2010/main" xmlns="">
+                <a14:hiddenEffects xmlns="" xmlns:a14="http://schemas.microsoft.com/office/drawing/2010/main">
                   <a:effectLst>
                     <a:outerShdw blurRad="63500" dist="38099" dir="2700000" algn="ctr" rotWithShape="0">
                       <a:schemeClr val="bg2">
@@ -7728,7 +7704,7 @@
             <a:effectLst/>
             <a:extLst>
               <a:ext uri="{91240B29-F687-4f45-9708-019B960494DF}">
-                <a14:hiddenLine xmlns:a14="http://schemas.microsoft.com/office/drawing/2010/main" xmlns="" w="9525">
+                <a14:hiddenLine xmlns="" xmlns:a14="http://schemas.microsoft.com/office/drawing/2010/main" w="9525">
                   <a:solidFill>
                     <a:schemeClr val="tx1"/>
                   </a:solidFill>
@@ -7738,7 +7714,7 @@
                 </a14:hiddenLine>
               </a:ext>
               <a:ext uri="{AF507438-7753-43e0-B8FC-AC1667EBCBE1}">
-                <a14:hiddenEffects xmlns:a14="http://schemas.microsoft.com/office/drawing/2010/main" xmlns="">
+                <a14:hiddenEffects xmlns="" xmlns:a14="http://schemas.microsoft.com/office/drawing/2010/main">
                   <a:effectLst>
                     <a:outerShdw blurRad="63500" dist="38099" dir="2700000" algn="ctr" rotWithShape="0">
                       <a:schemeClr val="bg2">
@@ -7783,7 +7759,7 @@
             <a:effectLst/>
             <a:extLst>
               <a:ext uri="{91240B29-F687-4f45-9708-019B960494DF}">
-                <a14:hiddenLine xmlns:a14="http://schemas.microsoft.com/office/drawing/2010/main" xmlns="" w="9525">
+                <a14:hiddenLine xmlns="" xmlns:a14="http://schemas.microsoft.com/office/drawing/2010/main" w="9525">
                   <a:solidFill>
                     <a:schemeClr val="tx1"/>
                   </a:solidFill>
@@ -7793,7 +7769,7 @@
                 </a14:hiddenLine>
               </a:ext>
               <a:ext uri="{AF507438-7753-43e0-B8FC-AC1667EBCBE1}">
-                <a14:hiddenEffects xmlns:a14="http://schemas.microsoft.com/office/drawing/2010/main" xmlns="">
+                <a14:hiddenEffects xmlns="" xmlns:a14="http://schemas.microsoft.com/office/drawing/2010/main">
                   <a:effectLst>
                     <a:outerShdw blurRad="63500" dist="38099" dir="2700000" algn="ctr" rotWithShape="0">
                       <a:schemeClr val="bg2">
@@ -7838,7 +7814,7 @@
             <a:effectLst/>
             <a:extLst>
               <a:ext uri="{91240B29-F687-4f45-9708-019B960494DF}">
-                <a14:hiddenLine xmlns:a14="http://schemas.microsoft.com/office/drawing/2010/main" xmlns="" w="9525">
+                <a14:hiddenLine xmlns="" xmlns:a14="http://schemas.microsoft.com/office/drawing/2010/main" w="9525">
                   <a:solidFill>
                     <a:schemeClr val="tx1"/>
                   </a:solidFill>
@@ -7848,7 +7824,7 @@
                 </a14:hiddenLine>
               </a:ext>
               <a:ext uri="{AF507438-7753-43e0-B8FC-AC1667EBCBE1}">
-                <a14:hiddenEffects xmlns:a14="http://schemas.microsoft.com/office/drawing/2010/main" xmlns="">
+                <a14:hiddenEffects xmlns="" xmlns:a14="http://schemas.microsoft.com/office/drawing/2010/main">
                   <a:effectLst>
                     <a:outerShdw blurRad="63500" dist="38099" dir="2700000" algn="ctr" rotWithShape="0">
                       <a:schemeClr val="bg2">
@@ -7893,7 +7869,7 @@
             <a:effectLst/>
             <a:extLst>
               <a:ext uri="{91240B29-F687-4f45-9708-019B960494DF}">
-                <a14:hiddenLine xmlns:a14="http://schemas.microsoft.com/office/drawing/2010/main" xmlns="" w="9525">
+                <a14:hiddenLine xmlns="" xmlns:a14="http://schemas.microsoft.com/office/drawing/2010/main" w="9525">
                   <a:solidFill>
                     <a:schemeClr val="tx1"/>
                   </a:solidFill>
@@ -7903,7 +7879,7 @@
                 </a14:hiddenLine>
               </a:ext>
               <a:ext uri="{AF507438-7753-43e0-B8FC-AC1667EBCBE1}">
-                <a14:hiddenEffects xmlns:a14="http://schemas.microsoft.com/office/drawing/2010/main" xmlns="">
+                <a14:hiddenEffects xmlns="" xmlns:a14="http://schemas.microsoft.com/office/drawing/2010/main">
                   <a:effectLst>
                     <a:outerShdw blurRad="63500" dist="38099" dir="2700000" algn="ctr" rotWithShape="0">
                       <a:schemeClr val="bg2">
@@ -7948,7 +7924,7 @@
             <a:effectLst/>
             <a:extLst>
               <a:ext uri="{91240B29-F687-4f45-9708-019B960494DF}">
-                <a14:hiddenLine xmlns:a14="http://schemas.microsoft.com/office/drawing/2010/main" xmlns="" w="9525">
+                <a14:hiddenLine xmlns="" xmlns:a14="http://schemas.microsoft.com/office/drawing/2010/main" w="9525">
                   <a:solidFill>
                     <a:schemeClr val="tx1"/>
                   </a:solidFill>
@@ -7958,7 +7934,7 @@
                 </a14:hiddenLine>
               </a:ext>
               <a:ext uri="{AF507438-7753-43e0-B8FC-AC1667EBCBE1}">
-                <a14:hiddenEffects xmlns:a14="http://schemas.microsoft.com/office/drawing/2010/main" xmlns="">
+                <a14:hiddenEffects xmlns="" xmlns:a14="http://schemas.microsoft.com/office/drawing/2010/main">
                   <a:effectLst>
                     <a:outerShdw blurRad="63500" dist="38099" dir="2700000" algn="ctr" rotWithShape="0">
                       <a:schemeClr val="bg2">
@@ -8003,7 +7979,7 @@
             <a:effectLst/>
             <a:extLst>
               <a:ext uri="{91240B29-F687-4f45-9708-019B960494DF}">
-                <a14:hiddenLine xmlns:a14="http://schemas.microsoft.com/office/drawing/2010/main" xmlns="" w="9525">
+                <a14:hiddenLine xmlns="" xmlns:a14="http://schemas.microsoft.com/office/drawing/2010/main" w="9525">
                   <a:solidFill>
                     <a:schemeClr val="tx1"/>
                   </a:solidFill>
@@ -8013,7 +7989,7 @@
                 </a14:hiddenLine>
               </a:ext>
               <a:ext uri="{AF507438-7753-43e0-B8FC-AC1667EBCBE1}">
-                <a14:hiddenEffects xmlns:a14="http://schemas.microsoft.com/office/drawing/2010/main" xmlns="">
+                <a14:hiddenEffects xmlns="" xmlns:a14="http://schemas.microsoft.com/office/drawing/2010/main">
                   <a:effectLst>
                     <a:outerShdw blurRad="63500" dist="38099" dir="2700000" algn="ctr" rotWithShape="0">
                       <a:schemeClr val="bg2">
@@ -8058,7 +8034,7 @@
             <a:effectLst/>
             <a:extLst>
               <a:ext uri="{91240B29-F687-4f45-9708-019B960494DF}">
-                <a14:hiddenLine xmlns:a14="http://schemas.microsoft.com/office/drawing/2010/main" xmlns="" w="9525">
+                <a14:hiddenLine xmlns="" xmlns:a14="http://schemas.microsoft.com/office/drawing/2010/main" w="9525">
                   <a:solidFill>
                     <a:schemeClr val="tx1"/>
                   </a:solidFill>
@@ -8068,7 +8044,7 @@
                 </a14:hiddenLine>
               </a:ext>
               <a:ext uri="{AF507438-7753-43e0-B8FC-AC1667EBCBE1}">
-                <a14:hiddenEffects xmlns:a14="http://schemas.microsoft.com/office/drawing/2010/main" xmlns="">
+                <a14:hiddenEffects xmlns="" xmlns:a14="http://schemas.microsoft.com/office/drawing/2010/main">
                   <a:effectLst>
                     <a:outerShdw blurRad="63500" dist="38099" dir="2700000" algn="ctr" rotWithShape="0">
                       <a:schemeClr val="bg2">
@@ -8113,7 +8089,7 @@
             <a:effectLst/>
             <a:extLst>
               <a:ext uri="{91240B29-F687-4f45-9708-019B960494DF}">
-                <a14:hiddenLine xmlns:a14="http://schemas.microsoft.com/office/drawing/2010/main" xmlns="" w="9525">
+                <a14:hiddenLine xmlns="" xmlns:a14="http://schemas.microsoft.com/office/drawing/2010/main" w="9525">
                   <a:solidFill>
                     <a:schemeClr val="tx1"/>
                   </a:solidFill>
@@ -8123,7 +8099,7 @@
                 </a14:hiddenLine>
               </a:ext>
               <a:ext uri="{AF507438-7753-43e0-B8FC-AC1667EBCBE1}">
-                <a14:hiddenEffects xmlns:a14="http://schemas.microsoft.com/office/drawing/2010/main" xmlns="">
+                <a14:hiddenEffects xmlns="" xmlns:a14="http://schemas.microsoft.com/office/drawing/2010/main">
                   <a:effectLst>
                     <a:outerShdw blurRad="63500" dist="38099" dir="2700000" algn="ctr" rotWithShape="0">
                       <a:schemeClr val="bg2">
@@ -8168,7 +8144,7 @@
             <a:effectLst/>
             <a:extLst>
               <a:ext uri="{91240B29-F687-4f45-9708-019B960494DF}">
-                <a14:hiddenLine xmlns:a14="http://schemas.microsoft.com/office/drawing/2010/main" xmlns="" w="9525">
+                <a14:hiddenLine xmlns="" xmlns:a14="http://schemas.microsoft.com/office/drawing/2010/main" w="9525">
                   <a:solidFill>
                     <a:schemeClr val="tx1"/>
                   </a:solidFill>
@@ -8178,7 +8154,7 @@
                 </a14:hiddenLine>
               </a:ext>
               <a:ext uri="{AF507438-7753-43e0-B8FC-AC1667EBCBE1}">
-                <a14:hiddenEffects xmlns:a14="http://schemas.microsoft.com/office/drawing/2010/main" xmlns="">
+                <a14:hiddenEffects xmlns="" xmlns:a14="http://schemas.microsoft.com/office/drawing/2010/main">
                   <a:effectLst>
                     <a:outerShdw blurRad="63500" dist="38099" dir="2700000" algn="ctr" rotWithShape="0">
                       <a:schemeClr val="bg2">
@@ -8223,7 +8199,7 @@
             <a:effectLst/>
             <a:extLst>
               <a:ext uri="{91240B29-F687-4f45-9708-019B960494DF}">
-                <a14:hiddenLine xmlns:a14="http://schemas.microsoft.com/office/drawing/2010/main" xmlns="" w="9525">
+                <a14:hiddenLine xmlns="" xmlns:a14="http://schemas.microsoft.com/office/drawing/2010/main" w="9525">
                   <a:solidFill>
                     <a:schemeClr val="tx1"/>
                   </a:solidFill>
@@ -8233,7 +8209,7 @@
                 </a14:hiddenLine>
               </a:ext>
               <a:ext uri="{AF507438-7753-43e0-B8FC-AC1667EBCBE1}">
-                <a14:hiddenEffects xmlns:a14="http://schemas.microsoft.com/office/drawing/2010/main" xmlns="">
+                <a14:hiddenEffects xmlns="" xmlns:a14="http://schemas.microsoft.com/office/drawing/2010/main">
                   <a:effectLst>
                     <a:outerShdw blurRad="63500" dist="38099" dir="2700000" algn="ctr" rotWithShape="0">
                       <a:schemeClr val="bg2">
@@ -8278,7 +8254,7 @@
             <a:effectLst/>
             <a:extLst>
               <a:ext uri="{91240B29-F687-4f45-9708-019B960494DF}">
-                <a14:hiddenLine xmlns:a14="http://schemas.microsoft.com/office/drawing/2010/main" xmlns="" w="9525">
+                <a14:hiddenLine xmlns="" xmlns:a14="http://schemas.microsoft.com/office/drawing/2010/main" w="9525">
                   <a:solidFill>
                     <a:schemeClr val="tx1"/>
                   </a:solidFill>
@@ -8288,7 +8264,7 @@
                 </a14:hiddenLine>
               </a:ext>
               <a:ext uri="{AF507438-7753-43e0-B8FC-AC1667EBCBE1}">
-                <a14:hiddenEffects xmlns:a14="http://schemas.microsoft.com/office/drawing/2010/main" xmlns="">
+                <a14:hiddenEffects xmlns="" xmlns:a14="http://schemas.microsoft.com/office/drawing/2010/main">
                   <a:effectLst>
                     <a:outerShdw blurRad="63500" dist="38099" dir="2700000" algn="ctr" rotWithShape="0">
                       <a:schemeClr val="bg2">
@@ -8333,7 +8309,7 @@
             <a:effectLst/>
             <a:extLst>
               <a:ext uri="{91240B29-F687-4f45-9708-019B960494DF}">
-                <a14:hiddenLine xmlns:a14="http://schemas.microsoft.com/office/drawing/2010/main" xmlns="" w="9525">
+                <a14:hiddenLine xmlns="" xmlns:a14="http://schemas.microsoft.com/office/drawing/2010/main" w="9525">
                   <a:solidFill>
                     <a:schemeClr val="tx1"/>
                   </a:solidFill>
@@ -8343,7 +8319,7 @@
                 </a14:hiddenLine>
               </a:ext>
               <a:ext uri="{AF507438-7753-43e0-B8FC-AC1667EBCBE1}">
-                <a14:hiddenEffects xmlns:a14="http://schemas.microsoft.com/office/drawing/2010/main" xmlns="">
+                <a14:hiddenEffects xmlns="" xmlns:a14="http://schemas.microsoft.com/office/drawing/2010/main">
                   <a:effectLst>
                     <a:outerShdw blurRad="63500" dist="38099" dir="2700000" algn="ctr" rotWithShape="0">
                       <a:schemeClr val="bg2">
@@ -8388,7 +8364,7 @@
             <a:effectLst/>
             <a:extLst>
               <a:ext uri="{91240B29-F687-4f45-9708-019B960494DF}">
-                <a14:hiddenLine xmlns:a14="http://schemas.microsoft.com/office/drawing/2010/main" xmlns="" w="9525">
+                <a14:hiddenLine xmlns="" xmlns:a14="http://schemas.microsoft.com/office/drawing/2010/main" w="9525">
                   <a:solidFill>
                     <a:schemeClr val="tx1"/>
                   </a:solidFill>
@@ -8398,7 +8374,7 @@
                 </a14:hiddenLine>
               </a:ext>
               <a:ext uri="{AF507438-7753-43e0-B8FC-AC1667EBCBE1}">
-                <a14:hiddenEffects xmlns:a14="http://schemas.microsoft.com/office/drawing/2010/main" xmlns="">
+                <a14:hiddenEffects xmlns="" xmlns:a14="http://schemas.microsoft.com/office/drawing/2010/main">
                   <a:effectLst>
                     <a:outerShdw blurRad="63500" dist="38099" dir="2700000" algn="ctr" rotWithShape="0">
                       <a:schemeClr val="bg2">
@@ -8443,7 +8419,7 @@
             <a:effectLst/>
             <a:extLst>
               <a:ext uri="{91240B29-F687-4f45-9708-019B960494DF}">
-                <a14:hiddenLine xmlns:a14="http://schemas.microsoft.com/office/drawing/2010/main" xmlns="" w="9525">
+                <a14:hiddenLine xmlns="" xmlns:a14="http://schemas.microsoft.com/office/drawing/2010/main" w="9525">
                   <a:solidFill>
                     <a:schemeClr val="tx1"/>
                   </a:solidFill>
@@ -8453,7 +8429,7 @@
                 </a14:hiddenLine>
               </a:ext>
               <a:ext uri="{AF507438-7753-43e0-B8FC-AC1667EBCBE1}">
-                <a14:hiddenEffects xmlns:a14="http://schemas.microsoft.com/office/drawing/2010/main" xmlns="">
+                <a14:hiddenEffects xmlns="" xmlns:a14="http://schemas.microsoft.com/office/drawing/2010/main">
                   <a:effectLst>
                     <a:outerShdw blurRad="63500" dist="38099" dir="2700000" algn="ctr" rotWithShape="0">
                       <a:schemeClr val="bg2">
@@ -8498,7 +8474,7 @@
             <a:effectLst/>
             <a:extLst>
               <a:ext uri="{91240B29-F687-4f45-9708-019B960494DF}">
-                <a14:hiddenLine xmlns:a14="http://schemas.microsoft.com/office/drawing/2010/main" xmlns="" w="9525">
+                <a14:hiddenLine xmlns="" xmlns:a14="http://schemas.microsoft.com/office/drawing/2010/main" w="9525">
                   <a:solidFill>
                     <a:schemeClr val="tx1"/>
                   </a:solidFill>
@@ -8508,7 +8484,7 @@
                 </a14:hiddenLine>
               </a:ext>
               <a:ext uri="{AF507438-7753-43e0-B8FC-AC1667EBCBE1}">
-                <a14:hiddenEffects xmlns:a14="http://schemas.microsoft.com/office/drawing/2010/main" xmlns="">
+                <a14:hiddenEffects xmlns="" xmlns:a14="http://schemas.microsoft.com/office/drawing/2010/main">
                   <a:effectLst>
                     <a:outerShdw blurRad="63500" dist="38099" dir="2700000" algn="ctr" rotWithShape="0">
                       <a:schemeClr val="bg2">
@@ -8553,7 +8529,7 @@
             <a:effectLst/>
             <a:extLst>
               <a:ext uri="{91240B29-F687-4f45-9708-019B960494DF}">
-                <a14:hiddenLine xmlns:a14="http://schemas.microsoft.com/office/drawing/2010/main" xmlns="" w="9525">
+                <a14:hiddenLine xmlns="" xmlns:a14="http://schemas.microsoft.com/office/drawing/2010/main" w="9525">
                   <a:solidFill>
                     <a:schemeClr val="tx1"/>
                   </a:solidFill>
@@ -8563,7 +8539,7 @@
                 </a14:hiddenLine>
               </a:ext>
               <a:ext uri="{AF507438-7753-43e0-B8FC-AC1667EBCBE1}">
-                <a14:hiddenEffects xmlns:a14="http://schemas.microsoft.com/office/drawing/2010/main" xmlns="">
+                <a14:hiddenEffects xmlns="" xmlns:a14="http://schemas.microsoft.com/office/drawing/2010/main">
                   <a:effectLst>
                     <a:outerShdw blurRad="63500" dist="38099" dir="2700000" algn="ctr" rotWithShape="0">
                       <a:schemeClr val="bg2">
@@ -8608,7 +8584,7 @@
             <a:effectLst/>
             <a:extLst>
               <a:ext uri="{91240B29-F687-4f45-9708-019B960494DF}">
-                <a14:hiddenLine xmlns:a14="http://schemas.microsoft.com/office/drawing/2010/main" xmlns="" w="9525">
+                <a14:hiddenLine xmlns="" xmlns:a14="http://schemas.microsoft.com/office/drawing/2010/main" w="9525">
                   <a:solidFill>
                     <a:schemeClr val="tx1"/>
                   </a:solidFill>
@@ -8618,7 +8594,7 @@
                 </a14:hiddenLine>
               </a:ext>
               <a:ext uri="{AF507438-7753-43e0-B8FC-AC1667EBCBE1}">
-                <a14:hiddenEffects xmlns:a14="http://schemas.microsoft.com/office/drawing/2010/main" xmlns="">
+                <a14:hiddenEffects xmlns="" xmlns:a14="http://schemas.microsoft.com/office/drawing/2010/main">
                   <a:effectLst>
                     <a:outerShdw blurRad="63500" dist="38099" dir="2700000" algn="ctr" rotWithShape="0">
                       <a:schemeClr val="bg2">
@@ -8663,7 +8639,7 @@
             <a:effectLst/>
             <a:extLst>
               <a:ext uri="{91240B29-F687-4f45-9708-019B960494DF}">
-                <a14:hiddenLine xmlns:a14="http://schemas.microsoft.com/office/drawing/2010/main" xmlns="" w="9525">
+                <a14:hiddenLine xmlns="" xmlns:a14="http://schemas.microsoft.com/office/drawing/2010/main" w="9525">
                   <a:solidFill>
                     <a:schemeClr val="tx1"/>
                   </a:solidFill>
@@ -8673,7 +8649,7 @@
                 </a14:hiddenLine>
               </a:ext>
               <a:ext uri="{AF507438-7753-43e0-B8FC-AC1667EBCBE1}">
-                <a14:hiddenEffects xmlns:a14="http://schemas.microsoft.com/office/drawing/2010/main" xmlns="">
+                <a14:hiddenEffects xmlns="" xmlns:a14="http://schemas.microsoft.com/office/drawing/2010/main">
                   <a:effectLst>
                     <a:outerShdw blurRad="63500" dist="38099" dir="2700000" algn="ctr" rotWithShape="0">
                       <a:schemeClr val="bg2">
@@ -8718,7 +8694,7 @@
             <a:effectLst/>
             <a:extLst>
               <a:ext uri="{91240B29-F687-4f45-9708-019B960494DF}">
-                <a14:hiddenLine xmlns:a14="http://schemas.microsoft.com/office/drawing/2010/main" xmlns="" w="9525">
+                <a14:hiddenLine xmlns="" xmlns:a14="http://schemas.microsoft.com/office/drawing/2010/main" w="9525">
                   <a:solidFill>
                     <a:schemeClr val="tx1"/>
                   </a:solidFill>
@@ -8728,7 +8704,7 @@
                 </a14:hiddenLine>
               </a:ext>
               <a:ext uri="{AF507438-7753-43e0-B8FC-AC1667EBCBE1}">
-                <a14:hiddenEffects xmlns:a14="http://schemas.microsoft.com/office/drawing/2010/main" xmlns="">
+                <a14:hiddenEffects xmlns="" xmlns:a14="http://schemas.microsoft.com/office/drawing/2010/main">
                   <a:effectLst>
                     <a:outerShdw blurRad="63500" dist="38099" dir="2700000" algn="ctr" rotWithShape="0">
                       <a:schemeClr val="bg2">
@@ -8773,7 +8749,7 @@
             <a:effectLst/>
             <a:extLst>
               <a:ext uri="{91240B29-F687-4f45-9708-019B960494DF}">
-                <a14:hiddenLine xmlns:a14="http://schemas.microsoft.com/office/drawing/2010/main" xmlns="" w="9525">
+                <a14:hiddenLine xmlns="" xmlns:a14="http://schemas.microsoft.com/office/drawing/2010/main" w="9525">
                   <a:solidFill>
                     <a:schemeClr val="tx1"/>
                   </a:solidFill>
@@ -8783,7 +8759,7 @@
                 </a14:hiddenLine>
               </a:ext>
               <a:ext uri="{AF507438-7753-43e0-B8FC-AC1667EBCBE1}">
-                <a14:hiddenEffects xmlns:a14="http://schemas.microsoft.com/office/drawing/2010/main" xmlns="">
+                <a14:hiddenEffects xmlns="" xmlns:a14="http://schemas.microsoft.com/office/drawing/2010/main">
                   <a:effectLst>
                     <a:outerShdw blurRad="63500" dist="38099" dir="2700000" algn="ctr" rotWithShape="0">
                       <a:schemeClr val="bg2">
@@ -8828,7 +8804,7 @@
             <a:effectLst/>
             <a:extLst>
               <a:ext uri="{91240B29-F687-4f45-9708-019B960494DF}">
-                <a14:hiddenLine xmlns:a14="http://schemas.microsoft.com/office/drawing/2010/main" xmlns="" w="9525">
+                <a14:hiddenLine xmlns="" xmlns:a14="http://schemas.microsoft.com/office/drawing/2010/main" w="9525">
                   <a:solidFill>
                     <a:schemeClr val="tx1"/>
                   </a:solidFill>
@@ -8838,7 +8814,7 @@
                 </a14:hiddenLine>
               </a:ext>
               <a:ext uri="{AF507438-7753-43e0-B8FC-AC1667EBCBE1}">
-                <a14:hiddenEffects xmlns:a14="http://schemas.microsoft.com/office/drawing/2010/main" xmlns="">
+                <a14:hiddenEffects xmlns="" xmlns:a14="http://schemas.microsoft.com/office/drawing/2010/main">
                   <a:effectLst>
                     <a:outerShdw blurRad="63500" dist="38099" dir="2700000" algn="ctr" rotWithShape="0">
                       <a:schemeClr val="bg2">
@@ -8883,7 +8859,7 @@
             <a:effectLst/>
             <a:extLst>
               <a:ext uri="{91240B29-F687-4f45-9708-019B960494DF}">
-                <a14:hiddenLine xmlns:a14="http://schemas.microsoft.com/office/drawing/2010/main" xmlns="" w="9525">
+                <a14:hiddenLine xmlns="" xmlns:a14="http://schemas.microsoft.com/office/drawing/2010/main" w="9525">
                   <a:solidFill>
                     <a:schemeClr val="tx1"/>
                   </a:solidFill>
@@ -8893,7 +8869,7 @@
                 </a14:hiddenLine>
               </a:ext>
               <a:ext uri="{AF507438-7753-43e0-B8FC-AC1667EBCBE1}">
-                <a14:hiddenEffects xmlns:a14="http://schemas.microsoft.com/office/drawing/2010/main" xmlns="">
+                <a14:hiddenEffects xmlns="" xmlns:a14="http://schemas.microsoft.com/office/drawing/2010/main">
                   <a:effectLst>
                     <a:outerShdw blurRad="63500" dist="38099" dir="2700000" algn="ctr" rotWithShape="0">
                       <a:schemeClr val="bg2">
@@ -8938,7 +8914,7 @@
             <a:effectLst/>
             <a:extLst>
               <a:ext uri="{91240B29-F687-4f45-9708-019B960494DF}">
-                <a14:hiddenLine xmlns:a14="http://schemas.microsoft.com/office/drawing/2010/main" xmlns="" w="9525">
+                <a14:hiddenLine xmlns="" xmlns:a14="http://schemas.microsoft.com/office/drawing/2010/main" w="9525">
                   <a:solidFill>
                     <a:schemeClr val="tx1"/>
                   </a:solidFill>
@@ -8948,7 +8924,7 @@
                 </a14:hiddenLine>
               </a:ext>
               <a:ext uri="{AF507438-7753-43e0-B8FC-AC1667EBCBE1}">
-                <a14:hiddenEffects xmlns:a14="http://schemas.microsoft.com/office/drawing/2010/main" xmlns="">
+                <a14:hiddenEffects xmlns="" xmlns:a14="http://schemas.microsoft.com/office/drawing/2010/main">
                   <a:effectLst>
                     <a:outerShdw blurRad="63500" dist="38099" dir="2700000" algn="ctr" rotWithShape="0">
                       <a:schemeClr val="bg2">
@@ -8985,13 +8961,6 @@
     <p:sldLayoutId id="2147483661" r:id="rId10"/>
     <p:sldLayoutId id="2147483662" r:id="rId11"/>
   </p:sldLayoutIdLst>
-  <p:timing>
-    <p:tnLst>
-      <p:par>
-        <p:cTn id="1" dur="indefinite" restart="never" nodeType="tmRoot"/>
-      </p:par>
-    </p:tnLst>
-  </p:timing>
   <p:txStyles>
     <p:titleStyle>
       <a:lvl1pPr algn="l" rtl="0" fontAlgn="base">
@@ -9468,7 +9437,7 @@
           <a:effectLst/>
           <a:extLst>
             <a:ext uri="{AF507438-7753-43e0-B8FC-AC1667EBCBE1}">
-              <a14:hiddenEffects xmlns:a14="http://schemas.microsoft.com/office/drawing/2010/main" xmlns="">
+              <a14:hiddenEffects xmlns="" xmlns:a14="http://schemas.microsoft.com/office/drawing/2010/main">
                 <a:effectLst>
                   <a:outerShdw blurRad="63500" dist="38099" dir="2700000" algn="ctr" rotWithShape="0">
                     <a:schemeClr val="bg2">
@@ -9562,22 +9531,22 @@
           <a:lstStyle/>
           <a:p>
             <a:r>
-              <a:rPr lang="en-US" sz="2400"/>
+              <a:rPr lang="en-US" sz="2400" dirty="0"/>
               <a:t>Dr. Lutz Hamel</a:t>
             </a:r>
           </a:p>
           <a:p>
             <a:r>
-              <a:rPr lang="en-US" sz="2400"/>
+              <a:rPr lang="en-US" sz="2400" dirty="0"/>
               <a:t>Tyler Hall Rm 251</a:t>
             </a:r>
           </a:p>
           <a:p>
             <a:r>
-              <a:rPr lang="en-US" sz="2400"/>
-              <a:t>hamel@cs.uri.edu</a:t>
-            </a:r>
-            <a:endParaRPr lang="en-US"/>
+              <a:rPr lang="en-US" sz="2400" dirty="0" err="1"/>
+              <a:t>lutzhamel@uri.edu</a:t>
+            </a:r>
+            <a:endParaRPr lang="en-US" dirty="0"/>
           </a:p>
         </p:txBody>
       </p:sp>
@@ -9604,10 +9573,9 @@
           <a:lstStyle/>
           <a:p>
             <a:r>
-              <a:rPr lang="en-US" sz="3200" dirty="0" smtClean="0"/>
+              <a:rPr lang="en-US" sz="3200" dirty="0"/>
               <a:t>Welcome!</a:t>
             </a:r>
-            <a:endParaRPr lang="en-US" sz="3200" dirty="0"/>
           </a:p>
         </p:txBody>
       </p:sp>
@@ -9616,13 +9584,6 @@
   <p:clrMapOvr>
     <a:masterClrMapping/>
   </p:clrMapOvr>
-  <p:timing>
-    <p:tnLst>
-      <p:par>
-        <p:cTn id="1" dur="indefinite" restart="never" nodeType="tmRoot"/>
-      </p:par>
-    </p:tnLst>
-  </p:timing>
 </p:sld>
 </file>
 
@@ -9718,14 +9679,14 @@
           </a:ln>
           <a:extLst>
             <a:ext uri="{909E8E84-426E-40dd-AFC4-6F175D3DCCD1}">
-              <a14:hiddenFill xmlns:a14="http://schemas.microsoft.com/office/drawing/2010/main" xmlns="">
+              <a14:hiddenFill xmlns="" xmlns:a14="http://schemas.microsoft.com/office/drawing/2010/main">
                 <a:solidFill>
                   <a:schemeClr val="accent1"/>
                 </a:solidFill>
               </a14:hiddenFill>
             </a:ext>
             <a:ext uri="{91240B29-F687-4f45-9708-019B960494DF}">
-              <a14:hiddenLine xmlns:a14="http://schemas.microsoft.com/office/drawing/2010/main" xmlns="" w="9525">
+              <a14:hiddenLine xmlns="" xmlns:a14="http://schemas.microsoft.com/office/drawing/2010/main" w="9525">
                 <a:solidFill>
                   <a:schemeClr val="tx1"/>
                 </a:solidFill>
@@ -9802,7 +9763,7 @@
           </a:ln>
           <a:extLst>
             <a:ext uri="{909E8E84-426E-40dd-AFC4-6F175D3DCCD1}">
-              <a14:hiddenFill xmlns:a14="http://schemas.microsoft.com/office/drawing/2010/main" xmlns="">
+              <a14:hiddenFill xmlns="" xmlns:a14="http://schemas.microsoft.com/office/drawing/2010/main">
                 <a:noFill/>
               </a14:hiddenFill>
             </a:ext>
@@ -9838,14 +9799,14 @@
           </a:ln>
           <a:extLst>
             <a:ext uri="{909E8E84-426E-40dd-AFC4-6F175D3DCCD1}">
-              <a14:hiddenFill xmlns:a14="http://schemas.microsoft.com/office/drawing/2010/main" xmlns="">
+              <a14:hiddenFill xmlns="" xmlns:a14="http://schemas.microsoft.com/office/drawing/2010/main">
                 <a:solidFill>
                   <a:schemeClr val="accent1"/>
                 </a:solidFill>
               </a14:hiddenFill>
             </a:ext>
             <a:ext uri="{91240B29-F687-4f45-9708-019B960494DF}">
-              <a14:hiddenLine xmlns:a14="http://schemas.microsoft.com/office/drawing/2010/main" xmlns="" w="9525">
+              <a14:hiddenLine xmlns="" xmlns:a14="http://schemas.microsoft.com/office/drawing/2010/main" w="9525">
                 <a:solidFill>
                   <a:schemeClr val="tx1"/>
                 </a:solidFill>
@@ -9897,7 +9858,7 @@
           </a:ln>
           <a:extLst>
             <a:ext uri="{909E8E84-426E-40dd-AFC4-6F175D3DCCD1}">
-              <a14:hiddenFill xmlns:a14="http://schemas.microsoft.com/office/drawing/2010/main" xmlns="">
+              <a14:hiddenFill xmlns="" xmlns:a14="http://schemas.microsoft.com/office/drawing/2010/main">
                 <a:noFill/>
               </a14:hiddenFill>
             </a:ext>
@@ -9933,14 +9894,14 @@
           </a:ln>
           <a:extLst>
             <a:ext uri="{909E8E84-426E-40dd-AFC4-6F175D3DCCD1}">
-              <a14:hiddenFill xmlns:a14="http://schemas.microsoft.com/office/drawing/2010/main" xmlns="">
+              <a14:hiddenFill xmlns="" xmlns:a14="http://schemas.microsoft.com/office/drawing/2010/main">
                 <a:solidFill>
                   <a:schemeClr val="accent1"/>
                 </a:solidFill>
               </a14:hiddenFill>
             </a:ext>
             <a:ext uri="{91240B29-F687-4f45-9708-019B960494DF}">
-              <a14:hiddenLine xmlns:a14="http://schemas.microsoft.com/office/drawing/2010/main" xmlns="" w="9525">
+              <a14:hiddenLine xmlns="" xmlns:a14="http://schemas.microsoft.com/office/drawing/2010/main" w="9525">
                 <a:solidFill>
                   <a:schemeClr val="tx1"/>
                 </a:solidFill>
@@ -9994,7 +9955,7 @@
           </a:ln>
           <a:extLst>
             <a:ext uri="{909E8E84-426E-40dd-AFC4-6F175D3DCCD1}">
-              <a14:hiddenFill xmlns:a14="http://schemas.microsoft.com/office/drawing/2010/main" xmlns="">
+              <a14:hiddenFill xmlns="" xmlns:a14="http://schemas.microsoft.com/office/drawing/2010/main">
                 <a:solidFill>
                   <a:schemeClr val="accent1"/>
                 </a:solidFill>
@@ -10033,14 +9994,14 @@
           </a:ln>
           <a:extLst>
             <a:ext uri="{909E8E84-426E-40dd-AFC4-6F175D3DCCD1}">
-              <a14:hiddenFill xmlns:a14="http://schemas.microsoft.com/office/drawing/2010/main" xmlns="">
+              <a14:hiddenFill xmlns="" xmlns:a14="http://schemas.microsoft.com/office/drawing/2010/main">
                 <a:solidFill>
                   <a:schemeClr val="accent1"/>
                 </a:solidFill>
               </a14:hiddenFill>
             </a:ext>
             <a:ext uri="{91240B29-F687-4f45-9708-019B960494DF}">
-              <a14:hiddenLine xmlns:a14="http://schemas.microsoft.com/office/drawing/2010/main" xmlns="" w="9525">
+              <a14:hiddenLine xmlns="" xmlns:a14="http://schemas.microsoft.com/office/drawing/2010/main" w="9525">
                 <a:solidFill>
                   <a:schemeClr val="tx1"/>
                 </a:solidFill>
@@ -10094,7 +10055,7 @@
           </a:ln>
           <a:extLst>
             <a:ext uri="{909E8E84-426E-40dd-AFC4-6F175D3DCCD1}">
-              <a14:hiddenFill xmlns:a14="http://schemas.microsoft.com/office/drawing/2010/main" xmlns="">
+              <a14:hiddenFill xmlns="" xmlns:a14="http://schemas.microsoft.com/office/drawing/2010/main">
                 <a:solidFill>
                   <a:schemeClr val="accent1"/>
                 </a:solidFill>
@@ -10133,14 +10094,14 @@
           </a:ln>
           <a:extLst>
             <a:ext uri="{909E8E84-426E-40dd-AFC4-6F175D3DCCD1}">
-              <a14:hiddenFill xmlns:a14="http://schemas.microsoft.com/office/drawing/2010/main" xmlns="">
+              <a14:hiddenFill xmlns="" xmlns:a14="http://schemas.microsoft.com/office/drawing/2010/main">
                 <a:solidFill>
                   <a:schemeClr val="accent1"/>
                 </a:solidFill>
               </a14:hiddenFill>
             </a:ext>
             <a:ext uri="{91240B29-F687-4f45-9708-019B960494DF}">
-              <a14:hiddenLine xmlns:a14="http://schemas.microsoft.com/office/drawing/2010/main" xmlns="" w="9525">
+              <a14:hiddenLine xmlns="" xmlns:a14="http://schemas.microsoft.com/office/drawing/2010/main" w="9525">
                 <a:solidFill>
                   <a:schemeClr val="tx1"/>
                 </a:solidFill>
@@ -10194,7 +10155,7 @@
           </a:ln>
           <a:extLst>
             <a:ext uri="{909E8E84-426E-40dd-AFC4-6F175D3DCCD1}">
-              <a14:hiddenFill xmlns:a14="http://schemas.microsoft.com/office/drawing/2010/main" xmlns="">
+              <a14:hiddenFill xmlns="" xmlns:a14="http://schemas.microsoft.com/office/drawing/2010/main">
                 <a:solidFill>
                   <a:schemeClr val="accent1"/>
                 </a:solidFill>
@@ -10232,14 +10193,14 @@
           </a:ln>
           <a:extLst>
             <a:ext uri="{909E8E84-426E-40dd-AFC4-6F175D3DCCD1}">
-              <a14:hiddenFill xmlns:a14="http://schemas.microsoft.com/office/drawing/2010/main" xmlns="">
+              <a14:hiddenFill xmlns="" xmlns:a14="http://schemas.microsoft.com/office/drawing/2010/main">
                 <a:solidFill>
                   <a:schemeClr val="accent1"/>
                 </a:solidFill>
               </a14:hiddenFill>
             </a:ext>
             <a:ext uri="{91240B29-F687-4f45-9708-019B960494DF}">
-              <a14:hiddenLine xmlns:a14="http://schemas.microsoft.com/office/drawing/2010/main" xmlns="" w="9525">
+              <a14:hiddenLine xmlns="" xmlns:a14="http://schemas.microsoft.com/office/drawing/2010/main" w="9525">
                 <a:solidFill>
                   <a:schemeClr val="tx1"/>
                 </a:solidFill>
@@ -10293,7 +10254,7 @@
           </a:ln>
           <a:extLst>
             <a:ext uri="{909E8E84-426E-40dd-AFC4-6F175D3DCCD1}">
-              <a14:hiddenFill xmlns:a14="http://schemas.microsoft.com/office/drawing/2010/main" xmlns="">
+              <a14:hiddenFill xmlns="" xmlns:a14="http://schemas.microsoft.com/office/drawing/2010/main">
                 <a:solidFill>
                   <a:schemeClr val="accent1"/>
                 </a:solidFill>
@@ -10331,14 +10292,14 @@
           </a:ln>
           <a:extLst>
             <a:ext uri="{909E8E84-426E-40dd-AFC4-6F175D3DCCD1}">
-              <a14:hiddenFill xmlns:a14="http://schemas.microsoft.com/office/drawing/2010/main" xmlns="">
+              <a14:hiddenFill xmlns="" xmlns:a14="http://schemas.microsoft.com/office/drawing/2010/main">
                 <a:solidFill>
                   <a:schemeClr val="accent1"/>
                 </a:solidFill>
               </a14:hiddenFill>
             </a:ext>
             <a:ext uri="{91240B29-F687-4f45-9708-019B960494DF}">
-              <a14:hiddenLine xmlns:a14="http://schemas.microsoft.com/office/drawing/2010/main" xmlns="" w="9525">
+              <a14:hiddenLine xmlns="" xmlns:a14="http://schemas.microsoft.com/office/drawing/2010/main" w="9525">
                 <a:solidFill>
                   <a:schemeClr val="tx1"/>
                 </a:solidFill>
@@ -10392,7 +10353,7 @@
           </a:ln>
           <a:extLst>
             <a:ext uri="{909E8E84-426E-40dd-AFC4-6F175D3DCCD1}">
-              <a14:hiddenFill xmlns:a14="http://schemas.microsoft.com/office/drawing/2010/main" xmlns="">
+              <a14:hiddenFill xmlns="" xmlns:a14="http://schemas.microsoft.com/office/drawing/2010/main">
                 <a:solidFill>
                   <a:schemeClr val="accent1"/>
                 </a:solidFill>
@@ -10430,14 +10391,14 @@
           </a:ln>
           <a:extLst>
             <a:ext uri="{909E8E84-426E-40dd-AFC4-6F175D3DCCD1}">
-              <a14:hiddenFill xmlns:a14="http://schemas.microsoft.com/office/drawing/2010/main" xmlns="">
+              <a14:hiddenFill xmlns="" xmlns:a14="http://schemas.microsoft.com/office/drawing/2010/main">
                 <a:solidFill>
                   <a:schemeClr val="accent1"/>
                 </a:solidFill>
               </a14:hiddenFill>
             </a:ext>
             <a:ext uri="{91240B29-F687-4f45-9708-019B960494DF}">
-              <a14:hiddenLine xmlns:a14="http://schemas.microsoft.com/office/drawing/2010/main" xmlns="" w="9525">
+              <a14:hiddenLine xmlns="" xmlns:a14="http://schemas.microsoft.com/office/drawing/2010/main" w="9525">
                 <a:solidFill>
                   <a:schemeClr val="tx1"/>
                 </a:solidFill>
@@ -10488,7 +10449,7 @@
           </a:ln>
           <a:extLst>
             <a:ext uri="{909E8E84-426E-40dd-AFC4-6F175D3DCCD1}">
-              <a14:hiddenFill xmlns:a14="http://schemas.microsoft.com/office/drawing/2010/main" xmlns="">
+              <a14:hiddenFill xmlns="" xmlns:a14="http://schemas.microsoft.com/office/drawing/2010/main">
                 <a:solidFill>
                   <a:schemeClr val="accent1"/>
                 </a:solidFill>
@@ -10602,10 +10563,6 @@
             <a:br>
               <a:rPr lang="en-US"/>
             </a:br>
-            <a:r>
-              <a:rPr lang="en-US"/>
-              <a:t/>
-            </a:r>
             <a:br>
               <a:rPr lang="en-US"/>
             </a:br>
@@ -10663,14 +10620,14 @@
           </a:ln>
           <a:extLst>
             <a:ext uri="{909E8E84-426E-40dd-AFC4-6F175D3DCCD1}">
-              <a14:hiddenFill xmlns:a14="http://schemas.microsoft.com/office/drawing/2010/main" xmlns="">
+              <a14:hiddenFill xmlns="" xmlns:a14="http://schemas.microsoft.com/office/drawing/2010/main">
                 <a:solidFill>
                   <a:schemeClr val="accent1"/>
                 </a:solidFill>
               </a14:hiddenFill>
             </a:ext>
             <a:ext uri="{91240B29-F687-4f45-9708-019B960494DF}">
-              <a14:hiddenLine xmlns:a14="http://schemas.microsoft.com/office/drawing/2010/main" xmlns="" w="9525">
+              <a14:hiddenLine xmlns="" xmlns:a14="http://schemas.microsoft.com/office/drawing/2010/main" w="9525">
                 <a:solidFill>
                   <a:schemeClr val="tx1"/>
                 </a:solidFill>
@@ -10725,10 +10682,9 @@
           <a:lstStyle/>
           <a:p>
             <a:r>
-              <a:rPr lang="en-US" dirty="0" smtClean="0"/>
+              <a:rPr lang="en-US" dirty="0"/>
               <a:t>token</a:t>
             </a:r>
-            <a:endParaRPr lang="en-US" dirty="0"/>
           </a:p>
         </p:txBody>
       </p:sp>
@@ -10755,10 +10711,9 @@
           <a:lstStyle/>
           <a:p>
             <a:r>
-              <a:rPr lang="en-US" dirty="0" smtClean="0"/>
+              <a:rPr lang="en-US" dirty="0"/>
               <a:t>token</a:t>
             </a:r>
-            <a:endParaRPr lang="en-US" dirty="0"/>
           </a:p>
         </p:txBody>
       </p:sp>
@@ -10785,10 +10740,9 @@
           <a:lstStyle/>
           <a:p>
             <a:r>
-              <a:rPr lang="en-US" dirty="0" smtClean="0"/>
+              <a:rPr lang="en-US" dirty="0"/>
               <a:t>token</a:t>
             </a:r>
-            <a:endParaRPr lang="en-US" dirty="0"/>
           </a:p>
         </p:txBody>
       </p:sp>
@@ -10821,7 +10775,7 @@
           <a:effectLst/>
           <a:extLst>
             <a:ext uri="{AF507438-7753-43e0-B8FC-AC1667EBCBE1}">
-              <a14:hiddenEffects xmlns:a14="http://schemas.microsoft.com/office/drawing/2010/main" xmlns="">
+              <a14:hiddenEffects xmlns="" xmlns:a14="http://schemas.microsoft.com/office/drawing/2010/main">
                 <a:effectLst>
                   <a:outerShdw blurRad="63500" dist="38099" dir="2700000" algn="ctr" rotWithShape="0">
                     <a:schemeClr val="bg2">
@@ -10863,7 +10817,7 @@
           <a:effectLst/>
           <a:extLst>
             <a:ext uri="{AF507438-7753-43e0-B8FC-AC1667EBCBE1}">
-              <a14:hiddenEffects xmlns:a14="http://schemas.microsoft.com/office/drawing/2010/main" xmlns="">
+              <a14:hiddenEffects xmlns="" xmlns:a14="http://schemas.microsoft.com/office/drawing/2010/main">
                 <a:effectLst>
                   <a:outerShdw blurRad="63500" dist="38099" dir="2700000" algn="ctr" rotWithShape="0">
                     <a:schemeClr val="bg2">
@@ -10905,7 +10859,7 @@
           <a:effectLst/>
           <a:extLst>
             <a:ext uri="{AF507438-7753-43e0-B8FC-AC1667EBCBE1}">
-              <a14:hiddenEffects xmlns:a14="http://schemas.microsoft.com/office/drawing/2010/main" xmlns="">
+              <a14:hiddenEffects xmlns="" xmlns:a14="http://schemas.microsoft.com/office/drawing/2010/main">
                 <a:effectLst>
                   <a:outerShdw blurRad="63500" dist="38099" dir="2700000" algn="ctr" rotWithShape="0">
                     <a:schemeClr val="bg2">
@@ -10923,13 +10877,6 @@
   <p:clrMapOvr>
     <a:masterClrMapping/>
   </p:clrMapOvr>
-  <p:timing>
-    <p:tnLst>
-      <p:par>
-        <p:cTn id="1" dur="indefinite" restart="never" nodeType="tmRoot"/>
-      </p:par>
-    </p:tnLst>
-  </p:timing>
 </p:sld>
 </file>
 
@@ -10966,10 +10913,9 @@
           <a:lstStyle/>
           <a:p>
             <a:r>
-              <a:rPr lang="en-US" dirty="0" smtClean="0"/>
+              <a:rPr lang="en-US" dirty="0"/>
               <a:t>The Structure of Programming Languages</a:t>
             </a:r>
-            <a:endParaRPr lang="en-US" dirty="0"/>
           </a:p>
         </p:txBody>
       </p:sp>
@@ -10989,18 +10935,18 @@
           <a:lstStyle/>
           <a:p>
             <a:r>
-              <a:rPr lang="en-US" dirty="0" smtClean="0"/>
+              <a:rPr lang="en-US" dirty="0"/>
               <a:t>Programming text page vs. Symbol Stream</a:t>
             </a:r>
           </a:p>
           <a:p>
             <a:pPr lvl="1"/>
             <a:r>
-              <a:rPr lang="en-US" dirty="0" smtClean="0"/>
+              <a:rPr lang="en-US" dirty="0"/>
               <a:t>We usually represent programs as 2D text</a:t>
             </a:r>
             <a:br>
-              <a:rPr lang="en-US" dirty="0" smtClean="0"/>
+              <a:rPr lang="en-US" dirty="0"/>
             </a:br>
             <a:r>
               <a:rPr lang="en-US" sz="1800" dirty="0">
@@ -11070,13 +11016,6 @@
               </a:rPr>
               <a:t>i</a:t>
             </a:r>
-            <a:r>
-              <a:rPr lang="en-US" sz="1800" dirty="0">
-                <a:latin typeface="Courier New"/>
-                <a:cs typeface="Courier New"/>
-              </a:rPr>
-              <a:t/>
-            </a:r>
             <a:br>
               <a:rPr lang="en-US" sz="1800" dirty="0">
                 <a:latin typeface="Courier New"/>
@@ -11118,7 +11057,7 @@
               <a:t>	</a:t>
             </a:r>
             <a:r>
-              <a:rPr lang="en-US" sz="1800" dirty="0" err="1" smtClean="0">
+              <a:rPr lang="en-US" sz="1800" dirty="0" err="1">
                 <a:latin typeface="Courier New"/>
                 <a:cs typeface="Courier New"/>
               </a:rPr>
@@ -11132,14 +11071,14 @@
           <a:p>
             <a:pPr lvl="1"/>
             <a:r>
-              <a:rPr lang="en-US" dirty="0" smtClean="0"/>
+              <a:rPr lang="en-US" dirty="0"/>
               <a:t>However, to the language processor this appears to be just a stream of symbols:</a:t>
             </a:r>
             <a:br>
-              <a:rPr lang="en-US" dirty="0" smtClean="0"/>
+              <a:rPr lang="en-US" dirty="0"/>
             </a:br>
             <a:r>
-              <a:rPr lang="en-US" sz="1600" dirty="0" err="1" smtClean="0">
+              <a:rPr lang="en-US" sz="1600" dirty="0" err="1">
                 <a:latin typeface="Courier New"/>
                 <a:cs typeface="Courier New"/>
               </a:rPr>
@@ -11150,161 +11089,147 @@
                 <a:latin typeface="Courier New"/>
                 <a:cs typeface="Courier New"/>
               </a:rPr>
-              <a:t>=</a:t>
-            </a:r>
-            <a:r>
-              <a:rPr lang="en-US" sz="1600" dirty="0" smtClean="0">
-                <a:latin typeface="Courier New"/>
-                <a:cs typeface="Courier New"/>
-              </a:rPr>
-              <a:t>0&lt;</a:t>
-            </a:r>
-            <a:r>
-              <a:rPr lang="en-US" sz="1600" dirty="0" err="1" smtClean="0">
+              <a:t>=0&lt;</a:t>
+            </a:r>
+            <a:r>
+              <a:rPr lang="en-US" sz="1600" dirty="0" err="1">
                 <a:latin typeface="Courier New"/>
                 <a:cs typeface="Courier New"/>
               </a:rPr>
               <a:t>cr</a:t>
             </a:r>
             <a:r>
-              <a:rPr lang="en-US" sz="1600" dirty="0" smtClean="0">
+              <a:rPr lang="en-US" sz="1600" dirty="0">
                 <a:latin typeface="Courier New"/>
                 <a:cs typeface="Courier New"/>
               </a:rPr>
               <a:t>&gt;while&lt;</a:t>
             </a:r>
             <a:r>
-              <a:rPr lang="en-US" sz="1600" dirty="0" err="1" smtClean="0">
+              <a:rPr lang="en-US" sz="1600" dirty="0" err="1">
                 <a:latin typeface="Courier New"/>
                 <a:cs typeface="Courier New"/>
               </a:rPr>
               <a:t>sp</a:t>
             </a:r>
             <a:r>
-              <a:rPr lang="en-US" sz="1600" dirty="0" smtClean="0">
+              <a:rPr lang="en-US" sz="1600" dirty="0">
                 <a:latin typeface="Courier New"/>
                 <a:cs typeface="Courier New"/>
               </a:rPr>
               <a:t>&gt;</a:t>
             </a:r>
             <a:r>
-              <a:rPr lang="en-US" sz="1600" dirty="0" err="1" smtClean="0">
+              <a:rPr lang="en-US" sz="1600" dirty="0" err="1">
                 <a:latin typeface="Courier New"/>
                 <a:cs typeface="Courier New"/>
               </a:rPr>
               <a:t>i</a:t>
             </a:r>
             <a:r>
-              <a:rPr lang="en-US" sz="1600" dirty="0" smtClean="0">
+              <a:rPr lang="en-US" sz="1600" dirty="0">
                 <a:latin typeface="Courier New"/>
                 <a:cs typeface="Courier New"/>
               </a:rPr>
               <a:t>&lt;</a:t>
             </a:r>
             <a:r>
-              <a:rPr lang="en-US" sz="1600" dirty="0" err="1" smtClean="0">
+              <a:rPr lang="en-US" sz="1600" dirty="0" err="1">
                 <a:latin typeface="Courier New"/>
                 <a:cs typeface="Courier New"/>
               </a:rPr>
               <a:t>sp</a:t>
             </a:r>
             <a:r>
-              <a:rPr lang="en-US" sz="1600" dirty="0" smtClean="0">
+              <a:rPr lang="en-US" sz="1600" dirty="0">
                 <a:latin typeface="Courier New"/>
                 <a:cs typeface="Courier New"/>
               </a:rPr>
               <a:t>&gt;&lt;&lt;</a:t>
             </a:r>
             <a:r>
-              <a:rPr lang="en-US" sz="1600" dirty="0" err="1" smtClean="0">
+              <a:rPr lang="en-US" sz="1600" dirty="0" err="1">
                 <a:latin typeface="Courier New"/>
                 <a:cs typeface="Courier New"/>
               </a:rPr>
               <a:t>sp</a:t>
             </a:r>
             <a:r>
-              <a:rPr lang="en-US" sz="1600" dirty="0" smtClean="0">
+              <a:rPr lang="en-US" sz="1600" dirty="0">
                 <a:latin typeface="Courier New"/>
                 <a:cs typeface="Courier New"/>
               </a:rPr>
               <a:t>&gt;10&lt;</a:t>
             </a:r>
             <a:r>
-              <a:rPr lang="en-US" sz="1600" dirty="0" err="1" smtClean="0">
+              <a:rPr lang="en-US" sz="1600" dirty="0" err="1">
                 <a:latin typeface="Courier New"/>
                 <a:cs typeface="Courier New"/>
               </a:rPr>
               <a:t>sp</a:t>
             </a:r>
             <a:r>
-              <a:rPr lang="en-US" sz="1600" dirty="0" smtClean="0">
+              <a:rPr lang="en-US" sz="1600" dirty="0">
                 <a:latin typeface="Courier New"/>
                 <a:cs typeface="Courier New"/>
               </a:rPr>
               <a:t>&gt;do&lt;</a:t>
             </a:r>
             <a:r>
-              <a:rPr lang="en-US" sz="1600" dirty="0" err="1" smtClean="0">
+              <a:rPr lang="en-US" sz="1600" dirty="0" err="1">
                 <a:latin typeface="Courier New"/>
                 <a:cs typeface="Courier New"/>
               </a:rPr>
               <a:t>cr</a:t>
             </a:r>
             <a:r>
-              <a:rPr lang="en-US" sz="1600" dirty="0" smtClean="0">
+              <a:rPr lang="en-US" sz="1600" dirty="0">
                 <a:latin typeface="Courier New"/>
                 <a:cs typeface="Courier New"/>
               </a:rPr>
               <a:t>&gt;&lt;tab&gt;print&lt;</a:t>
             </a:r>
             <a:r>
-              <a:rPr lang="en-US" sz="1600" dirty="0" err="1" smtClean="0">
+              <a:rPr lang="en-US" sz="1600" dirty="0" err="1">
                 <a:latin typeface="Courier New"/>
                 <a:cs typeface="Courier New"/>
               </a:rPr>
               <a:t>sp</a:t>
             </a:r>
             <a:r>
-              <a:rPr lang="en-US" sz="1600" dirty="0" smtClean="0">
+              <a:rPr lang="en-US" sz="1600" dirty="0">
                 <a:latin typeface="Courier New"/>
                 <a:cs typeface="Courier New"/>
               </a:rPr>
               <a:t>&gt;</a:t>
             </a:r>
             <a:r>
-              <a:rPr lang="en-US" sz="1600" dirty="0" err="1" smtClean="0">
+              <a:rPr lang="en-US" sz="1600" dirty="0" err="1">
                 <a:latin typeface="Courier New"/>
                 <a:cs typeface="Courier New"/>
               </a:rPr>
               <a:t>i</a:t>
             </a:r>
             <a:r>
-              <a:rPr lang="en-US" sz="1600" dirty="0" smtClean="0">
+              <a:rPr lang="en-US" sz="1600" dirty="0">
                 <a:latin typeface="Courier New"/>
                 <a:cs typeface="Courier New"/>
               </a:rPr>
               <a:t>&lt;</a:t>
             </a:r>
             <a:r>
-              <a:rPr lang="en-US" sz="1600" dirty="0" err="1" smtClean="0">
+              <a:rPr lang="en-US" sz="1600" dirty="0" err="1">
                 <a:latin typeface="Courier New"/>
                 <a:cs typeface="Courier New"/>
               </a:rPr>
               <a:t>cr</a:t>
             </a:r>
             <a:r>
-              <a:rPr lang="en-US" sz="1600" dirty="0" smtClean="0">
+              <a:rPr lang="en-US" sz="1600" dirty="0">
                 <a:latin typeface="Courier New"/>
                 <a:cs typeface="Courier New"/>
               </a:rPr>
               <a:t>&gt;…</a:t>
-            </a:r>
-            <a:r>
-              <a:rPr lang="en-US" sz="1600" dirty="0">
-                <a:latin typeface="Courier New"/>
-                <a:cs typeface="Courier New"/>
-              </a:rPr>
-              <a:t/>
             </a:r>
             <a:br>
               <a:rPr lang="en-US" sz="1600" dirty="0">
@@ -11312,7 +11237,7 @@
                 <a:cs typeface="Courier New"/>
               </a:rPr>
             </a:br>
-            <a:endParaRPr lang="en-US" sz="1600" dirty="0" smtClean="0">
+            <a:endParaRPr lang="en-US" sz="1600" dirty="0">
               <a:latin typeface="Courier New"/>
               <a:cs typeface="Courier New"/>
             </a:endParaRPr>
@@ -11320,26 +11245,25 @@
           <a:p>
             <a:pPr lvl="1"/>
             <a:r>
-              <a:rPr lang="en-US" dirty="0" smtClean="0"/>
+              <a:rPr lang="en-US" dirty="0"/>
               <a:t>Here, &lt;</a:t>
             </a:r>
             <a:r>
-              <a:rPr lang="en-US" dirty="0" err="1" smtClean="0"/>
+              <a:rPr lang="en-US" dirty="0" err="1"/>
               <a:t>cr</a:t>
             </a:r>
             <a:r>
-              <a:rPr lang="en-US" dirty="0" smtClean="0"/>
+              <a:rPr lang="en-US" dirty="0"/>
               <a:t>&gt;, &lt;</a:t>
             </a:r>
             <a:r>
-              <a:rPr lang="en-US" dirty="0" err="1" smtClean="0"/>
+              <a:rPr lang="en-US" dirty="0" err="1"/>
               <a:t>sp</a:t>
             </a:r>
             <a:r>
-              <a:rPr lang="en-US" dirty="0" smtClean="0"/>
+              <a:rPr lang="en-US" dirty="0"/>
               <a:t>&gt;,and &lt;tab&gt; are special symbols </a:t>
             </a:r>
-            <a:endParaRPr lang="en-US" dirty="0"/>
           </a:p>
         </p:txBody>
       </p:sp>
@@ -11353,13 +11277,6 @@
   <p:clrMapOvr>
     <a:masterClrMapping/>
   </p:clrMapOvr>
-  <p:timing>
-    <p:tnLst>
-      <p:par>
-        <p:cTn id="1" dur="indefinite" restart="never" nodeType="tmRoot"/>
-      </p:par>
-    </p:tnLst>
-  </p:timing>
 </p:sld>
 </file>
 
@@ -11396,10 +11313,9 @@
           <a:lstStyle/>
           <a:p>
             <a:r>
-              <a:rPr lang="en-US" dirty="0" smtClean="0"/>
+              <a:rPr lang="en-US" dirty="0"/>
               <a:t>The Behavior of Programming Languages</a:t>
             </a:r>
-            <a:endParaRPr lang="en-US" dirty="0"/>
           </a:p>
         </p:txBody>
       </p:sp>
@@ -11419,50 +11335,43 @@
           <a:lstStyle/>
           <a:p>
             <a:r>
-              <a:rPr lang="en-US" sz="2800" dirty="0" smtClean="0"/>
+              <a:rPr lang="en-US" sz="2800" dirty="0"/>
               <a:t>In addition to specifying the syntax of a programming language we also need to specify its behavior – </a:t>
             </a:r>
             <a:r>
-              <a:rPr lang="en-US" sz="2800" b="1" dirty="0" smtClean="0"/>
+              <a:rPr lang="en-US" sz="2800" b="1" dirty="0"/>
               <a:t>the Semantics of the Language</a:t>
             </a:r>
-            <a:endParaRPr lang="en-US" sz="2800" dirty="0" smtClean="0"/>
-          </a:p>
-          <a:p>
-            <a:r>
-              <a:rPr lang="en-US" sz="2800" dirty="0" smtClean="0"/>
+            <a:endParaRPr lang="en-US" sz="2800" dirty="0"/>
+          </a:p>
+          <a:p>
+            <a:r>
+              <a:rPr lang="en-US" sz="2800" dirty="0"/>
               <a:t>Every programmer instinctively knows what the following program fragment does:</a:t>
             </a:r>
             <a:br>
-              <a:rPr lang="en-US" sz="2800" dirty="0" smtClean="0"/>
+              <a:rPr lang="en-US" sz="2800" dirty="0"/>
             </a:br>
             <a:r>
-              <a:rPr lang="en-US" sz="2000" dirty="0" smtClean="0">
+              <a:rPr lang="en-US" sz="2000" dirty="0">
                 <a:latin typeface="Courier New"/>
                 <a:cs typeface="Courier New"/>
               </a:rPr>
               <a:t>	</a:t>
             </a:r>
             <a:r>
-              <a:rPr lang="en-US" sz="2000" dirty="0" err="1" smtClean="0">
+              <a:rPr lang="en-US" sz="2000" dirty="0" err="1">
                 <a:latin typeface="Courier New"/>
                 <a:cs typeface="Courier New"/>
               </a:rPr>
               <a:t>i</a:t>
             </a:r>
             <a:r>
-              <a:rPr lang="en-US" sz="2000" dirty="0" smtClean="0">
+              <a:rPr lang="en-US" sz="2000" dirty="0">
                 <a:latin typeface="Courier New"/>
                 <a:cs typeface="Courier New"/>
               </a:rPr>
               <a:t>=0</a:t>
-            </a:r>
-            <a:r>
-              <a:rPr lang="en-US" sz="2000" dirty="0">
-                <a:latin typeface="Courier New"/>
-                <a:cs typeface="Courier New"/>
-              </a:rPr>
-              <a:t/>
             </a:r>
             <a:br>
               <a:rPr lang="en-US" sz="2000" dirty="0">
@@ -11471,32 +11380,25 @@
               </a:rPr>
             </a:br>
             <a:r>
-              <a:rPr lang="en-US" sz="2000" dirty="0" smtClean="0">
+              <a:rPr lang="en-US" sz="2000" dirty="0">
                 <a:latin typeface="Courier New"/>
                 <a:cs typeface="Courier New"/>
               </a:rPr>
               <a:t>	while </a:t>
             </a:r>
             <a:r>
-              <a:rPr lang="en-US" sz="2000" dirty="0" err="1" smtClean="0">
+              <a:rPr lang="en-US" sz="2000" dirty="0" err="1">
                 <a:latin typeface="Courier New"/>
                 <a:cs typeface="Courier New"/>
               </a:rPr>
               <a:t>i</a:t>
             </a:r>
             <a:r>
-              <a:rPr lang="en-US" sz="2000" dirty="0" smtClean="0">
+              <a:rPr lang="en-US" sz="2000" dirty="0">
                 <a:latin typeface="Courier New"/>
                 <a:cs typeface="Courier New"/>
               </a:rPr>
               <a:t> &lt; 10 do</a:t>
-            </a:r>
-            <a:r>
-              <a:rPr lang="en-US" sz="2000" dirty="0">
-                <a:latin typeface="Courier New"/>
-                <a:cs typeface="Courier New"/>
-              </a:rPr>
-              <a:t/>
             </a:r>
             <a:br>
               <a:rPr lang="en-US" sz="2000" dirty="0">
@@ -11505,81 +11407,74 @@
               </a:rPr>
             </a:br>
             <a:r>
-              <a:rPr lang="en-US" sz="2000" dirty="0" smtClean="0">
+              <a:rPr lang="en-US" sz="2000" dirty="0">
                 <a:latin typeface="Courier New"/>
                 <a:cs typeface="Courier New"/>
               </a:rPr>
               <a:t>		print </a:t>
             </a:r>
             <a:r>
-              <a:rPr lang="en-US" sz="2000" dirty="0" err="1" smtClean="0">
+              <a:rPr lang="en-US" sz="2000" dirty="0" err="1">
                 <a:latin typeface="Courier New"/>
                 <a:cs typeface="Courier New"/>
               </a:rPr>
               <a:t>i</a:t>
             </a:r>
-            <a:r>
-              <a:rPr lang="en-US" sz="2000" dirty="0" smtClean="0">
-                <a:latin typeface="Courier New"/>
-                <a:cs typeface="Courier New"/>
-              </a:rPr>
-              <a:t/>
-            </a:r>
             <a:br>
-              <a:rPr lang="en-US" sz="2000" dirty="0" smtClean="0">
+              <a:rPr lang="en-US" sz="2000" dirty="0">
                 <a:latin typeface="Courier New"/>
                 <a:cs typeface="Courier New"/>
               </a:rPr>
             </a:br>
             <a:r>
-              <a:rPr lang="en-US" sz="2000" dirty="0" smtClean="0">
+              <a:rPr lang="en-US" sz="2000" dirty="0">
                 <a:latin typeface="Courier New"/>
                 <a:cs typeface="Courier New"/>
               </a:rPr>
               <a:t>		</a:t>
             </a:r>
             <a:r>
-              <a:rPr lang="en-US" sz="2000" dirty="0" err="1" smtClean="0">
+              <a:rPr lang="en-US" sz="2000" dirty="0" err="1">
                 <a:latin typeface="Courier New"/>
                 <a:cs typeface="Courier New"/>
               </a:rPr>
               <a:t>i</a:t>
             </a:r>
             <a:r>
-              <a:rPr lang="en-US" sz="2000" dirty="0" smtClean="0">
+              <a:rPr lang="en-US" sz="2000" dirty="0">
                 <a:latin typeface="Courier New"/>
                 <a:cs typeface="Courier New"/>
               </a:rPr>
               <a:t>=i+1</a:t>
             </a:r>
             <a:br>
-              <a:rPr lang="en-US" sz="2000" dirty="0" smtClean="0">
+              <a:rPr lang="en-US" sz="2000" dirty="0">
                 <a:latin typeface="Courier New"/>
                 <a:cs typeface="Courier New"/>
               </a:rPr>
             </a:br>
             <a:r>
-              <a:rPr lang="en-US" sz="2000" dirty="0" smtClean="0">
+              <a:rPr lang="en-US" sz="2000" dirty="0">
                 <a:latin typeface="Courier New"/>
                 <a:cs typeface="Courier New"/>
               </a:rPr>
               <a:t>	</a:t>
             </a:r>
             <a:r>
-              <a:rPr lang="en-US" sz="2000" dirty="0" err="1" smtClean="0">
+              <a:rPr lang="en-US" sz="2000" dirty="0" err="1">
                 <a:latin typeface="Courier New"/>
                 <a:cs typeface="Courier New"/>
               </a:rPr>
               <a:t>enddo</a:t>
             </a:r>
-            <a:endParaRPr lang="en-US" sz="2000" dirty="0" smtClean="0">
+            <a:endParaRPr lang="en-US" sz="2000" dirty="0">
               <a:latin typeface="Courier New"/>
               <a:cs typeface="Courier New"/>
             </a:endParaRPr>
           </a:p>
           <a:p>
             <a:r>
-              <a:rPr lang="en-US" sz="2800" dirty="0" smtClean="0"/>
+              <a:rPr lang="en-US" sz="2800" dirty="0"/>
               <a:t>But we need to tell the language processor what this program means; how it should behave.</a:t>
             </a:r>
           </a:p>
@@ -11595,13 +11490,6 @@
   <p:clrMapOvr>
     <a:masterClrMapping/>
   </p:clrMapOvr>
-  <p:timing>
-    <p:tnLst>
-      <p:par>
-        <p:cTn id="1" dur="indefinite" restart="never" nodeType="tmRoot"/>
-      </p:par>
-    </p:tnLst>
-  </p:timing>
 </p:sld>
 </file>
 
@@ -11638,10 +11526,9 @@
           <a:lstStyle/>
           <a:p>
             <a:r>
-              <a:rPr lang="en-US" dirty="0" smtClean="0"/>
+              <a:rPr lang="en-US" dirty="0"/>
               <a:t>The Behavior of Programming Languages</a:t>
             </a:r>
-            <a:endParaRPr lang="en-US" dirty="0"/>
           </a:p>
         </p:txBody>
       </p:sp>
@@ -11668,7 +11555,7 @@
           <a:lstStyle/>
           <a:p>
             <a:r>
-              <a:rPr lang="en-US" sz="2000" dirty="0" smtClean="0"/>
+              <a:rPr lang="en-US" sz="2000" dirty="0"/>
               <a:t>Example of a specification:</a:t>
             </a:r>
           </a:p>
@@ -11677,13 +11564,13 @@
           </a:p>
           <a:p>
             <a:r>
-              <a:rPr lang="en-US" sz="2000" dirty="0" smtClean="0"/>
+              <a:rPr lang="en-US" sz="2000" dirty="0"/>
               <a:t>Syntax:</a:t>
             </a:r>
           </a:p>
           <a:p>
             <a:r>
-              <a:rPr lang="en-US" sz="1800" i="1" dirty="0" err="1" smtClean="0"/>
+              <a:rPr lang="en-US" sz="1800" i="1" dirty="0" err="1"/>
               <a:t>WhileStatement</a:t>
             </a:r>
             <a:r>
@@ -11706,55 +11593,51 @@
               <a:t> </a:t>
             </a:r>
             <a:r>
-              <a:rPr lang="en-US" sz="1800" i="1" dirty="0" smtClean="0"/>
-              <a:t>Expression</a:t>
-            </a:r>
-            <a:r>
-              <a:rPr lang="en-US" sz="1800" dirty="0" smtClean="0"/>
-              <a:t> </a:t>
-            </a:r>
-            <a:r>
-              <a:rPr lang="en-US" sz="1800" b="1" dirty="0" smtClean="0"/>
-              <a:t>do</a:t>
-            </a:r>
-            <a:r>
-              <a:rPr lang="en-US" sz="1800" dirty="0" smtClean="0"/>
-              <a:t> </a:t>
-            </a:r>
-            <a:r>
-              <a:rPr lang="en-US" sz="1800" i="1" dirty="0" smtClean="0"/>
-              <a:t>Statement </a:t>
-            </a:r>
-            <a:r>
-              <a:rPr lang="en-US" sz="1800" b="1" dirty="0" err="1" smtClean="0"/>
-              <a:t>enddo</a:t>
-            </a:r>
-            <a:endParaRPr lang="en-US" sz="1800" b="1" dirty="0"/>
-          </a:p>
-          <a:p>
-            <a:endParaRPr lang="en-US" sz="1800" i="1" dirty="0" smtClean="0"/>
-          </a:p>
-          <a:p>
-            <a:r>
-              <a:rPr lang="en-US" sz="2000" dirty="0" smtClean="0"/>
-              <a:t>Semantics:</a:t>
-            </a:r>
-          </a:p>
-          <a:p>
-            <a:r>
-              <a:rPr lang="en-US" sz="1800" dirty="0" smtClean="0"/>
-              <a:t>The </a:t>
-            </a:r>
-            <a:r>
-              <a:rPr lang="en-US" sz="1800" dirty="0"/>
-              <a:t>while statement executes an </a:t>
-            </a:r>
-            <a:r>
               <a:rPr lang="en-US" sz="1800" i="1" dirty="0"/>
               <a:t>Expression</a:t>
             </a:r>
             <a:r>
               <a:rPr lang="en-US" sz="1800" dirty="0"/>
+              <a:t> </a:t>
+            </a:r>
+            <a:r>
+              <a:rPr lang="en-US" sz="1800" b="1" dirty="0"/>
+              <a:t>do</a:t>
+            </a:r>
+            <a:r>
+              <a:rPr lang="en-US" sz="1800" dirty="0"/>
+              <a:t> </a:t>
+            </a:r>
+            <a:r>
+              <a:rPr lang="en-US" sz="1800" i="1" dirty="0"/>
+              <a:t>Statement </a:t>
+            </a:r>
+            <a:r>
+              <a:rPr lang="en-US" sz="1800" b="1" dirty="0" err="1"/>
+              <a:t>enddo</a:t>
+            </a:r>
+            <a:endParaRPr lang="en-US" sz="1800" b="1" dirty="0"/>
+          </a:p>
+          <a:p>
+            <a:endParaRPr lang="en-US" sz="1800" i="1" dirty="0"/>
+          </a:p>
+          <a:p>
+            <a:r>
+              <a:rPr lang="en-US" sz="2000" dirty="0"/>
+              <a:t>Semantics:</a:t>
+            </a:r>
+          </a:p>
+          <a:p>
+            <a:r>
+              <a:rPr lang="en-US" sz="1800" dirty="0"/>
+              <a:t>The while statement executes an </a:t>
+            </a:r>
+            <a:r>
+              <a:rPr lang="en-US" sz="1800" i="1" dirty="0"/>
+              <a:t>Expression</a:t>
+            </a:r>
+            <a:r>
+              <a:rPr lang="en-US" sz="1800" dirty="0"/>
               <a:t> and a </a:t>
             </a:r>
             <a:r>
@@ -11765,16 +11648,11 @@
               <a:rPr lang="en-US" sz="1800" dirty="0"/>
               <a:t> repeatedly </a:t>
             </a:r>
-            <a:endParaRPr lang="en-US" sz="1800" dirty="0" smtClean="0"/>
-          </a:p>
-          <a:p>
-            <a:r>
-              <a:rPr lang="en-US" sz="1800" dirty="0" smtClean="0"/>
-              <a:t>until </a:t>
-            </a:r>
+          </a:p>
+          <a:p>
             <a:r>
               <a:rPr lang="en-US" sz="1800" dirty="0"/>
-              <a:t>the value of the </a:t>
+              <a:t>until the value of the </a:t>
             </a:r>
             <a:r>
               <a:rPr lang="en-US" sz="1800" i="1" dirty="0"/>
@@ -11790,7 +11668,7 @@
           </a:p>
           <a:p>
             <a:r>
-              <a:rPr lang="en-US" sz="1800" dirty="0" smtClean="0"/>
+              <a:rPr lang="en-US" sz="1800" dirty="0"/>
               <a:t>The </a:t>
             </a:r>
             <a:r>
@@ -11799,27 +11677,7 @@
             </a:r>
             <a:r>
               <a:rPr lang="en-US" sz="1800" dirty="0"/>
-              <a:t> must have type </a:t>
-            </a:r>
-            <a:r>
-              <a:rPr lang="en-US" sz="1800" dirty="0" smtClean="0"/>
-              <a:t>Boolean</a:t>
-            </a:r>
-            <a:r>
-              <a:rPr lang="en-US" sz="1800" dirty="0"/>
-              <a:t>, or </a:t>
-            </a:r>
-            <a:r>
-              <a:rPr lang="en-US" sz="1800" dirty="0" smtClean="0"/>
-              <a:t>an </a:t>
-            </a:r>
-            <a:r>
-              <a:rPr lang="en-US" sz="1800" dirty="0"/>
-              <a:t>error occurs</a:t>
-            </a:r>
-            <a:r>
-              <a:rPr lang="en-US" sz="1800" dirty="0" smtClean="0"/>
-              <a:t>.</a:t>
+              <a:t> must have type Boolean, or an error occurs.</a:t>
             </a:r>
           </a:p>
           <a:p>
@@ -11831,11 +11689,11 @@
               <a:t>A while statement is executed by first evaluating the </a:t>
             </a:r>
             <a:r>
-              <a:rPr lang="en-US" sz="1800" i="1" dirty="0" smtClean="0"/>
+              <a:rPr lang="en-US" sz="1800" i="1" dirty="0"/>
               <a:t>Expression</a:t>
             </a:r>
             <a:r>
-              <a:rPr lang="en-US" sz="1800" dirty="0" smtClean="0"/>
+              <a:rPr lang="en-US" sz="1800" dirty="0"/>
               <a:t>:</a:t>
             </a:r>
           </a:p>
@@ -11846,15 +11704,7 @@
             </a:pPr>
             <a:r>
               <a:rPr lang="en-US" sz="1800" dirty="0"/>
-              <a:t>I</a:t>
-            </a:r>
-            <a:r>
-              <a:rPr lang="en-US" sz="1800" dirty="0" smtClean="0"/>
-              <a:t>f </a:t>
-            </a:r>
-            <a:r>
-              <a:rPr lang="en-US" sz="1800" dirty="0"/>
-              <a:t>the value is </a:t>
+              <a:t>If the value is </a:t>
             </a:r>
             <a:r>
               <a:rPr lang="en-US" sz="1800" i="1" dirty="0"/>
@@ -11862,15 +11712,7 @@
             </a:r>
             <a:r>
               <a:rPr lang="en-US" sz="1800" dirty="0"/>
-              <a:t>, </a:t>
-            </a:r>
-            <a:r>
-              <a:rPr lang="en-US" sz="1800" dirty="0" smtClean="0"/>
-              <a:t>then </a:t>
-            </a:r>
-            <a:r>
-              <a:rPr lang="en-US" sz="1800" dirty="0"/>
-              <a:t>the contained </a:t>
+              <a:t>, then the contained </a:t>
             </a:r>
             <a:r>
               <a:rPr lang="en-US" sz="1800" i="1" dirty="0"/>
@@ -11878,30 +11720,14 @@
             </a:r>
             <a:r>
               <a:rPr lang="en-US" sz="1800" dirty="0"/>
-              <a:t> is executed</a:t>
-            </a:r>
-            <a:r>
-              <a:rPr lang="en-US" sz="1800" dirty="0" smtClean="0"/>
-              <a:t>. </a:t>
-            </a:r>
-            <a:r>
+              <a:t> is executed. If execution </a:t>
+            </a:r>
+            <a:br>
               <a:rPr lang="en-US" sz="1800" dirty="0"/>
-              <a:t>If execution </a:t>
-            </a:r>
-            <a:r>
-              <a:rPr lang="en-US" sz="1800" dirty="0" smtClean="0"/>
-              <a:t/>
-            </a:r>
-            <a:br>
-              <a:rPr lang="en-US" sz="1800" dirty="0" smtClean="0"/>
             </a:br>
             <a:r>
-              <a:rPr lang="en-US" sz="1800" dirty="0" smtClean="0"/>
-              <a:t>of </a:t>
-            </a:r>
-            <a:r>
               <a:rPr lang="en-US" sz="1800" dirty="0"/>
-              <a:t>the </a:t>
+              <a:t>of the </a:t>
             </a:r>
             <a:r>
               <a:rPr lang="en-US" sz="1800" i="1" dirty="0"/>
@@ -11911,27 +11737,19 @@
               <a:rPr lang="en-US" sz="1800" dirty="0"/>
               <a:t> completes normally, then the entire while statement is </a:t>
             </a:r>
-            <a:r>
-              <a:rPr lang="en-US" sz="1800" dirty="0" smtClean="0"/>
-              <a:t/>
-            </a:r>
             <a:br>
-              <a:rPr lang="en-US" sz="1800" dirty="0" smtClean="0"/>
+              <a:rPr lang="en-US" sz="1800" dirty="0"/>
             </a:br>
             <a:r>
-              <a:rPr lang="en-US" sz="1800" dirty="0" smtClean="0"/>
-              <a:t>executed </a:t>
-            </a:r>
-            <a:r>
               <a:rPr lang="en-US" sz="1800" dirty="0"/>
-              <a:t>again, beginning by re-evaluating the </a:t>
+              <a:t>executed again, beginning by re-evaluating the </a:t>
             </a:r>
             <a:r>
               <a:rPr lang="en-US" sz="1800" i="1" dirty="0"/>
               <a:t>Expression</a:t>
             </a:r>
             <a:r>
-              <a:rPr lang="en-US" sz="1800" dirty="0" smtClean="0"/>
+              <a:rPr lang="en-US" sz="1800" dirty="0"/>
               <a:t>.</a:t>
             </a:r>
           </a:p>
@@ -11942,19 +11760,7 @@
             </a:pPr>
             <a:r>
               <a:rPr lang="en-US" sz="1800" dirty="0"/>
-              <a:t>I</a:t>
-            </a:r>
-            <a:r>
-              <a:rPr lang="en-US" sz="1800" dirty="0" smtClean="0"/>
-              <a:t>f </a:t>
-            </a:r>
-            <a:r>
-              <a:rPr lang="en-US" sz="1800" dirty="0"/>
-              <a:t>the </a:t>
-            </a:r>
-            <a:r>
-              <a:rPr lang="en-US" sz="1800" dirty="0" smtClean="0"/>
-              <a:t>value is </a:t>
+              <a:t>If the value is </a:t>
             </a:r>
             <a:r>
               <a:rPr lang="en-US" sz="1800" i="1" dirty="0"/>
@@ -11962,20 +11768,15 @@
             </a:r>
             <a:r>
               <a:rPr lang="en-US" sz="1800" dirty="0"/>
-              <a:t>, no further action is taken and the while </a:t>
-            </a:r>
-            <a:r>
-              <a:rPr lang="en-US" sz="1800" dirty="0" smtClean="0"/>
-              <a:t>statement</a:t>
+              <a:t>, no further action is taken and the while statement</a:t>
             </a:r>
             <a:br>
-              <a:rPr lang="en-US" sz="1800" dirty="0" smtClean="0"/>
+              <a:rPr lang="en-US" sz="1800" dirty="0"/>
             </a:br>
             <a:r>
-              <a:rPr lang="en-US" sz="1800" dirty="0" smtClean="0"/>
+              <a:rPr lang="en-US" sz="1800" dirty="0"/>
               <a:t>terminates.</a:t>
             </a:r>
-            <a:endParaRPr lang="en-US" sz="1800" dirty="0"/>
           </a:p>
         </p:txBody>
       </p:sp>
@@ -11989,13 +11790,6 @@
   <p:clrMapOvr>
     <a:masterClrMapping/>
   </p:clrMapOvr>
-  <p:timing>
-    <p:tnLst>
-      <p:par>
-        <p:cTn id="1" dur="indefinite" restart="never" nodeType="tmRoot"/>
-      </p:par>
-    </p:tnLst>
-  </p:timing>
 </p:sld>
 </file>
 
@@ -12033,15 +11827,7 @@
           <a:p>
             <a:r>
               <a:rPr lang="en-US" dirty="0"/>
-              <a:t>The </a:t>
-            </a:r>
-            <a:r>
-              <a:rPr lang="en-US" dirty="0" smtClean="0"/>
-              <a:t>Behavior of </a:t>
-            </a:r>
-            <a:r>
-              <a:rPr lang="en-US" dirty="0"/>
-              <a:t>Programming Languages</a:t>
+              <a:t>The Behavior of Programming Languages</a:t>
             </a:r>
           </a:p>
         </p:txBody>
@@ -12072,7 +11858,7 @@
               </a:lnSpc>
             </a:pPr>
             <a:r>
-              <a:rPr lang="en-US" sz="2000" dirty="0" smtClean="0"/>
+              <a:rPr lang="en-US" sz="2000" dirty="0"/>
               <a:t>The specification of general purpose programming languages can be very complex.</a:t>
             </a:r>
           </a:p>
@@ -12083,16 +11869,8 @@
               </a:lnSpc>
             </a:pPr>
             <a:r>
-              <a:rPr lang="en-US" sz="2000" dirty="0" smtClean="0"/>
-              <a:t>In </a:t>
-            </a:r>
-            <a:r>
               <a:rPr lang="en-US" sz="2000" dirty="0"/>
-              <a:t>the case of Java this is a 700 page book</a:t>
-            </a:r>
-            <a:r>
-              <a:rPr lang="en-US" sz="2000" dirty="0" smtClean="0"/>
-              <a:t>!</a:t>
+              <a:t>In the case of Java this is a 700 page book!</a:t>
             </a:r>
           </a:p>
           <a:p>
@@ -12102,10 +11880,9 @@
               </a:lnSpc>
             </a:pPr>
             <a:r>
-              <a:rPr lang="en-US" sz="2000" dirty="0" smtClean="0"/>
+              <a:rPr lang="en-US" sz="2000" dirty="0"/>
               <a:t>Domain specific programming languages tend to be less complex and therefore much easier and faster to implement.</a:t>
             </a:r>
-            <a:endParaRPr lang="en-US" sz="2000" dirty="0"/>
           </a:p>
         </p:txBody>
       </p:sp>
@@ -12145,14 +11922,14 @@
           <a:effectLst/>
           <a:extLst>
             <a:ext uri="{909E8E84-426E-40dd-AFC4-6F175D3DCCD1}">
-              <a14:hiddenFill xmlns:a14="http://schemas.microsoft.com/office/drawing/2010/main" xmlns="">
+              <a14:hiddenFill xmlns="" xmlns:a14="http://schemas.microsoft.com/office/drawing/2010/main">
                 <a:solidFill>
                   <a:schemeClr val="accent1"/>
                 </a:solidFill>
               </a14:hiddenFill>
             </a:ext>
             <a:ext uri="{91240B29-F687-4f45-9708-019B960494DF}">
-              <a14:hiddenLine xmlns:a14="http://schemas.microsoft.com/office/drawing/2010/main" xmlns="" w="9525">
+              <a14:hiddenLine xmlns="" xmlns:a14="http://schemas.microsoft.com/office/drawing/2010/main" w="9525">
                 <a:solidFill>
                   <a:schemeClr val="tx1"/>
                 </a:solidFill>
@@ -12162,7 +11939,7 @@
               </a14:hiddenLine>
             </a:ext>
             <a:ext uri="{AF507438-7753-43e0-B8FC-AC1667EBCBE1}">
-              <a14:hiddenEffects xmlns:a14="http://schemas.microsoft.com/office/drawing/2010/main" xmlns="">
+              <a14:hiddenEffects xmlns="" xmlns:a14="http://schemas.microsoft.com/office/drawing/2010/main">
                 <a:effectLst>
                   <a:outerShdw blurRad="63500" dist="38099" dir="2700000" algn="ctr" rotWithShape="0">
                     <a:srgbClr val="000000">
@@ -12197,14 +11974,14 @@
           </a:ln>
           <a:extLst>
             <a:ext uri="{909E8E84-426E-40dd-AFC4-6F175D3DCCD1}">
-              <a14:hiddenFill xmlns:a14="http://schemas.microsoft.com/office/drawing/2010/main" xmlns="">
+              <a14:hiddenFill xmlns="" xmlns:a14="http://schemas.microsoft.com/office/drawing/2010/main">
                 <a:solidFill>
                   <a:schemeClr val="accent1"/>
                 </a:solidFill>
               </a14:hiddenFill>
             </a:ext>
             <a:ext uri="{91240B29-F687-4f45-9708-019B960494DF}">
-              <a14:hiddenLine xmlns:a14="http://schemas.microsoft.com/office/drawing/2010/main" xmlns="" w="9525">
+              <a14:hiddenLine xmlns="" xmlns:a14="http://schemas.microsoft.com/office/drawing/2010/main" w="9525">
                 <a:solidFill>
                   <a:schemeClr val="tx1"/>
                 </a:solidFill>
@@ -12233,13 +12010,6 @@
   <p:clrMapOvr>
     <a:masterClrMapping/>
   </p:clrMapOvr>
-  <p:timing>
-    <p:tnLst>
-      <p:par>
-        <p:cTn id="1" dur="indefinite" restart="never" nodeType="tmRoot"/>
-      </p:par>
-    </p:tnLst>
-  </p:timing>
 </p:sld>
 </file>
 
@@ -12276,10 +12046,9 @@
           <a:lstStyle/>
           <a:p>
             <a:r>
-              <a:rPr lang="en-US" dirty="0" smtClean="0"/>
+              <a:rPr lang="en-US" dirty="0"/>
               <a:t>Building Blocks of Language Processors</a:t>
             </a:r>
-            <a:endParaRPr lang="en-US" dirty="0"/>
           </a:p>
         </p:txBody>
       </p:sp>
@@ -12299,31 +12068,30 @@
           <a:lstStyle/>
           <a:p>
             <a:r>
-              <a:rPr lang="en-US" dirty="0" smtClean="0"/>
+              <a:rPr lang="en-US" dirty="0"/>
               <a:t>Most programming language processors are made up of one or more three main building blocks:</a:t>
             </a:r>
           </a:p>
           <a:p>
             <a:pPr lvl="1"/>
             <a:r>
-              <a:rPr lang="en-US" dirty="0" smtClean="0"/>
+              <a:rPr lang="en-US" dirty="0"/>
               <a:t>Syntax Analysis – program text/structure analysis</a:t>
             </a:r>
           </a:p>
           <a:p>
             <a:pPr lvl="1"/>
             <a:r>
-              <a:rPr lang="en-US" dirty="0" smtClean="0"/>
+              <a:rPr lang="en-US" dirty="0"/>
               <a:t>Semantic Analysis – program behavior analysis</a:t>
             </a:r>
           </a:p>
           <a:p>
             <a:pPr lvl="1"/>
             <a:r>
-              <a:rPr lang="en-US" dirty="0" smtClean="0"/>
+              <a:rPr lang="en-US" dirty="0"/>
               <a:t>Code Generation</a:t>
             </a:r>
-            <a:endParaRPr lang="en-US" dirty="0"/>
           </a:p>
         </p:txBody>
       </p:sp>
@@ -12337,13 +12105,6 @@
   <p:clrMapOvr>
     <a:masterClrMapping/>
   </p:clrMapOvr>
-  <p:timing>
-    <p:tnLst>
-      <p:par>
-        <p:cTn id="1" dur="indefinite" restart="never" nodeType="tmRoot"/>
-      </p:par>
-    </p:tnLst>
-  </p:timing>
 </p:sld>
 </file>
 
@@ -12380,10 +12141,9 @@
           <a:lstStyle/>
           <a:p>
             <a:r>
-              <a:rPr lang="en-US" dirty="0" smtClean="0"/>
+              <a:rPr lang="en-US" dirty="0"/>
               <a:t>Syntax Analysis</a:t>
             </a:r>
-            <a:endParaRPr lang="en-US" dirty="0"/>
           </a:p>
         </p:txBody>
       </p:sp>
@@ -12411,24 +12171,23 @@
           <a:lstStyle/>
           <a:p>
             <a:r>
-              <a:rPr lang="en-US" dirty="0" smtClean="0"/>
+              <a:rPr lang="en-US" dirty="0"/>
               <a:t>The syntax analysis reads the program text and produces an intermediate representation (IR)</a:t>
             </a:r>
           </a:p>
           <a:p>
             <a:r>
-              <a:rPr lang="en-US" dirty="0" smtClean="0"/>
+              <a:rPr lang="en-US" dirty="0"/>
               <a:t>The IR is an </a:t>
             </a:r>
             <a:r>
-              <a:rPr lang="en-US" b="1" dirty="0" smtClean="0"/>
+              <a:rPr lang="en-US" b="1" dirty="0"/>
               <a:t>abstract representation </a:t>
             </a:r>
             <a:r>
-              <a:rPr lang="en-US" dirty="0" smtClean="0"/>
+              <a:rPr lang="en-US" dirty="0"/>
               <a:t>of the program text</a:t>
             </a:r>
-            <a:endParaRPr lang="en-US" dirty="0"/>
           </a:p>
         </p:txBody>
       </p:sp>
@@ -12469,17 +12228,16 @@
           <a:p>
             <a:pPr algn="ctr"/>
             <a:r>
-              <a:rPr lang="en-US" sz="2400" dirty="0" smtClean="0"/>
+              <a:rPr lang="en-US" sz="2400" dirty="0"/>
               <a:t>Syntax</a:t>
             </a:r>
           </a:p>
           <a:p>
             <a:pPr algn="ctr"/>
             <a:r>
-              <a:rPr lang="en-US" sz="2400" dirty="0" smtClean="0"/>
+              <a:rPr lang="en-US" sz="2400" dirty="0"/>
               <a:t>Analysis</a:t>
             </a:r>
-            <a:endParaRPr lang="en-US" sz="2400" dirty="0"/>
           </a:p>
         </p:txBody>
       </p:sp>
@@ -12585,17 +12343,16 @@
           <a:p>
             <a:pPr algn="ctr"/>
             <a:r>
-              <a:rPr lang="en-US" dirty="0" smtClean="0"/>
+              <a:rPr lang="en-US" dirty="0"/>
               <a:t>Program</a:t>
             </a:r>
             <a:br>
-              <a:rPr lang="en-US" dirty="0" smtClean="0"/>
+              <a:rPr lang="en-US" dirty="0"/>
             </a:br>
             <a:r>
-              <a:rPr lang="en-US" dirty="0" smtClean="0"/>
+              <a:rPr lang="en-US" dirty="0"/>
               <a:t>Text</a:t>
             </a:r>
-            <a:endParaRPr lang="en-US" dirty="0"/>
           </a:p>
         </p:txBody>
       </p:sp>
@@ -12622,16 +12379,15 @@
           <a:lstStyle/>
           <a:p>
             <a:r>
-              <a:rPr lang="en-US" dirty="0" smtClean="0"/>
+              <a:rPr lang="en-US" dirty="0"/>
               <a:t>Intermediate</a:t>
             </a:r>
           </a:p>
           <a:p>
             <a:r>
-              <a:rPr lang="en-US" dirty="0" smtClean="0"/>
+              <a:rPr lang="en-US" dirty="0"/>
               <a:t>Representation (IR)</a:t>
             </a:r>
-            <a:endParaRPr lang="en-US" dirty="0"/>
           </a:p>
         </p:txBody>
       </p:sp>
@@ -12645,13 +12401,6 @@
   <p:clrMapOvr>
     <a:masterClrMapping/>
   </p:clrMapOvr>
-  <p:timing>
-    <p:tnLst>
-      <p:par>
-        <p:cTn id="1" dur="indefinite" restart="never" nodeType="tmRoot"/>
-      </p:par>
-    </p:tnLst>
-  </p:timing>
 </p:sld>
 </file>
 
@@ -12688,10 +12437,9 @@
           <a:lstStyle/>
           <a:p>
             <a:r>
-              <a:rPr lang="en-US" dirty="0" smtClean="0"/>
+              <a:rPr lang="en-US" dirty="0"/>
               <a:t>Semantic Analysis</a:t>
             </a:r>
-            <a:endParaRPr lang="en-US" dirty="0"/>
           </a:p>
         </p:txBody>
       </p:sp>
@@ -12719,19 +12467,19 @@
           <a:lstStyle/>
           <a:p>
             <a:r>
-              <a:rPr lang="en-US" sz="2400" dirty="0" smtClean="0"/>
+              <a:rPr lang="en-US" sz="2400" dirty="0"/>
               <a:t>The semantic analysis reads the IR and analyzes the encoded behavior</a:t>
             </a:r>
           </a:p>
           <a:p>
             <a:r>
-              <a:rPr lang="en-US" sz="2400" dirty="0" smtClean="0"/>
+              <a:rPr lang="en-US" sz="2400" dirty="0"/>
               <a:t>The semantics analysis typically outputs an annotated version of the IR</a:t>
             </a:r>
           </a:p>
           <a:p>
             <a:r>
-              <a:rPr lang="en-US" sz="2400" dirty="0" smtClean="0"/>
+              <a:rPr lang="en-US" sz="2400" dirty="0"/>
               <a:t>These annotations insure the correct behavior of the program, for example, memory space for a declared variable.</a:t>
             </a:r>
           </a:p>
@@ -12774,17 +12522,16 @@
           <a:p>
             <a:pPr algn="ctr"/>
             <a:r>
-              <a:rPr lang="en-US" sz="2400" dirty="0" smtClean="0"/>
+              <a:rPr lang="en-US" sz="2400" dirty="0"/>
               <a:t>Semantic</a:t>
             </a:r>
           </a:p>
           <a:p>
             <a:pPr algn="ctr"/>
             <a:r>
-              <a:rPr lang="en-US" sz="2400" dirty="0" smtClean="0"/>
+              <a:rPr lang="en-US" sz="2400" dirty="0"/>
               <a:t>Analysis</a:t>
             </a:r>
-            <a:endParaRPr lang="en-US" sz="2400" dirty="0"/>
           </a:p>
         </p:txBody>
       </p:sp>
@@ -12890,10 +12637,9 @@
           <a:p>
             <a:pPr algn="ctr"/>
             <a:r>
-              <a:rPr lang="en-US" dirty="0" smtClean="0"/>
+              <a:rPr lang="en-US" dirty="0"/>
               <a:t>IR</a:t>
             </a:r>
-            <a:endParaRPr lang="en-US" dirty="0"/>
           </a:p>
         </p:txBody>
       </p:sp>
@@ -12921,13 +12667,8 @@
           <a:p>
             <a:r>
               <a:rPr lang="en-US" dirty="0"/>
-              <a:t>A</a:t>
-            </a:r>
-            <a:r>
-              <a:rPr lang="en-US" dirty="0" smtClean="0"/>
-              <a:t>nnotated IR</a:t>
-            </a:r>
-            <a:endParaRPr lang="en-US" dirty="0"/>
+              <a:t>Annotated IR</a:t>
+            </a:r>
           </a:p>
         </p:txBody>
       </p:sp>
@@ -12941,13 +12682,6 @@
   <p:clrMapOvr>
     <a:masterClrMapping/>
   </p:clrMapOvr>
-  <p:timing>
-    <p:tnLst>
-      <p:par>
-        <p:cTn id="1" dur="indefinite" restart="never" nodeType="tmRoot"/>
-      </p:par>
-    </p:tnLst>
-  </p:timing>
 </p:sld>
 </file>
 
@@ -12984,10 +12718,9 @@
           <a:lstStyle/>
           <a:p>
             <a:r>
-              <a:rPr lang="en-US" dirty="0" smtClean="0"/>
+              <a:rPr lang="en-US" dirty="0"/>
               <a:t>Code Generation</a:t>
             </a:r>
-            <a:endParaRPr lang="en-US" dirty="0"/>
           </a:p>
         </p:txBody>
       </p:sp>
@@ -13015,19 +12748,19 @@
           <a:lstStyle/>
           <a:p>
             <a:r>
-              <a:rPr lang="en-US" sz="2400" dirty="0" smtClean="0"/>
+              <a:rPr lang="en-US" sz="2400" dirty="0"/>
               <a:t>The semantic analysis reads the IR and translates it into the target language</a:t>
             </a:r>
           </a:p>
           <a:p>
             <a:r>
-              <a:rPr lang="en-US" sz="2400" dirty="0" smtClean="0"/>
+              <a:rPr lang="en-US" sz="2400" dirty="0"/>
               <a:t>The target language could be a high level language, assembly code, or byte code.</a:t>
             </a:r>
           </a:p>
           <a:p>
             <a:r>
-              <a:rPr lang="en-US" sz="2400" dirty="0" smtClean="0"/>
+              <a:rPr lang="en-US" sz="2400" dirty="0"/>
               <a:t>The target code can also be a spreadsheet that summarizes data described with the IR, etc.</a:t>
             </a:r>
           </a:p>
@@ -13070,17 +12803,16 @@
           <a:p>
             <a:pPr algn="ctr"/>
             <a:r>
-              <a:rPr lang="en-US" sz="2400" dirty="0" smtClean="0"/>
+              <a:rPr lang="en-US" sz="2400" dirty="0"/>
               <a:t>Code</a:t>
             </a:r>
           </a:p>
           <a:p>
             <a:pPr algn="ctr"/>
             <a:r>
-              <a:rPr lang="en-US" sz="2400" dirty="0" smtClean="0"/>
+              <a:rPr lang="en-US" sz="2400" dirty="0"/>
               <a:t>Generation</a:t>
             </a:r>
-            <a:endParaRPr lang="en-US" sz="2400" dirty="0"/>
           </a:p>
         </p:txBody>
       </p:sp>
@@ -13186,10 +12918,9 @@
           <a:p>
             <a:pPr algn="ctr"/>
             <a:r>
-              <a:rPr lang="en-US" dirty="0" smtClean="0"/>
+              <a:rPr lang="en-US" dirty="0"/>
               <a:t>IR</a:t>
             </a:r>
-            <a:endParaRPr lang="en-US" dirty="0"/>
           </a:p>
         </p:txBody>
       </p:sp>
@@ -13216,17 +12947,16 @@
           <a:lstStyle/>
           <a:p>
             <a:r>
-              <a:rPr lang="en-US" dirty="0" smtClean="0"/>
+              <a:rPr lang="en-US" dirty="0"/>
               <a:t>Target</a:t>
             </a:r>
             <a:br>
-              <a:rPr lang="en-US" dirty="0" smtClean="0"/>
+              <a:rPr lang="en-US" dirty="0"/>
             </a:br>
             <a:r>
-              <a:rPr lang="en-US" dirty="0" smtClean="0"/>
+              <a:rPr lang="en-US" dirty="0"/>
               <a:t>Language</a:t>
             </a:r>
-            <a:endParaRPr lang="en-US" dirty="0"/>
           </a:p>
         </p:txBody>
       </p:sp>
@@ -13240,13 +12970,6 @@
   <p:clrMapOvr>
     <a:masterClrMapping/>
   </p:clrMapOvr>
-  <p:timing>
-    <p:tnLst>
-      <p:par>
-        <p:cTn id="1" dur="indefinite" restart="never" nodeType="tmRoot"/>
-      </p:par>
-    </p:tnLst>
-  </p:timing>
 </p:sld>
 </file>
 
@@ -13305,24 +13028,15 @@
           <a:lstStyle/>
           <a:p>
             <a:r>
-              <a:rPr lang="en-US" dirty="0" smtClean="0"/>
+              <a:rPr lang="en-US" dirty="0"/>
               <a:t>We can now plug these building blocks together in different configuration in order to obtain a variety of language processors.</a:t>
             </a:r>
           </a:p>
           <a:p>
             <a:r>
-              <a:rPr lang="en-US" dirty="0" smtClean="0"/>
-              <a:t>In general, we consider four </a:t>
-            </a:r>
-            <a:r>
               <a:rPr lang="en-US" dirty="0"/>
-              <a:t>different classes of language </a:t>
-            </a:r>
-            <a:r>
-              <a:rPr lang="en-US" dirty="0" smtClean="0"/>
-              <a:t>processors:</a:t>
-            </a:r>
-            <a:endParaRPr lang="en-US" dirty="0"/>
+              <a:t>In general, we consider four different classes of language processors:</a:t>
+            </a:r>
           </a:p>
           <a:p>
             <a:pPr lvl="1"/>
@@ -13362,13 +13076,6 @@
   <p:clrMapOvr>
     <a:masterClrMapping/>
   </p:clrMapOvr>
-  <p:timing>
-    <p:tnLst>
-      <p:par>
-        <p:cTn id="1" dur="indefinite" restart="never" nodeType="tmRoot"/>
-      </p:par>
-    </p:tnLst>
-  </p:timing>
 </p:sld>
 </file>
 
@@ -13510,14 +13217,11 @@
               </a:lnSpc>
             </a:pPr>
             <a:r>
-              <a:rPr lang="en-US" sz="2600" dirty="0" smtClean="0">
+              <a:rPr lang="en-US" sz="2600" dirty="0">
                 <a:latin typeface="Times New Roman" charset="0"/>
               </a:rPr>
               <a:t>We will study a number of different programming language implementation techniques including compilers, interpreters, and virtual machines. </a:t>
             </a:r>
-            <a:endParaRPr lang="en-US" sz="2600" dirty="0">
-              <a:latin typeface="Times New Roman" charset="0"/>
-            </a:endParaRPr>
           </a:p>
           <a:p>
             <a:pPr>
@@ -13526,22 +13230,16 @@
               </a:lnSpc>
             </a:pPr>
             <a:r>
-              <a:rPr lang="en-US" sz="2600" dirty="0" smtClean="0">
+              <a:rPr lang="en-US" sz="2600" dirty="0">
                 <a:latin typeface="Times New Roman" charset="0"/>
               </a:rPr>
               <a:t>You can add </a:t>
             </a:r>
             <a:r>
-              <a:rPr lang="en-US" sz="2600" u="sng" dirty="0" smtClean="0">
-                <a:latin typeface="Times New Roman" charset="0"/>
-              </a:rPr>
-              <a:t>domain </a:t>
-            </a:r>
-            <a:r>
               <a:rPr lang="en-US" sz="2600" u="sng" dirty="0">
                 <a:latin typeface="Times New Roman" charset="0"/>
               </a:rPr>
-              <a:t>specific</a:t>
+              <a:t>domain specific</a:t>
             </a:r>
             <a:r>
               <a:rPr lang="en-US" sz="2600" dirty="0">
@@ -13565,13 +13263,7 @@
               <a:rPr lang="en-US" sz="2600">
                 <a:latin typeface="Times New Roman" charset="0"/>
               </a:rPr>
-              <a:t>tool </a:t>
-            </a:r>
-            <a:r>
-              <a:rPr lang="en-US" sz="2600" smtClean="0">
-                <a:latin typeface="Times New Roman" charset="0"/>
-              </a:rPr>
-              <a:t>chest.</a:t>
+              <a:t>tool chest.</a:t>
             </a:r>
             <a:endParaRPr lang="en-US" sz="2600" dirty="0">
               <a:latin typeface="Times New Roman" charset="0"/>
@@ -13592,13 +13284,6 @@
   <p:clrMapOvr>
     <a:masterClrMapping/>
   </p:clrMapOvr>
-  <p:timing>
-    <p:tnLst>
-      <p:par>
-        <p:cTn id="1" dur="indefinite" restart="never" nodeType="tmRoot"/>
-      </p:par>
-    </p:tnLst>
-  </p:timing>
 </p:sld>
 </file>
 
@@ -13636,13 +13321,8 @@
           <a:p>
             <a:r>
               <a:rPr lang="en-US" dirty="0"/>
-              <a:t>The </a:t>
-            </a:r>
-            <a:r>
-              <a:rPr lang="en-US" dirty="0" smtClean="0"/>
-              <a:t>Reader</a:t>
-            </a:r>
-            <a:endParaRPr lang="en-US" dirty="0"/>
+              <a:t>The Reader</a:t>
+            </a:r>
           </a:p>
         </p:txBody>
       </p:sp>
@@ -13672,7 +13352,7 @@
               </a:lnSpc>
             </a:pPr>
             <a:r>
-              <a:rPr lang="en-US" sz="2400" dirty="0" smtClean="0"/>
+              <a:rPr lang="en-US" sz="2400" dirty="0"/>
               <a:t>A reader consists of the  syntax analysis block.</a:t>
             </a:r>
           </a:p>
@@ -13683,20 +13363,8 @@
               </a:lnSpc>
             </a:pPr>
             <a:r>
-              <a:rPr lang="en-US" sz="2400" dirty="0" smtClean="0"/>
-              <a:t>A </a:t>
-            </a:r>
-            <a:r>
               <a:rPr lang="en-US" sz="2400" dirty="0"/>
-              <a:t>reader builds a data structure or </a:t>
-            </a:r>
-            <a:r>
-              <a:rPr lang="en-US" sz="2400" dirty="0" smtClean="0"/>
-              <a:t>sometimes </a:t>
-            </a:r>
-            <a:r>
-              <a:rPr lang="en-US" sz="2400" dirty="0"/>
-              <a:t>called an intermediate representation (IR) from one or more input streams.</a:t>
+              <a:t>A reader builds a data structure or sometimes called an intermediate representation (IR) from one or more input streams.</a:t>
             </a:r>
           </a:p>
           <a:p>
@@ -13749,17 +13417,16 @@
           <a:p>
             <a:pPr algn="ctr"/>
             <a:r>
-              <a:rPr lang="en-US" sz="2400" dirty="0" smtClean="0"/>
+              <a:rPr lang="en-US" sz="2400" dirty="0"/>
               <a:t>Syntax</a:t>
             </a:r>
           </a:p>
           <a:p>
             <a:pPr algn="ctr"/>
             <a:r>
-              <a:rPr lang="en-US" sz="2400" dirty="0" smtClean="0"/>
+              <a:rPr lang="en-US" sz="2400" dirty="0"/>
               <a:t>Analysis</a:t>
             </a:r>
-            <a:endParaRPr lang="en-US" sz="2400" dirty="0"/>
           </a:p>
         </p:txBody>
       </p:sp>
@@ -13865,17 +13532,16 @@
           <a:p>
             <a:pPr algn="ctr"/>
             <a:r>
-              <a:rPr lang="en-US" dirty="0" smtClean="0"/>
+              <a:rPr lang="en-US" dirty="0"/>
               <a:t>Program</a:t>
             </a:r>
             <a:br>
-              <a:rPr lang="en-US" dirty="0" smtClean="0"/>
+              <a:rPr lang="en-US" dirty="0"/>
             </a:br>
             <a:r>
-              <a:rPr lang="en-US" dirty="0" smtClean="0"/>
+              <a:rPr lang="en-US" dirty="0"/>
               <a:t>Text</a:t>
             </a:r>
-            <a:endParaRPr lang="en-US" dirty="0"/>
           </a:p>
         </p:txBody>
       </p:sp>
@@ -13902,16 +13568,15 @@
           <a:lstStyle/>
           <a:p>
             <a:r>
-              <a:rPr lang="en-US" dirty="0" smtClean="0"/>
+              <a:rPr lang="en-US" dirty="0"/>
               <a:t>Intermediate</a:t>
             </a:r>
           </a:p>
           <a:p>
             <a:r>
-              <a:rPr lang="en-US" dirty="0" smtClean="0"/>
+              <a:rPr lang="en-US" dirty="0"/>
               <a:t>Representation (IR)</a:t>
             </a:r>
-            <a:endParaRPr lang="en-US" dirty="0"/>
           </a:p>
         </p:txBody>
       </p:sp>
@@ -13920,13 +13585,6 @@
   <p:clrMapOvr>
     <a:masterClrMapping/>
   </p:clrMapOvr>
-  <p:timing>
-    <p:tnLst>
-      <p:par>
-        <p:cTn id="1" dur="indefinite" restart="never" nodeType="tmRoot"/>
-      </p:par>
-    </p:tnLst>
-  </p:timing>
 </p:sld>
 </file>
 
@@ -13963,10 +13621,9 @@
           <a:lstStyle/>
           <a:p>
             <a:r>
-              <a:rPr lang="en-US" dirty="0" smtClean="0"/>
+              <a:rPr lang="en-US" dirty="0"/>
               <a:t>The Generator</a:t>
             </a:r>
-            <a:endParaRPr lang="en-US" dirty="0"/>
           </a:p>
         </p:txBody>
       </p:sp>
@@ -13996,7 +13653,7 @@
               </a:lnSpc>
             </a:pPr>
             <a:r>
-              <a:rPr lang="en-US" sz="2400" dirty="0" smtClean="0"/>
+              <a:rPr lang="en-US" sz="2400" dirty="0"/>
               <a:t>A generator consists of a code generation block.</a:t>
             </a:r>
           </a:p>
@@ -14007,12 +13664,8 @@
               </a:lnSpc>
             </a:pPr>
             <a:r>
-              <a:rPr lang="en-US" sz="2400" dirty="0" smtClean="0"/>
-              <a:t>A </a:t>
-            </a:r>
-            <a:r>
               <a:rPr lang="en-US" sz="2400" dirty="0"/>
-              <a:t>generator walks an intermediate representation and generates output.</a:t>
+              <a:t>A generator walks an intermediate representation and generates output.</a:t>
             </a:r>
           </a:p>
           <a:p>
@@ -14073,17 +13726,16 @@
           <a:p>
             <a:pPr algn="ctr"/>
             <a:r>
-              <a:rPr lang="en-US" sz="2400" dirty="0" smtClean="0"/>
+              <a:rPr lang="en-US" sz="2400" dirty="0"/>
               <a:t>Code</a:t>
             </a:r>
           </a:p>
           <a:p>
             <a:pPr algn="ctr"/>
             <a:r>
-              <a:rPr lang="en-US" sz="2400" dirty="0" smtClean="0"/>
+              <a:rPr lang="en-US" sz="2400" dirty="0"/>
               <a:t>Generation</a:t>
             </a:r>
-            <a:endParaRPr lang="en-US" sz="2400" dirty="0"/>
           </a:p>
         </p:txBody>
       </p:sp>
@@ -14189,10 +13841,9 @@
           <a:p>
             <a:pPr algn="ctr"/>
             <a:r>
-              <a:rPr lang="en-US" dirty="0" smtClean="0"/>
+              <a:rPr lang="en-US" dirty="0"/>
               <a:t>IR</a:t>
             </a:r>
-            <a:endParaRPr lang="en-US" dirty="0"/>
           </a:p>
         </p:txBody>
       </p:sp>
@@ -14219,17 +13870,16 @@
           <a:lstStyle/>
           <a:p>
             <a:r>
-              <a:rPr lang="en-US" dirty="0" smtClean="0"/>
+              <a:rPr lang="en-US" dirty="0"/>
               <a:t>Target</a:t>
             </a:r>
             <a:br>
-              <a:rPr lang="en-US" dirty="0" smtClean="0"/>
+              <a:rPr lang="en-US" dirty="0"/>
             </a:br>
             <a:r>
-              <a:rPr lang="en-US" dirty="0" smtClean="0"/>
+              <a:rPr lang="en-US" dirty="0"/>
               <a:t>Language</a:t>
             </a:r>
-            <a:endParaRPr lang="en-US" dirty="0"/>
           </a:p>
         </p:txBody>
       </p:sp>
@@ -14238,13 +13888,6 @@
   <p:clrMapOvr>
     <a:masterClrMapping/>
   </p:clrMapOvr>
-  <p:timing>
-    <p:tnLst>
-      <p:par>
-        <p:cTn id="1" dur="indefinite" restart="never" nodeType="tmRoot"/>
-      </p:par>
-    </p:tnLst>
-  </p:timing>
 </p:sld>
 </file>
 
@@ -14281,10 +13924,9 @@
           <a:lstStyle/>
           <a:p>
             <a:r>
-              <a:rPr lang="en-US" dirty="0" smtClean="0"/>
+              <a:rPr lang="en-US" dirty="0"/>
               <a:t>The Interpreter</a:t>
             </a:r>
-            <a:endParaRPr lang="en-US" dirty="0"/>
           </a:p>
         </p:txBody>
       </p:sp>
@@ -14314,7 +13956,7 @@
               </a:lnSpc>
             </a:pPr>
             <a:r>
-              <a:rPr lang="en-US" sz="2400" dirty="0" smtClean="0"/>
+              <a:rPr lang="en-US" sz="2400" dirty="0"/>
               <a:t>An interpreter is made up of a syntactic and a semantic analysis block.</a:t>
             </a:r>
           </a:p>
@@ -14326,15 +13968,7 @@
             </a:pPr>
             <a:r>
               <a:rPr lang="en-US" sz="2400" dirty="0"/>
-              <a:t>An interpreter reads, decodes, and executes </a:t>
-            </a:r>
-            <a:r>
-              <a:rPr lang="en-US" sz="2400" dirty="0" smtClean="0"/>
-              <a:t>code</a:t>
-            </a:r>
-            <a:r>
-              <a:rPr lang="en-US" sz="2400" dirty="0"/>
-              <a:t>.</a:t>
+              <a:t>An interpreter reads, decodes, and executes code.</a:t>
             </a:r>
           </a:p>
           <a:p>
@@ -14344,18 +13978,17 @@
               </a:lnSpc>
             </a:pPr>
             <a:r>
-              <a:rPr lang="en-US" sz="2400" dirty="0" smtClean="0"/>
+              <a:rPr lang="en-US" sz="2400" dirty="0"/>
               <a:t>For interpreters the semantic analysis block is slightly modified – it analyzes and </a:t>
             </a:r>
             <a:r>
-              <a:rPr lang="en-US" sz="2400" b="1" dirty="0" smtClean="0"/>
+              <a:rPr lang="en-US" sz="2400" b="1" dirty="0"/>
               <a:t>executes</a:t>
             </a:r>
             <a:r>
-              <a:rPr lang="en-US" sz="2400" dirty="0" smtClean="0"/>
+              <a:rPr lang="en-US" sz="2400" dirty="0"/>
               <a:t> the IR producing the program output.</a:t>
             </a:r>
-            <a:endParaRPr lang="en-US" sz="2400" dirty="0"/>
           </a:p>
           <a:p>
             <a:pPr>
@@ -14364,34 +13997,17 @@
               </a:lnSpc>
             </a:pPr>
             <a:r>
-              <a:rPr lang="en-US" sz="2400" dirty="0" smtClean="0"/>
-              <a:t>Examples </a:t>
-            </a:r>
-            <a:r>
               <a:rPr lang="en-US" sz="2400" dirty="0"/>
-              <a:t>include simple programmable </a:t>
-            </a:r>
-            <a:r>
-              <a:rPr lang="en-US" sz="2400" dirty="0" smtClean="0"/>
-              <a:t>calculators as well </a:t>
-            </a:r>
-            <a:r>
-              <a:rPr lang="en-US" sz="2400" smtClean="0"/>
+              <a:t>Examples include simple programmable calculators as well </a:t>
+            </a:r>
+            <a:r>
+              <a:rPr lang="en-US" sz="2400"/>
               <a:t>as languages </a:t>
             </a:r>
             <a:r>
-              <a:rPr lang="en-US" sz="2400" dirty="0" smtClean="0"/>
-              <a:t>such </a:t>
-            </a:r>
-            <a:r>
               <a:rPr lang="en-US" sz="2400" dirty="0"/>
-              <a:t>as Ruby and Python</a:t>
-            </a:r>
-            <a:r>
-              <a:rPr lang="en-US" sz="2400" dirty="0" smtClean="0"/>
-              <a:t>.</a:t>
-            </a:r>
-            <a:endParaRPr lang="en-US" sz="2400" dirty="0"/>
+              <a:t>such as Ruby and Python.</a:t>
+            </a:r>
           </a:p>
         </p:txBody>
       </p:sp>
@@ -14432,17 +14048,16 @@
           <a:p>
             <a:pPr algn="ctr"/>
             <a:r>
-              <a:rPr lang="en-US" sz="2400" dirty="0" smtClean="0"/>
+              <a:rPr lang="en-US" sz="2400" dirty="0"/>
               <a:t>Syntax</a:t>
             </a:r>
           </a:p>
           <a:p>
             <a:pPr algn="ctr"/>
             <a:r>
-              <a:rPr lang="en-US" sz="2400" dirty="0" smtClean="0"/>
+              <a:rPr lang="en-US" sz="2400" dirty="0"/>
               <a:t>Analysis</a:t>
             </a:r>
-            <a:endParaRPr lang="en-US" sz="2400" dirty="0"/>
           </a:p>
         </p:txBody>
       </p:sp>
@@ -14548,17 +14163,16 @@
           <a:p>
             <a:pPr algn="ctr"/>
             <a:r>
-              <a:rPr lang="en-US" dirty="0" smtClean="0"/>
+              <a:rPr lang="en-US" dirty="0"/>
               <a:t>Program</a:t>
             </a:r>
             <a:br>
-              <a:rPr lang="en-US" dirty="0" smtClean="0"/>
+              <a:rPr lang="en-US" dirty="0"/>
             </a:br>
             <a:r>
-              <a:rPr lang="en-US" dirty="0" smtClean="0"/>
+              <a:rPr lang="en-US" dirty="0"/>
               <a:t>Text</a:t>
             </a:r>
-            <a:endParaRPr lang="en-US" dirty="0"/>
           </a:p>
         </p:txBody>
       </p:sp>
@@ -14585,10 +14199,9 @@
           <a:lstStyle/>
           <a:p>
             <a:r>
-              <a:rPr lang="en-US" dirty="0" smtClean="0"/>
+              <a:rPr lang="en-US" dirty="0"/>
               <a:t>IR</a:t>
             </a:r>
-            <a:endParaRPr lang="en-US" dirty="0"/>
           </a:p>
         </p:txBody>
       </p:sp>
@@ -14629,17 +14242,16 @@
           <a:p>
             <a:pPr algn="ctr"/>
             <a:r>
-              <a:rPr lang="en-US" sz="2400" dirty="0" smtClean="0"/>
+              <a:rPr lang="en-US" sz="2400" dirty="0"/>
               <a:t>Semantic</a:t>
             </a:r>
           </a:p>
           <a:p>
             <a:pPr algn="ctr"/>
             <a:r>
-              <a:rPr lang="en-US" sz="2400" dirty="0" smtClean="0"/>
+              <a:rPr lang="en-US" sz="2400" dirty="0"/>
               <a:t>Analysis</a:t>
             </a:r>
-            <a:endParaRPr lang="en-US" sz="2400" dirty="0"/>
           </a:p>
         </p:txBody>
       </p:sp>
@@ -14706,17 +14318,16 @@
           <a:p>
             <a:pPr algn="ctr"/>
             <a:r>
-              <a:rPr lang="en-US" dirty="0" smtClean="0"/>
+              <a:rPr lang="en-US" dirty="0"/>
               <a:t>Program</a:t>
             </a:r>
           </a:p>
           <a:p>
             <a:pPr algn="ctr"/>
             <a:r>
-              <a:rPr lang="en-US" dirty="0" smtClean="0"/>
+              <a:rPr lang="en-US" dirty="0"/>
               <a:t>Output</a:t>
             </a:r>
-            <a:endParaRPr lang="en-US" dirty="0"/>
           </a:p>
         </p:txBody>
       </p:sp>
@@ -14725,13 +14336,6 @@
   <p:clrMapOvr>
     <a:masterClrMapping/>
   </p:clrMapOvr>
-  <p:timing>
-    <p:tnLst>
-      <p:par>
-        <p:cTn id="1" dur="indefinite" restart="never" nodeType="tmRoot"/>
-      </p:par>
-    </p:tnLst>
-  </p:timing>
 </p:sld>
 </file>
 
@@ -14768,10 +14372,9 @@
           <a:lstStyle/>
           <a:p>
             <a:r>
-              <a:rPr lang="en-US" dirty="0" smtClean="0"/>
+              <a:rPr lang="en-US" dirty="0"/>
               <a:t>The Translator</a:t>
             </a:r>
-            <a:endParaRPr lang="en-US" dirty="0"/>
           </a:p>
         </p:txBody>
       </p:sp>
@@ -14801,10 +14404,9 @@
               </a:lnSpc>
             </a:pPr>
             <a:r>
-              <a:rPr lang="en-US" sz="2400" dirty="0" smtClean="0"/>
+              <a:rPr lang="en-US" sz="2400" dirty="0"/>
               <a:t>A translator consists of all three of our building blocks.</a:t>
             </a:r>
-            <a:endParaRPr lang="en-US" sz="2400" dirty="0"/>
           </a:p>
           <a:p>
             <a:pPr>
@@ -14825,15 +14427,7 @@
             </a:pPr>
             <a:r>
               <a:rPr lang="en-US" sz="2400" dirty="0"/>
-              <a:t>Examples include log file </a:t>
-            </a:r>
-            <a:r>
-              <a:rPr lang="en-US" sz="2400" dirty="0" smtClean="0"/>
-              <a:t>generators, </a:t>
-            </a:r>
-            <a:r>
-              <a:rPr lang="en-US" sz="2400" dirty="0"/>
-              <a:t>assemblers and of course compilers.</a:t>
+              <a:t>Examples include log file generators, assemblers and of course compilers.</a:t>
             </a:r>
           </a:p>
           <a:p>
@@ -14900,17 +14494,16 @@
             <a:p>
               <a:pPr algn="ctr"/>
               <a:r>
-                <a:rPr lang="en-US" dirty="0" smtClean="0"/>
+                <a:rPr lang="en-US" dirty="0"/>
                 <a:t>Syntax</a:t>
               </a:r>
             </a:p>
             <a:p>
               <a:pPr algn="ctr"/>
               <a:r>
-                <a:rPr lang="en-US" dirty="0" smtClean="0"/>
+                <a:rPr lang="en-US" dirty="0"/>
                 <a:t>Analysis</a:t>
               </a:r>
-              <a:endParaRPr lang="en-US" dirty="0"/>
             </a:p>
           </p:txBody>
         </p:sp>
@@ -15016,17 +14609,16 @@
             <a:p>
               <a:pPr algn="ctr"/>
               <a:r>
-                <a:rPr lang="en-US" sz="1200" dirty="0" smtClean="0"/>
+                <a:rPr lang="en-US" sz="1200" dirty="0"/>
                 <a:t>Program</a:t>
               </a:r>
               <a:br>
-                <a:rPr lang="en-US" sz="1200" dirty="0" smtClean="0"/>
+                <a:rPr lang="en-US" sz="1200" dirty="0"/>
               </a:br>
               <a:r>
-                <a:rPr lang="en-US" sz="1200" dirty="0" smtClean="0"/>
+                <a:rPr lang="en-US" sz="1200" dirty="0"/>
                 <a:t>Text</a:t>
               </a:r>
-              <a:endParaRPr lang="en-US" sz="1200" dirty="0"/>
             </a:p>
           </p:txBody>
         </p:sp>
@@ -15053,10 +14645,9 @@
             <a:lstStyle/>
             <a:p>
               <a:r>
-                <a:rPr lang="en-US" dirty="0" smtClean="0"/>
+                <a:rPr lang="en-US" dirty="0"/>
                 <a:t>IR</a:t>
               </a:r>
-              <a:endParaRPr lang="en-US" dirty="0"/>
             </a:p>
           </p:txBody>
         </p:sp>
@@ -15097,17 +14688,16 @@
             <a:p>
               <a:pPr algn="ctr"/>
               <a:r>
-                <a:rPr lang="en-US" dirty="0" smtClean="0"/>
+                <a:rPr lang="en-US" dirty="0"/>
                 <a:t>Semantic</a:t>
               </a:r>
             </a:p>
             <a:p>
               <a:pPr algn="ctr"/>
               <a:r>
-                <a:rPr lang="en-US" dirty="0" smtClean="0"/>
+                <a:rPr lang="en-US" dirty="0"/>
                 <a:t>Analysis</a:t>
               </a:r>
-              <a:endParaRPr lang="en-US" dirty="0"/>
             </a:p>
           </p:txBody>
         </p:sp>
@@ -15174,10 +14764,9 @@
             <a:p>
               <a:pPr algn="ctr"/>
               <a:r>
-                <a:rPr lang="en-US" dirty="0" smtClean="0"/>
+                <a:rPr lang="en-US" dirty="0"/>
                 <a:t>IR</a:t>
               </a:r>
-              <a:endParaRPr lang="en-US" dirty="0"/>
             </a:p>
           </p:txBody>
         </p:sp>
@@ -15218,17 +14807,16 @@
             <a:p>
               <a:pPr algn="ctr"/>
               <a:r>
-                <a:rPr lang="en-US" dirty="0" smtClean="0"/>
+                <a:rPr lang="en-US" dirty="0"/>
                 <a:t>Code</a:t>
               </a:r>
             </a:p>
             <a:p>
               <a:pPr algn="ctr"/>
               <a:r>
-                <a:rPr lang="en-US" dirty="0" smtClean="0"/>
+                <a:rPr lang="en-US" dirty="0"/>
                 <a:t>Generation</a:t>
               </a:r>
-              <a:endParaRPr lang="en-US" dirty="0"/>
             </a:p>
           </p:txBody>
         </p:sp>
@@ -15295,17 +14883,16 @@
             <a:p>
               <a:pPr algn="ctr"/>
               <a:r>
-                <a:rPr lang="en-US" sz="1200" dirty="0" smtClean="0"/>
+                <a:rPr lang="en-US" sz="1200" dirty="0"/>
                 <a:t>Target</a:t>
               </a:r>
               <a:br>
-                <a:rPr lang="en-US" sz="1200" dirty="0" smtClean="0"/>
+                <a:rPr lang="en-US" sz="1200" dirty="0"/>
               </a:br>
               <a:r>
-                <a:rPr lang="en-US" sz="1200" dirty="0" smtClean="0"/>
+                <a:rPr lang="en-US" sz="1200" dirty="0"/>
                 <a:t>Language</a:t>
               </a:r>
-              <a:endParaRPr lang="en-US" sz="1200" dirty="0"/>
             </a:p>
           </p:txBody>
         </p:sp>
@@ -15315,13 +14902,6 @@
   <p:clrMapOvr>
     <a:masterClrMapping/>
   </p:clrMapOvr>
-  <p:timing>
-    <p:tnLst>
-      <p:par>
-        <p:cTn id="1" dur="indefinite" restart="never" nodeType="tmRoot"/>
-      </p:par>
-    </p:tnLst>
-  </p:timing>
 </p:sld>
 </file>
 
@@ -15358,10 +14938,9 @@
           <a:lstStyle/>
           <a:p>
             <a:r>
-              <a:rPr lang="en-US" dirty="0" smtClean="0"/>
+              <a:rPr lang="en-US" dirty="0"/>
               <a:t>The Simple Translator</a:t>
             </a:r>
-            <a:endParaRPr lang="en-US" dirty="0"/>
           </a:p>
         </p:txBody>
       </p:sp>
@@ -15391,7 +14970,7 @@
               </a:lnSpc>
             </a:pPr>
             <a:r>
-              <a:rPr lang="en-US" sz="2400" dirty="0" smtClean="0"/>
+              <a:rPr lang="en-US" sz="2400" dirty="0"/>
               <a:t>A simple translator consists of a syntax analysis block and a code generation block</a:t>
             </a:r>
           </a:p>
@@ -15402,7 +14981,7 @@
               </a:lnSpc>
             </a:pPr>
             <a:r>
-              <a:rPr lang="en-US" sz="2400" dirty="0" smtClean="0"/>
+              <a:rPr lang="en-US" sz="2400" dirty="0"/>
               <a:t>It does not perform any semantic analysis</a:t>
             </a:r>
           </a:p>
@@ -15413,7 +14992,7 @@
               </a:lnSpc>
             </a:pPr>
             <a:r>
-              <a:rPr lang="en-US" sz="2400" dirty="0" smtClean="0"/>
+              <a:rPr lang="en-US" sz="2400" dirty="0"/>
               <a:t>Think of it as the Reader followed by the Generator.</a:t>
             </a:r>
           </a:p>
@@ -15424,11 +15003,11 @@
               </a:lnSpc>
             </a:pPr>
             <a:r>
-              <a:rPr lang="en-US" sz="2400" dirty="0" smtClean="0"/>
+              <a:rPr lang="en-US" sz="2400" dirty="0"/>
               <a:t>Examples include pretty printers and </a:t>
             </a:r>
             <a:r>
-              <a:rPr lang="en-US" sz="2400" smtClean="0"/>
+              <a:rPr lang="en-US" sz="2400"/>
               <a:t>other formatters.</a:t>
             </a:r>
             <a:endParaRPr lang="en-US" sz="2400" dirty="0"/>
@@ -15472,17 +15051,16 @@
           <a:p>
             <a:pPr algn="ctr"/>
             <a:r>
-              <a:rPr lang="en-US" dirty="0" smtClean="0"/>
+              <a:rPr lang="en-US" dirty="0"/>
               <a:t>Syntax</a:t>
             </a:r>
           </a:p>
           <a:p>
             <a:pPr algn="ctr"/>
             <a:r>
-              <a:rPr lang="en-US" dirty="0" smtClean="0"/>
+              <a:rPr lang="en-US" dirty="0"/>
               <a:t>Analysis</a:t>
             </a:r>
-            <a:endParaRPr lang="en-US" dirty="0"/>
           </a:p>
         </p:txBody>
       </p:sp>
@@ -15588,17 +15166,16 @@
           <a:p>
             <a:pPr algn="ctr"/>
             <a:r>
-              <a:rPr lang="en-US" sz="1200" dirty="0" smtClean="0"/>
+              <a:rPr lang="en-US" sz="1200" dirty="0"/>
               <a:t>Program</a:t>
             </a:r>
             <a:br>
-              <a:rPr lang="en-US" sz="1200" dirty="0" smtClean="0"/>
+              <a:rPr lang="en-US" sz="1200" dirty="0"/>
             </a:br>
             <a:r>
-              <a:rPr lang="en-US" sz="1200" dirty="0" smtClean="0"/>
+              <a:rPr lang="en-US" sz="1200" dirty="0"/>
               <a:t>Text</a:t>
             </a:r>
-            <a:endParaRPr lang="en-US" sz="1200" dirty="0"/>
           </a:p>
         </p:txBody>
       </p:sp>
@@ -15625,10 +15202,9 @@
           <a:lstStyle/>
           <a:p>
             <a:r>
-              <a:rPr lang="en-US" dirty="0" smtClean="0"/>
+              <a:rPr lang="en-US" dirty="0"/>
               <a:t>IR</a:t>
             </a:r>
-            <a:endParaRPr lang="en-US" dirty="0"/>
           </a:p>
         </p:txBody>
       </p:sp>
@@ -15669,17 +15245,16 @@
           <a:p>
             <a:pPr algn="ctr"/>
             <a:r>
-              <a:rPr lang="en-US" dirty="0" smtClean="0"/>
+              <a:rPr lang="en-US" dirty="0"/>
               <a:t>Code</a:t>
             </a:r>
           </a:p>
           <a:p>
             <a:pPr algn="ctr"/>
             <a:r>
-              <a:rPr lang="en-US" dirty="0" smtClean="0"/>
+              <a:rPr lang="en-US" dirty="0"/>
               <a:t>Generation</a:t>
             </a:r>
-            <a:endParaRPr lang="en-US" dirty="0"/>
           </a:p>
         </p:txBody>
       </p:sp>
@@ -15746,17 +15321,16 @@
           <a:p>
             <a:pPr algn="ctr"/>
             <a:r>
-              <a:rPr lang="en-US" sz="1200" dirty="0" smtClean="0"/>
+              <a:rPr lang="en-US" sz="1200" dirty="0"/>
               <a:t>Target</a:t>
             </a:r>
             <a:br>
-              <a:rPr lang="en-US" sz="1200" dirty="0" smtClean="0"/>
+              <a:rPr lang="en-US" sz="1200" dirty="0"/>
             </a:br>
             <a:r>
-              <a:rPr lang="en-US" sz="1200" dirty="0" smtClean="0"/>
+              <a:rPr lang="en-US" sz="1200" dirty="0"/>
               <a:t>Language</a:t>
             </a:r>
-            <a:endParaRPr lang="en-US" sz="1200" dirty="0"/>
           </a:p>
         </p:txBody>
       </p:sp>
@@ -15770,13 +15344,6 @@
   <p:clrMapOvr>
     <a:masterClrMapping/>
   </p:clrMapOvr>
-  <p:timing>
-    <p:tnLst>
-      <p:par>
-        <p:cTn id="1" dur="indefinite" restart="never" nodeType="tmRoot"/>
-      </p:par>
-    </p:tnLst>
-  </p:timing>
 </p:sld>
 </file>
 
@@ -15835,37 +15402,25 @@
           <a:lstStyle/>
           <a:p>
             <a:r>
-              <a:rPr lang="en-US" dirty="0" smtClean="0"/>
+              <a:rPr lang="en-US" dirty="0"/>
               <a:t>A processing pipeline for a language can consist of multiple language processors.</a:t>
             </a:r>
           </a:p>
           <a:p>
             <a:r>
-              <a:rPr lang="en-US" dirty="0" smtClean="0"/>
-              <a:t>The </a:t>
-            </a:r>
-            <a:r>
               <a:rPr lang="en-US" dirty="0"/>
-              <a:t>language processing pipeline for Java consists mainly of</a:t>
+              <a:t>The language processing pipeline for Java consists mainly of</a:t>
             </a:r>
           </a:p>
           <a:p>
             <a:pPr lvl="1"/>
             <a:r>
               <a:rPr lang="en-US" dirty="0"/>
-              <a:t>A </a:t>
-            </a:r>
-            <a:r>
-              <a:rPr lang="en-US" dirty="0" smtClean="0"/>
-              <a:t>compiler from Java to </a:t>
+              <a:t>A compiler from Java to </a:t>
             </a:r>
             <a:r>
               <a:rPr lang="en-US" dirty="0" err="1"/>
-              <a:t>b</a:t>
-            </a:r>
-            <a:r>
-              <a:rPr lang="en-US" dirty="0" err="1" smtClean="0"/>
-              <a:t>ytecode</a:t>
+              <a:t>bytecode</a:t>
             </a:r>
             <a:endParaRPr lang="en-US" dirty="0"/>
           </a:p>
@@ -15898,13 +15453,6 @@
   <p:clrMapOvr>
     <a:masterClrMapping/>
   </p:clrMapOvr>
-  <p:timing>
-    <p:tnLst>
-      <p:par>
-        <p:cTn id="1" dur="indefinite" restart="never" nodeType="tmRoot"/>
-      </p:par>
-    </p:tnLst>
-  </p:timing>
 </p:sld>
 </file>
 
@@ -15974,7 +15522,7 @@
           </a:ln>
           <a:extLst>
             <a:ext uri="{909E8E84-426E-40dd-AFC4-6F175D3DCCD1}">
-              <a14:hiddenFill xmlns:a14="http://schemas.microsoft.com/office/drawing/2010/main" xmlns="">
+              <a14:hiddenFill xmlns="" xmlns:a14="http://schemas.microsoft.com/office/drawing/2010/main">
                 <a:solidFill>
                   <a:schemeClr val="accent1"/>
                 </a:solidFill>
@@ -16246,7 +15794,7 @@
           </a:ln>
           <a:extLst>
             <a:ext uri="{909E8E84-426E-40dd-AFC4-6F175D3DCCD1}">
-              <a14:hiddenFill xmlns:a14="http://schemas.microsoft.com/office/drawing/2010/main" xmlns="">
+              <a14:hiddenFill xmlns="" xmlns:a14="http://schemas.microsoft.com/office/drawing/2010/main">
                 <a:solidFill>
                   <a:schemeClr val="accent1"/>
                 </a:solidFill>
@@ -16837,14 +16385,14 @@
           </a:ln>
           <a:extLst>
             <a:ext uri="{909E8E84-426E-40dd-AFC4-6F175D3DCCD1}">
-              <a14:hiddenFill xmlns:a14="http://schemas.microsoft.com/office/drawing/2010/main" xmlns="">
+              <a14:hiddenFill xmlns="" xmlns:a14="http://schemas.microsoft.com/office/drawing/2010/main">
                 <a:solidFill>
                   <a:schemeClr val="accent1"/>
                 </a:solidFill>
               </a14:hiddenFill>
             </a:ext>
             <a:ext uri="{91240B29-F687-4f45-9708-019B960494DF}">
-              <a14:hiddenLine xmlns:a14="http://schemas.microsoft.com/office/drawing/2010/main" xmlns="" w="9525">
+              <a14:hiddenLine xmlns="" xmlns:a14="http://schemas.microsoft.com/office/drawing/2010/main" w="9525">
                 <a:solidFill>
                   <a:schemeClr val="tx1"/>
                 </a:solidFill>
@@ -16890,14 +16438,14 @@
           </a:ln>
           <a:extLst>
             <a:ext uri="{909E8E84-426E-40dd-AFC4-6F175D3DCCD1}">
-              <a14:hiddenFill xmlns:a14="http://schemas.microsoft.com/office/drawing/2010/main" xmlns="">
+              <a14:hiddenFill xmlns="" xmlns:a14="http://schemas.microsoft.com/office/drawing/2010/main">
                 <a:solidFill>
                   <a:schemeClr val="accent1"/>
                 </a:solidFill>
               </a14:hiddenFill>
             </a:ext>
             <a:ext uri="{91240B29-F687-4f45-9708-019B960494DF}">
-              <a14:hiddenLine xmlns:a14="http://schemas.microsoft.com/office/drawing/2010/main" xmlns="" w="9525">
+              <a14:hiddenLine xmlns="" xmlns:a14="http://schemas.microsoft.com/office/drawing/2010/main" w="9525">
                 <a:solidFill>
                   <a:schemeClr val="tx1"/>
                 </a:solidFill>
@@ -17064,14 +16612,14 @@
           </a:ln>
           <a:extLst>
             <a:ext uri="{909E8E84-426E-40dd-AFC4-6F175D3DCCD1}">
-              <a14:hiddenFill xmlns:a14="http://schemas.microsoft.com/office/drawing/2010/main" xmlns="">
+              <a14:hiddenFill xmlns="" xmlns:a14="http://schemas.microsoft.com/office/drawing/2010/main">
                 <a:solidFill>
                   <a:schemeClr val="accent1"/>
                 </a:solidFill>
               </a14:hiddenFill>
             </a:ext>
             <a:ext uri="{91240B29-F687-4f45-9708-019B960494DF}">
-              <a14:hiddenLine xmlns:a14="http://schemas.microsoft.com/office/drawing/2010/main" xmlns="" w="9525">
+              <a14:hiddenLine xmlns="" xmlns:a14="http://schemas.microsoft.com/office/drawing/2010/main" w="9525">
                 <a:solidFill>
                   <a:schemeClr val="tx1"/>
                 </a:solidFill>
@@ -17156,14 +16704,14 @@
           </a:ln>
           <a:extLst>
             <a:ext uri="{909E8E84-426E-40dd-AFC4-6F175D3DCCD1}">
-              <a14:hiddenFill xmlns:a14="http://schemas.microsoft.com/office/drawing/2010/main" xmlns="">
+              <a14:hiddenFill xmlns="" xmlns:a14="http://schemas.microsoft.com/office/drawing/2010/main">
                 <a:solidFill>
                   <a:schemeClr val="accent1"/>
                 </a:solidFill>
               </a14:hiddenFill>
             </a:ext>
             <a:ext uri="{91240B29-F687-4f45-9708-019B960494DF}">
-              <a14:hiddenLine xmlns:a14="http://schemas.microsoft.com/office/drawing/2010/main" xmlns="" w="9525">
+              <a14:hiddenLine xmlns="" xmlns:a14="http://schemas.microsoft.com/office/drawing/2010/main" w="9525">
                 <a:solidFill>
                   <a:schemeClr val="tx1"/>
                 </a:solidFill>
@@ -17214,7 +16762,7 @@
           </a:ln>
           <a:extLst>
             <a:ext uri="{909E8E84-426E-40dd-AFC4-6F175D3DCCD1}">
-              <a14:hiddenFill xmlns:a14="http://schemas.microsoft.com/office/drawing/2010/main" xmlns="">
+              <a14:hiddenFill xmlns="" xmlns:a14="http://schemas.microsoft.com/office/drawing/2010/main">
                 <a:solidFill>
                   <a:schemeClr val="accent1"/>
                 </a:solidFill>
@@ -17230,17 +16778,16 @@
           <a:p>
             <a:pPr algn="ctr"/>
             <a:r>
-              <a:rPr lang="en-US" dirty="0" smtClean="0"/>
+              <a:rPr lang="en-US" dirty="0"/>
               <a:t>Program</a:t>
             </a:r>
           </a:p>
           <a:p>
             <a:pPr algn="ctr"/>
             <a:r>
-              <a:rPr lang="en-US" dirty="0" smtClean="0"/>
+              <a:rPr lang="en-US" dirty="0"/>
               <a:t>Output</a:t>
             </a:r>
-            <a:endParaRPr lang="en-US" dirty="0"/>
           </a:p>
         </p:txBody>
       </p:sp>
@@ -17266,14 +16813,14 @@
           </a:ln>
           <a:extLst>
             <a:ext uri="{909E8E84-426E-40dd-AFC4-6F175D3DCCD1}">
-              <a14:hiddenFill xmlns:a14="http://schemas.microsoft.com/office/drawing/2010/main" xmlns="">
+              <a14:hiddenFill xmlns="" xmlns:a14="http://schemas.microsoft.com/office/drawing/2010/main">
                 <a:solidFill>
                   <a:schemeClr val="accent1"/>
                 </a:solidFill>
               </a14:hiddenFill>
             </a:ext>
             <a:ext uri="{91240B29-F687-4f45-9708-019B960494DF}">
-              <a14:hiddenLine xmlns:a14="http://schemas.microsoft.com/office/drawing/2010/main" xmlns="" w="9525">
+              <a14:hiddenLine xmlns="" xmlns:a14="http://schemas.microsoft.com/office/drawing/2010/main" w="9525">
                 <a:solidFill>
                   <a:schemeClr val="tx1"/>
                 </a:solidFill>
@@ -17302,13 +16849,6 @@
   <p:clrMapOvr>
     <a:masterClrMapping/>
   </p:clrMapOvr>
-  <p:timing>
-    <p:tnLst>
-      <p:par>
-        <p:cTn id="1" dur="indefinite" restart="never" nodeType="tmRoot"/>
-      </p:par>
-    </p:tnLst>
-  </p:timing>
 </p:sld>
 </file>
 
@@ -17346,13 +16886,8 @@
           <a:p>
             <a:r>
               <a:rPr lang="en-US" dirty="0"/>
-              <a:t>Example: Processing the Java </a:t>
-            </a:r>
-            <a:r>
-              <a:rPr lang="en-US" dirty="0" smtClean="0"/>
-              <a:t>Language - Compiler</a:t>
-            </a:r>
-            <a:endParaRPr lang="en-US" dirty="0"/>
+              <a:t>Example: Processing the Java Language - Compiler</a:t>
+            </a:r>
           </a:p>
         </p:txBody>
       </p:sp>
@@ -17407,17 +16942,16 @@
             <a:p>
               <a:pPr algn="ctr"/>
               <a:r>
-                <a:rPr lang="en-US" dirty="0" smtClean="0"/>
+                <a:rPr lang="en-US" dirty="0"/>
                 <a:t>Syntax</a:t>
               </a:r>
             </a:p>
             <a:p>
               <a:pPr algn="ctr"/>
               <a:r>
-                <a:rPr lang="en-US" dirty="0" smtClean="0"/>
+                <a:rPr lang="en-US" dirty="0"/>
                 <a:t>Analysis</a:t>
               </a:r>
-              <a:endParaRPr lang="en-US" dirty="0"/>
             </a:p>
           </p:txBody>
         </p:sp>
@@ -17523,17 +17057,16 @@
             <a:p>
               <a:pPr algn="ctr"/>
               <a:r>
-                <a:rPr lang="en-US" dirty="0" smtClean="0"/>
+                <a:rPr lang="en-US" dirty="0"/>
                 <a:t>Java</a:t>
               </a:r>
             </a:p>
             <a:p>
               <a:pPr algn="ctr"/>
               <a:r>
-                <a:rPr lang="en-US" dirty="0" smtClean="0"/>
+                <a:rPr lang="en-US" dirty="0"/>
                 <a:t>Code</a:t>
               </a:r>
-              <a:endParaRPr lang="en-US" dirty="0"/>
             </a:p>
           </p:txBody>
         </p:sp>
@@ -17560,10 +17093,9 @@
             <a:lstStyle/>
             <a:p>
               <a:r>
-                <a:rPr lang="en-US" dirty="0" smtClean="0"/>
+                <a:rPr lang="en-US" dirty="0"/>
                 <a:t>IR</a:t>
               </a:r>
-              <a:endParaRPr lang="en-US" dirty="0"/>
             </a:p>
           </p:txBody>
         </p:sp>
@@ -17604,17 +17136,16 @@
             <a:p>
               <a:pPr algn="ctr"/>
               <a:r>
-                <a:rPr lang="en-US" dirty="0" smtClean="0"/>
+                <a:rPr lang="en-US" dirty="0"/>
                 <a:t>Semantic</a:t>
               </a:r>
             </a:p>
             <a:p>
               <a:pPr algn="ctr"/>
               <a:r>
-                <a:rPr lang="en-US" dirty="0" smtClean="0"/>
+                <a:rPr lang="en-US" dirty="0"/>
                 <a:t>Analysis</a:t>
               </a:r>
-              <a:endParaRPr lang="en-US" dirty="0"/>
             </a:p>
           </p:txBody>
         </p:sp>
@@ -17681,10 +17212,9 @@
             <a:p>
               <a:pPr algn="ctr"/>
               <a:r>
-                <a:rPr lang="en-US" dirty="0" smtClean="0"/>
+                <a:rPr lang="en-US" dirty="0"/>
                 <a:t>IR</a:t>
               </a:r>
-              <a:endParaRPr lang="en-US" dirty="0"/>
             </a:p>
           </p:txBody>
         </p:sp>
@@ -17725,17 +17255,16 @@
             <a:p>
               <a:pPr algn="ctr"/>
               <a:r>
-                <a:rPr lang="en-US" dirty="0" smtClean="0"/>
+                <a:rPr lang="en-US" dirty="0"/>
                 <a:t>Code</a:t>
               </a:r>
             </a:p>
             <a:p>
               <a:pPr algn="ctr"/>
               <a:r>
-                <a:rPr lang="en-US" dirty="0" smtClean="0"/>
+                <a:rPr lang="en-US" dirty="0"/>
                 <a:t>Generation</a:t>
               </a:r>
-              <a:endParaRPr lang="en-US" dirty="0"/>
             </a:p>
           </p:txBody>
         </p:sp>
@@ -17803,11 +17332,7 @@
               <a:pPr algn="ctr"/>
               <a:r>
                 <a:rPr lang="en-US" dirty="0" err="1"/>
-                <a:t>B</a:t>
-              </a:r>
-              <a:r>
-                <a:rPr lang="en-US" dirty="0" err="1" smtClean="0"/>
-                <a:t>ytecode</a:t>
+                <a:t>Bytecode</a:t>
               </a:r>
               <a:endParaRPr lang="en-US" dirty="0"/>
             </a:p>
@@ -17819,13 +17344,6 @@
   <p:clrMapOvr>
     <a:masterClrMapping/>
   </p:clrMapOvr>
-  <p:timing>
-    <p:tnLst>
-      <p:par>
-        <p:cTn id="1" dur="indefinite" restart="never" nodeType="tmRoot"/>
-      </p:par>
-    </p:tnLst>
-  </p:timing>
 </p:sld>
 </file>
 
@@ -17863,21 +17381,16 @@
           <a:p>
             <a:r>
               <a:rPr lang="en-US" sz="3600" dirty="0"/>
-              <a:t>Example: Processing the Java </a:t>
-            </a:r>
-            <a:r>
-              <a:rPr lang="en-US" sz="3600" dirty="0" smtClean="0"/>
-              <a:t>Language – </a:t>
-            </a:r>
-            <a:r>
-              <a:rPr lang="en-US" sz="3600" dirty="0" err="1" smtClean="0"/>
+              <a:t>Example: Processing the Java Language – </a:t>
+            </a:r>
+            <a:r>
+              <a:rPr lang="en-US" sz="3600" dirty="0" err="1"/>
               <a:t>Bytecode</a:t>
             </a:r>
             <a:r>
-              <a:rPr lang="en-US" sz="3600" dirty="0" smtClean="0"/>
+              <a:rPr lang="en-US" sz="3600" dirty="0"/>
               <a:t> Interpreter</a:t>
             </a:r>
-            <a:endParaRPr lang="en-US" sz="3600" dirty="0"/>
           </a:p>
         </p:txBody>
       </p:sp>
@@ -17918,17 +17431,16 @@
           <a:p>
             <a:pPr algn="ctr"/>
             <a:r>
-              <a:rPr lang="en-US" sz="2400" dirty="0" smtClean="0"/>
+              <a:rPr lang="en-US" sz="2400" dirty="0"/>
               <a:t>Syntax</a:t>
             </a:r>
           </a:p>
           <a:p>
             <a:pPr algn="ctr"/>
             <a:r>
-              <a:rPr lang="en-US" sz="2400" dirty="0" smtClean="0"/>
+              <a:rPr lang="en-US" sz="2400" dirty="0"/>
               <a:t>Analysis</a:t>
             </a:r>
-            <a:endParaRPr lang="en-US" sz="2400" dirty="0"/>
           </a:p>
         </p:txBody>
       </p:sp>
@@ -18034,28 +17546,23 @@
           <a:p>
             <a:pPr algn="ctr"/>
             <a:r>
-              <a:rPr lang="en-US" dirty="0" err="1" smtClean="0"/>
+              <a:rPr lang="en-US" dirty="0" err="1"/>
               <a:t>Bytecode</a:t>
             </a:r>
-            <a:r>
-              <a:rPr lang="en-US" dirty="0" smtClean="0"/>
-              <a:t/>
-            </a:r>
             <a:br>
-              <a:rPr lang="en-US" dirty="0" smtClean="0"/>
+              <a:rPr lang="en-US" dirty="0"/>
             </a:br>
             <a:r>
-              <a:rPr lang="en-US" dirty="0" smtClean="0"/>
+              <a:rPr lang="en-US" dirty="0"/>
               <a:t>File</a:t>
             </a:r>
           </a:p>
           <a:p>
             <a:pPr algn="ctr"/>
             <a:r>
-              <a:rPr lang="en-US" dirty="0" smtClean="0"/>
+              <a:rPr lang="en-US" dirty="0"/>
               <a:t>(Class File)</a:t>
             </a:r>
-            <a:endParaRPr lang="en-US" dirty="0"/>
           </a:p>
         </p:txBody>
       </p:sp>
@@ -18082,10 +17589,9 @@
           <a:lstStyle/>
           <a:p>
             <a:r>
-              <a:rPr lang="en-US" dirty="0" smtClean="0"/>
+              <a:rPr lang="en-US" dirty="0"/>
               <a:t>IR</a:t>
             </a:r>
-            <a:endParaRPr lang="en-US" dirty="0"/>
           </a:p>
         </p:txBody>
       </p:sp>
@@ -18126,17 +17632,16 @@
           <a:p>
             <a:pPr algn="ctr"/>
             <a:r>
-              <a:rPr lang="en-US" sz="2400" dirty="0" smtClean="0"/>
+              <a:rPr lang="en-US" sz="2400" dirty="0"/>
               <a:t>Semantic</a:t>
             </a:r>
           </a:p>
           <a:p>
             <a:pPr algn="ctr"/>
             <a:r>
-              <a:rPr lang="en-US" sz="2400" dirty="0" smtClean="0"/>
+              <a:rPr lang="en-US" sz="2400" dirty="0"/>
               <a:t>Analysis</a:t>
             </a:r>
-            <a:endParaRPr lang="en-US" sz="2400" dirty="0"/>
           </a:p>
         </p:txBody>
       </p:sp>
@@ -18203,17 +17708,16 @@
           <a:p>
             <a:pPr algn="ctr"/>
             <a:r>
-              <a:rPr lang="en-US" dirty="0" smtClean="0"/>
+              <a:rPr lang="en-US" dirty="0"/>
               <a:t>Program</a:t>
             </a:r>
           </a:p>
           <a:p>
             <a:pPr algn="ctr"/>
             <a:r>
-              <a:rPr lang="en-US" dirty="0" smtClean="0"/>
+              <a:rPr lang="en-US" dirty="0"/>
               <a:t>Output</a:t>
             </a:r>
-            <a:endParaRPr lang="en-US" dirty="0"/>
           </a:p>
         </p:txBody>
       </p:sp>
@@ -18222,13 +17726,6 @@
   <p:clrMapOvr>
     <a:masterClrMapping/>
   </p:clrMapOvr>
-  <p:timing>
-    <p:tnLst>
-      <p:par>
-        <p:cTn id="1" dur="indefinite" restart="never" nodeType="tmRoot"/>
-      </p:par>
-    </p:tnLst>
-  </p:timing>
 </p:sld>
 </file>
 
@@ -18287,7 +17784,7 @@
           <a:lstStyle/>
           <a:p>
             <a:r>
-              <a:rPr lang="en-US" dirty="0" smtClean="0"/>
+              <a:rPr lang="en-US" dirty="0"/>
               <a:t>Read Chapter 1 </a:t>
             </a:r>
           </a:p>
@@ -18298,13 +17795,6 @@
   <p:clrMapOvr>
     <a:masterClrMapping/>
   </p:clrMapOvr>
-  <p:timing>
-    <p:tnLst>
-      <p:par>
-        <p:cTn id="1" dur="indefinite" restart="never" nodeType="tmRoot"/>
-      </p:par>
-    </p:tnLst>
-  </p:timing>
 </p:sld>
 </file>
 
@@ -18341,10 +17831,9 @@
           <a:lstStyle/>
           <a:p>
             <a:r>
-              <a:rPr lang="en-US" dirty="0" smtClean="0"/>
+              <a:rPr lang="en-US" dirty="0"/>
               <a:t>Textbook</a:t>
             </a:r>
-            <a:endParaRPr lang="en-US" dirty="0"/>
           </a:p>
         </p:txBody>
       </p:sp>
@@ -18364,7 +17853,7 @@
           <a:lstStyle/>
           <a:p>
             <a:r>
-              <a:rPr lang="en-US" dirty="0" smtClean="0"/>
+              <a:rPr lang="en-US" dirty="0"/>
               <a:t>Online/Interactive Textbook</a:t>
             </a:r>
           </a:p>
@@ -18408,13 +17897,6 @@
   <p:clrMapOvr>
     <a:masterClrMapping/>
   </p:clrMapOvr>
-  <p:timing>
-    <p:tnLst>
-      <p:par>
-        <p:cTn id="1" dur="indefinite" restart="never" nodeType="tmRoot"/>
-      </p:par>
-    </p:tnLst>
-  </p:timing>
 </p:sld>
 </file>
 
@@ -18473,28 +17955,27 @@
           <a:lstStyle/>
           <a:p>
             <a:r>
-              <a:rPr lang="en-US" smtClean="0"/>
+              <a:rPr lang="en-US"/>
               <a:t>Assignment </a:t>
             </a:r>
             <a:r>
-              <a:rPr lang="en-US" dirty="0" smtClean="0"/>
+              <a:rPr lang="en-US" dirty="0"/>
               <a:t>#0: </a:t>
             </a:r>
           </a:p>
           <a:p>
             <a:pPr lvl="1"/>
             <a:r>
-              <a:rPr lang="en-US" dirty="0" smtClean="0"/>
+              <a:rPr lang="en-US" dirty="0"/>
               <a:t>Download &amp; Read Syllabus </a:t>
             </a:r>
           </a:p>
           <a:p>
             <a:pPr lvl="1"/>
             <a:r>
-              <a:rPr lang="en-US" dirty="0" smtClean="0"/>
+              <a:rPr lang="en-US" dirty="0"/>
               <a:t>upload a copy into Sakai</a:t>
             </a:r>
-            <a:endParaRPr lang="en-US" dirty="0"/>
           </a:p>
         </p:txBody>
       </p:sp>
@@ -18508,13 +17989,6 @@
   <p:clrMapOvr>
     <a:masterClrMapping/>
   </p:clrMapOvr>
-  <p:timing>
-    <p:tnLst>
-      <p:par>
-        <p:cTn id="1" dur="indefinite" restart="never" nodeType="tmRoot"/>
-      </p:par>
-    </p:tnLst>
-  </p:timing>
 </p:sld>
 </file>
 
@@ -18633,14 +18107,14 @@
           </a:ln>
           <a:extLst>
             <a:ext uri="{909E8E84-426E-40dd-AFC4-6F175D3DCCD1}">
-              <a14:hiddenFill xmlns:a14="http://schemas.microsoft.com/office/drawing/2010/main" xmlns="">
+              <a14:hiddenFill xmlns="" xmlns:a14="http://schemas.microsoft.com/office/drawing/2010/main">
                 <a:solidFill>
                   <a:schemeClr val="accent1"/>
                 </a:solidFill>
               </a14:hiddenFill>
             </a:ext>
             <a:ext uri="{91240B29-F687-4f45-9708-019B960494DF}">
-              <a14:hiddenLine xmlns:a14="http://schemas.microsoft.com/office/drawing/2010/main" xmlns="" w="9525">
+              <a14:hiddenLine xmlns="" xmlns:a14="http://schemas.microsoft.com/office/drawing/2010/main" w="9525">
                 <a:solidFill>
                   <a:schemeClr val="tx1"/>
                 </a:solidFill>
@@ -18675,13 +18149,6 @@
   <p:clrMapOvr>
     <a:masterClrMapping/>
   </p:clrMapOvr>
-  <p:timing>
-    <p:tnLst>
-      <p:par>
-        <p:cTn id="1" dur="indefinite" restart="never" nodeType="tmRoot"/>
-      </p:par>
-    </p:tnLst>
-  </p:timing>
 </p:sld>
 </file>
 
@@ -18791,14 +18258,14 @@
           </a:ln>
           <a:extLst>
             <a:ext uri="{909E8E84-426E-40dd-AFC4-6F175D3DCCD1}">
-              <a14:hiddenFill xmlns:a14="http://schemas.microsoft.com/office/drawing/2010/main" xmlns="">
+              <a14:hiddenFill xmlns="" xmlns:a14="http://schemas.microsoft.com/office/drawing/2010/main">
                 <a:solidFill>
                   <a:schemeClr val="accent1"/>
                 </a:solidFill>
               </a14:hiddenFill>
             </a:ext>
             <a:ext uri="{91240B29-F687-4f45-9708-019B960494DF}">
-              <a14:hiddenLine xmlns:a14="http://schemas.microsoft.com/office/drawing/2010/main" xmlns="" w="9525">
+              <a14:hiddenLine xmlns="" xmlns:a14="http://schemas.microsoft.com/office/drawing/2010/main" w="9525">
                 <a:solidFill>
                   <a:schemeClr val="tx1"/>
                 </a:solidFill>
@@ -18833,13 +18300,6 @@
   <p:clrMapOvr>
     <a:masterClrMapping/>
   </p:clrMapOvr>
-  <p:timing>
-    <p:tnLst>
-      <p:par>
-        <p:cTn id="1" dur="indefinite" restart="never" nodeType="tmRoot"/>
-      </p:par>
-    </p:tnLst>
-  </p:timing>
 </p:sld>
 </file>
 
@@ -19003,13 +18463,6 @@
   <p:clrMapOvr>
     <a:masterClrMapping/>
   </p:clrMapOvr>
-  <p:timing>
-    <p:tnLst>
-      <p:par>
-        <p:cTn id="1" dur="indefinite" restart="never" nodeType="tmRoot"/>
-      </p:par>
-    </p:tnLst>
-  </p:timing>
 </p:sld>
 </file>
 
@@ -19074,14 +18527,10 @@
             </a:pPr>
             <a:r>
               <a:rPr lang="en-US" sz="2600" dirty="0"/>
-              <a:t>A programming language is a formal system of symbols that are combined to make up larger structures according to certain </a:t>
-            </a:r>
-            <a:r>
-              <a:rPr lang="en-US" sz="2600" dirty="0" smtClean="0"/>
-              <a:t>rules – </a:t>
-            </a:r>
-            <a:r>
-              <a:rPr lang="en-US" sz="2600" b="1" dirty="0" smtClean="0"/>
+              <a:t>A programming language is a formal system of symbols that are combined to make up larger structures according to certain rules – </a:t>
+            </a:r>
+            <a:r>
+              <a:rPr lang="en-US" sz="2600" b="1" dirty="0"/>
               <a:t>the Syntax of a Programming Language</a:t>
             </a:r>
             <a:endParaRPr lang="en-US" sz="2600" dirty="0"/>
@@ -19105,17 +18554,12 @@
             </a:pPr>
             <a:r>
               <a:rPr lang="en-US" sz="2600" dirty="0"/>
-              <a:t>We will see that the architecture of language processors is geared towards extracting this information by accessing the hierarchy of symbols and structures embedded in programming </a:t>
-            </a:r>
-            <a:r>
-              <a:rPr lang="en-US" sz="2600" dirty="0" smtClean="0"/>
-              <a:t>languages – </a:t>
-            </a:r>
-            <a:r>
-              <a:rPr lang="en-US" sz="2600" b="1" dirty="0" smtClean="0"/>
+              <a:t>We will see that the architecture of language processors is geared towards extracting this information by accessing the hierarchy of symbols and structures embedded in programming languages – </a:t>
+            </a:r>
+            <a:r>
+              <a:rPr lang="en-US" sz="2600" b="1" dirty="0"/>
               <a:t>Syntax Analysis</a:t>
             </a:r>
-            <a:endParaRPr lang="en-US" sz="2600" b="1" dirty="0"/>
           </a:p>
           <a:p>
             <a:pPr>
@@ -19132,13 +18576,6 @@
   <p:clrMapOvr>
     <a:masterClrMapping/>
   </p:clrMapOvr>
-  <p:timing>
-    <p:tnLst>
-      <p:par>
-        <p:cTn id="1" dur="indefinite" restart="never" nodeType="tmRoot"/>
-      </p:par>
-    </p:tnLst>
-  </p:timing>
 </p:sld>
 </file>
 
@@ -19291,7 +18728,6 @@
               <a:rPr lang="en-US" sz="1800" dirty="0"/>
               <a:t>A programming language is a collection of valid sentences; a sentence is valid if the symbols, words, and phrases are combined according to the rules of the language.		</a:t>
             </a:r>
-            <a:endParaRPr lang="en-US" sz="1800" dirty="0" smtClean="0"/>
           </a:p>
           <a:p>
             <a:pPr>
@@ -19312,10 +18748,9 @@
               <a:buNone/>
             </a:pPr>
             <a:r>
-              <a:rPr lang="en-US" sz="1800" dirty="0" smtClean="0"/>
+              <a:rPr lang="en-US" sz="1800" dirty="0"/>
               <a:t>These rules are usually specified using a grammar (more on that later)</a:t>
             </a:r>
-            <a:endParaRPr lang="en-US" sz="1800" dirty="0"/>
           </a:p>
           <a:p>
             <a:pPr>
@@ -19345,13 +18780,6 @@
   <p:clrMapOvr>
     <a:masterClrMapping/>
   </p:clrMapOvr>
-  <p:timing>
-    <p:tnLst>
-      <p:par>
-        <p:cTn id="1" dur="indefinite" restart="never" nodeType="tmRoot"/>
-      </p:par>
-    </p:tnLst>
-  </p:timing>
 </p:sld>
 </file>
 
@@ -19601,7 +19029,7 @@
         <a:effectLst/>
         <a:extLst>
           <a:ext uri="{AF507438-7753-43e0-B8FC-AC1667EBCBE1}">
-            <a14:hiddenEffects xmlns:a14="http://schemas.microsoft.com/office/drawing/2010/main" xmlns="">
+            <a14:hiddenEffects xmlns="" xmlns:a14="http://schemas.microsoft.com/office/drawing/2010/main">
               <a:effectLst>
                 <a:outerShdw blurRad="63500" dist="38099" dir="2700000" algn="ctr" rotWithShape="0">
                   <a:schemeClr val="bg2">
@@ -19678,7 +19106,7 @@
         <a:effectLst/>
         <a:extLst>
           <a:ext uri="{AF507438-7753-43e0-B8FC-AC1667EBCBE1}">
-            <a14:hiddenEffects xmlns:a14="http://schemas.microsoft.com/office/drawing/2010/main" xmlns="">
+            <a14:hiddenEffects xmlns="" xmlns:a14="http://schemas.microsoft.com/office/drawing/2010/main">
               <a:effectLst>
                 <a:outerShdw blurRad="63500" dist="38099" dir="2700000" algn="ctr" rotWithShape="0">
                   <a:schemeClr val="bg2">

--- a/notes/csc402-ln001.pptx
+++ b/notes/csc402-ln001.pptx
@@ -5,38 +5,37 @@
     <p:sldMasterId id="2147483651" r:id="rId1"/>
   </p:sldMasterIdLst>
   <p:notesMasterIdLst>
-    <p:notesMasterId r:id="rId31"/>
+    <p:notesMasterId r:id="rId30"/>
   </p:notesMasterIdLst>
   <p:sldIdLst>
     <p:sldId id="256" r:id="rId2"/>
     <p:sldId id="257" r:id="rId3"/>
     <p:sldId id="286" r:id="rId4"/>
-    <p:sldId id="287" r:id="rId5"/>
-    <p:sldId id="258" r:id="rId6"/>
-    <p:sldId id="259" r:id="rId7"/>
-    <p:sldId id="276" r:id="rId8"/>
-    <p:sldId id="261" r:id="rId9"/>
-    <p:sldId id="262" r:id="rId10"/>
-    <p:sldId id="264" r:id="rId11"/>
-    <p:sldId id="283" r:id="rId12"/>
-    <p:sldId id="278" r:id="rId13"/>
-    <p:sldId id="285" r:id="rId14"/>
-    <p:sldId id="277" r:id="rId15"/>
-    <p:sldId id="279" r:id="rId16"/>
-    <p:sldId id="280" r:id="rId17"/>
-    <p:sldId id="281" r:id="rId18"/>
-    <p:sldId id="282" r:id="rId19"/>
-    <p:sldId id="263" r:id="rId20"/>
-    <p:sldId id="265" r:id="rId21"/>
-    <p:sldId id="266" r:id="rId22"/>
-    <p:sldId id="267" r:id="rId23"/>
-    <p:sldId id="268" r:id="rId24"/>
-    <p:sldId id="284" r:id="rId25"/>
-    <p:sldId id="269" r:id="rId26"/>
-    <p:sldId id="275" r:id="rId27"/>
-    <p:sldId id="270" r:id="rId28"/>
-    <p:sldId id="271" r:id="rId29"/>
-    <p:sldId id="272" r:id="rId30"/>
+    <p:sldId id="258" r:id="rId5"/>
+    <p:sldId id="259" r:id="rId6"/>
+    <p:sldId id="276" r:id="rId7"/>
+    <p:sldId id="261" r:id="rId8"/>
+    <p:sldId id="262" r:id="rId9"/>
+    <p:sldId id="264" r:id="rId10"/>
+    <p:sldId id="283" r:id="rId11"/>
+    <p:sldId id="278" r:id="rId12"/>
+    <p:sldId id="285" r:id="rId13"/>
+    <p:sldId id="277" r:id="rId14"/>
+    <p:sldId id="279" r:id="rId15"/>
+    <p:sldId id="280" r:id="rId16"/>
+    <p:sldId id="281" r:id="rId17"/>
+    <p:sldId id="282" r:id="rId18"/>
+    <p:sldId id="263" r:id="rId19"/>
+    <p:sldId id="265" r:id="rId20"/>
+    <p:sldId id="266" r:id="rId21"/>
+    <p:sldId id="267" r:id="rId22"/>
+    <p:sldId id="268" r:id="rId23"/>
+    <p:sldId id="284" r:id="rId24"/>
+    <p:sldId id="269" r:id="rId25"/>
+    <p:sldId id="275" r:id="rId26"/>
+    <p:sldId id="270" r:id="rId27"/>
+    <p:sldId id="271" r:id="rId28"/>
+    <p:sldId id="287" r:id="rId29"/>
   </p:sldIdLst>
   <p:sldSz cx="9144000" cy="6858000" type="screen4x3"/>
   <p:notesSz cx="6858000" cy="9144000"/>
@@ -233,17 +232,17 @@
           </a:ln>
           <a:extLst>
             <a:ext uri="{FAA26D3D-D897-4be2-8F04-BA451C77F1D7}">
-              <ma14:placeholderFlag xmlns:ma14="http://schemas.microsoft.com/office/mac/drawingml/2011/main" xmlns="" val="1"/>
+              <ma14:placeholderFlag xmlns="" xmlns:ma14="http://schemas.microsoft.com/office/mac/drawingml/2011/main" val="1"/>
             </a:ext>
             <a:ext uri="{909E8E84-426E-40dd-AFC4-6F175D3DCCD1}">
-              <a14:hiddenFill xmlns="" xmlns:a14="http://schemas.microsoft.com/office/drawing/2010/main">
+              <a14:hiddenFill xmlns:a14="http://schemas.microsoft.com/office/drawing/2010/main" xmlns="">
                 <a:solidFill>
                   <a:schemeClr val="accent1"/>
                 </a:solidFill>
               </a14:hiddenFill>
             </a:ext>
             <a:ext uri="{91240B29-F687-4f45-9708-019B960494DF}">
-              <a14:hiddenLine xmlns="" xmlns:a14="http://schemas.microsoft.com/office/drawing/2010/main" w="9525">
+              <a14:hiddenLine xmlns:a14="http://schemas.microsoft.com/office/drawing/2010/main" xmlns="" w="9525">
                 <a:solidFill>
                   <a:schemeClr val="tx1"/>
                 </a:solidFill>
@@ -294,17 +293,17 @@
           </a:ln>
           <a:extLst>
             <a:ext uri="{FAA26D3D-D897-4be2-8F04-BA451C77F1D7}">
-              <ma14:placeholderFlag xmlns:ma14="http://schemas.microsoft.com/office/mac/drawingml/2011/main" xmlns="" val="1"/>
+              <ma14:placeholderFlag xmlns="" xmlns:ma14="http://schemas.microsoft.com/office/mac/drawingml/2011/main" val="1"/>
             </a:ext>
             <a:ext uri="{909E8E84-426E-40dd-AFC4-6F175D3DCCD1}">
-              <a14:hiddenFill xmlns="" xmlns:a14="http://schemas.microsoft.com/office/drawing/2010/main">
+              <a14:hiddenFill xmlns:a14="http://schemas.microsoft.com/office/drawing/2010/main" xmlns="">
                 <a:solidFill>
                   <a:schemeClr val="accent1"/>
                 </a:solidFill>
               </a14:hiddenFill>
             </a:ext>
             <a:ext uri="{91240B29-F687-4f45-9708-019B960494DF}">
-              <a14:hiddenLine xmlns="" xmlns:a14="http://schemas.microsoft.com/office/drawing/2010/main" w="9525">
+              <a14:hiddenLine xmlns:a14="http://schemas.microsoft.com/office/drawing/2010/main" xmlns="" w="9525">
                 <a:solidFill>
                   <a:schemeClr val="tx1"/>
                 </a:solidFill>
@@ -361,7 +360,7 @@
           <a:effectLst/>
           <a:extLst>
             <a:ext uri="{AF507438-7753-43e0-B8FC-AC1667EBCBE1}">
-              <a14:hiddenEffects xmlns="" xmlns:a14="http://schemas.microsoft.com/office/drawing/2010/main">
+              <a14:hiddenEffects xmlns:a14="http://schemas.microsoft.com/office/drawing/2010/main" xmlns="">
                 <a:effectLst>
                   <a:outerShdw blurRad="63500" dist="38099" dir="2700000" algn="ctr" rotWithShape="0">
                     <a:srgbClr val="000000">
@@ -372,7 +371,7 @@
               </a14:hiddenEffects>
             </a:ext>
             <a:ext uri="{53640926-AAD7-44d8-BBD7-CCE9431645EC}">
-              <a14:shadowObscured xmlns="" xmlns:a14="http://schemas.microsoft.com/office/drawing/2010/main" val="1"/>
+              <a14:shadowObscured xmlns:a14="http://schemas.microsoft.com/office/drawing/2010/main" xmlns="" val="1"/>
             </a:ext>
           </a:extLst>
         </p:spPr>
@@ -401,17 +400,17 @@
           </a:ln>
           <a:extLst>
             <a:ext uri="{FAA26D3D-D897-4be2-8F04-BA451C77F1D7}">
-              <ma14:placeholderFlag xmlns:ma14="http://schemas.microsoft.com/office/mac/drawingml/2011/main" xmlns="" val="1"/>
+              <ma14:placeholderFlag xmlns="" xmlns:ma14="http://schemas.microsoft.com/office/mac/drawingml/2011/main" val="1"/>
             </a:ext>
             <a:ext uri="{909E8E84-426E-40dd-AFC4-6F175D3DCCD1}">
-              <a14:hiddenFill xmlns="" xmlns:a14="http://schemas.microsoft.com/office/drawing/2010/main">
+              <a14:hiddenFill xmlns:a14="http://schemas.microsoft.com/office/drawing/2010/main" xmlns="">
                 <a:solidFill>
                   <a:schemeClr val="accent1"/>
                 </a:solidFill>
               </a14:hiddenFill>
             </a:ext>
             <a:ext uri="{91240B29-F687-4f45-9708-019B960494DF}">
-              <a14:hiddenLine xmlns="" xmlns:a14="http://schemas.microsoft.com/office/drawing/2010/main" w="9525">
+              <a14:hiddenLine xmlns:a14="http://schemas.microsoft.com/office/drawing/2010/main" xmlns="" w="9525">
                 <a:solidFill>
                   <a:schemeClr val="tx1"/>
                 </a:solidFill>
@@ -490,17 +489,17 @@
           </a:ln>
           <a:extLst>
             <a:ext uri="{FAA26D3D-D897-4be2-8F04-BA451C77F1D7}">
-              <ma14:placeholderFlag xmlns:ma14="http://schemas.microsoft.com/office/mac/drawingml/2011/main" xmlns="" val="1"/>
+              <ma14:placeholderFlag xmlns="" xmlns:ma14="http://schemas.microsoft.com/office/mac/drawingml/2011/main" val="1"/>
             </a:ext>
             <a:ext uri="{909E8E84-426E-40dd-AFC4-6F175D3DCCD1}">
-              <a14:hiddenFill xmlns="" xmlns:a14="http://schemas.microsoft.com/office/drawing/2010/main">
+              <a14:hiddenFill xmlns:a14="http://schemas.microsoft.com/office/drawing/2010/main" xmlns="">
                 <a:solidFill>
                   <a:schemeClr val="accent1"/>
                 </a:solidFill>
               </a14:hiddenFill>
             </a:ext>
             <a:ext uri="{91240B29-F687-4f45-9708-019B960494DF}">
-              <a14:hiddenLine xmlns="" xmlns:a14="http://schemas.microsoft.com/office/drawing/2010/main" w="9525">
+              <a14:hiddenLine xmlns:a14="http://schemas.microsoft.com/office/drawing/2010/main" xmlns="" w="9525">
                 <a:solidFill>
                   <a:schemeClr val="tx1"/>
                 </a:solidFill>
@@ -551,17 +550,17 @@
           </a:ln>
           <a:extLst>
             <a:ext uri="{FAA26D3D-D897-4be2-8F04-BA451C77F1D7}">
-              <ma14:placeholderFlag xmlns:ma14="http://schemas.microsoft.com/office/mac/drawingml/2011/main" xmlns="" val="1"/>
+              <ma14:placeholderFlag xmlns="" xmlns:ma14="http://schemas.microsoft.com/office/mac/drawingml/2011/main" val="1"/>
             </a:ext>
             <a:ext uri="{909E8E84-426E-40dd-AFC4-6F175D3DCCD1}">
-              <a14:hiddenFill xmlns="" xmlns:a14="http://schemas.microsoft.com/office/drawing/2010/main">
+              <a14:hiddenFill xmlns:a14="http://schemas.microsoft.com/office/drawing/2010/main" xmlns="">
                 <a:solidFill>
                   <a:schemeClr val="accent1"/>
                 </a:solidFill>
               </a14:hiddenFill>
             </a:ext>
             <a:ext uri="{91240B29-F687-4f45-9708-019B960494DF}">
-              <a14:hiddenLine xmlns="" xmlns:a14="http://schemas.microsoft.com/office/drawing/2010/main" w="9525">
+              <a14:hiddenLine xmlns:a14="http://schemas.microsoft.com/office/drawing/2010/main" xmlns="" w="9525">
                 <a:solidFill>
                   <a:schemeClr val="tx1"/>
                 </a:solidFill>
@@ -783,7 +782,7 @@
           <a:ln/>
           <a:extLst>
             <a:ext uri="{FAA26D3D-D897-4be2-8F04-BA451C77F1D7}">
-              <ma14:placeholderFlag xmlns:ma14="http://schemas.microsoft.com/office/mac/drawingml/2011/main" xmlns="" val="1"/>
+              <ma14:placeholderFlag xmlns="" xmlns:ma14="http://schemas.microsoft.com/office/mac/drawingml/2011/main" val="1"/>
             </a:ext>
           </a:extLst>
         </p:spPr>
@@ -849,7 +848,7 @@
           <a:bodyPr/>
           <a:lstStyle/>
           <a:p>
-            <a:fld id="{2647D2F2-0149-EB4A-8E51-3C392D3DD83E}" type="slidenum">
+            <a:fld id="{047519AC-FE66-564F-B743-B7C95673737A}" type="slidenum">
               <a:rPr lang="en-US"/>
               <a:pPr/>
               <a:t>19</a:t>
@@ -860,7 +859,7 @@
       </p:sp>
       <p:sp>
         <p:nvSpPr>
-          <p:cNvPr id="31746" name="Rectangle 2"/>
+          <p:cNvPr id="32770" name="Rectangle 2"/>
           <p:cNvSpPr>
             <a:spLocks noGrp="1" noRot="1" noChangeAspect="1" noChangeArrowheads="1" noTextEdit="1"/>
           </p:cNvSpPr>
@@ -872,14 +871,14 @@
           <a:ln/>
           <a:extLst>
             <a:ext uri="{FAA26D3D-D897-4be2-8F04-BA451C77F1D7}">
-              <ma14:placeholderFlag xmlns:ma14="http://schemas.microsoft.com/office/mac/drawingml/2011/main" xmlns="" val="1"/>
+              <ma14:placeholderFlag xmlns="" xmlns:ma14="http://schemas.microsoft.com/office/mac/drawingml/2011/main" val="1"/>
             </a:ext>
           </a:extLst>
         </p:spPr>
       </p:sp>
       <p:sp>
         <p:nvSpPr>
-          <p:cNvPr id="31747" name="Rectangle 3"/>
+          <p:cNvPr id="32771" name="Rectangle 3"/>
           <p:cNvSpPr>
             <a:spLocks noGrp="1" noChangeArrowheads="1"/>
           </p:cNvSpPr>
@@ -938,7 +937,7 @@
           <a:bodyPr/>
           <a:lstStyle/>
           <a:p>
-            <a:fld id="{047519AC-FE66-564F-B743-B7C95673737A}" type="slidenum">
+            <a:fld id="{08B04B7B-8FD6-4947-9316-2624CA738102}" type="slidenum">
               <a:rPr lang="en-US"/>
               <a:pPr/>
               <a:t>20</a:t>
@@ -949,7 +948,7 @@
       </p:sp>
       <p:sp>
         <p:nvSpPr>
-          <p:cNvPr id="32770" name="Rectangle 2"/>
+          <p:cNvPr id="33794" name="Rectangle 2"/>
           <p:cNvSpPr>
             <a:spLocks noGrp="1" noRot="1" noChangeAspect="1" noChangeArrowheads="1" noTextEdit="1"/>
           </p:cNvSpPr>
@@ -961,14 +960,14 @@
           <a:ln/>
           <a:extLst>
             <a:ext uri="{FAA26D3D-D897-4be2-8F04-BA451C77F1D7}">
-              <ma14:placeholderFlag xmlns:ma14="http://schemas.microsoft.com/office/mac/drawingml/2011/main" xmlns="" val="1"/>
+              <ma14:placeholderFlag xmlns="" xmlns:ma14="http://schemas.microsoft.com/office/mac/drawingml/2011/main" val="1"/>
             </a:ext>
           </a:extLst>
         </p:spPr>
       </p:sp>
       <p:sp>
         <p:nvSpPr>
-          <p:cNvPr id="32771" name="Rectangle 3"/>
+          <p:cNvPr id="33795" name="Rectangle 3"/>
           <p:cNvSpPr>
             <a:spLocks noGrp="1" noChangeArrowheads="1"/>
           </p:cNvSpPr>
@@ -1027,7 +1026,7 @@
           <a:bodyPr/>
           <a:lstStyle/>
           <a:p>
-            <a:fld id="{08B04B7B-8FD6-4947-9316-2624CA738102}" type="slidenum">
+            <a:fld id="{C69A5330-840C-714C-B2B2-505B33C7D761}" type="slidenum">
               <a:rPr lang="en-US"/>
               <a:pPr/>
               <a:t>21</a:t>
@@ -1038,7 +1037,7 @@
       </p:sp>
       <p:sp>
         <p:nvSpPr>
-          <p:cNvPr id="33794" name="Rectangle 2"/>
+          <p:cNvPr id="34818" name="Rectangle 2"/>
           <p:cNvSpPr>
             <a:spLocks noGrp="1" noRot="1" noChangeAspect="1" noChangeArrowheads="1" noTextEdit="1"/>
           </p:cNvSpPr>
@@ -1050,14 +1049,14 @@
           <a:ln/>
           <a:extLst>
             <a:ext uri="{FAA26D3D-D897-4be2-8F04-BA451C77F1D7}">
-              <ma14:placeholderFlag xmlns:ma14="http://schemas.microsoft.com/office/mac/drawingml/2011/main" xmlns="" val="1"/>
+              <ma14:placeholderFlag xmlns="" xmlns:ma14="http://schemas.microsoft.com/office/mac/drawingml/2011/main" val="1"/>
             </a:ext>
           </a:extLst>
         </p:spPr>
       </p:sp>
       <p:sp>
         <p:nvSpPr>
-          <p:cNvPr id="33795" name="Rectangle 3"/>
+          <p:cNvPr id="34819" name="Rectangle 3"/>
           <p:cNvSpPr>
             <a:spLocks noGrp="1" noChangeArrowheads="1"/>
           </p:cNvSpPr>
@@ -1116,7 +1115,7 @@
           <a:bodyPr/>
           <a:lstStyle/>
           <a:p>
-            <a:fld id="{C69A5330-840C-714C-B2B2-505B33C7D761}" type="slidenum">
+            <a:fld id="{B6024CCB-95AA-9B4C-8863-6A1B948E11E7}" type="slidenum">
               <a:rPr lang="en-US"/>
               <a:pPr/>
               <a:t>22</a:t>
@@ -1127,7 +1126,7 @@
       </p:sp>
       <p:sp>
         <p:nvSpPr>
-          <p:cNvPr id="34818" name="Rectangle 2"/>
+          <p:cNvPr id="35842" name="Rectangle 2"/>
           <p:cNvSpPr>
             <a:spLocks noGrp="1" noRot="1" noChangeAspect="1" noChangeArrowheads="1" noTextEdit="1"/>
           </p:cNvSpPr>
@@ -1139,14 +1138,14 @@
           <a:ln/>
           <a:extLst>
             <a:ext uri="{FAA26D3D-D897-4be2-8F04-BA451C77F1D7}">
-              <ma14:placeholderFlag xmlns:ma14="http://schemas.microsoft.com/office/mac/drawingml/2011/main" xmlns="" val="1"/>
+              <ma14:placeholderFlag xmlns="" xmlns:ma14="http://schemas.microsoft.com/office/mac/drawingml/2011/main" val="1"/>
             </a:ext>
           </a:extLst>
         </p:spPr>
       </p:sp>
       <p:sp>
         <p:nvSpPr>
-          <p:cNvPr id="34819" name="Rectangle 3"/>
+          <p:cNvPr id="35843" name="Rectangle 3"/>
           <p:cNvSpPr>
             <a:spLocks noGrp="1" noChangeArrowheads="1"/>
           </p:cNvSpPr>
@@ -1228,7 +1227,7 @@
           <a:ln/>
           <a:extLst>
             <a:ext uri="{FAA26D3D-D897-4be2-8F04-BA451C77F1D7}">
-              <ma14:placeholderFlag xmlns:ma14="http://schemas.microsoft.com/office/mac/drawingml/2011/main" xmlns="" val="1"/>
+              <ma14:placeholderFlag xmlns="" xmlns:ma14="http://schemas.microsoft.com/office/mac/drawingml/2011/main" val="1"/>
             </a:ext>
           </a:extLst>
         </p:spPr>
@@ -1294,7 +1293,7 @@
           <a:bodyPr/>
           <a:lstStyle/>
           <a:p>
-            <a:fld id="{B6024CCB-95AA-9B4C-8863-6A1B948E11E7}" type="slidenum">
+            <a:fld id="{0935DC73-8A31-B94E-819B-DD3EF5D31810}" type="slidenum">
               <a:rPr lang="en-US"/>
               <a:pPr/>
               <a:t>24</a:t>
@@ -1305,7 +1304,7 @@
       </p:sp>
       <p:sp>
         <p:nvSpPr>
-          <p:cNvPr id="35842" name="Rectangle 2"/>
+          <p:cNvPr id="36866" name="Rectangle 2"/>
           <p:cNvSpPr>
             <a:spLocks noGrp="1" noRot="1" noChangeAspect="1" noChangeArrowheads="1" noTextEdit="1"/>
           </p:cNvSpPr>
@@ -1317,14 +1316,14 @@
           <a:ln/>
           <a:extLst>
             <a:ext uri="{FAA26D3D-D897-4be2-8F04-BA451C77F1D7}">
-              <ma14:placeholderFlag xmlns:ma14="http://schemas.microsoft.com/office/mac/drawingml/2011/main" xmlns="" val="1"/>
+              <ma14:placeholderFlag xmlns="" xmlns:ma14="http://schemas.microsoft.com/office/mac/drawingml/2011/main" val="1"/>
             </a:ext>
           </a:extLst>
         </p:spPr>
       </p:sp>
       <p:sp>
         <p:nvSpPr>
-          <p:cNvPr id="35843" name="Rectangle 3"/>
+          <p:cNvPr id="36867" name="Rectangle 3"/>
           <p:cNvSpPr>
             <a:spLocks noGrp="1" noChangeArrowheads="1"/>
           </p:cNvSpPr>
@@ -1383,7 +1382,7 @@
           <a:bodyPr/>
           <a:lstStyle/>
           <a:p>
-            <a:fld id="{0935DC73-8A31-B94E-819B-DD3EF5D31810}" type="slidenum">
+            <a:fld id="{37D7FBBC-F979-CB4A-85E2-731F53961D63}" type="slidenum">
               <a:rPr lang="en-US"/>
               <a:pPr/>
               <a:t>25</a:t>
@@ -1394,7 +1393,7 @@
       </p:sp>
       <p:sp>
         <p:nvSpPr>
-          <p:cNvPr id="36866" name="Rectangle 2"/>
+          <p:cNvPr id="48130" name="Rectangle 2"/>
           <p:cNvSpPr>
             <a:spLocks noGrp="1" noRot="1" noChangeAspect="1" noChangeArrowheads="1" noTextEdit="1"/>
           </p:cNvSpPr>
@@ -1406,14 +1405,14 @@
           <a:ln/>
           <a:extLst>
             <a:ext uri="{FAA26D3D-D897-4be2-8F04-BA451C77F1D7}">
-              <ma14:placeholderFlag xmlns:ma14="http://schemas.microsoft.com/office/mac/drawingml/2011/main" xmlns="" val="1"/>
+              <ma14:placeholderFlag xmlns="" xmlns:ma14="http://schemas.microsoft.com/office/mac/drawingml/2011/main" val="1"/>
             </a:ext>
           </a:extLst>
         </p:spPr>
       </p:sp>
       <p:sp>
         <p:nvSpPr>
-          <p:cNvPr id="36867" name="Rectangle 3"/>
+          <p:cNvPr id="48131" name="Rectangle 3"/>
           <p:cNvSpPr>
             <a:spLocks noGrp="1" noChangeArrowheads="1"/>
           </p:cNvSpPr>
@@ -1472,7 +1471,7 @@
           <a:bodyPr/>
           <a:lstStyle/>
           <a:p>
-            <a:fld id="{37D7FBBC-F979-CB4A-85E2-731F53961D63}" type="slidenum">
+            <a:fld id="{92376106-637F-C043-88C3-6124759B9DD3}" type="slidenum">
               <a:rPr lang="en-US"/>
               <a:pPr/>
               <a:t>26</a:t>
@@ -1483,7 +1482,7 @@
       </p:sp>
       <p:sp>
         <p:nvSpPr>
-          <p:cNvPr id="48130" name="Rectangle 2"/>
+          <p:cNvPr id="37890" name="Rectangle 2"/>
           <p:cNvSpPr>
             <a:spLocks noGrp="1" noRot="1" noChangeAspect="1" noChangeArrowheads="1" noTextEdit="1"/>
           </p:cNvSpPr>
@@ -1495,14 +1494,14 @@
           <a:ln/>
           <a:extLst>
             <a:ext uri="{FAA26D3D-D897-4be2-8F04-BA451C77F1D7}">
-              <ma14:placeholderFlag xmlns:ma14="http://schemas.microsoft.com/office/mac/drawingml/2011/main" xmlns="" val="1"/>
+              <ma14:placeholderFlag xmlns="" xmlns:ma14="http://schemas.microsoft.com/office/mac/drawingml/2011/main" val="1"/>
             </a:ext>
           </a:extLst>
         </p:spPr>
       </p:sp>
       <p:sp>
         <p:nvSpPr>
-          <p:cNvPr id="48131" name="Rectangle 3"/>
+          <p:cNvPr id="37891" name="Rectangle 3"/>
           <p:cNvSpPr>
             <a:spLocks noGrp="1" noChangeArrowheads="1"/>
           </p:cNvSpPr>
@@ -1561,7 +1560,7 @@
           <a:bodyPr/>
           <a:lstStyle/>
           <a:p>
-            <a:fld id="{92376106-637F-C043-88C3-6124759B9DD3}" type="slidenum">
+            <a:fld id="{8AAB1E60-F4E9-224F-A32C-A21429C28241}" type="slidenum">
               <a:rPr lang="en-US"/>
               <a:pPr/>
               <a:t>27</a:t>
@@ -1572,7 +1571,7 @@
       </p:sp>
       <p:sp>
         <p:nvSpPr>
-          <p:cNvPr id="37890" name="Rectangle 2"/>
+          <p:cNvPr id="38914" name="Rectangle 2"/>
           <p:cNvSpPr>
             <a:spLocks noGrp="1" noRot="1" noChangeAspect="1" noChangeArrowheads="1" noTextEdit="1"/>
           </p:cNvSpPr>
@@ -1584,14 +1583,14 @@
           <a:ln/>
           <a:extLst>
             <a:ext uri="{FAA26D3D-D897-4be2-8F04-BA451C77F1D7}">
-              <ma14:placeholderFlag xmlns:ma14="http://schemas.microsoft.com/office/mac/drawingml/2011/main" xmlns="" val="1"/>
+              <ma14:placeholderFlag xmlns="" xmlns:ma14="http://schemas.microsoft.com/office/mac/drawingml/2011/main" val="1"/>
             </a:ext>
           </a:extLst>
         </p:spPr>
       </p:sp>
       <p:sp>
         <p:nvSpPr>
-          <p:cNvPr id="37891" name="Rectangle 3"/>
+          <p:cNvPr id="38915" name="Rectangle 3"/>
           <p:cNvSpPr>
             <a:spLocks noGrp="1" noChangeArrowheads="1"/>
           </p:cNvSpPr>
@@ -1650,7 +1649,7 @@
           <a:bodyPr/>
           <a:lstStyle/>
           <a:p>
-            <a:fld id="{8AAB1E60-F4E9-224F-A32C-A21429C28241}" type="slidenum">
+            <a:fld id="{3E06D573-1B41-6C4A-AD78-7AEBAC0C51B5}" type="slidenum">
               <a:rPr lang="en-US"/>
               <a:pPr/>
               <a:t>28</a:t>
@@ -1661,7 +1660,7 @@
       </p:sp>
       <p:sp>
         <p:nvSpPr>
-          <p:cNvPr id="38914" name="Rectangle 2"/>
+          <p:cNvPr id="39938" name="Rectangle 2"/>
           <p:cNvSpPr>
             <a:spLocks noGrp="1" noRot="1" noChangeAspect="1" noChangeArrowheads="1" noTextEdit="1"/>
           </p:cNvSpPr>
@@ -1673,14 +1672,14 @@
           <a:ln/>
           <a:extLst>
             <a:ext uri="{FAA26D3D-D897-4be2-8F04-BA451C77F1D7}">
-              <ma14:placeholderFlag xmlns:ma14="http://schemas.microsoft.com/office/mac/drawingml/2011/main" xmlns="" val="1"/>
+              <ma14:placeholderFlag xmlns="" xmlns:ma14="http://schemas.microsoft.com/office/mac/drawingml/2011/main" val="1"/>
             </a:ext>
           </a:extLst>
         </p:spPr>
       </p:sp>
       <p:sp>
         <p:nvSpPr>
-          <p:cNvPr id="38915" name="Rectangle 3"/>
+          <p:cNvPr id="39939" name="Rectangle 3"/>
           <p:cNvSpPr>
             <a:spLocks noGrp="1" noChangeArrowheads="1"/>
           </p:cNvSpPr>
@@ -1698,6 +1697,11 @@
         </p:txBody>
       </p:sp>
     </p:spTree>
+    <p:extLst>
+      <p:ext uri="{BB962C8B-B14F-4D97-AF65-F5344CB8AC3E}">
+        <p14:creationId xmlns:p14="http://schemas.microsoft.com/office/powerpoint/2010/main" val="1317632009"/>
+      </p:ext>
+    </p:extLst>
   </p:cSld>
   <p:clrMapOvr>
     <a:masterClrMapping/>
@@ -1762,7 +1766,7 @@
           <a:ln/>
           <a:extLst>
             <a:ext uri="{FAA26D3D-D897-4be2-8F04-BA451C77F1D7}">
-              <ma14:placeholderFlag xmlns:ma14="http://schemas.microsoft.com/office/mac/drawingml/2011/main" xmlns="" val="1"/>
+              <ma14:placeholderFlag xmlns="" xmlns:ma14="http://schemas.microsoft.com/office/mac/drawingml/2011/main" val="1"/>
             </a:ext>
           </a:extLst>
         </p:spPr>
@@ -1770,95 +1774,6 @@
       <p:sp>
         <p:nvSpPr>
           <p:cNvPr id="24579" name="Rectangle 3"/>
-          <p:cNvSpPr>
-            <a:spLocks noGrp="1" noChangeArrowheads="1"/>
-          </p:cNvSpPr>
-          <p:nvPr>
-            <p:ph type="body" idx="1"/>
-          </p:nvPr>
-        </p:nvSpPr>
-        <p:spPr/>
-        <p:txBody>
-          <a:bodyPr/>
-          <a:lstStyle/>
-          <a:p>
-            <a:endParaRPr lang="en-US"/>
-          </a:p>
-        </p:txBody>
-      </p:sp>
-    </p:spTree>
-  </p:cSld>
-  <p:clrMapOvr>
-    <a:masterClrMapping/>
-  </p:clrMapOvr>
-</p:notes>
-</file>
-
-<file path=ppt/notesSlides/notesSlide20.xml><?xml version="1.0" encoding="utf-8"?>
-<p:notes xmlns:a="http://schemas.openxmlformats.org/drawingml/2006/main" xmlns:r="http://schemas.openxmlformats.org/officeDocument/2006/relationships" xmlns:p="http://schemas.openxmlformats.org/presentationml/2006/main">
-  <p:cSld>
-    <p:spTree>
-      <p:nvGrpSpPr>
-        <p:cNvPr id="1" name=""/>
-        <p:cNvGrpSpPr/>
-        <p:nvPr/>
-      </p:nvGrpSpPr>
-      <p:grpSpPr>
-        <a:xfrm>
-          <a:off x="0" y="0"/>
-          <a:ext cx="0" cy="0"/>
-          <a:chOff x="0" y="0"/>
-          <a:chExt cx="0" cy="0"/>
-        </a:xfrm>
-      </p:grpSpPr>
-      <p:sp>
-        <p:nvSpPr>
-          <p:cNvPr id="7" name="Rectangle 7"/>
-          <p:cNvSpPr>
-            <a:spLocks noGrp="1" noChangeArrowheads="1"/>
-          </p:cNvSpPr>
-          <p:nvPr>
-            <p:ph type="sldNum" sz="quarter" idx="5"/>
-          </p:nvPr>
-        </p:nvSpPr>
-        <p:spPr>
-          <a:ln/>
-        </p:spPr>
-        <p:txBody>
-          <a:bodyPr/>
-          <a:lstStyle/>
-          <a:p>
-            <a:fld id="{3E06D573-1B41-6C4A-AD78-7AEBAC0C51B5}" type="slidenum">
-              <a:rPr lang="en-US"/>
-              <a:pPr/>
-              <a:t>29</a:t>
-            </a:fld>
-            <a:endParaRPr lang="en-US"/>
-          </a:p>
-        </p:txBody>
-      </p:sp>
-      <p:sp>
-        <p:nvSpPr>
-          <p:cNvPr id="39938" name="Rectangle 2"/>
-          <p:cNvSpPr>
-            <a:spLocks noGrp="1" noRot="1" noChangeAspect="1" noChangeArrowheads="1" noTextEdit="1"/>
-          </p:cNvSpPr>
-          <p:nvPr>
-            <p:ph type="sldImg"/>
-          </p:nvPr>
-        </p:nvSpPr>
-        <p:spPr>
-          <a:ln/>
-          <a:extLst>
-            <a:ext uri="{FAA26D3D-D897-4be2-8F04-BA451C77F1D7}">
-              <ma14:placeholderFlag xmlns:ma14="http://schemas.microsoft.com/office/mac/drawingml/2011/main" xmlns="" val="1"/>
-            </a:ext>
-          </a:extLst>
-        </p:spPr>
-      </p:sp>
-      <p:sp>
-        <p:nvSpPr>
-          <p:cNvPr id="39939" name="Rectangle 3"/>
           <p:cNvSpPr>
             <a:spLocks noGrp="1" noChangeArrowheads="1"/>
           </p:cNvSpPr>
@@ -1917,7 +1832,7 @@
           <a:bodyPr/>
           <a:lstStyle/>
           <a:p>
-            <a:fld id="{3E06D573-1B41-6C4A-AD78-7AEBAC0C51B5}" type="slidenum">
+            <a:fld id="{323E1FFA-45A5-0847-81DD-DCF93B0E5A5D}" type="slidenum">
               <a:rPr lang="en-US"/>
               <a:pPr/>
               <a:t>4</a:t>
@@ -1928,7 +1843,7 @@
       </p:sp>
       <p:sp>
         <p:nvSpPr>
-          <p:cNvPr id="39938" name="Rectangle 2"/>
+          <p:cNvPr id="25602" name="Rectangle 2"/>
           <p:cNvSpPr>
             <a:spLocks noGrp="1" noRot="1" noChangeAspect="1" noChangeArrowheads="1" noTextEdit="1"/>
           </p:cNvSpPr>
@@ -1940,14 +1855,14 @@
           <a:ln/>
           <a:extLst>
             <a:ext uri="{FAA26D3D-D897-4be2-8F04-BA451C77F1D7}">
-              <ma14:placeholderFlag xmlns:ma14="http://schemas.microsoft.com/office/mac/drawingml/2011/main" xmlns="" val="1"/>
+              <ma14:placeholderFlag xmlns="" xmlns:ma14="http://schemas.microsoft.com/office/mac/drawingml/2011/main" val="1"/>
             </a:ext>
           </a:extLst>
         </p:spPr>
       </p:sp>
       <p:sp>
         <p:nvSpPr>
-          <p:cNvPr id="39939" name="Rectangle 3"/>
+          <p:cNvPr id="25603" name="Rectangle 3"/>
           <p:cNvSpPr>
             <a:spLocks noGrp="1" noChangeArrowheads="1"/>
           </p:cNvSpPr>
@@ -1965,11 +1880,6 @@
         </p:txBody>
       </p:sp>
     </p:spTree>
-    <p:extLst>
-      <p:ext uri="{BB962C8B-B14F-4D97-AF65-F5344CB8AC3E}">
-        <p14:creationId xmlns:p14="http://schemas.microsoft.com/office/powerpoint/2010/main" val="1317632009"/>
-      </p:ext>
-    </p:extLst>
   </p:cSld>
   <p:clrMapOvr>
     <a:masterClrMapping/>
@@ -2011,7 +1921,7 @@
           <a:bodyPr/>
           <a:lstStyle/>
           <a:p>
-            <a:fld id="{323E1FFA-45A5-0847-81DD-DCF93B0E5A5D}" type="slidenum">
+            <a:fld id="{B5E14992-95AB-9F44-8E43-B2F3D567FDE4}" type="slidenum">
               <a:rPr lang="en-US"/>
               <a:pPr/>
               <a:t>5</a:t>
@@ -2022,7 +1932,7 @@
       </p:sp>
       <p:sp>
         <p:nvSpPr>
-          <p:cNvPr id="25602" name="Rectangle 2"/>
+          <p:cNvPr id="26626" name="Rectangle 2"/>
           <p:cNvSpPr>
             <a:spLocks noGrp="1" noRot="1" noChangeAspect="1" noChangeArrowheads="1" noTextEdit="1"/>
           </p:cNvSpPr>
@@ -2034,14 +1944,14 @@
           <a:ln/>
           <a:extLst>
             <a:ext uri="{FAA26D3D-D897-4be2-8F04-BA451C77F1D7}">
-              <ma14:placeholderFlag xmlns:ma14="http://schemas.microsoft.com/office/mac/drawingml/2011/main" xmlns="" val="1"/>
+              <ma14:placeholderFlag xmlns="" xmlns:ma14="http://schemas.microsoft.com/office/mac/drawingml/2011/main" val="1"/>
             </a:ext>
           </a:extLst>
         </p:spPr>
       </p:sp>
       <p:sp>
         <p:nvSpPr>
-          <p:cNvPr id="25603" name="Rectangle 3"/>
+          <p:cNvPr id="26627" name="Rectangle 3"/>
           <p:cNvSpPr>
             <a:spLocks noGrp="1" noChangeArrowheads="1"/>
           </p:cNvSpPr>
@@ -2100,7 +2010,7 @@
           <a:bodyPr/>
           <a:lstStyle/>
           <a:p>
-            <a:fld id="{B5E14992-95AB-9F44-8E43-B2F3D567FDE4}" type="slidenum">
+            <a:fld id="{02DCA3E4-B27C-EA4D-88B5-EC27E0DA49EC}" type="slidenum">
               <a:rPr lang="en-US"/>
               <a:pPr/>
               <a:t>6</a:t>
@@ -2111,7 +2021,7 @@
       </p:sp>
       <p:sp>
         <p:nvSpPr>
-          <p:cNvPr id="26626" name="Rectangle 2"/>
+          <p:cNvPr id="47106" name="Rectangle 2"/>
           <p:cNvSpPr>
             <a:spLocks noGrp="1" noRot="1" noChangeAspect="1" noChangeArrowheads="1" noTextEdit="1"/>
           </p:cNvSpPr>
@@ -2123,14 +2033,14 @@
           <a:ln/>
           <a:extLst>
             <a:ext uri="{FAA26D3D-D897-4be2-8F04-BA451C77F1D7}">
-              <ma14:placeholderFlag xmlns:ma14="http://schemas.microsoft.com/office/mac/drawingml/2011/main" xmlns="" val="1"/>
+              <ma14:placeholderFlag xmlns="" xmlns:ma14="http://schemas.microsoft.com/office/mac/drawingml/2011/main" val="1"/>
             </a:ext>
           </a:extLst>
         </p:spPr>
       </p:sp>
       <p:sp>
         <p:nvSpPr>
-          <p:cNvPr id="26627" name="Rectangle 3"/>
+          <p:cNvPr id="47107" name="Rectangle 3"/>
           <p:cNvSpPr>
             <a:spLocks noGrp="1" noChangeArrowheads="1"/>
           </p:cNvSpPr>
@@ -2189,7 +2099,7 @@
           <a:bodyPr/>
           <a:lstStyle/>
           <a:p>
-            <a:fld id="{02DCA3E4-B27C-EA4D-88B5-EC27E0DA49EC}" type="slidenum">
+            <a:fld id="{C09F3863-99A5-DE47-AA96-3131AE66EB6D}" type="slidenum">
               <a:rPr lang="en-US"/>
               <a:pPr/>
               <a:t>7</a:t>
@@ -2200,7 +2110,7 @@
       </p:sp>
       <p:sp>
         <p:nvSpPr>
-          <p:cNvPr id="47106" name="Rectangle 2"/>
+          <p:cNvPr id="28674" name="Rectangle 2"/>
           <p:cNvSpPr>
             <a:spLocks noGrp="1" noRot="1" noChangeAspect="1" noChangeArrowheads="1" noTextEdit="1"/>
           </p:cNvSpPr>
@@ -2212,14 +2122,14 @@
           <a:ln/>
           <a:extLst>
             <a:ext uri="{FAA26D3D-D897-4be2-8F04-BA451C77F1D7}">
-              <ma14:placeholderFlag xmlns:ma14="http://schemas.microsoft.com/office/mac/drawingml/2011/main" xmlns="" val="1"/>
+              <ma14:placeholderFlag xmlns="" xmlns:ma14="http://schemas.microsoft.com/office/mac/drawingml/2011/main" val="1"/>
             </a:ext>
           </a:extLst>
         </p:spPr>
       </p:sp>
       <p:sp>
         <p:nvSpPr>
-          <p:cNvPr id="47107" name="Rectangle 3"/>
+          <p:cNvPr id="28675" name="Rectangle 3"/>
           <p:cNvSpPr>
             <a:spLocks noGrp="1" noChangeArrowheads="1"/>
           </p:cNvSpPr>
@@ -2278,7 +2188,7 @@
           <a:bodyPr/>
           <a:lstStyle/>
           <a:p>
-            <a:fld id="{C09F3863-99A5-DE47-AA96-3131AE66EB6D}" type="slidenum">
+            <a:fld id="{335B3C37-C5D4-2F4B-944C-4EED48B6CB21}" type="slidenum">
               <a:rPr lang="en-US"/>
               <a:pPr/>
               <a:t>8</a:t>
@@ -2289,7 +2199,7 @@
       </p:sp>
       <p:sp>
         <p:nvSpPr>
-          <p:cNvPr id="28674" name="Rectangle 2"/>
+          <p:cNvPr id="29698" name="Rectangle 2"/>
           <p:cNvSpPr>
             <a:spLocks noGrp="1" noRot="1" noChangeAspect="1" noChangeArrowheads="1" noTextEdit="1"/>
           </p:cNvSpPr>
@@ -2301,14 +2211,14 @@
           <a:ln/>
           <a:extLst>
             <a:ext uri="{FAA26D3D-D897-4be2-8F04-BA451C77F1D7}">
-              <ma14:placeholderFlag xmlns:ma14="http://schemas.microsoft.com/office/mac/drawingml/2011/main" xmlns="" val="1"/>
+              <ma14:placeholderFlag xmlns="" xmlns:ma14="http://schemas.microsoft.com/office/mac/drawingml/2011/main" val="1"/>
             </a:ext>
           </a:extLst>
         </p:spPr>
       </p:sp>
       <p:sp>
         <p:nvSpPr>
-          <p:cNvPr id="28675" name="Rectangle 3"/>
+          <p:cNvPr id="29699" name="Rectangle 3"/>
           <p:cNvSpPr>
             <a:spLocks noGrp="1" noChangeArrowheads="1"/>
           </p:cNvSpPr>
@@ -2367,7 +2277,7 @@
           <a:bodyPr/>
           <a:lstStyle/>
           <a:p>
-            <a:fld id="{335B3C37-C5D4-2F4B-944C-4EED48B6CB21}" type="slidenum">
+            <a:fld id="{57141D6B-9321-614E-BDFD-49C938EFFB47}" type="slidenum">
               <a:rPr lang="en-US"/>
               <a:pPr/>
               <a:t>9</a:t>
@@ -2378,7 +2288,7 @@
       </p:sp>
       <p:sp>
         <p:nvSpPr>
-          <p:cNvPr id="29698" name="Rectangle 2"/>
+          <p:cNvPr id="30722" name="Rectangle 2"/>
           <p:cNvSpPr>
             <a:spLocks noGrp="1" noRot="1" noChangeAspect="1" noChangeArrowheads="1" noTextEdit="1"/>
           </p:cNvSpPr>
@@ -2390,14 +2300,14 @@
           <a:ln/>
           <a:extLst>
             <a:ext uri="{FAA26D3D-D897-4be2-8F04-BA451C77F1D7}">
-              <ma14:placeholderFlag xmlns:ma14="http://schemas.microsoft.com/office/mac/drawingml/2011/main" xmlns="" val="1"/>
+              <ma14:placeholderFlag xmlns="" xmlns:ma14="http://schemas.microsoft.com/office/mac/drawingml/2011/main" val="1"/>
             </a:ext>
           </a:extLst>
         </p:spPr>
       </p:sp>
       <p:sp>
         <p:nvSpPr>
-          <p:cNvPr id="29699" name="Rectangle 3"/>
+          <p:cNvPr id="30723" name="Rectangle 3"/>
           <p:cNvSpPr>
             <a:spLocks noGrp="1" noChangeArrowheads="1"/>
           </p:cNvSpPr>
@@ -2456,10 +2366,10 @@
           <a:bodyPr/>
           <a:lstStyle/>
           <a:p>
-            <a:fld id="{57141D6B-9321-614E-BDFD-49C938EFFB47}" type="slidenum">
+            <a:fld id="{2647D2F2-0149-EB4A-8E51-3C392D3DD83E}" type="slidenum">
               <a:rPr lang="en-US"/>
               <a:pPr/>
-              <a:t>10</a:t>
+              <a:t>18</a:t>
             </a:fld>
             <a:endParaRPr lang="en-US"/>
           </a:p>
@@ -2467,7 +2377,7 @@
       </p:sp>
       <p:sp>
         <p:nvSpPr>
-          <p:cNvPr id="30722" name="Rectangle 2"/>
+          <p:cNvPr id="31746" name="Rectangle 2"/>
           <p:cNvSpPr>
             <a:spLocks noGrp="1" noRot="1" noChangeAspect="1" noChangeArrowheads="1" noTextEdit="1"/>
           </p:cNvSpPr>
@@ -2479,14 +2389,14 @@
           <a:ln/>
           <a:extLst>
             <a:ext uri="{FAA26D3D-D897-4be2-8F04-BA451C77F1D7}">
-              <ma14:placeholderFlag xmlns:ma14="http://schemas.microsoft.com/office/mac/drawingml/2011/main" xmlns="" val="1"/>
+              <ma14:placeholderFlag xmlns="" xmlns:ma14="http://schemas.microsoft.com/office/mac/drawingml/2011/main" val="1"/>
             </a:ext>
           </a:extLst>
         </p:spPr>
       </p:sp>
       <p:sp>
         <p:nvSpPr>
-          <p:cNvPr id="30723" name="Rectangle 3"/>
+          <p:cNvPr id="31747" name="Rectangle 3"/>
           <p:cNvSpPr>
             <a:spLocks noGrp="1" noChangeArrowheads="1"/>
           </p:cNvSpPr>
@@ -2556,12 +2466,12 @@
           <a:effectLst/>
           <a:extLst>
             <a:ext uri="{909E8E84-426E-40dd-AFC4-6F175D3DCCD1}">
-              <a14:hiddenFill xmlns="" xmlns:a14="http://schemas.microsoft.com/office/drawing/2010/main">
+              <a14:hiddenFill xmlns:a14="http://schemas.microsoft.com/office/drawing/2010/main" xmlns="">
                 <a:noFill/>
               </a14:hiddenFill>
             </a:ext>
             <a:ext uri="{AF507438-7753-43e0-B8FC-AC1667EBCBE1}">
-              <a14:hiddenEffects xmlns="" xmlns:a14="http://schemas.microsoft.com/office/drawing/2010/main">
+              <a14:hiddenEffects xmlns:a14="http://schemas.microsoft.com/office/drawing/2010/main" xmlns="">
                 <a:effectLst>
                   <a:outerShdw blurRad="63500" dist="38099" dir="2700000" algn="ctr" rotWithShape="0">
                     <a:schemeClr val="bg2">
@@ -2762,7 +2672,7 @@
             <a:effectLst/>
             <a:extLst>
               <a:ext uri="{91240B29-F687-4f45-9708-019B960494DF}">
-                <a14:hiddenLine xmlns="" xmlns:a14="http://schemas.microsoft.com/office/drawing/2010/main" w="9525">
+                <a14:hiddenLine xmlns:a14="http://schemas.microsoft.com/office/drawing/2010/main" xmlns="" w="9525">
                   <a:solidFill>
                     <a:schemeClr val="tx1"/>
                   </a:solidFill>
@@ -2772,7 +2682,7 @@
                 </a14:hiddenLine>
               </a:ext>
               <a:ext uri="{AF507438-7753-43e0-B8FC-AC1667EBCBE1}">
-                <a14:hiddenEffects xmlns="" xmlns:a14="http://schemas.microsoft.com/office/drawing/2010/main">
+                <a14:hiddenEffects xmlns:a14="http://schemas.microsoft.com/office/drawing/2010/main" xmlns="">
                   <a:effectLst>
                     <a:outerShdw blurRad="63500" dist="38099" dir="2700000" algn="ctr" rotWithShape="0">
                       <a:schemeClr val="bg2">
@@ -2817,7 +2727,7 @@
             <a:effectLst/>
             <a:extLst>
               <a:ext uri="{91240B29-F687-4f45-9708-019B960494DF}">
-                <a14:hiddenLine xmlns="" xmlns:a14="http://schemas.microsoft.com/office/drawing/2010/main" w="9525">
+                <a14:hiddenLine xmlns:a14="http://schemas.microsoft.com/office/drawing/2010/main" xmlns="" w="9525">
                   <a:solidFill>
                     <a:schemeClr val="tx1"/>
                   </a:solidFill>
@@ -2827,7 +2737,7 @@
                 </a14:hiddenLine>
               </a:ext>
               <a:ext uri="{AF507438-7753-43e0-B8FC-AC1667EBCBE1}">
-                <a14:hiddenEffects xmlns="" xmlns:a14="http://schemas.microsoft.com/office/drawing/2010/main">
+                <a14:hiddenEffects xmlns:a14="http://schemas.microsoft.com/office/drawing/2010/main" xmlns="">
                   <a:effectLst>
                     <a:outerShdw blurRad="63500" dist="38099" dir="2700000" algn="ctr" rotWithShape="0">
                       <a:schemeClr val="bg2">
@@ -2872,7 +2782,7 @@
             <a:effectLst/>
             <a:extLst>
               <a:ext uri="{91240B29-F687-4f45-9708-019B960494DF}">
-                <a14:hiddenLine xmlns="" xmlns:a14="http://schemas.microsoft.com/office/drawing/2010/main" w="9525">
+                <a14:hiddenLine xmlns:a14="http://schemas.microsoft.com/office/drawing/2010/main" xmlns="" w="9525">
                   <a:solidFill>
                     <a:schemeClr val="tx1"/>
                   </a:solidFill>
@@ -2882,7 +2792,7 @@
                 </a14:hiddenLine>
               </a:ext>
               <a:ext uri="{AF507438-7753-43e0-B8FC-AC1667EBCBE1}">
-                <a14:hiddenEffects xmlns="" xmlns:a14="http://schemas.microsoft.com/office/drawing/2010/main">
+                <a14:hiddenEffects xmlns:a14="http://schemas.microsoft.com/office/drawing/2010/main" xmlns="">
                   <a:effectLst>
                     <a:outerShdw blurRad="63500" dist="38099" dir="2700000" algn="ctr" rotWithShape="0">
                       <a:schemeClr val="bg2">
@@ -2927,7 +2837,7 @@
             <a:effectLst/>
             <a:extLst>
               <a:ext uri="{91240B29-F687-4f45-9708-019B960494DF}">
-                <a14:hiddenLine xmlns="" xmlns:a14="http://schemas.microsoft.com/office/drawing/2010/main" w="9525">
+                <a14:hiddenLine xmlns:a14="http://schemas.microsoft.com/office/drawing/2010/main" xmlns="" w="9525">
                   <a:solidFill>
                     <a:schemeClr val="tx1"/>
                   </a:solidFill>
@@ -2937,7 +2847,7 @@
                 </a14:hiddenLine>
               </a:ext>
               <a:ext uri="{AF507438-7753-43e0-B8FC-AC1667EBCBE1}">
-                <a14:hiddenEffects xmlns="" xmlns:a14="http://schemas.microsoft.com/office/drawing/2010/main">
+                <a14:hiddenEffects xmlns:a14="http://schemas.microsoft.com/office/drawing/2010/main" xmlns="">
                   <a:effectLst>
                     <a:outerShdw blurRad="63500" dist="38099" dir="2700000" algn="ctr" rotWithShape="0">
                       <a:schemeClr val="bg2">
@@ -2982,7 +2892,7 @@
             <a:effectLst/>
             <a:extLst>
               <a:ext uri="{91240B29-F687-4f45-9708-019B960494DF}">
-                <a14:hiddenLine xmlns="" xmlns:a14="http://schemas.microsoft.com/office/drawing/2010/main" w="9525">
+                <a14:hiddenLine xmlns:a14="http://schemas.microsoft.com/office/drawing/2010/main" xmlns="" w="9525">
                   <a:solidFill>
                     <a:schemeClr val="tx1"/>
                   </a:solidFill>
@@ -2992,7 +2902,7 @@
                 </a14:hiddenLine>
               </a:ext>
               <a:ext uri="{AF507438-7753-43e0-B8FC-AC1667EBCBE1}">
-                <a14:hiddenEffects xmlns="" xmlns:a14="http://schemas.microsoft.com/office/drawing/2010/main">
+                <a14:hiddenEffects xmlns:a14="http://schemas.microsoft.com/office/drawing/2010/main" xmlns="">
                   <a:effectLst>
                     <a:outerShdw blurRad="63500" dist="38099" dir="2700000" algn="ctr" rotWithShape="0">
                       <a:schemeClr val="bg2">
@@ -3037,7 +2947,7 @@
             <a:effectLst/>
             <a:extLst>
               <a:ext uri="{91240B29-F687-4f45-9708-019B960494DF}">
-                <a14:hiddenLine xmlns="" xmlns:a14="http://schemas.microsoft.com/office/drawing/2010/main" w="9525">
+                <a14:hiddenLine xmlns:a14="http://schemas.microsoft.com/office/drawing/2010/main" xmlns="" w="9525">
                   <a:solidFill>
                     <a:schemeClr val="tx1"/>
                   </a:solidFill>
@@ -3047,7 +2957,7 @@
                 </a14:hiddenLine>
               </a:ext>
               <a:ext uri="{AF507438-7753-43e0-B8FC-AC1667EBCBE1}">
-                <a14:hiddenEffects xmlns="" xmlns:a14="http://schemas.microsoft.com/office/drawing/2010/main">
+                <a14:hiddenEffects xmlns:a14="http://schemas.microsoft.com/office/drawing/2010/main" xmlns="">
                   <a:effectLst>
                     <a:outerShdw blurRad="63500" dist="38099" dir="2700000" algn="ctr" rotWithShape="0">
                       <a:schemeClr val="bg2">
@@ -3092,7 +3002,7 @@
             <a:effectLst/>
             <a:extLst>
               <a:ext uri="{91240B29-F687-4f45-9708-019B960494DF}">
-                <a14:hiddenLine xmlns="" xmlns:a14="http://schemas.microsoft.com/office/drawing/2010/main" w="9525">
+                <a14:hiddenLine xmlns:a14="http://schemas.microsoft.com/office/drawing/2010/main" xmlns="" w="9525">
                   <a:solidFill>
                     <a:schemeClr val="tx1"/>
                   </a:solidFill>
@@ -3102,7 +3012,7 @@
                 </a14:hiddenLine>
               </a:ext>
               <a:ext uri="{AF507438-7753-43e0-B8FC-AC1667EBCBE1}">
-                <a14:hiddenEffects xmlns="" xmlns:a14="http://schemas.microsoft.com/office/drawing/2010/main">
+                <a14:hiddenEffects xmlns:a14="http://schemas.microsoft.com/office/drawing/2010/main" xmlns="">
                   <a:effectLst>
                     <a:outerShdw blurRad="63500" dist="38099" dir="2700000" algn="ctr" rotWithShape="0">
                       <a:schemeClr val="bg2">
@@ -3147,7 +3057,7 @@
             <a:effectLst/>
             <a:extLst>
               <a:ext uri="{91240B29-F687-4f45-9708-019B960494DF}">
-                <a14:hiddenLine xmlns="" xmlns:a14="http://schemas.microsoft.com/office/drawing/2010/main" w="9525">
+                <a14:hiddenLine xmlns:a14="http://schemas.microsoft.com/office/drawing/2010/main" xmlns="" w="9525">
                   <a:solidFill>
                     <a:schemeClr val="tx1"/>
                   </a:solidFill>
@@ -3157,7 +3067,7 @@
                 </a14:hiddenLine>
               </a:ext>
               <a:ext uri="{AF507438-7753-43e0-B8FC-AC1667EBCBE1}">
-                <a14:hiddenEffects xmlns="" xmlns:a14="http://schemas.microsoft.com/office/drawing/2010/main">
+                <a14:hiddenEffects xmlns:a14="http://schemas.microsoft.com/office/drawing/2010/main" xmlns="">
                   <a:effectLst>
                     <a:outerShdw blurRad="63500" dist="38099" dir="2700000" algn="ctr" rotWithShape="0">
                       <a:schemeClr val="bg2">
@@ -3202,7 +3112,7 @@
             <a:effectLst/>
             <a:extLst>
               <a:ext uri="{91240B29-F687-4f45-9708-019B960494DF}">
-                <a14:hiddenLine xmlns="" xmlns:a14="http://schemas.microsoft.com/office/drawing/2010/main" w="9525">
+                <a14:hiddenLine xmlns:a14="http://schemas.microsoft.com/office/drawing/2010/main" xmlns="" w="9525">
                   <a:solidFill>
                     <a:schemeClr val="tx1"/>
                   </a:solidFill>
@@ -3212,7 +3122,7 @@
                 </a14:hiddenLine>
               </a:ext>
               <a:ext uri="{AF507438-7753-43e0-B8FC-AC1667EBCBE1}">
-                <a14:hiddenEffects xmlns="" xmlns:a14="http://schemas.microsoft.com/office/drawing/2010/main">
+                <a14:hiddenEffects xmlns:a14="http://schemas.microsoft.com/office/drawing/2010/main" xmlns="">
                   <a:effectLst>
                     <a:outerShdw blurRad="63500" dist="38099" dir="2700000" algn="ctr" rotWithShape="0">
                       <a:schemeClr val="bg2">
@@ -3257,7 +3167,7 @@
             <a:effectLst/>
             <a:extLst>
               <a:ext uri="{91240B29-F687-4f45-9708-019B960494DF}">
-                <a14:hiddenLine xmlns="" xmlns:a14="http://schemas.microsoft.com/office/drawing/2010/main" w="9525">
+                <a14:hiddenLine xmlns:a14="http://schemas.microsoft.com/office/drawing/2010/main" xmlns="" w="9525">
                   <a:solidFill>
                     <a:schemeClr val="tx1"/>
                   </a:solidFill>
@@ -3267,7 +3177,7 @@
                 </a14:hiddenLine>
               </a:ext>
               <a:ext uri="{AF507438-7753-43e0-B8FC-AC1667EBCBE1}">
-                <a14:hiddenEffects xmlns="" xmlns:a14="http://schemas.microsoft.com/office/drawing/2010/main">
+                <a14:hiddenEffects xmlns:a14="http://schemas.microsoft.com/office/drawing/2010/main" xmlns="">
                   <a:effectLst>
                     <a:outerShdw blurRad="63500" dist="38099" dir="2700000" algn="ctr" rotWithShape="0">
                       <a:schemeClr val="bg2">
@@ -3312,7 +3222,7 @@
             <a:effectLst/>
             <a:extLst>
               <a:ext uri="{91240B29-F687-4f45-9708-019B960494DF}">
-                <a14:hiddenLine xmlns="" xmlns:a14="http://schemas.microsoft.com/office/drawing/2010/main" w="9525">
+                <a14:hiddenLine xmlns:a14="http://schemas.microsoft.com/office/drawing/2010/main" xmlns="" w="9525">
                   <a:solidFill>
                     <a:schemeClr val="tx1"/>
                   </a:solidFill>
@@ -3322,7 +3232,7 @@
                 </a14:hiddenLine>
               </a:ext>
               <a:ext uri="{AF507438-7753-43e0-B8FC-AC1667EBCBE1}">
-                <a14:hiddenEffects xmlns="" xmlns:a14="http://schemas.microsoft.com/office/drawing/2010/main">
+                <a14:hiddenEffects xmlns:a14="http://schemas.microsoft.com/office/drawing/2010/main" xmlns="">
                   <a:effectLst>
                     <a:outerShdw blurRad="63500" dist="38099" dir="2700000" algn="ctr" rotWithShape="0">
                       <a:schemeClr val="bg2">
@@ -3367,7 +3277,7 @@
             <a:effectLst/>
             <a:extLst>
               <a:ext uri="{91240B29-F687-4f45-9708-019B960494DF}">
-                <a14:hiddenLine xmlns="" xmlns:a14="http://schemas.microsoft.com/office/drawing/2010/main" w="9525">
+                <a14:hiddenLine xmlns:a14="http://schemas.microsoft.com/office/drawing/2010/main" xmlns="" w="9525">
                   <a:solidFill>
                     <a:schemeClr val="tx1"/>
                   </a:solidFill>
@@ -3377,7 +3287,7 @@
                 </a14:hiddenLine>
               </a:ext>
               <a:ext uri="{AF507438-7753-43e0-B8FC-AC1667EBCBE1}">
-                <a14:hiddenEffects xmlns="" xmlns:a14="http://schemas.microsoft.com/office/drawing/2010/main">
+                <a14:hiddenEffects xmlns:a14="http://schemas.microsoft.com/office/drawing/2010/main" xmlns="">
                   <a:effectLst>
                     <a:outerShdw blurRad="63500" dist="38099" dir="2700000" algn="ctr" rotWithShape="0">
                       <a:schemeClr val="bg2">
@@ -3422,7 +3332,7 @@
             <a:effectLst/>
             <a:extLst>
               <a:ext uri="{91240B29-F687-4f45-9708-019B960494DF}">
-                <a14:hiddenLine xmlns="" xmlns:a14="http://schemas.microsoft.com/office/drawing/2010/main" w="9525">
+                <a14:hiddenLine xmlns:a14="http://schemas.microsoft.com/office/drawing/2010/main" xmlns="" w="9525">
                   <a:solidFill>
                     <a:schemeClr val="tx1"/>
                   </a:solidFill>
@@ -3432,7 +3342,7 @@
                 </a14:hiddenLine>
               </a:ext>
               <a:ext uri="{AF507438-7753-43e0-B8FC-AC1667EBCBE1}">
-                <a14:hiddenEffects xmlns="" xmlns:a14="http://schemas.microsoft.com/office/drawing/2010/main">
+                <a14:hiddenEffects xmlns:a14="http://schemas.microsoft.com/office/drawing/2010/main" xmlns="">
                   <a:effectLst>
                     <a:outerShdw blurRad="63500" dist="38099" dir="2700000" algn="ctr" rotWithShape="0">
                       <a:schemeClr val="bg2">
@@ -3477,7 +3387,7 @@
             <a:effectLst/>
             <a:extLst>
               <a:ext uri="{91240B29-F687-4f45-9708-019B960494DF}">
-                <a14:hiddenLine xmlns="" xmlns:a14="http://schemas.microsoft.com/office/drawing/2010/main" w="9525">
+                <a14:hiddenLine xmlns:a14="http://schemas.microsoft.com/office/drawing/2010/main" xmlns="" w="9525">
                   <a:solidFill>
                     <a:schemeClr val="tx1"/>
                   </a:solidFill>
@@ -3487,7 +3397,7 @@
                 </a14:hiddenLine>
               </a:ext>
               <a:ext uri="{AF507438-7753-43e0-B8FC-AC1667EBCBE1}">
-                <a14:hiddenEffects xmlns="" xmlns:a14="http://schemas.microsoft.com/office/drawing/2010/main">
+                <a14:hiddenEffects xmlns:a14="http://schemas.microsoft.com/office/drawing/2010/main" xmlns="">
                   <a:effectLst>
                     <a:outerShdw blurRad="63500" dist="38099" dir="2700000" algn="ctr" rotWithShape="0">
                       <a:schemeClr val="bg2">
@@ -3532,7 +3442,7 @@
             <a:effectLst/>
             <a:extLst>
               <a:ext uri="{91240B29-F687-4f45-9708-019B960494DF}">
-                <a14:hiddenLine xmlns="" xmlns:a14="http://schemas.microsoft.com/office/drawing/2010/main" w="9525">
+                <a14:hiddenLine xmlns:a14="http://schemas.microsoft.com/office/drawing/2010/main" xmlns="" w="9525">
                   <a:solidFill>
                     <a:schemeClr val="tx1"/>
                   </a:solidFill>
@@ -3542,7 +3452,7 @@
                 </a14:hiddenLine>
               </a:ext>
               <a:ext uri="{AF507438-7753-43e0-B8FC-AC1667EBCBE1}">
-                <a14:hiddenEffects xmlns="" xmlns:a14="http://schemas.microsoft.com/office/drawing/2010/main">
+                <a14:hiddenEffects xmlns:a14="http://schemas.microsoft.com/office/drawing/2010/main" xmlns="">
                   <a:effectLst>
                     <a:outerShdw blurRad="63500" dist="38099" dir="2700000" algn="ctr" rotWithShape="0">
                       <a:schemeClr val="bg2">
@@ -3587,7 +3497,7 @@
             <a:effectLst/>
             <a:extLst>
               <a:ext uri="{91240B29-F687-4f45-9708-019B960494DF}">
-                <a14:hiddenLine xmlns="" xmlns:a14="http://schemas.microsoft.com/office/drawing/2010/main" w="9525">
+                <a14:hiddenLine xmlns:a14="http://schemas.microsoft.com/office/drawing/2010/main" xmlns="" w="9525">
                   <a:solidFill>
                     <a:schemeClr val="tx1"/>
                   </a:solidFill>
@@ -3597,7 +3507,7 @@
                 </a14:hiddenLine>
               </a:ext>
               <a:ext uri="{AF507438-7753-43e0-B8FC-AC1667EBCBE1}">
-                <a14:hiddenEffects xmlns="" xmlns:a14="http://schemas.microsoft.com/office/drawing/2010/main">
+                <a14:hiddenEffects xmlns:a14="http://schemas.microsoft.com/office/drawing/2010/main" xmlns="">
                   <a:effectLst>
                     <a:outerShdw blurRad="63500" dist="38099" dir="2700000" algn="ctr" rotWithShape="0">
                       <a:schemeClr val="bg2">
@@ -3642,7 +3552,7 @@
             <a:effectLst/>
             <a:extLst>
               <a:ext uri="{91240B29-F687-4f45-9708-019B960494DF}">
-                <a14:hiddenLine xmlns="" xmlns:a14="http://schemas.microsoft.com/office/drawing/2010/main" w="9525">
+                <a14:hiddenLine xmlns:a14="http://schemas.microsoft.com/office/drawing/2010/main" xmlns="" w="9525">
                   <a:solidFill>
                     <a:schemeClr val="tx1"/>
                   </a:solidFill>
@@ -3652,7 +3562,7 @@
                 </a14:hiddenLine>
               </a:ext>
               <a:ext uri="{AF507438-7753-43e0-B8FC-AC1667EBCBE1}">
-                <a14:hiddenEffects xmlns="" xmlns:a14="http://schemas.microsoft.com/office/drawing/2010/main">
+                <a14:hiddenEffects xmlns:a14="http://schemas.microsoft.com/office/drawing/2010/main" xmlns="">
                   <a:effectLst>
                     <a:outerShdw blurRad="63500" dist="38099" dir="2700000" algn="ctr" rotWithShape="0">
                       <a:schemeClr val="bg2">
@@ -3697,7 +3607,7 @@
             <a:effectLst/>
             <a:extLst>
               <a:ext uri="{91240B29-F687-4f45-9708-019B960494DF}">
-                <a14:hiddenLine xmlns="" xmlns:a14="http://schemas.microsoft.com/office/drawing/2010/main" w="9525">
+                <a14:hiddenLine xmlns:a14="http://schemas.microsoft.com/office/drawing/2010/main" xmlns="" w="9525">
                   <a:solidFill>
                     <a:schemeClr val="tx1"/>
                   </a:solidFill>
@@ -3707,7 +3617,7 @@
                 </a14:hiddenLine>
               </a:ext>
               <a:ext uri="{AF507438-7753-43e0-B8FC-AC1667EBCBE1}">
-                <a14:hiddenEffects xmlns="" xmlns:a14="http://schemas.microsoft.com/office/drawing/2010/main">
+                <a14:hiddenEffects xmlns:a14="http://schemas.microsoft.com/office/drawing/2010/main" xmlns="">
                   <a:effectLst>
                     <a:outerShdw blurRad="63500" dist="38099" dir="2700000" algn="ctr" rotWithShape="0">
                       <a:schemeClr val="bg2">
@@ -3752,7 +3662,7 @@
             <a:effectLst/>
             <a:extLst>
               <a:ext uri="{91240B29-F687-4f45-9708-019B960494DF}">
-                <a14:hiddenLine xmlns="" xmlns:a14="http://schemas.microsoft.com/office/drawing/2010/main" w="9525">
+                <a14:hiddenLine xmlns:a14="http://schemas.microsoft.com/office/drawing/2010/main" xmlns="" w="9525">
                   <a:solidFill>
                     <a:schemeClr val="tx1"/>
                   </a:solidFill>
@@ -3762,7 +3672,7 @@
                 </a14:hiddenLine>
               </a:ext>
               <a:ext uri="{AF507438-7753-43e0-B8FC-AC1667EBCBE1}">
-                <a14:hiddenEffects xmlns="" xmlns:a14="http://schemas.microsoft.com/office/drawing/2010/main">
+                <a14:hiddenEffects xmlns:a14="http://schemas.microsoft.com/office/drawing/2010/main" xmlns="">
                   <a:effectLst>
                     <a:outerShdw blurRad="63500" dist="38099" dir="2700000" algn="ctr" rotWithShape="0">
                       <a:schemeClr val="bg2">
@@ -3807,7 +3717,7 @@
             <a:effectLst/>
             <a:extLst>
               <a:ext uri="{91240B29-F687-4f45-9708-019B960494DF}">
-                <a14:hiddenLine xmlns="" xmlns:a14="http://schemas.microsoft.com/office/drawing/2010/main" w="9525">
+                <a14:hiddenLine xmlns:a14="http://schemas.microsoft.com/office/drawing/2010/main" xmlns="" w="9525">
                   <a:solidFill>
                     <a:schemeClr val="tx1"/>
                   </a:solidFill>
@@ -3817,7 +3727,7 @@
                 </a14:hiddenLine>
               </a:ext>
               <a:ext uri="{AF507438-7753-43e0-B8FC-AC1667EBCBE1}">
-                <a14:hiddenEffects xmlns="" xmlns:a14="http://schemas.microsoft.com/office/drawing/2010/main">
+                <a14:hiddenEffects xmlns:a14="http://schemas.microsoft.com/office/drawing/2010/main" xmlns="">
                   <a:effectLst>
                     <a:outerShdw blurRad="63500" dist="38099" dir="2700000" algn="ctr" rotWithShape="0">
                       <a:schemeClr val="bg2">
@@ -3862,7 +3772,7 @@
             <a:effectLst/>
             <a:extLst>
               <a:ext uri="{91240B29-F687-4f45-9708-019B960494DF}">
-                <a14:hiddenLine xmlns="" xmlns:a14="http://schemas.microsoft.com/office/drawing/2010/main" w="9525">
+                <a14:hiddenLine xmlns:a14="http://schemas.microsoft.com/office/drawing/2010/main" xmlns="" w="9525">
                   <a:solidFill>
                     <a:schemeClr val="tx1"/>
                   </a:solidFill>
@@ -3872,7 +3782,7 @@
                 </a14:hiddenLine>
               </a:ext>
               <a:ext uri="{AF507438-7753-43e0-B8FC-AC1667EBCBE1}">
-                <a14:hiddenEffects xmlns="" xmlns:a14="http://schemas.microsoft.com/office/drawing/2010/main">
+                <a14:hiddenEffects xmlns:a14="http://schemas.microsoft.com/office/drawing/2010/main" xmlns="">
                   <a:effectLst>
                     <a:outerShdw blurRad="63500" dist="38099" dir="2700000" algn="ctr" rotWithShape="0">
                       <a:schemeClr val="bg2">
@@ -3917,7 +3827,7 @@
             <a:effectLst/>
             <a:extLst>
               <a:ext uri="{91240B29-F687-4f45-9708-019B960494DF}">
-                <a14:hiddenLine xmlns="" xmlns:a14="http://schemas.microsoft.com/office/drawing/2010/main" w="9525">
+                <a14:hiddenLine xmlns:a14="http://schemas.microsoft.com/office/drawing/2010/main" xmlns="" w="9525">
                   <a:solidFill>
                     <a:schemeClr val="tx1"/>
                   </a:solidFill>
@@ -3927,7 +3837,7 @@
                 </a14:hiddenLine>
               </a:ext>
               <a:ext uri="{AF507438-7753-43e0-B8FC-AC1667EBCBE1}">
-                <a14:hiddenEffects xmlns="" xmlns:a14="http://schemas.microsoft.com/office/drawing/2010/main">
+                <a14:hiddenEffects xmlns:a14="http://schemas.microsoft.com/office/drawing/2010/main" xmlns="">
                   <a:effectLst>
                     <a:outerShdw blurRad="63500" dist="38099" dir="2700000" algn="ctr" rotWithShape="0">
                       <a:schemeClr val="bg2">
@@ -3972,7 +3882,7 @@
             <a:effectLst/>
             <a:extLst>
               <a:ext uri="{91240B29-F687-4f45-9708-019B960494DF}">
-                <a14:hiddenLine xmlns="" xmlns:a14="http://schemas.microsoft.com/office/drawing/2010/main" w="9525">
+                <a14:hiddenLine xmlns:a14="http://schemas.microsoft.com/office/drawing/2010/main" xmlns="" w="9525">
                   <a:solidFill>
                     <a:schemeClr val="tx1"/>
                   </a:solidFill>
@@ -3982,7 +3892,7 @@
                 </a14:hiddenLine>
               </a:ext>
               <a:ext uri="{AF507438-7753-43e0-B8FC-AC1667EBCBE1}">
-                <a14:hiddenEffects xmlns="" xmlns:a14="http://schemas.microsoft.com/office/drawing/2010/main">
+                <a14:hiddenEffects xmlns:a14="http://schemas.microsoft.com/office/drawing/2010/main" xmlns="">
                   <a:effectLst>
                     <a:outerShdw blurRad="63500" dist="38099" dir="2700000" algn="ctr" rotWithShape="0">
                       <a:schemeClr val="bg2">
@@ -4027,7 +3937,7 @@
             <a:effectLst/>
             <a:extLst>
               <a:ext uri="{91240B29-F687-4f45-9708-019B960494DF}">
-                <a14:hiddenLine xmlns="" xmlns:a14="http://schemas.microsoft.com/office/drawing/2010/main" w="9525">
+                <a14:hiddenLine xmlns:a14="http://schemas.microsoft.com/office/drawing/2010/main" xmlns="" w="9525">
                   <a:solidFill>
                     <a:schemeClr val="tx1"/>
                   </a:solidFill>
@@ -4037,7 +3947,7 @@
                 </a14:hiddenLine>
               </a:ext>
               <a:ext uri="{AF507438-7753-43e0-B8FC-AC1667EBCBE1}">
-                <a14:hiddenEffects xmlns="" xmlns:a14="http://schemas.microsoft.com/office/drawing/2010/main">
+                <a14:hiddenEffects xmlns:a14="http://schemas.microsoft.com/office/drawing/2010/main" xmlns="">
                   <a:effectLst>
                     <a:outerShdw blurRad="63500" dist="38099" dir="2700000" algn="ctr" rotWithShape="0">
                       <a:schemeClr val="bg2">
@@ -4082,7 +3992,7 @@
             <a:effectLst/>
             <a:extLst>
               <a:ext uri="{91240B29-F687-4f45-9708-019B960494DF}">
-                <a14:hiddenLine xmlns="" xmlns:a14="http://schemas.microsoft.com/office/drawing/2010/main" w="9525">
+                <a14:hiddenLine xmlns:a14="http://schemas.microsoft.com/office/drawing/2010/main" xmlns="" w="9525">
                   <a:solidFill>
                     <a:schemeClr val="tx1"/>
                   </a:solidFill>
@@ -4092,7 +4002,7 @@
                 </a14:hiddenLine>
               </a:ext>
               <a:ext uri="{AF507438-7753-43e0-B8FC-AC1667EBCBE1}">
-                <a14:hiddenEffects xmlns="" xmlns:a14="http://schemas.microsoft.com/office/drawing/2010/main">
+                <a14:hiddenEffects xmlns:a14="http://schemas.microsoft.com/office/drawing/2010/main" xmlns="">
                   <a:effectLst>
                     <a:outerShdw blurRad="63500" dist="38099" dir="2700000" algn="ctr" rotWithShape="0">
                       <a:schemeClr val="bg2">
@@ -4137,7 +4047,7 @@
             <a:effectLst/>
             <a:extLst>
               <a:ext uri="{91240B29-F687-4f45-9708-019B960494DF}">
-                <a14:hiddenLine xmlns="" xmlns:a14="http://schemas.microsoft.com/office/drawing/2010/main" w="9525">
+                <a14:hiddenLine xmlns:a14="http://schemas.microsoft.com/office/drawing/2010/main" xmlns="" w="9525">
                   <a:solidFill>
                     <a:schemeClr val="tx1"/>
                   </a:solidFill>
@@ -4147,7 +4057,7 @@
                 </a14:hiddenLine>
               </a:ext>
               <a:ext uri="{AF507438-7753-43e0-B8FC-AC1667EBCBE1}">
-                <a14:hiddenEffects xmlns="" xmlns:a14="http://schemas.microsoft.com/office/drawing/2010/main">
+                <a14:hiddenEffects xmlns:a14="http://schemas.microsoft.com/office/drawing/2010/main" xmlns="">
                   <a:effectLst>
                     <a:outerShdw blurRad="63500" dist="38099" dir="2700000" algn="ctr" rotWithShape="0">
                       <a:schemeClr val="bg2">
@@ -4192,7 +4102,7 @@
             <a:effectLst/>
             <a:extLst>
               <a:ext uri="{91240B29-F687-4f45-9708-019B960494DF}">
-                <a14:hiddenLine xmlns="" xmlns:a14="http://schemas.microsoft.com/office/drawing/2010/main" w="9525">
+                <a14:hiddenLine xmlns:a14="http://schemas.microsoft.com/office/drawing/2010/main" xmlns="" w="9525">
                   <a:solidFill>
                     <a:schemeClr val="tx1"/>
                   </a:solidFill>
@@ -4202,7 +4112,7 @@
                 </a14:hiddenLine>
               </a:ext>
               <a:ext uri="{AF507438-7753-43e0-B8FC-AC1667EBCBE1}">
-                <a14:hiddenEffects xmlns="" xmlns:a14="http://schemas.microsoft.com/office/drawing/2010/main">
+                <a14:hiddenEffects xmlns:a14="http://schemas.microsoft.com/office/drawing/2010/main" xmlns="">
                   <a:effectLst>
                     <a:outerShdw blurRad="63500" dist="38099" dir="2700000" algn="ctr" rotWithShape="0">
                       <a:schemeClr val="bg2">
@@ -4247,7 +4157,7 @@
             <a:effectLst/>
             <a:extLst>
               <a:ext uri="{91240B29-F687-4f45-9708-019B960494DF}">
-                <a14:hiddenLine xmlns="" xmlns:a14="http://schemas.microsoft.com/office/drawing/2010/main" w="9525">
+                <a14:hiddenLine xmlns:a14="http://schemas.microsoft.com/office/drawing/2010/main" xmlns="" w="9525">
                   <a:solidFill>
                     <a:schemeClr val="tx1"/>
                   </a:solidFill>
@@ -4257,7 +4167,7 @@
                 </a14:hiddenLine>
               </a:ext>
               <a:ext uri="{AF507438-7753-43e0-B8FC-AC1667EBCBE1}">
-                <a14:hiddenEffects xmlns="" xmlns:a14="http://schemas.microsoft.com/office/drawing/2010/main">
+                <a14:hiddenEffects xmlns:a14="http://schemas.microsoft.com/office/drawing/2010/main" xmlns="">
                   <a:effectLst>
                     <a:outerShdw blurRad="63500" dist="38099" dir="2700000" algn="ctr" rotWithShape="0">
                       <a:schemeClr val="bg2">
@@ -4302,7 +4212,7 @@
             <a:effectLst/>
             <a:extLst>
               <a:ext uri="{91240B29-F687-4f45-9708-019B960494DF}">
-                <a14:hiddenLine xmlns="" xmlns:a14="http://schemas.microsoft.com/office/drawing/2010/main" w="9525">
+                <a14:hiddenLine xmlns:a14="http://schemas.microsoft.com/office/drawing/2010/main" xmlns="" w="9525">
                   <a:solidFill>
                     <a:schemeClr val="tx1"/>
                   </a:solidFill>
@@ -4312,7 +4222,7 @@
                 </a14:hiddenLine>
               </a:ext>
               <a:ext uri="{AF507438-7753-43e0-B8FC-AC1667EBCBE1}">
-                <a14:hiddenEffects xmlns="" xmlns:a14="http://schemas.microsoft.com/office/drawing/2010/main">
+                <a14:hiddenEffects xmlns:a14="http://schemas.microsoft.com/office/drawing/2010/main" xmlns="">
                   <a:effectLst>
                     <a:outerShdw blurRad="63500" dist="38099" dir="2700000" algn="ctr" rotWithShape="0">
                       <a:schemeClr val="bg2">
@@ -4357,7 +4267,7 @@
             <a:effectLst/>
             <a:extLst>
               <a:ext uri="{91240B29-F687-4f45-9708-019B960494DF}">
-                <a14:hiddenLine xmlns="" xmlns:a14="http://schemas.microsoft.com/office/drawing/2010/main" w="9525">
+                <a14:hiddenLine xmlns:a14="http://schemas.microsoft.com/office/drawing/2010/main" xmlns="" w="9525">
                   <a:solidFill>
                     <a:schemeClr val="tx1"/>
                   </a:solidFill>
@@ -4367,7 +4277,7 @@
                 </a14:hiddenLine>
               </a:ext>
               <a:ext uri="{AF507438-7753-43e0-B8FC-AC1667EBCBE1}">
-                <a14:hiddenEffects xmlns="" xmlns:a14="http://schemas.microsoft.com/office/drawing/2010/main">
+                <a14:hiddenEffects xmlns:a14="http://schemas.microsoft.com/office/drawing/2010/main" xmlns="">
                   <a:effectLst>
                     <a:outerShdw blurRad="63500" dist="38099" dir="2700000" algn="ctr" rotWithShape="0">
                       <a:schemeClr val="bg2">
@@ -4412,7 +4322,7 @@
             <a:effectLst/>
             <a:extLst>
               <a:ext uri="{91240B29-F687-4f45-9708-019B960494DF}">
-                <a14:hiddenLine xmlns="" xmlns:a14="http://schemas.microsoft.com/office/drawing/2010/main" w="9525">
+                <a14:hiddenLine xmlns:a14="http://schemas.microsoft.com/office/drawing/2010/main" xmlns="" w="9525">
                   <a:solidFill>
                     <a:schemeClr val="tx1"/>
                   </a:solidFill>
@@ -4422,7 +4332,7 @@
                 </a14:hiddenLine>
               </a:ext>
               <a:ext uri="{AF507438-7753-43e0-B8FC-AC1667EBCBE1}">
-                <a14:hiddenEffects xmlns="" xmlns:a14="http://schemas.microsoft.com/office/drawing/2010/main">
+                <a14:hiddenEffects xmlns:a14="http://schemas.microsoft.com/office/drawing/2010/main" xmlns="">
                   <a:effectLst>
                     <a:outerShdw blurRad="63500" dist="38099" dir="2700000" algn="ctr" rotWithShape="0">
                       <a:schemeClr val="bg2">
@@ -4471,12 +4381,12 @@
           <a:effectLst/>
           <a:extLst>
             <a:ext uri="{909E8E84-426E-40dd-AFC4-6F175D3DCCD1}">
-              <a14:hiddenFill xmlns="" xmlns:a14="http://schemas.microsoft.com/office/drawing/2010/main">
+              <a14:hiddenFill xmlns:a14="http://schemas.microsoft.com/office/drawing/2010/main" xmlns="">
                 <a:noFill/>
               </a14:hiddenFill>
             </a:ext>
             <a:ext uri="{AF507438-7753-43e0-B8FC-AC1667EBCBE1}">
-              <a14:hiddenEffects xmlns="" xmlns:a14="http://schemas.microsoft.com/office/drawing/2010/main">
+              <a14:hiddenEffects xmlns:a14="http://schemas.microsoft.com/office/drawing/2010/main" xmlns="">
                 <a:effectLst>
                   <a:outerShdw blurRad="63500" dist="38099" dir="2700000" algn="ctr" rotWithShape="0">
                     <a:schemeClr val="bg2">
@@ -6800,12 +6710,12 @@
           <a:effectLst/>
           <a:extLst>
             <a:ext uri="{909E8E84-426E-40dd-AFC4-6F175D3DCCD1}">
-              <a14:hiddenFill xmlns="" xmlns:a14="http://schemas.microsoft.com/office/drawing/2010/main">
+              <a14:hiddenFill xmlns:a14="http://schemas.microsoft.com/office/drawing/2010/main" xmlns="">
                 <a:noFill/>
               </a14:hiddenFill>
             </a:ext>
             <a:ext uri="{AF507438-7753-43e0-B8FC-AC1667EBCBE1}">
-              <a14:hiddenEffects xmlns="" xmlns:a14="http://schemas.microsoft.com/office/drawing/2010/main">
+              <a14:hiddenEffects xmlns:a14="http://schemas.microsoft.com/office/drawing/2010/main" xmlns="">
                 <a:effectLst>
                   <a:outerShdw blurRad="63500" dist="38099" dir="2700000" algn="ctr" rotWithShape="0">
                     <a:schemeClr val="bg2">
@@ -6850,17 +6760,17 @@
           <a:effectLst/>
           <a:extLst>
             <a:ext uri="{FAA26D3D-D897-4be2-8F04-BA451C77F1D7}">
-              <ma14:placeholderFlag xmlns:ma14="http://schemas.microsoft.com/office/mac/drawingml/2011/main" xmlns="" val="1"/>
+              <ma14:placeholderFlag xmlns="" xmlns:ma14="http://schemas.microsoft.com/office/mac/drawingml/2011/main" val="1"/>
             </a:ext>
             <a:ext uri="{909E8E84-426E-40dd-AFC4-6F175D3DCCD1}">
-              <a14:hiddenFill xmlns="" xmlns:a14="http://schemas.microsoft.com/office/drawing/2010/main">
+              <a14:hiddenFill xmlns:a14="http://schemas.microsoft.com/office/drawing/2010/main" xmlns="">
                 <a:solidFill>
                   <a:schemeClr val="accent1"/>
                 </a:solidFill>
               </a14:hiddenFill>
             </a:ext>
             <a:ext uri="{91240B29-F687-4f45-9708-019B960494DF}">
-              <a14:hiddenLine xmlns="" xmlns:a14="http://schemas.microsoft.com/office/drawing/2010/main" w="9525">
+              <a14:hiddenLine xmlns:a14="http://schemas.microsoft.com/office/drawing/2010/main" xmlns="" w="9525">
                 <a:solidFill>
                   <a:schemeClr val="tx1"/>
                 </a:solidFill>
@@ -6870,7 +6780,7 @@
               </a14:hiddenLine>
             </a:ext>
             <a:ext uri="{AF507438-7753-43e0-B8FC-AC1667EBCBE1}">
-              <a14:hiddenEffects xmlns="" xmlns:a14="http://schemas.microsoft.com/office/drawing/2010/main">
+              <a14:hiddenEffects xmlns:a14="http://schemas.microsoft.com/office/drawing/2010/main" xmlns="">
                 <a:effectLst>
                   <a:outerShdw blurRad="63500" dist="38099" dir="2700000" algn="ctr" rotWithShape="0">
                     <a:schemeClr val="bg2">
@@ -6923,17 +6833,17 @@
           <a:effectLst/>
           <a:extLst>
             <a:ext uri="{FAA26D3D-D897-4be2-8F04-BA451C77F1D7}">
-              <ma14:placeholderFlag xmlns:ma14="http://schemas.microsoft.com/office/mac/drawingml/2011/main" xmlns="" val="1"/>
+              <ma14:placeholderFlag xmlns="" xmlns:ma14="http://schemas.microsoft.com/office/mac/drawingml/2011/main" val="1"/>
             </a:ext>
             <a:ext uri="{909E8E84-426E-40dd-AFC4-6F175D3DCCD1}">
-              <a14:hiddenFill xmlns="" xmlns:a14="http://schemas.microsoft.com/office/drawing/2010/main">
+              <a14:hiddenFill xmlns:a14="http://schemas.microsoft.com/office/drawing/2010/main" xmlns="">
                 <a:solidFill>
                   <a:schemeClr val="accent1"/>
                 </a:solidFill>
               </a14:hiddenFill>
             </a:ext>
             <a:ext uri="{91240B29-F687-4f45-9708-019B960494DF}">
-              <a14:hiddenLine xmlns="" xmlns:a14="http://schemas.microsoft.com/office/drawing/2010/main" w="9525">
+              <a14:hiddenLine xmlns:a14="http://schemas.microsoft.com/office/drawing/2010/main" xmlns="" w="9525">
                 <a:solidFill>
                   <a:schemeClr val="tx1"/>
                 </a:solidFill>
@@ -6943,7 +6853,7 @@
               </a14:hiddenLine>
             </a:ext>
             <a:ext uri="{AF507438-7753-43e0-B8FC-AC1667EBCBE1}">
-              <a14:hiddenEffects xmlns="" xmlns:a14="http://schemas.microsoft.com/office/drawing/2010/main">
+              <a14:hiddenEffects xmlns:a14="http://schemas.microsoft.com/office/drawing/2010/main" xmlns="">
                 <a:effectLst>
                   <a:outerShdw blurRad="63500" dist="38099" dir="2700000" algn="ctr" rotWithShape="0">
                     <a:schemeClr val="bg2">
@@ -7024,17 +6934,17 @@
           <a:effectLst/>
           <a:extLst>
             <a:ext uri="{FAA26D3D-D897-4be2-8F04-BA451C77F1D7}">
-              <ma14:placeholderFlag xmlns:ma14="http://schemas.microsoft.com/office/mac/drawingml/2011/main" xmlns="" val="1"/>
+              <ma14:placeholderFlag xmlns="" xmlns:ma14="http://schemas.microsoft.com/office/mac/drawingml/2011/main" val="1"/>
             </a:ext>
             <a:ext uri="{909E8E84-426E-40dd-AFC4-6F175D3DCCD1}">
-              <a14:hiddenFill xmlns="" xmlns:a14="http://schemas.microsoft.com/office/drawing/2010/main">
+              <a14:hiddenFill xmlns:a14="http://schemas.microsoft.com/office/drawing/2010/main" xmlns="">
                 <a:solidFill>
                   <a:schemeClr val="accent1"/>
                 </a:solidFill>
               </a14:hiddenFill>
             </a:ext>
             <a:ext uri="{91240B29-F687-4f45-9708-019B960494DF}">
-              <a14:hiddenLine xmlns="" xmlns:a14="http://schemas.microsoft.com/office/drawing/2010/main" w="9525">
+              <a14:hiddenLine xmlns:a14="http://schemas.microsoft.com/office/drawing/2010/main" xmlns="" w="9525">
                 <a:solidFill>
                   <a:schemeClr val="tx1"/>
                 </a:solidFill>
@@ -7044,7 +6954,7 @@
               </a14:hiddenLine>
             </a:ext>
             <a:ext uri="{AF507438-7753-43e0-B8FC-AC1667EBCBE1}">
-              <a14:hiddenEffects xmlns="" xmlns:a14="http://schemas.microsoft.com/office/drawing/2010/main">
+              <a14:hiddenEffects xmlns:a14="http://schemas.microsoft.com/office/drawing/2010/main" xmlns="">
                 <a:effectLst>
                   <a:outerShdw blurRad="63500" dist="38099" dir="2700000" algn="ctr" rotWithShape="0">
                     <a:schemeClr val="bg2">
@@ -7097,17 +7007,17 @@
           <a:effectLst/>
           <a:extLst>
             <a:ext uri="{FAA26D3D-D897-4be2-8F04-BA451C77F1D7}">
-              <ma14:placeholderFlag xmlns:ma14="http://schemas.microsoft.com/office/mac/drawingml/2011/main" xmlns="" val="1"/>
+              <ma14:placeholderFlag xmlns="" xmlns:ma14="http://schemas.microsoft.com/office/mac/drawingml/2011/main" val="1"/>
             </a:ext>
             <a:ext uri="{909E8E84-426E-40dd-AFC4-6F175D3DCCD1}">
-              <a14:hiddenFill xmlns="" xmlns:a14="http://schemas.microsoft.com/office/drawing/2010/main">
+              <a14:hiddenFill xmlns:a14="http://schemas.microsoft.com/office/drawing/2010/main" xmlns="">
                 <a:solidFill>
                   <a:schemeClr val="accent1"/>
                 </a:solidFill>
               </a14:hiddenFill>
             </a:ext>
             <a:ext uri="{91240B29-F687-4f45-9708-019B960494DF}">
-              <a14:hiddenLine xmlns="" xmlns:a14="http://schemas.microsoft.com/office/drawing/2010/main" w="9525">
+              <a14:hiddenLine xmlns:a14="http://schemas.microsoft.com/office/drawing/2010/main" xmlns="" w="9525">
                 <a:solidFill>
                   <a:schemeClr val="tx1"/>
                 </a:solidFill>
@@ -7117,7 +7027,7 @@
               </a14:hiddenLine>
             </a:ext>
             <a:ext uri="{AF507438-7753-43e0-B8FC-AC1667EBCBE1}">
-              <a14:hiddenEffects xmlns="" xmlns:a14="http://schemas.microsoft.com/office/drawing/2010/main">
+              <a14:hiddenEffects xmlns:a14="http://schemas.microsoft.com/office/drawing/2010/main" xmlns="">
                 <a:effectLst>
                   <a:outerShdw blurRad="63500" dist="38099" dir="2700000" algn="ctr" rotWithShape="0">
                     <a:schemeClr val="bg2">
@@ -7170,17 +7080,17 @@
           <a:effectLst/>
           <a:extLst>
             <a:ext uri="{FAA26D3D-D897-4be2-8F04-BA451C77F1D7}">
-              <ma14:placeholderFlag xmlns:ma14="http://schemas.microsoft.com/office/mac/drawingml/2011/main" xmlns="" val="1"/>
+              <ma14:placeholderFlag xmlns="" xmlns:ma14="http://schemas.microsoft.com/office/mac/drawingml/2011/main" val="1"/>
             </a:ext>
             <a:ext uri="{909E8E84-426E-40dd-AFC4-6F175D3DCCD1}">
-              <a14:hiddenFill xmlns="" xmlns:a14="http://schemas.microsoft.com/office/drawing/2010/main">
+              <a14:hiddenFill xmlns:a14="http://schemas.microsoft.com/office/drawing/2010/main" xmlns="">
                 <a:solidFill>
                   <a:schemeClr val="accent1"/>
                 </a:solidFill>
               </a14:hiddenFill>
             </a:ext>
             <a:ext uri="{91240B29-F687-4f45-9708-019B960494DF}">
-              <a14:hiddenLine xmlns="" xmlns:a14="http://schemas.microsoft.com/office/drawing/2010/main" w="9525">
+              <a14:hiddenLine xmlns:a14="http://schemas.microsoft.com/office/drawing/2010/main" xmlns="" w="9525">
                 <a:solidFill>
                   <a:schemeClr val="tx1"/>
                 </a:solidFill>
@@ -7190,7 +7100,7 @@
               </a14:hiddenLine>
             </a:ext>
             <a:ext uri="{AF507438-7753-43e0-B8FC-AC1667EBCBE1}">
-              <a14:hiddenEffects xmlns="" xmlns:a14="http://schemas.microsoft.com/office/drawing/2010/main">
+              <a14:hiddenEffects xmlns:a14="http://schemas.microsoft.com/office/drawing/2010/main" xmlns="">
                 <a:effectLst>
                   <a:outerShdw blurRad="63500" dist="38099" dir="2700000" algn="ctr" rotWithShape="0">
                     <a:schemeClr val="bg2">
@@ -7264,7 +7174,7 @@
             <a:effectLst/>
             <a:extLst>
               <a:ext uri="{91240B29-F687-4f45-9708-019B960494DF}">
-                <a14:hiddenLine xmlns="" xmlns:a14="http://schemas.microsoft.com/office/drawing/2010/main" w="9525">
+                <a14:hiddenLine xmlns:a14="http://schemas.microsoft.com/office/drawing/2010/main" xmlns="" w="9525">
                   <a:solidFill>
                     <a:schemeClr val="tx1"/>
                   </a:solidFill>
@@ -7274,7 +7184,7 @@
                 </a14:hiddenLine>
               </a:ext>
               <a:ext uri="{AF507438-7753-43e0-B8FC-AC1667EBCBE1}">
-                <a14:hiddenEffects xmlns="" xmlns:a14="http://schemas.microsoft.com/office/drawing/2010/main">
+                <a14:hiddenEffects xmlns:a14="http://schemas.microsoft.com/office/drawing/2010/main" xmlns="">
                   <a:effectLst>
                     <a:outerShdw blurRad="63500" dist="38099" dir="2700000" algn="ctr" rotWithShape="0">
                       <a:schemeClr val="bg2">
@@ -7319,7 +7229,7 @@
             <a:effectLst/>
             <a:extLst>
               <a:ext uri="{91240B29-F687-4f45-9708-019B960494DF}">
-                <a14:hiddenLine xmlns="" xmlns:a14="http://schemas.microsoft.com/office/drawing/2010/main" w="9525">
+                <a14:hiddenLine xmlns:a14="http://schemas.microsoft.com/office/drawing/2010/main" xmlns="" w="9525">
                   <a:solidFill>
                     <a:schemeClr val="tx1"/>
                   </a:solidFill>
@@ -7329,7 +7239,7 @@
                 </a14:hiddenLine>
               </a:ext>
               <a:ext uri="{AF507438-7753-43e0-B8FC-AC1667EBCBE1}">
-                <a14:hiddenEffects xmlns="" xmlns:a14="http://schemas.microsoft.com/office/drawing/2010/main">
+                <a14:hiddenEffects xmlns:a14="http://schemas.microsoft.com/office/drawing/2010/main" xmlns="">
                   <a:effectLst>
                     <a:outerShdw blurRad="63500" dist="38099" dir="2700000" algn="ctr" rotWithShape="0">
                       <a:schemeClr val="bg2">
@@ -7374,7 +7284,7 @@
             <a:effectLst/>
             <a:extLst>
               <a:ext uri="{91240B29-F687-4f45-9708-019B960494DF}">
-                <a14:hiddenLine xmlns="" xmlns:a14="http://schemas.microsoft.com/office/drawing/2010/main" w="9525">
+                <a14:hiddenLine xmlns:a14="http://schemas.microsoft.com/office/drawing/2010/main" xmlns="" w="9525">
                   <a:solidFill>
                     <a:schemeClr val="tx1"/>
                   </a:solidFill>
@@ -7384,7 +7294,7 @@
                 </a14:hiddenLine>
               </a:ext>
               <a:ext uri="{AF507438-7753-43e0-B8FC-AC1667EBCBE1}">
-                <a14:hiddenEffects xmlns="" xmlns:a14="http://schemas.microsoft.com/office/drawing/2010/main">
+                <a14:hiddenEffects xmlns:a14="http://schemas.microsoft.com/office/drawing/2010/main" xmlns="">
                   <a:effectLst>
                     <a:outerShdw blurRad="63500" dist="38099" dir="2700000" algn="ctr" rotWithShape="0">
                       <a:schemeClr val="bg2">
@@ -7429,7 +7339,7 @@
             <a:effectLst/>
             <a:extLst>
               <a:ext uri="{91240B29-F687-4f45-9708-019B960494DF}">
-                <a14:hiddenLine xmlns="" xmlns:a14="http://schemas.microsoft.com/office/drawing/2010/main" w="9525">
+                <a14:hiddenLine xmlns:a14="http://schemas.microsoft.com/office/drawing/2010/main" xmlns="" w="9525">
                   <a:solidFill>
                     <a:schemeClr val="tx1"/>
                   </a:solidFill>
@@ -7439,7 +7349,7 @@
                 </a14:hiddenLine>
               </a:ext>
               <a:ext uri="{AF507438-7753-43e0-B8FC-AC1667EBCBE1}">
-                <a14:hiddenEffects xmlns="" xmlns:a14="http://schemas.microsoft.com/office/drawing/2010/main">
+                <a14:hiddenEffects xmlns:a14="http://schemas.microsoft.com/office/drawing/2010/main" xmlns="">
                   <a:effectLst>
                     <a:outerShdw blurRad="63500" dist="38099" dir="2700000" algn="ctr" rotWithShape="0">
                       <a:schemeClr val="bg2">
@@ -7484,7 +7394,7 @@
             <a:effectLst/>
             <a:extLst>
               <a:ext uri="{91240B29-F687-4f45-9708-019B960494DF}">
-                <a14:hiddenLine xmlns="" xmlns:a14="http://schemas.microsoft.com/office/drawing/2010/main" w="9525">
+                <a14:hiddenLine xmlns:a14="http://schemas.microsoft.com/office/drawing/2010/main" xmlns="" w="9525">
                   <a:solidFill>
                     <a:schemeClr val="tx1"/>
                   </a:solidFill>
@@ -7494,7 +7404,7 @@
                 </a14:hiddenLine>
               </a:ext>
               <a:ext uri="{AF507438-7753-43e0-B8FC-AC1667EBCBE1}">
-                <a14:hiddenEffects xmlns="" xmlns:a14="http://schemas.microsoft.com/office/drawing/2010/main">
+                <a14:hiddenEffects xmlns:a14="http://schemas.microsoft.com/office/drawing/2010/main" xmlns="">
                   <a:effectLst>
                     <a:outerShdw blurRad="63500" dist="38099" dir="2700000" algn="ctr" rotWithShape="0">
                       <a:schemeClr val="bg2">
@@ -7539,7 +7449,7 @@
             <a:effectLst/>
             <a:extLst>
               <a:ext uri="{91240B29-F687-4f45-9708-019B960494DF}">
-                <a14:hiddenLine xmlns="" xmlns:a14="http://schemas.microsoft.com/office/drawing/2010/main" w="9525">
+                <a14:hiddenLine xmlns:a14="http://schemas.microsoft.com/office/drawing/2010/main" xmlns="" w="9525">
                   <a:solidFill>
                     <a:schemeClr val="tx1"/>
                   </a:solidFill>
@@ -7549,7 +7459,7 @@
                 </a14:hiddenLine>
               </a:ext>
               <a:ext uri="{AF507438-7753-43e0-B8FC-AC1667EBCBE1}">
-                <a14:hiddenEffects xmlns="" xmlns:a14="http://schemas.microsoft.com/office/drawing/2010/main">
+                <a14:hiddenEffects xmlns:a14="http://schemas.microsoft.com/office/drawing/2010/main" xmlns="">
                   <a:effectLst>
                     <a:outerShdw blurRad="63500" dist="38099" dir="2700000" algn="ctr" rotWithShape="0">
                       <a:schemeClr val="bg2">
@@ -7594,7 +7504,7 @@
             <a:effectLst/>
             <a:extLst>
               <a:ext uri="{91240B29-F687-4f45-9708-019B960494DF}">
-                <a14:hiddenLine xmlns="" xmlns:a14="http://schemas.microsoft.com/office/drawing/2010/main" w="9525">
+                <a14:hiddenLine xmlns:a14="http://schemas.microsoft.com/office/drawing/2010/main" xmlns="" w="9525">
                   <a:solidFill>
                     <a:schemeClr val="tx1"/>
                   </a:solidFill>
@@ -7604,7 +7514,7 @@
                 </a14:hiddenLine>
               </a:ext>
               <a:ext uri="{AF507438-7753-43e0-B8FC-AC1667EBCBE1}">
-                <a14:hiddenEffects xmlns="" xmlns:a14="http://schemas.microsoft.com/office/drawing/2010/main">
+                <a14:hiddenEffects xmlns:a14="http://schemas.microsoft.com/office/drawing/2010/main" xmlns="">
                   <a:effectLst>
                     <a:outerShdw blurRad="63500" dist="38099" dir="2700000" algn="ctr" rotWithShape="0">
                       <a:schemeClr val="bg2">
@@ -7649,7 +7559,7 @@
             <a:effectLst/>
             <a:extLst>
               <a:ext uri="{91240B29-F687-4f45-9708-019B960494DF}">
-                <a14:hiddenLine xmlns="" xmlns:a14="http://schemas.microsoft.com/office/drawing/2010/main" w="9525">
+                <a14:hiddenLine xmlns:a14="http://schemas.microsoft.com/office/drawing/2010/main" xmlns="" w="9525">
                   <a:solidFill>
                     <a:schemeClr val="tx1"/>
                   </a:solidFill>
@@ -7659,7 +7569,7 @@
                 </a14:hiddenLine>
               </a:ext>
               <a:ext uri="{AF507438-7753-43e0-B8FC-AC1667EBCBE1}">
-                <a14:hiddenEffects xmlns="" xmlns:a14="http://schemas.microsoft.com/office/drawing/2010/main">
+                <a14:hiddenEffects xmlns:a14="http://schemas.microsoft.com/office/drawing/2010/main" xmlns="">
                   <a:effectLst>
                     <a:outerShdw blurRad="63500" dist="38099" dir="2700000" algn="ctr" rotWithShape="0">
                       <a:schemeClr val="bg2">
@@ -7704,7 +7614,7 @@
             <a:effectLst/>
             <a:extLst>
               <a:ext uri="{91240B29-F687-4f45-9708-019B960494DF}">
-                <a14:hiddenLine xmlns="" xmlns:a14="http://schemas.microsoft.com/office/drawing/2010/main" w="9525">
+                <a14:hiddenLine xmlns:a14="http://schemas.microsoft.com/office/drawing/2010/main" xmlns="" w="9525">
                   <a:solidFill>
                     <a:schemeClr val="tx1"/>
                   </a:solidFill>
@@ -7714,7 +7624,7 @@
                 </a14:hiddenLine>
               </a:ext>
               <a:ext uri="{AF507438-7753-43e0-B8FC-AC1667EBCBE1}">
-                <a14:hiddenEffects xmlns="" xmlns:a14="http://schemas.microsoft.com/office/drawing/2010/main">
+                <a14:hiddenEffects xmlns:a14="http://schemas.microsoft.com/office/drawing/2010/main" xmlns="">
                   <a:effectLst>
                     <a:outerShdw blurRad="63500" dist="38099" dir="2700000" algn="ctr" rotWithShape="0">
                       <a:schemeClr val="bg2">
@@ -7759,7 +7669,7 @@
             <a:effectLst/>
             <a:extLst>
               <a:ext uri="{91240B29-F687-4f45-9708-019B960494DF}">
-                <a14:hiddenLine xmlns="" xmlns:a14="http://schemas.microsoft.com/office/drawing/2010/main" w="9525">
+                <a14:hiddenLine xmlns:a14="http://schemas.microsoft.com/office/drawing/2010/main" xmlns="" w="9525">
                   <a:solidFill>
                     <a:schemeClr val="tx1"/>
                   </a:solidFill>
@@ -7769,7 +7679,7 @@
                 </a14:hiddenLine>
               </a:ext>
               <a:ext uri="{AF507438-7753-43e0-B8FC-AC1667EBCBE1}">
-                <a14:hiddenEffects xmlns="" xmlns:a14="http://schemas.microsoft.com/office/drawing/2010/main">
+                <a14:hiddenEffects xmlns:a14="http://schemas.microsoft.com/office/drawing/2010/main" xmlns="">
                   <a:effectLst>
                     <a:outerShdw blurRad="63500" dist="38099" dir="2700000" algn="ctr" rotWithShape="0">
                       <a:schemeClr val="bg2">
@@ -7814,7 +7724,7 @@
             <a:effectLst/>
             <a:extLst>
               <a:ext uri="{91240B29-F687-4f45-9708-019B960494DF}">
-                <a14:hiddenLine xmlns="" xmlns:a14="http://schemas.microsoft.com/office/drawing/2010/main" w="9525">
+                <a14:hiddenLine xmlns:a14="http://schemas.microsoft.com/office/drawing/2010/main" xmlns="" w="9525">
                   <a:solidFill>
                     <a:schemeClr val="tx1"/>
                   </a:solidFill>
@@ -7824,7 +7734,7 @@
                 </a14:hiddenLine>
               </a:ext>
               <a:ext uri="{AF507438-7753-43e0-B8FC-AC1667EBCBE1}">
-                <a14:hiddenEffects xmlns="" xmlns:a14="http://schemas.microsoft.com/office/drawing/2010/main">
+                <a14:hiddenEffects xmlns:a14="http://schemas.microsoft.com/office/drawing/2010/main" xmlns="">
                   <a:effectLst>
                     <a:outerShdw blurRad="63500" dist="38099" dir="2700000" algn="ctr" rotWithShape="0">
                       <a:schemeClr val="bg2">
@@ -7869,7 +7779,7 @@
             <a:effectLst/>
             <a:extLst>
               <a:ext uri="{91240B29-F687-4f45-9708-019B960494DF}">
-                <a14:hiddenLine xmlns="" xmlns:a14="http://schemas.microsoft.com/office/drawing/2010/main" w="9525">
+                <a14:hiddenLine xmlns:a14="http://schemas.microsoft.com/office/drawing/2010/main" xmlns="" w="9525">
                   <a:solidFill>
                     <a:schemeClr val="tx1"/>
                   </a:solidFill>
@@ -7879,7 +7789,7 @@
                 </a14:hiddenLine>
               </a:ext>
               <a:ext uri="{AF507438-7753-43e0-B8FC-AC1667EBCBE1}">
-                <a14:hiddenEffects xmlns="" xmlns:a14="http://schemas.microsoft.com/office/drawing/2010/main">
+                <a14:hiddenEffects xmlns:a14="http://schemas.microsoft.com/office/drawing/2010/main" xmlns="">
                   <a:effectLst>
                     <a:outerShdw blurRad="63500" dist="38099" dir="2700000" algn="ctr" rotWithShape="0">
                       <a:schemeClr val="bg2">
@@ -7924,7 +7834,7 @@
             <a:effectLst/>
             <a:extLst>
               <a:ext uri="{91240B29-F687-4f45-9708-019B960494DF}">
-                <a14:hiddenLine xmlns="" xmlns:a14="http://schemas.microsoft.com/office/drawing/2010/main" w="9525">
+                <a14:hiddenLine xmlns:a14="http://schemas.microsoft.com/office/drawing/2010/main" xmlns="" w="9525">
                   <a:solidFill>
                     <a:schemeClr val="tx1"/>
                   </a:solidFill>
@@ -7934,7 +7844,7 @@
                 </a14:hiddenLine>
               </a:ext>
               <a:ext uri="{AF507438-7753-43e0-B8FC-AC1667EBCBE1}">
-                <a14:hiddenEffects xmlns="" xmlns:a14="http://schemas.microsoft.com/office/drawing/2010/main">
+                <a14:hiddenEffects xmlns:a14="http://schemas.microsoft.com/office/drawing/2010/main" xmlns="">
                   <a:effectLst>
                     <a:outerShdw blurRad="63500" dist="38099" dir="2700000" algn="ctr" rotWithShape="0">
                       <a:schemeClr val="bg2">
@@ -7979,7 +7889,7 @@
             <a:effectLst/>
             <a:extLst>
               <a:ext uri="{91240B29-F687-4f45-9708-019B960494DF}">
-                <a14:hiddenLine xmlns="" xmlns:a14="http://schemas.microsoft.com/office/drawing/2010/main" w="9525">
+                <a14:hiddenLine xmlns:a14="http://schemas.microsoft.com/office/drawing/2010/main" xmlns="" w="9525">
                   <a:solidFill>
                     <a:schemeClr val="tx1"/>
                   </a:solidFill>
@@ -7989,7 +7899,7 @@
                 </a14:hiddenLine>
               </a:ext>
               <a:ext uri="{AF507438-7753-43e0-B8FC-AC1667EBCBE1}">
-                <a14:hiddenEffects xmlns="" xmlns:a14="http://schemas.microsoft.com/office/drawing/2010/main">
+                <a14:hiddenEffects xmlns:a14="http://schemas.microsoft.com/office/drawing/2010/main" xmlns="">
                   <a:effectLst>
                     <a:outerShdw blurRad="63500" dist="38099" dir="2700000" algn="ctr" rotWithShape="0">
                       <a:schemeClr val="bg2">
@@ -8034,7 +7944,7 @@
             <a:effectLst/>
             <a:extLst>
               <a:ext uri="{91240B29-F687-4f45-9708-019B960494DF}">
-                <a14:hiddenLine xmlns="" xmlns:a14="http://schemas.microsoft.com/office/drawing/2010/main" w="9525">
+                <a14:hiddenLine xmlns:a14="http://schemas.microsoft.com/office/drawing/2010/main" xmlns="" w="9525">
                   <a:solidFill>
                     <a:schemeClr val="tx1"/>
                   </a:solidFill>
@@ -8044,7 +7954,7 @@
                 </a14:hiddenLine>
               </a:ext>
               <a:ext uri="{AF507438-7753-43e0-B8FC-AC1667EBCBE1}">
-                <a14:hiddenEffects xmlns="" xmlns:a14="http://schemas.microsoft.com/office/drawing/2010/main">
+                <a14:hiddenEffects xmlns:a14="http://schemas.microsoft.com/office/drawing/2010/main" xmlns="">
                   <a:effectLst>
                     <a:outerShdw blurRad="63500" dist="38099" dir="2700000" algn="ctr" rotWithShape="0">
                       <a:schemeClr val="bg2">
@@ -8089,7 +7999,7 @@
             <a:effectLst/>
             <a:extLst>
               <a:ext uri="{91240B29-F687-4f45-9708-019B960494DF}">
-                <a14:hiddenLine xmlns="" xmlns:a14="http://schemas.microsoft.com/office/drawing/2010/main" w="9525">
+                <a14:hiddenLine xmlns:a14="http://schemas.microsoft.com/office/drawing/2010/main" xmlns="" w="9525">
                   <a:solidFill>
                     <a:schemeClr val="tx1"/>
                   </a:solidFill>
@@ -8099,7 +8009,7 @@
                 </a14:hiddenLine>
               </a:ext>
               <a:ext uri="{AF507438-7753-43e0-B8FC-AC1667EBCBE1}">
-                <a14:hiddenEffects xmlns="" xmlns:a14="http://schemas.microsoft.com/office/drawing/2010/main">
+                <a14:hiddenEffects xmlns:a14="http://schemas.microsoft.com/office/drawing/2010/main" xmlns="">
                   <a:effectLst>
                     <a:outerShdw blurRad="63500" dist="38099" dir="2700000" algn="ctr" rotWithShape="0">
                       <a:schemeClr val="bg2">
@@ -8144,7 +8054,7 @@
             <a:effectLst/>
             <a:extLst>
               <a:ext uri="{91240B29-F687-4f45-9708-019B960494DF}">
-                <a14:hiddenLine xmlns="" xmlns:a14="http://schemas.microsoft.com/office/drawing/2010/main" w="9525">
+                <a14:hiddenLine xmlns:a14="http://schemas.microsoft.com/office/drawing/2010/main" xmlns="" w="9525">
                   <a:solidFill>
                     <a:schemeClr val="tx1"/>
                   </a:solidFill>
@@ -8154,7 +8064,7 @@
                 </a14:hiddenLine>
               </a:ext>
               <a:ext uri="{AF507438-7753-43e0-B8FC-AC1667EBCBE1}">
-                <a14:hiddenEffects xmlns="" xmlns:a14="http://schemas.microsoft.com/office/drawing/2010/main">
+                <a14:hiddenEffects xmlns:a14="http://schemas.microsoft.com/office/drawing/2010/main" xmlns="">
                   <a:effectLst>
                     <a:outerShdw blurRad="63500" dist="38099" dir="2700000" algn="ctr" rotWithShape="0">
                       <a:schemeClr val="bg2">
@@ -8199,7 +8109,7 @@
             <a:effectLst/>
             <a:extLst>
               <a:ext uri="{91240B29-F687-4f45-9708-019B960494DF}">
-                <a14:hiddenLine xmlns="" xmlns:a14="http://schemas.microsoft.com/office/drawing/2010/main" w="9525">
+                <a14:hiddenLine xmlns:a14="http://schemas.microsoft.com/office/drawing/2010/main" xmlns="" w="9525">
                   <a:solidFill>
                     <a:schemeClr val="tx1"/>
                   </a:solidFill>
@@ -8209,7 +8119,7 @@
                 </a14:hiddenLine>
               </a:ext>
               <a:ext uri="{AF507438-7753-43e0-B8FC-AC1667EBCBE1}">
-                <a14:hiddenEffects xmlns="" xmlns:a14="http://schemas.microsoft.com/office/drawing/2010/main">
+                <a14:hiddenEffects xmlns:a14="http://schemas.microsoft.com/office/drawing/2010/main" xmlns="">
                   <a:effectLst>
                     <a:outerShdw blurRad="63500" dist="38099" dir="2700000" algn="ctr" rotWithShape="0">
                       <a:schemeClr val="bg2">
@@ -8254,7 +8164,7 @@
             <a:effectLst/>
             <a:extLst>
               <a:ext uri="{91240B29-F687-4f45-9708-019B960494DF}">
-                <a14:hiddenLine xmlns="" xmlns:a14="http://schemas.microsoft.com/office/drawing/2010/main" w="9525">
+                <a14:hiddenLine xmlns:a14="http://schemas.microsoft.com/office/drawing/2010/main" xmlns="" w="9525">
                   <a:solidFill>
                     <a:schemeClr val="tx1"/>
                   </a:solidFill>
@@ -8264,7 +8174,7 @@
                 </a14:hiddenLine>
               </a:ext>
               <a:ext uri="{AF507438-7753-43e0-B8FC-AC1667EBCBE1}">
-                <a14:hiddenEffects xmlns="" xmlns:a14="http://schemas.microsoft.com/office/drawing/2010/main">
+                <a14:hiddenEffects xmlns:a14="http://schemas.microsoft.com/office/drawing/2010/main" xmlns="">
                   <a:effectLst>
                     <a:outerShdw blurRad="63500" dist="38099" dir="2700000" algn="ctr" rotWithShape="0">
                       <a:schemeClr val="bg2">
@@ -8309,7 +8219,7 @@
             <a:effectLst/>
             <a:extLst>
               <a:ext uri="{91240B29-F687-4f45-9708-019B960494DF}">
-                <a14:hiddenLine xmlns="" xmlns:a14="http://schemas.microsoft.com/office/drawing/2010/main" w="9525">
+                <a14:hiddenLine xmlns:a14="http://schemas.microsoft.com/office/drawing/2010/main" xmlns="" w="9525">
                   <a:solidFill>
                     <a:schemeClr val="tx1"/>
                   </a:solidFill>
@@ -8319,7 +8229,7 @@
                 </a14:hiddenLine>
               </a:ext>
               <a:ext uri="{AF507438-7753-43e0-B8FC-AC1667EBCBE1}">
-                <a14:hiddenEffects xmlns="" xmlns:a14="http://schemas.microsoft.com/office/drawing/2010/main">
+                <a14:hiddenEffects xmlns:a14="http://schemas.microsoft.com/office/drawing/2010/main" xmlns="">
                   <a:effectLst>
                     <a:outerShdw blurRad="63500" dist="38099" dir="2700000" algn="ctr" rotWithShape="0">
                       <a:schemeClr val="bg2">
@@ -8364,7 +8274,7 @@
             <a:effectLst/>
             <a:extLst>
               <a:ext uri="{91240B29-F687-4f45-9708-019B960494DF}">
-                <a14:hiddenLine xmlns="" xmlns:a14="http://schemas.microsoft.com/office/drawing/2010/main" w="9525">
+                <a14:hiddenLine xmlns:a14="http://schemas.microsoft.com/office/drawing/2010/main" xmlns="" w="9525">
                   <a:solidFill>
                     <a:schemeClr val="tx1"/>
                   </a:solidFill>
@@ -8374,7 +8284,7 @@
                 </a14:hiddenLine>
               </a:ext>
               <a:ext uri="{AF507438-7753-43e0-B8FC-AC1667EBCBE1}">
-                <a14:hiddenEffects xmlns="" xmlns:a14="http://schemas.microsoft.com/office/drawing/2010/main">
+                <a14:hiddenEffects xmlns:a14="http://schemas.microsoft.com/office/drawing/2010/main" xmlns="">
                   <a:effectLst>
                     <a:outerShdw blurRad="63500" dist="38099" dir="2700000" algn="ctr" rotWithShape="0">
                       <a:schemeClr val="bg2">
@@ -8419,7 +8329,7 @@
             <a:effectLst/>
             <a:extLst>
               <a:ext uri="{91240B29-F687-4f45-9708-019B960494DF}">
-                <a14:hiddenLine xmlns="" xmlns:a14="http://schemas.microsoft.com/office/drawing/2010/main" w="9525">
+                <a14:hiddenLine xmlns:a14="http://schemas.microsoft.com/office/drawing/2010/main" xmlns="" w="9525">
                   <a:solidFill>
                     <a:schemeClr val="tx1"/>
                   </a:solidFill>
@@ -8429,7 +8339,7 @@
                 </a14:hiddenLine>
               </a:ext>
               <a:ext uri="{AF507438-7753-43e0-B8FC-AC1667EBCBE1}">
-                <a14:hiddenEffects xmlns="" xmlns:a14="http://schemas.microsoft.com/office/drawing/2010/main">
+                <a14:hiddenEffects xmlns:a14="http://schemas.microsoft.com/office/drawing/2010/main" xmlns="">
                   <a:effectLst>
                     <a:outerShdw blurRad="63500" dist="38099" dir="2700000" algn="ctr" rotWithShape="0">
                       <a:schemeClr val="bg2">
@@ -8474,7 +8384,7 @@
             <a:effectLst/>
             <a:extLst>
               <a:ext uri="{91240B29-F687-4f45-9708-019B960494DF}">
-                <a14:hiddenLine xmlns="" xmlns:a14="http://schemas.microsoft.com/office/drawing/2010/main" w="9525">
+                <a14:hiddenLine xmlns:a14="http://schemas.microsoft.com/office/drawing/2010/main" xmlns="" w="9525">
                   <a:solidFill>
                     <a:schemeClr val="tx1"/>
                   </a:solidFill>
@@ -8484,7 +8394,7 @@
                 </a14:hiddenLine>
               </a:ext>
               <a:ext uri="{AF507438-7753-43e0-B8FC-AC1667EBCBE1}">
-                <a14:hiddenEffects xmlns="" xmlns:a14="http://schemas.microsoft.com/office/drawing/2010/main">
+                <a14:hiddenEffects xmlns:a14="http://schemas.microsoft.com/office/drawing/2010/main" xmlns="">
                   <a:effectLst>
                     <a:outerShdw blurRad="63500" dist="38099" dir="2700000" algn="ctr" rotWithShape="0">
                       <a:schemeClr val="bg2">
@@ -8529,7 +8439,7 @@
             <a:effectLst/>
             <a:extLst>
               <a:ext uri="{91240B29-F687-4f45-9708-019B960494DF}">
-                <a14:hiddenLine xmlns="" xmlns:a14="http://schemas.microsoft.com/office/drawing/2010/main" w="9525">
+                <a14:hiddenLine xmlns:a14="http://schemas.microsoft.com/office/drawing/2010/main" xmlns="" w="9525">
                   <a:solidFill>
                     <a:schemeClr val="tx1"/>
                   </a:solidFill>
@@ -8539,7 +8449,7 @@
                 </a14:hiddenLine>
               </a:ext>
               <a:ext uri="{AF507438-7753-43e0-B8FC-AC1667EBCBE1}">
-                <a14:hiddenEffects xmlns="" xmlns:a14="http://schemas.microsoft.com/office/drawing/2010/main">
+                <a14:hiddenEffects xmlns:a14="http://schemas.microsoft.com/office/drawing/2010/main" xmlns="">
                   <a:effectLst>
                     <a:outerShdw blurRad="63500" dist="38099" dir="2700000" algn="ctr" rotWithShape="0">
                       <a:schemeClr val="bg2">
@@ -8584,7 +8494,7 @@
             <a:effectLst/>
             <a:extLst>
               <a:ext uri="{91240B29-F687-4f45-9708-019B960494DF}">
-                <a14:hiddenLine xmlns="" xmlns:a14="http://schemas.microsoft.com/office/drawing/2010/main" w="9525">
+                <a14:hiddenLine xmlns:a14="http://schemas.microsoft.com/office/drawing/2010/main" xmlns="" w="9525">
                   <a:solidFill>
                     <a:schemeClr val="tx1"/>
                   </a:solidFill>
@@ -8594,7 +8504,7 @@
                 </a14:hiddenLine>
               </a:ext>
               <a:ext uri="{AF507438-7753-43e0-B8FC-AC1667EBCBE1}">
-                <a14:hiddenEffects xmlns="" xmlns:a14="http://schemas.microsoft.com/office/drawing/2010/main">
+                <a14:hiddenEffects xmlns:a14="http://schemas.microsoft.com/office/drawing/2010/main" xmlns="">
                   <a:effectLst>
                     <a:outerShdw blurRad="63500" dist="38099" dir="2700000" algn="ctr" rotWithShape="0">
                       <a:schemeClr val="bg2">
@@ -8639,7 +8549,7 @@
             <a:effectLst/>
             <a:extLst>
               <a:ext uri="{91240B29-F687-4f45-9708-019B960494DF}">
-                <a14:hiddenLine xmlns="" xmlns:a14="http://schemas.microsoft.com/office/drawing/2010/main" w="9525">
+                <a14:hiddenLine xmlns:a14="http://schemas.microsoft.com/office/drawing/2010/main" xmlns="" w="9525">
                   <a:solidFill>
                     <a:schemeClr val="tx1"/>
                   </a:solidFill>
@@ -8649,7 +8559,7 @@
                 </a14:hiddenLine>
               </a:ext>
               <a:ext uri="{AF507438-7753-43e0-B8FC-AC1667EBCBE1}">
-                <a14:hiddenEffects xmlns="" xmlns:a14="http://schemas.microsoft.com/office/drawing/2010/main">
+                <a14:hiddenEffects xmlns:a14="http://schemas.microsoft.com/office/drawing/2010/main" xmlns="">
                   <a:effectLst>
                     <a:outerShdw blurRad="63500" dist="38099" dir="2700000" algn="ctr" rotWithShape="0">
                       <a:schemeClr val="bg2">
@@ -8694,7 +8604,7 @@
             <a:effectLst/>
             <a:extLst>
               <a:ext uri="{91240B29-F687-4f45-9708-019B960494DF}">
-                <a14:hiddenLine xmlns="" xmlns:a14="http://schemas.microsoft.com/office/drawing/2010/main" w="9525">
+                <a14:hiddenLine xmlns:a14="http://schemas.microsoft.com/office/drawing/2010/main" xmlns="" w="9525">
                   <a:solidFill>
                     <a:schemeClr val="tx1"/>
                   </a:solidFill>
@@ -8704,7 +8614,7 @@
                 </a14:hiddenLine>
               </a:ext>
               <a:ext uri="{AF507438-7753-43e0-B8FC-AC1667EBCBE1}">
-                <a14:hiddenEffects xmlns="" xmlns:a14="http://schemas.microsoft.com/office/drawing/2010/main">
+                <a14:hiddenEffects xmlns:a14="http://schemas.microsoft.com/office/drawing/2010/main" xmlns="">
                   <a:effectLst>
                     <a:outerShdw blurRad="63500" dist="38099" dir="2700000" algn="ctr" rotWithShape="0">
                       <a:schemeClr val="bg2">
@@ -8749,7 +8659,7 @@
             <a:effectLst/>
             <a:extLst>
               <a:ext uri="{91240B29-F687-4f45-9708-019B960494DF}">
-                <a14:hiddenLine xmlns="" xmlns:a14="http://schemas.microsoft.com/office/drawing/2010/main" w="9525">
+                <a14:hiddenLine xmlns:a14="http://schemas.microsoft.com/office/drawing/2010/main" xmlns="" w="9525">
                   <a:solidFill>
                     <a:schemeClr val="tx1"/>
                   </a:solidFill>
@@ -8759,7 +8669,7 @@
                 </a14:hiddenLine>
               </a:ext>
               <a:ext uri="{AF507438-7753-43e0-B8FC-AC1667EBCBE1}">
-                <a14:hiddenEffects xmlns="" xmlns:a14="http://schemas.microsoft.com/office/drawing/2010/main">
+                <a14:hiddenEffects xmlns:a14="http://schemas.microsoft.com/office/drawing/2010/main" xmlns="">
                   <a:effectLst>
                     <a:outerShdw blurRad="63500" dist="38099" dir="2700000" algn="ctr" rotWithShape="0">
                       <a:schemeClr val="bg2">
@@ -8804,7 +8714,7 @@
             <a:effectLst/>
             <a:extLst>
               <a:ext uri="{91240B29-F687-4f45-9708-019B960494DF}">
-                <a14:hiddenLine xmlns="" xmlns:a14="http://schemas.microsoft.com/office/drawing/2010/main" w="9525">
+                <a14:hiddenLine xmlns:a14="http://schemas.microsoft.com/office/drawing/2010/main" xmlns="" w="9525">
                   <a:solidFill>
                     <a:schemeClr val="tx1"/>
                   </a:solidFill>
@@ -8814,7 +8724,7 @@
                 </a14:hiddenLine>
               </a:ext>
               <a:ext uri="{AF507438-7753-43e0-B8FC-AC1667EBCBE1}">
-                <a14:hiddenEffects xmlns="" xmlns:a14="http://schemas.microsoft.com/office/drawing/2010/main">
+                <a14:hiddenEffects xmlns:a14="http://schemas.microsoft.com/office/drawing/2010/main" xmlns="">
                   <a:effectLst>
                     <a:outerShdw blurRad="63500" dist="38099" dir="2700000" algn="ctr" rotWithShape="0">
                       <a:schemeClr val="bg2">
@@ -8859,7 +8769,7 @@
             <a:effectLst/>
             <a:extLst>
               <a:ext uri="{91240B29-F687-4f45-9708-019B960494DF}">
-                <a14:hiddenLine xmlns="" xmlns:a14="http://schemas.microsoft.com/office/drawing/2010/main" w="9525">
+                <a14:hiddenLine xmlns:a14="http://schemas.microsoft.com/office/drawing/2010/main" xmlns="" w="9525">
                   <a:solidFill>
                     <a:schemeClr val="tx1"/>
                   </a:solidFill>
@@ -8869,7 +8779,7 @@
                 </a14:hiddenLine>
               </a:ext>
               <a:ext uri="{AF507438-7753-43e0-B8FC-AC1667EBCBE1}">
-                <a14:hiddenEffects xmlns="" xmlns:a14="http://schemas.microsoft.com/office/drawing/2010/main">
+                <a14:hiddenEffects xmlns:a14="http://schemas.microsoft.com/office/drawing/2010/main" xmlns="">
                   <a:effectLst>
                     <a:outerShdw blurRad="63500" dist="38099" dir="2700000" algn="ctr" rotWithShape="0">
                       <a:schemeClr val="bg2">
@@ -8914,7 +8824,7 @@
             <a:effectLst/>
             <a:extLst>
               <a:ext uri="{91240B29-F687-4f45-9708-019B960494DF}">
-                <a14:hiddenLine xmlns="" xmlns:a14="http://schemas.microsoft.com/office/drawing/2010/main" w="9525">
+                <a14:hiddenLine xmlns:a14="http://schemas.microsoft.com/office/drawing/2010/main" xmlns="" w="9525">
                   <a:solidFill>
                     <a:schemeClr val="tx1"/>
                   </a:solidFill>
@@ -8924,7 +8834,7 @@
                 </a14:hiddenLine>
               </a:ext>
               <a:ext uri="{AF507438-7753-43e0-B8FC-AC1667EBCBE1}">
-                <a14:hiddenEffects xmlns="" xmlns:a14="http://schemas.microsoft.com/office/drawing/2010/main">
+                <a14:hiddenEffects xmlns:a14="http://schemas.microsoft.com/office/drawing/2010/main" xmlns="">
                   <a:effectLst>
                     <a:outerShdw blurRad="63500" dist="38099" dir="2700000" algn="ctr" rotWithShape="0">
                       <a:schemeClr val="bg2">
@@ -9437,7 +9347,7 @@
           <a:effectLst/>
           <a:extLst>
             <a:ext uri="{AF507438-7753-43e0-B8FC-AC1667EBCBE1}">
-              <a14:hiddenEffects xmlns="" xmlns:a14="http://schemas.microsoft.com/office/drawing/2010/main">
+              <a14:hiddenEffects xmlns:a14="http://schemas.microsoft.com/office/drawing/2010/main" xmlns="">
                 <a:effectLst>
                   <a:outerShdw blurRad="63500" dist="38099" dir="2700000" algn="ctr" rotWithShape="0">
                     <a:schemeClr val="bg2">
@@ -9606,9 +9516,9 @@
       </p:grpSpPr>
       <p:sp>
         <p:nvSpPr>
-          <p:cNvPr id="13314" name="Rectangle 2"/>
+          <p:cNvPr id="2" name="Title 1"/>
           <p:cNvSpPr>
-            <a:spLocks noGrp="1" noChangeArrowheads="1"/>
+            <a:spLocks noGrp="1"/>
           </p:cNvSpPr>
           <p:nvPr>
             <p:ph type="title"/>
@@ -9620,7 +9530,7 @@
           <a:lstStyle/>
           <a:p>
             <a:r>
-              <a:rPr lang="en-US"/>
+              <a:rPr lang="en-US" dirty="0"/>
               <a:t>The Structure of Programming Languages</a:t>
             </a:r>
           </a:p>
@@ -9628,1251 +9538,358 @@
       </p:sp>
       <p:sp>
         <p:nvSpPr>
-          <p:cNvPr id="13315" name="Rectangle 3"/>
+          <p:cNvPr id="3" name="Content Placeholder 2"/>
           <p:cNvSpPr>
-            <a:spLocks noGrp="1" noChangeArrowheads="1"/>
+            <a:spLocks noGrp="1"/>
           </p:cNvSpPr>
           <p:nvPr>
-            <p:ph type="body" idx="1"/>
+            <p:ph idx="1"/>
           </p:nvPr>
         </p:nvSpPr>
-        <p:spPr>
-          <a:xfrm>
-            <a:off x="457200" y="1719263"/>
-            <a:ext cx="6248400" cy="490537"/>
-          </a:xfrm>
-        </p:spPr>
+        <p:spPr/>
         <p:txBody>
           <a:bodyPr/>
           <a:lstStyle/>
           <a:p>
-            <a:pPr>
-              <a:buFont typeface="Wingdings" charset="0"/>
-              <a:buNone/>
-            </a:pPr>
-            <a:r>
-              <a:rPr lang="en-US" sz="2600"/>
-              <a:t>An Example: Function Definition</a:t>
-            </a:r>
-          </a:p>
-        </p:txBody>
-      </p:sp>
-      <p:sp>
-        <p:nvSpPr>
-          <p:cNvPr id="13316" name="Text Box 4"/>
-          <p:cNvSpPr txBox="1">
-            <a:spLocks noChangeArrowheads="1"/>
-          </p:cNvSpPr>
-          <p:nvPr/>
-        </p:nvSpPr>
-        <p:spPr bwMode="auto">
-          <a:xfrm>
-            <a:off x="533400" y="2971800"/>
-            <a:ext cx="4876800" cy="336550"/>
-          </a:xfrm>
-          <a:prstGeom prst="rect">
-            <a:avLst/>
-          </a:prstGeom>
-          <a:noFill/>
-          <a:ln>
-            <a:noFill/>
-          </a:ln>
-          <a:extLst>
-            <a:ext uri="{909E8E84-426E-40dd-AFC4-6F175D3DCCD1}">
-              <a14:hiddenFill xmlns="" xmlns:a14="http://schemas.microsoft.com/office/drawing/2010/main">
-                <a:solidFill>
-                  <a:schemeClr val="accent1"/>
-                </a:solidFill>
-              </a14:hiddenFill>
-            </a:ext>
-            <a:ext uri="{91240B29-F687-4f45-9708-019B960494DF}">
-              <a14:hiddenLine xmlns="" xmlns:a14="http://schemas.microsoft.com/office/drawing/2010/main" w="9525">
-                <a:solidFill>
-                  <a:schemeClr val="tx1"/>
-                </a:solidFill>
-                <a:miter lim="800000"/>
-                <a:headEnd/>
-                <a:tailEnd/>
-              </a14:hiddenLine>
-            </a:ext>
-          </a:extLst>
-        </p:spPr>
-        <p:txBody>
-          <a:bodyPr>
-            <a:spAutoFit/>
-          </a:bodyPr>
-          <a:lstStyle/>
-          <a:p>
-            <a:r>
-              <a:rPr lang="en-US">
-                <a:solidFill>
-                  <a:srgbClr val="FF0000"/>
-                </a:solidFill>
-                <a:latin typeface="Courier New" charset="0"/>
+            <a:r>
+              <a:rPr lang="en-US" dirty="0"/>
+              <a:t>Programming text page vs. Symbol Stream</a:t>
+            </a:r>
+          </a:p>
+          <a:p>
+            <a:pPr lvl="1"/>
+            <a:r>
+              <a:rPr lang="en-US" dirty="0"/>
+              <a:t>We usually represent programs as 2D text</a:t>
+            </a:r>
+            <a:br>
+              <a:rPr lang="en-US" dirty="0"/>
+            </a:br>
+            <a:r>
+              <a:rPr lang="en-US" sz="1800" dirty="0">
+                <a:latin typeface="Courier New"/>
+                <a:cs typeface="Courier New"/>
               </a:rPr>
-              <a:t>f</a:t>
-            </a:r>
-            <a:r>
-              <a:rPr lang="en-US">
-                <a:latin typeface="Courier New" charset="0"/>
+              <a:t>	</a:t>
+            </a:r>
+            <a:r>
+              <a:rPr lang="en-US" sz="1800" dirty="0" err="1">
+                <a:latin typeface="Courier New"/>
+                <a:cs typeface="Courier New"/>
               </a:rPr>
-              <a:t>unction </a:t>
-            </a:r>
-            <a:r>
-              <a:rPr lang="en-US">
-                <a:solidFill>
-                  <a:srgbClr val="FF0000"/>
-                </a:solidFill>
-                <a:latin typeface="Courier New" charset="0"/>
+              <a:t>i</a:t>
+            </a:r>
+            <a:r>
+              <a:rPr lang="en-US" sz="1800" dirty="0">
+                <a:latin typeface="Courier New"/>
+                <a:cs typeface="Courier New"/>
               </a:rPr>
-              <a:t>inc</a:t>
-            </a:r>
-            <a:r>
-              <a:rPr lang="en-US">
-                <a:latin typeface="Courier New" charset="0"/>
-              </a:rPr>
-              <a:t> (int i) { return i + 1; }</a:t>
-            </a:r>
-          </a:p>
-        </p:txBody>
-      </p:sp>
-      <p:sp>
-        <p:nvSpPr>
-          <p:cNvPr id="13318" name="Line 6"/>
-          <p:cNvSpPr>
-            <a:spLocks noChangeShapeType="1"/>
-          </p:cNvSpPr>
-          <p:nvPr/>
-        </p:nvSpPr>
-        <p:spPr bwMode="auto">
-          <a:xfrm flipH="1">
-            <a:off x="685800" y="2678113"/>
-            <a:ext cx="228600" cy="381000"/>
-          </a:xfrm>
-          <a:prstGeom prst="line">
-            <a:avLst/>
-          </a:prstGeom>
-          <a:noFill/>
-          <a:ln w="9525">
-            <a:solidFill>
-              <a:schemeClr val="tx1"/>
-            </a:solidFill>
-            <a:round/>
-            <a:headEnd/>
-            <a:tailEnd type="triangle" w="med" len="med"/>
-          </a:ln>
-          <a:extLst>
-            <a:ext uri="{909E8E84-426E-40dd-AFC4-6F175D3DCCD1}">
-              <a14:hiddenFill xmlns="" xmlns:a14="http://schemas.microsoft.com/office/drawing/2010/main">
-                <a:noFill/>
-              </a14:hiddenFill>
-            </a:ext>
-          </a:extLst>
-        </p:spPr>
-        <p:txBody>
-          <a:bodyPr wrap="none" anchor="ctr"/>
-          <a:lstStyle/>
-          <a:p>
-            <a:endParaRPr lang="en-US"/>
-          </a:p>
-        </p:txBody>
-      </p:sp>
-      <p:sp>
-        <p:nvSpPr>
-          <p:cNvPr id="13319" name="Text Box 7"/>
-          <p:cNvSpPr txBox="1">
-            <a:spLocks noChangeArrowheads="1"/>
-          </p:cNvSpPr>
-          <p:nvPr/>
-        </p:nvSpPr>
-        <p:spPr bwMode="auto">
-          <a:xfrm>
-            <a:off x="593725" y="2286000"/>
-            <a:ext cx="862013" cy="336550"/>
-          </a:xfrm>
-          <a:prstGeom prst="rect">
-            <a:avLst/>
-          </a:prstGeom>
-          <a:noFill/>
-          <a:ln>
-            <a:noFill/>
-          </a:ln>
-          <a:extLst>
-            <a:ext uri="{909E8E84-426E-40dd-AFC4-6F175D3DCCD1}">
-              <a14:hiddenFill xmlns="" xmlns:a14="http://schemas.microsoft.com/office/drawing/2010/main">
-                <a:solidFill>
-                  <a:schemeClr val="accent1"/>
-                </a:solidFill>
-              </a14:hiddenFill>
-            </a:ext>
-            <a:ext uri="{91240B29-F687-4f45-9708-019B960494DF}">
-              <a14:hiddenLine xmlns="" xmlns:a14="http://schemas.microsoft.com/office/drawing/2010/main" w="9525">
-                <a:solidFill>
-                  <a:schemeClr val="tx1"/>
-                </a:solidFill>
-                <a:miter lim="800000"/>
-                <a:headEnd/>
-                <a:tailEnd/>
-              </a14:hiddenLine>
-            </a:ext>
-          </a:extLst>
-        </p:spPr>
-        <p:txBody>
-          <a:bodyPr wrap="none">
-            <a:spAutoFit/>
-          </a:bodyPr>
-          <a:lstStyle/>
-          <a:p>
-            <a:r>
-              <a:rPr lang="en-US"/>
-              <a:t>Symbol</a:t>
-            </a:r>
-            <a:endParaRPr lang="en-US" sz="1800"/>
-          </a:p>
-        </p:txBody>
-      </p:sp>
-      <p:sp>
-        <p:nvSpPr>
-          <p:cNvPr id="13320" name="Line 8"/>
-          <p:cNvSpPr>
-            <a:spLocks noChangeShapeType="1"/>
-          </p:cNvSpPr>
-          <p:nvPr/>
-        </p:nvSpPr>
-        <p:spPr bwMode="auto">
-          <a:xfrm flipH="1">
-            <a:off x="1905000" y="2678113"/>
-            <a:ext cx="228600" cy="381000"/>
-          </a:xfrm>
-          <a:prstGeom prst="line">
-            <a:avLst/>
-          </a:prstGeom>
-          <a:noFill/>
-          <a:ln w="9525">
-            <a:solidFill>
-              <a:schemeClr val="tx1"/>
-            </a:solidFill>
-            <a:round/>
-            <a:headEnd/>
-            <a:tailEnd type="triangle" w="med" len="med"/>
-          </a:ln>
-          <a:extLst>
-            <a:ext uri="{909E8E84-426E-40dd-AFC4-6F175D3DCCD1}">
-              <a14:hiddenFill xmlns="" xmlns:a14="http://schemas.microsoft.com/office/drawing/2010/main">
-                <a:noFill/>
-              </a14:hiddenFill>
-            </a:ext>
-          </a:extLst>
-        </p:spPr>
-        <p:txBody>
-          <a:bodyPr wrap="none" anchor="ctr"/>
-          <a:lstStyle/>
-          <a:p>
-            <a:endParaRPr lang="en-US"/>
-          </a:p>
-        </p:txBody>
-      </p:sp>
-      <p:sp>
-        <p:nvSpPr>
-          <p:cNvPr id="13321" name="Text Box 9"/>
-          <p:cNvSpPr txBox="1">
-            <a:spLocks noChangeArrowheads="1"/>
-          </p:cNvSpPr>
-          <p:nvPr/>
-        </p:nvSpPr>
-        <p:spPr bwMode="auto">
-          <a:xfrm>
-            <a:off x="1965325" y="2286000"/>
-            <a:ext cx="749300" cy="336550"/>
-          </a:xfrm>
-          <a:prstGeom prst="rect">
-            <a:avLst/>
-          </a:prstGeom>
-          <a:noFill/>
-          <a:ln>
-            <a:noFill/>
-          </a:ln>
-          <a:extLst>
-            <a:ext uri="{909E8E84-426E-40dd-AFC4-6F175D3DCCD1}">
-              <a14:hiddenFill xmlns="" xmlns:a14="http://schemas.microsoft.com/office/drawing/2010/main">
-                <a:solidFill>
-                  <a:schemeClr val="accent1"/>
-                </a:solidFill>
-              </a14:hiddenFill>
-            </a:ext>
-            <a:ext uri="{91240B29-F687-4f45-9708-019B960494DF}">
-              <a14:hiddenLine xmlns="" xmlns:a14="http://schemas.microsoft.com/office/drawing/2010/main" w="9525">
-                <a:solidFill>
-                  <a:schemeClr val="tx1"/>
-                </a:solidFill>
-                <a:miter lim="800000"/>
-                <a:headEnd/>
-                <a:tailEnd/>
-              </a14:hiddenLine>
-            </a:ext>
-          </a:extLst>
-        </p:spPr>
-        <p:txBody>
-          <a:bodyPr wrap="none">
-            <a:spAutoFit/>
-          </a:bodyPr>
-          <a:lstStyle/>
-          <a:p>
-            <a:r>
-              <a:rPr lang="en-US"/>
-              <a:t>Token</a:t>
-            </a:r>
-          </a:p>
-        </p:txBody>
-      </p:sp>
-      <p:sp>
-        <p:nvSpPr>
-          <p:cNvPr id="13323" name="AutoShape 11"/>
-          <p:cNvSpPr>
-            <a:spLocks/>
-          </p:cNvSpPr>
-          <p:nvPr/>
-        </p:nvSpPr>
-        <p:spPr bwMode="auto">
-          <a:xfrm rot="16176797">
-            <a:off x="4505325" y="3175000"/>
-            <a:ext cx="228600" cy="609600"/>
-          </a:xfrm>
-          <a:prstGeom prst="leftBrace">
-            <a:avLst>
-              <a:gd name="adj1" fmla="val 36420"/>
-              <a:gd name="adj2" fmla="val 49495"/>
-            </a:avLst>
-          </a:prstGeom>
-          <a:noFill/>
-          <a:ln w="9525">
-            <a:solidFill>
-              <a:schemeClr val="tx1"/>
-            </a:solidFill>
-            <a:round/>
-            <a:headEnd/>
-            <a:tailEnd/>
-          </a:ln>
-          <a:extLst>
-            <a:ext uri="{909E8E84-426E-40dd-AFC4-6F175D3DCCD1}">
-              <a14:hiddenFill xmlns="" xmlns:a14="http://schemas.microsoft.com/office/drawing/2010/main">
-                <a:solidFill>
-                  <a:schemeClr val="accent1"/>
-                </a:solidFill>
-              </a14:hiddenFill>
-            </a:ext>
-          </a:extLst>
-        </p:spPr>
-        <p:txBody>
-          <a:bodyPr vert="eaVert" wrap="none" anchor="ctr"/>
-          <a:lstStyle/>
-          <a:p>
-            <a:pPr algn="ctr"/>
-            <a:endParaRPr lang="en-US" sz="2400"/>
-          </a:p>
-        </p:txBody>
-      </p:sp>
-      <p:sp>
-        <p:nvSpPr>
-          <p:cNvPr id="13324" name="Text Box 12"/>
-          <p:cNvSpPr txBox="1">
-            <a:spLocks noChangeArrowheads="1"/>
-          </p:cNvSpPr>
-          <p:nvPr/>
-        </p:nvSpPr>
-        <p:spPr bwMode="auto">
-          <a:xfrm>
-            <a:off x="4346575" y="3581400"/>
-            <a:ext cx="579438" cy="336550"/>
-          </a:xfrm>
-          <a:prstGeom prst="rect">
-            <a:avLst/>
-          </a:prstGeom>
-          <a:noFill/>
-          <a:ln>
-            <a:noFill/>
-          </a:ln>
-          <a:extLst>
-            <a:ext uri="{909E8E84-426E-40dd-AFC4-6F175D3DCCD1}">
-              <a14:hiddenFill xmlns="" xmlns:a14="http://schemas.microsoft.com/office/drawing/2010/main">
-                <a:solidFill>
-                  <a:schemeClr val="accent1"/>
-                </a:solidFill>
-              </a14:hiddenFill>
-            </a:ext>
-            <a:ext uri="{91240B29-F687-4f45-9708-019B960494DF}">
-              <a14:hiddenLine xmlns="" xmlns:a14="http://schemas.microsoft.com/office/drawing/2010/main" w="9525">
-                <a:solidFill>
-                  <a:schemeClr val="tx1"/>
-                </a:solidFill>
-                <a:miter lim="800000"/>
-                <a:headEnd/>
-                <a:tailEnd/>
-              </a14:hiddenLine>
-            </a:ext>
-          </a:extLst>
-        </p:spPr>
-        <p:txBody>
-          <a:bodyPr wrap="none">
-            <a:spAutoFit/>
-          </a:bodyPr>
-          <a:lstStyle/>
-          <a:p>
-            <a:r>
-              <a:rPr lang="en-US"/>
-              <a:t>expr</a:t>
-            </a:r>
-          </a:p>
-        </p:txBody>
-      </p:sp>
-      <p:sp>
-        <p:nvSpPr>
-          <p:cNvPr id="13325" name="AutoShape 13"/>
-          <p:cNvSpPr>
-            <a:spLocks/>
-          </p:cNvSpPr>
-          <p:nvPr/>
-        </p:nvSpPr>
-        <p:spPr bwMode="auto">
-          <a:xfrm rot="16176797">
-            <a:off x="2551113" y="3981450"/>
-            <a:ext cx="228600" cy="609600"/>
-          </a:xfrm>
-          <a:prstGeom prst="leftBrace">
-            <a:avLst>
-              <a:gd name="adj1" fmla="val 36420"/>
-              <a:gd name="adj2" fmla="val 49495"/>
-            </a:avLst>
-          </a:prstGeom>
-          <a:noFill/>
-          <a:ln w="9525">
-            <a:solidFill>
-              <a:schemeClr val="tx1"/>
-            </a:solidFill>
-            <a:round/>
-            <a:headEnd/>
-            <a:tailEnd/>
-          </a:ln>
-          <a:extLst>
-            <a:ext uri="{909E8E84-426E-40dd-AFC4-6F175D3DCCD1}">
-              <a14:hiddenFill xmlns="" xmlns:a14="http://schemas.microsoft.com/office/drawing/2010/main">
-                <a:solidFill>
-                  <a:schemeClr val="accent1"/>
-                </a:solidFill>
-              </a14:hiddenFill>
-            </a:ext>
-          </a:extLst>
-        </p:spPr>
-        <p:txBody>
-          <a:bodyPr vert="eaVert" wrap="none" anchor="ctr"/>
-          <a:lstStyle/>
-          <a:p>
-            <a:pPr algn="ctr"/>
-            <a:endParaRPr lang="en-US" sz="2400"/>
-          </a:p>
-        </p:txBody>
-      </p:sp>
-      <p:sp>
-        <p:nvSpPr>
-          <p:cNvPr id="13326" name="Text Box 14"/>
-          <p:cNvSpPr txBox="1">
-            <a:spLocks noChangeArrowheads="1"/>
-          </p:cNvSpPr>
-          <p:nvPr/>
-        </p:nvSpPr>
-        <p:spPr bwMode="auto">
-          <a:xfrm>
-            <a:off x="2392363" y="4387850"/>
-            <a:ext cx="579437" cy="336550"/>
-          </a:xfrm>
-          <a:prstGeom prst="rect">
-            <a:avLst/>
-          </a:prstGeom>
-          <a:noFill/>
-          <a:ln>
-            <a:noFill/>
-          </a:ln>
-          <a:extLst>
-            <a:ext uri="{909E8E84-426E-40dd-AFC4-6F175D3DCCD1}">
-              <a14:hiddenFill xmlns="" xmlns:a14="http://schemas.microsoft.com/office/drawing/2010/main">
-                <a:solidFill>
-                  <a:schemeClr val="accent1"/>
-                </a:solidFill>
-              </a14:hiddenFill>
-            </a:ext>
-            <a:ext uri="{91240B29-F687-4f45-9708-019B960494DF}">
-              <a14:hiddenLine xmlns="" xmlns:a14="http://schemas.microsoft.com/office/drawing/2010/main" w="9525">
-                <a:solidFill>
-                  <a:schemeClr val="tx1"/>
-                </a:solidFill>
-                <a:miter lim="800000"/>
-                <a:headEnd/>
-                <a:tailEnd/>
-              </a14:hiddenLine>
-            </a:ext>
-          </a:extLst>
-        </p:spPr>
-        <p:txBody>
-          <a:bodyPr wrap="none">
-            <a:spAutoFit/>
-          </a:bodyPr>
-          <a:lstStyle/>
-          <a:p>
-            <a:r>
-              <a:rPr lang="en-US"/>
-              <a:t>expr</a:t>
-            </a:r>
-          </a:p>
-        </p:txBody>
-      </p:sp>
-      <p:sp>
-        <p:nvSpPr>
-          <p:cNvPr id="13327" name="AutoShape 15"/>
-          <p:cNvSpPr>
-            <a:spLocks/>
-          </p:cNvSpPr>
-          <p:nvPr/>
-        </p:nvSpPr>
-        <p:spPr bwMode="auto">
-          <a:xfrm rot="16176797">
-            <a:off x="4076700" y="3402013"/>
-            <a:ext cx="228600" cy="1828800"/>
-          </a:xfrm>
-          <a:prstGeom prst="leftBrace">
-            <a:avLst>
-              <a:gd name="adj1" fmla="val 109259"/>
-              <a:gd name="adj2" fmla="val 50000"/>
-            </a:avLst>
-          </a:prstGeom>
-          <a:noFill/>
-          <a:ln w="9525">
-            <a:solidFill>
-              <a:schemeClr val="tx1"/>
-            </a:solidFill>
-            <a:round/>
-            <a:headEnd/>
-            <a:tailEnd/>
-          </a:ln>
-          <a:extLst>
-            <a:ext uri="{909E8E84-426E-40dd-AFC4-6F175D3DCCD1}">
-              <a14:hiddenFill xmlns="" xmlns:a14="http://schemas.microsoft.com/office/drawing/2010/main">
-                <a:solidFill>
-                  <a:schemeClr val="accent1"/>
-                </a:solidFill>
-              </a14:hiddenFill>
-            </a:ext>
-          </a:extLst>
-        </p:spPr>
-        <p:txBody>
-          <a:bodyPr wrap="none" anchor="ctr"/>
-          <a:lstStyle/>
-          <a:p>
-            <a:endParaRPr lang="en-US"/>
-          </a:p>
-        </p:txBody>
-      </p:sp>
-      <p:sp>
-        <p:nvSpPr>
-          <p:cNvPr id="13328" name="Text Box 16"/>
-          <p:cNvSpPr txBox="1">
-            <a:spLocks noChangeArrowheads="1"/>
-          </p:cNvSpPr>
-          <p:nvPr/>
-        </p:nvSpPr>
-        <p:spPr bwMode="auto">
-          <a:xfrm>
-            <a:off x="3927475" y="4495800"/>
-            <a:ext cx="568325" cy="336550"/>
-          </a:xfrm>
-          <a:prstGeom prst="rect">
-            <a:avLst/>
-          </a:prstGeom>
-          <a:noFill/>
-          <a:ln>
-            <a:noFill/>
-          </a:ln>
-          <a:extLst>
-            <a:ext uri="{909E8E84-426E-40dd-AFC4-6F175D3DCCD1}">
-              <a14:hiddenFill xmlns="" xmlns:a14="http://schemas.microsoft.com/office/drawing/2010/main">
-                <a:solidFill>
-                  <a:schemeClr val="accent1"/>
-                </a:solidFill>
-              </a14:hiddenFill>
-            </a:ext>
-            <a:ext uri="{91240B29-F687-4f45-9708-019B960494DF}">
-              <a14:hiddenLine xmlns="" xmlns:a14="http://schemas.microsoft.com/office/drawing/2010/main" w="9525">
-                <a:solidFill>
-                  <a:schemeClr val="tx1"/>
-                </a:solidFill>
-                <a:miter lim="800000"/>
-                <a:headEnd/>
-                <a:tailEnd/>
-              </a14:hiddenLine>
-            </a:ext>
-          </a:extLst>
-        </p:spPr>
-        <p:txBody>
-          <a:bodyPr wrap="none">
-            <a:spAutoFit/>
-          </a:bodyPr>
-          <a:lstStyle/>
-          <a:p>
-            <a:r>
-              <a:rPr lang="en-US"/>
-              <a:t>stmt</a:t>
-            </a:r>
-          </a:p>
-        </p:txBody>
-      </p:sp>
-      <p:sp>
-        <p:nvSpPr>
-          <p:cNvPr id="13329" name="AutoShape 17"/>
-          <p:cNvSpPr>
-            <a:spLocks/>
-          </p:cNvSpPr>
-          <p:nvPr/>
-        </p:nvSpPr>
-        <p:spPr bwMode="auto">
-          <a:xfrm rot="16176797">
-            <a:off x="2705100" y="2797176"/>
-            <a:ext cx="452437" cy="4494212"/>
-          </a:xfrm>
-          <a:prstGeom prst="leftBrace">
-            <a:avLst>
-              <a:gd name="adj1" fmla="val 135664"/>
-              <a:gd name="adj2" fmla="val 50000"/>
-            </a:avLst>
-          </a:prstGeom>
-          <a:noFill/>
-          <a:ln w="9525">
-            <a:solidFill>
-              <a:schemeClr val="tx1"/>
-            </a:solidFill>
-            <a:round/>
-            <a:headEnd/>
-            <a:tailEnd/>
-          </a:ln>
-          <a:extLst>
-            <a:ext uri="{909E8E84-426E-40dd-AFC4-6F175D3DCCD1}">
-              <a14:hiddenFill xmlns="" xmlns:a14="http://schemas.microsoft.com/office/drawing/2010/main">
-                <a:solidFill>
-                  <a:schemeClr val="accent1"/>
-                </a:solidFill>
-              </a14:hiddenFill>
-            </a:ext>
-          </a:extLst>
-        </p:spPr>
-        <p:txBody>
-          <a:bodyPr wrap="none" anchor="ctr"/>
-          <a:lstStyle/>
-          <a:p>
-            <a:endParaRPr lang="en-US"/>
-          </a:p>
-        </p:txBody>
-      </p:sp>
-      <p:sp>
-        <p:nvSpPr>
-          <p:cNvPr id="13330" name="Text Box 18"/>
-          <p:cNvSpPr txBox="1">
-            <a:spLocks noChangeArrowheads="1"/>
-          </p:cNvSpPr>
-          <p:nvPr/>
-        </p:nvSpPr>
-        <p:spPr bwMode="auto">
-          <a:xfrm>
-            <a:off x="2667000" y="5313363"/>
-            <a:ext cx="568325" cy="336550"/>
-          </a:xfrm>
-          <a:prstGeom prst="rect">
-            <a:avLst/>
-          </a:prstGeom>
-          <a:noFill/>
-          <a:ln>
-            <a:noFill/>
-          </a:ln>
-          <a:extLst>
-            <a:ext uri="{909E8E84-426E-40dd-AFC4-6F175D3DCCD1}">
-              <a14:hiddenFill xmlns="" xmlns:a14="http://schemas.microsoft.com/office/drawing/2010/main">
-                <a:solidFill>
-                  <a:schemeClr val="accent1"/>
-                </a:solidFill>
-              </a14:hiddenFill>
-            </a:ext>
-            <a:ext uri="{91240B29-F687-4f45-9708-019B960494DF}">
-              <a14:hiddenLine xmlns="" xmlns:a14="http://schemas.microsoft.com/office/drawing/2010/main" w="9525">
-                <a:solidFill>
-                  <a:schemeClr val="tx1"/>
-                </a:solidFill>
-                <a:miter lim="800000"/>
-                <a:headEnd/>
-                <a:tailEnd/>
-              </a14:hiddenLine>
-            </a:ext>
-          </a:extLst>
-        </p:spPr>
-        <p:txBody>
-          <a:bodyPr wrap="none">
-            <a:spAutoFit/>
-          </a:bodyPr>
-          <a:lstStyle/>
-          <a:p>
-            <a:r>
-              <a:rPr lang="en-US"/>
-              <a:t>stmt</a:t>
-            </a:r>
-          </a:p>
-        </p:txBody>
-      </p:sp>
-      <p:sp>
-        <p:nvSpPr>
-          <p:cNvPr id="13331" name="AutoShape 19"/>
-          <p:cNvSpPr>
-            <a:spLocks/>
-          </p:cNvSpPr>
-          <p:nvPr/>
-        </p:nvSpPr>
-        <p:spPr bwMode="auto">
-          <a:xfrm rot="16176797">
-            <a:off x="2744788" y="3136900"/>
-            <a:ext cx="452437" cy="5027613"/>
-          </a:xfrm>
-          <a:prstGeom prst="leftBrace">
-            <a:avLst>
-              <a:gd name="adj1" fmla="val 151765"/>
-              <a:gd name="adj2" fmla="val 50000"/>
-            </a:avLst>
-          </a:prstGeom>
-          <a:noFill/>
-          <a:ln w="9525">
-            <a:solidFill>
-              <a:schemeClr val="tx1"/>
-            </a:solidFill>
-            <a:round/>
-            <a:headEnd/>
-            <a:tailEnd/>
-          </a:ln>
-          <a:extLst>
-            <a:ext uri="{909E8E84-426E-40dd-AFC4-6F175D3DCCD1}">
-              <a14:hiddenFill xmlns="" xmlns:a14="http://schemas.microsoft.com/office/drawing/2010/main">
-                <a:solidFill>
-                  <a:schemeClr val="accent1"/>
-                </a:solidFill>
-              </a14:hiddenFill>
-            </a:ext>
-          </a:extLst>
-        </p:spPr>
-        <p:txBody>
-          <a:bodyPr wrap="none" anchor="ctr"/>
-          <a:lstStyle/>
-          <a:p>
-            <a:endParaRPr lang="en-US"/>
-          </a:p>
-        </p:txBody>
-      </p:sp>
-      <p:sp>
-        <p:nvSpPr>
-          <p:cNvPr id="13332" name="Text Box 20"/>
-          <p:cNvSpPr txBox="1">
-            <a:spLocks noChangeArrowheads="1"/>
-          </p:cNvSpPr>
-          <p:nvPr/>
-        </p:nvSpPr>
-        <p:spPr bwMode="auto">
-          <a:xfrm>
-            <a:off x="2438400" y="5943600"/>
-            <a:ext cx="1009650" cy="336550"/>
-          </a:xfrm>
-          <a:prstGeom prst="rect">
-            <a:avLst/>
-          </a:prstGeom>
-          <a:noFill/>
-          <a:ln>
-            <a:noFill/>
-          </a:ln>
-          <a:extLst>
-            <a:ext uri="{909E8E84-426E-40dd-AFC4-6F175D3DCCD1}">
-              <a14:hiddenFill xmlns="" xmlns:a14="http://schemas.microsoft.com/office/drawing/2010/main">
-                <a:solidFill>
-                  <a:schemeClr val="accent1"/>
-                </a:solidFill>
-              </a14:hiddenFill>
-            </a:ext>
-            <a:ext uri="{91240B29-F687-4f45-9708-019B960494DF}">
-              <a14:hiddenLine xmlns="" xmlns:a14="http://schemas.microsoft.com/office/drawing/2010/main" w="9525">
-                <a:solidFill>
-                  <a:schemeClr val="tx1"/>
-                </a:solidFill>
-                <a:miter lim="800000"/>
-                <a:headEnd/>
-                <a:tailEnd/>
-              </a14:hiddenLine>
-            </a:ext>
-          </a:extLst>
-        </p:spPr>
-        <p:txBody>
-          <a:bodyPr wrap="none">
-            <a:spAutoFit/>
-          </a:bodyPr>
-          <a:lstStyle/>
-          <a:p>
-            <a:r>
-              <a:rPr lang="en-US"/>
-              <a:t>sentence</a:t>
-            </a:r>
-          </a:p>
-        </p:txBody>
-      </p:sp>
-      <p:sp>
-        <p:nvSpPr>
-          <p:cNvPr id="13333" name="Text Box 21"/>
-          <p:cNvSpPr txBox="1">
-            <a:spLocks noChangeArrowheads="1"/>
-          </p:cNvSpPr>
-          <p:nvPr/>
-        </p:nvSpPr>
-        <p:spPr bwMode="auto">
-          <a:xfrm>
-            <a:off x="5775325" y="2427288"/>
-            <a:ext cx="3175000" cy="4013200"/>
-          </a:xfrm>
-          <a:prstGeom prst="rect">
-            <a:avLst/>
-          </a:prstGeom>
-          <a:noFill/>
-          <a:ln w="9525">
-            <a:solidFill>
-              <a:schemeClr val="tx1"/>
-            </a:solidFill>
-            <a:miter lim="800000"/>
-            <a:headEnd/>
-            <a:tailEnd/>
-          </a:ln>
-          <a:extLst>
-            <a:ext uri="{909E8E84-426E-40dd-AFC4-6F175D3DCCD1}">
-              <a14:hiddenFill xmlns="" xmlns:a14="http://schemas.microsoft.com/office/drawing/2010/main">
-                <a:solidFill>
-                  <a:schemeClr val="accent1"/>
-                </a:solidFill>
-              </a14:hiddenFill>
-            </a:ext>
-          </a:extLst>
-        </p:spPr>
-        <p:txBody>
-          <a:bodyPr wrap="none">
-            <a:spAutoFit/>
-          </a:bodyPr>
-          <a:lstStyle/>
-          <a:p>
-            <a:pPr>
-              <a:buFontTx/>
-              <a:buChar char="•"/>
-            </a:pPr>
-            <a:r>
-              <a:rPr lang="en-US"/>
-              <a:t> a function definition is a</a:t>
+              <a:t>=0</a:t>
             </a:r>
             <a:br>
-              <a:rPr lang="en-US"/>
-            </a:br>
-            <a:r>
-              <a:rPr lang="en-US"/>
-              <a:t>  sentence, this sentence is </a:t>
-            </a:r>
-            <a:br>
-              <a:rPr lang="en-US"/>
-            </a:br>
-            <a:r>
-              <a:rPr lang="en-US"/>
-              <a:t>  a stmt</a:t>
-            </a:r>
-          </a:p>
-          <a:p>
-            <a:pPr>
-              <a:buFontTx/>
-              <a:buChar char="•"/>
-            </a:pPr>
-            <a:r>
-              <a:rPr lang="en-US"/>
-              <a:t> the stmt is composed of two</a:t>
-            </a:r>
-            <a:br>
-              <a:rPr lang="en-US"/>
-            </a:br>
-            <a:r>
-              <a:rPr lang="en-US"/>
-              <a:t>  tokens (function, inc), an expr, </a:t>
-            </a:r>
-            <a:br>
-              <a:rPr lang="en-US"/>
-            </a:br>
-            <a:r>
-              <a:rPr lang="en-US"/>
-              <a:t>  and a stmt</a:t>
-            </a:r>
-          </a:p>
-          <a:p>
-            <a:pPr>
-              <a:buFontTx/>
-              <a:buChar char="•"/>
-            </a:pPr>
-            <a:r>
-              <a:rPr lang="en-US"/>
-              <a:t> the expr is composed of four</a:t>
-            </a:r>
-            <a:br>
-              <a:rPr lang="en-US"/>
-            </a:br>
-            <a:r>
-              <a:rPr lang="en-US"/>
-              <a:t>  tokens: (,),int,i </a:t>
-            </a:r>
-          </a:p>
-          <a:p>
-            <a:pPr>
-              <a:buFontTx/>
-              <a:buChar char="•"/>
-            </a:pPr>
-            <a:r>
-              <a:rPr lang="en-US"/>
-              <a:t>the stmt is composed of a token</a:t>
-            </a:r>
-            <a:br>
-              <a:rPr lang="en-US"/>
-            </a:br>
-            <a:r>
-              <a:rPr lang="en-US"/>
-              <a:t>  (return) and an expr</a:t>
-            </a:r>
-          </a:p>
-          <a:p>
-            <a:pPr>
-              <a:buFontTx/>
-              <a:buChar char="•"/>
-            </a:pPr>
-            <a:r>
-              <a:rPr lang="en-US"/>
-              <a:t> the expr is composed of three</a:t>
-            </a:r>
-            <a:br>
-              <a:rPr lang="en-US"/>
-            </a:br>
-            <a:r>
-              <a:rPr lang="en-US"/>
-              <a:t>  tokens: I, +, 1 </a:t>
-            </a:r>
-            <a:br>
-              <a:rPr lang="en-US"/>
-            </a:br>
-            <a:br>
-              <a:rPr lang="en-US"/>
-            </a:br>
-            <a:r>
-              <a:rPr lang="en-US">
-                <a:sym typeface="Wingdings 2" charset="0"/>
-              </a:rPr>
-              <a:t> Language processors are built</a:t>
-            </a:r>
-            <a:br>
-              <a:rPr lang="en-US">
-                <a:sym typeface="Wingdings 2" charset="0"/>
+              <a:rPr lang="en-US" sz="1800" dirty="0">
+                <a:latin typeface="Courier New"/>
+                <a:cs typeface="Courier New"/>
               </a:rPr>
             </a:br>
             <a:r>
-              <a:rPr lang="en-US">
-                <a:sym typeface="Wingdings 2" charset="0"/>
+              <a:rPr lang="en-US" sz="1800" dirty="0">
+                <a:latin typeface="Courier New"/>
+                <a:cs typeface="Courier New"/>
               </a:rPr>
-              <a:t>    to extract this kind of hierarchy</a:t>
+              <a:t>	while </a:t>
+            </a:r>
+            <a:r>
+              <a:rPr lang="en-US" sz="1800" dirty="0" err="1">
+                <a:latin typeface="Courier New"/>
+                <a:cs typeface="Courier New"/>
+              </a:rPr>
+              <a:t>i</a:t>
+            </a:r>
+            <a:r>
+              <a:rPr lang="en-US" sz="1800" dirty="0">
+                <a:latin typeface="Courier New"/>
+                <a:cs typeface="Courier New"/>
+              </a:rPr>
+              <a:t> &lt; 10 do</a:t>
             </a:r>
             <a:br>
-              <a:rPr lang="en-US">
-                <a:sym typeface="Wingdings 2" charset="0"/>
+              <a:rPr lang="en-US" sz="1800" dirty="0">
+                <a:latin typeface="Courier New"/>
+                <a:cs typeface="Courier New"/>
               </a:rPr>
             </a:br>
             <a:r>
-              <a:rPr lang="en-US">
-                <a:sym typeface="Wingdings 2" charset="0"/>
+              <a:rPr lang="en-US" sz="1800" dirty="0">
+                <a:latin typeface="Courier New"/>
+                <a:cs typeface="Courier New"/>
               </a:rPr>
-              <a:t>    and process it.</a:t>
-            </a:r>
-            <a:endParaRPr lang="en-US"/>
-          </a:p>
-        </p:txBody>
-      </p:sp>
-      <p:sp>
-        <p:nvSpPr>
-          <p:cNvPr id="13334" name="Text Box 22"/>
-          <p:cNvSpPr txBox="1">
-            <a:spLocks noChangeArrowheads="1"/>
-          </p:cNvSpPr>
-          <p:nvPr/>
-        </p:nvSpPr>
-        <p:spPr bwMode="auto">
-          <a:xfrm>
-            <a:off x="288925" y="6438900"/>
-            <a:ext cx="4097338" cy="274638"/>
-          </a:xfrm>
-          <a:prstGeom prst="rect">
-            <a:avLst/>
-          </a:prstGeom>
-          <a:noFill/>
-          <a:ln>
-            <a:noFill/>
-          </a:ln>
-          <a:extLst>
-            <a:ext uri="{909E8E84-426E-40dd-AFC4-6F175D3DCCD1}">
-              <a14:hiddenFill xmlns="" xmlns:a14="http://schemas.microsoft.com/office/drawing/2010/main">
-                <a:solidFill>
-                  <a:schemeClr val="accent1"/>
-                </a:solidFill>
-              </a14:hiddenFill>
-            </a:ext>
-            <a:ext uri="{91240B29-F687-4f45-9708-019B960494DF}">
-              <a14:hiddenLine xmlns="" xmlns:a14="http://schemas.microsoft.com/office/drawing/2010/main" w="9525">
-                <a:solidFill>
-                  <a:schemeClr val="tx1"/>
-                </a:solidFill>
-                <a:miter lim="800000"/>
-                <a:headEnd/>
-                <a:tailEnd/>
-              </a14:hiddenLine>
-            </a:ext>
-          </a:extLst>
-        </p:spPr>
-        <p:txBody>
-          <a:bodyPr wrap="none">
-            <a:spAutoFit/>
-          </a:bodyPr>
-          <a:lstStyle/>
-          <a:p>
-            <a:r>
-              <a:rPr lang="en-US" sz="1200"/>
-              <a:t>Note: the structure of a language is also called the </a:t>
-            </a:r>
-            <a:r>
-              <a:rPr lang="en-US" sz="1200" u="sng"/>
-              <a:t>syntax</a:t>
-            </a:r>
-            <a:r>
-              <a:rPr lang="en-US" sz="1200"/>
-              <a:t>.</a:t>
-            </a:r>
-          </a:p>
-        </p:txBody>
-      </p:sp>
-      <p:sp>
-        <p:nvSpPr>
-          <p:cNvPr id="2" name="TextBox 1"/>
-          <p:cNvSpPr txBox="1"/>
-          <p:nvPr/>
-        </p:nvSpPr>
-        <p:spPr>
-          <a:xfrm>
-            <a:off x="1600200" y="4385846"/>
-            <a:ext cx="686606" cy="338554"/>
-          </a:xfrm>
-          <a:prstGeom prst="rect">
-            <a:avLst/>
-          </a:prstGeom>
-          <a:noFill/>
-        </p:spPr>
-        <p:txBody>
-          <a:bodyPr wrap="none" rtlCol="0">
-            <a:spAutoFit/>
-          </a:bodyPr>
-          <a:lstStyle/>
-          <a:p>
+              <a:t>		print </a:t>
+            </a:r>
+            <a:r>
+              <a:rPr lang="en-US" sz="1800" dirty="0" err="1">
+                <a:latin typeface="Courier New"/>
+                <a:cs typeface="Courier New"/>
+              </a:rPr>
+              <a:t>i</a:t>
+            </a:r>
+            <a:br>
+              <a:rPr lang="en-US" sz="1800" dirty="0">
+                <a:latin typeface="Courier New"/>
+                <a:cs typeface="Courier New"/>
+              </a:rPr>
+            </a:br>
+            <a:r>
+              <a:rPr lang="en-US" sz="1800" dirty="0">
+                <a:latin typeface="Courier New"/>
+                <a:cs typeface="Courier New"/>
+              </a:rPr>
+              <a:t>		</a:t>
+            </a:r>
+            <a:r>
+              <a:rPr lang="en-US" sz="1800" dirty="0" err="1">
+                <a:latin typeface="Courier New"/>
+                <a:cs typeface="Courier New"/>
+              </a:rPr>
+              <a:t>i</a:t>
+            </a:r>
+            <a:r>
+              <a:rPr lang="en-US" sz="1800" dirty="0">
+                <a:latin typeface="Courier New"/>
+                <a:cs typeface="Courier New"/>
+              </a:rPr>
+              <a:t>=i+1</a:t>
+            </a:r>
+            <a:br>
+              <a:rPr lang="en-US" sz="1800" dirty="0">
+                <a:latin typeface="Courier New"/>
+                <a:cs typeface="Courier New"/>
+              </a:rPr>
+            </a:br>
+            <a:r>
+              <a:rPr lang="en-US" sz="1800" dirty="0">
+                <a:latin typeface="Courier New"/>
+                <a:cs typeface="Courier New"/>
+              </a:rPr>
+              <a:t>	</a:t>
+            </a:r>
+            <a:r>
+              <a:rPr lang="en-US" sz="1800" dirty="0" err="1">
+                <a:latin typeface="Courier New"/>
+                <a:cs typeface="Courier New"/>
+              </a:rPr>
+              <a:t>enddo</a:t>
+            </a:r>
+            <a:endParaRPr lang="en-US" sz="1800" dirty="0">
+              <a:latin typeface="Courier New"/>
+              <a:cs typeface="Courier New"/>
+            </a:endParaRPr>
+          </a:p>
+          <a:p>
+            <a:pPr lvl="1"/>
             <a:r>
               <a:rPr lang="en-US" dirty="0"/>
-              <a:t>token</a:t>
-            </a:r>
-          </a:p>
-        </p:txBody>
-      </p:sp>
-      <p:sp>
-        <p:nvSpPr>
-          <p:cNvPr id="3" name="TextBox 2"/>
-          <p:cNvSpPr txBox="1"/>
-          <p:nvPr/>
-        </p:nvSpPr>
-        <p:spPr>
-          <a:xfrm>
-            <a:off x="685800" y="4374760"/>
-            <a:ext cx="686606" cy="338554"/>
-          </a:xfrm>
-          <a:prstGeom prst="rect">
-            <a:avLst/>
-          </a:prstGeom>
-          <a:noFill/>
-        </p:spPr>
-        <p:txBody>
-          <a:bodyPr wrap="none" rtlCol="0">
-            <a:spAutoFit/>
-          </a:bodyPr>
-          <a:lstStyle/>
-          <a:p>
-            <a:r>
+              <a:t>However, to the language processor this appears to be just a stream of symbols:</a:t>
+            </a:r>
+            <a:br>
               <a:rPr lang="en-US" dirty="0"/>
-              <a:t>token</a:t>
-            </a:r>
-          </a:p>
-        </p:txBody>
-      </p:sp>
-      <p:sp>
-        <p:nvSpPr>
-          <p:cNvPr id="4" name="TextBox 3"/>
-          <p:cNvSpPr txBox="1"/>
-          <p:nvPr/>
-        </p:nvSpPr>
-        <p:spPr>
-          <a:xfrm>
-            <a:off x="3429000" y="3581400"/>
-            <a:ext cx="686606" cy="338554"/>
-          </a:xfrm>
-          <a:prstGeom prst="rect">
-            <a:avLst/>
-          </a:prstGeom>
-          <a:noFill/>
-        </p:spPr>
-        <p:txBody>
-          <a:bodyPr wrap="none" rtlCol="0">
-            <a:spAutoFit/>
-          </a:bodyPr>
-          <a:lstStyle/>
-          <a:p>
+            </a:br>
+            <a:r>
+              <a:rPr lang="en-US" sz="1600" dirty="0" err="1">
+                <a:latin typeface="Courier New"/>
+                <a:cs typeface="Courier New"/>
+              </a:rPr>
+              <a:t>i</a:t>
+            </a:r>
+            <a:r>
+              <a:rPr lang="en-US" sz="1600" dirty="0">
+                <a:latin typeface="Courier New"/>
+                <a:cs typeface="Courier New"/>
+              </a:rPr>
+              <a:t>=0&lt;</a:t>
+            </a:r>
+            <a:r>
+              <a:rPr lang="en-US" sz="1600" dirty="0" err="1">
+                <a:latin typeface="Courier New"/>
+                <a:cs typeface="Courier New"/>
+              </a:rPr>
+              <a:t>cr</a:t>
+            </a:r>
+            <a:r>
+              <a:rPr lang="en-US" sz="1600" dirty="0">
+                <a:latin typeface="Courier New"/>
+                <a:cs typeface="Courier New"/>
+              </a:rPr>
+              <a:t>&gt;while&lt;</a:t>
+            </a:r>
+            <a:r>
+              <a:rPr lang="en-US" sz="1600" dirty="0" err="1">
+                <a:latin typeface="Courier New"/>
+                <a:cs typeface="Courier New"/>
+              </a:rPr>
+              <a:t>sp</a:t>
+            </a:r>
+            <a:r>
+              <a:rPr lang="en-US" sz="1600" dirty="0">
+                <a:latin typeface="Courier New"/>
+                <a:cs typeface="Courier New"/>
+              </a:rPr>
+              <a:t>&gt;</a:t>
+            </a:r>
+            <a:r>
+              <a:rPr lang="en-US" sz="1600" dirty="0" err="1">
+                <a:latin typeface="Courier New"/>
+                <a:cs typeface="Courier New"/>
+              </a:rPr>
+              <a:t>i</a:t>
+            </a:r>
+            <a:r>
+              <a:rPr lang="en-US" sz="1600" dirty="0">
+                <a:latin typeface="Courier New"/>
+                <a:cs typeface="Courier New"/>
+              </a:rPr>
+              <a:t>&lt;</a:t>
+            </a:r>
+            <a:r>
+              <a:rPr lang="en-US" sz="1600" dirty="0" err="1">
+                <a:latin typeface="Courier New"/>
+                <a:cs typeface="Courier New"/>
+              </a:rPr>
+              <a:t>sp</a:t>
+            </a:r>
+            <a:r>
+              <a:rPr lang="en-US" sz="1600" dirty="0">
+                <a:latin typeface="Courier New"/>
+                <a:cs typeface="Courier New"/>
+              </a:rPr>
+              <a:t>&gt;&lt;&lt;</a:t>
+            </a:r>
+            <a:r>
+              <a:rPr lang="en-US" sz="1600" dirty="0" err="1">
+                <a:latin typeface="Courier New"/>
+                <a:cs typeface="Courier New"/>
+              </a:rPr>
+              <a:t>sp</a:t>
+            </a:r>
+            <a:r>
+              <a:rPr lang="en-US" sz="1600" dirty="0">
+                <a:latin typeface="Courier New"/>
+                <a:cs typeface="Courier New"/>
+              </a:rPr>
+              <a:t>&gt;10&lt;</a:t>
+            </a:r>
+            <a:r>
+              <a:rPr lang="en-US" sz="1600" dirty="0" err="1">
+                <a:latin typeface="Courier New"/>
+                <a:cs typeface="Courier New"/>
+              </a:rPr>
+              <a:t>sp</a:t>
+            </a:r>
+            <a:r>
+              <a:rPr lang="en-US" sz="1600" dirty="0">
+                <a:latin typeface="Courier New"/>
+                <a:cs typeface="Courier New"/>
+              </a:rPr>
+              <a:t>&gt;do&lt;</a:t>
+            </a:r>
+            <a:r>
+              <a:rPr lang="en-US" sz="1600" dirty="0" err="1">
+                <a:latin typeface="Courier New"/>
+                <a:cs typeface="Courier New"/>
+              </a:rPr>
+              <a:t>cr</a:t>
+            </a:r>
+            <a:r>
+              <a:rPr lang="en-US" sz="1600" dirty="0">
+                <a:latin typeface="Courier New"/>
+                <a:cs typeface="Courier New"/>
+              </a:rPr>
+              <a:t>&gt;&lt;tab&gt;print&lt;</a:t>
+            </a:r>
+            <a:r>
+              <a:rPr lang="en-US" sz="1600" dirty="0" err="1">
+                <a:latin typeface="Courier New"/>
+                <a:cs typeface="Courier New"/>
+              </a:rPr>
+              <a:t>sp</a:t>
+            </a:r>
+            <a:r>
+              <a:rPr lang="en-US" sz="1600" dirty="0">
+                <a:latin typeface="Courier New"/>
+                <a:cs typeface="Courier New"/>
+              </a:rPr>
+              <a:t>&gt;</a:t>
+            </a:r>
+            <a:r>
+              <a:rPr lang="en-US" sz="1600" dirty="0" err="1">
+                <a:latin typeface="Courier New"/>
+                <a:cs typeface="Courier New"/>
+              </a:rPr>
+              <a:t>i</a:t>
+            </a:r>
+            <a:r>
+              <a:rPr lang="en-US" sz="1600" dirty="0">
+                <a:latin typeface="Courier New"/>
+                <a:cs typeface="Courier New"/>
+              </a:rPr>
+              <a:t>&lt;</a:t>
+            </a:r>
+            <a:r>
+              <a:rPr lang="en-US" sz="1600" dirty="0" err="1">
+                <a:latin typeface="Courier New"/>
+                <a:cs typeface="Courier New"/>
+              </a:rPr>
+              <a:t>cr</a:t>
+            </a:r>
+            <a:r>
+              <a:rPr lang="en-US" sz="1600" dirty="0">
+                <a:latin typeface="Courier New"/>
+                <a:cs typeface="Courier New"/>
+              </a:rPr>
+              <a:t>&gt;…</a:t>
+            </a:r>
+            <a:br>
+              <a:rPr lang="en-US" sz="1600" dirty="0">
+                <a:latin typeface="Courier New"/>
+                <a:cs typeface="Courier New"/>
+              </a:rPr>
+            </a:br>
+            <a:endParaRPr lang="en-US" sz="1600" dirty="0">
+              <a:latin typeface="Courier New"/>
+              <a:cs typeface="Courier New"/>
+            </a:endParaRPr>
+          </a:p>
+          <a:p>
+            <a:pPr lvl="1"/>
             <a:r>
               <a:rPr lang="en-US" dirty="0"/>
-              <a:t>token</a:t>
-            </a:r>
-          </a:p>
-        </p:txBody>
-      </p:sp>
-      <p:cxnSp>
-        <p:nvCxnSpPr>
-          <p:cNvPr id="6" name="Straight Connector 5"/>
-          <p:cNvCxnSpPr/>
-          <p:nvPr/>
-        </p:nvCxnSpPr>
-        <p:spPr bwMode="auto">
-          <a:xfrm>
-            <a:off x="990600" y="3581400"/>
-            <a:ext cx="0" cy="685800"/>
-          </a:xfrm>
-          <a:prstGeom prst="line">
-            <a:avLst/>
-          </a:prstGeom>
-          <a:solidFill>
-            <a:schemeClr val="accent1"/>
-          </a:solidFill>
-          <a:ln w="9525" cap="flat" cmpd="sng" algn="ctr">
-            <a:solidFill>
-              <a:schemeClr val="tx1"/>
-            </a:solidFill>
-            <a:prstDash val="solid"/>
-            <a:round/>
-            <a:headEnd type="none" w="med" len="med"/>
-            <a:tailEnd type="none" w="med" len="med"/>
-          </a:ln>
-          <a:effectLst/>
-          <a:extLst>
-            <a:ext uri="{AF507438-7753-43e0-B8FC-AC1667EBCBE1}">
-              <a14:hiddenEffects xmlns="" xmlns:a14="http://schemas.microsoft.com/office/drawing/2010/main">
-                <a:effectLst>
-                  <a:outerShdw blurRad="63500" dist="38099" dir="2700000" algn="ctr" rotWithShape="0">
-                    <a:schemeClr val="bg2">
-                      <a:alpha val="74998"/>
-                    </a:schemeClr>
-                  </a:outerShdw>
-                </a:effectLst>
-              </a14:hiddenEffects>
-            </a:ext>
-          </a:extLst>
-        </p:spPr>
-      </p:cxnSp>
-      <p:cxnSp>
-        <p:nvCxnSpPr>
-          <p:cNvPr id="10" name="Straight Connector 9"/>
-          <p:cNvCxnSpPr/>
-          <p:nvPr/>
-        </p:nvCxnSpPr>
-        <p:spPr bwMode="auto">
-          <a:xfrm>
-            <a:off x="1828800" y="3581400"/>
-            <a:ext cx="0" cy="609600"/>
-          </a:xfrm>
-          <a:prstGeom prst="line">
-            <a:avLst/>
-          </a:prstGeom>
-          <a:solidFill>
-            <a:schemeClr val="accent1"/>
-          </a:solidFill>
-          <a:ln w="9525" cap="flat" cmpd="sng" algn="ctr">
-            <a:solidFill>
-              <a:schemeClr val="tx1"/>
-            </a:solidFill>
-            <a:prstDash val="solid"/>
-            <a:round/>
-            <a:headEnd type="none" w="med" len="med"/>
-            <a:tailEnd type="none" w="med" len="med"/>
-          </a:ln>
-          <a:effectLst/>
-          <a:extLst>
-            <a:ext uri="{AF507438-7753-43e0-B8FC-AC1667EBCBE1}">
-              <a14:hiddenEffects xmlns="" xmlns:a14="http://schemas.microsoft.com/office/drawing/2010/main">
-                <a:effectLst>
-                  <a:outerShdw blurRad="63500" dist="38099" dir="2700000" algn="ctr" rotWithShape="0">
-                    <a:schemeClr val="bg2">
-                      <a:alpha val="74998"/>
-                    </a:schemeClr>
-                  </a:outerShdw>
-                </a:effectLst>
-              </a14:hiddenEffects>
-            </a:ext>
-          </a:extLst>
-        </p:spPr>
-      </p:cxnSp>
-      <p:cxnSp>
-        <p:nvCxnSpPr>
-          <p:cNvPr id="12" name="Straight Connector 11"/>
-          <p:cNvCxnSpPr/>
-          <p:nvPr/>
-        </p:nvCxnSpPr>
-        <p:spPr bwMode="auto">
-          <a:xfrm>
-            <a:off x="3733800" y="3352800"/>
-            <a:ext cx="0" cy="76200"/>
-          </a:xfrm>
-          <a:prstGeom prst="line">
-            <a:avLst/>
-          </a:prstGeom>
-          <a:solidFill>
-            <a:schemeClr val="accent1"/>
-          </a:solidFill>
-          <a:ln w="9525" cap="flat" cmpd="sng" algn="ctr">
-            <a:solidFill>
-              <a:schemeClr val="tx1"/>
-            </a:solidFill>
-            <a:prstDash val="solid"/>
-            <a:round/>
-            <a:headEnd type="none" w="med" len="med"/>
-            <a:tailEnd type="none" w="med" len="med"/>
-          </a:ln>
-          <a:effectLst/>
-          <a:extLst>
-            <a:ext uri="{AF507438-7753-43e0-B8FC-AC1667EBCBE1}">
-              <a14:hiddenEffects xmlns="" xmlns:a14="http://schemas.microsoft.com/office/drawing/2010/main">
-                <a:effectLst>
-                  <a:outerShdw blurRad="63500" dist="38099" dir="2700000" algn="ctr" rotWithShape="0">
-                    <a:schemeClr val="bg2">
-                      <a:alpha val="74998"/>
-                    </a:schemeClr>
-                  </a:outerShdw>
-                </a:effectLst>
-              </a14:hiddenEffects>
-            </a:ext>
-          </a:extLst>
-        </p:spPr>
-      </p:cxnSp>
+              <a:t>Here, &lt;</a:t>
+            </a:r>
+            <a:r>
+              <a:rPr lang="en-US" dirty="0" err="1"/>
+              <a:t>cr</a:t>
+            </a:r>
+            <a:r>
+              <a:rPr lang="en-US" dirty="0"/>
+              <a:t>&gt;, &lt;</a:t>
+            </a:r>
+            <a:r>
+              <a:rPr lang="en-US" dirty="0" err="1"/>
+              <a:t>sp</a:t>
+            </a:r>
+            <a:r>
+              <a:rPr lang="en-US" dirty="0"/>
+              <a:t>&gt;,and &lt;tab&gt; are special symbols </a:t>
+            </a:r>
+          </a:p>
+        </p:txBody>
+      </p:sp>
     </p:spTree>
+    <p:extLst>
+      <p:ext uri="{BB962C8B-B14F-4D97-AF65-F5344CB8AC3E}">
+        <p14:creationId xmlns:p14="http://schemas.microsoft.com/office/powerpoint/2010/main" val="1846729649"/>
+      </p:ext>
+    </p:extLst>
   </p:cSld>
   <p:clrMapOvr>
     <a:masterClrMapping/>
@@ -10914,7 +9931,7 @@
           <a:p>
             <a:r>
               <a:rPr lang="en-US" dirty="0"/>
-              <a:t>The Structure of Programming Languages</a:t>
+              <a:t>The Behavior of Programming Languages</a:t>
             </a:r>
           </a:p>
         </p:txBody>
@@ -10935,334 +9952,147 @@
           <a:lstStyle/>
           <a:p>
             <a:r>
-              <a:rPr lang="en-US" dirty="0"/>
-              <a:t>Programming text page vs. Symbol Stream</a:t>
-            </a:r>
-          </a:p>
-          <a:p>
-            <a:pPr lvl="1"/>
-            <a:r>
-              <a:rPr lang="en-US" dirty="0"/>
-              <a:t>We usually represent programs as 2D text</a:t>
+              <a:rPr lang="en-US" sz="2800" dirty="0"/>
+              <a:t>In addition to specifying the syntax of a programming language we also need to specify its behavior – </a:t>
+            </a:r>
+            <a:r>
+              <a:rPr lang="en-US" sz="2800" b="1" dirty="0"/>
+              <a:t>the Semantics of the Language</a:t>
+            </a:r>
+            <a:endParaRPr lang="en-US" sz="2800" dirty="0"/>
+          </a:p>
+          <a:p>
+            <a:r>
+              <a:rPr lang="en-US" sz="2800" dirty="0"/>
+              <a:t>Every programmer instinctively knows what the following program fragment does:</a:t>
             </a:r>
             <a:br>
-              <a:rPr lang="en-US" dirty="0"/>
+              <a:rPr lang="en-US" sz="2800" dirty="0"/>
             </a:br>
             <a:r>
-              <a:rPr lang="en-US" sz="1800" dirty="0">
+              <a:rPr lang="en-US" sz="2000" dirty="0">
                 <a:latin typeface="Courier New"/>
                 <a:cs typeface="Courier New"/>
               </a:rPr>
               <a:t>	</a:t>
             </a:r>
             <a:r>
-              <a:rPr lang="en-US" sz="1800" dirty="0" err="1">
+              <a:rPr lang="en-US" sz="2000" dirty="0" err="1">
                 <a:latin typeface="Courier New"/>
                 <a:cs typeface="Courier New"/>
               </a:rPr>
               <a:t>i</a:t>
             </a:r>
             <a:r>
-              <a:rPr lang="en-US" sz="1800" dirty="0">
+              <a:rPr lang="en-US" sz="2000" dirty="0">
                 <a:latin typeface="Courier New"/>
                 <a:cs typeface="Courier New"/>
               </a:rPr>
               <a:t>=0</a:t>
             </a:r>
             <a:br>
-              <a:rPr lang="en-US" sz="1800" dirty="0">
+              <a:rPr lang="en-US" sz="2000" dirty="0">
                 <a:latin typeface="Courier New"/>
                 <a:cs typeface="Courier New"/>
               </a:rPr>
             </a:br>
             <a:r>
-              <a:rPr lang="en-US" sz="1800" dirty="0">
+              <a:rPr lang="en-US" sz="2000" dirty="0">
                 <a:latin typeface="Courier New"/>
                 <a:cs typeface="Courier New"/>
               </a:rPr>
               <a:t>	while </a:t>
             </a:r>
             <a:r>
-              <a:rPr lang="en-US" sz="1800" dirty="0" err="1">
+              <a:rPr lang="en-US" sz="2000" dirty="0" err="1">
                 <a:latin typeface="Courier New"/>
                 <a:cs typeface="Courier New"/>
               </a:rPr>
               <a:t>i</a:t>
             </a:r>
             <a:r>
-              <a:rPr lang="en-US" sz="1800" dirty="0">
+              <a:rPr lang="en-US" sz="2000" dirty="0">
                 <a:latin typeface="Courier New"/>
                 <a:cs typeface="Courier New"/>
               </a:rPr>
               <a:t> &lt; 10 do</a:t>
             </a:r>
             <a:br>
-              <a:rPr lang="en-US" sz="1800" dirty="0">
+              <a:rPr lang="en-US" sz="2000" dirty="0">
                 <a:latin typeface="Courier New"/>
                 <a:cs typeface="Courier New"/>
               </a:rPr>
             </a:br>
             <a:r>
-              <a:rPr lang="en-US" sz="1800" dirty="0">
+              <a:rPr lang="en-US" sz="2000" dirty="0">
                 <a:latin typeface="Courier New"/>
                 <a:cs typeface="Courier New"/>
               </a:rPr>
               <a:t>		print </a:t>
             </a:r>
             <a:r>
-              <a:rPr lang="en-US" sz="1800" dirty="0" err="1">
+              <a:rPr lang="en-US" sz="2000" dirty="0" err="1">
                 <a:latin typeface="Courier New"/>
                 <a:cs typeface="Courier New"/>
               </a:rPr>
               <a:t>i</a:t>
             </a:r>
             <a:br>
-              <a:rPr lang="en-US" sz="1800" dirty="0">
+              <a:rPr lang="en-US" sz="2000" dirty="0">
                 <a:latin typeface="Courier New"/>
                 <a:cs typeface="Courier New"/>
               </a:rPr>
             </a:br>
             <a:r>
-              <a:rPr lang="en-US" sz="1800" dirty="0">
+              <a:rPr lang="en-US" sz="2000" dirty="0">
                 <a:latin typeface="Courier New"/>
                 <a:cs typeface="Courier New"/>
               </a:rPr>
               <a:t>		</a:t>
             </a:r>
             <a:r>
-              <a:rPr lang="en-US" sz="1800" dirty="0" err="1">
+              <a:rPr lang="en-US" sz="2000" dirty="0" err="1">
                 <a:latin typeface="Courier New"/>
                 <a:cs typeface="Courier New"/>
               </a:rPr>
               <a:t>i</a:t>
             </a:r>
             <a:r>
-              <a:rPr lang="en-US" sz="1800" dirty="0">
+              <a:rPr lang="en-US" sz="2000" dirty="0">
                 <a:latin typeface="Courier New"/>
                 <a:cs typeface="Courier New"/>
               </a:rPr>
               <a:t>=i+1</a:t>
             </a:r>
             <a:br>
-              <a:rPr lang="en-US" sz="1800" dirty="0">
+              <a:rPr lang="en-US" sz="2000" dirty="0">
                 <a:latin typeface="Courier New"/>
                 <a:cs typeface="Courier New"/>
               </a:rPr>
             </a:br>
             <a:r>
-              <a:rPr lang="en-US" sz="1800" dirty="0">
+              <a:rPr lang="en-US" sz="2000" dirty="0">
                 <a:latin typeface="Courier New"/>
                 <a:cs typeface="Courier New"/>
               </a:rPr>
               <a:t>	</a:t>
             </a:r>
             <a:r>
-              <a:rPr lang="en-US" sz="1800" dirty="0" err="1">
+              <a:rPr lang="en-US" sz="2000" dirty="0" err="1">
                 <a:latin typeface="Courier New"/>
                 <a:cs typeface="Courier New"/>
               </a:rPr>
               <a:t>enddo</a:t>
             </a:r>
-            <a:endParaRPr lang="en-US" sz="1800" dirty="0">
+            <a:endParaRPr lang="en-US" sz="2000" dirty="0">
               <a:latin typeface="Courier New"/>
               <a:cs typeface="Courier New"/>
             </a:endParaRPr>
           </a:p>
           <a:p>
-            <a:pPr lvl="1"/>
-            <a:r>
-              <a:rPr lang="en-US" dirty="0"/>
-              <a:t>However, to the language processor this appears to be just a stream of symbols:</a:t>
-            </a:r>
-            <a:br>
-              <a:rPr lang="en-US" dirty="0"/>
-            </a:br>
-            <a:r>
-              <a:rPr lang="en-US" sz="1600" dirty="0" err="1">
-                <a:latin typeface="Courier New"/>
-                <a:cs typeface="Courier New"/>
-              </a:rPr>
-              <a:t>i</a:t>
-            </a:r>
-            <a:r>
-              <a:rPr lang="en-US" sz="1600" dirty="0">
-                <a:latin typeface="Courier New"/>
-                <a:cs typeface="Courier New"/>
-              </a:rPr>
-              <a:t>=0&lt;</a:t>
-            </a:r>
-            <a:r>
-              <a:rPr lang="en-US" sz="1600" dirty="0" err="1">
-                <a:latin typeface="Courier New"/>
-                <a:cs typeface="Courier New"/>
-              </a:rPr>
-              <a:t>cr</a:t>
-            </a:r>
-            <a:r>
-              <a:rPr lang="en-US" sz="1600" dirty="0">
-                <a:latin typeface="Courier New"/>
-                <a:cs typeface="Courier New"/>
-              </a:rPr>
-              <a:t>&gt;while&lt;</a:t>
-            </a:r>
-            <a:r>
-              <a:rPr lang="en-US" sz="1600" dirty="0" err="1">
-                <a:latin typeface="Courier New"/>
-                <a:cs typeface="Courier New"/>
-              </a:rPr>
-              <a:t>sp</a:t>
-            </a:r>
-            <a:r>
-              <a:rPr lang="en-US" sz="1600" dirty="0">
-                <a:latin typeface="Courier New"/>
-                <a:cs typeface="Courier New"/>
-              </a:rPr>
-              <a:t>&gt;</a:t>
-            </a:r>
-            <a:r>
-              <a:rPr lang="en-US" sz="1600" dirty="0" err="1">
-                <a:latin typeface="Courier New"/>
-                <a:cs typeface="Courier New"/>
-              </a:rPr>
-              <a:t>i</a:t>
-            </a:r>
-            <a:r>
-              <a:rPr lang="en-US" sz="1600" dirty="0">
-                <a:latin typeface="Courier New"/>
-                <a:cs typeface="Courier New"/>
-              </a:rPr>
-              <a:t>&lt;</a:t>
-            </a:r>
-            <a:r>
-              <a:rPr lang="en-US" sz="1600" dirty="0" err="1">
-                <a:latin typeface="Courier New"/>
-                <a:cs typeface="Courier New"/>
-              </a:rPr>
-              <a:t>sp</a:t>
-            </a:r>
-            <a:r>
-              <a:rPr lang="en-US" sz="1600" dirty="0">
-                <a:latin typeface="Courier New"/>
-                <a:cs typeface="Courier New"/>
-              </a:rPr>
-              <a:t>&gt;&lt;&lt;</a:t>
-            </a:r>
-            <a:r>
-              <a:rPr lang="en-US" sz="1600" dirty="0" err="1">
-                <a:latin typeface="Courier New"/>
-                <a:cs typeface="Courier New"/>
-              </a:rPr>
-              <a:t>sp</a:t>
-            </a:r>
-            <a:r>
-              <a:rPr lang="en-US" sz="1600" dirty="0">
-                <a:latin typeface="Courier New"/>
-                <a:cs typeface="Courier New"/>
-              </a:rPr>
-              <a:t>&gt;10&lt;</a:t>
-            </a:r>
-            <a:r>
-              <a:rPr lang="en-US" sz="1600" dirty="0" err="1">
-                <a:latin typeface="Courier New"/>
-                <a:cs typeface="Courier New"/>
-              </a:rPr>
-              <a:t>sp</a:t>
-            </a:r>
-            <a:r>
-              <a:rPr lang="en-US" sz="1600" dirty="0">
-                <a:latin typeface="Courier New"/>
-                <a:cs typeface="Courier New"/>
-              </a:rPr>
-              <a:t>&gt;do&lt;</a:t>
-            </a:r>
-            <a:r>
-              <a:rPr lang="en-US" sz="1600" dirty="0" err="1">
-                <a:latin typeface="Courier New"/>
-                <a:cs typeface="Courier New"/>
-              </a:rPr>
-              <a:t>cr</a:t>
-            </a:r>
-            <a:r>
-              <a:rPr lang="en-US" sz="1600" dirty="0">
-                <a:latin typeface="Courier New"/>
-                <a:cs typeface="Courier New"/>
-              </a:rPr>
-              <a:t>&gt;&lt;tab&gt;print&lt;</a:t>
-            </a:r>
-            <a:r>
-              <a:rPr lang="en-US" sz="1600" dirty="0" err="1">
-                <a:latin typeface="Courier New"/>
-                <a:cs typeface="Courier New"/>
-              </a:rPr>
-              <a:t>sp</a:t>
-            </a:r>
-            <a:r>
-              <a:rPr lang="en-US" sz="1600" dirty="0">
-                <a:latin typeface="Courier New"/>
-                <a:cs typeface="Courier New"/>
-              </a:rPr>
-              <a:t>&gt;</a:t>
-            </a:r>
-            <a:r>
-              <a:rPr lang="en-US" sz="1600" dirty="0" err="1">
-                <a:latin typeface="Courier New"/>
-                <a:cs typeface="Courier New"/>
-              </a:rPr>
-              <a:t>i</a:t>
-            </a:r>
-            <a:r>
-              <a:rPr lang="en-US" sz="1600" dirty="0">
-                <a:latin typeface="Courier New"/>
-                <a:cs typeface="Courier New"/>
-              </a:rPr>
-              <a:t>&lt;</a:t>
-            </a:r>
-            <a:r>
-              <a:rPr lang="en-US" sz="1600" dirty="0" err="1">
-                <a:latin typeface="Courier New"/>
-                <a:cs typeface="Courier New"/>
-              </a:rPr>
-              <a:t>cr</a:t>
-            </a:r>
-            <a:r>
-              <a:rPr lang="en-US" sz="1600" dirty="0">
-                <a:latin typeface="Courier New"/>
-                <a:cs typeface="Courier New"/>
-              </a:rPr>
-              <a:t>&gt;…</a:t>
-            </a:r>
-            <a:br>
-              <a:rPr lang="en-US" sz="1600" dirty="0">
-                <a:latin typeface="Courier New"/>
-                <a:cs typeface="Courier New"/>
-              </a:rPr>
-            </a:br>
-            <a:endParaRPr lang="en-US" sz="1600" dirty="0">
-              <a:latin typeface="Courier New"/>
-              <a:cs typeface="Courier New"/>
-            </a:endParaRPr>
-          </a:p>
-          <a:p>
-            <a:pPr lvl="1"/>
-            <a:r>
-              <a:rPr lang="en-US" dirty="0"/>
-              <a:t>Here, &lt;</a:t>
-            </a:r>
-            <a:r>
-              <a:rPr lang="en-US" dirty="0" err="1"/>
-              <a:t>cr</a:t>
-            </a:r>
-            <a:r>
-              <a:rPr lang="en-US" dirty="0"/>
-              <a:t>&gt;, &lt;</a:t>
-            </a:r>
-            <a:r>
-              <a:rPr lang="en-US" dirty="0" err="1"/>
-              <a:t>sp</a:t>
-            </a:r>
-            <a:r>
-              <a:rPr lang="en-US" dirty="0"/>
-              <a:t>&gt;,and &lt;tab&gt; are special symbols </a:t>
+            <a:r>
+              <a:rPr lang="en-US" sz="2800" dirty="0"/>
+              <a:t>But we need to tell the language processor what this program means; how it should behave.</a:t>
             </a:r>
           </a:p>
         </p:txBody>
@@ -11270,7 +10100,7 @@
     </p:spTree>
     <p:extLst>
       <p:ext uri="{BB962C8B-B14F-4D97-AF65-F5344CB8AC3E}">
-        <p14:creationId xmlns:p14="http://schemas.microsoft.com/office/powerpoint/2010/main" val="1846729649"/>
+        <p14:creationId xmlns:p14="http://schemas.microsoft.com/office/powerpoint/2010/main" val="1741769458"/>
       </p:ext>
     </p:extLst>
   </p:cSld>
@@ -11321,219 +10151,6 @@
       </p:sp>
       <p:sp>
         <p:nvSpPr>
-          <p:cNvPr id="3" name="Content Placeholder 2"/>
-          <p:cNvSpPr>
-            <a:spLocks noGrp="1"/>
-          </p:cNvSpPr>
-          <p:nvPr>
-            <p:ph idx="1"/>
-          </p:nvPr>
-        </p:nvSpPr>
-        <p:spPr/>
-        <p:txBody>
-          <a:bodyPr/>
-          <a:lstStyle/>
-          <a:p>
-            <a:r>
-              <a:rPr lang="en-US" sz="2800" dirty="0"/>
-              <a:t>In addition to specifying the syntax of a programming language we also need to specify its behavior – </a:t>
-            </a:r>
-            <a:r>
-              <a:rPr lang="en-US" sz="2800" b="1" dirty="0"/>
-              <a:t>the Semantics of the Language</a:t>
-            </a:r>
-            <a:endParaRPr lang="en-US" sz="2800" dirty="0"/>
-          </a:p>
-          <a:p>
-            <a:r>
-              <a:rPr lang="en-US" sz="2800" dirty="0"/>
-              <a:t>Every programmer instinctively knows what the following program fragment does:</a:t>
-            </a:r>
-            <a:br>
-              <a:rPr lang="en-US" sz="2800" dirty="0"/>
-            </a:br>
-            <a:r>
-              <a:rPr lang="en-US" sz="2000" dirty="0">
-                <a:latin typeface="Courier New"/>
-                <a:cs typeface="Courier New"/>
-              </a:rPr>
-              <a:t>	</a:t>
-            </a:r>
-            <a:r>
-              <a:rPr lang="en-US" sz="2000" dirty="0" err="1">
-                <a:latin typeface="Courier New"/>
-                <a:cs typeface="Courier New"/>
-              </a:rPr>
-              <a:t>i</a:t>
-            </a:r>
-            <a:r>
-              <a:rPr lang="en-US" sz="2000" dirty="0">
-                <a:latin typeface="Courier New"/>
-                <a:cs typeface="Courier New"/>
-              </a:rPr>
-              <a:t>=0</a:t>
-            </a:r>
-            <a:br>
-              <a:rPr lang="en-US" sz="2000" dirty="0">
-                <a:latin typeface="Courier New"/>
-                <a:cs typeface="Courier New"/>
-              </a:rPr>
-            </a:br>
-            <a:r>
-              <a:rPr lang="en-US" sz="2000" dirty="0">
-                <a:latin typeface="Courier New"/>
-                <a:cs typeface="Courier New"/>
-              </a:rPr>
-              <a:t>	while </a:t>
-            </a:r>
-            <a:r>
-              <a:rPr lang="en-US" sz="2000" dirty="0" err="1">
-                <a:latin typeface="Courier New"/>
-                <a:cs typeface="Courier New"/>
-              </a:rPr>
-              <a:t>i</a:t>
-            </a:r>
-            <a:r>
-              <a:rPr lang="en-US" sz="2000" dirty="0">
-                <a:latin typeface="Courier New"/>
-                <a:cs typeface="Courier New"/>
-              </a:rPr>
-              <a:t> &lt; 10 do</a:t>
-            </a:r>
-            <a:br>
-              <a:rPr lang="en-US" sz="2000" dirty="0">
-                <a:latin typeface="Courier New"/>
-                <a:cs typeface="Courier New"/>
-              </a:rPr>
-            </a:br>
-            <a:r>
-              <a:rPr lang="en-US" sz="2000" dirty="0">
-                <a:latin typeface="Courier New"/>
-                <a:cs typeface="Courier New"/>
-              </a:rPr>
-              <a:t>		print </a:t>
-            </a:r>
-            <a:r>
-              <a:rPr lang="en-US" sz="2000" dirty="0" err="1">
-                <a:latin typeface="Courier New"/>
-                <a:cs typeface="Courier New"/>
-              </a:rPr>
-              <a:t>i</a:t>
-            </a:r>
-            <a:br>
-              <a:rPr lang="en-US" sz="2000" dirty="0">
-                <a:latin typeface="Courier New"/>
-                <a:cs typeface="Courier New"/>
-              </a:rPr>
-            </a:br>
-            <a:r>
-              <a:rPr lang="en-US" sz="2000" dirty="0">
-                <a:latin typeface="Courier New"/>
-                <a:cs typeface="Courier New"/>
-              </a:rPr>
-              <a:t>		</a:t>
-            </a:r>
-            <a:r>
-              <a:rPr lang="en-US" sz="2000" dirty="0" err="1">
-                <a:latin typeface="Courier New"/>
-                <a:cs typeface="Courier New"/>
-              </a:rPr>
-              <a:t>i</a:t>
-            </a:r>
-            <a:r>
-              <a:rPr lang="en-US" sz="2000" dirty="0">
-                <a:latin typeface="Courier New"/>
-                <a:cs typeface="Courier New"/>
-              </a:rPr>
-              <a:t>=i+1</a:t>
-            </a:r>
-            <a:br>
-              <a:rPr lang="en-US" sz="2000" dirty="0">
-                <a:latin typeface="Courier New"/>
-                <a:cs typeface="Courier New"/>
-              </a:rPr>
-            </a:br>
-            <a:r>
-              <a:rPr lang="en-US" sz="2000" dirty="0">
-                <a:latin typeface="Courier New"/>
-                <a:cs typeface="Courier New"/>
-              </a:rPr>
-              <a:t>	</a:t>
-            </a:r>
-            <a:r>
-              <a:rPr lang="en-US" sz="2000" dirty="0" err="1">
-                <a:latin typeface="Courier New"/>
-                <a:cs typeface="Courier New"/>
-              </a:rPr>
-              <a:t>enddo</a:t>
-            </a:r>
-            <a:endParaRPr lang="en-US" sz="2000" dirty="0">
-              <a:latin typeface="Courier New"/>
-              <a:cs typeface="Courier New"/>
-            </a:endParaRPr>
-          </a:p>
-          <a:p>
-            <a:r>
-              <a:rPr lang="en-US" sz="2800" dirty="0"/>
-              <a:t>But we need to tell the language processor what this program means; how it should behave.</a:t>
-            </a:r>
-          </a:p>
-        </p:txBody>
-      </p:sp>
-    </p:spTree>
-    <p:extLst>
-      <p:ext uri="{BB962C8B-B14F-4D97-AF65-F5344CB8AC3E}">
-        <p14:creationId xmlns:p14="http://schemas.microsoft.com/office/powerpoint/2010/main" val="1741769458"/>
-      </p:ext>
-    </p:extLst>
-  </p:cSld>
-  <p:clrMapOvr>
-    <a:masterClrMapping/>
-  </p:clrMapOvr>
-</p:sld>
-</file>
-
-<file path=ppt/slides/slide13.xml><?xml version="1.0" encoding="utf-8"?>
-<p:sld xmlns:a="http://schemas.openxmlformats.org/drawingml/2006/main" xmlns:r="http://schemas.openxmlformats.org/officeDocument/2006/relationships" xmlns:p="http://schemas.openxmlformats.org/presentationml/2006/main">
-  <p:cSld>
-    <p:spTree>
-      <p:nvGrpSpPr>
-        <p:cNvPr id="1" name=""/>
-        <p:cNvGrpSpPr/>
-        <p:nvPr/>
-      </p:nvGrpSpPr>
-      <p:grpSpPr>
-        <a:xfrm>
-          <a:off x="0" y="0"/>
-          <a:ext cx="0" cy="0"/>
-          <a:chOff x="0" y="0"/>
-          <a:chExt cx="0" cy="0"/>
-        </a:xfrm>
-      </p:grpSpPr>
-      <p:sp>
-        <p:nvSpPr>
-          <p:cNvPr id="2" name="Title 1"/>
-          <p:cNvSpPr>
-            <a:spLocks noGrp="1"/>
-          </p:cNvSpPr>
-          <p:nvPr>
-            <p:ph type="title"/>
-          </p:nvPr>
-        </p:nvSpPr>
-        <p:spPr/>
-        <p:txBody>
-          <a:bodyPr/>
-          <a:lstStyle/>
-          <a:p>
-            <a:r>
-              <a:rPr lang="en-US" dirty="0"/>
-              <a:t>The Behavior of Programming Languages</a:t>
-            </a:r>
-          </a:p>
-        </p:txBody>
-      </p:sp>
-      <p:sp>
-        <p:nvSpPr>
           <p:cNvPr id="5" name="TextBox 4"/>
           <p:cNvSpPr txBox="1"/>
           <p:nvPr/>
@@ -11793,7 +10410,7 @@
 </p:sld>
 </file>
 
-<file path=ppt/slides/slide14.xml><?xml version="1.0" encoding="utf-8"?>
+<file path=ppt/slides/slide13.xml><?xml version="1.0" encoding="utf-8"?>
 <p:sld xmlns:a="http://schemas.openxmlformats.org/drawingml/2006/main" xmlns:r="http://schemas.openxmlformats.org/officeDocument/2006/relationships" xmlns:p="http://schemas.openxmlformats.org/presentationml/2006/main">
   <p:cSld>
     <p:spTree>
@@ -11922,14 +10539,14 @@
           <a:effectLst/>
           <a:extLst>
             <a:ext uri="{909E8E84-426E-40dd-AFC4-6F175D3DCCD1}">
-              <a14:hiddenFill xmlns="" xmlns:a14="http://schemas.microsoft.com/office/drawing/2010/main">
+              <a14:hiddenFill xmlns:a14="http://schemas.microsoft.com/office/drawing/2010/main" xmlns="">
                 <a:solidFill>
                   <a:schemeClr val="accent1"/>
                 </a:solidFill>
               </a14:hiddenFill>
             </a:ext>
             <a:ext uri="{91240B29-F687-4f45-9708-019B960494DF}">
-              <a14:hiddenLine xmlns="" xmlns:a14="http://schemas.microsoft.com/office/drawing/2010/main" w="9525">
+              <a14:hiddenLine xmlns:a14="http://schemas.microsoft.com/office/drawing/2010/main" xmlns="" w="9525">
                 <a:solidFill>
                   <a:schemeClr val="tx1"/>
                 </a:solidFill>
@@ -11939,7 +10556,7 @@
               </a14:hiddenLine>
             </a:ext>
             <a:ext uri="{AF507438-7753-43e0-B8FC-AC1667EBCBE1}">
-              <a14:hiddenEffects xmlns="" xmlns:a14="http://schemas.microsoft.com/office/drawing/2010/main">
+              <a14:hiddenEffects xmlns:a14="http://schemas.microsoft.com/office/drawing/2010/main" xmlns="">
                 <a:effectLst>
                   <a:outerShdw blurRad="63500" dist="38099" dir="2700000" algn="ctr" rotWithShape="0">
                     <a:srgbClr val="000000">
@@ -11974,14 +10591,14 @@
           </a:ln>
           <a:extLst>
             <a:ext uri="{909E8E84-426E-40dd-AFC4-6F175D3DCCD1}">
-              <a14:hiddenFill xmlns="" xmlns:a14="http://schemas.microsoft.com/office/drawing/2010/main">
+              <a14:hiddenFill xmlns:a14="http://schemas.microsoft.com/office/drawing/2010/main" xmlns="">
                 <a:solidFill>
                   <a:schemeClr val="accent1"/>
                 </a:solidFill>
               </a14:hiddenFill>
             </a:ext>
             <a:ext uri="{91240B29-F687-4f45-9708-019B960494DF}">
-              <a14:hiddenLine xmlns="" xmlns:a14="http://schemas.microsoft.com/office/drawing/2010/main" w="9525">
+              <a14:hiddenLine xmlns:a14="http://schemas.microsoft.com/office/drawing/2010/main" xmlns="" w="9525">
                 <a:solidFill>
                   <a:schemeClr val="tx1"/>
                 </a:solidFill>
@@ -12006,6 +10623,101 @@
         </p:txBody>
       </p:sp>
     </p:spTree>
+  </p:cSld>
+  <p:clrMapOvr>
+    <a:masterClrMapping/>
+  </p:clrMapOvr>
+</p:sld>
+</file>
+
+<file path=ppt/slides/slide14.xml><?xml version="1.0" encoding="utf-8"?>
+<p:sld xmlns:a="http://schemas.openxmlformats.org/drawingml/2006/main" xmlns:r="http://schemas.openxmlformats.org/officeDocument/2006/relationships" xmlns:p="http://schemas.openxmlformats.org/presentationml/2006/main">
+  <p:cSld>
+    <p:spTree>
+      <p:nvGrpSpPr>
+        <p:cNvPr id="1" name=""/>
+        <p:cNvGrpSpPr/>
+        <p:nvPr/>
+      </p:nvGrpSpPr>
+      <p:grpSpPr>
+        <a:xfrm>
+          <a:off x="0" y="0"/>
+          <a:ext cx="0" cy="0"/>
+          <a:chOff x="0" y="0"/>
+          <a:chExt cx="0" cy="0"/>
+        </a:xfrm>
+      </p:grpSpPr>
+      <p:sp>
+        <p:nvSpPr>
+          <p:cNvPr id="2" name="Title 1"/>
+          <p:cNvSpPr>
+            <a:spLocks noGrp="1"/>
+          </p:cNvSpPr>
+          <p:nvPr>
+            <p:ph type="title"/>
+          </p:nvPr>
+        </p:nvSpPr>
+        <p:spPr/>
+        <p:txBody>
+          <a:bodyPr/>
+          <a:lstStyle/>
+          <a:p>
+            <a:r>
+              <a:rPr lang="en-US" dirty="0"/>
+              <a:t>Building Blocks of Language Processors</a:t>
+            </a:r>
+          </a:p>
+        </p:txBody>
+      </p:sp>
+      <p:sp>
+        <p:nvSpPr>
+          <p:cNvPr id="3" name="Content Placeholder 2"/>
+          <p:cNvSpPr>
+            <a:spLocks noGrp="1"/>
+          </p:cNvSpPr>
+          <p:nvPr>
+            <p:ph idx="1"/>
+          </p:nvPr>
+        </p:nvSpPr>
+        <p:spPr/>
+        <p:txBody>
+          <a:bodyPr/>
+          <a:lstStyle/>
+          <a:p>
+            <a:r>
+              <a:rPr lang="en-US" dirty="0"/>
+              <a:t>Most programming language processors are made up of one or more three main building blocks:</a:t>
+            </a:r>
+          </a:p>
+          <a:p>
+            <a:pPr lvl="1"/>
+            <a:r>
+              <a:rPr lang="en-US" dirty="0"/>
+              <a:t>Syntax Analysis – program text/structure analysis</a:t>
+            </a:r>
+          </a:p>
+          <a:p>
+            <a:pPr lvl="1"/>
+            <a:r>
+              <a:rPr lang="en-US" dirty="0"/>
+              <a:t>Semantic Analysis – program behavior analysis</a:t>
+            </a:r>
+          </a:p>
+          <a:p>
+            <a:pPr lvl="1"/>
+            <a:r>
+              <a:rPr lang="en-US" dirty="0"/>
+              <a:t>Code Generation</a:t>
+            </a:r>
+          </a:p>
+        </p:txBody>
+      </p:sp>
+    </p:spTree>
+    <p:extLst>
+      <p:ext uri="{BB962C8B-B14F-4D97-AF65-F5344CB8AC3E}">
+        <p14:creationId xmlns:p14="http://schemas.microsoft.com/office/powerpoint/2010/main" val="3687125203"/>
+      </p:ext>
+    </p:extLst>
   </p:cSld>
   <p:clrMapOvr>
     <a:masterClrMapping/>
@@ -12047,7 +10759,7 @@
           <a:p>
             <a:r>
               <a:rPr lang="en-US" dirty="0"/>
-              <a:t>Building Blocks of Language Processors</a:t>
+              <a:t>Syntax Analysis</a:t>
             </a:r>
           </a:p>
         </p:txBody>
@@ -12062,35 +10774,236 @@
             <p:ph idx="1"/>
           </p:nvPr>
         </p:nvSpPr>
-        <p:spPr/>
+        <p:spPr>
+          <a:xfrm>
+            <a:off x="457200" y="3505199"/>
+            <a:ext cx="8229600" cy="2625725"/>
+          </a:xfrm>
+          <a:prstGeom prst="rect">
+            <a:avLst/>
+          </a:prstGeom>
+        </p:spPr>
         <p:txBody>
           <a:bodyPr/>
           <a:lstStyle/>
           <a:p>
             <a:r>
               <a:rPr lang="en-US" dirty="0"/>
-              <a:t>Most programming language processors are made up of one or more three main building blocks:</a:t>
-            </a:r>
-          </a:p>
-          <a:p>
-            <a:pPr lvl="1"/>
+              <a:t>The syntax analysis reads the program text and produces an intermediate representation (IR)</a:t>
+            </a:r>
+          </a:p>
+          <a:p>
             <a:r>
               <a:rPr lang="en-US" dirty="0"/>
-              <a:t>Syntax Analysis – program text/structure analysis</a:t>
-            </a:r>
-          </a:p>
-          <a:p>
-            <a:pPr lvl="1"/>
+              <a:t>The IR is an </a:t>
+            </a:r>
+            <a:r>
+              <a:rPr lang="en-US" b="1" dirty="0"/>
+              <a:t>abstract representation </a:t>
+            </a:r>
             <a:r>
               <a:rPr lang="en-US" dirty="0"/>
-              <a:t>Semantic Analysis – program behavior analysis</a:t>
-            </a:r>
-          </a:p>
-          <a:p>
-            <a:pPr lvl="1"/>
+              <a:t>of the program text</a:t>
+            </a:r>
+          </a:p>
+        </p:txBody>
+      </p:sp>
+      <p:sp>
+        <p:nvSpPr>
+          <p:cNvPr id="4" name="TextBox 3"/>
+          <p:cNvSpPr txBox="1"/>
+          <p:nvPr/>
+        </p:nvSpPr>
+        <p:spPr>
+          <a:xfrm>
+            <a:off x="3447080" y="2140803"/>
+            <a:ext cx="1447800" cy="830997"/>
+          </a:xfrm>
+          <a:prstGeom prst="rect">
+            <a:avLst/>
+          </a:prstGeom>
+        </p:spPr>
+        <p:style>
+          <a:lnRef idx="2">
+            <a:schemeClr val="accent4"/>
+          </a:lnRef>
+          <a:fillRef idx="1">
+            <a:schemeClr val="lt1"/>
+          </a:fillRef>
+          <a:effectRef idx="0">
+            <a:schemeClr val="accent4"/>
+          </a:effectRef>
+          <a:fontRef idx="minor">
+            <a:schemeClr val="dk1"/>
+          </a:fontRef>
+        </p:style>
+        <p:txBody>
+          <a:bodyPr wrap="square" rtlCol="0">
+            <a:spAutoFit/>
+          </a:bodyPr>
+          <a:lstStyle/>
+          <a:p>
+            <a:pPr algn="ctr"/>
+            <a:r>
+              <a:rPr lang="en-US" sz="2400" dirty="0"/>
+              <a:t>Syntax</a:t>
+            </a:r>
+          </a:p>
+          <a:p>
+            <a:pPr algn="ctr"/>
+            <a:r>
+              <a:rPr lang="en-US" sz="2400" dirty="0"/>
+              <a:t>Analysis</a:t>
+            </a:r>
+          </a:p>
+        </p:txBody>
+      </p:sp>
+      <p:sp>
+        <p:nvSpPr>
+          <p:cNvPr id="7" name="TextBox 6"/>
+          <p:cNvSpPr txBox="1"/>
+          <p:nvPr/>
+        </p:nvSpPr>
+        <p:spPr>
+          <a:xfrm>
+            <a:off x="2685080" y="2217003"/>
+            <a:ext cx="648371" cy="672525"/>
+          </a:xfrm>
+          <a:prstGeom prst="rightArrow">
+            <a:avLst/>
+          </a:prstGeom>
+        </p:spPr>
+        <p:style>
+          <a:lnRef idx="2">
+            <a:schemeClr val="accent4"/>
+          </a:lnRef>
+          <a:fillRef idx="1">
+            <a:schemeClr val="lt1"/>
+          </a:fillRef>
+          <a:effectRef idx="0">
+            <a:schemeClr val="accent4"/>
+          </a:effectRef>
+          <a:fontRef idx="minor">
+            <a:schemeClr val="dk1"/>
+          </a:fontRef>
+        </p:style>
+        <p:txBody>
+          <a:bodyPr wrap="square" rtlCol="0">
+            <a:spAutoFit/>
+          </a:bodyPr>
+          <a:lstStyle/>
+          <a:p>
+            <a:endParaRPr lang="en-US" dirty="0"/>
+          </a:p>
+        </p:txBody>
+      </p:sp>
+      <p:sp>
+        <p:nvSpPr>
+          <p:cNvPr id="8" name="TextBox 7"/>
+          <p:cNvSpPr txBox="1"/>
+          <p:nvPr/>
+        </p:nvSpPr>
+        <p:spPr>
+          <a:xfrm>
+            <a:off x="5008509" y="2217003"/>
+            <a:ext cx="648371" cy="672525"/>
+          </a:xfrm>
+          <a:prstGeom prst="rightArrow">
+            <a:avLst/>
+          </a:prstGeom>
+        </p:spPr>
+        <p:style>
+          <a:lnRef idx="2">
+            <a:schemeClr val="accent4"/>
+          </a:lnRef>
+          <a:fillRef idx="1">
+            <a:schemeClr val="lt1"/>
+          </a:fillRef>
+          <a:effectRef idx="0">
+            <a:schemeClr val="accent4"/>
+          </a:effectRef>
+          <a:fontRef idx="minor">
+            <a:schemeClr val="dk1"/>
+          </a:fontRef>
+        </p:style>
+        <p:txBody>
+          <a:bodyPr wrap="square" rtlCol="0">
+            <a:spAutoFit/>
+          </a:bodyPr>
+          <a:lstStyle/>
+          <a:p>
+            <a:endParaRPr lang="en-US" dirty="0"/>
+          </a:p>
+        </p:txBody>
+      </p:sp>
+      <p:sp>
+        <p:nvSpPr>
+          <p:cNvPr id="9" name="TextBox 8"/>
+          <p:cNvSpPr txBox="1"/>
+          <p:nvPr/>
+        </p:nvSpPr>
+        <p:spPr>
+          <a:xfrm>
+            <a:off x="1637440" y="2286000"/>
+            <a:ext cx="971440" cy="584776"/>
+          </a:xfrm>
+          <a:prstGeom prst="rect">
+            <a:avLst/>
+          </a:prstGeom>
+          <a:noFill/>
+        </p:spPr>
+        <p:txBody>
+          <a:bodyPr wrap="none" rtlCol="0">
+            <a:spAutoFit/>
+          </a:bodyPr>
+          <a:lstStyle/>
+          <a:p>
+            <a:pPr algn="ctr"/>
             <a:r>
               <a:rPr lang="en-US" dirty="0"/>
-              <a:t>Code Generation</a:t>
+              <a:t>Program</a:t>
+            </a:r>
+            <a:br>
+              <a:rPr lang="en-US" dirty="0"/>
+            </a:br>
+            <a:r>
+              <a:rPr lang="en-US" dirty="0"/>
+              <a:t>Text</a:t>
+            </a:r>
+          </a:p>
+        </p:txBody>
+      </p:sp>
+      <p:sp>
+        <p:nvSpPr>
+          <p:cNvPr id="10" name="TextBox 9"/>
+          <p:cNvSpPr txBox="1"/>
+          <p:nvPr/>
+        </p:nvSpPr>
+        <p:spPr>
+          <a:xfrm>
+            <a:off x="5797280" y="2245082"/>
+            <a:ext cx="1975120" cy="584776"/>
+          </a:xfrm>
+          <a:prstGeom prst="rect">
+            <a:avLst/>
+          </a:prstGeom>
+          <a:noFill/>
+        </p:spPr>
+        <p:txBody>
+          <a:bodyPr wrap="none" rtlCol="0">
+            <a:spAutoFit/>
+          </a:bodyPr>
+          <a:lstStyle/>
+          <a:p>
+            <a:r>
+              <a:rPr lang="en-US" dirty="0"/>
+              <a:t>Intermediate</a:t>
+            </a:r>
+          </a:p>
+          <a:p>
+            <a:r>
+              <a:rPr lang="en-US" dirty="0"/>
+              <a:t>Representation (IR)</a:t>
             </a:r>
           </a:p>
         </p:txBody>
@@ -12098,7 +11011,7 @@
     </p:spTree>
     <p:extLst>
       <p:ext uri="{BB962C8B-B14F-4D97-AF65-F5344CB8AC3E}">
-        <p14:creationId xmlns:p14="http://schemas.microsoft.com/office/powerpoint/2010/main" val="3687125203"/>
+        <p14:creationId xmlns:p14="http://schemas.microsoft.com/office/powerpoint/2010/main" val="2809749214"/>
       </p:ext>
     </p:extLst>
   </p:cSld>
@@ -12142,7 +11055,7 @@
           <a:p>
             <a:r>
               <a:rPr lang="en-US" dirty="0"/>
-              <a:t>Syntax Analysis</a:t>
+              <a:t>Semantic Analysis</a:t>
             </a:r>
           </a:p>
         </p:txBody>
@@ -12159,7 +11072,7 @@
         </p:nvSpPr>
         <p:spPr>
           <a:xfrm>
-            <a:off x="457200" y="3505199"/>
+            <a:off x="457200" y="3622675"/>
             <a:ext cx="8229600" cy="2625725"/>
           </a:xfrm>
           <a:prstGeom prst="rect">
@@ -12171,22 +11084,20 @@
           <a:lstStyle/>
           <a:p>
             <a:r>
-              <a:rPr lang="en-US" dirty="0"/>
-              <a:t>The syntax analysis reads the program text and produces an intermediate representation (IR)</a:t>
-            </a:r>
-          </a:p>
-          <a:p>
-            <a:r>
-              <a:rPr lang="en-US" dirty="0"/>
-              <a:t>The IR is an </a:t>
-            </a:r>
-            <a:r>
-              <a:rPr lang="en-US" b="1" dirty="0"/>
-              <a:t>abstract representation </a:t>
-            </a:r>
-            <a:r>
-              <a:rPr lang="en-US" dirty="0"/>
-              <a:t>of the program text</a:t>
+              <a:rPr lang="en-US" sz="2400" dirty="0"/>
+              <a:t>The semantic analysis reads the IR and analyzes the encoded behavior</a:t>
+            </a:r>
+          </a:p>
+          <a:p>
+            <a:r>
+              <a:rPr lang="en-US" sz="2400" dirty="0"/>
+              <a:t>The semantics analysis typically outputs an annotated version of the IR</a:t>
+            </a:r>
+          </a:p>
+          <a:p>
+            <a:r>
+              <a:rPr lang="en-US" sz="2400" dirty="0"/>
+              <a:t>These annotations insure the correct behavior of the program, for example, memory space for a declared variable.</a:t>
             </a:r>
           </a:p>
         </p:txBody>
@@ -12200,7 +11111,7 @@
         <p:spPr>
           <a:xfrm>
             <a:off x="3447080" y="2140803"/>
-            <a:ext cx="1447800" cy="830997"/>
+            <a:ext cx="1582120" cy="830997"/>
           </a:xfrm>
           <a:prstGeom prst="rect">
             <a:avLst/>
@@ -12229,7 +11140,7 @@
             <a:pPr algn="ctr"/>
             <a:r>
               <a:rPr lang="en-US" sz="2400" dirty="0"/>
-              <a:t>Syntax</a:t>
+              <a:t>Semantic</a:t>
             </a:r>
           </a:p>
           <a:p>
@@ -12288,7 +11199,7 @@
         </p:nvSpPr>
         <p:spPr>
           <a:xfrm>
-            <a:off x="5008509" y="2217003"/>
+            <a:off x="5142829" y="2217003"/>
             <a:ext cx="648371" cy="672525"/>
           </a:xfrm>
           <a:prstGeom prst="rightArrow">
@@ -12327,8 +11238,8 @@
         </p:nvSpPr>
         <p:spPr>
           <a:xfrm>
-            <a:off x="1637440" y="2286000"/>
-            <a:ext cx="971440" cy="584776"/>
+            <a:off x="2048550" y="2404646"/>
+            <a:ext cx="389850" cy="338554"/>
           </a:xfrm>
           <a:prstGeom prst="rect">
             <a:avLst/>
@@ -12344,14 +11255,7 @@
             <a:pPr algn="ctr"/>
             <a:r>
               <a:rPr lang="en-US" dirty="0"/>
-              <a:t>Program</a:t>
-            </a:r>
-            <a:br>
-              <a:rPr lang="en-US" dirty="0"/>
-            </a:br>
-            <a:r>
-              <a:rPr lang="en-US" dirty="0"/>
-              <a:t>Text</a:t>
+              <a:t>IR</a:t>
             </a:r>
           </a:p>
         </p:txBody>
@@ -12364,8 +11268,8 @@
         </p:nvSpPr>
         <p:spPr>
           <a:xfrm>
-            <a:off x="5797280" y="2245082"/>
-            <a:ext cx="1975120" cy="584776"/>
+            <a:off x="5874230" y="2363728"/>
+            <a:ext cx="1382410" cy="338554"/>
           </a:xfrm>
           <a:prstGeom prst="rect">
             <a:avLst/>
@@ -12380,13 +11284,7 @@
           <a:p>
             <a:r>
               <a:rPr lang="en-US" dirty="0"/>
-              <a:t>Intermediate</a:t>
-            </a:r>
-          </a:p>
-          <a:p>
-            <a:r>
-              <a:rPr lang="en-US" dirty="0"/>
-              <a:t>Representation (IR)</a:t>
+              <a:t>Annotated IR</a:t>
             </a:r>
           </a:p>
         </p:txBody>
@@ -12394,7 +11292,7 @@
     </p:spTree>
     <p:extLst>
       <p:ext uri="{BB962C8B-B14F-4D97-AF65-F5344CB8AC3E}">
-        <p14:creationId xmlns:p14="http://schemas.microsoft.com/office/powerpoint/2010/main" val="2809749214"/>
+        <p14:creationId xmlns:p14="http://schemas.microsoft.com/office/powerpoint/2010/main" val="2903089048"/>
       </p:ext>
     </p:extLst>
   </p:cSld>
@@ -12438,7 +11336,7 @@
           <a:p>
             <a:r>
               <a:rPr lang="en-US" dirty="0"/>
-              <a:t>Semantic Analysis</a:t>
+              <a:t>Code Generation</a:t>
             </a:r>
           </a:p>
         </p:txBody>
@@ -12468,19 +11366,19 @@
           <a:p>
             <a:r>
               <a:rPr lang="en-US" sz="2400" dirty="0"/>
-              <a:t>The semantic analysis reads the IR and analyzes the encoded behavior</a:t>
+              <a:t>The semantic analysis reads the IR and translates it into the target language</a:t>
             </a:r>
           </a:p>
           <a:p>
             <a:r>
               <a:rPr lang="en-US" sz="2400" dirty="0"/>
-              <a:t>The semantics analysis typically outputs an annotated version of the IR</a:t>
+              <a:t>The target language could be a high level language, assembly code, or byte code.</a:t>
             </a:r>
           </a:p>
           <a:p>
             <a:r>
               <a:rPr lang="en-US" sz="2400" dirty="0"/>
-              <a:t>These annotations insure the correct behavior of the program, for example, memory space for a declared variable.</a:t>
+              <a:t>The target code can also be a spreadsheet that summarizes data described with the IR, etc.</a:t>
             </a:r>
           </a:p>
         </p:txBody>
@@ -12494,7 +11392,7 @@
         <p:spPr>
           <a:xfrm>
             <a:off x="3447080" y="2140803"/>
-            <a:ext cx="1582120" cy="830997"/>
+            <a:ext cx="1810720" cy="830997"/>
           </a:xfrm>
           <a:prstGeom prst="rect">
             <a:avLst/>
@@ -12523,14 +11421,14 @@
             <a:pPr algn="ctr"/>
             <a:r>
               <a:rPr lang="en-US" sz="2400" dirty="0"/>
-              <a:t>Semantic</a:t>
+              <a:t>Code</a:t>
             </a:r>
           </a:p>
           <a:p>
             <a:pPr algn="ctr"/>
             <a:r>
               <a:rPr lang="en-US" sz="2400" dirty="0"/>
-              <a:t>Analysis</a:t>
+              <a:t>Generation</a:t>
             </a:r>
           </a:p>
         </p:txBody>
@@ -12582,7 +11480,7 @@
         </p:nvSpPr>
         <p:spPr>
           <a:xfrm>
-            <a:off x="5142829" y="2217003"/>
+            <a:off x="5410200" y="2217003"/>
             <a:ext cx="648371" cy="672525"/>
           </a:xfrm>
           <a:prstGeom prst="rightArrow">
@@ -12651,8 +11549,8 @@
         </p:nvSpPr>
         <p:spPr>
           <a:xfrm>
-            <a:off x="5874230" y="2363728"/>
-            <a:ext cx="1382410" cy="338554"/>
+            <a:off x="6161390" y="2262723"/>
+            <a:ext cx="1097576" cy="584777"/>
           </a:xfrm>
           <a:prstGeom prst="rect">
             <a:avLst/>
@@ -12667,7 +11565,14 @@
           <a:p>
             <a:r>
               <a:rPr lang="en-US" dirty="0"/>
-              <a:t>Annotated IR</a:t>
+              <a:t>Target</a:t>
+            </a:r>
+            <a:br>
+              <a:rPr lang="en-US" dirty="0"/>
+            </a:br>
+            <a:r>
+              <a:rPr lang="en-US" dirty="0"/>
+              <a:t>Language</a:t>
             </a:r>
           </a:p>
         </p:txBody>
@@ -12675,7 +11580,7 @@
     </p:spTree>
     <p:extLst>
       <p:ext uri="{BB962C8B-B14F-4D97-AF65-F5344CB8AC3E}">
-        <p14:creationId xmlns:p14="http://schemas.microsoft.com/office/powerpoint/2010/main" val="2903089048"/>
+        <p14:creationId xmlns:p14="http://schemas.microsoft.com/office/powerpoint/2010/main" val="4140131798"/>
       </p:ext>
     </p:extLst>
   </p:cSld>
@@ -12704,9 +11609,9 @@
       </p:grpSpPr>
       <p:sp>
         <p:nvSpPr>
-          <p:cNvPr id="2" name="Title 1"/>
+          <p:cNvPr id="12290" name="Rectangle 2"/>
           <p:cNvSpPr>
-            <a:spLocks noGrp="1"/>
+            <a:spLocks noGrp="1" noChangeArrowheads="1"/>
           </p:cNvSpPr>
           <p:nvPr>
             <p:ph type="title"/>
@@ -12719,14 +11624,14 @@
           <a:p>
             <a:r>
               <a:rPr lang="en-US" dirty="0"/>
-              <a:t>Code Generation</a:t>
-            </a:r>
-          </a:p>
-        </p:txBody>
-      </p:sp>
-      <p:sp>
-        <p:nvSpPr>
-          <p:cNvPr id="3" name="Content Placeholder 2"/>
+              <a:t>The Structure of Language Processors</a:t>
+            </a:r>
+          </a:p>
+        </p:txBody>
+      </p:sp>
+      <p:sp>
+        <p:nvSpPr>
+          <p:cNvPr id="2" name="Content Placeholder 1"/>
           <p:cNvSpPr>
             <a:spLocks noGrp="1"/>
           </p:cNvSpPr>
@@ -12734,238 +11639,56 @@
             <p:ph idx="1"/>
           </p:nvPr>
         </p:nvSpPr>
-        <p:spPr>
-          <a:xfrm>
-            <a:off x="457200" y="3622675"/>
-            <a:ext cx="8229600" cy="2625725"/>
-          </a:xfrm>
-          <a:prstGeom prst="rect">
-            <a:avLst/>
-          </a:prstGeom>
-        </p:spPr>
+        <p:spPr/>
         <p:txBody>
           <a:bodyPr/>
           <a:lstStyle/>
           <a:p>
             <a:r>
-              <a:rPr lang="en-US" sz="2400" dirty="0"/>
-              <a:t>The semantic analysis reads the IR and translates it into the target language</a:t>
-            </a:r>
-          </a:p>
-          <a:p>
-            <a:r>
-              <a:rPr lang="en-US" sz="2400" dirty="0"/>
-              <a:t>The target language could be a high level language, assembly code, or byte code.</a:t>
-            </a:r>
-          </a:p>
-          <a:p>
-            <a:r>
-              <a:rPr lang="en-US" sz="2400" dirty="0"/>
-              <a:t>The target code can also be a spreadsheet that summarizes data described with the IR, etc.</a:t>
-            </a:r>
-          </a:p>
-        </p:txBody>
-      </p:sp>
-      <p:sp>
-        <p:nvSpPr>
-          <p:cNvPr id="4" name="TextBox 3"/>
-          <p:cNvSpPr txBox="1"/>
-          <p:nvPr/>
-        </p:nvSpPr>
-        <p:spPr>
-          <a:xfrm>
-            <a:off x="3447080" y="2140803"/>
-            <a:ext cx="1810720" cy="830997"/>
-          </a:xfrm>
-          <a:prstGeom prst="rect">
-            <a:avLst/>
-          </a:prstGeom>
-        </p:spPr>
-        <p:style>
-          <a:lnRef idx="2">
-            <a:schemeClr val="accent4"/>
-          </a:lnRef>
-          <a:fillRef idx="1">
-            <a:schemeClr val="lt1"/>
-          </a:fillRef>
-          <a:effectRef idx="0">
-            <a:schemeClr val="accent4"/>
-          </a:effectRef>
-          <a:fontRef idx="minor">
-            <a:schemeClr val="dk1"/>
-          </a:fontRef>
-        </p:style>
-        <p:txBody>
-          <a:bodyPr wrap="square" rtlCol="0">
-            <a:spAutoFit/>
-          </a:bodyPr>
-          <a:lstStyle/>
-          <a:p>
-            <a:pPr algn="ctr"/>
-            <a:r>
-              <a:rPr lang="en-US" sz="2400" dirty="0"/>
-              <a:t>Code</a:t>
-            </a:r>
-          </a:p>
-          <a:p>
-            <a:pPr algn="ctr"/>
-            <a:r>
-              <a:rPr lang="en-US" sz="2400" dirty="0"/>
-              <a:t>Generation</a:t>
-            </a:r>
-          </a:p>
-        </p:txBody>
-      </p:sp>
-      <p:sp>
-        <p:nvSpPr>
-          <p:cNvPr id="7" name="TextBox 6"/>
-          <p:cNvSpPr txBox="1"/>
-          <p:nvPr/>
-        </p:nvSpPr>
-        <p:spPr>
-          <a:xfrm>
-            <a:off x="2685080" y="2217003"/>
-            <a:ext cx="648371" cy="672525"/>
-          </a:xfrm>
-          <a:prstGeom prst="rightArrow">
-            <a:avLst/>
-          </a:prstGeom>
-        </p:spPr>
-        <p:style>
-          <a:lnRef idx="2">
-            <a:schemeClr val="accent4"/>
-          </a:lnRef>
-          <a:fillRef idx="1">
-            <a:schemeClr val="lt1"/>
-          </a:fillRef>
-          <a:effectRef idx="0">
-            <a:schemeClr val="accent4"/>
-          </a:effectRef>
-          <a:fontRef idx="minor">
-            <a:schemeClr val="dk1"/>
-          </a:fontRef>
-        </p:style>
-        <p:txBody>
-          <a:bodyPr wrap="square" rtlCol="0">
-            <a:spAutoFit/>
-          </a:bodyPr>
-          <a:lstStyle/>
+              <a:rPr lang="en-US" dirty="0"/>
+              <a:t>We can now plug these building blocks together in different configuration in order to obtain a variety of language processors.</a:t>
+            </a:r>
+          </a:p>
+          <a:p>
+            <a:r>
+              <a:rPr lang="en-US" dirty="0"/>
+              <a:t>In general, we consider four different classes of language processors:</a:t>
+            </a:r>
+          </a:p>
+          <a:p>
+            <a:pPr lvl="1"/>
+            <a:r>
+              <a:rPr lang="en-US" dirty="0"/>
+              <a:t>Reader</a:t>
+            </a:r>
+          </a:p>
+          <a:p>
+            <a:pPr lvl="1"/>
+            <a:r>
+              <a:rPr lang="en-US" dirty="0"/>
+              <a:t>Generator</a:t>
+            </a:r>
+          </a:p>
+          <a:p>
+            <a:pPr lvl="1"/>
+            <a:r>
+              <a:rPr lang="en-US" dirty="0"/>
+              <a:t>Interpreter</a:t>
+            </a:r>
+          </a:p>
+          <a:p>
+            <a:pPr lvl="1"/>
+            <a:r>
+              <a:rPr lang="en-US" dirty="0"/>
+              <a:t>Translator</a:t>
+            </a:r>
+          </a:p>
           <a:p>
             <a:endParaRPr lang="en-US" dirty="0"/>
           </a:p>
         </p:txBody>
       </p:sp>
-      <p:sp>
-        <p:nvSpPr>
-          <p:cNvPr id="8" name="TextBox 7"/>
-          <p:cNvSpPr txBox="1"/>
-          <p:nvPr/>
-        </p:nvSpPr>
-        <p:spPr>
-          <a:xfrm>
-            <a:off x="5410200" y="2217003"/>
-            <a:ext cx="648371" cy="672525"/>
-          </a:xfrm>
-          <a:prstGeom prst="rightArrow">
-            <a:avLst/>
-          </a:prstGeom>
-        </p:spPr>
-        <p:style>
-          <a:lnRef idx="2">
-            <a:schemeClr val="accent4"/>
-          </a:lnRef>
-          <a:fillRef idx="1">
-            <a:schemeClr val="lt1"/>
-          </a:fillRef>
-          <a:effectRef idx="0">
-            <a:schemeClr val="accent4"/>
-          </a:effectRef>
-          <a:fontRef idx="minor">
-            <a:schemeClr val="dk1"/>
-          </a:fontRef>
-        </p:style>
-        <p:txBody>
-          <a:bodyPr wrap="square" rtlCol="0">
-            <a:spAutoFit/>
-          </a:bodyPr>
-          <a:lstStyle/>
-          <a:p>
-            <a:endParaRPr lang="en-US" dirty="0"/>
-          </a:p>
-        </p:txBody>
-      </p:sp>
-      <p:sp>
-        <p:nvSpPr>
-          <p:cNvPr id="9" name="TextBox 8"/>
-          <p:cNvSpPr txBox="1"/>
-          <p:nvPr/>
-        </p:nvSpPr>
-        <p:spPr>
-          <a:xfrm>
-            <a:off x="2048550" y="2404646"/>
-            <a:ext cx="389850" cy="338554"/>
-          </a:xfrm>
-          <a:prstGeom prst="rect">
-            <a:avLst/>
-          </a:prstGeom>
-          <a:noFill/>
-        </p:spPr>
-        <p:txBody>
-          <a:bodyPr wrap="none" rtlCol="0">
-            <a:spAutoFit/>
-          </a:bodyPr>
-          <a:lstStyle/>
-          <a:p>
-            <a:pPr algn="ctr"/>
-            <a:r>
-              <a:rPr lang="en-US" dirty="0"/>
-              <a:t>IR</a:t>
-            </a:r>
-          </a:p>
-        </p:txBody>
-      </p:sp>
-      <p:sp>
-        <p:nvSpPr>
-          <p:cNvPr id="10" name="TextBox 9"/>
-          <p:cNvSpPr txBox="1"/>
-          <p:nvPr/>
-        </p:nvSpPr>
-        <p:spPr>
-          <a:xfrm>
-            <a:off x="6161390" y="2262723"/>
-            <a:ext cx="1097576" cy="584777"/>
-          </a:xfrm>
-          <a:prstGeom prst="rect">
-            <a:avLst/>
-          </a:prstGeom>
-          <a:noFill/>
-        </p:spPr>
-        <p:txBody>
-          <a:bodyPr wrap="none" rtlCol="0">
-            <a:spAutoFit/>
-          </a:bodyPr>
-          <a:lstStyle/>
-          <a:p>
-            <a:r>
-              <a:rPr lang="en-US" dirty="0"/>
-              <a:t>Target</a:t>
-            </a:r>
-            <a:br>
-              <a:rPr lang="en-US" dirty="0"/>
-            </a:br>
-            <a:r>
-              <a:rPr lang="en-US" dirty="0"/>
-              <a:t>Language</a:t>
-            </a:r>
-          </a:p>
-        </p:txBody>
-      </p:sp>
     </p:spTree>
-    <p:extLst>
-      <p:ext uri="{BB962C8B-B14F-4D97-AF65-F5344CB8AC3E}">
-        <p14:creationId xmlns:p14="http://schemas.microsoft.com/office/powerpoint/2010/main" val="4140131798"/>
-      </p:ext>
-    </p:extLst>
   </p:cSld>
   <p:clrMapOvr>
     <a:masterClrMapping/>
@@ -12992,7 +11715,7 @@
       </p:grpSpPr>
       <p:sp>
         <p:nvSpPr>
-          <p:cNvPr id="12290" name="Rectangle 2"/>
+          <p:cNvPr id="14338" name="Rectangle 2"/>
           <p:cNvSpPr>
             <a:spLocks noGrp="1" noChangeArrowheads="1"/>
           </p:cNvSpPr>
@@ -13007,67 +11730,262 @@
           <a:p>
             <a:r>
               <a:rPr lang="en-US" dirty="0"/>
-              <a:t>The Structure of Language Processors</a:t>
-            </a:r>
-          </a:p>
-        </p:txBody>
-      </p:sp>
-      <p:sp>
-        <p:nvSpPr>
-          <p:cNvPr id="2" name="Content Placeholder 1"/>
+              <a:t>The Reader</a:t>
+            </a:r>
+          </a:p>
+        </p:txBody>
+      </p:sp>
+      <p:sp>
+        <p:nvSpPr>
+          <p:cNvPr id="14339" name="Rectangle 3"/>
           <p:cNvSpPr>
-            <a:spLocks noGrp="1"/>
+            <a:spLocks noGrp="1" noChangeArrowheads="1"/>
           </p:cNvSpPr>
           <p:nvPr>
-            <p:ph idx="1"/>
+            <p:ph type="body" idx="1"/>
           </p:nvPr>
         </p:nvSpPr>
-        <p:spPr/>
+        <p:spPr>
+          <a:xfrm>
+            <a:off x="457200" y="3810000"/>
+            <a:ext cx="8229600" cy="2133600"/>
+          </a:xfrm>
+        </p:spPr>
         <p:txBody>
           <a:bodyPr/>
           <a:lstStyle/>
           <a:p>
+            <a:pPr>
+              <a:lnSpc>
+                <a:spcPct val="90000"/>
+              </a:lnSpc>
+            </a:pPr>
+            <a:r>
+              <a:rPr lang="en-US" sz="2400" dirty="0"/>
+              <a:t>A reader consists of the  syntax analysis block.</a:t>
+            </a:r>
+          </a:p>
+          <a:p>
+            <a:pPr>
+              <a:lnSpc>
+                <a:spcPct val="90000"/>
+              </a:lnSpc>
+            </a:pPr>
+            <a:r>
+              <a:rPr lang="en-US" sz="2400" dirty="0"/>
+              <a:t>A reader builds a data structure or sometimes called an intermediate representation (IR) from one or more input streams.</a:t>
+            </a:r>
+          </a:p>
+          <a:p>
+            <a:pPr>
+              <a:lnSpc>
+                <a:spcPct val="90000"/>
+              </a:lnSpc>
+            </a:pPr>
+            <a:r>
+              <a:rPr lang="en-US" sz="2400" dirty="0"/>
+              <a:t>Examples include configuration file readers, program analysis tools (e.g. word and line counters), and Java class file loaders.</a:t>
+            </a:r>
+          </a:p>
+        </p:txBody>
+      </p:sp>
+      <p:sp>
+        <p:nvSpPr>
+          <p:cNvPr id="6" name="TextBox 5"/>
+          <p:cNvSpPr txBox="1"/>
+          <p:nvPr/>
+        </p:nvSpPr>
+        <p:spPr>
+          <a:xfrm>
+            <a:off x="3181240" y="2057400"/>
+            <a:ext cx="1447800" cy="830997"/>
+          </a:xfrm>
+          <a:prstGeom prst="rect">
+            <a:avLst/>
+          </a:prstGeom>
+        </p:spPr>
+        <p:style>
+          <a:lnRef idx="2">
+            <a:schemeClr val="accent4"/>
+          </a:lnRef>
+          <a:fillRef idx="1">
+            <a:schemeClr val="lt1"/>
+          </a:fillRef>
+          <a:effectRef idx="0">
+            <a:schemeClr val="accent4"/>
+          </a:effectRef>
+          <a:fontRef idx="minor">
+            <a:schemeClr val="dk1"/>
+          </a:fontRef>
+        </p:style>
+        <p:txBody>
+          <a:bodyPr wrap="square" rtlCol="0">
+            <a:spAutoFit/>
+          </a:bodyPr>
+          <a:lstStyle/>
+          <a:p>
+            <a:pPr algn="ctr"/>
+            <a:r>
+              <a:rPr lang="en-US" sz="2400" dirty="0"/>
+              <a:t>Syntax</a:t>
+            </a:r>
+          </a:p>
+          <a:p>
+            <a:pPr algn="ctr"/>
+            <a:r>
+              <a:rPr lang="en-US" sz="2400" dirty="0"/>
+              <a:t>Analysis</a:t>
+            </a:r>
+          </a:p>
+        </p:txBody>
+      </p:sp>
+      <p:sp>
+        <p:nvSpPr>
+          <p:cNvPr id="7" name="TextBox 6"/>
+          <p:cNvSpPr txBox="1"/>
+          <p:nvPr/>
+        </p:nvSpPr>
+        <p:spPr>
+          <a:xfrm>
+            <a:off x="2419240" y="2133600"/>
+            <a:ext cx="648371" cy="672525"/>
+          </a:xfrm>
+          <a:prstGeom prst="rightArrow">
+            <a:avLst/>
+          </a:prstGeom>
+        </p:spPr>
+        <p:style>
+          <a:lnRef idx="2">
+            <a:schemeClr val="accent4"/>
+          </a:lnRef>
+          <a:fillRef idx="1">
+            <a:schemeClr val="lt1"/>
+          </a:fillRef>
+          <a:effectRef idx="0">
+            <a:schemeClr val="accent4"/>
+          </a:effectRef>
+          <a:fontRef idx="minor">
+            <a:schemeClr val="dk1"/>
+          </a:fontRef>
+        </p:style>
+        <p:txBody>
+          <a:bodyPr wrap="square" rtlCol="0">
+            <a:spAutoFit/>
+          </a:bodyPr>
+          <a:lstStyle/>
+          <a:p>
+            <a:endParaRPr lang="en-US" dirty="0"/>
+          </a:p>
+        </p:txBody>
+      </p:sp>
+      <p:sp>
+        <p:nvSpPr>
+          <p:cNvPr id="8" name="TextBox 7"/>
+          <p:cNvSpPr txBox="1"/>
+          <p:nvPr/>
+        </p:nvSpPr>
+        <p:spPr>
+          <a:xfrm>
+            <a:off x="4742669" y="2133600"/>
+            <a:ext cx="648371" cy="672525"/>
+          </a:xfrm>
+          <a:prstGeom prst="rightArrow">
+            <a:avLst/>
+          </a:prstGeom>
+        </p:spPr>
+        <p:style>
+          <a:lnRef idx="2">
+            <a:schemeClr val="accent4"/>
+          </a:lnRef>
+          <a:fillRef idx="1">
+            <a:schemeClr val="lt1"/>
+          </a:fillRef>
+          <a:effectRef idx="0">
+            <a:schemeClr val="accent4"/>
+          </a:effectRef>
+          <a:fontRef idx="minor">
+            <a:schemeClr val="dk1"/>
+          </a:fontRef>
+        </p:style>
+        <p:txBody>
+          <a:bodyPr wrap="square" rtlCol="0">
+            <a:spAutoFit/>
+          </a:bodyPr>
+          <a:lstStyle/>
+          <a:p>
+            <a:endParaRPr lang="en-US" dirty="0"/>
+          </a:p>
+        </p:txBody>
+      </p:sp>
+      <p:sp>
+        <p:nvSpPr>
+          <p:cNvPr id="9" name="TextBox 8"/>
+          <p:cNvSpPr txBox="1"/>
+          <p:nvPr/>
+        </p:nvSpPr>
+        <p:spPr>
+          <a:xfrm>
+            <a:off x="1371600" y="2202597"/>
+            <a:ext cx="971440" cy="584776"/>
+          </a:xfrm>
+          <a:prstGeom prst="rect">
+            <a:avLst/>
+          </a:prstGeom>
+          <a:noFill/>
+        </p:spPr>
+        <p:txBody>
+          <a:bodyPr wrap="none" rtlCol="0">
+            <a:spAutoFit/>
+          </a:bodyPr>
+          <a:lstStyle/>
+          <a:p>
+            <a:pPr algn="ctr"/>
             <a:r>
               <a:rPr lang="en-US" dirty="0"/>
-              <a:t>We can now plug these building blocks together in different configuration in order to obtain a variety of language processors.</a:t>
-            </a:r>
-          </a:p>
-          <a:p>
-            <a:r>
+              <a:t>Program</a:t>
+            </a:r>
+            <a:br>
               <a:rPr lang="en-US" dirty="0"/>
-              <a:t>In general, we consider four different classes of language processors:</a:t>
-            </a:r>
-          </a:p>
-          <a:p>
-            <a:pPr lvl="1"/>
+            </a:br>
             <a:r>
               <a:rPr lang="en-US" dirty="0"/>
-              <a:t>Reader</a:t>
-            </a:r>
-          </a:p>
-          <a:p>
-            <a:pPr lvl="1"/>
+              <a:t>Text</a:t>
+            </a:r>
+          </a:p>
+        </p:txBody>
+      </p:sp>
+      <p:sp>
+        <p:nvSpPr>
+          <p:cNvPr id="10" name="TextBox 9"/>
+          <p:cNvSpPr txBox="1"/>
+          <p:nvPr/>
+        </p:nvSpPr>
+        <p:spPr>
+          <a:xfrm>
+            <a:off x="5531440" y="2161679"/>
+            <a:ext cx="1975120" cy="584776"/>
+          </a:xfrm>
+          <a:prstGeom prst="rect">
+            <a:avLst/>
+          </a:prstGeom>
+          <a:noFill/>
+        </p:spPr>
+        <p:txBody>
+          <a:bodyPr wrap="none" rtlCol="0">
+            <a:spAutoFit/>
+          </a:bodyPr>
+          <a:lstStyle/>
+          <a:p>
             <a:r>
               <a:rPr lang="en-US" dirty="0"/>
-              <a:t>Generator</a:t>
-            </a:r>
-          </a:p>
-          <a:p>
-            <a:pPr lvl="1"/>
+              <a:t>Intermediate</a:t>
+            </a:r>
+          </a:p>
+          <a:p>
             <a:r>
               <a:rPr lang="en-US" dirty="0"/>
-              <a:t>Interpreter</a:t>
-            </a:r>
-          </a:p>
-          <a:p>
-            <a:pPr lvl="1"/>
-            <a:r>
-              <a:rPr lang="en-US" dirty="0"/>
-              <a:t>Translator</a:t>
-            </a:r>
-          </a:p>
-          <a:p>
-            <a:endParaRPr lang="en-US" dirty="0"/>
+              <a:t>Representation (IR)</a:t>
+            </a:r>
           </a:p>
         </p:txBody>
       </p:sp>
@@ -13306,7 +12224,7 @@
       </p:grpSpPr>
       <p:sp>
         <p:nvSpPr>
-          <p:cNvPr id="14338" name="Rectangle 2"/>
+          <p:cNvPr id="15362" name="Rectangle 2"/>
           <p:cNvSpPr>
             <a:spLocks noGrp="1" noChangeArrowheads="1"/>
           </p:cNvSpPr>
@@ -13321,14 +12239,14 @@
           <a:p>
             <a:r>
               <a:rPr lang="en-US" dirty="0"/>
-              <a:t>The Reader</a:t>
-            </a:r>
-          </a:p>
-        </p:txBody>
-      </p:sp>
-      <p:sp>
-        <p:nvSpPr>
-          <p:cNvPr id="14339" name="Rectangle 3"/>
+              <a:t>The Generator</a:t>
+            </a:r>
+          </a:p>
+        </p:txBody>
+      </p:sp>
+      <p:sp>
+        <p:nvSpPr>
+          <p:cNvPr id="15363" name="Rectangle 3"/>
           <p:cNvSpPr>
             <a:spLocks noGrp="1" noChangeArrowheads="1"/>
           </p:cNvSpPr>
@@ -13338,7 +12256,7 @@
         </p:nvSpPr>
         <p:spPr>
           <a:xfrm>
-            <a:off x="457200" y="3810000"/>
+            <a:off x="457200" y="3657600"/>
             <a:ext cx="8229600" cy="2133600"/>
           </a:xfrm>
         </p:spPr>
@@ -13353,7 +12271,7 @@
             </a:pPr>
             <a:r>
               <a:rPr lang="en-US" sz="2400" dirty="0"/>
-              <a:t>A reader consists of the  syntax analysis block.</a:t>
+              <a:t>A generator consists of a code generation block.</a:t>
             </a:r>
           </a:p>
           <a:p>
@@ -13364,7 +12282,7 @@
             </a:pPr>
             <a:r>
               <a:rPr lang="en-US" sz="2400" dirty="0"/>
-              <a:t>A reader builds a data structure or sometimes called an intermediate representation (IR) from one or more input streams.</a:t>
+              <a:t>A generator walks an intermediate representation and generates output.</a:t>
             </a:r>
           </a:p>
           <a:p>
@@ -13375,7 +12293,15 @@
             </a:pPr>
             <a:r>
               <a:rPr lang="en-US" sz="2400" dirty="0"/>
-              <a:t>Examples include configuration file readers, program analysis tools (e.g. word and line counters), and Java class file loaders.</a:t>
+              <a:t>Examples include object </a:t>
+            </a:r>
+            <a:r>
+              <a:rPr lang="en-US" sz="2400" dirty="0" err="1"/>
+              <a:t>serializers</a:t>
+            </a:r>
+            <a:r>
+              <a:rPr lang="en-US" sz="2400" dirty="0"/>
+              <a:t> and web page generators.</a:t>
             </a:r>
           </a:p>
         </p:txBody>
@@ -13388,8 +12314,8 @@
         </p:nvSpPr>
         <p:spPr>
           <a:xfrm>
-            <a:off x="3181240" y="2057400"/>
-            <a:ext cx="1447800" cy="830997"/>
+            <a:off x="3447080" y="2140803"/>
+            <a:ext cx="1810720" cy="830997"/>
           </a:xfrm>
           <a:prstGeom prst="rect">
             <a:avLst/>
@@ -13418,14 +12344,14 @@
             <a:pPr algn="ctr"/>
             <a:r>
               <a:rPr lang="en-US" sz="2400" dirty="0"/>
-              <a:t>Syntax</a:t>
+              <a:t>Code</a:t>
             </a:r>
           </a:p>
           <a:p>
             <a:pPr algn="ctr"/>
             <a:r>
               <a:rPr lang="en-US" sz="2400" dirty="0"/>
-              <a:t>Analysis</a:t>
+              <a:t>Generation</a:t>
             </a:r>
           </a:p>
         </p:txBody>
@@ -13438,7 +12364,7 @@
         </p:nvSpPr>
         <p:spPr>
           <a:xfrm>
-            <a:off x="2419240" y="2133600"/>
+            <a:off x="2685080" y="2217003"/>
             <a:ext cx="648371" cy="672525"/>
           </a:xfrm>
           <a:prstGeom prst="rightArrow">
@@ -13477,7 +12403,7 @@
         </p:nvSpPr>
         <p:spPr>
           <a:xfrm>
-            <a:off x="4742669" y="2133600"/>
+            <a:off x="5410200" y="2217003"/>
             <a:ext cx="648371" cy="672525"/>
           </a:xfrm>
           <a:prstGeom prst="rightArrow">
@@ -13516,8 +12442,8 @@
         </p:nvSpPr>
         <p:spPr>
           <a:xfrm>
-            <a:off x="1371600" y="2202597"/>
-            <a:ext cx="971440" cy="584776"/>
+            <a:off x="2048550" y="2404646"/>
+            <a:ext cx="389850" cy="338554"/>
           </a:xfrm>
           <a:prstGeom prst="rect">
             <a:avLst/>
@@ -13533,14 +12459,7 @@
             <a:pPr algn="ctr"/>
             <a:r>
               <a:rPr lang="en-US" dirty="0"/>
-              <a:t>Program</a:t>
-            </a:r>
-            <a:br>
-              <a:rPr lang="en-US" dirty="0"/>
-            </a:br>
-            <a:r>
-              <a:rPr lang="en-US" dirty="0"/>
-              <a:t>Text</a:t>
+              <a:t>IR</a:t>
             </a:r>
           </a:p>
         </p:txBody>
@@ -13553,8 +12472,8 @@
         </p:nvSpPr>
         <p:spPr>
           <a:xfrm>
-            <a:off x="5531440" y="2161679"/>
-            <a:ext cx="1975120" cy="584776"/>
+            <a:off x="6161390" y="2262723"/>
+            <a:ext cx="1097576" cy="584776"/>
           </a:xfrm>
           <a:prstGeom prst="rect">
             <a:avLst/>
@@ -13569,13 +12488,14 @@
           <a:p>
             <a:r>
               <a:rPr lang="en-US" dirty="0"/>
-              <a:t>Intermediate</a:t>
-            </a:r>
-          </a:p>
-          <a:p>
-            <a:r>
+              <a:t>Target</a:t>
+            </a:r>
+            <a:br>
               <a:rPr lang="en-US" dirty="0"/>
-              <a:t>Representation (IR)</a:t>
+            </a:br>
+            <a:r>
+              <a:rPr lang="en-US" dirty="0"/>
+              <a:t>Language</a:t>
             </a:r>
           </a:p>
         </p:txBody>
@@ -13607,309 +12527,6 @@
       </p:grpSpPr>
       <p:sp>
         <p:nvSpPr>
-          <p:cNvPr id="15362" name="Rectangle 2"/>
-          <p:cNvSpPr>
-            <a:spLocks noGrp="1" noChangeArrowheads="1"/>
-          </p:cNvSpPr>
-          <p:nvPr>
-            <p:ph type="title"/>
-          </p:nvPr>
-        </p:nvSpPr>
-        <p:spPr/>
-        <p:txBody>
-          <a:bodyPr/>
-          <a:lstStyle/>
-          <a:p>
-            <a:r>
-              <a:rPr lang="en-US" dirty="0"/>
-              <a:t>The Generator</a:t>
-            </a:r>
-          </a:p>
-        </p:txBody>
-      </p:sp>
-      <p:sp>
-        <p:nvSpPr>
-          <p:cNvPr id="15363" name="Rectangle 3"/>
-          <p:cNvSpPr>
-            <a:spLocks noGrp="1" noChangeArrowheads="1"/>
-          </p:cNvSpPr>
-          <p:nvPr>
-            <p:ph type="body" idx="1"/>
-          </p:nvPr>
-        </p:nvSpPr>
-        <p:spPr>
-          <a:xfrm>
-            <a:off x="457200" y="3657600"/>
-            <a:ext cx="8229600" cy="2133600"/>
-          </a:xfrm>
-        </p:spPr>
-        <p:txBody>
-          <a:bodyPr/>
-          <a:lstStyle/>
-          <a:p>
-            <a:pPr>
-              <a:lnSpc>
-                <a:spcPct val="90000"/>
-              </a:lnSpc>
-            </a:pPr>
-            <a:r>
-              <a:rPr lang="en-US" sz="2400" dirty="0"/>
-              <a:t>A generator consists of a code generation block.</a:t>
-            </a:r>
-          </a:p>
-          <a:p>
-            <a:pPr>
-              <a:lnSpc>
-                <a:spcPct val="90000"/>
-              </a:lnSpc>
-            </a:pPr>
-            <a:r>
-              <a:rPr lang="en-US" sz="2400" dirty="0"/>
-              <a:t>A generator walks an intermediate representation and generates output.</a:t>
-            </a:r>
-          </a:p>
-          <a:p>
-            <a:pPr>
-              <a:lnSpc>
-                <a:spcPct val="90000"/>
-              </a:lnSpc>
-            </a:pPr>
-            <a:r>
-              <a:rPr lang="en-US" sz="2400" dirty="0"/>
-              <a:t>Examples include object </a:t>
-            </a:r>
-            <a:r>
-              <a:rPr lang="en-US" sz="2400" dirty="0" err="1"/>
-              <a:t>serializers</a:t>
-            </a:r>
-            <a:r>
-              <a:rPr lang="en-US" sz="2400" dirty="0"/>
-              <a:t> and web page generators.</a:t>
-            </a:r>
-          </a:p>
-        </p:txBody>
-      </p:sp>
-      <p:sp>
-        <p:nvSpPr>
-          <p:cNvPr id="6" name="TextBox 5"/>
-          <p:cNvSpPr txBox="1"/>
-          <p:nvPr/>
-        </p:nvSpPr>
-        <p:spPr>
-          <a:xfrm>
-            <a:off x="3447080" y="2140803"/>
-            <a:ext cx="1810720" cy="830997"/>
-          </a:xfrm>
-          <a:prstGeom prst="rect">
-            <a:avLst/>
-          </a:prstGeom>
-        </p:spPr>
-        <p:style>
-          <a:lnRef idx="2">
-            <a:schemeClr val="accent4"/>
-          </a:lnRef>
-          <a:fillRef idx="1">
-            <a:schemeClr val="lt1"/>
-          </a:fillRef>
-          <a:effectRef idx="0">
-            <a:schemeClr val="accent4"/>
-          </a:effectRef>
-          <a:fontRef idx="minor">
-            <a:schemeClr val="dk1"/>
-          </a:fontRef>
-        </p:style>
-        <p:txBody>
-          <a:bodyPr wrap="square" rtlCol="0">
-            <a:spAutoFit/>
-          </a:bodyPr>
-          <a:lstStyle/>
-          <a:p>
-            <a:pPr algn="ctr"/>
-            <a:r>
-              <a:rPr lang="en-US" sz="2400" dirty="0"/>
-              <a:t>Code</a:t>
-            </a:r>
-          </a:p>
-          <a:p>
-            <a:pPr algn="ctr"/>
-            <a:r>
-              <a:rPr lang="en-US" sz="2400" dirty="0"/>
-              <a:t>Generation</a:t>
-            </a:r>
-          </a:p>
-        </p:txBody>
-      </p:sp>
-      <p:sp>
-        <p:nvSpPr>
-          <p:cNvPr id="7" name="TextBox 6"/>
-          <p:cNvSpPr txBox="1"/>
-          <p:nvPr/>
-        </p:nvSpPr>
-        <p:spPr>
-          <a:xfrm>
-            <a:off x="2685080" y="2217003"/>
-            <a:ext cx="648371" cy="672525"/>
-          </a:xfrm>
-          <a:prstGeom prst="rightArrow">
-            <a:avLst/>
-          </a:prstGeom>
-        </p:spPr>
-        <p:style>
-          <a:lnRef idx="2">
-            <a:schemeClr val="accent4"/>
-          </a:lnRef>
-          <a:fillRef idx="1">
-            <a:schemeClr val="lt1"/>
-          </a:fillRef>
-          <a:effectRef idx="0">
-            <a:schemeClr val="accent4"/>
-          </a:effectRef>
-          <a:fontRef idx="minor">
-            <a:schemeClr val="dk1"/>
-          </a:fontRef>
-        </p:style>
-        <p:txBody>
-          <a:bodyPr wrap="square" rtlCol="0">
-            <a:spAutoFit/>
-          </a:bodyPr>
-          <a:lstStyle/>
-          <a:p>
-            <a:endParaRPr lang="en-US" dirty="0"/>
-          </a:p>
-        </p:txBody>
-      </p:sp>
-      <p:sp>
-        <p:nvSpPr>
-          <p:cNvPr id="8" name="TextBox 7"/>
-          <p:cNvSpPr txBox="1"/>
-          <p:nvPr/>
-        </p:nvSpPr>
-        <p:spPr>
-          <a:xfrm>
-            <a:off x="5410200" y="2217003"/>
-            <a:ext cx="648371" cy="672525"/>
-          </a:xfrm>
-          <a:prstGeom prst="rightArrow">
-            <a:avLst/>
-          </a:prstGeom>
-        </p:spPr>
-        <p:style>
-          <a:lnRef idx="2">
-            <a:schemeClr val="accent4"/>
-          </a:lnRef>
-          <a:fillRef idx="1">
-            <a:schemeClr val="lt1"/>
-          </a:fillRef>
-          <a:effectRef idx="0">
-            <a:schemeClr val="accent4"/>
-          </a:effectRef>
-          <a:fontRef idx="minor">
-            <a:schemeClr val="dk1"/>
-          </a:fontRef>
-        </p:style>
-        <p:txBody>
-          <a:bodyPr wrap="square" rtlCol="0">
-            <a:spAutoFit/>
-          </a:bodyPr>
-          <a:lstStyle/>
-          <a:p>
-            <a:endParaRPr lang="en-US" dirty="0"/>
-          </a:p>
-        </p:txBody>
-      </p:sp>
-      <p:sp>
-        <p:nvSpPr>
-          <p:cNvPr id="9" name="TextBox 8"/>
-          <p:cNvSpPr txBox="1"/>
-          <p:nvPr/>
-        </p:nvSpPr>
-        <p:spPr>
-          <a:xfrm>
-            <a:off x="2048550" y="2404646"/>
-            <a:ext cx="389850" cy="338554"/>
-          </a:xfrm>
-          <a:prstGeom prst="rect">
-            <a:avLst/>
-          </a:prstGeom>
-          <a:noFill/>
-        </p:spPr>
-        <p:txBody>
-          <a:bodyPr wrap="none" rtlCol="0">
-            <a:spAutoFit/>
-          </a:bodyPr>
-          <a:lstStyle/>
-          <a:p>
-            <a:pPr algn="ctr"/>
-            <a:r>
-              <a:rPr lang="en-US" dirty="0"/>
-              <a:t>IR</a:t>
-            </a:r>
-          </a:p>
-        </p:txBody>
-      </p:sp>
-      <p:sp>
-        <p:nvSpPr>
-          <p:cNvPr id="10" name="TextBox 9"/>
-          <p:cNvSpPr txBox="1"/>
-          <p:nvPr/>
-        </p:nvSpPr>
-        <p:spPr>
-          <a:xfrm>
-            <a:off x="6161390" y="2262723"/>
-            <a:ext cx="1097576" cy="584776"/>
-          </a:xfrm>
-          <a:prstGeom prst="rect">
-            <a:avLst/>
-          </a:prstGeom>
-          <a:noFill/>
-        </p:spPr>
-        <p:txBody>
-          <a:bodyPr wrap="none" rtlCol="0">
-            <a:spAutoFit/>
-          </a:bodyPr>
-          <a:lstStyle/>
-          <a:p>
-            <a:r>
-              <a:rPr lang="en-US" dirty="0"/>
-              <a:t>Target</a:t>
-            </a:r>
-            <a:br>
-              <a:rPr lang="en-US" dirty="0"/>
-            </a:br>
-            <a:r>
-              <a:rPr lang="en-US" dirty="0"/>
-              <a:t>Language</a:t>
-            </a:r>
-          </a:p>
-        </p:txBody>
-      </p:sp>
-    </p:spTree>
-  </p:cSld>
-  <p:clrMapOvr>
-    <a:masterClrMapping/>
-  </p:clrMapOvr>
-</p:sld>
-</file>
-
-<file path=ppt/slides/slide22.xml><?xml version="1.0" encoding="utf-8"?>
-<p:sld xmlns:a="http://schemas.openxmlformats.org/drawingml/2006/main" xmlns:r="http://schemas.openxmlformats.org/officeDocument/2006/relationships" xmlns:p="http://schemas.openxmlformats.org/presentationml/2006/main">
-  <p:cSld>
-    <p:spTree>
-      <p:nvGrpSpPr>
-        <p:cNvPr id="1" name=""/>
-        <p:cNvGrpSpPr/>
-        <p:nvPr/>
-      </p:nvGrpSpPr>
-      <p:grpSpPr>
-        <a:xfrm>
-          <a:off x="0" y="0"/>
-          <a:ext cx="0" cy="0"/>
-          <a:chOff x="0" y="0"/>
-          <a:chExt cx="0" cy="0"/>
-        </a:xfrm>
-      </p:grpSpPr>
-      <p:sp>
-        <p:nvSpPr>
           <p:cNvPr id="16386" name="Rectangle 2"/>
           <p:cNvSpPr>
             <a:spLocks noGrp="1" noChangeArrowheads="1"/>
@@ -14339,7 +12956,7 @@
 </p:sld>
 </file>
 
-<file path=ppt/slides/slide23.xml><?xml version="1.0" encoding="utf-8"?>
+<file path=ppt/slides/slide22.xml><?xml version="1.0" encoding="utf-8"?>
 <p:sld xmlns:a="http://schemas.openxmlformats.org/drawingml/2006/main" xmlns:r="http://schemas.openxmlformats.org/officeDocument/2006/relationships" xmlns:p="http://schemas.openxmlformats.org/presentationml/2006/main">
   <p:cSld>
     <p:spTree>
@@ -14905,7 +13522,7 @@
 </p:sld>
 </file>
 
-<file path=ppt/slides/slide24.xml><?xml version="1.0" encoding="utf-8"?>
+<file path=ppt/slides/slide23.xml><?xml version="1.0" encoding="utf-8"?>
 <p:sld xmlns:a="http://schemas.openxmlformats.org/drawingml/2006/main" xmlns:r="http://schemas.openxmlformats.org/officeDocument/2006/relationships" xmlns:p="http://schemas.openxmlformats.org/presentationml/2006/main">
   <p:cSld>
     <p:spTree>
@@ -15340,6 +13957,115 @@
         <p14:creationId xmlns:p14="http://schemas.microsoft.com/office/powerpoint/2010/main" val="1700571399"/>
       </p:ext>
     </p:extLst>
+  </p:cSld>
+  <p:clrMapOvr>
+    <a:masterClrMapping/>
+  </p:clrMapOvr>
+</p:sld>
+</file>
+
+<file path=ppt/slides/slide24.xml><?xml version="1.0" encoding="utf-8"?>
+<p:sld xmlns:a="http://schemas.openxmlformats.org/drawingml/2006/main" xmlns:r="http://schemas.openxmlformats.org/officeDocument/2006/relationships" xmlns:p="http://schemas.openxmlformats.org/presentationml/2006/main">
+  <p:cSld>
+    <p:spTree>
+      <p:nvGrpSpPr>
+        <p:cNvPr id="1" name=""/>
+        <p:cNvGrpSpPr/>
+        <p:nvPr/>
+      </p:nvGrpSpPr>
+      <p:grpSpPr>
+        <a:xfrm>
+          <a:off x="0" y="0"/>
+          <a:ext cx="0" cy="0"/>
+          <a:chOff x="0" y="0"/>
+          <a:chExt cx="0" cy="0"/>
+        </a:xfrm>
+      </p:grpSpPr>
+      <p:sp>
+        <p:nvSpPr>
+          <p:cNvPr id="18434" name="Rectangle 2"/>
+          <p:cNvSpPr>
+            <a:spLocks noGrp="1" noChangeArrowheads="1"/>
+          </p:cNvSpPr>
+          <p:nvPr>
+            <p:ph type="title"/>
+          </p:nvPr>
+        </p:nvSpPr>
+        <p:spPr/>
+        <p:txBody>
+          <a:bodyPr/>
+          <a:lstStyle/>
+          <a:p>
+            <a:r>
+              <a:rPr lang="en-US"/>
+              <a:t>Example: Processing the Java Language</a:t>
+            </a:r>
+          </a:p>
+        </p:txBody>
+      </p:sp>
+      <p:sp>
+        <p:nvSpPr>
+          <p:cNvPr id="18435" name="Rectangle 3"/>
+          <p:cNvSpPr>
+            <a:spLocks noGrp="1" noChangeArrowheads="1"/>
+          </p:cNvSpPr>
+          <p:nvPr>
+            <p:ph type="body" idx="1"/>
+          </p:nvPr>
+        </p:nvSpPr>
+        <p:spPr/>
+        <p:txBody>
+          <a:bodyPr/>
+          <a:lstStyle/>
+          <a:p>
+            <a:r>
+              <a:rPr lang="en-US" dirty="0"/>
+              <a:t>A processing pipeline for a language can consist of multiple language processors.</a:t>
+            </a:r>
+          </a:p>
+          <a:p>
+            <a:r>
+              <a:rPr lang="en-US" dirty="0"/>
+              <a:t>The language processing pipeline for Java consists mainly of</a:t>
+            </a:r>
+          </a:p>
+          <a:p>
+            <a:pPr lvl="1"/>
+            <a:r>
+              <a:rPr lang="en-US" dirty="0"/>
+              <a:t>A compiler from Java to </a:t>
+            </a:r>
+            <a:r>
+              <a:rPr lang="en-US" dirty="0" err="1"/>
+              <a:t>bytecode</a:t>
+            </a:r>
+            <a:endParaRPr lang="en-US" dirty="0"/>
+          </a:p>
+          <a:p>
+            <a:pPr lvl="1"/>
+            <a:r>
+              <a:rPr lang="en-US" dirty="0"/>
+              <a:t>A </a:t>
+            </a:r>
+            <a:r>
+              <a:rPr lang="en-US" dirty="0" err="1"/>
+              <a:t>bytecode</a:t>
+            </a:r>
+            <a:r>
+              <a:rPr lang="en-US" dirty="0"/>
+              <a:t> interpreter</a:t>
+            </a:r>
+          </a:p>
+          <a:p>
+            <a:pPr>
+              <a:buFont typeface="Wingdings" charset="0"/>
+              <a:buNone/>
+            </a:pPr>
+            <a:endParaRPr lang="en-US" dirty="0"/>
+          </a:p>
+        </p:txBody>
+      </p:sp>
+    </p:spTree>
   </p:cSld>
   <p:clrMapOvr>
     <a:masterClrMapping/>
@@ -15366,115 +14092,6 @@
       </p:grpSpPr>
       <p:sp>
         <p:nvSpPr>
-          <p:cNvPr id="18434" name="Rectangle 2"/>
-          <p:cNvSpPr>
-            <a:spLocks noGrp="1" noChangeArrowheads="1"/>
-          </p:cNvSpPr>
-          <p:nvPr>
-            <p:ph type="title"/>
-          </p:nvPr>
-        </p:nvSpPr>
-        <p:spPr/>
-        <p:txBody>
-          <a:bodyPr/>
-          <a:lstStyle/>
-          <a:p>
-            <a:r>
-              <a:rPr lang="en-US"/>
-              <a:t>Example: Processing the Java Language</a:t>
-            </a:r>
-          </a:p>
-        </p:txBody>
-      </p:sp>
-      <p:sp>
-        <p:nvSpPr>
-          <p:cNvPr id="18435" name="Rectangle 3"/>
-          <p:cNvSpPr>
-            <a:spLocks noGrp="1" noChangeArrowheads="1"/>
-          </p:cNvSpPr>
-          <p:nvPr>
-            <p:ph type="body" idx="1"/>
-          </p:nvPr>
-        </p:nvSpPr>
-        <p:spPr/>
-        <p:txBody>
-          <a:bodyPr/>
-          <a:lstStyle/>
-          <a:p>
-            <a:r>
-              <a:rPr lang="en-US" dirty="0"/>
-              <a:t>A processing pipeline for a language can consist of multiple language processors.</a:t>
-            </a:r>
-          </a:p>
-          <a:p>
-            <a:r>
-              <a:rPr lang="en-US" dirty="0"/>
-              <a:t>The language processing pipeline for Java consists mainly of</a:t>
-            </a:r>
-          </a:p>
-          <a:p>
-            <a:pPr lvl="1"/>
-            <a:r>
-              <a:rPr lang="en-US" dirty="0"/>
-              <a:t>A compiler from Java to </a:t>
-            </a:r>
-            <a:r>
-              <a:rPr lang="en-US" dirty="0" err="1"/>
-              <a:t>bytecode</a:t>
-            </a:r>
-            <a:endParaRPr lang="en-US" dirty="0"/>
-          </a:p>
-          <a:p>
-            <a:pPr lvl="1"/>
-            <a:r>
-              <a:rPr lang="en-US" dirty="0"/>
-              <a:t>A </a:t>
-            </a:r>
-            <a:r>
-              <a:rPr lang="en-US" dirty="0" err="1"/>
-              <a:t>bytecode</a:t>
-            </a:r>
-            <a:r>
-              <a:rPr lang="en-US" dirty="0"/>
-              <a:t> interpreter</a:t>
-            </a:r>
-          </a:p>
-          <a:p>
-            <a:pPr>
-              <a:buFont typeface="Wingdings" charset="0"/>
-              <a:buNone/>
-            </a:pPr>
-            <a:endParaRPr lang="en-US" dirty="0"/>
-          </a:p>
-        </p:txBody>
-      </p:sp>
-    </p:spTree>
-  </p:cSld>
-  <p:clrMapOvr>
-    <a:masterClrMapping/>
-  </p:clrMapOvr>
-</p:sld>
-</file>
-
-<file path=ppt/slides/slide26.xml><?xml version="1.0" encoding="utf-8"?>
-<p:sld xmlns:a="http://schemas.openxmlformats.org/drawingml/2006/main" xmlns:r="http://schemas.openxmlformats.org/officeDocument/2006/relationships" xmlns:p="http://schemas.openxmlformats.org/presentationml/2006/main">
-  <p:cSld>
-    <p:spTree>
-      <p:nvGrpSpPr>
-        <p:cNvPr id="1" name=""/>
-        <p:cNvGrpSpPr/>
-        <p:nvPr/>
-      </p:nvGrpSpPr>
-      <p:grpSpPr>
-        <a:xfrm>
-          <a:off x="0" y="0"/>
-          <a:ext cx="0" cy="0"/>
-          <a:chOff x="0" y="0"/>
-          <a:chExt cx="0" cy="0"/>
-        </a:xfrm>
-      </p:grpSpPr>
-      <p:sp>
-        <p:nvSpPr>
           <p:cNvPr id="43010" name="Rectangle 2"/>
           <p:cNvSpPr>
             <a:spLocks noGrp="1" noChangeArrowheads="1"/>
@@ -15522,7 +14139,7 @@
           </a:ln>
           <a:extLst>
             <a:ext uri="{909E8E84-426E-40dd-AFC4-6F175D3DCCD1}">
-              <a14:hiddenFill xmlns="" xmlns:a14="http://schemas.microsoft.com/office/drawing/2010/main">
+              <a14:hiddenFill xmlns:a14="http://schemas.microsoft.com/office/drawing/2010/main" xmlns="">
                 <a:solidFill>
                   <a:schemeClr val="accent1"/>
                 </a:solidFill>
@@ -15794,7 +14411,7 @@
           </a:ln>
           <a:extLst>
             <a:ext uri="{909E8E84-426E-40dd-AFC4-6F175D3DCCD1}">
-              <a14:hiddenFill xmlns="" xmlns:a14="http://schemas.microsoft.com/office/drawing/2010/main">
+              <a14:hiddenFill xmlns:a14="http://schemas.microsoft.com/office/drawing/2010/main" xmlns="">
                 <a:solidFill>
                   <a:schemeClr val="accent1"/>
                 </a:solidFill>
@@ -16385,14 +15002,14 @@
           </a:ln>
           <a:extLst>
             <a:ext uri="{909E8E84-426E-40dd-AFC4-6F175D3DCCD1}">
-              <a14:hiddenFill xmlns="" xmlns:a14="http://schemas.microsoft.com/office/drawing/2010/main">
+              <a14:hiddenFill xmlns:a14="http://schemas.microsoft.com/office/drawing/2010/main" xmlns="">
                 <a:solidFill>
                   <a:schemeClr val="accent1"/>
                 </a:solidFill>
               </a14:hiddenFill>
             </a:ext>
             <a:ext uri="{91240B29-F687-4f45-9708-019B960494DF}">
-              <a14:hiddenLine xmlns="" xmlns:a14="http://schemas.microsoft.com/office/drawing/2010/main" w="9525">
+              <a14:hiddenLine xmlns:a14="http://schemas.microsoft.com/office/drawing/2010/main" xmlns="" w="9525">
                 <a:solidFill>
                   <a:schemeClr val="tx1"/>
                 </a:solidFill>
@@ -16438,14 +15055,14 @@
           </a:ln>
           <a:extLst>
             <a:ext uri="{909E8E84-426E-40dd-AFC4-6F175D3DCCD1}">
-              <a14:hiddenFill xmlns="" xmlns:a14="http://schemas.microsoft.com/office/drawing/2010/main">
+              <a14:hiddenFill xmlns:a14="http://schemas.microsoft.com/office/drawing/2010/main" xmlns="">
                 <a:solidFill>
                   <a:schemeClr val="accent1"/>
                 </a:solidFill>
               </a14:hiddenFill>
             </a:ext>
             <a:ext uri="{91240B29-F687-4f45-9708-019B960494DF}">
-              <a14:hiddenLine xmlns="" xmlns:a14="http://schemas.microsoft.com/office/drawing/2010/main" w="9525">
+              <a14:hiddenLine xmlns:a14="http://schemas.microsoft.com/office/drawing/2010/main" xmlns="" w="9525">
                 <a:solidFill>
                   <a:schemeClr val="tx1"/>
                 </a:solidFill>
@@ -16612,14 +15229,14 @@
           </a:ln>
           <a:extLst>
             <a:ext uri="{909E8E84-426E-40dd-AFC4-6F175D3DCCD1}">
-              <a14:hiddenFill xmlns="" xmlns:a14="http://schemas.microsoft.com/office/drawing/2010/main">
+              <a14:hiddenFill xmlns:a14="http://schemas.microsoft.com/office/drawing/2010/main" xmlns="">
                 <a:solidFill>
                   <a:schemeClr val="accent1"/>
                 </a:solidFill>
               </a14:hiddenFill>
             </a:ext>
             <a:ext uri="{91240B29-F687-4f45-9708-019B960494DF}">
-              <a14:hiddenLine xmlns="" xmlns:a14="http://schemas.microsoft.com/office/drawing/2010/main" w="9525">
+              <a14:hiddenLine xmlns:a14="http://schemas.microsoft.com/office/drawing/2010/main" xmlns="" w="9525">
                 <a:solidFill>
                   <a:schemeClr val="tx1"/>
                 </a:solidFill>
@@ -16704,14 +15321,14 @@
           </a:ln>
           <a:extLst>
             <a:ext uri="{909E8E84-426E-40dd-AFC4-6F175D3DCCD1}">
-              <a14:hiddenFill xmlns="" xmlns:a14="http://schemas.microsoft.com/office/drawing/2010/main">
+              <a14:hiddenFill xmlns:a14="http://schemas.microsoft.com/office/drawing/2010/main" xmlns="">
                 <a:solidFill>
                   <a:schemeClr val="accent1"/>
                 </a:solidFill>
               </a14:hiddenFill>
             </a:ext>
             <a:ext uri="{91240B29-F687-4f45-9708-019B960494DF}">
-              <a14:hiddenLine xmlns="" xmlns:a14="http://schemas.microsoft.com/office/drawing/2010/main" w="9525">
+              <a14:hiddenLine xmlns:a14="http://schemas.microsoft.com/office/drawing/2010/main" xmlns="" w="9525">
                 <a:solidFill>
                   <a:schemeClr val="tx1"/>
                 </a:solidFill>
@@ -16762,7 +15379,7 @@
           </a:ln>
           <a:extLst>
             <a:ext uri="{909E8E84-426E-40dd-AFC4-6F175D3DCCD1}">
-              <a14:hiddenFill xmlns="" xmlns:a14="http://schemas.microsoft.com/office/drawing/2010/main">
+              <a14:hiddenFill xmlns:a14="http://schemas.microsoft.com/office/drawing/2010/main" xmlns="">
                 <a:solidFill>
                   <a:schemeClr val="accent1"/>
                 </a:solidFill>
@@ -16813,14 +15430,14 @@
           </a:ln>
           <a:extLst>
             <a:ext uri="{909E8E84-426E-40dd-AFC4-6F175D3DCCD1}">
-              <a14:hiddenFill xmlns="" xmlns:a14="http://schemas.microsoft.com/office/drawing/2010/main">
+              <a14:hiddenFill xmlns:a14="http://schemas.microsoft.com/office/drawing/2010/main" xmlns="">
                 <a:solidFill>
                   <a:schemeClr val="accent1"/>
                 </a:solidFill>
               </a14:hiddenFill>
             </a:ext>
             <a:ext uri="{91240B29-F687-4f45-9708-019B960494DF}">
-              <a14:hiddenLine xmlns="" xmlns:a14="http://schemas.microsoft.com/office/drawing/2010/main" w="9525">
+              <a14:hiddenLine xmlns:a14="http://schemas.microsoft.com/office/drawing/2010/main" xmlns="" w="9525">
                 <a:solidFill>
                   <a:schemeClr val="tx1"/>
                 </a:solidFill>
@@ -16852,7 +15469,7 @@
 </p:sld>
 </file>
 
-<file path=ppt/slides/slide27.xml><?xml version="1.0" encoding="utf-8"?>
+<file path=ppt/slides/slide26.xml><?xml version="1.0" encoding="utf-8"?>
 <p:sld xmlns:a="http://schemas.openxmlformats.org/drawingml/2006/main" xmlns:r="http://schemas.openxmlformats.org/officeDocument/2006/relationships" xmlns:p="http://schemas.openxmlformats.org/presentationml/2006/main">
   <p:cSld>
     <p:spTree>
@@ -17347,7 +15964,7 @@
 </p:sld>
 </file>
 
-<file path=ppt/slides/slide28.xml><?xml version="1.0" encoding="utf-8"?>
+<file path=ppt/slides/slide27.xml><?xml version="1.0" encoding="utf-8"?>
 <p:sld xmlns:a="http://schemas.openxmlformats.org/drawingml/2006/main" xmlns:r="http://schemas.openxmlformats.org/officeDocument/2006/relationships" xmlns:p="http://schemas.openxmlformats.org/presentationml/2006/main">
   <p:cSld>
     <p:spTree>
@@ -17729,7 +16346,7 @@
 </p:sld>
 </file>
 
-<file path=ppt/slides/slide29.xml><?xml version="1.0" encoding="utf-8"?>
+<file path=ppt/slides/slide28.xml><?xml version="1.0" encoding="utf-8"?>
 <p:sld xmlns:a="http://schemas.openxmlformats.org/drawingml/2006/main" xmlns:r="http://schemas.openxmlformats.org/officeDocument/2006/relationships" xmlns:p="http://schemas.openxmlformats.org/presentationml/2006/main">
   <p:cSld>
     <p:spTree>
@@ -17763,7 +16380,7 @@
           <a:p>
             <a:r>
               <a:rPr lang="en-US" dirty="0"/>
-              <a:t>Assignments</a:t>
+              <a:t>Assignments &amp; Readings</a:t>
             </a:r>
           </a:p>
         </p:txBody>
@@ -17788,9 +16405,34 @@
               <a:t>Read Chapter 1 </a:t>
             </a:r>
           </a:p>
+          <a:p>
+            <a:r>
+              <a:rPr lang="en-US" dirty="0"/>
+              <a:t>Assignment #0: </a:t>
+            </a:r>
+          </a:p>
+          <a:p>
+            <a:pPr lvl="1"/>
+            <a:r>
+              <a:rPr lang="en-US" dirty="0"/>
+              <a:t>Download &amp; Read Syllabus </a:t>
+            </a:r>
+          </a:p>
+          <a:p>
+            <a:pPr lvl="1"/>
+            <a:r>
+              <a:rPr lang="en-US" dirty="0"/>
+              <a:t>upload a copy into Sakai</a:t>
+            </a:r>
+          </a:p>
         </p:txBody>
       </p:sp>
     </p:spTree>
+    <p:extLst>
+      <p:ext uri="{BB962C8B-B14F-4D97-AF65-F5344CB8AC3E}">
+        <p14:creationId xmlns:p14="http://schemas.microsoft.com/office/powerpoint/2010/main" val="1018686099"/>
+      </p:ext>
+    </p:extLst>
   </p:cSld>
   <p:clrMapOvr>
     <a:masterClrMapping/>
@@ -17919,7 +16561,7 @@
       </p:grpSpPr>
       <p:sp>
         <p:nvSpPr>
-          <p:cNvPr id="21506" name="Rectangle 2"/>
+          <p:cNvPr id="7170" name="Rectangle 2"/>
           <p:cNvSpPr>
             <a:spLocks noGrp="1" noChangeArrowheads="1"/>
           </p:cNvSpPr>
@@ -17933,15 +16575,15 @@
           <a:lstStyle/>
           <a:p>
             <a:r>
-              <a:rPr lang="en-US" dirty="0"/>
-              <a:t>Assignments</a:t>
-            </a:r>
-          </a:p>
-        </p:txBody>
-      </p:sp>
-      <p:sp>
-        <p:nvSpPr>
-          <p:cNvPr id="21507" name="Rectangle 3"/>
+              <a:rPr lang="en-US"/>
+              <a:t>Some Definitions</a:t>
+            </a:r>
+          </a:p>
+        </p:txBody>
+      </p:sp>
+      <p:sp>
+        <p:nvSpPr>
+          <p:cNvPr id="7171" name="Rectangle 3"/>
           <p:cNvSpPr>
             <a:spLocks noGrp="1" noChangeArrowheads="1"/>
           </p:cNvSpPr>
@@ -17949,42 +16591,110 @@
             <p:ph type="body" idx="1"/>
           </p:nvPr>
         </p:nvSpPr>
-        <p:spPr/>
+        <p:spPr>
+          <a:xfrm>
+            <a:off x="457200" y="1719263"/>
+            <a:ext cx="8229600" cy="3843337"/>
+          </a:xfrm>
+        </p:spPr>
         <p:txBody>
           <a:bodyPr/>
           <a:lstStyle/>
           <a:p>
             <a:r>
               <a:rPr lang="en-US"/>
-              <a:t>Assignment </a:t>
-            </a:r>
-            <a:r>
-              <a:rPr lang="en-US" dirty="0"/>
-              <a:t>#0: </a:t>
+              <a:t>Domain Specific Language (DSL)</a:t>
             </a:r>
           </a:p>
           <a:p>
             <a:pPr lvl="1"/>
             <a:r>
-              <a:rPr lang="en-US" dirty="0"/>
-              <a:t>Download &amp; Read Syllabus </a:t>
-            </a:r>
+              <a:rPr lang="en-US">
+                <a:latin typeface="Helvetica" charset="0"/>
+              </a:rPr>
+              <a:t>In software development a DSL is a programming language or specification language dedicated to a particular problem domain, a particular problem representation technique, and/or a particular solution technique.</a:t>
+            </a:r>
+            <a:r>
+              <a:rPr lang="en-US" baseline="30000">
+                <a:latin typeface="Helvetica" charset="0"/>
+              </a:rPr>
+              <a:t>‡</a:t>
+            </a:r>
+            <a:endParaRPr lang="en-US">
+              <a:latin typeface="Helvetica" charset="0"/>
+            </a:endParaRPr>
           </a:p>
           <a:p>
             <a:pPr lvl="1"/>
             <a:r>
-              <a:rPr lang="en-US" dirty="0"/>
-              <a:t>upload a copy into Sakai</a:t>
+              <a:rPr lang="en-US">
+                <a:latin typeface="Helvetica" charset="0"/>
+              </a:rPr>
+              <a:t>Examples: Html, MSDOS/Linux shell scripts, game engine scripting languages</a:t>
+            </a:r>
+          </a:p>
+        </p:txBody>
+      </p:sp>
+      <p:sp>
+        <p:nvSpPr>
+          <p:cNvPr id="7172" name="Text Box 4"/>
+          <p:cNvSpPr txBox="1">
+            <a:spLocks noChangeArrowheads="1"/>
+          </p:cNvSpPr>
+          <p:nvPr/>
+        </p:nvSpPr>
+        <p:spPr bwMode="auto">
+          <a:xfrm>
+            <a:off x="1219200" y="6019800"/>
+            <a:ext cx="1198563" cy="336550"/>
+          </a:xfrm>
+          <a:prstGeom prst="rect">
+            <a:avLst/>
+          </a:prstGeom>
+          <a:noFill/>
+          <a:ln>
+            <a:noFill/>
+          </a:ln>
+          <a:extLst>
+            <a:ext uri="{909E8E84-426E-40dd-AFC4-6F175D3DCCD1}">
+              <a14:hiddenFill xmlns:a14="http://schemas.microsoft.com/office/drawing/2010/main" xmlns="">
+                <a:solidFill>
+                  <a:schemeClr val="accent1"/>
+                </a:solidFill>
+              </a14:hiddenFill>
+            </a:ext>
+            <a:ext uri="{91240B29-F687-4f45-9708-019B960494DF}">
+              <a14:hiddenLine xmlns:a14="http://schemas.microsoft.com/office/drawing/2010/main" xmlns="" w="9525">
+                <a:solidFill>
+                  <a:schemeClr val="tx1"/>
+                </a:solidFill>
+                <a:miter lim="800000"/>
+                <a:headEnd/>
+                <a:tailEnd/>
+              </a14:hiddenLine>
+            </a:ext>
+          </a:extLst>
+        </p:spPr>
+        <p:txBody>
+          <a:bodyPr wrap="none">
+            <a:spAutoFit/>
+          </a:bodyPr>
+          <a:lstStyle/>
+          <a:p>
+            <a:r>
+              <a:rPr lang="en-US" baseline="30000">
+                <a:latin typeface="Helvetica" charset="0"/>
+              </a:rPr>
+              <a:t>‡</a:t>
+            </a:r>
+            <a:r>
+              <a:rPr lang="en-US"/>
+              <a:t> Wikipedia</a:t>
             </a:r>
           </a:p>
         </p:txBody>
       </p:sp>
     </p:spTree>
-    <p:extLst>
-      <p:ext uri="{BB962C8B-B14F-4D97-AF65-F5344CB8AC3E}">
-        <p14:creationId xmlns:p14="http://schemas.microsoft.com/office/powerpoint/2010/main" val="1018686099"/>
-      </p:ext>
-    </p:extLst>
   </p:cSld>
   <p:clrMapOvr>
     <a:masterClrMapping/>
@@ -18011,7 +16721,7 @@
       </p:grpSpPr>
       <p:sp>
         <p:nvSpPr>
-          <p:cNvPr id="7170" name="Rectangle 2"/>
+          <p:cNvPr id="8194" name="Rectangle 2"/>
           <p:cNvSpPr>
             <a:spLocks noGrp="1" noChangeArrowheads="1"/>
           </p:cNvSpPr>
@@ -18033,7 +16743,7 @@
       </p:sp>
       <p:sp>
         <p:nvSpPr>
-          <p:cNvPr id="7171" name="Rectangle 3"/>
+          <p:cNvPr id="8195" name="Rectangle 3"/>
           <p:cNvSpPr>
             <a:spLocks noGrp="1" noChangeArrowheads="1"/>
           </p:cNvSpPr>
@@ -18041,53 +16751,44 @@
             <p:ph type="body" idx="1"/>
           </p:nvPr>
         </p:nvSpPr>
-        <p:spPr>
-          <a:xfrm>
-            <a:off x="457200" y="1719263"/>
-            <a:ext cx="8229600" cy="3843337"/>
-          </a:xfrm>
-        </p:spPr>
+        <p:spPr/>
         <p:txBody>
           <a:bodyPr/>
           <a:lstStyle/>
           <a:p>
             <a:r>
-              <a:rPr lang="en-US"/>
-              <a:t>Domain Specific Language (DSL)</a:t>
-            </a:r>
+              <a:rPr lang="en-US" sz="2600"/>
+              <a:t>General (Purpose) Programming Language</a:t>
+            </a:r>
+            <a:r>
+              <a:rPr lang="en-US" sz="2600" baseline="30000"/>
+              <a:t>‡</a:t>
+            </a:r>
+            <a:endParaRPr lang="en-US" sz="2600"/>
           </a:p>
           <a:p>
             <a:pPr lvl="1"/>
             <a:r>
-              <a:rPr lang="en-US">
+              <a:rPr lang="en-US" sz="2200">
                 <a:latin typeface="Helvetica" charset="0"/>
               </a:rPr>
-              <a:t>In software development a DSL is a programming language or specification language dedicated to a particular problem domain, a particular problem representation technique, and/or a particular solution technique.</a:t>
-            </a:r>
-            <a:r>
-              <a:rPr lang="en-US" baseline="30000">
+              <a:t>A general purpose programming language is a programming language designed to be used for writing software in a wide variety of application domains. </a:t>
+            </a:r>
+          </a:p>
+          <a:p>
+            <a:pPr lvl="1"/>
+            <a:r>
+              <a:rPr lang="en-US" sz="2200">
                 <a:latin typeface="Helvetica" charset="0"/>
               </a:rPr>
-              <a:t>‡</a:t>
-            </a:r>
-            <a:endParaRPr lang="en-US">
-              <a:latin typeface="Helvetica" charset="0"/>
-            </a:endParaRPr>
-          </a:p>
-          <a:p>
-            <a:pPr lvl="1"/>
-            <a:r>
-              <a:rPr lang="en-US">
-                <a:latin typeface="Helvetica" charset="0"/>
-              </a:rPr>
-              <a:t>Examples: Html, MSDOS/Linux shell scripts, game engine scripting languages</a:t>
-            </a:r>
-          </a:p>
-        </p:txBody>
-      </p:sp>
-      <p:sp>
-        <p:nvSpPr>
-          <p:cNvPr id="7172" name="Text Box 4"/>
+              <a:t>In many ways a general purpose language only has this status because it does not include language constructs designed to be used within a specific application domain (e.g., a page description language contains constructs intended to make it easier to write programs that control the layout of text and graphics on a page).</a:t>
+            </a:r>
+          </a:p>
+        </p:txBody>
+      </p:sp>
+      <p:sp>
+        <p:nvSpPr>
+          <p:cNvPr id="8196" name="Text Box 4"/>
           <p:cNvSpPr txBox="1">
             <a:spLocks noChangeArrowheads="1"/>
           </p:cNvSpPr>
@@ -18107,14 +16808,14 @@
           </a:ln>
           <a:extLst>
             <a:ext uri="{909E8E84-426E-40dd-AFC4-6F175D3DCCD1}">
-              <a14:hiddenFill xmlns="" xmlns:a14="http://schemas.microsoft.com/office/drawing/2010/main">
+              <a14:hiddenFill xmlns:a14="http://schemas.microsoft.com/office/drawing/2010/main" xmlns="">
                 <a:solidFill>
                   <a:schemeClr val="accent1"/>
                 </a:solidFill>
               </a14:hiddenFill>
             </a:ext>
             <a:ext uri="{91240B29-F687-4f45-9708-019B960494DF}">
-              <a14:hiddenLine xmlns="" xmlns:a14="http://schemas.microsoft.com/office/drawing/2010/main" w="9525">
+              <a14:hiddenLine xmlns:a14="http://schemas.microsoft.com/office/drawing/2010/main" xmlns="" w="9525">
                 <a:solidFill>
                   <a:schemeClr val="tx1"/>
                 </a:solidFill>
@@ -18171,7 +16872,7 @@
       </p:grpSpPr>
       <p:sp>
         <p:nvSpPr>
-          <p:cNvPr id="8194" name="Rectangle 2"/>
+          <p:cNvPr id="44034" name="Rectangle 2"/>
           <p:cNvSpPr>
             <a:spLocks noGrp="1" noChangeArrowheads="1"/>
           </p:cNvSpPr>
@@ -18193,7 +16894,7 @@
       </p:sp>
       <p:sp>
         <p:nvSpPr>
-          <p:cNvPr id="8195" name="Rectangle 3"/>
+          <p:cNvPr id="44035" name="Rectangle 3"/>
           <p:cNvSpPr>
             <a:spLocks noGrp="1" noChangeArrowheads="1"/>
           </p:cNvSpPr>
@@ -18206,91 +16907,103 @@
           <a:bodyPr/>
           <a:lstStyle/>
           <a:p>
-            <a:r>
-              <a:rPr lang="en-US" sz="2600"/>
-              <a:t>General (Purpose) Programming Language</a:t>
-            </a:r>
-            <a:r>
-              <a:rPr lang="en-US" sz="2600" baseline="30000"/>
-              <a:t>‡</a:t>
-            </a:r>
-            <a:endParaRPr lang="en-US" sz="2600"/>
-          </a:p>
-          <a:p>
-            <a:pPr lvl="1"/>
-            <a:r>
-              <a:rPr lang="en-US" sz="2200">
-                <a:latin typeface="Helvetica" charset="0"/>
+            <a:pPr>
+              <a:lnSpc>
+                <a:spcPct val="90000"/>
+              </a:lnSpc>
+            </a:pPr>
+            <a:r>
+              <a:rPr lang="en-US"/>
+              <a:t>High-Level Programming Language</a:t>
+            </a:r>
+          </a:p>
+          <a:p>
+            <a:pPr lvl="1">
+              <a:lnSpc>
+                <a:spcPct val="90000"/>
+              </a:lnSpc>
+            </a:pPr>
+            <a:r>
+              <a:rPr lang="en-US"/>
+              <a:t>A language that supports data abstraction and </a:t>
+            </a:r>
+            <a:r>
+              <a:rPr lang="ja-JP" altLang="en-US">
+                <a:latin typeface="Arial"/>
               </a:rPr>
-              <a:t>A general purpose programming language is a programming language designed to be used for writing software in a wide variety of application domains. </a:t>
-            </a:r>
-          </a:p>
-          <a:p>
-            <a:pPr lvl="1"/>
-            <a:r>
-              <a:rPr lang="en-US" sz="2200">
-                <a:latin typeface="Helvetica" charset="0"/>
+              <a:t>“</a:t>
+            </a:r>
+            <a:r>
+              <a:rPr lang="en-US"/>
+              <a:t>structured programming</a:t>
+            </a:r>
+            <a:r>
+              <a:rPr lang="ja-JP" altLang="en-US">
+                <a:latin typeface="Arial"/>
               </a:rPr>
-              <a:t>In many ways a general purpose language only has this status because it does not include language constructs designed to be used within a specific application domain (e.g., a page description language contains constructs intended to make it easier to write programs that control the layout of text and graphics on a page).</a:t>
-            </a:r>
-          </a:p>
-        </p:txBody>
-      </p:sp>
-      <p:sp>
-        <p:nvSpPr>
-          <p:cNvPr id="8196" name="Text Box 4"/>
-          <p:cNvSpPr txBox="1">
-            <a:spLocks noChangeArrowheads="1"/>
-          </p:cNvSpPr>
-          <p:nvPr/>
-        </p:nvSpPr>
-        <p:spPr bwMode="auto">
-          <a:xfrm>
-            <a:off x="1219200" y="6019800"/>
-            <a:ext cx="1198563" cy="336550"/>
-          </a:xfrm>
-          <a:prstGeom prst="rect">
-            <a:avLst/>
-          </a:prstGeom>
-          <a:noFill/>
-          <a:ln>
-            <a:noFill/>
-          </a:ln>
-          <a:extLst>
-            <a:ext uri="{909E8E84-426E-40dd-AFC4-6F175D3DCCD1}">
-              <a14:hiddenFill xmlns="" xmlns:a14="http://schemas.microsoft.com/office/drawing/2010/main">
-                <a:solidFill>
-                  <a:schemeClr val="accent1"/>
-                </a:solidFill>
-              </a14:hiddenFill>
-            </a:ext>
-            <a:ext uri="{91240B29-F687-4f45-9708-019B960494DF}">
-              <a14:hiddenLine xmlns="" xmlns:a14="http://schemas.microsoft.com/office/drawing/2010/main" w="9525">
-                <a:solidFill>
-                  <a:schemeClr val="tx1"/>
-                </a:solidFill>
-                <a:miter lim="800000"/>
-                <a:headEnd/>
-                <a:tailEnd/>
-              </a14:hiddenLine>
-            </a:ext>
-          </a:extLst>
-        </p:spPr>
-        <p:txBody>
-          <a:bodyPr wrap="none">
-            <a:spAutoFit/>
-          </a:bodyPr>
-          <a:lstStyle/>
-          <a:p>
-            <a:r>
-              <a:rPr lang="en-US" baseline="30000">
-                <a:latin typeface="Helvetica" charset="0"/>
+              <a:t>”</a:t>
+            </a:r>
+            <a:endParaRPr lang="en-US"/>
+          </a:p>
+          <a:p>
+            <a:pPr lvl="1">
+              <a:lnSpc>
+                <a:spcPct val="90000"/>
+              </a:lnSpc>
+            </a:pPr>
+            <a:r>
+              <a:rPr lang="en-US"/>
+              <a:t>e.g. class definitions and while-loops, if-then-else statements</a:t>
+            </a:r>
+          </a:p>
+          <a:p>
+            <a:pPr>
+              <a:lnSpc>
+                <a:spcPct val="90000"/>
+              </a:lnSpc>
+            </a:pPr>
+            <a:r>
+              <a:rPr lang="en-US"/>
+              <a:t>Low-Level Programming Language</a:t>
+            </a:r>
+          </a:p>
+          <a:p>
+            <a:pPr lvl="1">
+              <a:lnSpc>
+                <a:spcPct val="90000"/>
+              </a:lnSpc>
+            </a:pPr>
+            <a:r>
+              <a:rPr lang="en-US"/>
+              <a:t>A language that does NOT support data abstraction and </a:t>
+            </a:r>
+            <a:r>
+              <a:rPr lang="ja-JP" altLang="en-US">
+                <a:latin typeface="Arial"/>
               </a:rPr>
-              <a:t>‡</a:t>
+              <a:t>“</a:t>
             </a:r>
             <a:r>
               <a:rPr lang="en-US"/>
-              <a:t> Wikipedia</a:t>
+              <a:t>structured programming</a:t>
+            </a:r>
+            <a:r>
+              <a:rPr lang="ja-JP" altLang="en-US">
+                <a:latin typeface="Arial"/>
+              </a:rPr>
+              <a:t>”</a:t>
+            </a:r>
+            <a:endParaRPr lang="en-US"/>
+          </a:p>
+          <a:p>
+            <a:pPr lvl="1">
+              <a:lnSpc>
+                <a:spcPct val="90000"/>
+              </a:lnSpc>
+            </a:pPr>
+            <a:r>
+              <a:rPr lang="en-US"/>
+              <a:t>Most assembly languages and bytecodes fall into this category</a:t>
             </a:r>
           </a:p>
         </p:txBody>
@@ -18322,7 +17035,7 @@
       </p:grpSpPr>
       <p:sp>
         <p:nvSpPr>
-          <p:cNvPr id="44034" name="Rectangle 2"/>
+          <p:cNvPr id="10242" name="Rectangle 2"/>
           <p:cNvSpPr>
             <a:spLocks noGrp="1" noChangeArrowheads="1"/>
           </p:cNvSpPr>
@@ -18337,14 +17050,14 @@
           <a:p>
             <a:r>
               <a:rPr lang="en-US"/>
-              <a:t>Some Definitions</a:t>
-            </a:r>
-          </a:p>
-        </p:txBody>
-      </p:sp>
-      <p:sp>
-        <p:nvSpPr>
-          <p:cNvPr id="44035" name="Rectangle 3"/>
+              <a:t>The Structure of Programming Languages</a:t>
+            </a:r>
+          </a:p>
+        </p:txBody>
+      </p:sp>
+      <p:sp>
+        <p:nvSpPr>
+          <p:cNvPr id="10243" name="Rectangle 3"/>
           <p:cNvSpPr>
             <a:spLocks noGrp="1" noChangeArrowheads="1"/>
           </p:cNvSpPr>
@@ -18363,48 +17076,14 @@
               </a:lnSpc>
             </a:pPr>
             <a:r>
-              <a:rPr lang="en-US"/>
-              <a:t>High-Level Programming Language</a:t>
-            </a:r>
-          </a:p>
-          <a:p>
-            <a:pPr lvl="1">
-              <a:lnSpc>
-                <a:spcPct val="90000"/>
-              </a:lnSpc>
-            </a:pPr>
-            <a:r>
-              <a:rPr lang="en-US"/>
-              <a:t>A language that supports data abstraction and </a:t>
-            </a:r>
-            <a:r>
-              <a:rPr lang="ja-JP" altLang="en-US">
-                <a:latin typeface="Arial"/>
-              </a:rPr>
-              <a:t>“</a:t>
-            </a:r>
-            <a:r>
-              <a:rPr lang="en-US"/>
-              <a:t>structured programming</a:t>
-            </a:r>
-            <a:r>
-              <a:rPr lang="ja-JP" altLang="en-US">
-                <a:latin typeface="Arial"/>
-              </a:rPr>
-              <a:t>”</a:t>
-            </a:r>
-            <a:endParaRPr lang="en-US"/>
-          </a:p>
-          <a:p>
-            <a:pPr lvl="1">
-              <a:lnSpc>
-                <a:spcPct val="90000"/>
-              </a:lnSpc>
-            </a:pPr>
-            <a:r>
-              <a:rPr lang="en-US"/>
-              <a:t>e.g. class definitions and while-loops, if-then-else statements</a:t>
-            </a:r>
+              <a:rPr lang="en-US" sz="2600" dirty="0"/>
+              <a:t>A programming language is a formal system of symbols that are combined to make up larger structures according to certain rules – </a:t>
+            </a:r>
+            <a:r>
+              <a:rPr lang="en-US" sz="2600" b="1" dirty="0"/>
+              <a:t>the Syntax of a Programming Language</a:t>
+            </a:r>
+            <a:endParaRPr lang="en-US" sz="2600" dirty="0"/>
           </a:p>
           <a:p>
             <a:pPr>
@@ -18413,48 +17092,32 @@
               </a:lnSpc>
             </a:pPr>
             <a:r>
-              <a:rPr lang="en-US"/>
-              <a:t>Low-Level Programming Language</a:t>
-            </a:r>
-          </a:p>
-          <a:p>
-            <a:pPr lvl="1">
+              <a:rPr lang="en-US" sz="2600" dirty="0"/>
+              <a:t>The combination of symbols and the larger structures carry information which language processors need to decode.</a:t>
+            </a:r>
+          </a:p>
+          <a:p>
+            <a:pPr>
               <a:lnSpc>
                 <a:spcPct val="90000"/>
               </a:lnSpc>
             </a:pPr>
             <a:r>
-              <a:rPr lang="en-US"/>
-              <a:t>A language that does NOT support data abstraction and </a:t>
-            </a:r>
-            <a:r>
-              <a:rPr lang="ja-JP" altLang="en-US">
-                <a:latin typeface="Arial"/>
-              </a:rPr>
-              <a:t>“</a:t>
-            </a:r>
-            <a:r>
-              <a:rPr lang="en-US"/>
-              <a:t>structured programming</a:t>
-            </a:r>
-            <a:r>
-              <a:rPr lang="ja-JP" altLang="en-US">
-                <a:latin typeface="Arial"/>
-              </a:rPr>
-              <a:t>”</a:t>
-            </a:r>
-            <a:endParaRPr lang="en-US"/>
-          </a:p>
-          <a:p>
-            <a:pPr lvl="1">
+              <a:rPr lang="en-US" sz="2600" dirty="0"/>
+              <a:t>We will see that the architecture of language processors is geared towards extracting this information by accessing the hierarchy of symbols and structures embedded in programming languages – </a:t>
+            </a:r>
+            <a:r>
+              <a:rPr lang="en-US" sz="2600" b="1" dirty="0"/>
+              <a:t>Syntax Analysis</a:t>
+            </a:r>
+          </a:p>
+          <a:p>
+            <a:pPr>
               <a:lnSpc>
                 <a:spcPct val="90000"/>
               </a:lnSpc>
             </a:pPr>
-            <a:r>
-              <a:rPr lang="en-US"/>
-              <a:t>Most assembly languages and bytecodes fall into this category</a:t>
-            </a:r>
+            <a:endParaRPr lang="en-US" sz="2600" dirty="0"/>
           </a:p>
         </p:txBody>
       </p:sp>
@@ -18485,7 +17148,7 @@
       </p:grpSpPr>
       <p:sp>
         <p:nvSpPr>
-          <p:cNvPr id="10242" name="Rectangle 2"/>
+          <p:cNvPr id="11268" name="Rectangle 4"/>
           <p:cNvSpPr>
             <a:spLocks noGrp="1" noChangeArrowheads="1"/>
           </p:cNvSpPr>
@@ -18507,7 +17170,7 @@
       </p:sp>
       <p:sp>
         <p:nvSpPr>
-          <p:cNvPr id="10243" name="Rectangle 3"/>
+          <p:cNvPr id="11269" name="Rectangle 5"/>
           <p:cNvSpPr>
             <a:spLocks noGrp="1" noChangeArrowheads="1"/>
           </p:cNvSpPr>
@@ -18524,26 +17187,50 @@
               <a:lnSpc>
                 <a:spcPct val="90000"/>
               </a:lnSpc>
+              <a:buFont typeface="Wingdings" charset="0"/>
+              <a:buNone/>
             </a:pPr>
             <a:r>
               <a:rPr lang="en-US" sz="2600" dirty="0"/>
-              <a:t>A programming language is a formal system of symbols that are combined to make up larger structures according to certain rules – </a:t>
-            </a:r>
-            <a:r>
-              <a:rPr lang="en-US" sz="2600" b="1" dirty="0"/>
-              <a:t>the Syntax of a Programming Language</a:t>
-            </a:r>
-            <a:endParaRPr lang="en-US" sz="2600" dirty="0"/>
+              <a:t>The hierarchy (low to high):</a:t>
+            </a:r>
           </a:p>
           <a:p>
             <a:pPr>
               <a:lnSpc>
                 <a:spcPct val="90000"/>
               </a:lnSpc>
+              <a:buFont typeface="Wingdings" charset="0"/>
+              <a:buNone/>
             </a:pPr>
             <a:r>
               <a:rPr lang="en-US" sz="2600" dirty="0"/>
-              <a:t>The combination of symbols and the larger structures carry information which language processors need to decode.</a:t>
+              <a:t>	</a:t>
+            </a:r>
+            <a:r>
+              <a:rPr lang="en-US" sz="1800" dirty="0"/>
+              <a:t>symbol (character)</a:t>
+            </a:r>
+            <a:br>
+              <a:rPr lang="en-US" sz="1800" dirty="0"/>
+            </a:br>
+            <a:r>
+              <a:rPr lang="en-US" sz="1800" dirty="0"/>
+              <a:t>word (token)</a:t>
+            </a:r>
+            <a:br>
+              <a:rPr lang="en-US" sz="1800" dirty="0"/>
+            </a:br>
+            <a:r>
+              <a:rPr lang="en-US" sz="1800" dirty="0"/>
+              <a:t>phrase</a:t>
+            </a:r>
+            <a:br>
+              <a:rPr lang="en-US" sz="1800" dirty="0"/>
+            </a:br>
+            <a:r>
+              <a:rPr lang="en-US" sz="1800" dirty="0"/>
+              <a:t>sentence</a:t>
             </a:r>
           </a:p>
           <a:p>
@@ -18551,14 +17238,81 @@
               <a:lnSpc>
                 <a:spcPct val="90000"/>
               </a:lnSpc>
+              <a:buFont typeface="Wingdings" charset="0"/>
+              <a:buNone/>
             </a:pPr>
-            <a:r>
-              <a:rPr lang="en-US" sz="2600" dirty="0"/>
-              <a:t>We will see that the architecture of language processors is geared towards extracting this information by accessing the hierarchy of symbols and structures embedded in programming languages – </a:t>
-            </a:r>
-            <a:r>
-              <a:rPr lang="en-US" sz="2600" b="1" dirty="0"/>
-              <a:t>Syntax Analysis</a:t>
+            <a:endParaRPr lang="en-US" sz="1800" dirty="0"/>
+          </a:p>
+          <a:p>
+            <a:pPr>
+              <a:lnSpc>
+                <a:spcPct val="90000"/>
+              </a:lnSpc>
+              <a:buFont typeface="Wingdings" charset="0"/>
+              <a:buNone/>
+            </a:pPr>
+            <a:r>
+              <a:rPr lang="en-US" sz="1800" dirty="0"/>
+              <a:t>Symbols are combined to form words, words are combined to form phrases, and phrases are combined to form sentences.</a:t>
+            </a:r>
+          </a:p>
+          <a:p>
+            <a:pPr>
+              <a:lnSpc>
+                <a:spcPct val="90000"/>
+              </a:lnSpc>
+              <a:buFont typeface="Wingdings" charset="0"/>
+              <a:buNone/>
+            </a:pPr>
+            <a:endParaRPr lang="en-US" sz="1800" dirty="0"/>
+          </a:p>
+          <a:p>
+            <a:pPr>
+              <a:lnSpc>
+                <a:spcPct val="90000"/>
+              </a:lnSpc>
+              <a:buFont typeface="Wingdings" charset="0"/>
+              <a:buNone/>
+            </a:pPr>
+            <a:r>
+              <a:rPr lang="en-US" sz="1800" dirty="0"/>
+              <a:t>A programming language is a collection of valid sentences; a sentence is valid if the symbols, words, and phrases are combined according to the rules of the language.		</a:t>
+            </a:r>
+          </a:p>
+          <a:p>
+            <a:pPr>
+              <a:lnSpc>
+                <a:spcPct val="90000"/>
+              </a:lnSpc>
+              <a:buFont typeface="Wingdings" charset="0"/>
+              <a:buNone/>
+            </a:pPr>
+            <a:endParaRPr lang="en-US" sz="1800" dirty="0"/>
+          </a:p>
+          <a:p>
+            <a:pPr>
+              <a:lnSpc>
+                <a:spcPct val="90000"/>
+              </a:lnSpc>
+              <a:buFont typeface="Wingdings" charset="0"/>
+              <a:buNone/>
+            </a:pPr>
+            <a:r>
+              <a:rPr lang="en-US" sz="1800" dirty="0"/>
+              <a:t>These rules are usually specified using a grammar (more on that later)</a:t>
+            </a:r>
+          </a:p>
+          <a:p>
+            <a:pPr>
+              <a:lnSpc>
+                <a:spcPct val="90000"/>
+              </a:lnSpc>
+              <a:buFont typeface="Wingdings" charset="0"/>
+              <a:buNone/>
+            </a:pPr>
+            <a:r>
+              <a:rPr lang="en-US" sz="1800" dirty="0"/>
+              <a:t>	</a:t>
             </a:r>
           </a:p>
           <a:p>
@@ -18598,7 +17352,7 @@
       </p:grpSpPr>
       <p:sp>
         <p:nvSpPr>
-          <p:cNvPr id="11268" name="Rectangle 4"/>
+          <p:cNvPr id="13314" name="Rectangle 2"/>
           <p:cNvSpPr>
             <a:spLocks noGrp="1" noChangeArrowheads="1"/>
           </p:cNvSpPr>
@@ -18620,7 +17374,7 @@
       </p:sp>
       <p:sp>
         <p:nvSpPr>
-          <p:cNvPr id="11269" name="Rectangle 5"/>
+          <p:cNvPr id="13315" name="Rectangle 3"/>
           <p:cNvSpPr>
             <a:spLocks noGrp="1" noChangeArrowheads="1"/>
           </p:cNvSpPr>
@@ -18628,153 +17382,1242 @@
             <p:ph type="body" idx="1"/>
           </p:nvPr>
         </p:nvSpPr>
-        <p:spPr/>
+        <p:spPr>
+          <a:xfrm>
+            <a:off x="457200" y="1719263"/>
+            <a:ext cx="6248400" cy="490537"/>
+          </a:xfrm>
+        </p:spPr>
         <p:txBody>
           <a:bodyPr/>
           <a:lstStyle/>
           <a:p>
             <a:pPr>
-              <a:lnSpc>
-                <a:spcPct val="90000"/>
-              </a:lnSpc>
               <a:buFont typeface="Wingdings" charset="0"/>
               <a:buNone/>
             </a:pPr>
             <a:r>
-              <a:rPr lang="en-US" sz="2600" dirty="0"/>
-              <a:t>The hierarchy (low to high):</a:t>
-            </a:r>
-          </a:p>
+              <a:rPr lang="en-US" sz="2600"/>
+              <a:t>An Example: Function Definition</a:t>
+            </a:r>
+          </a:p>
+        </p:txBody>
+      </p:sp>
+      <p:sp>
+        <p:nvSpPr>
+          <p:cNvPr id="13316" name="Text Box 4"/>
+          <p:cNvSpPr txBox="1">
+            <a:spLocks noChangeArrowheads="1"/>
+          </p:cNvSpPr>
+          <p:nvPr/>
+        </p:nvSpPr>
+        <p:spPr bwMode="auto">
+          <a:xfrm>
+            <a:off x="533400" y="2971800"/>
+            <a:ext cx="4876800" cy="336550"/>
+          </a:xfrm>
+          <a:prstGeom prst="rect">
+            <a:avLst/>
+          </a:prstGeom>
+          <a:noFill/>
+          <a:ln>
+            <a:noFill/>
+          </a:ln>
+          <a:extLst>
+            <a:ext uri="{909E8E84-426E-40dd-AFC4-6F175D3DCCD1}">
+              <a14:hiddenFill xmlns:a14="http://schemas.microsoft.com/office/drawing/2010/main" xmlns="">
+                <a:solidFill>
+                  <a:schemeClr val="accent1"/>
+                </a:solidFill>
+              </a14:hiddenFill>
+            </a:ext>
+            <a:ext uri="{91240B29-F687-4f45-9708-019B960494DF}">
+              <a14:hiddenLine xmlns:a14="http://schemas.microsoft.com/office/drawing/2010/main" xmlns="" w="9525">
+                <a:solidFill>
+                  <a:schemeClr val="tx1"/>
+                </a:solidFill>
+                <a:miter lim="800000"/>
+                <a:headEnd/>
+                <a:tailEnd/>
+              </a14:hiddenLine>
+            </a:ext>
+          </a:extLst>
+        </p:spPr>
+        <p:txBody>
+          <a:bodyPr>
+            <a:spAutoFit/>
+          </a:bodyPr>
+          <a:lstStyle/>
+          <a:p>
+            <a:r>
+              <a:rPr lang="en-US">
+                <a:solidFill>
+                  <a:srgbClr val="FF0000"/>
+                </a:solidFill>
+                <a:latin typeface="Courier New" charset="0"/>
+              </a:rPr>
+              <a:t>f</a:t>
+            </a:r>
+            <a:r>
+              <a:rPr lang="en-US">
+                <a:latin typeface="Courier New" charset="0"/>
+              </a:rPr>
+              <a:t>unction </a:t>
+            </a:r>
+            <a:r>
+              <a:rPr lang="en-US">
+                <a:solidFill>
+                  <a:srgbClr val="FF0000"/>
+                </a:solidFill>
+                <a:latin typeface="Courier New" charset="0"/>
+              </a:rPr>
+              <a:t>inc</a:t>
+            </a:r>
+            <a:r>
+              <a:rPr lang="en-US">
+                <a:latin typeface="Courier New" charset="0"/>
+              </a:rPr>
+              <a:t> (int i) { return i + 1; }</a:t>
+            </a:r>
+          </a:p>
+        </p:txBody>
+      </p:sp>
+      <p:sp>
+        <p:nvSpPr>
+          <p:cNvPr id="13318" name="Line 6"/>
+          <p:cNvSpPr>
+            <a:spLocks noChangeShapeType="1"/>
+          </p:cNvSpPr>
+          <p:nvPr/>
+        </p:nvSpPr>
+        <p:spPr bwMode="auto">
+          <a:xfrm flipH="1">
+            <a:off x="685800" y="2678113"/>
+            <a:ext cx="228600" cy="381000"/>
+          </a:xfrm>
+          <a:prstGeom prst="line">
+            <a:avLst/>
+          </a:prstGeom>
+          <a:noFill/>
+          <a:ln w="9525">
+            <a:solidFill>
+              <a:schemeClr val="tx1"/>
+            </a:solidFill>
+            <a:round/>
+            <a:headEnd/>
+            <a:tailEnd type="triangle" w="med" len="med"/>
+          </a:ln>
+          <a:extLst>
+            <a:ext uri="{909E8E84-426E-40dd-AFC4-6F175D3DCCD1}">
+              <a14:hiddenFill xmlns:a14="http://schemas.microsoft.com/office/drawing/2010/main" xmlns="">
+                <a:noFill/>
+              </a14:hiddenFill>
+            </a:ext>
+          </a:extLst>
+        </p:spPr>
+        <p:txBody>
+          <a:bodyPr wrap="none" anchor="ctr"/>
+          <a:lstStyle/>
+          <a:p>
+            <a:endParaRPr lang="en-US"/>
+          </a:p>
+        </p:txBody>
+      </p:sp>
+      <p:sp>
+        <p:nvSpPr>
+          <p:cNvPr id="13319" name="Text Box 7"/>
+          <p:cNvSpPr txBox="1">
+            <a:spLocks noChangeArrowheads="1"/>
+          </p:cNvSpPr>
+          <p:nvPr/>
+        </p:nvSpPr>
+        <p:spPr bwMode="auto">
+          <a:xfrm>
+            <a:off x="593725" y="2286000"/>
+            <a:ext cx="862013" cy="336550"/>
+          </a:xfrm>
+          <a:prstGeom prst="rect">
+            <a:avLst/>
+          </a:prstGeom>
+          <a:noFill/>
+          <a:ln>
+            <a:noFill/>
+          </a:ln>
+          <a:extLst>
+            <a:ext uri="{909E8E84-426E-40dd-AFC4-6F175D3DCCD1}">
+              <a14:hiddenFill xmlns:a14="http://schemas.microsoft.com/office/drawing/2010/main" xmlns="">
+                <a:solidFill>
+                  <a:schemeClr val="accent1"/>
+                </a:solidFill>
+              </a14:hiddenFill>
+            </a:ext>
+            <a:ext uri="{91240B29-F687-4f45-9708-019B960494DF}">
+              <a14:hiddenLine xmlns:a14="http://schemas.microsoft.com/office/drawing/2010/main" xmlns="" w="9525">
+                <a:solidFill>
+                  <a:schemeClr val="tx1"/>
+                </a:solidFill>
+                <a:miter lim="800000"/>
+                <a:headEnd/>
+                <a:tailEnd/>
+              </a14:hiddenLine>
+            </a:ext>
+          </a:extLst>
+        </p:spPr>
+        <p:txBody>
+          <a:bodyPr wrap="none">
+            <a:spAutoFit/>
+          </a:bodyPr>
+          <a:lstStyle/>
+          <a:p>
+            <a:r>
+              <a:rPr lang="en-US"/>
+              <a:t>Symbol</a:t>
+            </a:r>
+            <a:endParaRPr lang="en-US" sz="1800"/>
+          </a:p>
+        </p:txBody>
+      </p:sp>
+      <p:sp>
+        <p:nvSpPr>
+          <p:cNvPr id="13320" name="Line 8"/>
+          <p:cNvSpPr>
+            <a:spLocks noChangeShapeType="1"/>
+          </p:cNvSpPr>
+          <p:nvPr/>
+        </p:nvSpPr>
+        <p:spPr bwMode="auto">
+          <a:xfrm flipH="1">
+            <a:off x="1905000" y="2678113"/>
+            <a:ext cx="228600" cy="381000"/>
+          </a:xfrm>
+          <a:prstGeom prst="line">
+            <a:avLst/>
+          </a:prstGeom>
+          <a:noFill/>
+          <a:ln w="9525">
+            <a:solidFill>
+              <a:schemeClr val="tx1"/>
+            </a:solidFill>
+            <a:round/>
+            <a:headEnd/>
+            <a:tailEnd type="triangle" w="med" len="med"/>
+          </a:ln>
+          <a:extLst>
+            <a:ext uri="{909E8E84-426E-40dd-AFC4-6F175D3DCCD1}">
+              <a14:hiddenFill xmlns:a14="http://schemas.microsoft.com/office/drawing/2010/main" xmlns="">
+                <a:noFill/>
+              </a14:hiddenFill>
+            </a:ext>
+          </a:extLst>
+        </p:spPr>
+        <p:txBody>
+          <a:bodyPr wrap="none" anchor="ctr"/>
+          <a:lstStyle/>
+          <a:p>
+            <a:endParaRPr lang="en-US"/>
+          </a:p>
+        </p:txBody>
+      </p:sp>
+      <p:sp>
+        <p:nvSpPr>
+          <p:cNvPr id="13321" name="Text Box 9"/>
+          <p:cNvSpPr txBox="1">
+            <a:spLocks noChangeArrowheads="1"/>
+          </p:cNvSpPr>
+          <p:nvPr/>
+        </p:nvSpPr>
+        <p:spPr bwMode="auto">
+          <a:xfrm>
+            <a:off x="1965325" y="2286000"/>
+            <a:ext cx="749300" cy="336550"/>
+          </a:xfrm>
+          <a:prstGeom prst="rect">
+            <a:avLst/>
+          </a:prstGeom>
+          <a:noFill/>
+          <a:ln>
+            <a:noFill/>
+          </a:ln>
+          <a:extLst>
+            <a:ext uri="{909E8E84-426E-40dd-AFC4-6F175D3DCCD1}">
+              <a14:hiddenFill xmlns:a14="http://schemas.microsoft.com/office/drawing/2010/main" xmlns="">
+                <a:solidFill>
+                  <a:schemeClr val="accent1"/>
+                </a:solidFill>
+              </a14:hiddenFill>
+            </a:ext>
+            <a:ext uri="{91240B29-F687-4f45-9708-019B960494DF}">
+              <a14:hiddenLine xmlns:a14="http://schemas.microsoft.com/office/drawing/2010/main" xmlns="" w="9525">
+                <a:solidFill>
+                  <a:schemeClr val="tx1"/>
+                </a:solidFill>
+                <a:miter lim="800000"/>
+                <a:headEnd/>
+                <a:tailEnd/>
+              </a14:hiddenLine>
+            </a:ext>
+          </a:extLst>
+        </p:spPr>
+        <p:txBody>
+          <a:bodyPr wrap="none">
+            <a:spAutoFit/>
+          </a:bodyPr>
+          <a:lstStyle/>
+          <a:p>
+            <a:r>
+              <a:rPr lang="en-US"/>
+              <a:t>Token</a:t>
+            </a:r>
+          </a:p>
+        </p:txBody>
+      </p:sp>
+      <p:sp>
+        <p:nvSpPr>
+          <p:cNvPr id="13323" name="AutoShape 11"/>
+          <p:cNvSpPr>
+            <a:spLocks/>
+          </p:cNvSpPr>
+          <p:nvPr/>
+        </p:nvSpPr>
+        <p:spPr bwMode="auto">
+          <a:xfrm rot="16176797">
+            <a:off x="4505325" y="3175000"/>
+            <a:ext cx="228600" cy="609600"/>
+          </a:xfrm>
+          <a:prstGeom prst="leftBrace">
+            <a:avLst>
+              <a:gd name="adj1" fmla="val 36420"/>
+              <a:gd name="adj2" fmla="val 49495"/>
+            </a:avLst>
+          </a:prstGeom>
+          <a:noFill/>
+          <a:ln w="9525">
+            <a:solidFill>
+              <a:schemeClr val="tx1"/>
+            </a:solidFill>
+            <a:round/>
+            <a:headEnd/>
+            <a:tailEnd/>
+          </a:ln>
+          <a:extLst>
+            <a:ext uri="{909E8E84-426E-40dd-AFC4-6F175D3DCCD1}">
+              <a14:hiddenFill xmlns:a14="http://schemas.microsoft.com/office/drawing/2010/main" xmlns="">
+                <a:solidFill>
+                  <a:schemeClr val="accent1"/>
+                </a:solidFill>
+              </a14:hiddenFill>
+            </a:ext>
+          </a:extLst>
+        </p:spPr>
+        <p:txBody>
+          <a:bodyPr vert="eaVert" wrap="none" anchor="ctr"/>
+          <a:lstStyle/>
+          <a:p>
+            <a:pPr algn="ctr"/>
+            <a:endParaRPr lang="en-US" sz="2400"/>
+          </a:p>
+        </p:txBody>
+      </p:sp>
+      <p:sp>
+        <p:nvSpPr>
+          <p:cNvPr id="13324" name="Text Box 12"/>
+          <p:cNvSpPr txBox="1">
+            <a:spLocks noChangeArrowheads="1"/>
+          </p:cNvSpPr>
+          <p:nvPr/>
+        </p:nvSpPr>
+        <p:spPr bwMode="auto">
+          <a:xfrm>
+            <a:off x="4346575" y="3581400"/>
+            <a:ext cx="579438" cy="336550"/>
+          </a:xfrm>
+          <a:prstGeom prst="rect">
+            <a:avLst/>
+          </a:prstGeom>
+          <a:noFill/>
+          <a:ln>
+            <a:noFill/>
+          </a:ln>
+          <a:extLst>
+            <a:ext uri="{909E8E84-426E-40dd-AFC4-6F175D3DCCD1}">
+              <a14:hiddenFill xmlns:a14="http://schemas.microsoft.com/office/drawing/2010/main" xmlns="">
+                <a:solidFill>
+                  <a:schemeClr val="accent1"/>
+                </a:solidFill>
+              </a14:hiddenFill>
+            </a:ext>
+            <a:ext uri="{91240B29-F687-4f45-9708-019B960494DF}">
+              <a14:hiddenLine xmlns:a14="http://schemas.microsoft.com/office/drawing/2010/main" xmlns="" w="9525">
+                <a:solidFill>
+                  <a:schemeClr val="tx1"/>
+                </a:solidFill>
+                <a:miter lim="800000"/>
+                <a:headEnd/>
+                <a:tailEnd/>
+              </a14:hiddenLine>
+            </a:ext>
+          </a:extLst>
+        </p:spPr>
+        <p:txBody>
+          <a:bodyPr wrap="none">
+            <a:spAutoFit/>
+          </a:bodyPr>
+          <a:lstStyle/>
+          <a:p>
+            <a:r>
+              <a:rPr lang="en-US"/>
+              <a:t>expr</a:t>
+            </a:r>
+          </a:p>
+        </p:txBody>
+      </p:sp>
+      <p:sp>
+        <p:nvSpPr>
+          <p:cNvPr id="13325" name="AutoShape 13"/>
+          <p:cNvSpPr>
+            <a:spLocks/>
+          </p:cNvSpPr>
+          <p:nvPr/>
+        </p:nvSpPr>
+        <p:spPr bwMode="auto">
+          <a:xfrm rot="16176797">
+            <a:off x="2551113" y="3981450"/>
+            <a:ext cx="228600" cy="609600"/>
+          </a:xfrm>
+          <a:prstGeom prst="leftBrace">
+            <a:avLst>
+              <a:gd name="adj1" fmla="val 36420"/>
+              <a:gd name="adj2" fmla="val 49495"/>
+            </a:avLst>
+          </a:prstGeom>
+          <a:noFill/>
+          <a:ln w="9525">
+            <a:solidFill>
+              <a:schemeClr val="tx1"/>
+            </a:solidFill>
+            <a:round/>
+            <a:headEnd/>
+            <a:tailEnd/>
+          </a:ln>
+          <a:extLst>
+            <a:ext uri="{909E8E84-426E-40dd-AFC4-6F175D3DCCD1}">
+              <a14:hiddenFill xmlns:a14="http://schemas.microsoft.com/office/drawing/2010/main" xmlns="">
+                <a:solidFill>
+                  <a:schemeClr val="accent1"/>
+                </a:solidFill>
+              </a14:hiddenFill>
+            </a:ext>
+          </a:extLst>
+        </p:spPr>
+        <p:txBody>
+          <a:bodyPr vert="eaVert" wrap="none" anchor="ctr"/>
+          <a:lstStyle/>
+          <a:p>
+            <a:pPr algn="ctr"/>
+            <a:endParaRPr lang="en-US" sz="2400"/>
+          </a:p>
+        </p:txBody>
+      </p:sp>
+      <p:sp>
+        <p:nvSpPr>
+          <p:cNvPr id="13326" name="Text Box 14"/>
+          <p:cNvSpPr txBox="1">
+            <a:spLocks noChangeArrowheads="1"/>
+          </p:cNvSpPr>
+          <p:nvPr/>
+        </p:nvSpPr>
+        <p:spPr bwMode="auto">
+          <a:xfrm>
+            <a:off x="2392363" y="4387850"/>
+            <a:ext cx="579437" cy="336550"/>
+          </a:xfrm>
+          <a:prstGeom prst="rect">
+            <a:avLst/>
+          </a:prstGeom>
+          <a:noFill/>
+          <a:ln>
+            <a:noFill/>
+          </a:ln>
+          <a:extLst>
+            <a:ext uri="{909E8E84-426E-40dd-AFC4-6F175D3DCCD1}">
+              <a14:hiddenFill xmlns:a14="http://schemas.microsoft.com/office/drawing/2010/main" xmlns="">
+                <a:solidFill>
+                  <a:schemeClr val="accent1"/>
+                </a:solidFill>
+              </a14:hiddenFill>
+            </a:ext>
+            <a:ext uri="{91240B29-F687-4f45-9708-019B960494DF}">
+              <a14:hiddenLine xmlns:a14="http://schemas.microsoft.com/office/drawing/2010/main" xmlns="" w="9525">
+                <a:solidFill>
+                  <a:schemeClr val="tx1"/>
+                </a:solidFill>
+                <a:miter lim="800000"/>
+                <a:headEnd/>
+                <a:tailEnd/>
+              </a14:hiddenLine>
+            </a:ext>
+          </a:extLst>
+        </p:spPr>
+        <p:txBody>
+          <a:bodyPr wrap="none">
+            <a:spAutoFit/>
+          </a:bodyPr>
+          <a:lstStyle/>
+          <a:p>
+            <a:r>
+              <a:rPr lang="en-US"/>
+              <a:t>expr</a:t>
+            </a:r>
+          </a:p>
+        </p:txBody>
+      </p:sp>
+      <p:sp>
+        <p:nvSpPr>
+          <p:cNvPr id="13327" name="AutoShape 15"/>
+          <p:cNvSpPr>
+            <a:spLocks/>
+          </p:cNvSpPr>
+          <p:nvPr/>
+        </p:nvSpPr>
+        <p:spPr bwMode="auto">
+          <a:xfrm rot="16176797">
+            <a:off x="4076700" y="3402013"/>
+            <a:ext cx="228600" cy="1828800"/>
+          </a:xfrm>
+          <a:prstGeom prst="leftBrace">
+            <a:avLst>
+              <a:gd name="adj1" fmla="val 109259"/>
+              <a:gd name="adj2" fmla="val 50000"/>
+            </a:avLst>
+          </a:prstGeom>
+          <a:noFill/>
+          <a:ln w="9525">
+            <a:solidFill>
+              <a:schemeClr val="tx1"/>
+            </a:solidFill>
+            <a:round/>
+            <a:headEnd/>
+            <a:tailEnd/>
+          </a:ln>
+          <a:extLst>
+            <a:ext uri="{909E8E84-426E-40dd-AFC4-6F175D3DCCD1}">
+              <a14:hiddenFill xmlns:a14="http://schemas.microsoft.com/office/drawing/2010/main" xmlns="">
+                <a:solidFill>
+                  <a:schemeClr val="accent1"/>
+                </a:solidFill>
+              </a14:hiddenFill>
+            </a:ext>
+          </a:extLst>
+        </p:spPr>
+        <p:txBody>
+          <a:bodyPr wrap="none" anchor="ctr"/>
+          <a:lstStyle/>
+          <a:p>
+            <a:endParaRPr lang="en-US"/>
+          </a:p>
+        </p:txBody>
+      </p:sp>
+      <p:sp>
+        <p:nvSpPr>
+          <p:cNvPr id="13328" name="Text Box 16"/>
+          <p:cNvSpPr txBox="1">
+            <a:spLocks noChangeArrowheads="1"/>
+          </p:cNvSpPr>
+          <p:nvPr/>
+        </p:nvSpPr>
+        <p:spPr bwMode="auto">
+          <a:xfrm>
+            <a:off x="3927475" y="4495800"/>
+            <a:ext cx="568325" cy="336550"/>
+          </a:xfrm>
+          <a:prstGeom prst="rect">
+            <a:avLst/>
+          </a:prstGeom>
+          <a:noFill/>
+          <a:ln>
+            <a:noFill/>
+          </a:ln>
+          <a:extLst>
+            <a:ext uri="{909E8E84-426E-40dd-AFC4-6F175D3DCCD1}">
+              <a14:hiddenFill xmlns:a14="http://schemas.microsoft.com/office/drawing/2010/main" xmlns="">
+                <a:solidFill>
+                  <a:schemeClr val="accent1"/>
+                </a:solidFill>
+              </a14:hiddenFill>
+            </a:ext>
+            <a:ext uri="{91240B29-F687-4f45-9708-019B960494DF}">
+              <a14:hiddenLine xmlns:a14="http://schemas.microsoft.com/office/drawing/2010/main" xmlns="" w="9525">
+                <a:solidFill>
+                  <a:schemeClr val="tx1"/>
+                </a:solidFill>
+                <a:miter lim="800000"/>
+                <a:headEnd/>
+                <a:tailEnd/>
+              </a14:hiddenLine>
+            </a:ext>
+          </a:extLst>
+        </p:spPr>
+        <p:txBody>
+          <a:bodyPr wrap="none">
+            <a:spAutoFit/>
+          </a:bodyPr>
+          <a:lstStyle/>
+          <a:p>
+            <a:r>
+              <a:rPr lang="en-US"/>
+              <a:t>stmt</a:t>
+            </a:r>
+          </a:p>
+        </p:txBody>
+      </p:sp>
+      <p:sp>
+        <p:nvSpPr>
+          <p:cNvPr id="13329" name="AutoShape 17"/>
+          <p:cNvSpPr>
+            <a:spLocks/>
+          </p:cNvSpPr>
+          <p:nvPr/>
+        </p:nvSpPr>
+        <p:spPr bwMode="auto">
+          <a:xfrm rot="16176797">
+            <a:off x="2705100" y="2797176"/>
+            <a:ext cx="452437" cy="4494212"/>
+          </a:xfrm>
+          <a:prstGeom prst="leftBrace">
+            <a:avLst>
+              <a:gd name="adj1" fmla="val 135664"/>
+              <a:gd name="adj2" fmla="val 50000"/>
+            </a:avLst>
+          </a:prstGeom>
+          <a:noFill/>
+          <a:ln w="9525">
+            <a:solidFill>
+              <a:schemeClr val="tx1"/>
+            </a:solidFill>
+            <a:round/>
+            <a:headEnd/>
+            <a:tailEnd/>
+          </a:ln>
+          <a:extLst>
+            <a:ext uri="{909E8E84-426E-40dd-AFC4-6F175D3DCCD1}">
+              <a14:hiddenFill xmlns:a14="http://schemas.microsoft.com/office/drawing/2010/main" xmlns="">
+                <a:solidFill>
+                  <a:schemeClr val="accent1"/>
+                </a:solidFill>
+              </a14:hiddenFill>
+            </a:ext>
+          </a:extLst>
+        </p:spPr>
+        <p:txBody>
+          <a:bodyPr wrap="none" anchor="ctr"/>
+          <a:lstStyle/>
+          <a:p>
+            <a:endParaRPr lang="en-US"/>
+          </a:p>
+        </p:txBody>
+      </p:sp>
+      <p:sp>
+        <p:nvSpPr>
+          <p:cNvPr id="13330" name="Text Box 18"/>
+          <p:cNvSpPr txBox="1">
+            <a:spLocks noChangeArrowheads="1"/>
+          </p:cNvSpPr>
+          <p:nvPr/>
+        </p:nvSpPr>
+        <p:spPr bwMode="auto">
+          <a:xfrm>
+            <a:off x="2667000" y="5313363"/>
+            <a:ext cx="568325" cy="336550"/>
+          </a:xfrm>
+          <a:prstGeom prst="rect">
+            <a:avLst/>
+          </a:prstGeom>
+          <a:noFill/>
+          <a:ln>
+            <a:noFill/>
+          </a:ln>
+          <a:extLst>
+            <a:ext uri="{909E8E84-426E-40dd-AFC4-6F175D3DCCD1}">
+              <a14:hiddenFill xmlns:a14="http://schemas.microsoft.com/office/drawing/2010/main" xmlns="">
+                <a:solidFill>
+                  <a:schemeClr val="accent1"/>
+                </a:solidFill>
+              </a14:hiddenFill>
+            </a:ext>
+            <a:ext uri="{91240B29-F687-4f45-9708-019B960494DF}">
+              <a14:hiddenLine xmlns:a14="http://schemas.microsoft.com/office/drawing/2010/main" xmlns="" w="9525">
+                <a:solidFill>
+                  <a:schemeClr val="tx1"/>
+                </a:solidFill>
+                <a:miter lim="800000"/>
+                <a:headEnd/>
+                <a:tailEnd/>
+              </a14:hiddenLine>
+            </a:ext>
+          </a:extLst>
+        </p:spPr>
+        <p:txBody>
+          <a:bodyPr wrap="none">
+            <a:spAutoFit/>
+          </a:bodyPr>
+          <a:lstStyle/>
+          <a:p>
+            <a:r>
+              <a:rPr lang="en-US"/>
+              <a:t>stmt</a:t>
+            </a:r>
+          </a:p>
+        </p:txBody>
+      </p:sp>
+      <p:sp>
+        <p:nvSpPr>
+          <p:cNvPr id="13331" name="AutoShape 19"/>
+          <p:cNvSpPr>
+            <a:spLocks/>
+          </p:cNvSpPr>
+          <p:nvPr/>
+        </p:nvSpPr>
+        <p:spPr bwMode="auto">
+          <a:xfrm rot="16176797">
+            <a:off x="2744788" y="3136900"/>
+            <a:ext cx="452437" cy="5027613"/>
+          </a:xfrm>
+          <a:prstGeom prst="leftBrace">
+            <a:avLst>
+              <a:gd name="adj1" fmla="val 151765"/>
+              <a:gd name="adj2" fmla="val 50000"/>
+            </a:avLst>
+          </a:prstGeom>
+          <a:noFill/>
+          <a:ln w="9525">
+            <a:solidFill>
+              <a:schemeClr val="tx1"/>
+            </a:solidFill>
+            <a:round/>
+            <a:headEnd/>
+            <a:tailEnd/>
+          </a:ln>
+          <a:extLst>
+            <a:ext uri="{909E8E84-426E-40dd-AFC4-6F175D3DCCD1}">
+              <a14:hiddenFill xmlns:a14="http://schemas.microsoft.com/office/drawing/2010/main" xmlns="">
+                <a:solidFill>
+                  <a:schemeClr val="accent1"/>
+                </a:solidFill>
+              </a14:hiddenFill>
+            </a:ext>
+          </a:extLst>
+        </p:spPr>
+        <p:txBody>
+          <a:bodyPr wrap="none" anchor="ctr"/>
+          <a:lstStyle/>
+          <a:p>
+            <a:endParaRPr lang="en-US"/>
+          </a:p>
+        </p:txBody>
+      </p:sp>
+      <p:sp>
+        <p:nvSpPr>
+          <p:cNvPr id="13332" name="Text Box 20"/>
+          <p:cNvSpPr txBox="1">
+            <a:spLocks noChangeArrowheads="1"/>
+          </p:cNvSpPr>
+          <p:nvPr/>
+        </p:nvSpPr>
+        <p:spPr bwMode="auto">
+          <a:xfrm>
+            <a:off x="2438400" y="5943600"/>
+            <a:ext cx="1009650" cy="336550"/>
+          </a:xfrm>
+          <a:prstGeom prst="rect">
+            <a:avLst/>
+          </a:prstGeom>
+          <a:noFill/>
+          <a:ln>
+            <a:noFill/>
+          </a:ln>
+          <a:extLst>
+            <a:ext uri="{909E8E84-426E-40dd-AFC4-6F175D3DCCD1}">
+              <a14:hiddenFill xmlns:a14="http://schemas.microsoft.com/office/drawing/2010/main" xmlns="">
+                <a:solidFill>
+                  <a:schemeClr val="accent1"/>
+                </a:solidFill>
+              </a14:hiddenFill>
+            </a:ext>
+            <a:ext uri="{91240B29-F687-4f45-9708-019B960494DF}">
+              <a14:hiddenLine xmlns:a14="http://schemas.microsoft.com/office/drawing/2010/main" xmlns="" w="9525">
+                <a:solidFill>
+                  <a:schemeClr val="tx1"/>
+                </a:solidFill>
+                <a:miter lim="800000"/>
+                <a:headEnd/>
+                <a:tailEnd/>
+              </a14:hiddenLine>
+            </a:ext>
+          </a:extLst>
+        </p:spPr>
+        <p:txBody>
+          <a:bodyPr wrap="none">
+            <a:spAutoFit/>
+          </a:bodyPr>
+          <a:lstStyle/>
+          <a:p>
+            <a:r>
+              <a:rPr lang="en-US"/>
+              <a:t>sentence</a:t>
+            </a:r>
+          </a:p>
+        </p:txBody>
+      </p:sp>
+      <p:sp>
+        <p:nvSpPr>
+          <p:cNvPr id="13333" name="Text Box 21"/>
+          <p:cNvSpPr txBox="1">
+            <a:spLocks noChangeArrowheads="1"/>
+          </p:cNvSpPr>
+          <p:nvPr/>
+        </p:nvSpPr>
+        <p:spPr bwMode="auto">
+          <a:xfrm>
+            <a:off x="5775325" y="2427288"/>
+            <a:ext cx="3175000" cy="4013200"/>
+          </a:xfrm>
+          <a:prstGeom prst="rect">
+            <a:avLst/>
+          </a:prstGeom>
+          <a:noFill/>
+          <a:ln w="9525">
+            <a:solidFill>
+              <a:schemeClr val="tx1"/>
+            </a:solidFill>
+            <a:miter lim="800000"/>
+            <a:headEnd/>
+            <a:tailEnd/>
+          </a:ln>
+          <a:extLst>
+            <a:ext uri="{909E8E84-426E-40dd-AFC4-6F175D3DCCD1}">
+              <a14:hiddenFill xmlns:a14="http://schemas.microsoft.com/office/drawing/2010/main" xmlns="">
+                <a:solidFill>
+                  <a:schemeClr val="accent1"/>
+                </a:solidFill>
+              </a14:hiddenFill>
+            </a:ext>
+          </a:extLst>
+        </p:spPr>
+        <p:txBody>
+          <a:bodyPr wrap="none">
+            <a:spAutoFit/>
+          </a:bodyPr>
+          <a:lstStyle/>
           <a:p>
             <a:pPr>
-              <a:lnSpc>
-                <a:spcPct val="90000"/>
-              </a:lnSpc>
-              <a:buFont typeface="Wingdings" charset="0"/>
-              <a:buNone/>
+              <a:buFontTx/>
+              <a:buChar char="•"/>
             </a:pPr>
             <a:r>
-              <a:rPr lang="en-US" sz="2600" dirty="0"/>
-              <a:t>	</a:t>
-            </a:r>
-            <a:r>
-              <a:rPr lang="en-US" sz="1800" dirty="0"/>
-              <a:t>symbol (character)</a:t>
+              <a:rPr lang="en-US"/>
+              <a:t> a function definition is a</a:t>
             </a:r>
             <a:br>
-              <a:rPr lang="en-US" sz="1800" dirty="0"/>
+              <a:rPr lang="en-US"/>
             </a:br>
             <a:r>
-              <a:rPr lang="en-US" sz="1800" dirty="0"/>
-              <a:t>word (token)</a:t>
+              <a:rPr lang="en-US"/>
+              <a:t>  sentence, this sentence is </a:t>
             </a:r>
             <a:br>
-              <a:rPr lang="en-US" sz="1800" dirty="0"/>
+              <a:rPr lang="en-US"/>
             </a:br>
             <a:r>
-              <a:rPr lang="en-US" sz="1800" dirty="0"/>
-              <a:t>phrase</a:t>
+              <a:rPr lang="en-US"/>
+              <a:t>  a stmt</a:t>
+            </a:r>
+          </a:p>
+          <a:p>
+            <a:pPr>
+              <a:buFontTx/>
+              <a:buChar char="•"/>
+            </a:pPr>
+            <a:r>
+              <a:rPr lang="en-US"/>
+              <a:t> the stmt is composed of two</a:t>
             </a:r>
             <a:br>
-              <a:rPr lang="en-US" sz="1800" dirty="0"/>
+              <a:rPr lang="en-US"/>
             </a:br>
             <a:r>
-              <a:rPr lang="en-US" sz="1800" dirty="0"/>
-              <a:t>sentence</a:t>
+              <a:rPr lang="en-US"/>
+              <a:t>  tokens (function, inc), an expr, </a:t>
+            </a:r>
+            <a:br>
+              <a:rPr lang="en-US"/>
+            </a:br>
+            <a:r>
+              <a:rPr lang="en-US"/>
+              <a:t>  and a stmt</a:t>
             </a:r>
           </a:p>
           <a:p>
             <a:pPr>
-              <a:lnSpc>
-                <a:spcPct val="90000"/>
-              </a:lnSpc>
-              <a:buFont typeface="Wingdings" charset="0"/>
-              <a:buNone/>
+              <a:buFontTx/>
+              <a:buChar char="•"/>
             </a:pPr>
-            <a:endParaRPr lang="en-US" sz="1800" dirty="0"/>
+            <a:r>
+              <a:rPr lang="en-US"/>
+              <a:t> the expr is composed of four</a:t>
+            </a:r>
+            <a:br>
+              <a:rPr lang="en-US"/>
+            </a:br>
+            <a:r>
+              <a:rPr lang="en-US"/>
+              <a:t>  tokens: (,),int,i </a:t>
+            </a:r>
           </a:p>
           <a:p>
             <a:pPr>
-              <a:lnSpc>
-                <a:spcPct val="90000"/>
-              </a:lnSpc>
-              <a:buFont typeface="Wingdings" charset="0"/>
-              <a:buNone/>
+              <a:buFontTx/>
+              <a:buChar char="•"/>
             </a:pPr>
             <a:r>
-              <a:rPr lang="en-US" sz="1800" dirty="0"/>
-              <a:t>Symbols are combined to form words, words are combined to form phrases, and phrases are combined to form sentences.</a:t>
+              <a:rPr lang="en-US"/>
+              <a:t>the stmt is composed of a token</a:t>
+            </a:r>
+            <a:br>
+              <a:rPr lang="en-US"/>
+            </a:br>
+            <a:r>
+              <a:rPr lang="en-US"/>
+              <a:t>  (return) and an expr</a:t>
             </a:r>
           </a:p>
           <a:p>
             <a:pPr>
-              <a:lnSpc>
-                <a:spcPct val="90000"/>
-              </a:lnSpc>
-              <a:buFont typeface="Wingdings" charset="0"/>
-              <a:buNone/>
+              <a:buFontTx/>
+              <a:buChar char="•"/>
             </a:pPr>
-            <a:endParaRPr lang="en-US" sz="1800" dirty="0"/>
-          </a:p>
-          <a:p>
-            <a:pPr>
-              <a:lnSpc>
-                <a:spcPct val="90000"/>
-              </a:lnSpc>
-              <a:buFont typeface="Wingdings" charset="0"/>
-              <a:buNone/>
-            </a:pPr>
-            <a:r>
-              <a:rPr lang="en-US" sz="1800" dirty="0"/>
-              <a:t>A programming language is a collection of valid sentences; a sentence is valid if the symbols, words, and phrases are combined according to the rules of the language.		</a:t>
-            </a:r>
-          </a:p>
-          <a:p>
-            <a:pPr>
-              <a:lnSpc>
-                <a:spcPct val="90000"/>
-              </a:lnSpc>
-              <a:buFont typeface="Wingdings" charset="0"/>
-              <a:buNone/>
-            </a:pPr>
-            <a:endParaRPr lang="en-US" sz="1800" dirty="0"/>
-          </a:p>
-          <a:p>
-            <a:pPr>
-              <a:lnSpc>
-                <a:spcPct val="90000"/>
-              </a:lnSpc>
-              <a:buFont typeface="Wingdings" charset="0"/>
-              <a:buNone/>
-            </a:pPr>
-            <a:r>
-              <a:rPr lang="en-US" sz="1800" dirty="0"/>
-              <a:t>These rules are usually specified using a grammar (more on that later)</a:t>
-            </a:r>
-          </a:p>
-          <a:p>
-            <a:pPr>
-              <a:lnSpc>
-                <a:spcPct val="90000"/>
-              </a:lnSpc>
-              <a:buFont typeface="Wingdings" charset="0"/>
-              <a:buNone/>
-            </a:pPr>
-            <a:r>
-              <a:rPr lang="en-US" sz="1800" dirty="0"/>
-              <a:t>	</a:t>
-            </a:r>
-          </a:p>
-          <a:p>
-            <a:pPr>
-              <a:lnSpc>
-                <a:spcPct val="90000"/>
-              </a:lnSpc>
-            </a:pPr>
-            <a:endParaRPr lang="en-US" sz="2600" dirty="0"/>
-          </a:p>
-        </p:txBody>
-      </p:sp>
+            <a:r>
+              <a:rPr lang="en-US"/>
+              <a:t> the expr is composed of three</a:t>
+            </a:r>
+            <a:br>
+              <a:rPr lang="en-US"/>
+            </a:br>
+            <a:r>
+              <a:rPr lang="en-US"/>
+              <a:t>  tokens: I, +, 1 </a:t>
+            </a:r>
+            <a:br>
+              <a:rPr lang="en-US"/>
+            </a:br>
+            <a:br>
+              <a:rPr lang="en-US"/>
+            </a:br>
+            <a:r>
+              <a:rPr lang="en-US">
+                <a:sym typeface="Wingdings 2" charset="0"/>
+              </a:rPr>
+              <a:t> Language processors are built</a:t>
+            </a:r>
+            <a:br>
+              <a:rPr lang="en-US">
+                <a:sym typeface="Wingdings 2" charset="0"/>
+              </a:rPr>
+            </a:br>
+            <a:r>
+              <a:rPr lang="en-US">
+                <a:sym typeface="Wingdings 2" charset="0"/>
+              </a:rPr>
+              <a:t>    to extract this kind of hierarchy</a:t>
+            </a:r>
+            <a:br>
+              <a:rPr lang="en-US">
+                <a:sym typeface="Wingdings 2" charset="0"/>
+              </a:rPr>
+            </a:br>
+            <a:r>
+              <a:rPr lang="en-US">
+                <a:sym typeface="Wingdings 2" charset="0"/>
+              </a:rPr>
+              <a:t>    and process it.</a:t>
+            </a:r>
+            <a:endParaRPr lang="en-US"/>
+          </a:p>
+        </p:txBody>
+      </p:sp>
+      <p:sp>
+        <p:nvSpPr>
+          <p:cNvPr id="13334" name="Text Box 22"/>
+          <p:cNvSpPr txBox="1">
+            <a:spLocks noChangeArrowheads="1"/>
+          </p:cNvSpPr>
+          <p:nvPr/>
+        </p:nvSpPr>
+        <p:spPr bwMode="auto">
+          <a:xfrm>
+            <a:off x="288925" y="6438900"/>
+            <a:ext cx="4097338" cy="274638"/>
+          </a:xfrm>
+          <a:prstGeom prst="rect">
+            <a:avLst/>
+          </a:prstGeom>
+          <a:noFill/>
+          <a:ln>
+            <a:noFill/>
+          </a:ln>
+          <a:extLst>
+            <a:ext uri="{909E8E84-426E-40dd-AFC4-6F175D3DCCD1}">
+              <a14:hiddenFill xmlns:a14="http://schemas.microsoft.com/office/drawing/2010/main" xmlns="">
+                <a:solidFill>
+                  <a:schemeClr val="accent1"/>
+                </a:solidFill>
+              </a14:hiddenFill>
+            </a:ext>
+            <a:ext uri="{91240B29-F687-4f45-9708-019B960494DF}">
+              <a14:hiddenLine xmlns:a14="http://schemas.microsoft.com/office/drawing/2010/main" xmlns="" w="9525">
+                <a:solidFill>
+                  <a:schemeClr val="tx1"/>
+                </a:solidFill>
+                <a:miter lim="800000"/>
+                <a:headEnd/>
+                <a:tailEnd/>
+              </a14:hiddenLine>
+            </a:ext>
+          </a:extLst>
+        </p:spPr>
+        <p:txBody>
+          <a:bodyPr wrap="none">
+            <a:spAutoFit/>
+          </a:bodyPr>
+          <a:lstStyle/>
+          <a:p>
+            <a:r>
+              <a:rPr lang="en-US" sz="1200"/>
+              <a:t>Note: the structure of a language is also called the </a:t>
+            </a:r>
+            <a:r>
+              <a:rPr lang="en-US" sz="1200" u="sng"/>
+              <a:t>syntax</a:t>
+            </a:r>
+            <a:r>
+              <a:rPr lang="en-US" sz="1200"/>
+              <a:t>.</a:t>
+            </a:r>
+          </a:p>
+        </p:txBody>
+      </p:sp>
+      <p:sp>
+        <p:nvSpPr>
+          <p:cNvPr id="2" name="TextBox 1"/>
+          <p:cNvSpPr txBox="1"/>
+          <p:nvPr/>
+        </p:nvSpPr>
+        <p:spPr>
+          <a:xfrm>
+            <a:off x="1600200" y="4385846"/>
+            <a:ext cx="686606" cy="338554"/>
+          </a:xfrm>
+          <a:prstGeom prst="rect">
+            <a:avLst/>
+          </a:prstGeom>
+          <a:noFill/>
+        </p:spPr>
+        <p:txBody>
+          <a:bodyPr wrap="none" rtlCol="0">
+            <a:spAutoFit/>
+          </a:bodyPr>
+          <a:lstStyle/>
+          <a:p>
+            <a:r>
+              <a:rPr lang="en-US" dirty="0"/>
+              <a:t>token</a:t>
+            </a:r>
+          </a:p>
+        </p:txBody>
+      </p:sp>
+      <p:sp>
+        <p:nvSpPr>
+          <p:cNvPr id="3" name="TextBox 2"/>
+          <p:cNvSpPr txBox="1"/>
+          <p:nvPr/>
+        </p:nvSpPr>
+        <p:spPr>
+          <a:xfrm>
+            <a:off x="685800" y="4374760"/>
+            <a:ext cx="686606" cy="338554"/>
+          </a:xfrm>
+          <a:prstGeom prst="rect">
+            <a:avLst/>
+          </a:prstGeom>
+          <a:noFill/>
+        </p:spPr>
+        <p:txBody>
+          <a:bodyPr wrap="none" rtlCol="0">
+            <a:spAutoFit/>
+          </a:bodyPr>
+          <a:lstStyle/>
+          <a:p>
+            <a:r>
+              <a:rPr lang="en-US" dirty="0"/>
+              <a:t>token</a:t>
+            </a:r>
+          </a:p>
+        </p:txBody>
+      </p:sp>
+      <p:sp>
+        <p:nvSpPr>
+          <p:cNvPr id="4" name="TextBox 3"/>
+          <p:cNvSpPr txBox="1"/>
+          <p:nvPr/>
+        </p:nvSpPr>
+        <p:spPr>
+          <a:xfrm>
+            <a:off x="3429000" y="3581400"/>
+            <a:ext cx="686606" cy="338554"/>
+          </a:xfrm>
+          <a:prstGeom prst="rect">
+            <a:avLst/>
+          </a:prstGeom>
+          <a:noFill/>
+        </p:spPr>
+        <p:txBody>
+          <a:bodyPr wrap="none" rtlCol="0">
+            <a:spAutoFit/>
+          </a:bodyPr>
+          <a:lstStyle/>
+          <a:p>
+            <a:r>
+              <a:rPr lang="en-US" dirty="0"/>
+              <a:t>token</a:t>
+            </a:r>
+          </a:p>
+        </p:txBody>
+      </p:sp>
+      <p:cxnSp>
+        <p:nvCxnSpPr>
+          <p:cNvPr id="6" name="Straight Connector 5"/>
+          <p:cNvCxnSpPr/>
+          <p:nvPr/>
+        </p:nvCxnSpPr>
+        <p:spPr bwMode="auto">
+          <a:xfrm>
+            <a:off x="990600" y="3581400"/>
+            <a:ext cx="0" cy="685800"/>
+          </a:xfrm>
+          <a:prstGeom prst="line">
+            <a:avLst/>
+          </a:prstGeom>
+          <a:solidFill>
+            <a:schemeClr val="accent1"/>
+          </a:solidFill>
+          <a:ln w="9525" cap="flat" cmpd="sng" algn="ctr">
+            <a:solidFill>
+              <a:schemeClr val="tx1"/>
+            </a:solidFill>
+            <a:prstDash val="solid"/>
+            <a:round/>
+            <a:headEnd type="none" w="med" len="med"/>
+            <a:tailEnd type="none" w="med" len="med"/>
+          </a:ln>
+          <a:effectLst/>
+          <a:extLst>
+            <a:ext uri="{AF507438-7753-43e0-B8FC-AC1667EBCBE1}">
+              <a14:hiddenEffects xmlns:a14="http://schemas.microsoft.com/office/drawing/2010/main" xmlns="">
+                <a:effectLst>
+                  <a:outerShdw blurRad="63500" dist="38099" dir="2700000" algn="ctr" rotWithShape="0">
+                    <a:schemeClr val="bg2">
+                      <a:alpha val="74998"/>
+                    </a:schemeClr>
+                  </a:outerShdw>
+                </a:effectLst>
+              </a14:hiddenEffects>
+            </a:ext>
+          </a:extLst>
+        </p:spPr>
+      </p:cxnSp>
+      <p:cxnSp>
+        <p:nvCxnSpPr>
+          <p:cNvPr id="10" name="Straight Connector 9"/>
+          <p:cNvCxnSpPr/>
+          <p:nvPr/>
+        </p:nvCxnSpPr>
+        <p:spPr bwMode="auto">
+          <a:xfrm>
+            <a:off x="1828800" y="3581400"/>
+            <a:ext cx="0" cy="609600"/>
+          </a:xfrm>
+          <a:prstGeom prst="line">
+            <a:avLst/>
+          </a:prstGeom>
+          <a:solidFill>
+            <a:schemeClr val="accent1"/>
+          </a:solidFill>
+          <a:ln w="9525" cap="flat" cmpd="sng" algn="ctr">
+            <a:solidFill>
+              <a:schemeClr val="tx1"/>
+            </a:solidFill>
+            <a:prstDash val="solid"/>
+            <a:round/>
+            <a:headEnd type="none" w="med" len="med"/>
+            <a:tailEnd type="none" w="med" len="med"/>
+          </a:ln>
+          <a:effectLst/>
+          <a:extLst>
+            <a:ext uri="{AF507438-7753-43e0-B8FC-AC1667EBCBE1}">
+              <a14:hiddenEffects xmlns:a14="http://schemas.microsoft.com/office/drawing/2010/main" xmlns="">
+                <a:effectLst>
+                  <a:outerShdw blurRad="63500" dist="38099" dir="2700000" algn="ctr" rotWithShape="0">
+                    <a:schemeClr val="bg2">
+                      <a:alpha val="74998"/>
+                    </a:schemeClr>
+                  </a:outerShdw>
+                </a:effectLst>
+              </a14:hiddenEffects>
+            </a:ext>
+          </a:extLst>
+        </p:spPr>
+      </p:cxnSp>
+      <p:cxnSp>
+        <p:nvCxnSpPr>
+          <p:cNvPr id="12" name="Straight Connector 11"/>
+          <p:cNvCxnSpPr/>
+          <p:nvPr/>
+        </p:nvCxnSpPr>
+        <p:spPr bwMode="auto">
+          <a:xfrm>
+            <a:off x="3733800" y="3352800"/>
+            <a:ext cx="0" cy="76200"/>
+          </a:xfrm>
+          <a:prstGeom prst="line">
+            <a:avLst/>
+          </a:prstGeom>
+          <a:solidFill>
+            <a:schemeClr val="accent1"/>
+          </a:solidFill>
+          <a:ln w="9525" cap="flat" cmpd="sng" algn="ctr">
+            <a:solidFill>
+              <a:schemeClr val="tx1"/>
+            </a:solidFill>
+            <a:prstDash val="solid"/>
+            <a:round/>
+            <a:headEnd type="none" w="med" len="med"/>
+            <a:tailEnd type="none" w="med" len="med"/>
+          </a:ln>
+          <a:effectLst/>
+          <a:extLst>
+            <a:ext uri="{AF507438-7753-43e0-B8FC-AC1667EBCBE1}">
+              <a14:hiddenEffects xmlns:a14="http://schemas.microsoft.com/office/drawing/2010/main" xmlns="">
+                <a:effectLst>
+                  <a:outerShdw blurRad="63500" dist="38099" dir="2700000" algn="ctr" rotWithShape="0">
+                    <a:schemeClr val="bg2">
+                      <a:alpha val="74998"/>
+                    </a:schemeClr>
+                  </a:outerShdw>
+                </a:effectLst>
+              </a14:hiddenEffects>
+            </a:ext>
+          </a:extLst>
+        </p:spPr>
+      </p:cxnSp>
     </p:spTree>
   </p:cSld>
   <p:clrMapOvr>
@@ -19029,7 +18872,7 @@
         <a:effectLst/>
         <a:extLst>
           <a:ext uri="{AF507438-7753-43e0-B8FC-AC1667EBCBE1}">
-            <a14:hiddenEffects xmlns="" xmlns:a14="http://schemas.microsoft.com/office/drawing/2010/main">
+            <a14:hiddenEffects xmlns:a14="http://schemas.microsoft.com/office/drawing/2010/main" xmlns="">
               <a:effectLst>
                 <a:outerShdw blurRad="63500" dist="38099" dir="2700000" algn="ctr" rotWithShape="0">
                   <a:schemeClr val="bg2">
@@ -19106,7 +18949,7 @@
         <a:effectLst/>
         <a:extLst>
           <a:ext uri="{AF507438-7753-43e0-B8FC-AC1667EBCBE1}">
-            <a14:hiddenEffects xmlns="" xmlns:a14="http://schemas.microsoft.com/office/drawing/2010/main">
+            <a14:hiddenEffects xmlns:a14="http://schemas.microsoft.com/office/drawing/2010/main" xmlns="">
               <a:effectLst>
                 <a:outerShdw blurRad="63500" dist="38099" dir="2700000" algn="ctr" rotWithShape="0">
                   <a:schemeClr val="bg2">

--- a/notes/csc402-ln001.pptx
+++ b/notes/csc402-ln001.pptx
@@ -16422,8 +16422,13 @@
             <a:pPr lvl="1"/>
             <a:r>
               <a:rPr lang="en-US" dirty="0"/>
-              <a:t>upload a copy into Sakai</a:t>
-            </a:r>
+              <a:t>upload a copy into </a:t>
+            </a:r>
+            <a:r>
+              <a:rPr lang="en-US"/>
+              <a:t>BrightSpace</a:t>
+            </a:r>
+            <a:endParaRPr lang="en-US" dirty="0"/>
           </a:p>
         </p:txBody>
       </p:sp>

--- a/notes/csc402-ln001.pptx
+++ b/notes/csc402-ln001.pptx
@@ -232,17 +232,17 @@
           </a:ln>
           <a:extLst>
             <a:ext uri="{FAA26D3D-D897-4be2-8F04-BA451C77F1D7}">
-              <ma14:placeholderFlag xmlns="" xmlns:ma14="http://schemas.microsoft.com/office/mac/drawingml/2011/main" val="1"/>
+              <ma14:placeholderFlag xmlns:ma14="http://schemas.microsoft.com/office/mac/drawingml/2011/main" xmlns="" val="1"/>
             </a:ext>
             <a:ext uri="{909E8E84-426E-40dd-AFC4-6F175D3DCCD1}">
-              <a14:hiddenFill xmlns:a14="http://schemas.microsoft.com/office/drawing/2010/main" xmlns="">
+              <a14:hiddenFill xmlns="" xmlns:a14="http://schemas.microsoft.com/office/drawing/2010/main">
                 <a:solidFill>
                   <a:schemeClr val="accent1"/>
                 </a:solidFill>
               </a14:hiddenFill>
             </a:ext>
             <a:ext uri="{91240B29-F687-4f45-9708-019B960494DF}">
-              <a14:hiddenLine xmlns:a14="http://schemas.microsoft.com/office/drawing/2010/main" xmlns="" w="9525">
+              <a14:hiddenLine xmlns="" xmlns:a14="http://schemas.microsoft.com/office/drawing/2010/main" w="9525">
                 <a:solidFill>
                   <a:schemeClr val="tx1"/>
                 </a:solidFill>
@@ -293,17 +293,17 @@
           </a:ln>
           <a:extLst>
             <a:ext uri="{FAA26D3D-D897-4be2-8F04-BA451C77F1D7}">
-              <ma14:placeholderFlag xmlns="" xmlns:ma14="http://schemas.microsoft.com/office/mac/drawingml/2011/main" val="1"/>
+              <ma14:placeholderFlag xmlns:ma14="http://schemas.microsoft.com/office/mac/drawingml/2011/main" xmlns="" val="1"/>
             </a:ext>
             <a:ext uri="{909E8E84-426E-40dd-AFC4-6F175D3DCCD1}">
-              <a14:hiddenFill xmlns:a14="http://schemas.microsoft.com/office/drawing/2010/main" xmlns="">
+              <a14:hiddenFill xmlns="" xmlns:a14="http://schemas.microsoft.com/office/drawing/2010/main">
                 <a:solidFill>
                   <a:schemeClr val="accent1"/>
                 </a:solidFill>
               </a14:hiddenFill>
             </a:ext>
             <a:ext uri="{91240B29-F687-4f45-9708-019B960494DF}">
-              <a14:hiddenLine xmlns:a14="http://schemas.microsoft.com/office/drawing/2010/main" xmlns="" w="9525">
+              <a14:hiddenLine xmlns="" xmlns:a14="http://schemas.microsoft.com/office/drawing/2010/main" w="9525">
                 <a:solidFill>
                   <a:schemeClr val="tx1"/>
                 </a:solidFill>
@@ -360,7 +360,7 @@
           <a:effectLst/>
           <a:extLst>
             <a:ext uri="{AF507438-7753-43e0-B8FC-AC1667EBCBE1}">
-              <a14:hiddenEffects xmlns:a14="http://schemas.microsoft.com/office/drawing/2010/main" xmlns="">
+              <a14:hiddenEffects xmlns="" xmlns:a14="http://schemas.microsoft.com/office/drawing/2010/main">
                 <a:effectLst>
                   <a:outerShdw blurRad="63500" dist="38099" dir="2700000" algn="ctr" rotWithShape="0">
                     <a:srgbClr val="000000">
@@ -371,7 +371,7 @@
               </a14:hiddenEffects>
             </a:ext>
             <a:ext uri="{53640926-AAD7-44d8-BBD7-CCE9431645EC}">
-              <a14:shadowObscured xmlns:a14="http://schemas.microsoft.com/office/drawing/2010/main" xmlns="" val="1"/>
+              <a14:shadowObscured xmlns="" xmlns:a14="http://schemas.microsoft.com/office/drawing/2010/main" val="1"/>
             </a:ext>
           </a:extLst>
         </p:spPr>
@@ -400,17 +400,17 @@
           </a:ln>
           <a:extLst>
             <a:ext uri="{FAA26D3D-D897-4be2-8F04-BA451C77F1D7}">
-              <ma14:placeholderFlag xmlns="" xmlns:ma14="http://schemas.microsoft.com/office/mac/drawingml/2011/main" val="1"/>
+              <ma14:placeholderFlag xmlns:ma14="http://schemas.microsoft.com/office/mac/drawingml/2011/main" xmlns="" val="1"/>
             </a:ext>
             <a:ext uri="{909E8E84-426E-40dd-AFC4-6F175D3DCCD1}">
-              <a14:hiddenFill xmlns:a14="http://schemas.microsoft.com/office/drawing/2010/main" xmlns="">
+              <a14:hiddenFill xmlns="" xmlns:a14="http://schemas.microsoft.com/office/drawing/2010/main">
                 <a:solidFill>
                   <a:schemeClr val="accent1"/>
                 </a:solidFill>
               </a14:hiddenFill>
             </a:ext>
             <a:ext uri="{91240B29-F687-4f45-9708-019B960494DF}">
-              <a14:hiddenLine xmlns:a14="http://schemas.microsoft.com/office/drawing/2010/main" xmlns="" w="9525">
+              <a14:hiddenLine xmlns="" xmlns:a14="http://schemas.microsoft.com/office/drawing/2010/main" w="9525">
                 <a:solidFill>
                   <a:schemeClr val="tx1"/>
                 </a:solidFill>
@@ -489,17 +489,17 @@
           </a:ln>
           <a:extLst>
             <a:ext uri="{FAA26D3D-D897-4be2-8F04-BA451C77F1D7}">
-              <ma14:placeholderFlag xmlns="" xmlns:ma14="http://schemas.microsoft.com/office/mac/drawingml/2011/main" val="1"/>
+              <ma14:placeholderFlag xmlns:ma14="http://schemas.microsoft.com/office/mac/drawingml/2011/main" xmlns="" val="1"/>
             </a:ext>
             <a:ext uri="{909E8E84-426E-40dd-AFC4-6F175D3DCCD1}">
-              <a14:hiddenFill xmlns:a14="http://schemas.microsoft.com/office/drawing/2010/main" xmlns="">
+              <a14:hiddenFill xmlns="" xmlns:a14="http://schemas.microsoft.com/office/drawing/2010/main">
                 <a:solidFill>
                   <a:schemeClr val="accent1"/>
                 </a:solidFill>
               </a14:hiddenFill>
             </a:ext>
             <a:ext uri="{91240B29-F687-4f45-9708-019B960494DF}">
-              <a14:hiddenLine xmlns:a14="http://schemas.microsoft.com/office/drawing/2010/main" xmlns="" w="9525">
+              <a14:hiddenLine xmlns="" xmlns:a14="http://schemas.microsoft.com/office/drawing/2010/main" w="9525">
                 <a:solidFill>
                   <a:schemeClr val="tx1"/>
                 </a:solidFill>
@@ -550,17 +550,17 @@
           </a:ln>
           <a:extLst>
             <a:ext uri="{FAA26D3D-D897-4be2-8F04-BA451C77F1D7}">
-              <ma14:placeholderFlag xmlns="" xmlns:ma14="http://schemas.microsoft.com/office/mac/drawingml/2011/main" val="1"/>
+              <ma14:placeholderFlag xmlns:ma14="http://schemas.microsoft.com/office/mac/drawingml/2011/main" xmlns="" val="1"/>
             </a:ext>
             <a:ext uri="{909E8E84-426E-40dd-AFC4-6F175D3DCCD1}">
-              <a14:hiddenFill xmlns:a14="http://schemas.microsoft.com/office/drawing/2010/main" xmlns="">
+              <a14:hiddenFill xmlns="" xmlns:a14="http://schemas.microsoft.com/office/drawing/2010/main">
                 <a:solidFill>
                   <a:schemeClr val="accent1"/>
                 </a:solidFill>
               </a14:hiddenFill>
             </a:ext>
             <a:ext uri="{91240B29-F687-4f45-9708-019B960494DF}">
-              <a14:hiddenLine xmlns:a14="http://schemas.microsoft.com/office/drawing/2010/main" xmlns="" w="9525">
+              <a14:hiddenLine xmlns="" xmlns:a14="http://schemas.microsoft.com/office/drawing/2010/main" w="9525">
                 <a:solidFill>
                   <a:schemeClr val="tx1"/>
                 </a:solidFill>
@@ -782,7 +782,7 @@
           <a:ln/>
           <a:extLst>
             <a:ext uri="{FAA26D3D-D897-4be2-8F04-BA451C77F1D7}">
-              <ma14:placeholderFlag xmlns="" xmlns:ma14="http://schemas.microsoft.com/office/mac/drawingml/2011/main" val="1"/>
+              <ma14:placeholderFlag xmlns:ma14="http://schemas.microsoft.com/office/mac/drawingml/2011/main" xmlns="" val="1"/>
             </a:ext>
           </a:extLst>
         </p:spPr>
@@ -871,7 +871,7 @@
           <a:ln/>
           <a:extLst>
             <a:ext uri="{FAA26D3D-D897-4be2-8F04-BA451C77F1D7}">
-              <ma14:placeholderFlag xmlns="" xmlns:ma14="http://schemas.microsoft.com/office/mac/drawingml/2011/main" val="1"/>
+              <ma14:placeholderFlag xmlns:ma14="http://schemas.microsoft.com/office/mac/drawingml/2011/main" xmlns="" val="1"/>
             </a:ext>
           </a:extLst>
         </p:spPr>
@@ -960,7 +960,7 @@
           <a:ln/>
           <a:extLst>
             <a:ext uri="{FAA26D3D-D897-4be2-8F04-BA451C77F1D7}">
-              <ma14:placeholderFlag xmlns="" xmlns:ma14="http://schemas.microsoft.com/office/mac/drawingml/2011/main" val="1"/>
+              <ma14:placeholderFlag xmlns:ma14="http://schemas.microsoft.com/office/mac/drawingml/2011/main" xmlns="" val="1"/>
             </a:ext>
           </a:extLst>
         </p:spPr>
@@ -1049,7 +1049,7 @@
           <a:ln/>
           <a:extLst>
             <a:ext uri="{FAA26D3D-D897-4be2-8F04-BA451C77F1D7}">
-              <ma14:placeholderFlag xmlns="" xmlns:ma14="http://schemas.microsoft.com/office/mac/drawingml/2011/main" val="1"/>
+              <ma14:placeholderFlag xmlns:ma14="http://schemas.microsoft.com/office/mac/drawingml/2011/main" xmlns="" val="1"/>
             </a:ext>
           </a:extLst>
         </p:spPr>
@@ -1138,7 +1138,7 @@
           <a:ln/>
           <a:extLst>
             <a:ext uri="{FAA26D3D-D897-4be2-8F04-BA451C77F1D7}">
-              <ma14:placeholderFlag xmlns="" xmlns:ma14="http://schemas.microsoft.com/office/mac/drawingml/2011/main" val="1"/>
+              <ma14:placeholderFlag xmlns:ma14="http://schemas.microsoft.com/office/mac/drawingml/2011/main" xmlns="" val="1"/>
             </a:ext>
           </a:extLst>
         </p:spPr>
@@ -1227,7 +1227,7 @@
           <a:ln/>
           <a:extLst>
             <a:ext uri="{FAA26D3D-D897-4be2-8F04-BA451C77F1D7}">
-              <ma14:placeholderFlag xmlns="" xmlns:ma14="http://schemas.microsoft.com/office/mac/drawingml/2011/main" val="1"/>
+              <ma14:placeholderFlag xmlns:ma14="http://schemas.microsoft.com/office/mac/drawingml/2011/main" xmlns="" val="1"/>
             </a:ext>
           </a:extLst>
         </p:spPr>
@@ -1316,7 +1316,7 @@
           <a:ln/>
           <a:extLst>
             <a:ext uri="{FAA26D3D-D897-4be2-8F04-BA451C77F1D7}">
-              <ma14:placeholderFlag xmlns="" xmlns:ma14="http://schemas.microsoft.com/office/mac/drawingml/2011/main" val="1"/>
+              <ma14:placeholderFlag xmlns:ma14="http://schemas.microsoft.com/office/mac/drawingml/2011/main" xmlns="" val="1"/>
             </a:ext>
           </a:extLst>
         </p:spPr>
@@ -1405,7 +1405,7 @@
           <a:ln/>
           <a:extLst>
             <a:ext uri="{FAA26D3D-D897-4be2-8F04-BA451C77F1D7}">
-              <ma14:placeholderFlag xmlns="" xmlns:ma14="http://schemas.microsoft.com/office/mac/drawingml/2011/main" val="1"/>
+              <ma14:placeholderFlag xmlns:ma14="http://schemas.microsoft.com/office/mac/drawingml/2011/main" xmlns="" val="1"/>
             </a:ext>
           </a:extLst>
         </p:spPr>
@@ -1494,7 +1494,7 @@
           <a:ln/>
           <a:extLst>
             <a:ext uri="{FAA26D3D-D897-4be2-8F04-BA451C77F1D7}">
-              <ma14:placeholderFlag xmlns="" xmlns:ma14="http://schemas.microsoft.com/office/mac/drawingml/2011/main" val="1"/>
+              <ma14:placeholderFlag xmlns:ma14="http://schemas.microsoft.com/office/mac/drawingml/2011/main" xmlns="" val="1"/>
             </a:ext>
           </a:extLst>
         </p:spPr>
@@ -1583,7 +1583,7 @@
           <a:ln/>
           <a:extLst>
             <a:ext uri="{FAA26D3D-D897-4be2-8F04-BA451C77F1D7}">
-              <ma14:placeholderFlag xmlns="" xmlns:ma14="http://schemas.microsoft.com/office/mac/drawingml/2011/main" val="1"/>
+              <ma14:placeholderFlag xmlns:ma14="http://schemas.microsoft.com/office/mac/drawingml/2011/main" xmlns="" val="1"/>
             </a:ext>
           </a:extLst>
         </p:spPr>
@@ -1672,7 +1672,7 @@
           <a:ln/>
           <a:extLst>
             <a:ext uri="{FAA26D3D-D897-4be2-8F04-BA451C77F1D7}">
-              <ma14:placeholderFlag xmlns="" xmlns:ma14="http://schemas.microsoft.com/office/mac/drawingml/2011/main" val="1"/>
+              <ma14:placeholderFlag xmlns:ma14="http://schemas.microsoft.com/office/mac/drawingml/2011/main" xmlns="" val="1"/>
             </a:ext>
           </a:extLst>
         </p:spPr>
@@ -1766,7 +1766,7 @@
           <a:ln/>
           <a:extLst>
             <a:ext uri="{FAA26D3D-D897-4be2-8F04-BA451C77F1D7}">
-              <ma14:placeholderFlag xmlns="" xmlns:ma14="http://schemas.microsoft.com/office/mac/drawingml/2011/main" val="1"/>
+              <ma14:placeholderFlag xmlns:ma14="http://schemas.microsoft.com/office/mac/drawingml/2011/main" xmlns="" val="1"/>
             </a:ext>
           </a:extLst>
         </p:spPr>
@@ -1855,7 +1855,7 @@
           <a:ln/>
           <a:extLst>
             <a:ext uri="{FAA26D3D-D897-4be2-8F04-BA451C77F1D7}">
-              <ma14:placeholderFlag xmlns="" xmlns:ma14="http://schemas.microsoft.com/office/mac/drawingml/2011/main" val="1"/>
+              <ma14:placeholderFlag xmlns:ma14="http://schemas.microsoft.com/office/mac/drawingml/2011/main" xmlns="" val="1"/>
             </a:ext>
           </a:extLst>
         </p:spPr>
@@ -1944,7 +1944,7 @@
           <a:ln/>
           <a:extLst>
             <a:ext uri="{FAA26D3D-D897-4be2-8F04-BA451C77F1D7}">
-              <ma14:placeholderFlag xmlns="" xmlns:ma14="http://schemas.microsoft.com/office/mac/drawingml/2011/main" val="1"/>
+              <ma14:placeholderFlag xmlns:ma14="http://schemas.microsoft.com/office/mac/drawingml/2011/main" xmlns="" val="1"/>
             </a:ext>
           </a:extLst>
         </p:spPr>
@@ -2033,7 +2033,7 @@
           <a:ln/>
           <a:extLst>
             <a:ext uri="{FAA26D3D-D897-4be2-8F04-BA451C77F1D7}">
-              <ma14:placeholderFlag xmlns="" xmlns:ma14="http://schemas.microsoft.com/office/mac/drawingml/2011/main" val="1"/>
+              <ma14:placeholderFlag xmlns:ma14="http://schemas.microsoft.com/office/mac/drawingml/2011/main" xmlns="" val="1"/>
             </a:ext>
           </a:extLst>
         </p:spPr>
@@ -2122,7 +2122,7 @@
           <a:ln/>
           <a:extLst>
             <a:ext uri="{FAA26D3D-D897-4be2-8F04-BA451C77F1D7}">
-              <ma14:placeholderFlag xmlns="" xmlns:ma14="http://schemas.microsoft.com/office/mac/drawingml/2011/main" val="1"/>
+              <ma14:placeholderFlag xmlns:ma14="http://schemas.microsoft.com/office/mac/drawingml/2011/main" xmlns="" val="1"/>
             </a:ext>
           </a:extLst>
         </p:spPr>
@@ -2211,7 +2211,7 @@
           <a:ln/>
           <a:extLst>
             <a:ext uri="{FAA26D3D-D897-4be2-8F04-BA451C77F1D7}">
-              <ma14:placeholderFlag xmlns="" xmlns:ma14="http://schemas.microsoft.com/office/mac/drawingml/2011/main" val="1"/>
+              <ma14:placeholderFlag xmlns:ma14="http://schemas.microsoft.com/office/mac/drawingml/2011/main" xmlns="" val="1"/>
             </a:ext>
           </a:extLst>
         </p:spPr>
@@ -2300,7 +2300,7 @@
           <a:ln/>
           <a:extLst>
             <a:ext uri="{FAA26D3D-D897-4be2-8F04-BA451C77F1D7}">
-              <ma14:placeholderFlag xmlns="" xmlns:ma14="http://schemas.microsoft.com/office/mac/drawingml/2011/main" val="1"/>
+              <ma14:placeholderFlag xmlns:ma14="http://schemas.microsoft.com/office/mac/drawingml/2011/main" xmlns="" val="1"/>
             </a:ext>
           </a:extLst>
         </p:spPr>
@@ -2389,7 +2389,7 @@
           <a:ln/>
           <a:extLst>
             <a:ext uri="{FAA26D3D-D897-4be2-8F04-BA451C77F1D7}">
-              <ma14:placeholderFlag xmlns="" xmlns:ma14="http://schemas.microsoft.com/office/mac/drawingml/2011/main" val="1"/>
+              <ma14:placeholderFlag xmlns:ma14="http://schemas.microsoft.com/office/mac/drawingml/2011/main" xmlns="" val="1"/>
             </a:ext>
           </a:extLst>
         </p:spPr>
@@ -2466,12 +2466,12 @@
           <a:effectLst/>
           <a:extLst>
             <a:ext uri="{909E8E84-426E-40dd-AFC4-6F175D3DCCD1}">
-              <a14:hiddenFill xmlns:a14="http://schemas.microsoft.com/office/drawing/2010/main" xmlns="">
+              <a14:hiddenFill xmlns="" xmlns:a14="http://schemas.microsoft.com/office/drawing/2010/main">
                 <a:noFill/>
               </a14:hiddenFill>
             </a:ext>
             <a:ext uri="{AF507438-7753-43e0-B8FC-AC1667EBCBE1}">
-              <a14:hiddenEffects xmlns:a14="http://schemas.microsoft.com/office/drawing/2010/main" xmlns="">
+              <a14:hiddenEffects xmlns="" xmlns:a14="http://schemas.microsoft.com/office/drawing/2010/main">
                 <a:effectLst>
                   <a:outerShdw blurRad="63500" dist="38099" dir="2700000" algn="ctr" rotWithShape="0">
                     <a:schemeClr val="bg2">
@@ -2672,7 +2672,7 @@
             <a:effectLst/>
             <a:extLst>
               <a:ext uri="{91240B29-F687-4f45-9708-019B960494DF}">
-                <a14:hiddenLine xmlns:a14="http://schemas.microsoft.com/office/drawing/2010/main" xmlns="" w="9525">
+                <a14:hiddenLine xmlns="" xmlns:a14="http://schemas.microsoft.com/office/drawing/2010/main" w="9525">
                   <a:solidFill>
                     <a:schemeClr val="tx1"/>
                   </a:solidFill>
@@ -2682,7 +2682,7 @@
                 </a14:hiddenLine>
               </a:ext>
               <a:ext uri="{AF507438-7753-43e0-B8FC-AC1667EBCBE1}">
-                <a14:hiddenEffects xmlns:a14="http://schemas.microsoft.com/office/drawing/2010/main" xmlns="">
+                <a14:hiddenEffects xmlns="" xmlns:a14="http://schemas.microsoft.com/office/drawing/2010/main">
                   <a:effectLst>
                     <a:outerShdw blurRad="63500" dist="38099" dir="2700000" algn="ctr" rotWithShape="0">
                       <a:schemeClr val="bg2">
@@ -2727,7 +2727,7 @@
             <a:effectLst/>
             <a:extLst>
               <a:ext uri="{91240B29-F687-4f45-9708-019B960494DF}">
-                <a14:hiddenLine xmlns:a14="http://schemas.microsoft.com/office/drawing/2010/main" xmlns="" w="9525">
+                <a14:hiddenLine xmlns="" xmlns:a14="http://schemas.microsoft.com/office/drawing/2010/main" w="9525">
                   <a:solidFill>
                     <a:schemeClr val="tx1"/>
                   </a:solidFill>
@@ -2737,7 +2737,7 @@
                 </a14:hiddenLine>
               </a:ext>
               <a:ext uri="{AF507438-7753-43e0-B8FC-AC1667EBCBE1}">
-                <a14:hiddenEffects xmlns:a14="http://schemas.microsoft.com/office/drawing/2010/main" xmlns="">
+                <a14:hiddenEffects xmlns="" xmlns:a14="http://schemas.microsoft.com/office/drawing/2010/main">
                   <a:effectLst>
                     <a:outerShdw blurRad="63500" dist="38099" dir="2700000" algn="ctr" rotWithShape="0">
                       <a:schemeClr val="bg2">
@@ -2782,7 +2782,7 @@
             <a:effectLst/>
             <a:extLst>
               <a:ext uri="{91240B29-F687-4f45-9708-019B960494DF}">
-                <a14:hiddenLine xmlns:a14="http://schemas.microsoft.com/office/drawing/2010/main" xmlns="" w="9525">
+                <a14:hiddenLine xmlns="" xmlns:a14="http://schemas.microsoft.com/office/drawing/2010/main" w="9525">
                   <a:solidFill>
                     <a:schemeClr val="tx1"/>
                   </a:solidFill>
@@ -2792,7 +2792,7 @@
                 </a14:hiddenLine>
               </a:ext>
               <a:ext uri="{AF507438-7753-43e0-B8FC-AC1667EBCBE1}">
-                <a14:hiddenEffects xmlns:a14="http://schemas.microsoft.com/office/drawing/2010/main" xmlns="">
+                <a14:hiddenEffects xmlns="" xmlns:a14="http://schemas.microsoft.com/office/drawing/2010/main">
                   <a:effectLst>
                     <a:outerShdw blurRad="63500" dist="38099" dir="2700000" algn="ctr" rotWithShape="0">
                       <a:schemeClr val="bg2">
@@ -2837,7 +2837,7 @@
             <a:effectLst/>
             <a:extLst>
               <a:ext uri="{91240B29-F687-4f45-9708-019B960494DF}">
-                <a14:hiddenLine xmlns:a14="http://schemas.microsoft.com/office/drawing/2010/main" xmlns="" w="9525">
+                <a14:hiddenLine xmlns="" xmlns:a14="http://schemas.microsoft.com/office/drawing/2010/main" w="9525">
                   <a:solidFill>
                     <a:schemeClr val="tx1"/>
                   </a:solidFill>
@@ -2847,7 +2847,7 @@
                 </a14:hiddenLine>
               </a:ext>
               <a:ext uri="{AF507438-7753-43e0-B8FC-AC1667EBCBE1}">
-                <a14:hiddenEffects xmlns:a14="http://schemas.microsoft.com/office/drawing/2010/main" xmlns="">
+                <a14:hiddenEffects xmlns="" xmlns:a14="http://schemas.microsoft.com/office/drawing/2010/main">
                   <a:effectLst>
                     <a:outerShdw blurRad="63500" dist="38099" dir="2700000" algn="ctr" rotWithShape="0">
                       <a:schemeClr val="bg2">
@@ -2892,7 +2892,7 @@
             <a:effectLst/>
             <a:extLst>
               <a:ext uri="{91240B29-F687-4f45-9708-019B960494DF}">
-                <a14:hiddenLine xmlns:a14="http://schemas.microsoft.com/office/drawing/2010/main" xmlns="" w="9525">
+                <a14:hiddenLine xmlns="" xmlns:a14="http://schemas.microsoft.com/office/drawing/2010/main" w="9525">
                   <a:solidFill>
                     <a:schemeClr val="tx1"/>
                   </a:solidFill>
@@ -2902,7 +2902,7 @@
                 </a14:hiddenLine>
               </a:ext>
               <a:ext uri="{AF507438-7753-43e0-B8FC-AC1667EBCBE1}">
-                <a14:hiddenEffects xmlns:a14="http://schemas.microsoft.com/office/drawing/2010/main" xmlns="">
+                <a14:hiddenEffects xmlns="" xmlns:a14="http://schemas.microsoft.com/office/drawing/2010/main">
                   <a:effectLst>
                     <a:outerShdw blurRad="63500" dist="38099" dir="2700000" algn="ctr" rotWithShape="0">
                       <a:schemeClr val="bg2">
@@ -2947,7 +2947,7 @@
             <a:effectLst/>
             <a:extLst>
               <a:ext uri="{91240B29-F687-4f45-9708-019B960494DF}">
-                <a14:hiddenLine xmlns:a14="http://schemas.microsoft.com/office/drawing/2010/main" xmlns="" w="9525">
+                <a14:hiddenLine xmlns="" xmlns:a14="http://schemas.microsoft.com/office/drawing/2010/main" w="9525">
                   <a:solidFill>
                     <a:schemeClr val="tx1"/>
                   </a:solidFill>
@@ -2957,7 +2957,7 @@
                 </a14:hiddenLine>
               </a:ext>
               <a:ext uri="{AF507438-7753-43e0-B8FC-AC1667EBCBE1}">
-                <a14:hiddenEffects xmlns:a14="http://schemas.microsoft.com/office/drawing/2010/main" xmlns="">
+                <a14:hiddenEffects xmlns="" xmlns:a14="http://schemas.microsoft.com/office/drawing/2010/main">
                   <a:effectLst>
                     <a:outerShdw blurRad="63500" dist="38099" dir="2700000" algn="ctr" rotWithShape="0">
                       <a:schemeClr val="bg2">
@@ -3002,7 +3002,7 @@
             <a:effectLst/>
             <a:extLst>
               <a:ext uri="{91240B29-F687-4f45-9708-019B960494DF}">
-                <a14:hiddenLine xmlns:a14="http://schemas.microsoft.com/office/drawing/2010/main" xmlns="" w="9525">
+                <a14:hiddenLine xmlns="" xmlns:a14="http://schemas.microsoft.com/office/drawing/2010/main" w="9525">
                   <a:solidFill>
                     <a:schemeClr val="tx1"/>
                   </a:solidFill>
@@ -3012,7 +3012,7 @@
                 </a14:hiddenLine>
               </a:ext>
               <a:ext uri="{AF507438-7753-43e0-B8FC-AC1667EBCBE1}">
-                <a14:hiddenEffects xmlns:a14="http://schemas.microsoft.com/office/drawing/2010/main" xmlns="">
+                <a14:hiddenEffects xmlns="" xmlns:a14="http://schemas.microsoft.com/office/drawing/2010/main">
                   <a:effectLst>
                     <a:outerShdw blurRad="63500" dist="38099" dir="2700000" algn="ctr" rotWithShape="0">
                       <a:schemeClr val="bg2">
@@ -3057,7 +3057,7 @@
             <a:effectLst/>
             <a:extLst>
               <a:ext uri="{91240B29-F687-4f45-9708-019B960494DF}">
-                <a14:hiddenLine xmlns:a14="http://schemas.microsoft.com/office/drawing/2010/main" xmlns="" w="9525">
+                <a14:hiddenLine xmlns="" xmlns:a14="http://schemas.microsoft.com/office/drawing/2010/main" w="9525">
                   <a:solidFill>
                     <a:schemeClr val="tx1"/>
                   </a:solidFill>
@@ -3067,7 +3067,7 @@
                 </a14:hiddenLine>
               </a:ext>
               <a:ext uri="{AF507438-7753-43e0-B8FC-AC1667EBCBE1}">
-                <a14:hiddenEffects xmlns:a14="http://schemas.microsoft.com/office/drawing/2010/main" xmlns="">
+                <a14:hiddenEffects xmlns="" xmlns:a14="http://schemas.microsoft.com/office/drawing/2010/main">
                   <a:effectLst>
                     <a:outerShdw blurRad="63500" dist="38099" dir="2700000" algn="ctr" rotWithShape="0">
                       <a:schemeClr val="bg2">
@@ -3112,7 +3112,7 @@
             <a:effectLst/>
             <a:extLst>
               <a:ext uri="{91240B29-F687-4f45-9708-019B960494DF}">
-                <a14:hiddenLine xmlns:a14="http://schemas.microsoft.com/office/drawing/2010/main" xmlns="" w="9525">
+                <a14:hiddenLine xmlns="" xmlns:a14="http://schemas.microsoft.com/office/drawing/2010/main" w="9525">
                   <a:solidFill>
                     <a:schemeClr val="tx1"/>
                   </a:solidFill>
@@ -3122,7 +3122,7 @@
                 </a14:hiddenLine>
               </a:ext>
               <a:ext uri="{AF507438-7753-43e0-B8FC-AC1667EBCBE1}">
-                <a14:hiddenEffects xmlns:a14="http://schemas.microsoft.com/office/drawing/2010/main" xmlns="">
+                <a14:hiddenEffects xmlns="" xmlns:a14="http://schemas.microsoft.com/office/drawing/2010/main">
                   <a:effectLst>
                     <a:outerShdw blurRad="63500" dist="38099" dir="2700000" algn="ctr" rotWithShape="0">
                       <a:schemeClr val="bg2">
@@ -3167,7 +3167,7 @@
             <a:effectLst/>
             <a:extLst>
               <a:ext uri="{91240B29-F687-4f45-9708-019B960494DF}">
-                <a14:hiddenLine xmlns:a14="http://schemas.microsoft.com/office/drawing/2010/main" xmlns="" w="9525">
+                <a14:hiddenLine xmlns="" xmlns:a14="http://schemas.microsoft.com/office/drawing/2010/main" w="9525">
                   <a:solidFill>
                     <a:schemeClr val="tx1"/>
                   </a:solidFill>
@@ -3177,7 +3177,7 @@
                 </a14:hiddenLine>
               </a:ext>
               <a:ext uri="{AF507438-7753-43e0-B8FC-AC1667EBCBE1}">
-                <a14:hiddenEffects xmlns:a14="http://schemas.microsoft.com/office/drawing/2010/main" xmlns="">
+                <a14:hiddenEffects xmlns="" xmlns:a14="http://schemas.microsoft.com/office/drawing/2010/main">
                   <a:effectLst>
                     <a:outerShdw blurRad="63500" dist="38099" dir="2700000" algn="ctr" rotWithShape="0">
                       <a:schemeClr val="bg2">
@@ -3222,7 +3222,7 @@
             <a:effectLst/>
             <a:extLst>
               <a:ext uri="{91240B29-F687-4f45-9708-019B960494DF}">
-                <a14:hiddenLine xmlns:a14="http://schemas.microsoft.com/office/drawing/2010/main" xmlns="" w="9525">
+                <a14:hiddenLine xmlns="" xmlns:a14="http://schemas.microsoft.com/office/drawing/2010/main" w="9525">
                   <a:solidFill>
                     <a:schemeClr val="tx1"/>
                   </a:solidFill>
@@ -3232,7 +3232,7 @@
                 </a14:hiddenLine>
               </a:ext>
               <a:ext uri="{AF507438-7753-43e0-B8FC-AC1667EBCBE1}">
-                <a14:hiddenEffects xmlns:a14="http://schemas.microsoft.com/office/drawing/2010/main" xmlns="">
+                <a14:hiddenEffects xmlns="" xmlns:a14="http://schemas.microsoft.com/office/drawing/2010/main">
                   <a:effectLst>
                     <a:outerShdw blurRad="63500" dist="38099" dir="2700000" algn="ctr" rotWithShape="0">
                       <a:schemeClr val="bg2">
@@ -3277,7 +3277,7 @@
             <a:effectLst/>
             <a:extLst>
               <a:ext uri="{91240B29-F687-4f45-9708-019B960494DF}">
-                <a14:hiddenLine xmlns:a14="http://schemas.microsoft.com/office/drawing/2010/main" xmlns="" w="9525">
+                <a14:hiddenLine xmlns="" xmlns:a14="http://schemas.microsoft.com/office/drawing/2010/main" w="9525">
                   <a:solidFill>
                     <a:schemeClr val="tx1"/>
                   </a:solidFill>
@@ -3287,7 +3287,7 @@
                 </a14:hiddenLine>
               </a:ext>
               <a:ext uri="{AF507438-7753-43e0-B8FC-AC1667EBCBE1}">
-                <a14:hiddenEffects xmlns:a14="http://schemas.microsoft.com/office/drawing/2010/main" xmlns="">
+                <a14:hiddenEffects xmlns="" xmlns:a14="http://schemas.microsoft.com/office/drawing/2010/main">
                   <a:effectLst>
                     <a:outerShdw blurRad="63500" dist="38099" dir="2700000" algn="ctr" rotWithShape="0">
                       <a:schemeClr val="bg2">
@@ -3332,7 +3332,7 @@
             <a:effectLst/>
             <a:extLst>
               <a:ext uri="{91240B29-F687-4f45-9708-019B960494DF}">
-                <a14:hiddenLine xmlns:a14="http://schemas.microsoft.com/office/drawing/2010/main" xmlns="" w="9525">
+                <a14:hiddenLine xmlns="" xmlns:a14="http://schemas.microsoft.com/office/drawing/2010/main" w="9525">
                   <a:solidFill>
                     <a:schemeClr val="tx1"/>
                   </a:solidFill>
@@ -3342,7 +3342,7 @@
                 </a14:hiddenLine>
               </a:ext>
               <a:ext uri="{AF507438-7753-43e0-B8FC-AC1667EBCBE1}">
-                <a14:hiddenEffects xmlns:a14="http://schemas.microsoft.com/office/drawing/2010/main" xmlns="">
+                <a14:hiddenEffects xmlns="" xmlns:a14="http://schemas.microsoft.com/office/drawing/2010/main">
                   <a:effectLst>
                     <a:outerShdw blurRad="63500" dist="38099" dir="2700000" algn="ctr" rotWithShape="0">
                       <a:schemeClr val="bg2">
@@ -3387,7 +3387,7 @@
             <a:effectLst/>
             <a:extLst>
               <a:ext uri="{91240B29-F687-4f45-9708-019B960494DF}">
-                <a14:hiddenLine xmlns:a14="http://schemas.microsoft.com/office/drawing/2010/main" xmlns="" w="9525">
+                <a14:hiddenLine xmlns="" xmlns:a14="http://schemas.microsoft.com/office/drawing/2010/main" w="9525">
                   <a:solidFill>
                     <a:schemeClr val="tx1"/>
                   </a:solidFill>
@@ -3397,7 +3397,7 @@
                 </a14:hiddenLine>
               </a:ext>
               <a:ext uri="{AF507438-7753-43e0-B8FC-AC1667EBCBE1}">
-                <a14:hiddenEffects xmlns:a14="http://schemas.microsoft.com/office/drawing/2010/main" xmlns="">
+                <a14:hiddenEffects xmlns="" xmlns:a14="http://schemas.microsoft.com/office/drawing/2010/main">
                   <a:effectLst>
                     <a:outerShdw blurRad="63500" dist="38099" dir="2700000" algn="ctr" rotWithShape="0">
                       <a:schemeClr val="bg2">
@@ -3442,7 +3442,7 @@
             <a:effectLst/>
             <a:extLst>
               <a:ext uri="{91240B29-F687-4f45-9708-019B960494DF}">
-                <a14:hiddenLine xmlns:a14="http://schemas.microsoft.com/office/drawing/2010/main" xmlns="" w="9525">
+                <a14:hiddenLine xmlns="" xmlns:a14="http://schemas.microsoft.com/office/drawing/2010/main" w="9525">
                   <a:solidFill>
                     <a:schemeClr val="tx1"/>
                   </a:solidFill>
@@ -3452,7 +3452,7 @@
                 </a14:hiddenLine>
               </a:ext>
               <a:ext uri="{AF507438-7753-43e0-B8FC-AC1667EBCBE1}">
-                <a14:hiddenEffects xmlns:a14="http://schemas.microsoft.com/office/drawing/2010/main" xmlns="">
+                <a14:hiddenEffects xmlns="" xmlns:a14="http://schemas.microsoft.com/office/drawing/2010/main">
                   <a:effectLst>
                     <a:outerShdw blurRad="63500" dist="38099" dir="2700000" algn="ctr" rotWithShape="0">
                       <a:schemeClr val="bg2">
@@ -3497,7 +3497,7 @@
             <a:effectLst/>
             <a:extLst>
               <a:ext uri="{91240B29-F687-4f45-9708-019B960494DF}">
-                <a14:hiddenLine xmlns:a14="http://schemas.microsoft.com/office/drawing/2010/main" xmlns="" w="9525">
+                <a14:hiddenLine xmlns="" xmlns:a14="http://schemas.microsoft.com/office/drawing/2010/main" w="9525">
                   <a:solidFill>
                     <a:schemeClr val="tx1"/>
                   </a:solidFill>
@@ -3507,7 +3507,7 @@
                 </a14:hiddenLine>
               </a:ext>
               <a:ext uri="{AF507438-7753-43e0-B8FC-AC1667EBCBE1}">
-                <a14:hiddenEffects xmlns:a14="http://schemas.microsoft.com/office/drawing/2010/main" xmlns="">
+                <a14:hiddenEffects xmlns="" xmlns:a14="http://schemas.microsoft.com/office/drawing/2010/main">
                   <a:effectLst>
                     <a:outerShdw blurRad="63500" dist="38099" dir="2700000" algn="ctr" rotWithShape="0">
                       <a:schemeClr val="bg2">
@@ -3552,7 +3552,7 @@
             <a:effectLst/>
             <a:extLst>
               <a:ext uri="{91240B29-F687-4f45-9708-019B960494DF}">
-                <a14:hiddenLine xmlns:a14="http://schemas.microsoft.com/office/drawing/2010/main" xmlns="" w="9525">
+                <a14:hiddenLine xmlns="" xmlns:a14="http://schemas.microsoft.com/office/drawing/2010/main" w="9525">
                   <a:solidFill>
                     <a:schemeClr val="tx1"/>
                   </a:solidFill>
@@ -3562,7 +3562,7 @@
                 </a14:hiddenLine>
               </a:ext>
               <a:ext uri="{AF507438-7753-43e0-B8FC-AC1667EBCBE1}">
-                <a14:hiddenEffects xmlns:a14="http://schemas.microsoft.com/office/drawing/2010/main" xmlns="">
+                <a14:hiddenEffects xmlns="" xmlns:a14="http://schemas.microsoft.com/office/drawing/2010/main">
                   <a:effectLst>
                     <a:outerShdw blurRad="63500" dist="38099" dir="2700000" algn="ctr" rotWithShape="0">
                       <a:schemeClr val="bg2">
@@ -3607,7 +3607,7 @@
             <a:effectLst/>
             <a:extLst>
               <a:ext uri="{91240B29-F687-4f45-9708-019B960494DF}">
-                <a14:hiddenLine xmlns:a14="http://schemas.microsoft.com/office/drawing/2010/main" xmlns="" w="9525">
+                <a14:hiddenLine xmlns="" xmlns:a14="http://schemas.microsoft.com/office/drawing/2010/main" w="9525">
                   <a:solidFill>
                     <a:schemeClr val="tx1"/>
                   </a:solidFill>
@@ -3617,7 +3617,7 @@
                 </a14:hiddenLine>
               </a:ext>
               <a:ext uri="{AF507438-7753-43e0-B8FC-AC1667EBCBE1}">
-                <a14:hiddenEffects xmlns:a14="http://schemas.microsoft.com/office/drawing/2010/main" xmlns="">
+                <a14:hiddenEffects xmlns="" xmlns:a14="http://schemas.microsoft.com/office/drawing/2010/main">
                   <a:effectLst>
                     <a:outerShdw blurRad="63500" dist="38099" dir="2700000" algn="ctr" rotWithShape="0">
                       <a:schemeClr val="bg2">
@@ -3662,7 +3662,7 @@
             <a:effectLst/>
             <a:extLst>
               <a:ext uri="{91240B29-F687-4f45-9708-019B960494DF}">
-                <a14:hiddenLine xmlns:a14="http://schemas.microsoft.com/office/drawing/2010/main" xmlns="" w="9525">
+                <a14:hiddenLine xmlns="" xmlns:a14="http://schemas.microsoft.com/office/drawing/2010/main" w="9525">
                   <a:solidFill>
                     <a:schemeClr val="tx1"/>
                   </a:solidFill>
@@ -3672,7 +3672,7 @@
                 </a14:hiddenLine>
               </a:ext>
               <a:ext uri="{AF507438-7753-43e0-B8FC-AC1667EBCBE1}">
-                <a14:hiddenEffects xmlns:a14="http://schemas.microsoft.com/office/drawing/2010/main" xmlns="">
+                <a14:hiddenEffects xmlns="" xmlns:a14="http://schemas.microsoft.com/office/drawing/2010/main">
                   <a:effectLst>
                     <a:outerShdw blurRad="63500" dist="38099" dir="2700000" algn="ctr" rotWithShape="0">
                       <a:schemeClr val="bg2">
@@ -3717,7 +3717,7 @@
             <a:effectLst/>
             <a:extLst>
               <a:ext uri="{91240B29-F687-4f45-9708-019B960494DF}">
-                <a14:hiddenLine xmlns:a14="http://schemas.microsoft.com/office/drawing/2010/main" xmlns="" w="9525">
+                <a14:hiddenLine xmlns="" xmlns:a14="http://schemas.microsoft.com/office/drawing/2010/main" w="9525">
                   <a:solidFill>
                     <a:schemeClr val="tx1"/>
                   </a:solidFill>
@@ -3727,7 +3727,7 @@
                 </a14:hiddenLine>
               </a:ext>
               <a:ext uri="{AF507438-7753-43e0-B8FC-AC1667EBCBE1}">
-                <a14:hiddenEffects xmlns:a14="http://schemas.microsoft.com/office/drawing/2010/main" xmlns="">
+                <a14:hiddenEffects xmlns="" xmlns:a14="http://schemas.microsoft.com/office/drawing/2010/main">
                   <a:effectLst>
                     <a:outerShdw blurRad="63500" dist="38099" dir="2700000" algn="ctr" rotWithShape="0">
                       <a:schemeClr val="bg2">
@@ -3772,7 +3772,7 @@
             <a:effectLst/>
             <a:extLst>
               <a:ext uri="{91240B29-F687-4f45-9708-019B960494DF}">
-                <a14:hiddenLine xmlns:a14="http://schemas.microsoft.com/office/drawing/2010/main" xmlns="" w="9525">
+                <a14:hiddenLine xmlns="" xmlns:a14="http://schemas.microsoft.com/office/drawing/2010/main" w="9525">
                   <a:solidFill>
                     <a:schemeClr val="tx1"/>
                   </a:solidFill>
@@ -3782,7 +3782,7 @@
                 </a14:hiddenLine>
               </a:ext>
               <a:ext uri="{AF507438-7753-43e0-B8FC-AC1667EBCBE1}">
-                <a14:hiddenEffects xmlns:a14="http://schemas.microsoft.com/office/drawing/2010/main" xmlns="">
+                <a14:hiddenEffects xmlns="" xmlns:a14="http://schemas.microsoft.com/office/drawing/2010/main">
                   <a:effectLst>
                     <a:outerShdw blurRad="63500" dist="38099" dir="2700000" algn="ctr" rotWithShape="0">
                       <a:schemeClr val="bg2">
@@ -3827,7 +3827,7 @@
             <a:effectLst/>
             <a:extLst>
               <a:ext uri="{91240B29-F687-4f45-9708-019B960494DF}">
-                <a14:hiddenLine xmlns:a14="http://schemas.microsoft.com/office/drawing/2010/main" xmlns="" w="9525">
+                <a14:hiddenLine xmlns="" xmlns:a14="http://schemas.microsoft.com/office/drawing/2010/main" w="9525">
                   <a:solidFill>
                     <a:schemeClr val="tx1"/>
                   </a:solidFill>
@@ -3837,7 +3837,7 @@
                 </a14:hiddenLine>
               </a:ext>
               <a:ext uri="{AF507438-7753-43e0-B8FC-AC1667EBCBE1}">
-                <a14:hiddenEffects xmlns:a14="http://schemas.microsoft.com/office/drawing/2010/main" xmlns="">
+                <a14:hiddenEffects xmlns="" xmlns:a14="http://schemas.microsoft.com/office/drawing/2010/main">
                   <a:effectLst>
                     <a:outerShdw blurRad="63500" dist="38099" dir="2700000" algn="ctr" rotWithShape="0">
                       <a:schemeClr val="bg2">
@@ -3882,7 +3882,7 @@
             <a:effectLst/>
             <a:extLst>
               <a:ext uri="{91240B29-F687-4f45-9708-019B960494DF}">
-                <a14:hiddenLine xmlns:a14="http://schemas.microsoft.com/office/drawing/2010/main" xmlns="" w="9525">
+                <a14:hiddenLine xmlns="" xmlns:a14="http://schemas.microsoft.com/office/drawing/2010/main" w="9525">
                   <a:solidFill>
                     <a:schemeClr val="tx1"/>
                   </a:solidFill>
@@ -3892,7 +3892,7 @@
                 </a14:hiddenLine>
               </a:ext>
               <a:ext uri="{AF507438-7753-43e0-B8FC-AC1667EBCBE1}">
-                <a14:hiddenEffects xmlns:a14="http://schemas.microsoft.com/office/drawing/2010/main" xmlns="">
+                <a14:hiddenEffects xmlns="" xmlns:a14="http://schemas.microsoft.com/office/drawing/2010/main">
                   <a:effectLst>
                     <a:outerShdw blurRad="63500" dist="38099" dir="2700000" algn="ctr" rotWithShape="0">
                       <a:schemeClr val="bg2">
@@ -3937,7 +3937,7 @@
             <a:effectLst/>
             <a:extLst>
               <a:ext uri="{91240B29-F687-4f45-9708-019B960494DF}">
-                <a14:hiddenLine xmlns:a14="http://schemas.microsoft.com/office/drawing/2010/main" xmlns="" w="9525">
+                <a14:hiddenLine xmlns="" xmlns:a14="http://schemas.microsoft.com/office/drawing/2010/main" w="9525">
                   <a:solidFill>
                     <a:schemeClr val="tx1"/>
                   </a:solidFill>
@@ -3947,7 +3947,7 @@
                 </a14:hiddenLine>
               </a:ext>
               <a:ext uri="{AF507438-7753-43e0-B8FC-AC1667EBCBE1}">
-                <a14:hiddenEffects xmlns:a14="http://schemas.microsoft.com/office/drawing/2010/main" xmlns="">
+                <a14:hiddenEffects xmlns="" xmlns:a14="http://schemas.microsoft.com/office/drawing/2010/main">
                   <a:effectLst>
                     <a:outerShdw blurRad="63500" dist="38099" dir="2700000" algn="ctr" rotWithShape="0">
                       <a:schemeClr val="bg2">
@@ -3992,7 +3992,7 @@
             <a:effectLst/>
             <a:extLst>
               <a:ext uri="{91240B29-F687-4f45-9708-019B960494DF}">
-                <a14:hiddenLine xmlns:a14="http://schemas.microsoft.com/office/drawing/2010/main" xmlns="" w="9525">
+                <a14:hiddenLine xmlns="" xmlns:a14="http://schemas.microsoft.com/office/drawing/2010/main" w="9525">
                   <a:solidFill>
                     <a:schemeClr val="tx1"/>
                   </a:solidFill>
@@ -4002,7 +4002,7 @@
                 </a14:hiddenLine>
               </a:ext>
               <a:ext uri="{AF507438-7753-43e0-B8FC-AC1667EBCBE1}">
-                <a14:hiddenEffects xmlns:a14="http://schemas.microsoft.com/office/drawing/2010/main" xmlns="">
+                <a14:hiddenEffects xmlns="" xmlns:a14="http://schemas.microsoft.com/office/drawing/2010/main">
                   <a:effectLst>
                     <a:outerShdw blurRad="63500" dist="38099" dir="2700000" algn="ctr" rotWithShape="0">
                       <a:schemeClr val="bg2">
@@ -4047,7 +4047,7 @@
             <a:effectLst/>
             <a:extLst>
               <a:ext uri="{91240B29-F687-4f45-9708-019B960494DF}">
-                <a14:hiddenLine xmlns:a14="http://schemas.microsoft.com/office/drawing/2010/main" xmlns="" w="9525">
+                <a14:hiddenLine xmlns="" xmlns:a14="http://schemas.microsoft.com/office/drawing/2010/main" w="9525">
                   <a:solidFill>
                     <a:schemeClr val="tx1"/>
                   </a:solidFill>
@@ -4057,7 +4057,7 @@
                 </a14:hiddenLine>
               </a:ext>
               <a:ext uri="{AF507438-7753-43e0-B8FC-AC1667EBCBE1}">
-                <a14:hiddenEffects xmlns:a14="http://schemas.microsoft.com/office/drawing/2010/main" xmlns="">
+                <a14:hiddenEffects xmlns="" xmlns:a14="http://schemas.microsoft.com/office/drawing/2010/main">
                   <a:effectLst>
                     <a:outerShdw blurRad="63500" dist="38099" dir="2700000" algn="ctr" rotWithShape="0">
                       <a:schemeClr val="bg2">
@@ -4102,7 +4102,7 @@
             <a:effectLst/>
             <a:extLst>
               <a:ext uri="{91240B29-F687-4f45-9708-019B960494DF}">
-                <a14:hiddenLine xmlns:a14="http://schemas.microsoft.com/office/drawing/2010/main" xmlns="" w="9525">
+                <a14:hiddenLine xmlns="" xmlns:a14="http://schemas.microsoft.com/office/drawing/2010/main" w="9525">
                   <a:solidFill>
                     <a:schemeClr val="tx1"/>
                   </a:solidFill>
@@ -4112,7 +4112,7 @@
                 </a14:hiddenLine>
               </a:ext>
               <a:ext uri="{AF507438-7753-43e0-B8FC-AC1667EBCBE1}">
-                <a14:hiddenEffects xmlns:a14="http://schemas.microsoft.com/office/drawing/2010/main" xmlns="">
+                <a14:hiddenEffects xmlns="" xmlns:a14="http://schemas.microsoft.com/office/drawing/2010/main">
                   <a:effectLst>
                     <a:outerShdw blurRad="63500" dist="38099" dir="2700000" algn="ctr" rotWithShape="0">
                       <a:schemeClr val="bg2">
@@ -4157,7 +4157,7 @@
             <a:effectLst/>
             <a:extLst>
               <a:ext uri="{91240B29-F687-4f45-9708-019B960494DF}">
-                <a14:hiddenLine xmlns:a14="http://schemas.microsoft.com/office/drawing/2010/main" xmlns="" w="9525">
+                <a14:hiddenLine xmlns="" xmlns:a14="http://schemas.microsoft.com/office/drawing/2010/main" w="9525">
                   <a:solidFill>
                     <a:schemeClr val="tx1"/>
                   </a:solidFill>
@@ -4167,7 +4167,7 @@
                 </a14:hiddenLine>
               </a:ext>
               <a:ext uri="{AF507438-7753-43e0-B8FC-AC1667EBCBE1}">
-                <a14:hiddenEffects xmlns:a14="http://schemas.microsoft.com/office/drawing/2010/main" xmlns="">
+                <a14:hiddenEffects xmlns="" xmlns:a14="http://schemas.microsoft.com/office/drawing/2010/main">
                   <a:effectLst>
                     <a:outerShdw blurRad="63500" dist="38099" dir="2700000" algn="ctr" rotWithShape="0">
                       <a:schemeClr val="bg2">
@@ -4212,7 +4212,7 @@
             <a:effectLst/>
             <a:extLst>
               <a:ext uri="{91240B29-F687-4f45-9708-019B960494DF}">
-                <a14:hiddenLine xmlns:a14="http://schemas.microsoft.com/office/drawing/2010/main" xmlns="" w="9525">
+                <a14:hiddenLine xmlns="" xmlns:a14="http://schemas.microsoft.com/office/drawing/2010/main" w="9525">
                   <a:solidFill>
                     <a:schemeClr val="tx1"/>
                   </a:solidFill>
@@ -4222,7 +4222,7 @@
                 </a14:hiddenLine>
               </a:ext>
               <a:ext uri="{AF507438-7753-43e0-B8FC-AC1667EBCBE1}">
-                <a14:hiddenEffects xmlns:a14="http://schemas.microsoft.com/office/drawing/2010/main" xmlns="">
+                <a14:hiddenEffects xmlns="" xmlns:a14="http://schemas.microsoft.com/office/drawing/2010/main">
                   <a:effectLst>
                     <a:outerShdw blurRad="63500" dist="38099" dir="2700000" algn="ctr" rotWithShape="0">
                       <a:schemeClr val="bg2">
@@ -4267,7 +4267,7 @@
             <a:effectLst/>
             <a:extLst>
               <a:ext uri="{91240B29-F687-4f45-9708-019B960494DF}">
-                <a14:hiddenLine xmlns:a14="http://schemas.microsoft.com/office/drawing/2010/main" xmlns="" w="9525">
+                <a14:hiddenLine xmlns="" xmlns:a14="http://schemas.microsoft.com/office/drawing/2010/main" w="9525">
                   <a:solidFill>
                     <a:schemeClr val="tx1"/>
                   </a:solidFill>
@@ -4277,7 +4277,7 @@
                 </a14:hiddenLine>
               </a:ext>
               <a:ext uri="{AF507438-7753-43e0-B8FC-AC1667EBCBE1}">
-                <a14:hiddenEffects xmlns:a14="http://schemas.microsoft.com/office/drawing/2010/main" xmlns="">
+                <a14:hiddenEffects xmlns="" xmlns:a14="http://schemas.microsoft.com/office/drawing/2010/main">
                   <a:effectLst>
                     <a:outerShdw blurRad="63500" dist="38099" dir="2700000" algn="ctr" rotWithShape="0">
                       <a:schemeClr val="bg2">
@@ -4322,7 +4322,7 @@
             <a:effectLst/>
             <a:extLst>
               <a:ext uri="{91240B29-F687-4f45-9708-019B960494DF}">
-                <a14:hiddenLine xmlns:a14="http://schemas.microsoft.com/office/drawing/2010/main" xmlns="" w="9525">
+                <a14:hiddenLine xmlns="" xmlns:a14="http://schemas.microsoft.com/office/drawing/2010/main" w="9525">
                   <a:solidFill>
                     <a:schemeClr val="tx1"/>
                   </a:solidFill>
@@ -4332,7 +4332,7 @@
                 </a14:hiddenLine>
               </a:ext>
               <a:ext uri="{AF507438-7753-43e0-B8FC-AC1667EBCBE1}">
-                <a14:hiddenEffects xmlns:a14="http://schemas.microsoft.com/office/drawing/2010/main" xmlns="">
+                <a14:hiddenEffects xmlns="" xmlns:a14="http://schemas.microsoft.com/office/drawing/2010/main">
                   <a:effectLst>
                     <a:outerShdw blurRad="63500" dist="38099" dir="2700000" algn="ctr" rotWithShape="0">
                       <a:schemeClr val="bg2">
@@ -4381,12 +4381,12 @@
           <a:effectLst/>
           <a:extLst>
             <a:ext uri="{909E8E84-426E-40dd-AFC4-6F175D3DCCD1}">
-              <a14:hiddenFill xmlns:a14="http://schemas.microsoft.com/office/drawing/2010/main" xmlns="">
+              <a14:hiddenFill xmlns="" xmlns:a14="http://schemas.microsoft.com/office/drawing/2010/main">
                 <a:noFill/>
               </a14:hiddenFill>
             </a:ext>
             <a:ext uri="{AF507438-7753-43e0-B8FC-AC1667EBCBE1}">
-              <a14:hiddenEffects xmlns:a14="http://schemas.microsoft.com/office/drawing/2010/main" xmlns="">
+              <a14:hiddenEffects xmlns="" xmlns:a14="http://schemas.microsoft.com/office/drawing/2010/main">
                 <a:effectLst>
                   <a:outerShdw blurRad="63500" dist="38099" dir="2700000" algn="ctr" rotWithShape="0">
                     <a:schemeClr val="bg2">
@@ -6710,12 +6710,12 @@
           <a:effectLst/>
           <a:extLst>
             <a:ext uri="{909E8E84-426E-40dd-AFC4-6F175D3DCCD1}">
-              <a14:hiddenFill xmlns:a14="http://schemas.microsoft.com/office/drawing/2010/main" xmlns="">
+              <a14:hiddenFill xmlns="" xmlns:a14="http://schemas.microsoft.com/office/drawing/2010/main">
                 <a:noFill/>
               </a14:hiddenFill>
             </a:ext>
             <a:ext uri="{AF507438-7753-43e0-B8FC-AC1667EBCBE1}">
-              <a14:hiddenEffects xmlns:a14="http://schemas.microsoft.com/office/drawing/2010/main" xmlns="">
+              <a14:hiddenEffects xmlns="" xmlns:a14="http://schemas.microsoft.com/office/drawing/2010/main">
                 <a:effectLst>
                   <a:outerShdw blurRad="63500" dist="38099" dir="2700000" algn="ctr" rotWithShape="0">
                     <a:schemeClr val="bg2">
@@ -6760,17 +6760,17 @@
           <a:effectLst/>
           <a:extLst>
             <a:ext uri="{FAA26D3D-D897-4be2-8F04-BA451C77F1D7}">
-              <ma14:placeholderFlag xmlns="" xmlns:ma14="http://schemas.microsoft.com/office/mac/drawingml/2011/main" val="1"/>
+              <ma14:placeholderFlag xmlns:ma14="http://schemas.microsoft.com/office/mac/drawingml/2011/main" xmlns="" val="1"/>
             </a:ext>
             <a:ext uri="{909E8E84-426E-40dd-AFC4-6F175D3DCCD1}">
-              <a14:hiddenFill xmlns:a14="http://schemas.microsoft.com/office/drawing/2010/main" xmlns="">
+              <a14:hiddenFill xmlns="" xmlns:a14="http://schemas.microsoft.com/office/drawing/2010/main">
                 <a:solidFill>
                   <a:schemeClr val="accent1"/>
                 </a:solidFill>
               </a14:hiddenFill>
             </a:ext>
             <a:ext uri="{91240B29-F687-4f45-9708-019B960494DF}">
-              <a14:hiddenLine xmlns:a14="http://schemas.microsoft.com/office/drawing/2010/main" xmlns="" w="9525">
+              <a14:hiddenLine xmlns="" xmlns:a14="http://schemas.microsoft.com/office/drawing/2010/main" w="9525">
                 <a:solidFill>
                   <a:schemeClr val="tx1"/>
                 </a:solidFill>
@@ -6780,7 +6780,7 @@
               </a14:hiddenLine>
             </a:ext>
             <a:ext uri="{AF507438-7753-43e0-B8FC-AC1667EBCBE1}">
-              <a14:hiddenEffects xmlns:a14="http://schemas.microsoft.com/office/drawing/2010/main" xmlns="">
+              <a14:hiddenEffects xmlns="" xmlns:a14="http://schemas.microsoft.com/office/drawing/2010/main">
                 <a:effectLst>
                   <a:outerShdw blurRad="63500" dist="38099" dir="2700000" algn="ctr" rotWithShape="0">
                     <a:schemeClr val="bg2">
@@ -6833,17 +6833,17 @@
           <a:effectLst/>
           <a:extLst>
             <a:ext uri="{FAA26D3D-D897-4be2-8F04-BA451C77F1D7}">
-              <ma14:placeholderFlag xmlns="" xmlns:ma14="http://schemas.microsoft.com/office/mac/drawingml/2011/main" val="1"/>
+              <ma14:placeholderFlag xmlns:ma14="http://schemas.microsoft.com/office/mac/drawingml/2011/main" xmlns="" val="1"/>
             </a:ext>
             <a:ext uri="{909E8E84-426E-40dd-AFC4-6F175D3DCCD1}">
-              <a14:hiddenFill xmlns:a14="http://schemas.microsoft.com/office/drawing/2010/main" xmlns="">
+              <a14:hiddenFill xmlns="" xmlns:a14="http://schemas.microsoft.com/office/drawing/2010/main">
                 <a:solidFill>
                   <a:schemeClr val="accent1"/>
                 </a:solidFill>
               </a14:hiddenFill>
             </a:ext>
             <a:ext uri="{91240B29-F687-4f45-9708-019B960494DF}">
-              <a14:hiddenLine xmlns:a14="http://schemas.microsoft.com/office/drawing/2010/main" xmlns="" w="9525">
+              <a14:hiddenLine xmlns="" xmlns:a14="http://schemas.microsoft.com/office/drawing/2010/main" w="9525">
                 <a:solidFill>
                   <a:schemeClr val="tx1"/>
                 </a:solidFill>
@@ -6853,7 +6853,7 @@
               </a14:hiddenLine>
             </a:ext>
             <a:ext uri="{AF507438-7753-43e0-B8FC-AC1667EBCBE1}">
-              <a14:hiddenEffects xmlns:a14="http://schemas.microsoft.com/office/drawing/2010/main" xmlns="">
+              <a14:hiddenEffects xmlns="" xmlns:a14="http://schemas.microsoft.com/office/drawing/2010/main">
                 <a:effectLst>
                   <a:outerShdw blurRad="63500" dist="38099" dir="2700000" algn="ctr" rotWithShape="0">
                     <a:schemeClr val="bg2">
@@ -6934,17 +6934,17 @@
           <a:effectLst/>
           <a:extLst>
             <a:ext uri="{FAA26D3D-D897-4be2-8F04-BA451C77F1D7}">
-              <ma14:placeholderFlag xmlns="" xmlns:ma14="http://schemas.microsoft.com/office/mac/drawingml/2011/main" val="1"/>
+              <ma14:placeholderFlag xmlns:ma14="http://schemas.microsoft.com/office/mac/drawingml/2011/main" xmlns="" val="1"/>
             </a:ext>
             <a:ext uri="{909E8E84-426E-40dd-AFC4-6F175D3DCCD1}">
-              <a14:hiddenFill xmlns:a14="http://schemas.microsoft.com/office/drawing/2010/main" xmlns="">
+              <a14:hiddenFill xmlns="" xmlns:a14="http://schemas.microsoft.com/office/drawing/2010/main">
                 <a:solidFill>
                   <a:schemeClr val="accent1"/>
                 </a:solidFill>
               </a14:hiddenFill>
             </a:ext>
             <a:ext uri="{91240B29-F687-4f45-9708-019B960494DF}">
-              <a14:hiddenLine xmlns:a14="http://schemas.microsoft.com/office/drawing/2010/main" xmlns="" w="9525">
+              <a14:hiddenLine xmlns="" xmlns:a14="http://schemas.microsoft.com/office/drawing/2010/main" w="9525">
                 <a:solidFill>
                   <a:schemeClr val="tx1"/>
                 </a:solidFill>
@@ -6954,7 +6954,7 @@
               </a14:hiddenLine>
             </a:ext>
             <a:ext uri="{AF507438-7753-43e0-B8FC-AC1667EBCBE1}">
-              <a14:hiddenEffects xmlns:a14="http://schemas.microsoft.com/office/drawing/2010/main" xmlns="">
+              <a14:hiddenEffects xmlns="" xmlns:a14="http://schemas.microsoft.com/office/drawing/2010/main">
                 <a:effectLst>
                   <a:outerShdw blurRad="63500" dist="38099" dir="2700000" algn="ctr" rotWithShape="0">
                     <a:schemeClr val="bg2">
@@ -7007,17 +7007,17 @@
           <a:effectLst/>
           <a:extLst>
             <a:ext uri="{FAA26D3D-D897-4be2-8F04-BA451C77F1D7}">
-              <ma14:placeholderFlag xmlns="" xmlns:ma14="http://schemas.microsoft.com/office/mac/drawingml/2011/main" val="1"/>
+              <ma14:placeholderFlag xmlns:ma14="http://schemas.microsoft.com/office/mac/drawingml/2011/main" xmlns="" val="1"/>
             </a:ext>
             <a:ext uri="{909E8E84-426E-40dd-AFC4-6F175D3DCCD1}">
-              <a14:hiddenFill xmlns:a14="http://schemas.microsoft.com/office/drawing/2010/main" xmlns="">
+              <a14:hiddenFill xmlns="" xmlns:a14="http://schemas.microsoft.com/office/drawing/2010/main">
                 <a:solidFill>
                   <a:schemeClr val="accent1"/>
                 </a:solidFill>
               </a14:hiddenFill>
             </a:ext>
             <a:ext uri="{91240B29-F687-4f45-9708-019B960494DF}">
-              <a14:hiddenLine xmlns:a14="http://schemas.microsoft.com/office/drawing/2010/main" xmlns="" w="9525">
+              <a14:hiddenLine xmlns="" xmlns:a14="http://schemas.microsoft.com/office/drawing/2010/main" w="9525">
                 <a:solidFill>
                   <a:schemeClr val="tx1"/>
                 </a:solidFill>
@@ -7027,7 +7027,7 @@
               </a14:hiddenLine>
             </a:ext>
             <a:ext uri="{AF507438-7753-43e0-B8FC-AC1667EBCBE1}">
-              <a14:hiddenEffects xmlns:a14="http://schemas.microsoft.com/office/drawing/2010/main" xmlns="">
+              <a14:hiddenEffects xmlns="" xmlns:a14="http://schemas.microsoft.com/office/drawing/2010/main">
                 <a:effectLst>
                   <a:outerShdw blurRad="63500" dist="38099" dir="2700000" algn="ctr" rotWithShape="0">
                     <a:schemeClr val="bg2">
@@ -7080,17 +7080,17 @@
           <a:effectLst/>
           <a:extLst>
             <a:ext uri="{FAA26D3D-D897-4be2-8F04-BA451C77F1D7}">
-              <ma14:placeholderFlag xmlns="" xmlns:ma14="http://schemas.microsoft.com/office/mac/drawingml/2011/main" val="1"/>
+              <ma14:placeholderFlag xmlns:ma14="http://schemas.microsoft.com/office/mac/drawingml/2011/main" xmlns="" val="1"/>
             </a:ext>
             <a:ext uri="{909E8E84-426E-40dd-AFC4-6F175D3DCCD1}">
-              <a14:hiddenFill xmlns:a14="http://schemas.microsoft.com/office/drawing/2010/main" xmlns="">
+              <a14:hiddenFill xmlns="" xmlns:a14="http://schemas.microsoft.com/office/drawing/2010/main">
                 <a:solidFill>
                   <a:schemeClr val="accent1"/>
                 </a:solidFill>
               </a14:hiddenFill>
             </a:ext>
             <a:ext uri="{91240B29-F687-4f45-9708-019B960494DF}">
-              <a14:hiddenLine xmlns:a14="http://schemas.microsoft.com/office/drawing/2010/main" xmlns="" w="9525">
+              <a14:hiddenLine xmlns="" xmlns:a14="http://schemas.microsoft.com/office/drawing/2010/main" w="9525">
                 <a:solidFill>
                   <a:schemeClr val="tx1"/>
                 </a:solidFill>
@@ -7100,7 +7100,7 @@
               </a14:hiddenLine>
             </a:ext>
             <a:ext uri="{AF507438-7753-43e0-B8FC-AC1667EBCBE1}">
-              <a14:hiddenEffects xmlns:a14="http://schemas.microsoft.com/office/drawing/2010/main" xmlns="">
+              <a14:hiddenEffects xmlns="" xmlns:a14="http://schemas.microsoft.com/office/drawing/2010/main">
                 <a:effectLst>
                   <a:outerShdw blurRad="63500" dist="38099" dir="2700000" algn="ctr" rotWithShape="0">
                     <a:schemeClr val="bg2">
@@ -7174,7 +7174,7 @@
             <a:effectLst/>
             <a:extLst>
               <a:ext uri="{91240B29-F687-4f45-9708-019B960494DF}">
-                <a14:hiddenLine xmlns:a14="http://schemas.microsoft.com/office/drawing/2010/main" xmlns="" w="9525">
+                <a14:hiddenLine xmlns="" xmlns:a14="http://schemas.microsoft.com/office/drawing/2010/main" w="9525">
                   <a:solidFill>
                     <a:schemeClr val="tx1"/>
                   </a:solidFill>
@@ -7184,7 +7184,7 @@
                 </a14:hiddenLine>
               </a:ext>
               <a:ext uri="{AF507438-7753-43e0-B8FC-AC1667EBCBE1}">
-                <a14:hiddenEffects xmlns:a14="http://schemas.microsoft.com/office/drawing/2010/main" xmlns="">
+                <a14:hiddenEffects xmlns="" xmlns:a14="http://schemas.microsoft.com/office/drawing/2010/main">
                   <a:effectLst>
                     <a:outerShdw blurRad="63500" dist="38099" dir="2700000" algn="ctr" rotWithShape="0">
                       <a:schemeClr val="bg2">
@@ -7229,7 +7229,7 @@
             <a:effectLst/>
             <a:extLst>
               <a:ext uri="{91240B29-F687-4f45-9708-019B960494DF}">
-                <a14:hiddenLine xmlns:a14="http://schemas.microsoft.com/office/drawing/2010/main" xmlns="" w="9525">
+                <a14:hiddenLine xmlns="" xmlns:a14="http://schemas.microsoft.com/office/drawing/2010/main" w="9525">
                   <a:solidFill>
                     <a:schemeClr val="tx1"/>
                   </a:solidFill>
@@ -7239,7 +7239,7 @@
                 </a14:hiddenLine>
               </a:ext>
               <a:ext uri="{AF507438-7753-43e0-B8FC-AC1667EBCBE1}">
-                <a14:hiddenEffects xmlns:a14="http://schemas.microsoft.com/office/drawing/2010/main" xmlns="">
+                <a14:hiddenEffects xmlns="" xmlns:a14="http://schemas.microsoft.com/office/drawing/2010/main">
                   <a:effectLst>
                     <a:outerShdw blurRad="63500" dist="38099" dir="2700000" algn="ctr" rotWithShape="0">
                       <a:schemeClr val="bg2">
@@ -7284,7 +7284,7 @@
             <a:effectLst/>
             <a:extLst>
               <a:ext uri="{91240B29-F687-4f45-9708-019B960494DF}">
-                <a14:hiddenLine xmlns:a14="http://schemas.microsoft.com/office/drawing/2010/main" xmlns="" w="9525">
+                <a14:hiddenLine xmlns="" xmlns:a14="http://schemas.microsoft.com/office/drawing/2010/main" w="9525">
                   <a:solidFill>
                     <a:schemeClr val="tx1"/>
                   </a:solidFill>
@@ -7294,7 +7294,7 @@
                 </a14:hiddenLine>
               </a:ext>
               <a:ext uri="{AF507438-7753-43e0-B8FC-AC1667EBCBE1}">
-                <a14:hiddenEffects xmlns:a14="http://schemas.microsoft.com/office/drawing/2010/main" xmlns="">
+                <a14:hiddenEffects xmlns="" xmlns:a14="http://schemas.microsoft.com/office/drawing/2010/main">
                   <a:effectLst>
                     <a:outerShdw blurRad="63500" dist="38099" dir="2700000" algn="ctr" rotWithShape="0">
                       <a:schemeClr val="bg2">
@@ -7339,7 +7339,7 @@
             <a:effectLst/>
             <a:extLst>
               <a:ext uri="{91240B29-F687-4f45-9708-019B960494DF}">
-                <a14:hiddenLine xmlns:a14="http://schemas.microsoft.com/office/drawing/2010/main" xmlns="" w="9525">
+                <a14:hiddenLine xmlns="" xmlns:a14="http://schemas.microsoft.com/office/drawing/2010/main" w="9525">
                   <a:solidFill>
                     <a:schemeClr val="tx1"/>
                   </a:solidFill>
@@ -7349,7 +7349,7 @@
                 </a14:hiddenLine>
               </a:ext>
               <a:ext uri="{AF507438-7753-43e0-B8FC-AC1667EBCBE1}">
-                <a14:hiddenEffects xmlns:a14="http://schemas.microsoft.com/office/drawing/2010/main" xmlns="">
+                <a14:hiddenEffects xmlns="" xmlns:a14="http://schemas.microsoft.com/office/drawing/2010/main">
                   <a:effectLst>
                     <a:outerShdw blurRad="63500" dist="38099" dir="2700000" algn="ctr" rotWithShape="0">
                       <a:schemeClr val="bg2">
@@ -7394,7 +7394,7 @@
             <a:effectLst/>
             <a:extLst>
               <a:ext uri="{91240B29-F687-4f45-9708-019B960494DF}">
-                <a14:hiddenLine xmlns:a14="http://schemas.microsoft.com/office/drawing/2010/main" xmlns="" w="9525">
+                <a14:hiddenLine xmlns="" xmlns:a14="http://schemas.microsoft.com/office/drawing/2010/main" w="9525">
                   <a:solidFill>
                     <a:schemeClr val="tx1"/>
                   </a:solidFill>
@@ -7404,7 +7404,7 @@
                 </a14:hiddenLine>
               </a:ext>
               <a:ext uri="{AF507438-7753-43e0-B8FC-AC1667EBCBE1}">
-                <a14:hiddenEffects xmlns:a14="http://schemas.microsoft.com/office/drawing/2010/main" xmlns="">
+                <a14:hiddenEffects xmlns="" xmlns:a14="http://schemas.microsoft.com/office/drawing/2010/main">
                   <a:effectLst>
                     <a:outerShdw blurRad="63500" dist="38099" dir="2700000" algn="ctr" rotWithShape="0">
                       <a:schemeClr val="bg2">
@@ -7449,7 +7449,7 @@
             <a:effectLst/>
             <a:extLst>
               <a:ext uri="{91240B29-F687-4f45-9708-019B960494DF}">
-                <a14:hiddenLine xmlns:a14="http://schemas.microsoft.com/office/drawing/2010/main" xmlns="" w="9525">
+                <a14:hiddenLine xmlns="" xmlns:a14="http://schemas.microsoft.com/office/drawing/2010/main" w="9525">
                   <a:solidFill>
                     <a:schemeClr val="tx1"/>
                   </a:solidFill>
@@ -7459,7 +7459,7 @@
                 </a14:hiddenLine>
               </a:ext>
               <a:ext uri="{AF507438-7753-43e0-B8FC-AC1667EBCBE1}">
-                <a14:hiddenEffects xmlns:a14="http://schemas.microsoft.com/office/drawing/2010/main" xmlns="">
+                <a14:hiddenEffects xmlns="" xmlns:a14="http://schemas.microsoft.com/office/drawing/2010/main">
                   <a:effectLst>
                     <a:outerShdw blurRad="63500" dist="38099" dir="2700000" algn="ctr" rotWithShape="0">
                       <a:schemeClr val="bg2">
@@ -7504,7 +7504,7 @@
             <a:effectLst/>
             <a:extLst>
               <a:ext uri="{91240B29-F687-4f45-9708-019B960494DF}">
-                <a14:hiddenLine xmlns:a14="http://schemas.microsoft.com/office/drawing/2010/main" xmlns="" w="9525">
+                <a14:hiddenLine xmlns="" xmlns:a14="http://schemas.microsoft.com/office/drawing/2010/main" w="9525">
                   <a:solidFill>
                     <a:schemeClr val="tx1"/>
                   </a:solidFill>
@@ -7514,7 +7514,7 @@
                 </a14:hiddenLine>
               </a:ext>
               <a:ext uri="{AF507438-7753-43e0-B8FC-AC1667EBCBE1}">
-                <a14:hiddenEffects xmlns:a14="http://schemas.microsoft.com/office/drawing/2010/main" xmlns="">
+                <a14:hiddenEffects xmlns="" xmlns:a14="http://schemas.microsoft.com/office/drawing/2010/main">
                   <a:effectLst>
                     <a:outerShdw blurRad="63500" dist="38099" dir="2700000" algn="ctr" rotWithShape="0">
                       <a:schemeClr val="bg2">
@@ -7559,7 +7559,7 @@
             <a:effectLst/>
             <a:extLst>
               <a:ext uri="{91240B29-F687-4f45-9708-019B960494DF}">
-                <a14:hiddenLine xmlns:a14="http://schemas.microsoft.com/office/drawing/2010/main" xmlns="" w="9525">
+                <a14:hiddenLine xmlns="" xmlns:a14="http://schemas.microsoft.com/office/drawing/2010/main" w="9525">
                   <a:solidFill>
                     <a:schemeClr val="tx1"/>
                   </a:solidFill>
@@ -7569,7 +7569,7 @@
                 </a14:hiddenLine>
               </a:ext>
               <a:ext uri="{AF507438-7753-43e0-B8FC-AC1667EBCBE1}">
-                <a14:hiddenEffects xmlns:a14="http://schemas.microsoft.com/office/drawing/2010/main" xmlns="">
+                <a14:hiddenEffects xmlns="" xmlns:a14="http://schemas.microsoft.com/office/drawing/2010/main">
                   <a:effectLst>
                     <a:outerShdw blurRad="63500" dist="38099" dir="2700000" algn="ctr" rotWithShape="0">
                       <a:schemeClr val="bg2">
@@ -7614,7 +7614,7 @@
             <a:effectLst/>
             <a:extLst>
               <a:ext uri="{91240B29-F687-4f45-9708-019B960494DF}">
-                <a14:hiddenLine xmlns:a14="http://schemas.microsoft.com/office/drawing/2010/main" xmlns="" w="9525">
+                <a14:hiddenLine xmlns="" xmlns:a14="http://schemas.microsoft.com/office/drawing/2010/main" w="9525">
                   <a:solidFill>
                     <a:schemeClr val="tx1"/>
                   </a:solidFill>
@@ -7624,7 +7624,7 @@
                 </a14:hiddenLine>
               </a:ext>
               <a:ext uri="{AF507438-7753-43e0-B8FC-AC1667EBCBE1}">
-                <a14:hiddenEffects xmlns:a14="http://schemas.microsoft.com/office/drawing/2010/main" xmlns="">
+                <a14:hiddenEffects xmlns="" xmlns:a14="http://schemas.microsoft.com/office/drawing/2010/main">
                   <a:effectLst>
                     <a:outerShdw blurRad="63500" dist="38099" dir="2700000" algn="ctr" rotWithShape="0">
                       <a:schemeClr val="bg2">
@@ -7669,7 +7669,7 @@
             <a:effectLst/>
             <a:extLst>
               <a:ext uri="{91240B29-F687-4f45-9708-019B960494DF}">
-                <a14:hiddenLine xmlns:a14="http://schemas.microsoft.com/office/drawing/2010/main" xmlns="" w="9525">
+                <a14:hiddenLine xmlns="" xmlns:a14="http://schemas.microsoft.com/office/drawing/2010/main" w="9525">
                   <a:solidFill>
                     <a:schemeClr val="tx1"/>
                   </a:solidFill>
@@ -7679,7 +7679,7 @@
                 </a14:hiddenLine>
               </a:ext>
               <a:ext uri="{AF507438-7753-43e0-B8FC-AC1667EBCBE1}">
-                <a14:hiddenEffects xmlns:a14="http://schemas.microsoft.com/office/drawing/2010/main" xmlns="">
+                <a14:hiddenEffects xmlns="" xmlns:a14="http://schemas.microsoft.com/office/drawing/2010/main">
                   <a:effectLst>
                     <a:outerShdw blurRad="63500" dist="38099" dir="2700000" algn="ctr" rotWithShape="0">
                       <a:schemeClr val="bg2">
@@ -7724,7 +7724,7 @@
             <a:effectLst/>
             <a:extLst>
               <a:ext uri="{91240B29-F687-4f45-9708-019B960494DF}">
-                <a14:hiddenLine xmlns:a14="http://schemas.microsoft.com/office/drawing/2010/main" xmlns="" w="9525">
+                <a14:hiddenLine xmlns="" xmlns:a14="http://schemas.microsoft.com/office/drawing/2010/main" w="9525">
                   <a:solidFill>
                     <a:schemeClr val="tx1"/>
                   </a:solidFill>
@@ -7734,7 +7734,7 @@
                 </a14:hiddenLine>
               </a:ext>
               <a:ext uri="{AF507438-7753-43e0-B8FC-AC1667EBCBE1}">
-                <a14:hiddenEffects xmlns:a14="http://schemas.microsoft.com/office/drawing/2010/main" xmlns="">
+                <a14:hiddenEffects xmlns="" xmlns:a14="http://schemas.microsoft.com/office/drawing/2010/main">
                   <a:effectLst>
                     <a:outerShdw blurRad="63500" dist="38099" dir="2700000" algn="ctr" rotWithShape="0">
                       <a:schemeClr val="bg2">
@@ -7779,7 +7779,7 @@
             <a:effectLst/>
             <a:extLst>
               <a:ext uri="{91240B29-F687-4f45-9708-019B960494DF}">
-                <a14:hiddenLine xmlns:a14="http://schemas.microsoft.com/office/drawing/2010/main" xmlns="" w="9525">
+                <a14:hiddenLine xmlns="" xmlns:a14="http://schemas.microsoft.com/office/drawing/2010/main" w="9525">
                   <a:solidFill>
                     <a:schemeClr val="tx1"/>
                   </a:solidFill>
@@ -7789,7 +7789,7 @@
                 </a14:hiddenLine>
               </a:ext>
               <a:ext uri="{AF507438-7753-43e0-B8FC-AC1667EBCBE1}">
-                <a14:hiddenEffects xmlns:a14="http://schemas.microsoft.com/office/drawing/2010/main" xmlns="">
+                <a14:hiddenEffects xmlns="" xmlns:a14="http://schemas.microsoft.com/office/drawing/2010/main">
                   <a:effectLst>
                     <a:outerShdw blurRad="63500" dist="38099" dir="2700000" algn="ctr" rotWithShape="0">
                       <a:schemeClr val="bg2">
@@ -7834,7 +7834,7 @@
             <a:effectLst/>
             <a:extLst>
               <a:ext uri="{91240B29-F687-4f45-9708-019B960494DF}">
-                <a14:hiddenLine xmlns:a14="http://schemas.microsoft.com/office/drawing/2010/main" xmlns="" w="9525">
+                <a14:hiddenLine xmlns="" xmlns:a14="http://schemas.microsoft.com/office/drawing/2010/main" w="9525">
                   <a:solidFill>
                     <a:schemeClr val="tx1"/>
                   </a:solidFill>
@@ -7844,7 +7844,7 @@
                 </a14:hiddenLine>
               </a:ext>
               <a:ext uri="{AF507438-7753-43e0-B8FC-AC1667EBCBE1}">
-                <a14:hiddenEffects xmlns:a14="http://schemas.microsoft.com/office/drawing/2010/main" xmlns="">
+                <a14:hiddenEffects xmlns="" xmlns:a14="http://schemas.microsoft.com/office/drawing/2010/main">
                   <a:effectLst>
                     <a:outerShdw blurRad="63500" dist="38099" dir="2700000" algn="ctr" rotWithShape="0">
                       <a:schemeClr val="bg2">
@@ -7889,7 +7889,7 @@
             <a:effectLst/>
             <a:extLst>
               <a:ext uri="{91240B29-F687-4f45-9708-019B960494DF}">
-                <a14:hiddenLine xmlns:a14="http://schemas.microsoft.com/office/drawing/2010/main" xmlns="" w="9525">
+                <a14:hiddenLine xmlns="" xmlns:a14="http://schemas.microsoft.com/office/drawing/2010/main" w="9525">
                   <a:solidFill>
                     <a:schemeClr val="tx1"/>
                   </a:solidFill>
@@ -7899,7 +7899,7 @@
                 </a14:hiddenLine>
               </a:ext>
               <a:ext uri="{AF507438-7753-43e0-B8FC-AC1667EBCBE1}">
-                <a14:hiddenEffects xmlns:a14="http://schemas.microsoft.com/office/drawing/2010/main" xmlns="">
+                <a14:hiddenEffects xmlns="" xmlns:a14="http://schemas.microsoft.com/office/drawing/2010/main">
                   <a:effectLst>
                     <a:outerShdw blurRad="63500" dist="38099" dir="2700000" algn="ctr" rotWithShape="0">
                       <a:schemeClr val="bg2">
@@ -7944,7 +7944,7 @@
             <a:effectLst/>
             <a:extLst>
               <a:ext uri="{91240B29-F687-4f45-9708-019B960494DF}">
-                <a14:hiddenLine xmlns:a14="http://schemas.microsoft.com/office/drawing/2010/main" xmlns="" w="9525">
+                <a14:hiddenLine xmlns="" xmlns:a14="http://schemas.microsoft.com/office/drawing/2010/main" w="9525">
                   <a:solidFill>
                     <a:schemeClr val="tx1"/>
                   </a:solidFill>
@@ -7954,7 +7954,7 @@
                 </a14:hiddenLine>
               </a:ext>
               <a:ext uri="{AF507438-7753-43e0-B8FC-AC1667EBCBE1}">
-                <a14:hiddenEffects xmlns:a14="http://schemas.microsoft.com/office/drawing/2010/main" xmlns="">
+                <a14:hiddenEffects xmlns="" xmlns:a14="http://schemas.microsoft.com/office/drawing/2010/main">
                   <a:effectLst>
                     <a:outerShdw blurRad="63500" dist="38099" dir="2700000" algn="ctr" rotWithShape="0">
                       <a:schemeClr val="bg2">
@@ -7999,7 +7999,7 @@
             <a:effectLst/>
             <a:extLst>
               <a:ext uri="{91240B29-F687-4f45-9708-019B960494DF}">
-                <a14:hiddenLine xmlns:a14="http://schemas.microsoft.com/office/drawing/2010/main" xmlns="" w="9525">
+                <a14:hiddenLine xmlns="" xmlns:a14="http://schemas.microsoft.com/office/drawing/2010/main" w="9525">
                   <a:solidFill>
                     <a:schemeClr val="tx1"/>
                   </a:solidFill>
@@ -8009,7 +8009,7 @@
                 </a14:hiddenLine>
               </a:ext>
               <a:ext uri="{AF507438-7753-43e0-B8FC-AC1667EBCBE1}">
-                <a14:hiddenEffects xmlns:a14="http://schemas.microsoft.com/office/drawing/2010/main" xmlns="">
+                <a14:hiddenEffects xmlns="" xmlns:a14="http://schemas.microsoft.com/office/drawing/2010/main">
                   <a:effectLst>
                     <a:outerShdw blurRad="63500" dist="38099" dir="2700000" algn="ctr" rotWithShape="0">
                       <a:schemeClr val="bg2">
@@ -8054,7 +8054,7 @@
             <a:effectLst/>
             <a:extLst>
               <a:ext uri="{91240B29-F687-4f45-9708-019B960494DF}">
-                <a14:hiddenLine xmlns:a14="http://schemas.microsoft.com/office/drawing/2010/main" xmlns="" w="9525">
+                <a14:hiddenLine xmlns="" xmlns:a14="http://schemas.microsoft.com/office/drawing/2010/main" w="9525">
                   <a:solidFill>
                     <a:schemeClr val="tx1"/>
                   </a:solidFill>
@@ -8064,7 +8064,7 @@
                 </a14:hiddenLine>
               </a:ext>
               <a:ext uri="{AF507438-7753-43e0-B8FC-AC1667EBCBE1}">
-                <a14:hiddenEffects xmlns:a14="http://schemas.microsoft.com/office/drawing/2010/main" xmlns="">
+                <a14:hiddenEffects xmlns="" xmlns:a14="http://schemas.microsoft.com/office/drawing/2010/main">
                   <a:effectLst>
                     <a:outerShdw blurRad="63500" dist="38099" dir="2700000" algn="ctr" rotWithShape="0">
                       <a:schemeClr val="bg2">
@@ -8109,7 +8109,7 @@
             <a:effectLst/>
             <a:extLst>
               <a:ext uri="{91240B29-F687-4f45-9708-019B960494DF}">
-                <a14:hiddenLine xmlns:a14="http://schemas.microsoft.com/office/drawing/2010/main" xmlns="" w="9525">
+                <a14:hiddenLine xmlns="" xmlns:a14="http://schemas.microsoft.com/office/drawing/2010/main" w="9525">
                   <a:solidFill>
                     <a:schemeClr val="tx1"/>
                   </a:solidFill>
@@ -8119,7 +8119,7 @@
                 </a14:hiddenLine>
               </a:ext>
               <a:ext uri="{AF507438-7753-43e0-B8FC-AC1667EBCBE1}">
-                <a14:hiddenEffects xmlns:a14="http://schemas.microsoft.com/office/drawing/2010/main" xmlns="">
+                <a14:hiddenEffects xmlns="" xmlns:a14="http://schemas.microsoft.com/office/drawing/2010/main">
                   <a:effectLst>
                     <a:outerShdw blurRad="63500" dist="38099" dir="2700000" algn="ctr" rotWithShape="0">
                       <a:schemeClr val="bg2">
@@ -8164,7 +8164,7 @@
             <a:effectLst/>
             <a:extLst>
               <a:ext uri="{91240B29-F687-4f45-9708-019B960494DF}">
-                <a14:hiddenLine xmlns:a14="http://schemas.microsoft.com/office/drawing/2010/main" xmlns="" w="9525">
+                <a14:hiddenLine xmlns="" xmlns:a14="http://schemas.microsoft.com/office/drawing/2010/main" w="9525">
                   <a:solidFill>
                     <a:schemeClr val="tx1"/>
                   </a:solidFill>
@@ -8174,7 +8174,7 @@
                 </a14:hiddenLine>
               </a:ext>
               <a:ext uri="{AF507438-7753-43e0-B8FC-AC1667EBCBE1}">
-                <a14:hiddenEffects xmlns:a14="http://schemas.microsoft.com/office/drawing/2010/main" xmlns="">
+                <a14:hiddenEffects xmlns="" xmlns:a14="http://schemas.microsoft.com/office/drawing/2010/main">
                   <a:effectLst>
                     <a:outerShdw blurRad="63500" dist="38099" dir="2700000" algn="ctr" rotWithShape="0">
                       <a:schemeClr val="bg2">
@@ -8219,7 +8219,7 @@
             <a:effectLst/>
             <a:extLst>
               <a:ext uri="{91240B29-F687-4f45-9708-019B960494DF}">
-                <a14:hiddenLine xmlns:a14="http://schemas.microsoft.com/office/drawing/2010/main" xmlns="" w="9525">
+                <a14:hiddenLine xmlns="" xmlns:a14="http://schemas.microsoft.com/office/drawing/2010/main" w="9525">
                   <a:solidFill>
                     <a:schemeClr val="tx1"/>
                   </a:solidFill>
@@ -8229,7 +8229,7 @@
                 </a14:hiddenLine>
               </a:ext>
               <a:ext uri="{AF507438-7753-43e0-B8FC-AC1667EBCBE1}">
-                <a14:hiddenEffects xmlns:a14="http://schemas.microsoft.com/office/drawing/2010/main" xmlns="">
+                <a14:hiddenEffects xmlns="" xmlns:a14="http://schemas.microsoft.com/office/drawing/2010/main">
                   <a:effectLst>
                     <a:outerShdw blurRad="63500" dist="38099" dir="2700000" algn="ctr" rotWithShape="0">
                       <a:schemeClr val="bg2">
@@ -8274,7 +8274,7 @@
             <a:effectLst/>
             <a:extLst>
               <a:ext uri="{91240B29-F687-4f45-9708-019B960494DF}">
-                <a14:hiddenLine xmlns:a14="http://schemas.microsoft.com/office/drawing/2010/main" xmlns="" w="9525">
+                <a14:hiddenLine xmlns="" xmlns:a14="http://schemas.microsoft.com/office/drawing/2010/main" w="9525">
                   <a:solidFill>
                     <a:schemeClr val="tx1"/>
                   </a:solidFill>
@@ -8284,7 +8284,7 @@
                 </a14:hiddenLine>
               </a:ext>
               <a:ext uri="{AF507438-7753-43e0-B8FC-AC1667EBCBE1}">
-                <a14:hiddenEffects xmlns:a14="http://schemas.microsoft.com/office/drawing/2010/main" xmlns="">
+                <a14:hiddenEffects xmlns="" xmlns:a14="http://schemas.microsoft.com/office/drawing/2010/main">
                   <a:effectLst>
                     <a:outerShdw blurRad="63500" dist="38099" dir="2700000" algn="ctr" rotWithShape="0">
                       <a:schemeClr val="bg2">
@@ -8329,7 +8329,7 @@
             <a:effectLst/>
             <a:extLst>
               <a:ext uri="{91240B29-F687-4f45-9708-019B960494DF}">
-                <a14:hiddenLine xmlns:a14="http://schemas.microsoft.com/office/drawing/2010/main" xmlns="" w="9525">
+                <a14:hiddenLine xmlns="" xmlns:a14="http://schemas.microsoft.com/office/drawing/2010/main" w="9525">
                   <a:solidFill>
                     <a:schemeClr val="tx1"/>
                   </a:solidFill>
@@ -8339,7 +8339,7 @@
                 </a14:hiddenLine>
               </a:ext>
               <a:ext uri="{AF507438-7753-43e0-B8FC-AC1667EBCBE1}">
-                <a14:hiddenEffects xmlns:a14="http://schemas.microsoft.com/office/drawing/2010/main" xmlns="">
+                <a14:hiddenEffects xmlns="" xmlns:a14="http://schemas.microsoft.com/office/drawing/2010/main">
                   <a:effectLst>
                     <a:outerShdw blurRad="63500" dist="38099" dir="2700000" algn="ctr" rotWithShape="0">
                       <a:schemeClr val="bg2">
@@ -8384,7 +8384,7 @@
             <a:effectLst/>
             <a:extLst>
               <a:ext uri="{91240B29-F687-4f45-9708-019B960494DF}">
-                <a14:hiddenLine xmlns:a14="http://schemas.microsoft.com/office/drawing/2010/main" xmlns="" w="9525">
+                <a14:hiddenLine xmlns="" xmlns:a14="http://schemas.microsoft.com/office/drawing/2010/main" w="9525">
                   <a:solidFill>
                     <a:schemeClr val="tx1"/>
                   </a:solidFill>
@@ -8394,7 +8394,7 @@
                 </a14:hiddenLine>
               </a:ext>
               <a:ext uri="{AF507438-7753-43e0-B8FC-AC1667EBCBE1}">
-                <a14:hiddenEffects xmlns:a14="http://schemas.microsoft.com/office/drawing/2010/main" xmlns="">
+                <a14:hiddenEffects xmlns="" xmlns:a14="http://schemas.microsoft.com/office/drawing/2010/main">
                   <a:effectLst>
                     <a:outerShdw blurRad="63500" dist="38099" dir="2700000" algn="ctr" rotWithShape="0">
                       <a:schemeClr val="bg2">
@@ -8439,7 +8439,7 @@
             <a:effectLst/>
             <a:extLst>
               <a:ext uri="{91240B29-F687-4f45-9708-019B960494DF}">
-                <a14:hiddenLine xmlns:a14="http://schemas.microsoft.com/office/drawing/2010/main" xmlns="" w="9525">
+                <a14:hiddenLine xmlns="" xmlns:a14="http://schemas.microsoft.com/office/drawing/2010/main" w="9525">
                   <a:solidFill>
                     <a:schemeClr val="tx1"/>
                   </a:solidFill>
@@ -8449,7 +8449,7 @@
                 </a14:hiddenLine>
               </a:ext>
               <a:ext uri="{AF507438-7753-43e0-B8FC-AC1667EBCBE1}">
-                <a14:hiddenEffects xmlns:a14="http://schemas.microsoft.com/office/drawing/2010/main" xmlns="">
+                <a14:hiddenEffects xmlns="" xmlns:a14="http://schemas.microsoft.com/office/drawing/2010/main">
                   <a:effectLst>
                     <a:outerShdw blurRad="63500" dist="38099" dir="2700000" algn="ctr" rotWithShape="0">
                       <a:schemeClr val="bg2">
@@ -8494,7 +8494,7 @@
             <a:effectLst/>
             <a:extLst>
               <a:ext uri="{91240B29-F687-4f45-9708-019B960494DF}">
-                <a14:hiddenLine xmlns:a14="http://schemas.microsoft.com/office/drawing/2010/main" xmlns="" w="9525">
+                <a14:hiddenLine xmlns="" xmlns:a14="http://schemas.microsoft.com/office/drawing/2010/main" w="9525">
                   <a:solidFill>
                     <a:schemeClr val="tx1"/>
                   </a:solidFill>
@@ -8504,7 +8504,7 @@
                 </a14:hiddenLine>
               </a:ext>
               <a:ext uri="{AF507438-7753-43e0-B8FC-AC1667EBCBE1}">
-                <a14:hiddenEffects xmlns:a14="http://schemas.microsoft.com/office/drawing/2010/main" xmlns="">
+                <a14:hiddenEffects xmlns="" xmlns:a14="http://schemas.microsoft.com/office/drawing/2010/main">
                   <a:effectLst>
                     <a:outerShdw blurRad="63500" dist="38099" dir="2700000" algn="ctr" rotWithShape="0">
                       <a:schemeClr val="bg2">
@@ -8549,7 +8549,7 @@
             <a:effectLst/>
             <a:extLst>
               <a:ext uri="{91240B29-F687-4f45-9708-019B960494DF}">
-                <a14:hiddenLine xmlns:a14="http://schemas.microsoft.com/office/drawing/2010/main" xmlns="" w="9525">
+                <a14:hiddenLine xmlns="" xmlns:a14="http://schemas.microsoft.com/office/drawing/2010/main" w="9525">
                   <a:solidFill>
                     <a:schemeClr val="tx1"/>
                   </a:solidFill>
@@ -8559,7 +8559,7 @@
                 </a14:hiddenLine>
               </a:ext>
               <a:ext uri="{AF507438-7753-43e0-B8FC-AC1667EBCBE1}">
-                <a14:hiddenEffects xmlns:a14="http://schemas.microsoft.com/office/drawing/2010/main" xmlns="">
+                <a14:hiddenEffects xmlns="" xmlns:a14="http://schemas.microsoft.com/office/drawing/2010/main">
                   <a:effectLst>
                     <a:outerShdw blurRad="63500" dist="38099" dir="2700000" algn="ctr" rotWithShape="0">
                       <a:schemeClr val="bg2">
@@ -8604,7 +8604,7 @@
             <a:effectLst/>
             <a:extLst>
               <a:ext uri="{91240B29-F687-4f45-9708-019B960494DF}">
-                <a14:hiddenLine xmlns:a14="http://schemas.microsoft.com/office/drawing/2010/main" xmlns="" w="9525">
+                <a14:hiddenLine xmlns="" xmlns:a14="http://schemas.microsoft.com/office/drawing/2010/main" w="9525">
                   <a:solidFill>
                     <a:schemeClr val="tx1"/>
                   </a:solidFill>
@@ -8614,7 +8614,7 @@
                 </a14:hiddenLine>
               </a:ext>
               <a:ext uri="{AF507438-7753-43e0-B8FC-AC1667EBCBE1}">
-                <a14:hiddenEffects xmlns:a14="http://schemas.microsoft.com/office/drawing/2010/main" xmlns="">
+                <a14:hiddenEffects xmlns="" xmlns:a14="http://schemas.microsoft.com/office/drawing/2010/main">
                   <a:effectLst>
                     <a:outerShdw blurRad="63500" dist="38099" dir="2700000" algn="ctr" rotWithShape="0">
                       <a:schemeClr val="bg2">
@@ -8659,7 +8659,7 @@
             <a:effectLst/>
             <a:extLst>
               <a:ext uri="{91240B29-F687-4f45-9708-019B960494DF}">
-                <a14:hiddenLine xmlns:a14="http://schemas.microsoft.com/office/drawing/2010/main" xmlns="" w="9525">
+                <a14:hiddenLine xmlns="" xmlns:a14="http://schemas.microsoft.com/office/drawing/2010/main" w="9525">
                   <a:solidFill>
                     <a:schemeClr val="tx1"/>
                   </a:solidFill>
@@ -8669,7 +8669,7 @@
                 </a14:hiddenLine>
               </a:ext>
               <a:ext uri="{AF507438-7753-43e0-B8FC-AC1667EBCBE1}">
-                <a14:hiddenEffects xmlns:a14="http://schemas.microsoft.com/office/drawing/2010/main" xmlns="">
+                <a14:hiddenEffects xmlns="" xmlns:a14="http://schemas.microsoft.com/office/drawing/2010/main">
                   <a:effectLst>
                     <a:outerShdw blurRad="63500" dist="38099" dir="2700000" algn="ctr" rotWithShape="0">
                       <a:schemeClr val="bg2">
@@ -8714,7 +8714,7 @@
             <a:effectLst/>
             <a:extLst>
               <a:ext uri="{91240B29-F687-4f45-9708-019B960494DF}">
-                <a14:hiddenLine xmlns:a14="http://schemas.microsoft.com/office/drawing/2010/main" xmlns="" w="9525">
+                <a14:hiddenLine xmlns="" xmlns:a14="http://schemas.microsoft.com/office/drawing/2010/main" w="9525">
                   <a:solidFill>
                     <a:schemeClr val="tx1"/>
                   </a:solidFill>
@@ -8724,7 +8724,7 @@
                 </a14:hiddenLine>
               </a:ext>
               <a:ext uri="{AF507438-7753-43e0-B8FC-AC1667EBCBE1}">
-                <a14:hiddenEffects xmlns:a14="http://schemas.microsoft.com/office/drawing/2010/main" xmlns="">
+                <a14:hiddenEffects xmlns="" xmlns:a14="http://schemas.microsoft.com/office/drawing/2010/main">
                   <a:effectLst>
                     <a:outerShdw blurRad="63500" dist="38099" dir="2700000" algn="ctr" rotWithShape="0">
                       <a:schemeClr val="bg2">
@@ -8769,7 +8769,7 @@
             <a:effectLst/>
             <a:extLst>
               <a:ext uri="{91240B29-F687-4f45-9708-019B960494DF}">
-                <a14:hiddenLine xmlns:a14="http://schemas.microsoft.com/office/drawing/2010/main" xmlns="" w="9525">
+                <a14:hiddenLine xmlns="" xmlns:a14="http://schemas.microsoft.com/office/drawing/2010/main" w="9525">
                   <a:solidFill>
                     <a:schemeClr val="tx1"/>
                   </a:solidFill>
@@ -8779,7 +8779,7 @@
                 </a14:hiddenLine>
               </a:ext>
               <a:ext uri="{AF507438-7753-43e0-B8FC-AC1667EBCBE1}">
-                <a14:hiddenEffects xmlns:a14="http://schemas.microsoft.com/office/drawing/2010/main" xmlns="">
+                <a14:hiddenEffects xmlns="" xmlns:a14="http://schemas.microsoft.com/office/drawing/2010/main">
                   <a:effectLst>
                     <a:outerShdw blurRad="63500" dist="38099" dir="2700000" algn="ctr" rotWithShape="0">
                       <a:schemeClr val="bg2">
@@ -8824,7 +8824,7 @@
             <a:effectLst/>
             <a:extLst>
               <a:ext uri="{91240B29-F687-4f45-9708-019B960494DF}">
-                <a14:hiddenLine xmlns:a14="http://schemas.microsoft.com/office/drawing/2010/main" xmlns="" w="9525">
+                <a14:hiddenLine xmlns="" xmlns:a14="http://schemas.microsoft.com/office/drawing/2010/main" w="9525">
                   <a:solidFill>
                     <a:schemeClr val="tx1"/>
                   </a:solidFill>
@@ -8834,7 +8834,7 @@
                 </a14:hiddenLine>
               </a:ext>
               <a:ext uri="{AF507438-7753-43e0-B8FC-AC1667EBCBE1}">
-                <a14:hiddenEffects xmlns:a14="http://schemas.microsoft.com/office/drawing/2010/main" xmlns="">
+                <a14:hiddenEffects xmlns="" xmlns:a14="http://schemas.microsoft.com/office/drawing/2010/main">
                   <a:effectLst>
                     <a:outerShdw blurRad="63500" dist="38099" dir="2700000" algn="ctr" rotWithShape="0">
                       <a:schemeClr val="bg2">
@@ -9347,7 +9347,7 @@
           <a:effectLst/>
           <a:extLst>
             <a:ext uri="{AF507438-7753-43e0-B8FC-AC1667EBCBE1}">
-              <a14:hiddenEffects xmlns:a14="http://schemas.microsoft.com/office/drawing/2010/main" xmlns="">
+              <a14:hiddenEffects xmlns="" xmlns:a14="http://schemas.microsoft.com/office/drawing/2010/main">
                 <a:effectLst>
                   <a:outerShdw blurRad="63500" dist="38099" dir="2700000" algn="ctr" rotWithShape="0">
                     <a:schemeClr val="bg2">
@@ -10539,14 +10539,14 @@
           <a:effectLst/>
           <a:extLst>
             <a:ext uri="{909E8E84-426E-40dd-AFC4-6F175D3DCCD1}">
-              <a14:hiddenFill xmlns:a14="http://schemas.microsoft.com/office/drawing/2010/main" xmlns="">
+              <a14:hiddenFill xmlns="" xmlns:a14="http://schemas.microsoft.com/office/drawing/2010/main">
                 <a:solidFill>
                   <a:schemeClr val="accent1"/>
                 </a:solidFill>
               </a14:hiddenFill>
             </a:ext>
             <a:ext uri="{91240B29-F687-4f45-9708-019B960494DF}">
-              <a14:hiddenLine xmlns:a14="http://schemas.microsoft.com/office/drawing/2010/main" xmlns="" w="9525">
+              <a14:hiddenLine xmlns="" xmlns:a14="http://schemas.microsoft.com/office/drawing/2010/main" w="9525">
                 <a:solidFill>
                   <a:schemeClr val="tx1"/>
                 </a:solidFill>
@@ -10556,7 +10556,7 @@
               </a14:hiddenLine>
             </a:ext>
             <a:ext uri="{AF507438-7753-43e0-B8FC-AC1667EBCBE1}">
-              <a14:hiddenEffects xmlns:a14="http://schemas.microsoft.com/office/drawing/2010/main" xmlns="">
+              <a14:hiddenEffects xmlns="" xmlns:a14="http://schemas.microsoft.com/office/drawing/2010/main">
                 <a:effectLst>
                   <a:outerShdw blurRad="63500" dist="38099" dir="2700000" algn="ctr" rotWithShape="0">
                     <a:srgbClr val="000000">
@@ -10591,14 +10591,14 @@
           </a:ln>
           <a:extLst>
             <a:ext uri="{909E8E84-426E-40dd-AFC4-6F175D3DCCD1}">
-              <a14:hiddenFill xmlns:a14="http://schemas.microsoft.com/office/drawing/2010/main" xmlns="">
+              <a14:hiddenFill xmlns="" xmlns:a14="http://schemas.microsoft.com/office/drawing/2010/main">
                 <a:solidFill>
                   <a:schemeClr val="accent1"/>
                 </a:solidFill>
               </a14:hiddenFill>
             </a:ext>
             <a:ext uri="{91240B29-F687-4f45-9708-019B960494DF}">
-              <a14:hiddenLine xmlns:a14="http://schemas.microsoft.com/office/drawing/2010/main" xmlns="" w="9525">
+              <a14:hiddenLine xmlns="" xmlns:a14="http://schemas.microsoft.com/office/drawing/2010/main" w="9525">
                 <a:solidFill>
                   <a:schemeClr val="tx1"/>
                 </a:solidFill>
@@ -14139,7 +14139,7 @@
           </a:ln>
           <a:extLst>
             <a:ext uri="{909E8E84-426E-40dd-AFC4-6F175D3DCCD1}">
-              <a14:hiddenFill xmlns:a14="http://schemas.microsoft.com/office/drawing/2010/main" xmlns="">
+              <a14:hiddenFill xmlns="" xmlns:a14="http://schemas.microsoft.com/office/drawing/2010/main">
                 <a:solidFill>
                   <a:schemeClr val="accent1"/>
                 </a:solidFill>
@@ -14411,7 +14411,7 @@
           </a:ln>
           <a:extLst>
             <a:ext uri="{909E8E84-426E-40dd-AFC4-6F175D3DCCD1}">
-              <a14:hiddenFill xmlns:a14="http://schemas.microsoft.com/office/drawing/2010/main" xmlns="">
+              <a14:hiddenFill xmlns="" xmlns:a14="http://schemas.microsoft.com/office/drawing/2010/main">
                 <a:solidFill>
                   <a:schemeClr val="accent1"/>
                 </a:solidFill>
@@ -15002,14 +15002,14 @@
           </a:ln>
           <a:extLst>
             <a:ext uri="{909E8E84-426E-40dd-AFC4-6F175D3DCCD1}">
-              <a14:hiddenFill xmlns:a14="http://schemas.microsoft.com/office/drawing/2010/main" xmlns="">
+              <a14:hiddenFill xmlns="" xmlns:a14="http://schemas.microsoft.com/office/drawing/2010/main">
                 <a:solidFill>
                   <a:schemeClr val="accent1"/>
                 </a:solidFill>
               </a14:hiddenFill>
             </a:ext>
             <a:ext uri="{91240B29-F687-4f45-9708-019B960494DF}">
-              <a14:hiddenLine xmlns:a14="http://schemas.microsoft.com/office/drawing/2010/main" xmlns="" w="9525">
+              <a14:hiddenLine xmlns="" xmlns:a14="http://schemas.microsoft.com/office/drawing/2010/main" w="9525">
                 <a:solidFill>
                   <a:schemeClr val="tx1"/>
                 </a:solidFill>
@@ -15055,14 +15055,14 @@
           </a:ln>
           <a:extLst>
             <a:ext uri="{909E8E84-426E-40dd-AFC4-6F175D3DCCD1}">
-              <a14:hiddenFill xmlns:a14="http://schemas.microsoft.com/office/drawing/2010/main" xmlns="">
+              <a14:hiddenFill xmlns="" xmlns:a14="http://schemas.microsoft.com/office/drawing/2010/main">
                 <a:solidFill>
                   <a:schemeClr val="accent1"/>
                 </a:solidFill>
               </a14:hiddenFill>
             </a:ext>
             <a:ext uri="{91240B29-F687-4f45-9708-019B960494DF}">
-              <a14:hiddenLine xmlns:a14="http://schemas.microsoft.com/office/drawing/2010/main" xmlns="" w="9525">
+              <a14:hiddenLine xmlns="" xmlns:a14="http://schemas.microsoft.com/office/drawing/2010/main" w="9525">
                 <a:solidFill>
                   <a:schemeClr val="tx1"/>
                 </a:solidFill>
@@ -15229,14 +15229,14 @@
           </a:ln>
           <a:extLst>
             <a:ext uri="{909E8E84-426E-40dd-AFC4-6F175D3DCCD1}">
-              <a14:hiddenFill xmlns:a14="http://schemas.microsoft.com/office/drawing/2010/main" xmlns="">
+              <a14:hiddenFill xmlns="" xmlns:a14="http://schemas.microsoft.com/office/drawing/2010/main">
                 <a:solidFill>
                   <a:schemeClr val="accent1"/>
                 </a:solidFill>
               </a14:hiddenFill>
             </a:ext>
             <a:ext uri="{91240B29-F687-4f45-9708-019B960494DF}">
-              <a14:hiddenLine xmlns:a14="http://schemas.microsoft.com/office/drawing/2010/main" xmlns="" w="9525">
+              <a14:hiddenLine xmlns="" xmlns:a14="http://schemas.microsoft.com/office/drawing/2010/main" w="9525">
                 <a:solidFill>
                   <a:schemeClr val="tx1"/>
                 </a:solidFill>
@@ -15321,14 +15321,14 @@
           </a:ln>
           <a:extLst>
             <a:ext uri="{909E8E84-426E-40dd-AFC4-6F175D3DCCD1}">
-              <a14:hiddenFill xmlns:a14="http://schemas.microsoft.com/office/drawing/2010/main" xmlns="">
+              <a14:hiddenFill xmlns="" xmlns:a14="http://schemas.microsoft.com/office/drawing/2010/main">
                 <a:solidFill>
                   <a:schemeClr val="accent1"/>
                 </a:solidFill>
               </a14:hiddenFill>
             </a:ext>
             <a:ext uri="{91240B29-F687-4f45-9708-019B960494DF}">
-              <a14:hiddenLine xmlns:a14="http://schemas.microsoft.com/office/drawing/2010/main" xmlns="" w="9525">
+              <a14:hiddenLine xmlns="" xmlns:a14="http://schemas.microsoft.com/office/drawing/2010/main" w="9525">
                 <a:solidFill>
                   <a:schemeClr val="tx1"/>
                 </a:solidFill>
@@ -15379,7 +15379,7 @@
           </a:ln>
           <a:extLst>
             <a:ext uri="{909E8E84-426E-40dd-AFC4-6F175D3DCCD1}">
-              <a14:hiddenFill xmlns:a14="http://schemas.microsoft.com/office/drawing/2010/main" xmlns="">
+              <a14:hiddenFill xmlns="" xmlns:a14="http://schemas.microsoft.com/office/drawing/2010/main">
                 <a:solidFill>
                   <a:schemeClr val="accent1"/>
                 </a:solidFill>
@@ -15430,14 +15430,14 @@
           </a:ln>
           <a:extLst>
             <a:ext uri="{909E8E84-426E-40dd-AFC4-6F175D3DCCD1}">
-              <a14:hiddenFill xmlns:a14="http://schemas.microsoft.com/office/drawing/2010/main" xmlns="">
+              <a14:hiddenFill xmlns="" xmlns:a14="http://schemas.microsoft.com/office/drawing/2010/main">
                 <a:solidFill>
                   <a:schemeClr val="accent1"/>
                 </a:solidFill>
               </a14:hiddenFill>
             </a:ext>
             <a:ext uri="{91240B29-F687-4f45-9708-019B960494DF}">
-              <a14:hiddenLine xmlns:a14="http://schemas.microsoft.com/office/drawing/2010/main" xmlns="" w="9525">
+              <a14:hiddenLine xmlns="" xmlns:a14="http://schemas.microsoft.com/office/drawing/2010/main" w="9525">
                 <a:solidFill>
                   <a:schemeClr val="tx1"/>
                 </a:solidFill>
@@ -16500,36 +16500,26 @@
           <a:lstStyle/>
           <a:p>
             <a:r>
+              <a:rPr lang="en-US"/>
+              <a:t>Online </a:t>
+            </a:r>
+            <a:r>
               <a:rPr lang="en-US" dirty="0"/>
-              <a:t>Online/Interactive Textbook</a:t>
+              <a:t>Textbook</a:t>
             </a:r>
           </a:p>
           <a:p>
             <a:pPr lvl="1"/>
             <a:r>
-              <a:rPr lang="en-US" dirty="0"/>
-              <a:t>https://</a:t>
-            </a:r>
-            <a:r>
-              <a:rPr lang="en-US" dirty="0" err="1"/>
-              <a:t>github.com</a:t>
-            </a:r>
-            <a:r>
-              <a:rPr lang="en-US" dirty="0"/>
-              <a:t>/</a:t>
-            </a:r>
-            <a:r>
-              <a:rPr lang="en-US" dirty="0" err="1"/>
-              <a:t>lutzhamel</a:t>
-            </a:r>
-            <a:r>
-              <a:rPr lang="en-US" dirty="0"/>
-              <a:t>/</a:t>
-            </a:r>
-            <a:r>
-              <a:rPr lang="en-US" dirty="0" err="1"/>
-              <a:t>plipy</a:t>
-            </a:r>
+              <a:rPr lang="en-US" sz="2000" dirty="0">
+                <a:hlinkClick r:id="rId2"/>
+              </a:rPr>
+              <a:t>https://www.dropbox.com/s/4j5q4yhrknelkgy/book.pdf?dl=0</a:t>
+            </a:r>
+            <a:endParaRPr lang="en-US" sz="2000" dirty="0"/>
+          </a:p>
+          <a:p>
+            <a:pPr lvl="1"/>
             <a:endParaRPr lang="en-US" dirty="0"/>
           </a:p>
         </p:txBody>
@@ -16662,14 +16652,14 @@
           </a:ln>
           <a:extLst>
             <a:ext uri="{909E8E84-426E-40dd-AFC4-6F175D3DCCD1}">
-              <a14:hiddenFill xmlns:a14="http://schemas.microsoft.com/office/drawing/2010/main" xmlns="">
+              <a14:hiddenFill xmlns="" xmlns:a14="http://schemas.microsoft.com/office/drawing/2010/main">
                 <a:solidFill>
                   <a:schemeClr val="accent1"/>
                 </a:solidFill>
               </a14:hiddenFill>
             </a:ext>
             <a:ext uri="{91240B29-F687-4f45-9708-019B960494DF}">
-              <a14:hiddenLine xmlns:a14="http://schemas.microsoft.com/office/drawing/2010/main" xmlns="" w="9525">
+              <a14:hiddenLine xmlns="" xmlns:a14="http://schemas.microsoft.com/office/drawing/2010/main" w="9525">
                 <a:solidFill>
                   <a:schemeClr val="tx1"/>
                 </a:solidFill>
@@ -16813,14 +16803,14 @@
           </a:ln>
           <a:extLst>
             <a:ext uri="{909E8E84-426E-40dd-AFC4-6F175D3DCCD1}">
-              <a14:hiddenFill xmlns:a14="http://schemas.microsoft.com/office/drawing/2010/main" xmlns="">
+              <a14:hiddenFill xmlns="" xmlns:a14="http://schemas.microsoft.com/office/drawing/2010/main">
                 <a:solidFill>
                   <a:schemeClr val="accent1"/>
                 </a:solidFill>
               </a14:hiddenFill>
             </a:ext>
             <a:ext uri="{91240B29-F687-4f45-9708-019B960494DF}">
-              <a14:hiddenLine xmlns:a14="http://schemas.microsoft.com/office/drawing/2010/main" xmlns="" w="9525">
+              <a14:hiddenLine xmlns="" xmlns:a14="http://schemas.microsoft.com/office/drawing/2010/main" w="9525">
                 <a:solidFill>
                   <a:schemeClr val="tx1"/>
                 </a:solidFill>
@@ -17430,14 +17420,14 @@
           </a:ln>
           <a:extLst>
             <a:ext uri="{909E8E84-426E-40dd-AFC4-6F175D3DCCD1}">
-              <a14:hiddenFill xmlns:a14="http://schemas.microsoft.com/office/drawing/2010/main" xmlns="">
+              <a14:hiddenFill xmlns="" xmlns:a14="http://schemas.microsoft.com/office/drawing/2010/main">
                 <a:solidFill>
                   <a:schemeClr val="accent1"/>
                 </a:solidFill>
               </a14:hiddenFill>
             </a:ext>
             <a:ext uri="{91240B29-F687-4f45-9708-019B960494DF}">
-              <a14:hiddenLine xmlns:a14="http://schemas.microsoft.com/office/drawing/2010/main" xmlns="" w="9525">
+              <a14:hiddenLine xmlns="" xmlns:a14="http://schemas.microsoft.com/office/drawing/2010/main" w="9525">
                 <a:solidFill>
                   <a:schemeClr val="tx1"/>
                 </a:solidFill>
@@ -17514,7 +17504,7 @@
           </a:ln>
           <a:extLst>
             <a:ext uri="{909E8E84-426E-40dd-AFC4-6F175D3DCCD1}">
-              <a14:hiddenFill xmlns:a14="http://schemas.microsoft.com/office/drawing/2010/main" xmlns="">
+              <a14:hiddenFill xmlns="" xmlns:a14="http://schemas.microsoft.com/office/drawing/2010/main">
                 <a:noFill/>
               </a14:hiddenFill>
             </a:ext>
@@ -17550,14 +17540,14 @@
           </a:ln>
           <a:extLst>
             <a:ext uri="{909E8E84-426E-40dd-AFC4-6F175D3DCCD1}">
-              <a14:hiddenFill xmlns:a14="http://schemas.microsoft.com/office/drawing/2010/main" xmlns="">
+              <a14:hiddenFill xmlns="" xmlns:a14="http://schemas.microsoft.com/office/drawing/2010/main">
                 <a:solidFill>
                   <a:schemeClr val="accent1"/>
                 </a:solidFill>
               </a14:hiddenFill>
             </a:ext>
             <a:ext uri="{91240B29-F687-4f45-9708-019B960494DF}">
-              <a14:hiddenLine xmlns:a14="http://schemas.microsoft.com/office/drawing/2010/main" xmlns="" w="9525">
+              <a14:hiddenLine xmlns="" xmlns:a14="http://schemas.microsoft.com/office/drawing/2010/main" w="9525">
                 <a:solidFill>
                   <a:schemeClr val="tx1"/>
                 </a:solidFill>
@@ -17609,7 +17599,7 @@
           </a:ln>
           <a:extLst>
             <a:ext uri="{909E8E84-426E-40dd-AFC4-6F175D3DCCD1}">
-              <a14:hiddenFill xmlns:a14="http://schemas.microsoft.com/office/drawing/2010/main" xmlns="">
+              <a14:hiddenFill xmlns="" xmlns:a14="http://schemas.microsoft.com/office/drawing/2010/main">
                 <a:noFill/>
               </a14:hiddenFill>
             </a:ext>
@@ -17645,14 +17635,14 @@
           </a:ln>
           <a:extLst>
             <a:ext uri="{909E8E84-426E-40dd-AFC4-6F175D3DCCD1}">
-              <a14:hiddenFill xmlns:a14="http://schemas.microsoft.com/office/drawing/2010/main" xmlns="">
+              <a14:hiddenFill xmlns="" xmlns:a14="http://schemas.microsoft.com/office/drawing/2010/main">
                 <a:solidFill>
                   <a:schemeClr val="accent1"/>
                 </a:solidFill>
               </a14:hiddenFill>
             </a:ext>
             <a:ext uri="{91240B29-F687-4f45-9708-019B960494DF}">
-              <a14:hiddenLine xmlns:a14="http://schemas.microsoft.com/office/drawing/2010/main" xmlns="" w="9525">
+              <a14:hiddenLine xmlns="" xmlns:a14="http://schemas.microsoft.com/office/drawing/2010/main" w="9525">
                 <a:solidFill>
                   <a:schemeClr val="tx1"/>
                 </a:solidFill>
@@ -17706,7 +17696,7 @@
           </a:ln>
           <a:extLst>
             <a:ext uri="{909E8E84-426E-40dd-AFC4-6F175D3DCCD1}">
-              <a14:hiddenFill xmlns:a14="http://schemas.microsoft.com/office/drawing/2010/main" xmlns="">
+              <a14:hiddenFill xmlns="" xmlns:a14="http://schemas.microsoft.com/office/drawing/2010/main">
                 <a:solidFill>
                   <a:schemeClr val="accent1"/>
                 </a:solidFill>
@@ -17745,14 +17735,14 @@
           </a:ln>
           <a:extLst>
             <a:ext uri="{909E8E84-426E-40dd-AFC4-6F175D3DCCD1}">
-              <a14:hiddenFill xmlns:a14="http://schemas.microsoft.com/office/drawing/2010/main" xmlns="">
+              <a14:hiddenFill xmlns="" xmlns:a14="http://schemas.microsoft.com/office/drawing/2010/main">
                 <a:solidFill>
                   <a:schemeClr val="accent1"/>
                 </a:solidFill>
               </a14:hiddenFill>
             </a:ext>
             <a:ext uri="{91240B29-F687-4f45-9708-019B960494DF}">
-              <a14:hiddenLine xmlns:a14="http://schemas.microsoft.com/office/drawing/2010/main" xmlns="" w="9525">
+              <a14:hiddenLine xmlns="" xmlns:a14="http://schemas.microsoft.com/office/drawing/2010/main" w="9525">
                 <a:solidFill>
                   <a:schemeClr val="tx1"/>
                 </a:solidFill>
@@ -17806,7 +17796,7 @@
           </a:ln>
           <a:extLst>
             <a:ext uri="{909E8E84-426E-40dd-AFC4-6F175D3DCCD1}">
-              <a14:hiddenFill xmlns:a14="http://schemas.microsoft.com/office/drawing/2010/main" xmlns="">
+              <a14:hiddenFill xmlns="" xmlns:a14="http://schemas.microsoft.com/office/drawing/2010/main">
                 <a:solidFill>
                   <a:schemeClr val="accent1"/>
                 </a:solidFill>
@@ -17845,14 +17835,14 @@
           </a:ln>
           <a:extLst>
             <a:ext uri="{909E8E84-426E-40dd-AFC4-6F175D3DCCD1}">
-              <a14:hiddenFill xmlns:a14="http://schemas.microsoft.com/office/drawing/2010/main" xmlns="">
+              <a14:hiddenFill xmlns="" xmlns:a14="http://schemas.microsoft.com/office/drawing/2010/main">
                 <a:solidFill>
                   <a:schemeClr val="accent1"/>
                 </a:solidFill>
               </a14:hiddenFill>
             </a:ext>
             <a:ext uri="{91240B29-F687-4f45-9708-019B960494DF}">
-              <a14:hiddenLine xmlns:a14="http://schemas.microsoft.com/office/drawing/2010/main" xmlns="" w="9525">
+              <a14:hiddenLine xmlns="" xmlns:a14="http://schemas.microsoft.com/office/drawing/2010/main" w="9525">
                 <a:solidFill>
                   <a:schemeClr val="tx1"/>
                 </a:solidFill>
@@ -17906,7 +17896,7 @@
           </a:ln>
           <a:extLst>
             <a:ext uri="{909E8E84-426E-40dd-AFC4-6F175D3DCCD1}">
-              <a14:hiddenFill xmlns:a14="http://schemas.microsoft.com/office/drawing/2010/main" xmlns="">
+              <a14:hiddenFill xmlns="" xmlns:a14="http://schemas.microsoft.com/office/drawing/2010/main">
                 <a:solidFill>
                   <a:schemeClr val="accent1"/>
                 </a:solidFill>
@@ -17944,14 +17934,14 @@
           </a:ln>
           <a:extLst>
             <a:ext uri="{909E8E84-426E-40dd-AFC4-6F175D3DCCD1}">
-              <a14:hiddenFill xmlns:a14="http://schemas.microsoft.com/office/drawing/2010/main" xmlns="">
+              <a14:hiddenFill xmlns="" xmlns:a14="http://schemas.microsoft.com/office/drawing/2010/main">
                 <a:solidFill>
                   <a:schemeClr val="accent1"/>
                 </a:solidFill>
               </a14:hiddenFill>
             </a:ext>
             <a:ext uri="{91240B29-F687-4f45-9708-019B960494DF}">
-              <a14:hiddenLine xmlns:a14="http://schemas.microsoft.com/office/drawing/2010/main" xmlns="" w="9525">
+              <a14:hiddenLine xmlns="" xmlns:a14="http://schemas.microsoft.com/office/drawing/2010/main" w="9525">
                 <a:solidFill>
                   <a:schemeClr val="tx1"/>
                 </a:solidFill>
@@ -18005,7 +17995,7 @@
           </a:ln>
           <a:extLst>
             <a:ext uri="{909E8E84-426E-40dd-AFC4-6F175D3DCCD1}">
-              <a14:hiddenFill xmlns:a14="http://schemas.microsoft.com/office/drawing/2010/main" xmlns="">
+              <a14:hiddenFill xmlns="" xmlns:a14="http://schemas.microsoft.com/office/drawing/2010/main">
                 <a:solidFill>
                   <a:schemeClr val="accent1"/>
                 </a:solidFill>
@@ -18043,14 +18033,14 @@
           </a:ln>
           <a:extLst>
             <a:ext uri="{909E8E84-426E-40dd-AFC4-6F175D3DCCD1}">
-              <a14:hiddenFill xmlns:a14="http://schemas.microsoft.com/office/drawing/2010/main" xmlns="">
+              <a14:hiddenFill xmlns="" xmlns:a14="http://schemas.microsoft.com/office/drawing/2010/main">
                 <a:solidFill>
                   <a:schemeClr val="accent1"/>
                 </a:solidFill>
               </a14:hiddenFill>
             </a:ext>
             <a:ext uri="{91240B29-F687-4f45-9708-019B960494DF}">
-              <a14:hiddenLine xmlns:a14="http://schemas.microsoft.com/office/drawing/2010/main" xmlns="" w="9525">
+              <a14:hiddenLine xmlns="" xmlns:a14="http://schemas.microsoft.com/office/drawing/2010/main" w="9525">
                 <a:solidFill>
                   <a:schemeClr val="tx1"/>
                 </a:solidFill>
@@ -18104,7 +18094,7 @@
           </a:ln>
           <a:extLst>
             <a:ext uri="{909E8E84-426E-40dd-AFC4-6F175D3DCCD1}">
-              <a14:hiddenFill xmlns:a14="http://schemas.microsoft.com/office/drawing/2010/main" xmlns="">
+              <a14:hiddenFill xmlns="" xmlns:a14="http://schemas.microsoft.com/office/drawing/2010/main">
                 <a:solidFill>
                   <a:schemeClr val="accent1"/>
                 </a:solidFill>
@@ -18142,14 +18132,14 @@
           </a:ln>
           <a:extLst>
             <a:ext uri="{909E8E84-426E-40dd-AFC4-6F175D3DCCD1}">
-              <a14:hiddenFill xmlns:a14="http://schemas.microsoft.com/office/drawing/2010/main" xmlns="">
+              <a14:hiddenFill xmlns="" xmlns:a14="http://schemas.microsoft.com/office/drawing/2010/main">
                 <a:solidFill>
                   <a:schemeClr val="accent1"/>
                 </a:solidFill>
               </a14:hiddenFill>
             </a:ext>
             <a:ext uri="{91240B29-F687-4f45-9708-019B960494DF}">
-              <a14:hiddenLine xmlns:a14="http://schemas.microsoft.com/office/drawing/2010/main" xmlns="" w="9525">
+              <a14:hiddenLine xmlns="" xmlns:a14="http://schemas.microsoft.com/office/drawing/2010/main" w="9525">
                 <a:solidFill>
                   <a:schemeClr val="tx1"/>
                 </a:solidFill>
@@ -18200,7 +18190,7 @@
           </a:ln>
           <a:extLst>
             <a:ext uri="{909E8E84-426E-40dd-AFC4-6F175D3DCCD1}">
-              <a14:hiddenFill xmlns:a14="http://schemas.microsoft.com/office/drawing/2010/main" xmlns="">
+              <a14:hiddenFill xmlns="" xmlns:a14="http://schemas.microsoft.com/office/drawing/2010/main">
                 <a:solidFill>
                   <a:schemeClr val="accent1"/>
                 </a:solidFill>
@@ -18371,14 +18361,14 @@
           </a:ln>
           <a:extLst>
             <a:ext uri="{909E8E84-426E-40dd-AFC4-6F175D3DCCD1}">
-              <a14:hiddenFill xmlns:a14="http://schemas.microsoft.com/office/drawing/2010/main" xmlns="">
+              <a14:hiddenFill xmlns="" xmlns:a14="http://schemas.microsoft.com/office/drawing/2010/main">
                 <a:solidFill>
                   <a:schemeClr val="accent1"/>
                 </a:solidFill>
               </a14:hiddenFill>
             </a:ext>
             <a:ext uri="{91240B29-F687-4f45-9708-019B960494DF}">
-              <a14:hiddenLine xmlns:a14="http://schemas.microsoft.com/office/drawing/2010/main" xmlns="" w="9525">
+              <a14:hiddenLine xmlns="" xmlns:a14="http://schemas.microsoft.com/office/drawing/2010/main" w="9525">
                 <a:solidFill>
                   <a:schemeClr val="tx1"/>
                 </a:solidFill>
@@ -18526,7 +18516,7 @@
           <a:effectLst/>
           <a:extLst>
             <a:ext uri="{AF507438-7753-43e0-B8FC-AC1667EBCBE1}">
-              <a14:hiddenEffects xmlns:a14="http://schemas.microsoft.com/office/drawing/2010/main" xmlns="">
+              <a14:hiddenEffects xmlns="" xmlns:a14="http://schemas.microsoft.com/office/drawing/2010/main">
                 <a:effectLst>
                   <a:outerShdw blurRad="63500" dist="38099" dir="2700000" algn="ctr" rotWithShape="0">
                     <a:schemeClr val="bg2">
@@ -18568,7 +18558,7 @@
           <a:effectLst/>
           <a:extLst>
             <a:ext uri="{AF507438-7753-43e0-B8FC-AC1667EBCBE1}">
-              <a14:hiddenEffects xmlns:a14="http://schemas.microsoft.com/office/drawing/2010/main" xmlns="">
+              <a14:hiddenEffects xmlns="" xmlns:a14="http://schemas.microsoft.com/office/drawing/2010/main">
                 <a:effectLst>
                   <a:outerShdw blurRad="63500" dist="38099" dir="2700000" algn="ctr" rotWithShape="0">
                     <a:schemeClr val="bg2">
@@ -18610,7 +18600,7 @@
           <a:effectLst/>
           <a:extLst>
             <a:ext uri="{AF507438-7753-43e0-B8FC-AC1667EBCBE1}">
-              <a14:hiddenEffects xmlns:a14="http://schemas.microsoft.com/office/drawing/2010/main" xmlns="">
+              <a14:hiddenEffects xmlns="" xmlns:a14="http://schemas.microsoft.com/office/drawing/2010/main">
                 <a:effectLst>
                   <a:outerShdw blurRad="63500" dist="38099" dir="2700000" algn="ctr" rotWithShape="0">
                     <a:schemeClr val="bg2">
@@ -18877,7 +18867,7 @@
         <a:effectLst/>
         <a:extLst>
           <a:ext uri="{AF507438-7753-43e0-B8FC-AC1667EBCBE1}">
-            <a14:hiddenEffects xmlns:a14="http://schemas.microsoft.com/office/drawing/2010/main" xmlns="">
+            <a14:hiddenEffects xmlns="" xmlns:a14="http://schemas.microsoft.com/office/drawing/2010/main">
               <a:effectLst>
                 <a:outerShdw blurRad="63500" dist="38099" dir="2700000" algn="ctr" rotWithShape="0">
                   <a:schemeClr val="bg2">
@@ -18954,7 +18944,7 @@
         <a:effectLst/>
         <a:extLst>
           <a:ext uri="{AF507438-7753-43e0-B8FC-AC1667EBCBE1}">
-            <a14:hiddenEffects xmlns:a14="http://schemas.microsoft.com/office/drawing/2010/main" xmlns="">
+            <a14:hiddenEffects xmlns="" xmlns:a14="http://schemas.microsoft.com/office/drawing/2010/main">
               <a:effectLst>
                 <a:outerShdw blurRad="63500" dist="38099" dir="2700000" algn="ctr" rotWithShape="0">
                   <a:schemeClr val="bg2">

--- a/notes/csc402-ln001.pptx
+++ b/notes/csc402-ln001.pptx
@@ -5,7 +5,7 @@
     <p:sldMasterId id="2147483651" r:id="rId1"/>
   </p:sldMasterIdLst>
   <p:notesMasterIdLst>
-    <p:notesMasterId r:id="rId30"/>
+    <p:notesMasterId r:id="rId28"/>
   </p:notesMasterIdLst>
   <p:sldIdLst>
     <p:sldId id="256" r:id="rId2"/>
@@ -26,16 +26,14 @@
     <p:sldId id="281" r:id="rId17"/>
     <p:sldId id="282" r:id="rId18"/>
     <p:sldId id="263" r:id="rId19"/>
-    <p:sldId id="265" r:id="rId20"/>
-    <p:sldId id="266" r:id="rId21"/>
-    <p:sldId id="267" r:id="rId22"/>
-    <p:sldId id="268" r:id="rId23"/>
-    <p:sldId id="284" r:id="rId24"/>
-    <p:sldId id="269" r:id="rId25"/>
-    <p:sldId id="275" r:id="rId26"/>
-    <p:sldId id="270" r:id="rId27"/>
-    <p:sldId id="271" r:id="rId28"/>
-    <p:sldId id="287" r:id="rId29"/>
+    <p:sldId id="267" r:id="rId20"/>
+    <p:sldId id="268" r:id="rId21"/>
+    <p:sldId id="284" r:id="rId22"/>
+    <p:sldId id="269" r:id="rId23"/>
+    <p:sldId id="275" r:id="rId24"/>
+    <p:sldId id="270" r:id="rId25"/>
+    <p:sldId id="271" r:id="rId26"/>
+    <p:sldId id="287" r:id="rId27"/>
   </p:sldIdLst>
   <p:sldSz cx="9144000" cy="6858000" type="screen4x3"/>
   <p:notesSz cx="6858000" cy="9144000"/>
@@ -232,17 +230,17 @@
           </a:ln>
           <a:extLst>
             <a:ext uri="{FAA26D3D-D897-4be2-8F04-BA451C77F1D7}">
-              <ma14:placeholderFlag xmlns:ma14="http://schemas.microsoft.com/office/mac/drawingml/2011/main" xmlns="" val="1"/>
+              <ma14:placeholderFlag xmlns="" xmlns:ma14="http://schemas.microsoft.com/office/mac/drawingml/2011/main" val="1"/>
             </a:ext>
             <a:ext uri="{909E8E84-426E-40dd-AFC4-6F175D3DCCD1}">
-              <a14:hiddenFill xmlns="" xmlns:a14="http://schemas.microsoft.com/office/drawing/2010/main">
+              <a14:hiddenFill xmlns:a14="http://schemas.microsoft.com/office/drawing/2010/main" xmlns="">
                 <a:solidFill>
                   <a:schemeClr val="accent1"/>
                 </a:solidFill>
               </a14:hiddenFill>
             </a:ext>
             <a:ext uri="{91240B29-F687-4f45-9708-019B960494DF}">
-              <a14:hiddenLine xmlns="" xmlns:a14="http://schemas.microsoft.com/office/drawing/2010/main" w="9525">
+              <a14:hiddenLine xmlns:a14="http://schemas.microsoft.com/office/drawing/2010/main" xmlns="" w="9525">
                 <a:solidFill>
                   <a:schemeClr val="tx1"/>
                 </a:solidFill>
@@ -293,17 +291,17 @@
           </a:ln>
           <a:extLst>
             <a:ext uri="{FAA26D3D-D897-4be2-8F04-BA451C77F1D7}">
-              <ma14:placeholderFlag xmlns:ma14="http://schemas.microsoft.com/office/mac/drawingml/2011/main" xmlns="" val="1"/>
+              <ma14:placeholderFlag xmlns="" xmlns:ma14="http://schemas.microsoft.com/office/mac/drawingml/2011/main" val="1"/>
             </a:ext>
             <a:ext uri="{909E8E84-426E-40dd-AFC4-6F175D3DCCD1}">
-              <a14:hiddenFill xmlns="" xmlns:a14="http://schemas.microsoft.com/office/drawing/2010/main">
+              <a14:hiddenFill xmlns:a14="http://schemas.microsoft.com/office/drawing/2010/main" xmlns="">
                 <a:solidFill>
                   <a:schemeClr val="accent1"/>
                 </a:solidFill>
               </a14:hiddenFill>
             </a:ext>
             <a:ext uri="{91240B29-F687-4f45-9708-019B960494DF}">
-              <a14:hiddenLine xmlns="" xmlns:a14="http://schemas.microsoft.com/office/drawing/2010/main" w="9525">
+              <a14:hiddenLine xmlns:a14="http://schemas.microsoft.com/office/drawing/2010/main" xmlns="" w="9525">
                 <a:solidFill>
                   <a:schemeClr val="tx1"/>
                 </a:solidFill>
@@ -360,7 +358,7 @@
           <a:effectLst/>
           <a:extLst>
             <a:ext uri="{AF507438-7753-43e0-B8FC-AC1667EBCBE1}">
-              <a14:hiddenEffects xmlns="" xmlns:a14="http://schemas.microsoft.com/office/drawing/2010/main">
+              <a14:hiddenEffects xmlns:a14="http://schemas.microsoft.com/office/drawing/2010/main" xmlns="">
                 <a:effectLst>
                   <a:outerShdw blurRad="63500" dist="38099" dir="2700000" algn="ctr" rotWithShape="0">
                     <a:srgbClr val="000000">
@@ -371,7 +369,7 @@
               </a14:hiddenEffects>
             </a:ext>
             <a:ext uri="{53640926-AAD7-44d8-BBD7-CCE9431645EC}">
-              <a14:shadowObscured xmlns="" xmlns:a14="http://schemas.microsoft.com/office/drawing/2010/main" val="1"/>
+              <a14:shadowObscured xmlns:a14="http://schemas.microsoft.com/office/drawing/2010/main" xmlns="" val="1"/>
             </a:ext>
           </a:extLst>
         </p:spPr>
@@ -400,17 +398,17 @@
           </a:ln>
           <a:extLst>
             <a:ext uri="{FAA26D3D-D897-4be2-8F04-BA451C77F1D7}">
-              <ma14:placeholderFlag xmlns:ma14="http://schemas.microsoft.com/office/mac/drawingml/2011/main" xmlns="" val="1"/>
+              <ma14:placeholderFlag xmlns="" xmlns:ma14="http://schemas.microsoft.com/office/mac/drawingml/2011/main" val="1"/>
             </a:ext>
             <a:ext uri="{909E8E84-426E-40dd-AFC4-6F175D3DCCD1}">
-              <a14:hiddenFill xmlns="" xmlns:a14="http://schemas.microsoft.com/office/drawing/2010/main">
+              <a14:hiddenFill xmlns:a14="http://schemas.microsoft.com/office/drawing/2010/main" xmlns="">
                 <a:solidFill>
                   <a:schemeClr val="accent1"/>
                 </a:solidFill>
               </a14:hiddenFill>
             </a:ext>
             <a:ext uri="{91240B29-F687-4f45-9708-019B960494DF}">
-              <a14:hiddenLine xmlns="" xmlns:a14="http://schemas.microsoft.com/office/drawing/2010/main" w="9525">
+              <a14:hiddenLine xmlns:a14="http://schemas.microsoft.com/office/drawing/2010/main" xmlns="" w="9525">
                 <a:solidFill>
                   <a:schemeClr val="tx1"/>
                 </a:solidFill>
@@ -489,17 +487,17 @@
           </a:ln>
           <a:extLst>
             <a:ext uri="{FAA26D3D-D897-4be2-8F04-BA451C77F1D7}">
-              <ma14:placeholderFlag xmlns:ma14="http://schemas.microsoft.com/office/mac/drawingml/2011/main" xmlns="" val="1"/>
+              <ma14:placeholderFlag xmlns="" xmlns:ma14="http://schemas.microsoft.com/office/mac/drawingml/2011/main" val="1"/>
             </a:ext>
             <a:ext uri="{909E8E84-426E-40dd-AFC4-6F175D3DCCD1}">
-              <a14:hiddenFill xmlns="" xmlns:a14="http://schemas.microsoft.com/office/drawing/2010/main">
+              <a14:hiddenFill xmlns:a14="http://schemas.microsoft.com/office/drawing/2010/main" xmlns="">
                 <a:solidFill>
                   <a:schemeClr val="accent1"/>
                 </a:solidFill>
               </a14:hiddenFill>
             </a:ext>
             <a:ext uri="{91240B29-F687-4f45-9708-019B960494DF}">
-              <a14:hiddenLine xmlns="" xmlns:a14="http://schemas.microsoft.com/office/drawing/2010/main" w="9525">
+              <a14:hiddenLine xmlns:a14="http://schemas.microsoft.com/office/drawing/2010/main" xmlns="" w="9525">
                 <a:solidFill>
                   <a:schemeClr val="tx1"/>
                 </a:solidFill>
@@ -550,17 +548,17 @@
           </a:ln>
           <a:extLst>
             <a:ext uri="{FAA26D3D-D897-4be2-8F04-BA451C77F1D7}">
-              <ma14:placeholderFlag xmlns:ma14="http://schemas.microsoft.com/office/mac/drawingml/2011/main" xmlns="" val="1"/>
+              <ma14:placeholderFlag xmlns="" xmlns:ma14="http://schemas.microsoft.com/office/mac/drawingml/2011/main" val="1"/>
             </a:ext>
             <a:ext uri="{909E8E84-426E-40dd-AFC4-6F175D3DCCD1}">
-              <a14:hiddenFill xmlns="" xmlns:a14="http://schemas.microsoft.com/office/drawing/2010/main">
+              <a14:hiddenFill xmlns:a14="http://schemas.microsoft.com/office/drawing/2010/main" xmlns="">
                 <a:solidFill>
                   <a:schemeClr val="accent1"/>
                 </a:solidFill>
               </a14:hiddenFill>
             </a:ext>
             <a:ext uri="{91240B29-F687-4f45-9708-019B960494DF}">
-              <a14:hiddenLine xmlns="" xmlns:a14="http://schemas.microsoft.com/office/drawing/2010/main" w="9525">
+              <a14:hiddenLine xmlns:a14="http://schemas.microsoft.com/office/drawing/2010/main" xmlns="" w="9525">
                 <a:solidFill>
                   <a:schemeClr val="tx1"/>
                 </a:solidFill>
@@ -782,7 +780,7 @@
           <a:ln/>
           <a:extLst>
             <a:ext uri="{FAA26D3D-D897-4be2-8F04-BA451C77F1D7}">
-              <ma14:placeholderFlag xmlns:ma14="http://schemas.microsoft.com/office/mac/drawingml/2011/main" xmlns="" val="1"/>
+              <ma14:placeholderFlag xmlns="" xmlns:ma14="http://schemas.microsoft.com/office/mac/drawingml/2011/main" val="1"/>
             </a:ext>
           </a:extLst>
         </p:spPr>
@@ -848,7 +846,7 @@
           <a:bodyPr/>
           <a:lstStyle/>
           <a:p>
-            <a:fld id="{047519AC-FE66-564F-B743-B7C95673737A}" type="slidenum">
+            <a:fld id="{C69A5330-840C-714C-B2B2-505B33C7D761}" type="slidenum">
               <a:rPr lang="en-US"/>
               <a:pPr/>
               <a:t>19</a:t>
@@ -859,7 +857,7 @@
       </p:sp>
       <p:sp>
         <p:nvSpPr>
-          <p:cNvPr id="32770" name="Rectangle 2"/>
+          <p:cNvPr id="34818" name="Rectangle 2"/>
           <p:cNvSpPr>
             <a:spLocks noGrp="1" noRot="1" noChangeAspect="1" noChangeArrowheads="1" noTextEdit="1"/>
           </p:cNvSpPr>
@@ -871,14 +869,14 @@
           <a:ln/>
           <a:extLst>
             <a:ext uri="{FAA26D3D-D897-4be2-8F04-BA451C77F1D7}">
-              <ma14:placeholderFlag xmlns:ma14="http://schemas.microsoft.com/office/mac/drawingml/2011/main" xmlns="" val="1"/>
+              <ma14:placeholderFlag xmlns="" xmlns:ma14="http://schemas.microsoft.com/office/mac/drawingml/2011/main" val="1"/>
             </a:ext>
           </a:extLst>
         </p:spPr>
       </p:sp>
       <p:sp>
         <p:nvSpPr>
-          <p:cNvPr id="32771" name="Rectangle 3"/>
+          <p:cNvPr id="34819" name="Rectangle 3"/>
           <p:cNvSpPr>
             <a:spLocks noGrp="1" noChangeArrowheads="1"/>
           </p:cNvSpPr>
@@ -937,7 +935,7 @@
           <a:bodyPr/>
           <a:lstStyle/>
           <a:p>
-            <a:fld id="{08B04B7B-8FD6-4947-9316-2624CA738102}" type="slidenum">
+            <a:fld id="{B6024CCB-95AA-9B4C-8863-6A1B948E11E7}" type="slidenum">
               <a:rPr lang="en-US"/>
               <a:pPr/>
               <a:t>20</a:t>
@@ -948,7 +946,7 @@
       </p:sp>
       <p:sp>
         <p:nvSpPr>
-          <p:cNvPr id="33794" name="Rectangle 2"/>
+          <p:cNvPr id="35842" name="Rectangle 2"/>
           <p:cNvSpPr>
             <a:spLocks noGrp="1" noRot="1" noChangeAspect="1" noChangeArrowheads="1" noTextEdit="1"/>
           </p:cNvSpPr>
@@ -960,14 +958,14 @@
           <a:ln/>
           <a:extLst>
             <a:ext uri="{FAA26D3D-D897-4be2-8F04-BA451C77F1D7}">
-              <ma14:placeholderFlag xmlns:ma14="http://schemas.microsoft.com/office/mac/drawingml/2011/main" xmlns="" val="1"/>
+              <ma14:placeholderFlag xmlns="" xmlns:ma14="http://schemas.microsoft.com/office/mac/drawingml/2011/main" val="1"/>
             </a:ext>
           </a:extLst>
         </p:spPr>
       </p:sp>
       <p:sp>
         <p:nvSpPr>
-          <p:cNvPr id="33795" name="Rectangle 3"/>
+          <p:cNvPr id="35843" name="Rectangle 3"/>
           <p:cNvSpPr>
             <a:spLocks noGrp="1" noChangeArrowheads="1"/>
           </p:cNvSpPr>
@@ -1026,7 +1024,7 @@
           <a:bodyPr/>
           <a:lstStyle/>
           <a:p>
-            <a:fld id="{C69A5330-840C-714C-B2B2-505B33C7D761}" type="slidenum">
+            <a:fld id="{B6024CCB-95AA-9B4C-8863-6A1B948E11E7}" type="slidenum">
               <a:rPr lang="en-US"/>
               <a:pPr/>
               <a:t>21</a:t>
@@ -1037,7 +1035,7 @@
       </p:sp>
       <p:sp>
         <p:nvSpPr>
-          <p:cNvPr id="34818" name="Rectangle 2"/>
+          <p:cNvPr id="35842" name="Rectangle 2"/>
           <p:cNvSpPr>
             <a:spLocks noGrp="1" noRot="1" noChangeAspect="1" noChangeArrowheads="1" noTextEdit="1"/>
           </p:cNvSpPr>
@@ -1049,14 +1047,14 @@
           <a:ln/>
           <a:extLst>
             <a:ext uri="{FAA26D3D-D897-4be2-8F04-BA451C77F1D7}">
-              <ma14:placeholderFlag xmlns:ma14="http://schemas.microsoft.com/office/mac/drawingml/2011/main" xmlns="" val="1"/>
+              <ma14:placeholderFlag xmlns="" xmlns:ma14="http://schemas.microsoft.com/office/mac/drawingml/2011/main" val="1"/>
             </a:ext>
           </a:extLst>
         </p:spPr>
       </p:sp>
       <p:sp>
         <p:nvSpPr>
-          <p:cNvPr id="34819" name="Rectangle 3"/>
+          <p:cNvPr id="35843" name="Rectangle 3"/>
           <p:cNvSpPr>
             <a:spLocks noGrp="1" noChangeArrowheads="1"/>
           </p:cNvSpPr>
@@ -1115,7 +1113,7 @@
           <a:bodyPr/>
           <a:lstStyle/>
           <a:p>
-            <a:fld id="{B6024CCB-95AA-9B4C-8863-6A1B948E11E7}" type="slidenum">
+            <a:fld id="{0935DC73-8A31-B94E-819B-DD3EF5D31810}" type="slidenum">
               <a:rPr lang="en-US"/>
               <a:pPr/>
               <a:t>22</a:t>
@@ -1126,7 +1124,7 @@
       </p:sp>
       <p:sp>
         <p:nvSpPr>
-          <p:cNvPr id="35842" name="Rectangle 2"/>
+          <p:cNvPr id="36866" name="Rectangle 2"/>
           <p:cNvSpPr>
             <a:spLocks noGrp="1" noRot="1" noChangeAspect="1" noChangeArrowheads="1" noTextEdit="1"/>
           </p:cNvSpPr>
@@ -1138,14 +1136,14 @@
           <a:ln/>
           <a:extLst>
             <a:ext uri="{FAA26D3D-D897-4be2-8F04-BA451C77F1D7}">
-              <ma14:placeholderFlag xmlns:ma14="http://schemas.microsoft.com/office/mac/drawingml/2011/main" xmlns="" val="1"/>
+              <ma14:placeholderFlag xmlns="" xmlns:ma14="http://schemas.microsoft.com/office/mac/drawingml/2011/main" val="1"/>
             </a:ext>
           </a:extLst>
         </p:spPr>
       </p:sp>
       <p:sp>
         <p:nvSpPr>
-          <p:cNvPr id="35843" name="Rectangle 3"/>
+          <p:cNvPr id="36867" name="Rectangle 3"/>
           <p:cNvSpPr>
             <a:spLocks noGrp="1" noChangeArrowheads="1"/>
           </p:cNvSpPr>
@@ -1204,7 +1202,7 @@
           <a:bodyPr/>
           <a:lstStyle/>
           <a:p>
-            <a:fld id="{B6024CCB-95AA-9B4C-8863-6A1B948E11E7}" type="slidenum">
+            <a:fld id="{37D7FBBC-F979-CB4A-85E2-731F53961D63}" type="slidenum">
               <a:rPr lang="en-US"/>
               <a:pPr/>
               <a:t>23</a:t>
@@ -1215,7 +1213,7 @@
       </p:sp>
       <p:sp>
         <p:nvSpPr>
-          <p:cNvPr id="35842" name="Rectangle 2"/>
+          <p:cNvPr id="48130" name="Rectangle 2"/>
           <p:cNvSpPr>
             <a:spLocks noGrp="1" noRot="1" noChangeAspect="1" noChangeArrowheads="1" noTextEdit="1"/>
           </p:cNvSpPr>
@@ -1227,14 +1225,14 @@
           <a:ln/>
           <a:extLst>
             <a:ext uri="{FAA26D3D-D897-4be2-8F04-BA451C77F1D7}">
-              <ma14:placeholderFlag xmlns:ma14="http://schemas.microsoft.com/office/mac/drawingml/2011/main" xmlns="" val="1"/>
+              <ma14:placeholderFlag xmlns="" xmlns:ma14="http://schemas.microsoft.com/office/mac/drawingml/2011/main" val="1"/>
             </a:ext>
           </a:extLst>
         </p:spPr>
       </p:sp>
       <p:sp>
         <p:nvSpPr>
-          <p:cNvPr id="35843" name="Rectangle 3"/>
+          <p:cNvPr id="48131" name="Rectangle 3"/>
           <p:cNvSpPr>
             <a:spLocks noGrp="1" noChangeArrowheads="1"/>
           </p:cNvSpPr>
@@ -1293,7 +1291,7 @@
           <a:bodyPr/>
           <a:lstStyle/>
           <a:p>
-            <a:fld id="{0935DC73-8A31-B94E-819B-DD3EF5D31810}" type="slidenum">
+            <a:fld id="{92376106-637F-C043-88C3-6124759B9DD3}" type="slidenum">
               <a:rPr lang="en-US"/>
               <a:pPr/>
               <a:t>24</a:t>
@@ -1304,7 +1302,7 @@
       </p:sp>
       <p:sp>
         <p:nvSpPr>
-          <p:cNvPr id="36866" name="Rectangle 2"/>
+          <p:cNvPr id="37890" name="Rectangle 2"/>
           <p:cNvSpPr>
             <a:spLocks noGrp="1" noRot="1" noChangeAspect="1" noChangeArrowheads="1" noTextEdit="1"/>
           </p:cNvSpPr>
@@ -1316,14 +1314,14 @@
           <a:ln/>
           <a:extLst>
             <a:ext uri="{FAA26D3D-D897-4be2-8F04-BA451C77F1D7}">
-              <ma14:placeholderFlag xmlns:ma14="http://schemas.microsoft.com/office/mac/drawingml/2011/main" xmlns="" val="1"/>
+              <ma14:placeholderFlag xmlns="" xmlns:ma14="http://schemas.microsoft.com/office/mac/drawingml/2011/main" val="1"/>
             </a:ext>
           </a:extLst>
         </p:spPr>
       </p:sp>
       <p:sp>
         <p:nvSpPr>
-          <p:cNvPr id="36867" name="Rectangle 3"/>
+          <p:cNvPr id="37891" name="Rectangle 3"/>
           <p:cNvSpPr>
             <a:spLocks noGrp="1" noChangeArrowheads="1"/>
           </p:cNvSpPr>
@@ -1382,7 +1380,7 @@
           <a:bodyPr/>
           <a:lstStyle/>
           <a:p>
-            <a:fld id="{37D7FBBC-F979-CB4A-85E2-731F53961D63}" type="slidenum">
+            <a:fld id="{8AAB1E60-F4E9-224F-A32C-A21429C28241}" type="slidenum">
               <a:rPr lang="en-US"/>
               <a:pPr/>
               <a:t>25</a:t>
@@ -1393,7 +1391,7 @@
       </p:sp>
       <p:sp>
         <p:nvSpPr>
-          <p:cNvPr id="48130" name="Rectangle 2"/>
+          <p:cNvPr id="38914" name="Rectangle 2"/>
           <p:cNvSpPr>
             <a:spLocks noGrp="1" noRot="1" noChangeAspect="1" noChangeArrowheads="1" noTextEdit="1"/>
           </p:cNvSpPr>
@@ -1405,14 +1403,14 @@
           <a:ln/>
           <a:extLst>
             <a:ext uri="{FAA26D3D-D897-4be2-8F04-BA451C77F1D7}">
-              <ma14:placeholderFlag xmlns:ma14="http://schemas.microsoft.com/office/mac/drawingml/2011/main" xmlns="" val="1"/>
+              <ma14:placeholderFlag xmlns="" xmlns:ma14="http://schemas.microsoft.com/office/mac/drawingml/2011/main" val="1"/>
             </a:ext>
           </a:extLst>
         </p:spPr>
       </p:sp>
       <p:sp>
         <p:nvSpPr>
-          <p:cNvPr id="48131" name="Rectangle 3"/>
+          <p:cNvPr id="38915" name="Rectangle 3"/>
           <p:cNvSpPr>
             <a:spLocks noGrp="1" noChangeArrowheads="1"/>
           </p:cNvSpPr>
@@ -1471,7 +1469,7 @@
           <a:bodyPr/>
           <a:lstStyle/>
           <a:p>
-            <a:fld id="{92376106-637F-C043-88C3-6124759B9DD3}" type="slidenum">
+            <a:fld id="{3E06D573-1B41-6C4A-AD78-7AEBAC0C51B5}" type="slidenum">
               <a:rPr lang="en-US"/>
               <a:pPr/>
               <a:t>26</a:t>
@@ -1482,7 +1480,7 @@
       </p:sp>
       <p:sp>
         <p:nvSpPr>
-          <p:cNvPr id="37890" name="Rectangle 2"/>
+          <p:cNvPr id="39938" name="Rectangle 2"/>
           <p:cNvSpPr>
             <a:spLocks noGrp="1" noRot="1" noChangeAspect="1" noChangeArrowheads="1" noTextEdit="1"/>
           </p:cNvSpPr>
@@ -1494,185 +1492,7 @@
           <a:ln/>
           <a:extLst>
             <a:ext uri="{FAA26D3D-D897-4be2-8F04-BA451C77F1D7}">
-              <ma14:placeholderFlag xmlns:ma14="http://schemas.microsoft.com/office/mac/drawingml/2011/main" xmlns="" val="1"/>
-            </a:ext>
-          </a:extLst>
-        </p:spPr>
-      </p:sp>
-      <p:sp>
-        <p:nvSpPr>
-          <p:cNvPr id="37891" name="Rectangle 3"/>
-          <p:cNvSpPr>
-            <a:spLocks noGrp="1" noChangeArrowheads="1"/>
-          </p:cNvSpPr>
-          <p:nvPr>
-            <p:ph type="body" idx="1"/>
-          </p:nvPr>
-        </p:nvSpPr>
-        <p:spPr/>
-        <p:txBody>
-          <a:bodyPr/>
-          <a:lstStyle/>
-          <a:p>
-            <a:endParaRPr lang="en-US"/>
-          </a:p>
-        </p:txBody>
-      </p:sp>
-    </p:spTree>
-  </p:cSld>
-  <p:clrMapOvr>
-    <a:masterClrMapping/>
-  </p:clrMapOvr>
-</p:notes>
-</file>
-
-<file path=ppt/notesSlides/notesSlide18.xml><?xml version="1.0" encoding="utf-8"?>
-<p:notes xmlns:a="http://schemas.openxmlformats.org/drawingml/2006/main" xmlns:r="http://schemas.openxmlformats.org/officeDocument/2006/relationships" xmlns:p="http://schemas.openxmlformats.org/presentationml/2006/main">
-  <p:cSld>
-    <p:spTree>
-      <p:nvGrpSpPr>
-        <p:cNvPr id="1" name=""/>
-        <p:cNvGrpSpPr/>
-        <p:nvPr/>
-      </p:nvGrpSpPr>
-      <p:grpSpPr>
-        <a:xfrm>
-          <a:off x="0" y="0"/>
-          <a:ext cx="0" cy="0"/>
-          <a:chOff x="0" y="0"/>
-          <a:chExt cx="0" cy="0"/>
-        </a:xfrm>
-      </p:grpSpPr>
-      <p:sp>
-        <p:nvSpPr>
-          <p:cNvPr id="7" name="Rectangle 7"/>
-          <p:cNvSpPr>
-            <a:spLocks noGrp="1" noChangeArrowheads="1"/>
-          </p:cNvSpPr>
-          <p:nvPr>
-            <p:ph type="sldNum" sz="quarter" idx="5"/>
-          </p:nvPr>
-        </p:nvSpPr>
-        <p:spPr>
-          <a:ln/>
-        </p:spPr>
-        <p:txBody>
-          <a:bodyPr/>
-          <a:lstStyle/>
-          <a:p>
-            <a:fld id="{8AAB1E60-F4E9-224F-A32C-A21429C28241}" type="slidenum">
-              <a:rPr lang="en-US"/>
-              <a:pPr/>
-              <a:t>27</a:t>
-            </a:fld>
-            <a:endParaRPr lang="en-US"/>
-          </a:p>
-        </p:txBody>
-      </p:sp>
-      <p:sp>
-        <p:nvSpPr>
-          <p:cNvPr id="38914" name="Rectangle 2"/>
-          <p:cNvSpPr>
-            <a:spLocks noGrp="1" noRot="1" noChangeAspect="1" noChangeArrowheads="1" noTextEdit="1"/>
-          </p:cNvSpPr>
-          <p:nvPr>
-            <p:ph type="sldImg"/>
-          </p:nvPr>
-        </p:nvSpPr>
-        <p:spPr>
-          <a:ln/>
-          <a:extLst>
-            <a:ext uri="{FAA26D3D-D897-4be2-8F04-BA451C77F1D7}">
-              <ma14:placeholderFlag xmlns:ma14="http://schemas.microsoft.com/office/mac/drawingml/2011/main" xmlns="" val="1"/>
-            </a:ext>
-          </a:extLst>
-        </p:spPr>
-      </p:sp>
-      <p:sp>
-        <p:nvSpPr>
-          <p:cNvPr id="38915" name="Rectangle 3"/>
-          <p:cNvSpPr>
-            <a:spLocks noGrp="1" noChangeArrowheads="1"/>
-          </p:cNvSpPr>
-          <p:nvPr>
-            <p:ph type="body" idx="1"/>
-          </p:nvPr>
-        </p:nvSpPr>
-        <p:spPr/>
-        <p:txBody>
-          <a:bodyPr/>
-          <a:lstStyle/>
-          <a:p>
-            <a:endParaRPr lang="en-US"/>
-          </a:p>
-        </p:txBody>
-      </p:sp>
-    </p:spTree>
-  </p:cSld>
-  <p:clrMapOvr>
-    <a:masterClrMapping/>
-  </p:clrMapOvr>
-</p:notes>
-</file>
-
-<file path=ppt/notesSlides/notesSlide19.xml><?xml version="1.0" encoding="utf-8"?>
-<p:notes xmlns:a="http://schemas.openxmlformats.org/drawingml/2006/main" xmlns:r="http://schemas.openxmlformats.org/officeDocument/2006/relationships" xmlns:p="http://schemas.openxmlformats.org/presentationml/2006/main">
-  <p:cSld>
-    <p:spTree>
-      <p:nvGrpSpPr>
-        <p:cNvPr id="1" name=""/>
-        <p:cNvGrpSpPr/>
-        <p:nvPr/>
-      </p:nvGrpSpPr>
-      <p:grpSpPr>
-        <a:xfrm>
-          <a:off x="0" y="0"/>
-          <a:ext cx="0" cy="0"/>
-          <a:chOff x="0" y="0"/>
-          <a:chExt cx="0" cy="0"/>
-        </a:xfrm>
-      </p:grpSpPr>
-      <p:sp>
-        <p:nvSpPr>
-          <p:cNvPr id="7" name="Rectangle 7"/>
-          <p:cNvSpPr>
-            <a:spLocks noGrp="1" noChangeArrowheads="1"/>
-          </p:cNvSpPr>
-          <p:nvPr>
-            <p:ph type="sldNum" sz="quarter" idx="5"/>
-          </p:nvPr>
-        </p:nvSpPr>
-        <p:spPr>
-          <a:ln/>
-        </p:spPr>
-        <p:txBody>
-          <a:bodyPr/>
-          <a:lstStyle/>
-          <a:p>
-            <a:fld id="{3E06D573-1B41-6C4A-AD78-7AEBAC0C51B5}" type="slidenum">
-              <a:rPr lang="en-US"/>
-              <a:pPr/>
-              <a:t>28</a:t>
-            </a:fld>
-            <a:endParaRPr lang="en-US"/>
-          </a:p>
-        </p:txBody>
-      </p:sp>
-      <p:sp>
-        <p:nvSpPr>
-          <p:cNvPr id="39938" name="Rectangle 2"/>
-          <p:cNvSpPr>
-            <a:spLocks noGrp="1" noRot="1" noChangeAspect="1" noChangeArrowheads="1" noTextEdit="1"/>
-          </p:cNvSpPr>
-          <p:nvPr>
-            <p:ph type="sldImg"/>
-          </p:nvPr>
-        </p:nvSpPr>
-        <p:spPr>
-          <a:ln/>
-          <a:extLst>
-            <a:ext uri="{FAA26D3D-D897-4be2-8F04-BA451C77F1D7}">
-              <ma14:placeholderFlag xmlns:ma14="http://schemas.microsoft.com/office/mac/drawingml/2011/main" xmlns="" val="1"/>
+              <ma14:placeholderFlag xmlns="" xmlns:ma14="http://schemas.microsoft.com/office/mac/drawingml/2011/main" val="1"/>
             </a:ext>
           </a:extLst>
         </p:spPr>
@@ -1766,7 +1586,7 @@
           <a:ln/>
           <a:extLst>
             <a:ext uri="{FAA26D3D-D897-4be2-8F04-BA451C77F1D7}">
-              <ma14:placeholderFlag xmlns:ma14="http://schemas.microsoft.com/office/mac/drawingml/2011/main" xmlns="" val="1"/>
+              <ma14:placeholderFlag xmlns="" xmlns:ma14="http://schemas.microsoft.com/office/mac/drawingml/2011/main" val="1"/>
             </a:ext>
           </a:extLst>
         </p:spPr>
@@ -1855,7 +1675,7 @@
           <a:ln/>
           <a:extLst>
             <a:ext uri="{FAA26D3D-D897-4be2-8F04-BA451C77F1D7}">
-              <ma14:placeholderFlag xmlns:ma14="http://schemas.microsoft.com/office/mac/drawingml/2011/main" xmlns="" val="1"/>
+              <ma14:placeholderFlag xmlns="" xmlns:ma14="http://schemas.microsoft.com/office/mac/drawingml/2011/main" val="1"/>
             </a:ext>
           </a:extLst>
         </p:spPr>
@@ -1944,7 +1764,7 @@
           <a:ln/>
           <a:extLst>
             <a:ext uri="{FAA26D3D-D897-4be2-8F04-BA451C77F1D7}">
-              <ma14:placeholderFlag xmlns:ma14="http://schemas.microsoft.com/office/mac/drawingml/2011/main" xmlns="" val="1"/>
+              <ma14:placeholderFlag xmlns="" xmlns:ma14="http://schemas.microsoft.com/office/mac/drawingml/2011/main" val="1"/>
             </a:ext>
           </a:extLst>
         </p:spPr>
@@ -2033,7 +1853,7 @@
           <a:ln/>
           <a:extLst>
             <a:ext uri="{FAA26D3D-D897-4be2-8F04-BA451C77F1D7}">
-              <ma14:placeholderFlag xmlns:ma14="http://schemas.microsoft.com/office/mac/drawingml/2011/main" xmlns="" val="1"/>
+              <ma14:placeholderFlag xmlns="" xmlns:ma14="http://schemas.microsoft.com/office/mac/drawingml/2011/main" val="1"/>
             </a:ext>
           </a:extLst>
         </p:spPr>
@@ -2122,7 +1942,7 @@
           <a:ln/>
           <a:extLst>
             <a:ext uri="{FAA26D3D-D897-4be2-8F04-BA451C77F1D7}">
-              <ma14:placeholderFlag xmlns:ma14="http://schemas.microsoft.com/office/mac/drawingml/2011/main" xmlns="" val="1"/>
+              <ma14:placeholderFlag xmlns="" xmlns:ma14="http://schemas.microsoft.com/office/mac/drawingml/2011/main" val="1"/>
             </a:ext>
           </a:extLst>
         </p:spPr>
@@ -2211,7 +2031,7 @@
           <a:ln/>
           <a:extLst>
             <a:ext uri="{FAA26D3D-D897-4be2-8F04-BA451C77F1D7}">
-              <ma14:placeholderFlag xmlns:ma14="http://schemas.microsoft.com/office/mac/drawingml/2011/main" xmlns="" val="1"/>
+              <ma14:placeholderFlag xmlns="" xmlns:ma14="http://schemas.microsoft.com/office/mac/drawingml/2011/main" val="1"/>
             </a:ext>
           </a:extLst>
         </p:spPr>
@@ -2300,7 +2120,7 @@
           <a:ln/>
           <a:extLst>
             <a:ext uri="{FAA26D3D-D897-4be2-8F04-BA451C77F1D7}">
-              <ma14:placeholderFlag xmlns:ma14="http://schemas.microsoft.com/office/mac/drawingml/2011/main" xmlns="" val="1"/>
+              <ma14:placeholderFlag xmlns="" xmlns:ma14="http://schemas.microsoft.com/office/mac/drawingml/2011/main" val="1"/>
             </a:ext>
           </a:extLst>
         </p:spPr>
@@ -2389,7 +2209,7 @@
           <a:ln/>
           <a:extLst>
             <a:ext uri="{FAA26D3D-D897-4be2-8F04-BA451C77F1D7}">
-              <ma14:placeholderFlag xmlns:ma14="http://schemas.microsoft.com/office/mac/drawingml/2011/main" xmlns="" val="1"/>
+              <ma14:placeholderFlag xmlns="" xmlns:ma14="http://schemas.microsoft.com/office/mac/drawingml/2011/main" val="1"/>
             </a:ext>
           </a:extLst>
         </p:spPr>
@@ -2466,12 +2286,12 @@
           <a:effectLst/>
           <a:extLst>
             <a:ext uri="{909E8E84-426E-40dd-AFC4-6F175D3DCCD1}">
-              <a14:hiddenFill xmlns="" xmlns:a14="http://schemas.microsoft.com/office/drawing/2010/main">
+              <a14:hiddenFill xmlns:a14="http://schemas.microsoft.com/office/drawing/2010/main" xmlns="">
                 <a:noFill/>
               </a14:hiddenFill>
             </a:ext>
             <a:ext uri="{AF507438-7753-43e0-B8FC-AC1667EBCBE1}">
-              <a14:hiddenEffects xmlns="" xmlns:a14="http://schemas.microsoft.com/office/drawing/2010/main">
+              <a14:hiddenEffects xmlns:a14="http://schemas.microsoft.com/office/drawing/2010/main" xmlns="">
                 <a:effectLst>
                   <a:outerShdw blurRad="63500" dist="38099" dir="2700000" algn="ctr" rotWithShape="0">
                     <a:schemeClr val="bg2">
@@ -2672,7 +2492,7 @@
             <a:effectLst/>
             <a:extLst>
               <a:ext uri="{91240B29-F687-4f45-9708-019B960494DF}">
-                <a14:hiddenLine xmlns="" xmlns:a14="http://schemas.microsoft.com/office/drawing/2010/main" w="9525">
+                <a14:hiddenLine xmlns:a14="http://schemas.microsoft.com/office/drawing/2010/main" xmlns="" w="9525">
                   <a:solidFill>
                     <a:schemeClr val="tx1"/>
                   </a:solidFill>
@@ -2682,7 +2502,7 @@
                 </a14:hiddenLine>
               </a:ext>
               <a:ext uri="{AF507438-7753-43e0-B8FC-AC1667EBCBE1}">
-                <a14:hiddenEffects xmlns="" xmlns:a14="http://schemas.microsoft.com/office/drawing/2010/main">
+                <a14:hiddenEffects xmlns:a14="http://schemas.microsoft.com/office/drawing/2010/main" xmlns="">
                   <a:effectLst>
                     <a:outerShdw blurRad="63500" dist="38099" dir="2700000" algn="ctr" rotWithShape="0">
                       <a:schemeClr val="bg2">
@@ -2727,7 +2547,7 @@
             <a:effectLst/>
             <a:extLst>
               <a:ext uri="{91240B29-F687-4f45-9708-019B960494DF}">
-                <a14:hiddenLine xmlns="" xmlns:a14="http://schemas.microsoft.com/office/drawing/2010/main" w="9525">
+                <a14:hiddenLine xmlns:a14="http://schemas.microsoft.com/office/drawing/2010/main" xmlns="" w="9525">
                   <a:solidFill>
                     <a:schemeClr val="tx1"/>
                   </a:solidFill>
@@ -2737,7 +2557,7 @@
                 </a14:hiddenLine>
               </a:ext>
               <a:ext uri="{AF507438-7753-43e0-B8FC-AC1667EBCBE1}">
-                <a14:hiddenEffects xmlns="" xmlns:a14="http://schemas.microsoft.com/office/drawing/2010/main">
+                <a14:hiddenEffects xmlns:a14="http://schemas.microsoft.com/office/drawing/2010/main" xmlns="">
                   <a:effectLst>
                     <a:outerShdw blurRad="63500" dist="38099" dir="2700000" algn="ctr" rotWithShape="0">
                       <a:schemeClr val="bg2">
@@ -2782,7 +2602,7 @@
             <a:effectLst/>
             <a:extLst>
               <a:ext uri="{91240B29-F687-4f45-9708-019B960494DF}">
-                <a14:hiddenLine xmlns="" xmlns:a14="http://schemas.microsoft.com/office/drawing/2010/main" w="9525">
+                <a14:hiddenLine xmlns:a14="http://schemas.microsoft.com/office/drawing/2010/main" xmlns="" w="9525">
                   <a:solidFill>
                     <a:schemeClr val="tx1"/>
                   </a:solidFill>
@@ -2792,7 +2612,7 @@
                 </a14:hiddenLine>
               </a:ext>
               <a:ext uri="{AF507438-7753-43e0-B8FC-AC1667EBCBE1}">
-                <a14:hiddenEffects xmlns="" xmlns:a14="http://schemas.microsoft.com/office/drawing/2010/main">
+                <a14:hiddenEffects xmlns:a14="http://schemas.microsoft.com/office/drawing/2010/main" xmlns="">
                   <a:effectLst>
                     <a:outerShdw blurRad="63500" dist="38099" dir="2700000" algn="ctr" rotWithShape="0">
                       <a:schemeClr val="bg2">
@@ -2837,7 +2657,7 @@
             <a:effectLst/>
             <a:extLst>
               <a:ext uri="{91240B29-F687-4f45-9708-019B960494DF}">
-                <a14:hiddenLine xmlns="" xmlns:a14="http://schemas.microsoft.com/office/drawing/2010/main" w="9525">
+                <a14:hiddenLine xmlns:a14="http://schemas.microsoft.com/office/drawing/2010/main" xmlns="" w="9525">
                   <a:solidFill>
                     <a:schemeClr val="tx1"/>
                   </a:solidFill>
@@ -2847,7 +2667,7 @@
                 </a14:hiddenLine>
               </a:ext>
               <a:ext uri="{AF507438-7753-43e0-B8FC-AC1667EBCBE1}">
-                <a14:hiddenEffects xmlns="" xmlns:a14="http://schemas.microsoft.com/office/drawing/2010/main">
+                <a14:hiddenEffects xmlns:a14="http://schemas.microsoft.com/office/drawing/2010/main" xmlns="">
                   <a:effectLst>
                     <a:outerShdw blurRad="63500" dist="38099" dir="2700000" algn="ctr" rotWithShape="0">
                       <a:schemeClr val="bg2">
@@ -2892,7 +2712,7 @@
             <a:effectLst/>
             <a:extLst>
               <a:ext uri="{91240B29-F687-4f45-9708-019B960494DF}">
-                <a14:hiddenLine xmlns="" xmlns:a14="http://schemas.microsoft.com/office/drawing/2010/main" w="9525">
+                <a14:hiddenLine xmlns:a14="http://schemas.microsoft.com/office/drawing/2010/main" xmlns="" w="9525">
                   <a:solidFill>
                     <a:schemeClr val="tx1"/>
                   </a:solidFill>
@@ -2902,7 +2722,7 @@
                 </a14:hiddenLine>
               </a:ext>
               <a:ext uri="{AF507438-7753-43e0-B8FC-AC1667EBCBE1}">
-                <a14:hiddenEffects xmlns="" xmlns:a14="http://schemas.microsoft.com/office/drawing/2010/main">
+                <a14:hiddenEffects xmlns:a14="http://schemas.microsoft.com/office/drawing/2010/main" xmlns="">
                   <a:effectLst>
                     <a:outerShdw blurRad="63500" dist="38099" dir="2700000" algn="ctr" rotWithShape="0">
                       <a:schemeClr val="bg2">
@@ -2947,7 +2767,7 @@
             <a:effectLst/>
             <a:extLst>
               <a:ext uri="{91240B29-F687-4f45-9708-019B960494DF}">
-                <a14:hiddenLine xmlns="" xmlns:a14="http://schemas.microsoft.com/office/drawing/2010/main" w="9525">
+                <a14:hiddenLine xmlns:a14="http://schemas.microsoft.com/office/drawing/2010/main" xmlns="" w="9525">
                   <a:solidFill>
                     <a:schemeClr val="tx1"/>
                   </a:solidFill>
@@ -2957,7 +2777,7 @@
                 </a14:hiddenLine>
               </a:ext>
               <a:ext uri="{AF507438-7753-43e0-B8FC-AC1667EBCBE1}">
-                <a14:hiddenEffects xmlns="" xmlns:a14="http://schemas.microsoft.com/office/drawing/2010/main">
+                <a14:hiddenEffects xmlns:a14="http://schemas.microsoft.com/office/drawing/2010/main" xmlns="">
                   <a:effectLst>
                     <a:outerShdw blurRad="63500" dist="38099" dir="2700000" algn="ctr" rotWithShape="0">
                       <a:schemeClr val="bg2">
@@ -3002,7 +2822,7 @@
             <a:effectLst/>
             <a:extLst>
               <a:ext uri="{91240B29-F687-4f45-9708-019B960494DF}">
-                <a14:hiddenLine xmlns="" xmlns:a14="http://schemas.microsoft.com/office/drawing/2010/main" w="9525">
+                <a14:hiddenLine xmlns:a14="http://schemas.microsoft.com/office/drawing/2010/main" xmlns="" w="9525">
                   <a:solidFill>
                     <a:schemeClr val="tx1"/>
                   </a:solidFill>
@@ -3012,7 +2832,7 @@
                 </a14:hiddenLine>
               </a:ext>
               <a:ext uri="{AF507438-7753-43e0-B8FC-AC1667EBCBE1}">
-                <a14:hiddenEffects xmlns="" xmlns:a14="http://schemas.microsoft.com/office/drawing/2010/main">
+                <a14:hiddenEffects xmlns:a14="http://schemas.microsoft.com/office/drawing/2010/main" xmlns="">
                   <a:effectLst>
                     <a:outerShdw blurRad="63500" dist="38099" dir="2700000" algn="ctr" rotWithShape="0">
                       <a:schemeClr val="bg2">
@@ -3057,7 +2877,7 @@
             <a:effectLst/>
             <a:extLst>
               <a:ext uri="{91240B29-F687-4f45-9708-019B960494DF}">
-                <a14:hiddenLine xmlns="" xmlns:a14="http://schemas.microsoft.com/office/drawing/2010/main" w="9525">
+                <a14:hiddenLine xmlns:a14="http://schemas.microsoft.com/office/drawing/2010/main" xmlns="" w="9525">
                   <a:solidFill>
                     <a:schemeClr val="tx1"/>
                   </a:solidFill>
@@ -3067,7 +2887,7 @@
                 </a14:hiddenLine>
               </a:ext>
               <a:ext uri="{AF507438-7753-43e0-B8FC-AC1667EBCBE1}">
-                <a14:hiddenEffects xmlns="" xmlns:a14="http://schemas.microsoft.com/office/drawing/2010/main">
+                <a14:hiddenEffects xmlns:a14="http://schemas.microsoft.com/office/drawing/2010/main" xmlns="">
                   <a:effectLst>
                     <a:outerShdw blurRad="63500" dist="38099" dir="2700000" algn="ctr" rotWithShape="0">
                       <a:schemeClr val="bg2">
@@ -3112,7 +2932,7 @@
             <a:effectLst/>
             <a:extLst>
               <a:ext uri="{91240B29-F687-4f45-9708-019B960494DF}">
-                <a14:hiddenLine xmlns="" xmlns:a14="http://schemas.microsoft.com/office/drawing/2010/main" w="9525">
+                <a14:hiddenLine xmlns:a14="http://schemas.microsoft.com/office/drawing/2010/main" xmlns="" w="9525">
                   <a:solidFill>
                     <a:schemeClr val="tx1"/>
                   </a:solidFill>
@@ -3122,7 +2942,7 @@
                 </a14:hiddenLine>
               </a:ext>
               <a:ext uri="{AF507438-7753-43e0-B8FC-AC1667EBCBE1}">
-                <a14:hiddenEffects xmlns="" xmlns:a14="http://schemas.microsoft.com/office/drawing/2010/main">
+                <a14:hiddenEffects xmlns:a14="http://schemas.microsoft.com/office/drawing/2010/main" xmlns="">
                   <a:effectLst>
                     <a:outerShdw blurRad="63500" dist="38099" dir="2700000" algn="ctr" rotWithShape="0">
                       <a:schemeClr val="bg2">
@@ -3167,7 +2987,7 @@
             <a:effectLst/>
             <a:extLst>
               <a:ext uri="{91240B29-F687-4f45-9708-019B960494DF}">
-                <a14:hiddenLine xmlns="" xmlns:a14="http://schemas.microsoft.com/office/drawing/2010/main" w="9525">
+                <a14:hiddenLine xmlns:a14="http://schemas.microsoft.com/office/drawing/2010/main" xmlns="" w="9525">
                   <a:solidFill>
                     <a:schemeClr val="tx1"/>
                   </a:solidFill>
@@ -3177,7 +2997,7 @@
                 </a14:hiddenLine>
               </a:ext>
               <a:ext uri="{AF507438-7753-43e0-B8FC-AC1667EBCBE1}">
-                <a14:hiddenEffects xmlns="" xmlns:a14="http://schemas.microsoft.com/office/drawing/2010/main">
+                <a14:hiddenEffects xmlns:a14="http://schemas.microsoft.com/office/drawing/2010/main" xmlns="">
                   <a:effectLst>
                     <a:outerShdw blurRad="63500" dist="38099" dir="2700000" algn="ctr" rotWithShape="0">
                       <a:schemeClr val="bg2">
@@ -3222,7 +3042,7 @@
             <a:effectLst/>
             <a:extLst>
               <a:ext uri="{91240B29-F687-4f45-9708-019B960494DF}">
-                <a14:hiddenLine xmlns="" xmlns:a14="http://schemas.microsoft.com/office/drawing/2010/main" w="9525">
+                <a14:hiddenLine xmlns:a14="http://schemas.microsoft.com/office/drawing/2010/main" xmlns="" w="9525">
                   <a:solidFill>
                     <a:schemeClr val="tx1"/>
                   </a:solidFill>
@@ -3232,7 +3052,7 @@
                 </a14:hiddenLine>
               </a:ext>
               <a:ext uri="{AF507438-7753-43e0-B8FC-AC1667EBCBE1}">
-                <a14:hiddenEffects xmlns="" xmlns:a14="http://schemas.microsoft.com/office/drawing/2010/main">
+                <a14:hiddenEffects xmlns:a14="http://schemas.microsoft.com/office/drawing/2010/main" xmlns="">
                   <a:effectLst>
                     <a:outerShdw blurRad="63500" dist="38099" dir="2700000" algn="ctr" rotWithShape="0">
                       <a:schemeClr val="bg2">
@@ -3277,7 +3097,7 @@
             <a:effectLst/>
             <a:extLst>
               <a:ext uri="{91240B29-F687-4f45-9708-019B960494DF}">
-                <a14:hiddenLine xmlns="" xmlns:a14="http://schemas.microsoft.com/office/drawing/2010/main" w="9525">
+                <a14:hiddenLine xmlns:a14="http://schemas.microsoft.com/office/drawing/2010/main" xmlns="" w="9525">
                   <a:solidFill>
                     <a:schemeClr val="tx1"/>
                   </a:solidFill>
@@ -3287,7 +3107,7 @@
                 </a14:hiddenLine>
               </a:ext>
               <a:ext uri="{AF507438-7753-43e0-B8FC-AC1667EBCBE1}">
-                <a14:hiddenEffects xmlns="" xmlns:a14="http://schemas.microsoft.com/office/drawing/2010/main">
+                <a14:hiddenEffects xmlns:a14="http://schemas.microsoft.com/office/drawing/2010/main" xmlns="">
                   <a:effectLst>
                     <a:outerShdw blurRad="63500" dist="38099" dir="2700000" algn="ctr" rotWithShape="0">
                       <a:schemeClr val="bg2">
@@ -3332,7 +3152,7 @@
             <a:effectLst/>
             <a:extLst>
               <a:ext uri="{91240B29-F687-4f45-9708-019B960494DF}">
-                <a14:hiddenLine xmlns="" xmlns:a14="http://schemas.microsoft.com/office/drawing/2010/main" w="9525">
+                <a14:hiddenLine xmlns:a14="http://schemas.microsoft.com/office/drawing/2010/main" xmlns="" w="9525">
                   <a:solidFill>
                     <a:schemeClr val="tx1"/>
                   </a:solidFill>
@@ -3342,7 +3162,7 @@
                 </a14:hiddenLine>
               </a:ext>
               <a:ext uri="{AF507438-7753-43e0-B8FC-AC1667EBCBE1}">
-                <a14:hiddenEffects xmlns="" xmlns:a14="http://schemas.microsoft.com/office/drawing/2010/main">
+                <a14:hiddenEffects xmlns:a14="http://schemas.microsoft.com/office/drawing/2010/main" xmlns="">
                   <a:effectLst>
                     <a:outerShdw blurRad="63500" dist="38099" dir="2700000" algn="ctr" rotWithShape="0">
                       <a:schemeClr val="bg2">
@@ -3387,7 +3207,7 @@
             <a:effectLst/>
             <a:extLst>
               <a:ext uri="{91240B29-F687-4f45-9708-019B960494DF}">
-                <a14:hiddenLine xmlns="" xmlns:a14="http://schemas.microsoft.com/office/drawing/2010/main" w="9525">
+                <a14:hiddenLine xmlns:a14="http://schemas.microsoft.com/office/drawing/2010/main" xmlns="" w="9525">
                   <a:solidFill>
                     <a:schemeClr val="tx1"/>
                   </a:solidFill>
@@ -3397,7 +3217,7 @@
                 </a14:hiddenLine>
               </a:ext>
               <a:ext uri="{AF507438-7753-43e0-B8FC-AC1667EBCBE1}">
-                <a14:hiddenEffects xmlns="" xmlns:a14="http://schemas.microsoft.com/office/drawing/2010/main">
+                <a14:hiddenEffects xmlns:a14="http://schemas.microsoft.com/office/drawing/2010/main" xmlns="">
                   <a:effectLst>
                     <a:outerShdw blurRad="63500" dist="38099" dir="2700000" algn="ctr" rotWithShape="0">
                       <a:schemeClr val="bg2">
@@ -3442,7 +3262,7 @@
             <a:effectLst/>
             <a:extLst>
               <a:ext uri="{91240B29-F687-4f45-9708-019B960494DF}">
-                <a14:hiddenLine xmlns="" xmlns:a14="http://schemas.microsoft.com/office/drawing/2010/main" w="9525">
+                <a14:hiddenLine xmlns:a14="http://schemas.microsoft.com/office/drawing/2010/main" xmlns="" w="9525">
                   <a:solidFill>
                     <a:schemeClr val="tx1"/>
                   </a:solidFill>
@@ -3452,7 +3272,7 @@
                 </a14:hiddenLine>
               </a:ext>
               <a:ext uri="{AF507438-7753-43e0-B8FC-AC1667EBCBE1}">
-                <a14:hiddenEffects xmlns="" xmlns:a14="http://schemas.microsoft.com/office/drawing/2010/main">
+                <a14:hiddenEffects xmlns:a14="http://schemas.microsoft.com/office/drawing/2010/main" xmlns="">
                   <a:effectLst>
                     <a:outerShdw blurRad="63500" dist="38099" dir="2700000" algn="ctr" rotWithShape="0">
                       <a:schemeClr val="bg2">
@@ -3497,7 +3317,7 @@
             <a:effectLst/>
             <a:extLst>
               <a:ext uri="{91240B29-F687-4f45-9708-019B960494DF}">
-                <a14:hiddenLine xmlns="" xmlns:a14="http://schemas.microsoft.com/office/drawing/2010/main" w="9525">
+                <a14:hiddenLine xmlns:a14="http://schemas.microsoft.com/office/drawing/2010/main" xmlns="" w="9525">
                   <a:solidFill>
                     <a:schemeClr val="tx1"/>
                   </a:solidFill>
@@ -3507,7 +3327,7 @@
                 </a14:hiddenLine>
               </a:ext>
               <a:ext uri="{AF507438-7753-43e0-B8FC-AC1667EBCBE1}">
-                <a14:hiddenEffects xmlns="" xmlns:a14="http://schemas.microsoft.com/office/drawing/2010/main">
+                <a14:hiddenEffects xmlns:a14="http://schemas.microsoft.com/office/drawing/2010/main" xmlns="">
                   <a:effectLst>
                     <a:outerShdw blurRad="63500" dist="38099" dir="2700000" algn="ctr" rotWithShape="0">
                       <a:schemeClr val="bg2">
@@ -3552,7 +3372,7 @@
             <a:effectLst/>
             <a:extLst>
               <a:ext uri="{91240B29-F687-4f45-9708-019B960494DF}">
-                <a14:hiddenLine xmlns="" xmlns:a14="http://schemas.microsoft.com/office/drawing/2010/main" w="9525">
+                <a14:hiddenLine xmlns:a14="http://schemas.microsoft.com/office/drawing/2010/main" xmlns="" w="9525">
                   <a:solidFill>
                     <a:schemeClr val="tx1"/>
                   </a:solidFill>
@@ -3562,7 +3382,7 @@
                 </a14:hiddenLine>
               </a:ext>
               <a:ext uri="{AF507438-7753-43e0-B8FC-AC1667EBCBE1}">
-                <a14:hiddenEffects xmlns="" xmlns:a14="http://schemas.microsoft.com/office/drawing/2010/main">
+                <a14:hiddenEffects xmlns:a14="http://schemas.microsoft.com/office/drawing/2010/main" xmlns="">
                   <a:effectLst>
                     <a:outerShdw blurRad="63500" dist="38099" dir="2700000" algn="ctr" rotWithShape="0">
                       <a:schemeClr val="bg2">
@@ -3607,7 +3427,7 @@
             <a:effectLst/>
             <a:extLst>
               <a:ext uri="{91240B29-F687-4f45-9708-019B960494DF}">
-                <a14:hiddenLine xmlns="" xmlns:a14="http://schemas.microsoft.com/office/drawing/2010/main" w="9525">
+                <a14:hiddenLine xmlns:a14="http://schemas.microsoft.com/office/drawing/2010/main" xmlns="" w="9525">
                   <a:solidFill>
                     <a:schemeClr val="tx1"/>
                   </a:solidFill>
@@ -3617,7 +3437,7 @@
                 </a14:hiddenLine>
               </a:ext>
               <a:ext uri="{AF507438-7753-43e0-B8FC-AC1667EBCBE1}">
-                <a14:hiddenEffects xmlns="" xmlns:a14="http://schemas.microsoft.com/office/drawing/2010/main">
+                <a14:hiddenEffects xmlns:a14="http://schemas.microsoft.com/office/drawing/2010/main" xmlns="">
                   <a:effectLst>
                     <a:outerShdw blurRad="63500" dist="38099" dir="2700000" algn="ctr" rotWithShape="0">
                       <a:schemeClr val="bg2">
@@ -3662,7 +3482,7 @@
             <a:effectLst/>
             <a:extLst>
               <a:ext uri="{91240B29-F687-4f45-9708-019B960494DF}">
-                <a14:hiddenLine xmlns="" xmlns:a14="http://schemas.microsoft.com/office/drawing/2010/main" w="9525">
+                <a14:hiddenLine xmlns:a14="http://schemas.microsoft.com/office/drawing/2010/main" xmlns="" w="9525">
                   <a:solidFill>
                     <a:schemeClr val="tx1"/>
                   </a:solidFill>
@@ -3672,7 +3492,7 @@
                 </a14:hiddenLine>
               </a:ext>
               <a:ext uri="{AF507438-7753-43e0-B8FC-AC1667EBCBE1}">
-                <a14:hiddenEffects xmlns="" xmlns:a14="http://schemas.microsoft.com/office/drawing/2010/main">
+                <a14:hiddenEffects xmlns:a14="http://schemas.microsoft.com/office/drawing/2010/main" xmlns="">
                   <a:effectLst>
                     <a:outerShdw blurRad="63500" dist="38099" dir="2700000" algn="ctr" rotWithShape="0">
                       <a:schemeClr val="bg2">
@@ -3717,7 +3537,7 @@
             <a:effectLst/>
             <a:extLst>
               <a:ext uri="{91240B29-F687-4f45-9708-019B960494DF}">
-                <a14:hiddenLine xmlns="" xmlns:a14="http://schemas.microsoft.com/office/drawing/2010/main" w="9525">
+                <a14:hiddenLine xmlns:a14="http://schemas.microsoft.com/office/drawing/2010/main" xmlns="" w="9525">
                   <a:solidFill>
                     <a:schemeClr val="tx1"/>
                   </a:solidFill>
@@ -3727,7 +3547,7 @@
                 </a14:hiddenLine>
               </a:ext>
               <a:ext uri="{AF507438-7753-43e0-B8FC-AC1667EBCBE1}">
-                <a14:hiddenEffects xmlns="" xmlns:a14="http://schemas.microsoft.com/office/drawing/2010/main">
+                <a14:hiddenEffects xmlns:a14="http://schemas.microsoft.com/office/drawing/2010/main" xmlns="">
                   <a:effectLst>
                     <a:outerShdw blurRad="63500" dist="38099" dir="2700000" algn="ctr" rotWithShape="0">
                       <a:schemeClr val="bg2">
@@ -3772,7 +3592,7 @@
             <a:effectLst/>
             <a:extLst>
               <a:ext uri="{91240B29-F687-4f45-9708-019B960494DF}">
-                <a14:hiddenLine xmlns="" xmlns:a14="http://schemas.microsoft.com/office/drawing/2010/main" w="9525">
+                <a14:hiddenLine xmlns:a14="http://schemas.microsoft.com/office/drawing/2010/main" xmlns="" w="9525">
                   <a:solidFill>
                     <a:schemeClr val="tx1"/>
                   </a:solidFill>
@@ -3782,7 +3602,7 @@
                 </a14:hiddenLine>
               </a:ext>
               <a:ext uri="{AF507438-7753-43e0-B8FC-AC1667EBCBE1}">
-                <a14:hiddenEffects xmlns="" xmlns:a14="http://schemas.microsoft.com/office/drawing/2010/main">
+                <a14:hiddenEffects xmlns:a14="http://schemas.microsoft.com/office/drawing/2010/main" xmlns="">
                   <a:effectLst>
                     <a:outerShdw blurRad="63500" dist="38099" dir="2700000" algn="ctr" rotWithShape="0">
                       <a:schemeClr val="bg2">
@@ -3827,7 +3647,7 @@
             <a:effectLst/>
             <a:extLst>
               <a:ext uri="{91240B29-F687-4f45-9708-019B960494DF}">
-                <a14:hiddenLine xmlns="" xmlns:a14="http://schemas.microsoft.com/office/drawing/2010/main" w="9525">
+                <a14:hiddenLine xmlns:a14="http://schemas.microsoft.com/office/drawing/2010/main" xmlns="" w="9525">
                   <a:solidFill>
                     <a:schemeClr val="tx1"/>
                   </a:solidFill>
@@ -3837,7 +3657,7 @@
                 </a14:hiddenLine>
               </a:ext>
               <a:ext uri="{AF507438-7753-43e0-B8FC-AC1667EBCBE1}">
-                <a14:hiddenEffects xmlns="" xmlns:a14="http://schemas.microsoft.com/office/drawing/2010/main">
+                <a14:hiddenEffects xmlns:a14="http://schemas.microsoft.com/office/drawing/2010/main" xmlns="">
                   <a:effectLst>
                     <a:outerShdw blurRad="63500" dist="38099" dir="2700000" algn="ctr" rotWithShape="0">
                       <a:schemeClr val="bg2">
@@ -3882,7 +3702,7 @@
             <a:effectLst/>
             <a:extLst>
               <a:ext uri="{91240B29-F687-4f45-9708-019B960494DF}">
-                <a14:hiddenLine xmlns="" xmlns:a14="http://schemas.microsoft.com/office/drawing/2010/main" w="9525">
+                <a14:hiddenLine xmlns:a14="http://schemas.microsoft.com/office/drawing/2010/main" xmlns="" w="9525">
                   <a:solidFill>
                     <a:schemeClr val="tx1"/>
                   </a:solidFill>
@@ -3892,7 +3712,7 @@
                 </a14:hiddenLine>
               </a:ext>
               <a:ext uri="{AF507438-7753-43e0-B8FC-AC1667EBCBE1}">
-                <a14:hiddenEffects xmlns="" xmlns:a14="http://schemas.microsoft.com/office/drawing/2010/main">
+                <a14:hiddenEffects xmlns:a14="http://schemas.microsoft.com/office/drawing/2010/main" xmlns="">
                   <a:effectLst>
                     <a:outerShdw blurRad="63500" dist="38099" dir="2700000" algn="ctr" rotWithShape="0">
                       <a:schemeClr val="bg2">
@@ -3937,7 +3757,7 @@
             <a:effectLst/>
             <a:extLst>
               <a:ext uri="{91240B29-F687-4f45-9708-019B960494DF}">
-                <a14:hiddenLine xmlns="" xmlns:a14="http://schemas.microsoft.com/office/drawing/2010/main" w="9525">
+                <a14:hiddenLine xmlns:a14="http://schemas.microsoft.com/office/drawing/2010/main" xmlns="" w="9525">
                   <a:solidFill>
                     <a:schemeClr val="tx1"/>
                   </a:solidFill>
@@ -3947,7 +3767,7 @@
                 </a14:hiddenLine>
               </a:ext>
               <a:ext uri="{AF507438-7753-43e0-B8FC-AC1667EBCBE1}">
-                <a14:hiddenEffects xmlns="" xmlns:a14="http://schemas.microsoft.com/office/drawing/2010/main">
+                <a14:hiddenEffects xmlns:a14="http://schemas.microsoft.com/office/drawing/2010/main" xmlns="">
                   <a:effectLst>
                     <a:outerShdw blurRad="63500" dist="38099" dir="2700000" algn="ctr" rotWithShape="0">
                       <a:schemeClr val="bg2">
@@ -3992,7 +3812,7 @@
             <a:effectLst/>
             <a:extLst>
               <a:ext uri="{91240B29-F687-4f45-9708-019B960494DF}">
-                <a14:hiddenLine xmlns="" xmlns:a14="http://schemas.microsoft.com/office/drawing/2010/main" w="9525">
+                <a14:hiddenLine xmlns:a14="http://schemas.microsoft.com/office/drawing/2010/main" xmlns="" w="9525">
                   <a:solidFill>
                     <a:schemeClr val="tx1"/>
                   </a:solidFill>
@@ -4002,7 +3822,7 @@
                 </a14:hiddenLine>
               </a:ext>
               <a:ext uri="{AF507438-7753-43e0-B8FC-AC1667EBCBE1}">
-                <a14:hiddenEffects xmlns="" xmlns:a14="http://schemas.microsoft.com/office/drawing/2010/main">
+                <a14:hiddenEffects xmlns:a14="http://schemas.microsoft.com/office/drawing/2010/main" xmlns="">
                   <a:effectLst>
                     <a:outerShdw blurRad="63500" dist="38099" dir="2700000" algn="ctr" rotWithShape="0">
                       <a:schemeClr val="bg2">
@@ -4047,7 +3867,7 @@
             <a:effectLst/>
             <a:extLst>
               <a:ext uri="{91240B29-F687-4f45-9708-019B960494DF}">
-                <a14:hiddenLine xmlns="" xmlns:a14="http://schemas.microsoft.com/office/drawing/2010/main" w="9525">
+                <a14:hiddenLine xmlns:a14="http://schemas.microsoft.com/office/drawing/2010/main" xmlns="" w="9525">
                   <a:solidFill>
                     <a:schemeClr val="tx1"/>
                   </a:solidFill>
@@ -4057,7 +3877,7 @@
                 </a14:hiddenLine>
               </a:ext>
               <a:ext uri="{AF507438-7753-43e0-B8FC-AC1667EBCBE1}">
-                <a14:hiddenEffects xmlns="" xmlns:a14="http://schemas.microsoft.com/office/drawing/2010/main">
+                <a14:hiddenEffects xmlns:a14="http://schemas.microsoft.com/office/drawing/2010/main" xmlns="">
                   <a:effectLst>
                     <a:outerShdw blurRad="63500" dist="38099" dir="2700000" algn="ctr" rotWithShape="0">
                       <a:schemeClr val="bg2">
@@ -4102,7 +3922,7 @@
             <a:effectLst/>
             <a:extLst>
               <a:ext uri="{91240B29-F687-4f45-9708-019B960494DF}">
-                <a14:hiddenLine xmlns="" xmlns:a14="http://schemas.microsoft.com/office/drawing/2010/main" w="9525">
+                <a14:hiddenLine xmlns:a14="http://schemas.microsoft.com/office/drawing/2010/main" xmlns="" w="9525">
                   <a:solidFill>
                     <a:schemeClr val="tx1"/>
                   </a:solidFill>
@@ -4112,7 +3932,7 @@
                 </a14:hiddenLine>
               </a:ext>
               <a:ext uri="{AF507438-7753-43e0-B8FC-AC1667EBCBE1}">
-                <a14:hiddenEffects xmlns="" xmlns:a14="http://schemas.microsoft.com/office/drawing/2010/main">
+                <a14:hiddenEffects xmlns:a14="http://schemas.microsoft.com/office/drawing/2010/main" xmlns="">
                   <a:effectLst>
                     <a:outerShdw blurRad="63500" dist="38099" dir="2700000" algn="ctr" rotWithShape="0">
                       <a:schemeClr val="bg2">
@@ -4157,7 +3977,7 @@
             <a:effectLst/>
             <a:extLst>
               <a:ext uri="{91240B29-F687-4f45-9708-019B960494DF}">
-                <a14:hiddenLine xmlns="" xmlns:a14="http://schemas.microsoft.com/office/drawing/2010/main" w="9525">
+                <a14:hiddenLine xmlns:a14="http://schemas.microsoft.com/office/drawing/2010/main" xmlns="" w="9525">
                   <a:solidFill>
                     <a:schemeClr val="tx1"/>
                   </a:solidFill>
@@ -4167,7 +3987,7 @@
                 </a14:hiddenLine>
               </a:ext>
               <a:ext uri="{AF507438-7753-43e0-B8FC-AC1667EBCBE1}">
-                <a14:hiddenEffects xmlns="" xmlns:a14="http://schemas.microsoft.com/office/drawing/2010/main">
+                <a14:hiddenEffects xmlns:a14="http://schemas.microsoft.com/office/drawing/2010/main" xmlns="">
                   <a:effectLst>
                     <a:outerShdw blurRad="63500" dist="38099" dir="2700000" algn="ctr" rotWithShape="0">
                       <a:schemeClr val="bg2">
@@ -4212,7 +4032,7 @@
             <a:effectLst/>
             <a:extLst>
               <a:ext uri="{91240B29-F687-4f45-9708-019B960494DF}">
-                <a14:hiddenLine xmlns="" xmlns:a14="http://schemas.microsoft.com/office/drawing/2010/main" w="9525">
+                <a14:hiddenLine xmlns:a14="http://schemas.microsoft.com/office/drawing/2010/main" xmlns="" w="9525">
                   <a:solidFill>
                     <a:schemeClr val="tx1"/>
                   </a:solidFill>
@@ -4222,7 +4042,7 @@
                 </a14:hiddenLine>
               </a:ext>
               <a:ext uri="{AF507438-7753-43e0-B8FC-AC1667EBCBE1}">
-                <a14:hiddenEffects xmlns="" xmlns:a14="http://schemas.microsoft.com/office/drawing/2010/main">
+                <a14:hiddenEffects xmlns:a14="http://schemas.microsoft.com/office/drawing/2010/main" xmlns="">
                   <a:effectLst>
                     <a:outerShdw blurRad="63500" dist="38099" dir="2700000" algn="ctr" rotWithShape="0">
                       <a:schemeClr val="bg2">
@@ -4267,7 +4087,7 @@
             <a:effectLst/>
             <a:extLst>
               <a:ext uri="{91240B29-F687-4f45-9708-019B960494DF}">
-                <a14:hiddenLine xmlns="" xmlns:a14="http://schemas.microsoft.com/office/drawing/2010/main" w="9525">
+                <a14:hiddenLine xmlns:a14="http://schemas.microsoft.com/office/drawing/2010/main" xmlns="" w="9525">
                   <a:solidFill>
                     <a:schemeClr val="tx1"/>
                   </a:solidFill>
@@ -4277,7 +4097,7 @@
                 </a14:hiddenLine>
               </a:ext>
               <a:ext uri="{AF507438-7753-43e0-B8FC-AC1667EBCBE1}">
-                <a14:hiddenEffects xmlns="" xmlns:a14="http://schemas.microsoft.com/office/drawing/2010/main">
+                <a14:hiddenEffects xmlns:a14="http://schemas.microsoft.com/office/drawing/2010/main" xmlns="">
                   <a:effectLst>
                     <a:outerShdw blurRad="63500" dist="38099" dir="2700000" algn="ctr" rotWithShape="0">
                       <a:schemeClr val="bg2">
@@ -4322,7 +4142,7 @@
             <a:effectLst/>
             <a:extLst>
               <a:ext uri="{91240B29-F687-4f45-9708-019B960494DF}">
-                <a14:hiddenLine xmlns="" xmlns:a14="http://schemas.microsoft.com/office/drawing/2010/main" w="9525">
+                <a14:hiddenLine xmlns:a14="http://schemas.microsoft.com/office/drawing/2010/main" xmlns="" w="9525">
                   <a:solidFill>
                     <a:schemeClr val="tx1"/>
                   </a:solidFill>
@@ -4332,7 +4152,7 @@
                 </a14:hiddenLine>
               </a:ext>
               <a:ext uri="{AF507438-7753-43e0-B8FC-AC1667EBCBE1}">
-                <a14:hiddenEffects xmlns="" xmlns:a14="http://schemas.microsoft.com/office/drawing/2010/main">
+                <a14:hiddenEffects xmlns:a14="http://schemas.microsoft.com/office/drawing/2010/main" xmlns="">
                   <a:effectLst>
                     <a:outerShdw blurRad="63500" dist="38099" dir="2700000" algn="ctr" rotWithShape="0">
                       <a:schemeClr val="bg2">
@@ -4381,12 +4201,12 @@
           <a:effectLst/>
           <a:extLst>
             <a:ext uri="{909E8E84-426E-40dd-AFC4-6F175D3DCCD1}">
-              <a14:hiddenFill xmlns="" xmlns:a14="http://schemas.microsoft.com/office/drawing/2010/main">
+              <a14:hiddenFill xmlns:a14="http://schemas.microsoft.com/office/drawing/2010/main" xmlns="">
                 <a:noFill/>
               </a14:hiddenFill>
             </a:ext>
             <a:ext uri="{AF507438-7753-43e0-B8FC-AC1667EBCBE1}">
-              <a14:hiddenEffects xmlns="" xmlns:a14="http://schemas.microsoft.com/office/drawing/2010/main">
+              <a14:hiddenEffects xmlns:a14="http://schemas.microsoft.com/office/drawing/2010/main" xmlns="">
                 <a:effectLst>
                   <a:outerShdw blurRad="63500" dist="38099" dir="2700000" algn="ctr" rotWithShape="0">
                     <a:schemeClr val="bg2">
@@ -6710,12 +6530,12 @@
           <a:effectLst/>
           <a:extLst>
             <a:ext uri="{909E8E84-426E-40dd-AFC4-6F175D3DCCD1}">
-              <a14:hiddenFill xmlns="" xmlns:a14="http://schemas.microsoft.com/office/drawing/2010/main">
+              <a14:hiddenFill xmlns:a14="http://schemas.microsoft.com/office/drawing/2010/main" xmlns="">
                 <a:noFill/>
               </a14:hiddenFill>
             </a:ext>
             <a:ext uri="{AF507438-7753-43e0-B8FC-AC1667EBCBE1}">
-              <a14:hiddenEffects xmlns="" xmlns:a14="http://schemas.microsoft.com/office/drawing/2010/main">
+              <a14:hiddenEffects xmlns:a14="http://schemas.microsoft.com/office/drawing/2010/main" xmlns="">
                 <a:effectLst>
                   <a:outerShdw blurRad="63500" dist="38099" dir="2700000" algn="ctr" rotWithShape="0">
                     <a:schemeClr val="bg2">
@@ -6760,17 +6580,17 @@
           <a:effectLst/>
           <a:extLst>
             <a:ext uri="{FAA26D3D-D897-4be2-8F04-BA451C77F1D7}">
-              <ma14:placeholderFlag xmlns:ma14="http://schemas.microsoft.com/office/mac/drawingml/2011/main" xmlns="" val="1"/>
+              <ma14:placeholderFlag xmlns="" xmlns:ma14="http://schemas.microsoft.com/office/mac/drawingml/2011/main" val="1"/>
             </a:ext>
             <a:ext uri="{909E8E84-426E-40dd-AFC4-6F175D3DCCD1}">
-              <a14:hiddenFill xmlns="" xmlns:a14="http://schemas.microsoft.com/office/drawing/2010/main">
+              <a14:hiddenFill xmlns:a14="http://schemas.microsoft.com/office/drawing/2010/main" xmlns="">
                 <a:solidFill>
                   <a:schemeClr val="accent1"/>
                 </a:solidFill>
               </a14:hiddenFill>
             </a:ext>
             <a:ext uri="{91240B29-F687-4f45-9708-019B960494DF}">
-              <a14:hiddenLine xmlns="" xmlns:a14="http://schemas.microsoft.com/office/drawing/2010/main" w="9525">
+              <a14:hiddenLine xmlns:a14="http://schemas.microsoft.com/office/drawing/2010/main" xmlns="" w="9525">
                 <a:solidFill>
                   <a:schemeClr val="tx1"/>
                 </a:solidFill>
@@ -6780,7 +6600,7 @@
               </a14:hiddenLine>
             </a:ext>
             <a:ext uri="{AF507438-7753-43e0-B8FC-AC1667EBCBE1}">
-              <a14:hiddenEffects xmlns="" xmlns:a14="http://schemas.microsoft.com/office/drawing/2010/main">
+              <a14:hiddenEffects xmlns:a14="http://schemas.microsoft.com/office/drawing/2010/main" xmlns="">
                 <a:effectLst>
                   <a:outerShdw blurRad="63500" dist="38099" dir="2700000" algn="ctr" rotWithShape="0">
                     <a:schemeClr val="bg2">
@@ -6833,17 +6653,17 @@
           <a:effectLst/>
           <a:extLst>
             <a:ext uri="{FAA26D3D-D897-4be2-8F04-BA451C77F1D7}">
-              <ma14:placeholderFlag xmlns:ma14="http://schemas.microsoft.com/office/mac/drawingml/2011/main" xmlns="" val="1"/>
+              <ma14:placeholderFlag xmlns="" xmlns:ma14="http://schemas.microsoft.com/office/mac/drawingml/2011/main" val="1"/>
             </a:ext>
             <a:ext uri="{909E8E84-426E-40dd-AFC4-6F175D3DCCD1}">
-              <a14:hiddenFill xmlns="" xmlns:a14="http://schemas.microsoft.com/office/drawing/2010/main">
+              <a14:hiddenFill xmlns:a14="http://schemas.microsoft.com/office/drawing/2010/main" xmlns="">
                 <a:solidFill>
                   <a:schemeClr val="accent1"/>
                 </a:solidFill>
               </a14:hiddenFill>
             </a:ext>
             <a:ext uri="{91240B29-F687-4f45-9708-019B960494DF}">
-              <a14:hiddenLine xmlns="" xmlns:a14="http://schemas.microsoft.com/office/drawing/2010/main" w="9525">
+              <a14:hiddenLine xmlns:a14="http://schemas.microsoft.com/office/drawing/2010/main" xmlns="" w="9525">
                 <a:solidFill>
                   <a:schemeClr val="tx1"/>
                 </a:solidFill>
@@ -6853,7 +6673,7 @@
               </a14:hiddenLine>
             </a:ext>
             <a:ext uri="{AF507438-7753-43e0-B8FC-AC1667EBCBE1}">
-              <a14:hiddenEffects xmlns="" xmlns:a14="http://schemas.microsoft.com/office/drawing/2010/main">
+              <a14:hiddenEffects xmlns:a14="http://schemas.microsoft.com/office/drawing/2010/main" xmlns="">
                 <a:effectLst>
                   <a:outerShdw blurRad="63500" dist="38099" dir="2700000" algn="ctr" rotWithShape="0">
                     <a:schemeClr val="bg2">
@@ -6934,17 +6754,17 @@
           <a:effectLst/>
           <a:extLst>
             <a:ext uri="{FAA26D3D-D897-4be2-8F04-BA451C77F1D7}">
-              <ma14:placeholderFlag xmlns:ma14="http://schemas.microsoft.com/office/mac/drawingml/2011/main" xmlns="" val="1"/>
+              <ma14:placeholderFlag xmlns="" xmlns:ma14="http://schemas.microsoft.com/office/mac/drawingml/2011/main" val="1"/>
             </a:ext>
             <a:ext uri="{909E8E84-426E-40dd-AFC4-6F175D3DCCD1}">
-              <a14:hiddenFill xmlns="" xmlns:a14="http://schemas.microsoft.com/office/drawing/2010/main">
+              <a14:hiddenFill xmlns:a14="http://schemas.microsoft.com/office/drawing/2010/main" xmlns="">
                 <a:solidFill>
                   <a:schemeClr val="accent1"/>
                 </a:solidFill>
               </a14:hiddenFill>
             </a:ext>
             <a:ext uri="{91240B29-F687-4f45-9708-019B960494DF}">
-              <a14:hiddenLine xmlns="" xmlns:a14="http://schemas.microsoft.com/office/drawing/2010/main" w="9525">
+              <a14:hiddenLine xmlns:a14="http://schemas.microsoft.com/office/drawing/2010/main" xmlns="" w="9525">
                 <a:solidFill>
                   <a:schemeClr val="tx1"/>
                 </a:solidFill>
@@ -6954,7 +6774,7 @@
               </a14:hiddenLine>
             </a:ext>
             <a:ext uri="{AF507438-7753-43e0-B8FC-AC1667EBCBE1}">
-              <a14:hiddenEffects xmlns="" xmlns:a14="http://schemas.microsoft.com/office/drawing/2010/main">
+              <a14:hiddenEffects xmlns:a14="http://schemas.microsoft.com/office/drawing/2010/main" xmlns="">
                 <a:effectLst>
                   <a:outerShdw blurRad="63500" dist="38099" dir="2700000" algn="ctr" rotWithShape="0">
                     <a:schemeClr val="bg2">
@@ -7007,17 +6827,17 @@
           <a:effectLst/>
           <a:extLst>
             <a:ext uri="{FAA26D3D-D897-4be2-8F04-BA451C77F1D7}">
-              <ma14:placeholderFlag xmlns:ma14="http://schemas.microsoft.com/office/mac/drawingml/2011/main" xmlns="" val="1"/>
+              <ma14:placeholderFlag xmlns="" xmlns:ma14="http://schemas.microsoft.com/office/mac/drawingml/2011/main" val="1"/>
             </a:ext>
             <a:ext uri="{909E8E84-426E-40dd-AFC4-6F175D3DCCD1}">
-              <a14:hiddenFill xmlns="" xmlns:a14="http://schemas.microsoft.com/office/drawing/2010/main">
+              <a14:hiddenFill xmlns:a14="http://schemas.microsoft.com/office/drawing/2010/main" xmlns="">
                 <a:solidFill>
                   <a:schemeClr val="accent1"/>
                 </a:solidFill>
               </a14:hiddenFill>
             </a:ext>
             <a:ext uri="{91240B29-F687-4f45-9708-019B960494DF}">
-              <a14:hiddenLine xmlns="" xmlns:a14="http://schemas.microsoft.com/office/drawing/2010/main" w="9525">
+              <a14:hiddenLine xmlns:a14="http://schemas.microsoft.com/office/drawing/2010/main" xmlns="" w="9525">
                 <a:solidFill>
                   <a:schemeClr val="tx1"/>
                 </a:solidFill>
@@ -7027,7 +6847,7 @@
               </a14:hiddenLine>
             </a:ext>
             <a:ext uri="{AF507438-7753-43e0-B8FC-AC1667EBCBE1}">
-              <a14:hiddenEffects xmlns="" xmlns:a14="http://schemas.microsoft.com/office/drawing/2010/main">
+              <a14:hiddenEffects xmlns:a14="http://schemas.microsoft.com/office/drawing/2010/main" xmlns="">
                 <a:effectLst>
                   <a:outerShdw blurRad="63500" dist="38099" dir="2700000" algn="ctr" rotWithShape="0">
                     <a:schemeClr val="bg2">
@@ -7080,17 +6900,17 @@
           <a:effectLst/>
           <a:extLst>
             <a:ext uri="{FAA26D3D-D897-4be2-8F04-BA451C77F1D7}">
-              <ma14:placeholderFlag xmlns:ma14="http://schemas.microsoft.com/office/mac/drawingml/2011/main" xmlns="" val="1"/>
+              <ma14:placeholderFlag xmlns="" xmlns:ma14="http://schemas.microsoft.com/office/mac/drawingml/2011/main" val="1"/>
             </a:ext>
             <a:ext uri="{909E8E84-426E-40dd-AFC4-6F175D3DCCD1}">
-              <a14:hiddenFill xmlns="" xmlns:a14="http://schemas.microsoft.com/office/drawing/2010/main">
+              <a14:hiddenFill xmlns:a14="http://schemas.microsoft.com/office/drawing/2010/main" xmlns="">
                 <a:solidFill>
                   <a:schemeClr val="accent1"/>
                 </a:solidFill>
               </a14:hiddenFill>
             </a:ext>
             <a:ext uri="{91240B29-F687-4f45-9708-019B960494DF}">
-              <a14:hiddenLine xmlns="" xmlns:a14="http://schemas.microsoft.com/office/drawing/2010/main" w="9525">
+              <a14:hiddenLine xmlns:a14="http://schemas.microsoft.com/office/drawing/2010/main" xmlns="" w="9525">
                 <a:solidFill>
                   <a:schemeClr val="tx1"/>
                 </a:solidFill>
@@ -7100,7 +6920,7 @@
               </a14:hiddenLine>
             </a:ext>
             <a:ext uri="{AF507438-7753-43e0-B8FC-AC1667EBCBE1}">
-              <a14:hiddenEffects xmlns="" xmlns:a14="http://schemas.microsoft.com/office/drawing/2010/main">
+              <a14:hiddenEffects xmlns:a14="http://schemas.microsoft.com/office/drawing/2010/main" xmlns="">
                 <a:effectLst>
                   <a:outerShdw blurRad="63500" dist="38099" dir="2700000" algn="ctr" rotWithShape="0">
                     <a:schemeClr val="bg2">
@@ -7174,7 +6994,7 @@
             <a:effectLst/>
             <a:extLst>
               <a:ext uri="{91240B29-F687-4f45-9708-019B960494DF}">
-                <a14:hiddenLine xmlns="" xmlns:a14="http://schemas.microsoft.com/office/drawing/2010/main" w="9525">
+                <a14:hiddenLine xmlns:a14="http://schemas.microsoft.com/office/drawing/2010/main" xmlns="" w="9525">
                   <a:solidFill>
                     <a:schemeClr val="tx1"/>
                   </a:solidFill>
@@ -7184,7 +7004,7 @@
                 </a14:hiddenLine>
               </a:ext>
               <a:ext uri="{AF507438-7753-43e0-B8FC-AC1667EBCBE1}">
-                <a14:hiddenEffects xmlns="" xmlns:a14="http://schemas.microsoft.com/office/drawing/2010/main">
+                <a14:hiddenEffects xmlns:a14="http://schemas.microsoft.com/office/drawing/2010/main" xmlns="">
                   <a:effectLst>
                     <a:outerShdw blurRad="63500" dist="38099" dir="2700000" algn="ctr" rotWithShape="0">
                       <a:schemeClr val="bg2">
@@ -7229,7 +7049,7 @@
             <a:effectLst/>
             <a:extLst>
               <a:ext uri="{91240B29-F687-4f45-9708-019B960494DF}">
-                <a14:hiddenLine xmlns="" xmlns:a14="http://schemas.microsoft.com/office/drawing/2010/main" w="9525">
+                <a14:hiddenLine xmlns:a14="http://schemas.microsoft.com/office/drawing/2010/main" xmlns="" w="9525">
                   <a:solidFill>
                     <a:schemeClr val="tx1"/>
                   </a:solidFill>
@@ -7239,7 +7059,7 @@
                 </a14:hiddenLine>
               </a:ext>
               <a:ext uri="{AF507438-7753-43e0-B8FC-AC1667EBCBE1}">
-                <a14:hiddenEffects xmlns="" xmlns:a14="http://schemas.microsoft.com/office/drawing/2010/main">
+                <a14:hiddenEffects xmlns:a14="http://schemas.microsoft.com/office/drawing/2010/main" xmlns="">
                   <a:effectLst>
                     <a:outerShdw blurRad="63500" dist="38099" dir="2700000" algn="ctr" rotWithShape="0">
                       <a:schemeClr val="bg2">
@@ -7284,7 +7104,7 @@
             <a:effectLst/>
             <a:extLst>
               <a:ext uri="{91240B29-F687-4f45-9708-019B960494DF}">
-                <a14:hiddenLine xmlns="" xmlns:a14="http://schemas.microsoft.com/office/drawing/2010/main" w="9525">
+                <a14:hiddenLine xmlns:a14="http://schemas.microsoft.com/office/drawing/2010/main" xmlns="" w="9525">
                   <a:solidFill>
                     <a:schemeClr val="tx1"/>
                   </a:solidFill>
@@ -7294,7 +7114,7 @@
                 </a14:hiddenLine>
               </a:ext>
               <a:ext uri="{AF507438-7753-43e0-B8FC-AC1667EBCBE1}">
-                <a14:hiddenEffects xmlns="" xmlns:a14="http://schemas.microsoft.com/office/drawing/2010/main">
+                <a14:hiddenEffects xmlns:a14="http://schemas.microsoft.com/office/drawing/2010/main" xmlns="">
                   <a:effectLst>
                     <a:outerShdw blurRad="63500" dist="38099" dir="2700000" algn="ctr" rotWithShape="0">
                       <a:schemeClr val="bg2">
@@ -7339,7 +7159,7 @@
             <a:effectLst/>
             <a:extLst>
               <a:ext uri="{91240B29-F687-4f45-9708-019B960494DF}">
-                <a14:hiddenLine xmlns="" xmlns:a14="http://schemas.microsoft.com/office/drawing/2010/main" w="9525">
+                <a14:hiddenLine xmlns:a14="http://schemas.microsoft.com/office/drawing/2010/main" xmlns="" w="9525">
                   <a:solidFill>
                     <a:schemeClr val="tx1"/>
                   </a:solidFill>
@@ -7349,7 +7169,7 @@
                 </a14:hiddenLine>
               </a:ext>
               <a:ext uri="{AF507438-7753-43e0-B8FC-AC1667EBCBE1}">
-                <a14:hiddenEffects xmlns="" xmlns:a14="http://schemas.microsoft.com/office/drawing/2010/main">
+                <a14:hiddenEffects xmlns:a14="http://schemas.microsoft.com/office/drawing/2010/main" xmlns="">
                   <a:effectLst>
                     <a:outerShdw blurRad="63500" dist="38099" dir="2700000" algn="ctr" rotWithShape="0">
                       <a:schemeClr val="bg2">
@@ -7394,7 +7214,7 @@
             <a:effectLst/>
             <a:extLst>
               <a:ext uri="{91240B29-F687-4f45-9708-019B960494DF}">
-                <a14:hiddenLine xmlns="" xmlns:a14="http://schemas.microsoft.com/office/drawing/2010/main" w="9525">
+                <a14:hiddenLine xmlns:a14="http://schemas.microsoft.com/office/drawing/2010/main" xmlns="" w="9525">
                   <a:solidFill>
                     <a:schemeClr val="tx1"/>
                   </a:solidFill>
@@ -7404,7 +7224,7 @@
                 </a14:hiddenLine>
               </a:ext>
               <a:ext uri="{AF507438-7753-43e0-B8FC-AC1667EBCBE1}">
-                <a14:hiddenEffects xmlns="" xmlns:a14="http://schemas.microsoft.com/office/drawing/2010/main">
+                <a14:hiddenEffects xmlns:a14="http://schemas.microsoft.com/office/drawing/2010/main" xmlns="">
                   <a:effectLst>
                     <a:outerShdw blurRad="63500" dist="38099" dir="2700000" algn="ctr" rotWithShape="0">
                       <a:schemeClr val="bg2">
@@ -7449,7 +7269,7 @@
             <a:effectLst/>
             <a:extLst>
               <a:ext uri="{91240B29-F687-4f45-9708-019B960494DF}">
-                <a14:hiddenLine xmlns="" xmlns:a14="http://schemas.microsoft.com/office/drawing/2010/main" w="9525">
+                <a14:hiddenLine xmlns:a14="http://schemas.microsoft.com/office/drawing/2010/main" xmlns="" w="9525">
                   <a:solidFill>
                     <a:schemeClr val="tx1"/>
                   </a:solidFill>
@@ -7459,7 +7279,7 @@
                 </a14:hiddenLine>
               </a:ext>
               <a:ext uri="{AF507438-7753-43e0-B8FC-AC1667EBCBE1}">
-                <a14:hiddenEffects xmlns="" xmlns:a14="http://schemas.microsoft.com/office/drawing/2010/main">
+                <a14:hiddenEffects xmlns:a14="http://schemas.microsoft.com/office/drawing/2010/main" xmlns="">
                   <a:effectLst>
                     <a:outerShdw blurRad="63500" dist="38099" dir="2700000" algn="ctr" rotWithShape="0">
                       <a:schemeClr val="bg2">
@@ -7504,7 +7324,7 @@
             <a:effectLst/>
             <a:extLst>
               <a:ext uri="{91240B29-F687-4f45-9708-019B960494DF}">
-                <a14:hiddenLine xmlns="" xmlns:a14="http://schemas.microsoft.com/office/drawing/2010/main" w="9525">
+                <a14:hiddenLine xmlns:a14="http://schemas.microsoft.com/office/drawing/2010/main" xmlns="" w="9525">
                   <a:solidFill>
                     <a:schemeClr val="tx1"/>
                   </a:solidFill>
@@ -7514,7 +7334,7 @@
                 </a14:hiddenLine>
               </a:ext>
               <a:ext uri="{AF507438-7753-43e0-B8FC-AC1667EBCBE1}">
-                <a14:hiddenEffects xmlns="" xmlns:a14="http://schemas.microsoft.com/office/drawing/2010/main">
+                <a14:hiddenEffects xmlns:a14="http://schemas.microsoft.com/office/drawing/2010/main" xmlns="">
                   <a:effectLst>
                     <a:outerShdw blurRad="63500" dist="38099" dir="2700000" algn="ctr" rotWithShape="0">
                       <a:schemeClr val="bg2">
@@ -7559,7 +7379,7 @@
             <a:effectLst/>
             <a:extLst>
               <a:ext uri="{91240B29-F687-4f45-9708-019B960494DF}">
-                <a14:hiddenLine xmlns="" xmlns:a14="http://schemas.microsoft.com/office/drawing/2010/main" w="9525">
+                <a14:hiddenLine xmlns:a14="http://schemas.microsoft.com/office/drawing/2010/main" xmlns="" w="9525">
                   <a:solidFill>
                     <a:schemeClr val="tx1"/>
                   </a:solidFill>
@@ -7569,7 +7389,7 @@
                 </a14:hiddenLine>
               </a:ext>
               <a:ext uri="{AF507438-7753-43e0-B8FC-AC1667EBCBE1}">
-                <a14:hiddenEffects xmlns="" xmlns:a14="http://schemas.microsoft.com/office/drawing/2010/main">
+                <a14:hiddenEffects xmlns:a14="http://schemas.microsoft.com/office/drawing/2010/main" xmlns="">
                   <a:effectLst>
                     <a:outerShdw blurRad="63500" dist="38099" dir="2700000" algn="ctr" rotWithShape="0">
                       <a:schemeClr val="bg2">
@@ -7614,7 +7434,7 @@
             <a:effectLst/>
             <a:extLst>
               <a:ext uri="{91240B29-F687-4f45-9708-019B960494DF}">
-                <a14:hiddenLine xmlns="" xmlns:a14="http://schemas.microsoft.com/office/drawing/2010/main" w="9525">
+                <a14:hiddenLine xmlns:a14="http://schemas.microsoft.com/office/drawing/2010/main" xmlns="" w="9525">
                   <a:solidFill>
                     <a:schemeClr val="tx1"/>
                   </a:solidFill>
@@ -7624,7 +7444,7 @@
                 </a14:hiddenLine>
               </a:ext>
               <a:ext uri="{AF507438-7753-43e0-B8FC-AC1667EBCBE1}">
-                <a14:hiddenEffects xmlns="" xmlns:a14="http://schemas.microsoft.com/office/drawing/2010/main">
+                <a14:hiddenEffects xmlns:a14="http://schemas.microsoft.com/office/drawing/2010/main" xmlns="">
                   <a:effectLst>
                     <a:outerShdw blurRad="63500" dist="38099" dir="2700000" algn="ctr" rotWithShape="0">
                       <a:schemeClr val="bg2">
@@ -7669,7 +7489,7 @@
             <a:effectLst/>
             <a:extLst>
               <a:ext uri="{91240B29-F687-4f45-9708-019B960494DF}">
-                <a14:hiddenLine xmlns="" xmlns:a14="http://schemas.microsoft.com/office/drawing/2010/main" w="9525">
+                <a14:hiddenLine xmlns:a14="http://schemas.microsoft.com/office/drawing/2010/main" xmlns="" w="9525">
                   <a:solidFill>
                     <a:schemeClr val="tx1"/>
                   </a:solidFill>
@@ -7679,7 +7499,7 @@
                 </a14:hiddenLine>
               </a:ext>
               <a:ext uri="{AF507438-7753-43e0-B8FC-AC1667EBCBE1}">
-                <a14:hiddenEffects xmlns="" xmlns:a14="http://schemas.microsoft.com/office/drawing/2010/main">
+                <a14:hiddenEffects xmlns:a14="http://schemas.microsoft.com/office/drawing/2010/main" xmlns="">
                   <a:effectLst>
                     <a:outerShdw blurRad="63500" dist="38099" dir="2700000" algn="ctr" rotWithShape="0">
                       <a:schemeClr val="bg2">
@@ -7724,7 +7544,7 @@
             <a:effectLst/>
             <a:extLst>
               <a:ext uri="{91240B29-F687-4f45-9708-019B960494DF}">
-                <a14:hiddenLine xmlns="" xmlns:a14="http://schemas.microsoft.com/office/drawing/2010/main" w="9525">
+                <a14:hiddenLine xmlns:a14="http://schemas.microsoft.com/office/drawing/2010/main" xmlns="" w="9525">
                   <a:solidFill>
                     <a:schemeClr val="tx1"/>
                   </a:solidFill>
@@ -7734,7 +7554,7 @@
                 </a14:hiddenLine>
               </a:ext>
               <a:ext uri="{AF507438-7753-43e0-B8FC-AC1667EBCBE1}">
-                <a14:hiddenEffects xmlns="" xmlns:a14="http://schemas.microsoft.com/office/drawing/2010/main">
+                <a14:hiddenEffects xmlns:a14="http://schemas.microsoft.com/office/drawing/2010/main" xmlns="">
                   <a:effectLst>
                     <a:outerShdw blurRad="63500" dist="38099" dir="2700000" algn="ctr" rotWithShape="0">
                       <a:schemeClr val="bg2">
@@ -7779,7 +7599,7 @@
             <a:effectLst/>
             <a:extLst>
               <a:ext uri="{91240B29-F687-4f45-9708-019B960494DF}">
-                <a14:hiddenLine xmlns="" xmlns:a14="http://schemas.microsoft.com/office/drawing/2010/main" w="9525">
+                <a14:hiddenLine xmlns:a14="http://schemas.microsoft.com/office/drawing/2010/main" xmlns="" w="9525">
                   <a:solidFill>
                     <a:schemeClr val="tx1"/>
                   </a:solidFill>
@@ -7789,7 +7609,7 @@
                 </a14:hiddenLine>
               </a:ext>
               <a:ext uri="{AF507438-7753-43e0-B8FC-AC1667EBCBE1}">
-                <a14:hiddenEffects xmlns="" xmlns:a14="http://schemas.microsoft.com/office/drawing/2010/main">
+                <a14:hiddenEffects xmlns:a14="http://schemas.microsoft.com/office/drawing/2010/main" xmlns="">
                   <a:effectLst>
                     <a:outerShdw blurRad="63500" dist="38099" dir="2700000" algn="ctr" rotWithShape="0">
                       <a:schemeClr val="bg2">
@@ -7834,7 +7654,7 @@
             <a:effectLst/>
             <a:extLst>
               <a:ext uri="{91240B29-F687-4f45-9708-019B960494DF}">
-                <a14:hiddenLine xmlns="" xmlns:a14="http://schemas.microsoft.com/office/drawing/2010/main" w="9525">
+                <a14:hiddenLine xmlns:a14="http://schemas.microsoft.com/office/drawing/2010/main" xmlns="" w="9525">
                   <a:solidFill>
                     <a:schemeClr val="tx1"/>
                   </a:solidFill>
@@ -7844,7 +7664,7 @@
                 </a14:hiddenLine>
               </a:ext>
               <a:ext uri="{AF507438-7753-43e0-B8FC-AC1667EBCBE1}">
-                <a14:hiddenEffects xmlns="" xmlns:a14="http://schemas.microsoft.com/office/drawing/2010/main">
+                <a14:hiddenEffects xmlns:a14="http://schemas.microsoft.com/office/drawing/2010/main" xmlns="">
                   <a:effectLst>
                     <a:outerShdw blurRad="63500" dist="38099" dir="2700000" algn="ctr" rotWithShape="0">
                       <a:schemeClr val="bg2">
@@ -7889,7 +7709,7 @@
             <a:effectLst/>
             <a:extLst>
               <a:ext uri="{91240B29-F687-4f45-9708-019B960494DF}">
-                <a14:hiddenLine xmlns="" xmlns:a14="http://schemas.microsoft.com/office/drawing/2010/main" w="9525">
+                <a14:hiddenLine xmlns:a14="http://schemas.microsoft.com/office/drawing/2010/main" xmlns="" w="9525">
                   <a:solidFill>
                     <a:schemeClr val="tx1"/>
                   </a:solidFill>
@@ -7899,7 +7719,7 @@
                 </a14:hiddenLine>
               </a:ext>
               <a:ext uri="{AF507438-7753-43e0-B8FC-AC1667EBCBE1}">
-                <a14:hiddenEffects xmlns="" xmlns:a14="http://schemas.microsoft.com/office/drawing/2010/main">
+                <a14:hiddenEffects xmlns:a14="http://schemas.microsoft.com/office/drawing/2010/main" xmlns="">
                   <a:effectLst>
                     <a:outerShdw blurRad="63500" dist="38099" dir="2700000" algn="ctr" rotWithShape="0">
                       <a:schemeClr val="bg2">
@@ -7944,7 +7764,7 @@
             <a:effectLst/>
             <a:extLst>
               <a:ext uri="{91240B29-F687-4f45-9708-019B960494DF}">
-                <a14:hiddenLine xmlns="" xmlns:a14="http://schemas.microsoft.com/office/drawing/2010/main" w="9525">
+                <a14:hiddenLine xmlns:a14="http://schemas.microsoft.com/office/drawing/2010/main" xmlns="" w="9525">
                   <a:solidFill>
                     <a:schemeClr val="tx1"/>
                   </a:solidFill>
@@ -7954,7 +7774,7 @@
                 </a14:hiddenLine>
               </a:ext>
               <a:ext uri="{AF507438-7753-43e0-B8FC-AC1667EBCBE1}">
-                <a14:hiddenEffects xmlns="" xmlns:a14="http://schemas.microsoft.com/office/drawing/2010/main">
+                <a14:hiddenEffects xmlns:a14="http://schemas.microsoft.com/office/drawing/2010/main" xmlns="">
                   <a:effectLst>
                     <a:outerShdw blurRad="63500" dist="38099" dir="2700000" algn="ctr" rotWithShape="0">
                       <a:schemeClr val="bg2">
@@ -7999,7 +7819,7 @@
             <a:effectLst/>
             <a:extLst>
               <a:ext uri="{91240B29-F687-4f45-9708-019B960494DF}">
-                <a14:hiddenLine xmlns="" xmlns:a14="http://schemas.microsoft.com/office/drawing/2010/main" w="9525">
+                <a14:hiddenLine xmlns:a14="http://schemas.microsoft.com/office/drawing/2010/main" xmlns="" w="9525">
                   <a:solidFill>
                     <a:schemeClr val="tx1"/>
                   </a:solidFill>
@@ -8009,7 +7829,7 @@
                 </a14:hiddenLine>
               </a:ext>
               <a:ext uri="{AF507438-7753-43e0-B8FC-AC1667EBCBE1}">
-                <a14:hiddenEffects xmlns="" xmlns:a14="http://schemas.microsoft.com/office/drawing/2010/main">
+                <a14:hiddenEffects xmlns:a14="http://schemas.microsoft.com/office/drawing/2010/main" xmlns="">
                   <a:effectLst>
                     <a:outerShdw blurRad="63500" dist="38099" dir="2700000" algn="ctr" rotWithShape="0">
                       <a:schemeClr val="bg2">
@@ -8054,7 +7874,7 @@
             <a:effectLst/>
             <a:extLst>
               <a:ext uri="{91240B29-F687-4f45-9708-019B960494DF}">
-                <a14:hiddenLine xmlns="" xmlns:a14="http://schemas.microsoft.com/office/drawing/2010/main" w="9525">
+                <a14:hiddenLine xmlns:a14="http://schemas.microsoft.com/office/drawing/2010/main" xmlns="" w="9525">
                   <a:solidFill>
                     <a:schemeClr val="tx1"/>
                   </a:solidFill>
@@ -8064,7 +7884,7 @@
                 </a14:hiddenLine>
               </a:ext>
               <a:ext uri="{AF507438-7753-43e0-B8FC-AC1667EBCBE1}">
-                <a14:hiddenEffects xmlns="" xmlns:a14="http://schemas.microsoft.com/office/drawing/2010/main">
+                <a14:hiddenEffects xmlns:a14="http://schemas.microsoft.com/office/drawing/2010/main" xmlns="">
                   <a:effectLst>
                     <a:outerShdw blurRad="63500" dist="38099" dir="2700000" algn="ctr" rotWithShape="0">
                       <a:schemeClr val="bg2">
@@ -8109,7 +7929,7 @@
             <a:effectLst/>
             <a:extLst>
               <a:ext uri="{91240B29-F687-4f45-9708-019B960494DF}">
-                <a14:hiddenLine xmlns="" xmlns:a14="http://schemas.microsoft.com/office/drawing/2010/main" w="9525">
+                <a14:hiddenLine xmlns:a14="http://schemas.microsoft.com/office/drawing/2010/main" xmlns="" w="9525">
                   <a:solidFill>
                     <a:schemeClr val="tx1"/>
                   </a:solidFill>
@@ -8119,7 +7939,7 @@
                 </a14:hiddenLine>
               </a:ext>
               <a:ext uri="{AF507438-7753-43e0-B8FC-AC1667EBCBE1}">
-                <a14:hiddenEffects xmlns="" xmlns:a14="http://schemas.microsoft.com/office/drawing/2010/main">
+                <a14:hiddenEffects xmlns:a14="http://schemas.microsoft.com/office/drawing/2010/main" xmlns="">
                   <a:effectLst>
                     <a:outerShdw blurRad="63500" dist="38099" dir="2700000" algn="ctr" rotWithShape="0">
                       <a:schemeClr val="bg2">
@@ -8164,7 +7984,7 @@
             <a:effectLst/>
             <a:extLst>
               <a:ext uri="{91240B29-F687-4f45-9708-019B960494DF}">
-                <a14:hiddenLine xmlns="" xmlns:a14="http://schemas.microsoft.com/office/drawing/2010/main" w="9525">
+                <a14:hiddenLine xmlns:a14="http://schemas.microsoft.com/office/drawing/2010/main" xmlns="" w="9525">
                   <a:solidFill>
                     <a:schemeClr val="tx1"/>
                   </a:solidFill>
@@ -8174,7 +7994,7 @@
                 </a14:hiddenLine>
               </a:ext>
               <a:ext uri="{AF507438-7753-43e0-B8FC-AC1667EBCBE1}">
-                <a14:hiddenEffects xmlns="" xmlns:a14="http://schemas.microsoft.com/office/drawing/2010/main">
+                <a14:hiddenEffects xmlns:a14="http://schemas.microsoft.com/office/drawing/2010/main" xmlns="">
                   <a:effectLst>
                     <a:outerShdw blurRad="63500" dist="38099" dir="2700000" algn="ctr" rotWithShape="0">
                       <a:schemeClr val="bg2">
@@ -8219,7 +8039,7 @@
             <a:effectLst/>
             <a:extLst>
               <a:ext uri="{91240B29-F687-4f45-9708-019B960494DF}">
-                <a14:hiddenLine xmlns="" xmlns:a14="http://schemas.microsoft.com/office/drawing/2010/main" w="9525">
+                <a14:hiddenLine xmlns:a14="http://schemas.microsoft.com/office/drawing/2010/main" xmlns="" w="9525">
                   <a:solidFill>
                     <a:schemeClr val="tx1"/>
                   </a:solidFill>
@@ -8229,7 +8049,7 @@
                 </a14:hiddenLine>
               </a:ext>
               <a:ext uri="{AF507438-7753-43e0-B8FC-AC1667EBCBE1}">
-                <a14:hiddenEffects xmlns="" xmlns:a14="http://schemas.microsoft.com/office/drawing/2010/main">
+                <a14:hiddenEffects xmlns:a14="http://schemas.microsoft.com/office/drawing/2010/main" xmlns="">
                   <a:effectLst>
                     <a:outerShdw blurRad="63500" dist="38099" dir="2700000" algn="ctr" rotWithShape="0">
                       <a:schemeClr val="bg2">
@@ -8274,7 +8094,7 @@
             <a:effectLst/>
             <a:extLst>
               <a:ext uri="{91240B29-F687-4f45-9708-019B960494DF}">
-                <a14:hiddenLine xmlns="" xmlns:a14="http://schemas.microsoft.com/office/drawing/2010/main" w="9525">
+                <a14:hiddenLine xmlns:a14="http://schemas.microsoft.com/office/drawing/2010/main" xmlns="" w="9525">
                   <a:solidFill>
                     <a:schemeClr val="tx1"/>
                   </a:solidFill>
@@ -8284,7 +8104,7 @@
                 </a14:hiddenLine>
               </a:ext>
               <a:ext uri="{AF507438-7753-43e0-B8FC-AC1667EBCBE1}">
-                <a14:hiddenEffects xmlns="" xmlns:a14="http://schemas.microsoft.com/office/drawing/2010/main">
+                <a14:hiddenEffects xmlns:a14="http://schemas.microsoft.com/office/drawing/2010/main" xmlns="">
                   <a:effectLst>
                     <a:outerShdw blurRad="63500" dist="38099" dir="2700000" algn="ctr" rotWithShape="0">
                       <a:schemeClr val="bg2">
@@ -8329,7 +8149,7 @@
             <a:effectLst/>
             <a:extLst>
               <a:ext uri="{91240B29-F687-4f45-9708-019B960494DF}">
-                <a14:hiddenLine xmlns="" xmlns:a14="http://schemas.microsoft.com/office/drawing/2010/main" w="9525">
+                <a14:hiddenLine xmlns:a14="http://schemas.microsoft.com/office/drawing/2010/main" xmlns="" w="9525">
                   <a:solidFill>
                     <a:schemeClr val="tx1"/>
                   </a:solidFill>
@@ -8339,7 +8159,7 @@
                 </a14:hiddenLine>
               </a:ext>
               <a:ext uri="{AF507438-7753-43e0-B8FC-AC1667EBCBE1}">
-                <a14:hiddenEffects xmlns="" xmlns:a14="http://schemas.microsoft.com/office/drawing/2010/main">
+                <a14:hiddenEffects xmlns:a14="http://schemas.microsoft.com/office/drawing/2010/main" xmlns="">
                   <a:effectLst>
                     <a:outerShdw blurRad="63500" dist="38099" dir="2700000" algn="ctr" rotWithShape="0">
                       <a:schemeClr val="bg2">
@@ -8384,7 +8204,7 @@
             <a:effectLst/>
             <a:extLst>
               <a:ext uri="{91240B29-F687-4f45-9708-019B960494DF}">
-                <a14:hiddenLine xmlns="" xmlns:a14="http://schemas.microsoft.com/office/drawing/2010/main" w="9525">
+                <a14:hiddenLine xmlns:a14="http://schemas.microsoft.com/office/drawing/2010/main" xmlns="" w="9525">
                   <a:solidFill>
                     <a:schemeClr val="tx1"/>
                   </a:solidFill>
@@ -8394,7 +8214,7 @@
                 </a14:hiddenLine>
               </a:ext>
               <a:ext uri="{AF507438-7753-43e0-B8FC-AC1667EBCBE1}">
-                <a14:hiddenEffects xmlns="" xmlns:a14="http://schemas.microsoft.com/office/drawing/2010/main">
+                <a14:hiddenEffects xmlns:a14="http://schemas.microsoft.com/office/drawing/2010/main" xmlns="">
                   <a:effectLst>
                     <a:outerShdw blurRad="63500" dist="38099" dir="2700000" algn="ctr" rotWithShape="0">
                       <a:schemeClr val="bg2">
@@ -8439,7 +8259,7 @@
             <a:effectLst/>
             <a:extLst>
               <a:ext uri="{91240B29-F687-4f45-9708-019B960494DF}">
-                <a14:hiddenLine xmlns="" xmlns:a14="http://schemas.microsoft.com/office/drawing/2010/main" w="9525">
+                <a14:hiddenLine xmlns:a14="http://schemas.microsoft.com/office/drawing/2010/main" xmlns="" w="9525">
                   <a:solidFill>
                     <a:schemeClr val="tx1"/>
                   </a:solidFill>
@@ -8449,7 +8269,7 @@
                 </a14:hiddenLine>
               </a:ext>
               <a:ext uri="{AF507438-7753-43e0-B8FC-AC1667EBCBE1}">
-                <a14:hiddenEffects xmlns="" xmlns:a14="http://schemas.microsoft.com/office/drawing/2010/main">
+                <a14:hiddenEffects xmlns:a14="http://schemas.microsoft.com/office/drawing/2010/main" xmlns="">
                   <a:effectLst>
                     <a:outerShdw blurRad="63500" dist="38099" dir="2700000" algn="ctr" rotWithShape="0">
                       <a:schemeClr val="bg2">
@@ -8494,7 +8314,7 @@
             <a:effectLst/>
             <a:extLst>
               <a:ext uri="{91240B29-F687-4f45-9708-019B960494DF}">
-                <a14:hiddenLine xmlns="" xmlns:a14="http://schemas.microsoft.com/office/drawing/2010/main" w="9525">
+                <a14:hiddenLine xmlns:a14="http://schemas.microsoft.com/office/drawing/2010/main" xmlns="" w="9525">
                   <a:solidFill>
                     <a:schemeClr val="tx1"/>
                   </a:solidFill>
@@ -8504,7 +8324,7 @@
                 </a14:hiddenLine>
               </a:ext>
               <a:ext uri="{AF507438-7753-43e0-B8FC-AC1667EBCBE1}">
-                <a14:hiddenEffects xmlns="" xmlns:a14="http://schemas.microsoft.com/office/drawing/2010/main">
+                <a14:hiddenEffects xmlns:a14="http://schemas.microsoft.com/office/drawing/2010/main" xmlns="">
                   <a:effectLst>
                     <a:outerShdw blurRad="63500" dist="38099" dir="2700000" algn="ctr" rotWithShape="0">
                       <a:schemeClr val="bg2">
@@ -8549,7 +8369,7 @@
             <a:effectLst/>
             <a:extLst>
               <a:ext uri="{91240B29-F687-4f45-9708-019B960494DF}">
-                <a14:hiddenLine xmlns="" xmlns:a14="http://schemas.microsoft.com/office/drawing/2010/main" w="9525">
+                <a14:hiddenLine xmlns:a14="http://schemas.microsoft.com/office/drawing/2010/main" xmlns="" w="9525">
                   <a:solidFill>
                     <a:schemeClr val="tx1"/>
                   </a:solidFill>
@@ -8559,7 +8379,7 @@
                 </a14:hiddenLine>
               </a:ext>
               <a:ext uri="{AF507438-7753-43e0-B8FC-AC1667EBCBE1}">
-                <a14:hiddenEffects xmlns="" xmlns:a14="http://schemas.microsoft.com/office/drawing/2010/main">
+                <a14:hiddenEffects xmlns:a14="http://schemas.microsoft.com/office/drawing/2010/main" xmlns="">
                   <a:effectLst>
                     <a:outerShdw blurRad="63500" dist="38099" dir="2700000" algn="ctr" rotWithShape="0">
                       <a:schemeClr val="bg2">
@@ -8604,7 +8424,7 @@
             <a:effectLst/>
             <a:extLst>
               <a:ext uri="{91240B29-F687-4f45-9708-019B960494DF}">
-                <a14:hiddenLine xmlns="" xmlns:a14="http://schemas.microsoft.com/office/drawing/2010/main" w="9525">
+                <a14:hiddenLine xmlns:a14="http://schemas.microsoft.com/office/drawing/2010/main" xmlns="" w="9525">
                   <a:solidFill>
                     <a:schemeClr val="tx1"/>
                   </a:solidFill>
@@ -8614,7 +8434,7 @@
                 </a14:hiddenLine>
               </a:ext>
               <a:ext uri="{AF507438-7753-43e0-B8FC-AC1667EBCBE1}">
-                <a14:hiddenEffects xmlns="" xmlns:a14="http://schemas.microsoft.com/office/drawing/2010/main">
+                <a14:hiddenEffects xmlns:a14="http://schemas.microsoft.com/office/drawing/2010/main" xmlns="">
                   <a:effectLst>
                     <a:outerShdw blurRad="63500" dist="38099" dir="2700000" algn="ctr" rotWithShape="0">
                       <a:schemeClr val="bg2">
@@ -8659,7 +8479,7 @@
             <a:effectLst/>
             <a:extLst>
               <a:ext uri="{91240B29-F687-4f45-9708-019B960494DF}">
-                <a14:hiddenLine xmlns="" xmlns:a14="http://schemas.microsoft.com/office/drawing/2010/main" w="9525">
+                <a14:hiddenLine xmlns:a14="http://schemas.microsoft.com/office/drawing/2010/main" xmlns="" w="9525">
                   <a:solidFill>
                     <a:schemeClr val="tx1"/>
                   </a:solidFill>
@@ -8669,7 +8489,7 @@
                 </a14:hiddenLine>
               </a:ext>
               <a:ext uri="{AF507438-7753-43e0-B8FC-AC1667EBCBE1}">
-                <a14:hiddenEffects xmlns="" xmlns:a14="http://schemas.microsoft.com/office/drawing/2010/main">
+                <a14:hiddenEffects xmlns:a14="http://schemas.microsoft.com/office/drawing/2010/main" xmlns="">
                   <a:effectLst>
                     <a:outerShdw blurRad="63500" dist="38099" dir="2700000" algn="ctr" rotWithShape="0">
                       <a:schemeClr val="bg2">
@@ -8714,7 +8534,7 @@
             <a:effectLst/>
             <a:extLst>
               <a:ext uri="{91240B29-F687-4f45-9708-019B960494DF}">
-                <a14:hiddenLine xmlns="" xmlns:a14="http://schemas.microsoft.com/office/drawing/2010/main" w="9525">
+                <a14:hiddenLine xmlns:a14="http://schemas.microsoft.com/office/drawing/2010/main" xmlns="" w="9525">
                   <a:solidFill>
                     <a:schemeClr val="tx1"/>
                   </a:solidFill>
@@ -8724,7 +8544,7 @@
                 </a14:hiddenLine>
               </a:ext>
               <a:ext uri="{AF507438-7753-43e0-B8FC-AC1667EBCBE1}">
-                <a14:hiddenEffects xmlns="" xmlns:a14="http://schemas.microsoft.com/office/drawing/2010/main">
+                <a14:hiddenEffects xmlns:a14="http://schemas.microsoft.com/office/drawing/2010/main" xmlns="">
                   <a:effectLst>
                     <a:outerShdw blurRad="63500" dist="38099" dir="2700000" algn="ctr" rotWithShape="0">
                       <a:schemeClr val="bg2">
@@ -8769,7 +8589,7 @@
             <a:effectLst/>
             <a:extLst>
               <a:ext uri="{91240B29-F687-4f45-9708-019B960494DF}">
-                <a14:hiddenLine xmlns="" xmlns:a14="http://schemas.microsoft.com/office/drawing/2010/main" w="9525">
+                <a14:hiddenLine xmlns:a14="http://schemas.microsoft.com/office/drawing/2010/main" xmlns="" w="9525">
                   <a:solidFill>
                     <a:schemeClr val="tx1"/>
                   </a:solidFill>
@@ -8779,7 +8599,7 @@
                 </a14:hiddenLine>
               </a:ext>
               <a:ext uri="{AF507438-7753-43e0-B8FC-AC1667EBCBE1}">
-                <a14:hiddenEffects xmlns="" xmlns:a14="http://schemas.microsoft.com/office/drawing/2010/main">
+                <a14:hiddenEffects xmlns:a14="http://schemas.microsoft.com/office/drawing/2010/main" xmlns="">
                   <a:effectLst>
                     <a:outerShdw blurRad="63500" dist="38099" dir="2700000" algn="ctr" rotWithShape="0">
                       <a:schemeClr val="bg2">
@@ -8824,7 +8644,7 @@
             <a:effectLst/>
             <a:extLst>
               <a:ext uri="{91240B29-F687-4f45-9708-019B960494DF}">
-                <a14:hiddenLine xmlns="" xmlns:a14="http://schemas.microsoft.com/office/drawing/2010/main" w="9525">
+                <a14:hiddenLine xmlns:a14="http://schemas.microsoft.com/office/drawing/2010/main" xmlns="" w="9525">
                   <a:solidFill>
                     <a:schemeClr val="tx1"/>
                   </a:solidFill>
@@ -8834,7 +8654,7 @@
                 </a14:hiddenLine>
               </a:ext>
               <a:ext uri="{AF507438-7753-43e0-B8FC-AC1667EBCBE1}">
-                <a14:hiddenEffects xmlns="" xmlns:a14="http://schemas.microsoft.com/office/drawing/2010/main">
+                <a14:hiddenEffects xmlns:a14="http://schemas.microsoft.com/office/drawing/2010/main" xmlns="">
                   <a:effectLst>
                     <a:outerShdw blurRad="63500" dist="38099" dir="2700000" algn="ctr" rotWithShape="0">
                       <a:schemeClr val="bg2">
@@ -9347,7 +9167,7 @@
           <a:effectLst/>
           <a:extLst>
             <a:ext uri="{AF507438-7753-43e0-B8FC-AC1667EBCBE1}">
-              <a14:hiddenEffects xmlns="" xmlns:a14="http://schemas.microsoft.com/office/drawing/2010/main">
+              <a14:hiddenEffects xmlns:a14="http://schemas.microsoft.com/office/drawing/2010/main" xmlns="">
                 <a:effectLst>
                   <a:outerShdw blurRad="63500" dist="38099" dir="2700000" algn="ctr" rotWithShape="0">
                     <a:schemeClr val="bg2">
@@ -10539,14 +10359,14 @@
           <a:effectLst/>
           <a:extLst>
             <a:ext uri="{909E8E84-426E-40dd-AFC4-6F175D3DCCD1}">
-              <a14:hiddenFill xmlns="" xmlns:a14="http://schemas.microsoft.com/office/drawing/2010/main">
+              <a14:hiddenFill xmlns:a14="http://schemas.microsoft.com/office/drawing/2010/main" xmlns="">
                 <a:solidFill>
                   <a:schemeClr val="accent1"/>
                 </a:solidFill>
               </a14:hiddenFill>
             </a:ext>
             <a:ext uri="{91240B29-F687-4f45-9708-019B960494DF}">
-              <a14:hiddenLine xmlns="" xmlns:a14="http://schemas.microsoft.com/office/drawing/2010/main" w="9525">
+              <a14:hiddenLine xmlns:a14="http://schemas.microsoft.com/office/drawing/2010/main" xmlns="" w="9525">
                 <a:solidFill>
                   <a:schemeClr val="tx1"/>
                 </a:solidFill>
@@ -10556,7 +10376,7 @@
               </a14:hiddenLine>
             </a:ext>
             <a:ext uri="{AF507438-7753-43e0-B8FC-AC1667EBCBE1}">
-              <a14:hiddenEffects xmlns="" xmlns:a14="http://schemas.microsoft.com/office/drawing/2010/main">
+              <a14:hiddenEffects xmlns:a14="http://schemas.microsoft.com/office/drawing/2010/main" xmlns="">
                 <a:effectLst>
                   <a:outerShdw blurRad="63500" dist="38099" dir="2700000" algn="ctr" rotWithShape="0">
                     <a:srgbClr val="000000">
@@ -10591,14 +10411,14 @@
           </a:ln>
           <a:extLst>
             <a:ext uri="{909E8E84-426E-40dd-AFC4-6F175D3DCCD1}">
-              <a14:hiddenFill xmlns="" xmlns:a14="http://schemas.microsoft.com/office/drawing/2010/main">
+              <a14:hiddenFill xmlns:a14="http://schemas.microsoft.com/office/drawing/2010/main" xmlns="">
                 <a:solidFill>
                   <a:schemeClr val="accent1"/>
                 </a:solidFill>
               </a14:hiddenFill>
             </a:ext>
             <a:ext uri="{91240B29-F687-4f45-9708-019B960494DF}">
-              <a14:hiddenLine xmlns="" xmlns:a14="http://schemas.microsoft.com/office/drawing/2010/main" w="9525">
+              <a14:hiddenLine xmlns:a14="http://schemas.microsoft.com/office/drawing/2010/main" xmlns="" w="9525">
                 <a:solidFill>
                   <a:schemeClr val="tx1"/>
                 </a:solidFill>
@@ -11652,21 +11472,7 @@
           <a:p>
             <a:r>
               <a:rPr lang="en-US" dirty="0"/>
-              <a:t>In general, we consider four different classes of language processors:</a:t>
-            </a:r>
-          </a:p>
-          <a:p>
-            <a:pPr lvl="1"/>
-            <a:r>
-              <a:rPr lang="en-US" dirty="0"/>
-              <a:t>Reader</a:t>
-            </a:r>
-          </a:p>
-          <a:p>
-            <a:pPr lvl="1"/>
-            <a:r>
-              <a:rPr lang="en-US" dirty="0"/>
-              <a:t>Generator</a:t>
+              <a:t>In particular, we can configure these building blocks as:</a:t>
             </a:r>
           </a:p>
           <a:p>
@@ -11680,7 +11486,14 @@
             <a:pPr lvl="1"/>
             <a:r>
               <a:rPr lang="en-US" dirty="0"/>
-              <a:t>Translator</a:t>
+              <a:t>Translator/Compiler</a:t>
+            </a:r>
+          </a:p>
+          <a:p>
+            <a:pPr lvl="1"/>
+            <a:r>
+              <a:rPr lang="en-US" dirty="0"/>
+              <a:t>Simple Translator</a:t>
             </a:r>
           </a:p>
           <a:p>
@@ -11715,7 +11528,7 @@
       </p:grpSpPr>
       <p:sp>
         <p:nvSpPr>
-          <p:cNvPr id="14338" name="Rectangle 2"/>
+          <p:cNvPr id="16386" name="Rectangle 2"/>
           <p:cNvSpPr>
             <a:spLocks noGrp="1" noChangeArrowheads="1"/>
           </p:cNvSpPr>
@@ -11730,14 +11543,14 @@
           <a:p>
             <a:r>
               <a:rPr lang="en-US" dirty="0"/>
-              <a:t>The Reader</a:t>
-            </a:r>
-          </a:p>
-        </p:txBody>
-      </p:sp>
-      <p:sp>
-        <p:nvSpPr>
-          <p:cNvPr id="14339" name="Rectangle 3"/>
+              <a:t>The Interpreter</a:t>
+            </a:r>
+          </a:p>
+        </p:txBody>
+      </p:sp>
+      <p:sp>
+        <p:nvSpPr>
+          <p:cNvPr id="16387" name="Rectangle 3"/>
           <p:cNvSpPr>
             <a:spLocks noGrp="1" noChangeArrowheads="1"/>
           </p:cNvSpPr>
@@ -11747,8 +11560,8 @@
         </p:nvSpPr>
         <p:spPr>
           <a:xfrm>
-            <a:off x="457200" y="3810000"/>
-            <a:ext cx="8229600" cy="2133600"/>
+            <a:off x="457200" y="3505200"/>
+            <a:ext cx="8534400" cy="2133600"/>
           </a:xfrm>
         </p:spPr>
         <p:txBody>
@@ -11762,7 +11575,7 @@
             </a:pPr>
             <a:r>
               <a:rPr lang="en-US" sz="2400" dirty="0"/>
-              <a:t>A reader consists of the  syntax analysis block.</a:t>
+              <a:t>An interpreter is made up of a syntactic and a semantic analysis block.</a:t>
             </a:r>
           </a:p>
           <a:p>
@@ -11773,7 +11586,7 @@
             </a:pPr>
             <a:r>
               <a:rPr lang="en-US" sz="2400" dirty="0"/>
-              <a:t>A reader builds a data structure or sometimes called an intermediate representation (IR) from one or more input streams.</a:t>
+              <a:t>An interpreter reads, decodes, and executes code.</a:t>
             </a:r>
           </a:p>
           <a:p>
@@ -11784,20 +11597,47 @@
             </a:pPr>
             <a:r>
               <a:rPr lang="en-US" sz="2400" dirty="0"/>
-              <a:t>Examples include configuration file readers, program analysis tools (e.g. word and line counters), and Java class file loaders.</a:t>
-            </a:r>
-          </a:p>
-        </p:txBody>
-      </p:sp>
-      <p:sp>
-        <p:nvSpPr>
-          <p:cNvPr id="6" name="TextBox 5"/>
+              <a:t>For interpreters the semantic analysis block is slightly modified – it analyzes and </a:t>
+            </a:r>
+            <a:r>
+              <a:rPr lang="en-US" sz="2400" b="1" dirty="0"/>
+              <a:t>executes</a:t>
+            </a:r>
+            <a:r>
+              <a:rPr lang="en-US" sz="2400" dirty="0"/>
+              <a:t> the IR producing the program output.</a:t>
+            </a:r>
+          </a:p>
+          <a:p>
+            <a:pPr>
+              <a:lnSpc>
+                <a:spcPct val="90000"/>
+              </a:lnSpc>
+            </a:pPr>
+            <a:r>
+              <a:rPr lang="en-US" sz="2400" dirty="0"/>
+              <a:t>Examples include simple programmable calculators as well </a:t>
+            </a:r>
+            <a:r>
+              <a:rPr lang="en-US" sz="2400"/>
+              <a:t>as languages </a:t>
+            </a:r>
+            <a:r>
+              <a:rPr lang="en-US" sz="2400" dirty="0"/>
+              <a:t>such as Ruby and Python.</a:t>
+            </a:r>
+          </a:p>
+        </p:txBody>
+      </p:sp>
+      <p:sp>
+        <p:nvSpPr>
+          <p:cNvPr id="8" name="TextBox 7"/>
           <p:cNvSpPr txBox="1"/>
           <p:nvPr/>
         </p:nvSpPr>
         <p:spPr>
           <a:xfrm>
-            <a:off x="3181240" y="2057400"/>
+            <a:off x="2266840" y="2064603"/>
             <a:ext cx="1447800" cy="830997"/>
           </a:xfrm>
           <a:prstGeom prst="rect">
@@ -11841,13 +11681,13 @@
       </p:sp>
       <p:sp>
         <p:nvSpPr>
-          <p:cNvPr id="7" name="TextBox 6"/>
+          <p:cNvPr id="9" name="TextBox 8"/>
           <p:cNvSpPr txBox="1"/>
           <p:nvPr/>
         </p:nvSpPr>
         <p:spPr>
           <a:xfrm>
-            <a:off x="2419240" y="2133600"/>
+            <a:off x="1504840" y="2140803"/>
             <a:ext cx="648371" cy="672525"/>
           </a:xfrm>
           <a:prstGeom prst="rightArrow">
@@ -11880,13 +11720,13 @@
       </p:sp>
       <p:sp>
         <p:nvSpPr>
-          <p:cNvPr id="8" name="TextBox 7"/>
+          <p:cNvPr id="10" name="TextBox 9"/>
           <p:cNvSpPr txBox="1"/>
           <p:nvPr/>
         </p:nvSpPr>
         <p:spPr>
           <a:xfrm>
-            <a:off x="4742669" y="2133600"/>
+            <a:off x="3828269" y="2140803"/>
             <a:ext cx="648371" cy="672525"/>
           </a:xfrm>
           <a:prstGeom prst="rightArrow">
@@ -11919,13 +11759,13 @@
       </p:sp>
       <p:sp>
         <p:nvSpPr>
-          <p:cNvPr id="9" name="TextBox 8"/>
+          <p:cNvPr id="11" name="TextBox 10"/>
           <p:cNvSpPr txBox="1"/>
           <p:nvPr/>
         </p:nvSpPr>
         <p:spPr>
           <a:xfrm>
-            <a:off x="1371600" y="2202597"/>
+            <a:off x="457200" y="2209800"/>
             <a:ext cx="971440" cy="584776"/>
           </a:xfrm>
           <a:prstGeom prst="rect">
@@ -11956,14 +11796,14 @@
       </p:sp>
       <p:sp>
         <p:nvSpPr>
-          <p:cNvPr id="10" name="TextBox 9"/>
+          <p:cNvPr id="12" name="TextBox 11"/>
           <p:cNvSpPr txBox="1"/>
           <p:nvPr/>
         </p:nvSpPr>
         <p:spPr>
           <a:xfrm>
-            <a:off x="5531440" y="2161679"/>
-            <a:ext cx="1975120" cy="584776"/>
+            <a:off x="3886200" y="1676400"/>
+            <a:ext cx="389850" cy="338554"/>
           </a:xfrm>
           <a:prstGeom prst="rect">
             <a:avLst/>
@@ -11978,13 +11818,133 @@
           <a:p>
             <a:r>
               <a:rPr lang="en-US" dirty="0"/>
-              <a:t>Intermediate</a:t>
-            </a:r>
-          </a:p>
-          <a:p>
+              <a:t>IR</a:t>
+            </a:r>
+          </a:p>
+        </p:txBody>
+      </p:sp>
+      <p:sp>
+        <p:nvSpPr>
+          <p:cNvPr id="13" name="TextBox 12"/>
+          <p:cNvSpPr txBox="1"/>
+          <p:nvPr/>
+        </p:nvSpPr>
+        <p:spPr>
+          <a:xfrm>
+            <a:off x="4572440" y="2064603"/>
+            <a:ext cx="1582120" cy="830997"/>
+          </a:xfrm>
+          <a:prstGeom prst="rect">
+            <a:avLst/>
+          </a:prstGeom>
+        </p:spPr>
+        <p:style>
+          <a:lnRef idx="2">
+            <a:schemeClr val="accent4"/>
+          </a:lnRef>
+          <a:fillRef idx="1">
+            <a:schemeClr val="lt1"/>
+          </a:fillRef>
+          <a:effectRef idx="0">
+            <a:schemeClr val="accent4"/>
+          </a:effectRef>
+          <a:fontRef idx="minor">
+            <a:schemeClr val="dk1"/>
+          </a:fontRef>
+        </p:style>
+        <p:txBody>
+          <a:bodyPr wrap="square" rtlCol="0">
+            <a:spAutoFit/>
+          </a:bodyPr>
+          <a:lstStyle/>
+          <a:p>
+            <a:pPr algn="ctr"/>
+            <a:r>
+              <a:rPr lang="en-US" sz="2400" dirty="0"/>
+              <a:t>Semantic</a:t>
+            </a:r>
+          </a:p>
+          <a:p>
+            <a:pPr algn="ctr"/>
+            <a:r>
+              <a:rPr lang="en-US" sz="2400" dirty="0"/>
+              <a:t>Analysis</a:t>
+            </a:r>
+          </a:p>
+        </p:txBody>
+      </p:sp>
+      <p:sp>
+        <p:nvSpPr>
+          <p:cNvPr id="14" name="TextBox 13"/>
+          <p:cNvSpPr txBox="1"/>
+          <p:nvPr/>
+        </p:nvSpPr>
+        <p:spPr>
+          <a:xfrm>
+            <a:off x="6268189" y="2140803"/>
+            <a:ext cx="648371" cy="672525"/>
+          </a:xfrm>
+          <a:prstGeom prst="rightArrow">
+            <a:avLst/>
+          </a:prstGeom>
+        </p:spPr>
+        <p:style>
+          <a:lnRef idx="2">
+            <a:schemeClr val="accent4"/>
+          </a:lnRef>
+          <a:fillRef idx="1">
+            <a:schemeClr val="lt1"/>
+          </a:fillRef>
+          <a:effectRef idx="0">
+            <a:schemeClr val="accent4"/>
+          </a:effectRef>
+          <a:fontRef idx="minor">
+            <a:schemeClr val="dk1"/>
+          </a:fontRef>
+        </p:style>
+        <p:txBody>
+          <a:bodyPr wrap="square" rtlCol="0">
+            <a:spAutoFit/>
+          </a:bodyPr>
+          <a:lstStyle/>
+          <a:p>
+            <a:endParaRPr lang="en-US" dirty="0"/>
+          </a:p>
+        </p:txBody>
+      </p:sp>
+      <p:sp>
+        <p:nvSpPr>
+          <p:cNvPr id="15" name="TextBox 14"/>
+          <p:cNvSpPr txBox="1"/>
+          <p:nvPr/>
+        </p:nvSpPr>
+        <p:spPr>
+          <a:xfrm>
+            <a:off x="6999590" y="2151241"/>
+            <a:ext cx="971440" cy="584776"/>
+          </a:xfrm>
+          <a:prstGeom prst="rect">
+            <a:avLst/>
+          </a:prstGeom>
+          <a:noFill/>
+        </p:spPr>
+        <p:txBody>
+          <a:bodyPr wrap="none" rtlCol="0">
+            <a:spAutoFit/>
+          </a:bodyPr>
+          <a:lstStyle/>
+          <a:p>
+            <a:pPr algn="ctr"/>
             <a:r>
               <a:rPr lang="en-US" dirty="0"/>
-              <a:t>Representation (IR)</a:t>
+              <a:t>Program</a:t>
+            </a:r>
+          </a:p>
+          <a:p>
+            <a:pPr algn="ctr"/>
+            <a:r>
+              <a:rPr lang="en-US" dirty="0"/>
+              <a:t>Output</a:t>
             </a:r>
           </a:p>
         </p:txBody>
@@ -12224,7 +12184,7 @@
       </p:grpSpPr>
       <p:sp>
         <p:nvSpPr>
-          <p:cNvPr id="15362" name="Rectangle 2"/>
+          <p:cNvPr id="17410" name="Rectangle 2"/>
           <p:cNvSpPr>
             <a:spLocks noGrp="1" noChangeArrowheads="1"/>
           </p:cNvSpPr>
@@ -12239,14 +12199,14 @@
           <a:p>
             <a:r>
               <a:rPr lang="en-US" dirty="0"/>
-              <a:t>The Generator</a:t>
-            </a:r>
-          </a:p>
-        </p:txBody>
-      </p:sp>
-      <p:sp>
-        <p:nvSpPr>
-          <p:cNvPr id="15363" name="Rectangle 3"/>
+              <a:t>The Translator/Compiler</a:t>
+            </a:r>
+          </a:p>
+        </p:txBody>
+      </p:sp>
+      <p:sp>
+        <p:nvSpPr>
+          <p:cNvPr id="17411" name="Rectangle 3"/>
           <p:cNvSpPr>
             <a:spLocks noGrp="1" noChangeArrowheads="1"/>
           </p:cNvSpPr>
@@ -12256,12 +12216,14 @@
         </p:nvSpPr>
         <p:spPr>
           <a:xfrm>
-            <a:off x="457200" y="3657600"/>
-            <a:ext cx="8229600" cy="2133600"/>
+            <a:off x="457200" y="3587782"/>
+            <a:ext cx="8229600" cy="2965418"/>
           </a:xfrm>
         </p:spPr>
         <p:txBody>
-          <a:bodyPr/>
+          <a:bodyPr>
+            <a:normAutofit fontScale="92500" lnSpcReduction="10000"/>
+          </a:bodyPr>
           <a:lstStyle/>
           <a:p>
             <a:pPr>
@@ -12271,7 +12233,7 @@
             </a:pPr>
             <a:r>
               <a:rPr lang="en-US" sz="2400" dirty="0"/>
-              <a:t>A generator consists of a code generation block.</a:t>
+              <a:t>A translator consists of all three of our building blocks.</a:t>
             </a:r>
           </a:p>
           <a:p>
@@ -12282,7 +12244,7 @@
             </a:pPr>
             <a:r>
               <a:rPr lang="en-US" sz="2400" dirty="0"/>
-              <a:t>A generator walks an intermediate representation and generates output.</a:t>
+              <a:t>A translator reads text in one language and emits output conforming to another language.</a:t>
             </a:r>
           </a:p>
           <a:p>
@@ -12293,747 +12255,7 @@
             </a:pPr>
             <a:r>
               <a:rPr lang="en-US" sz="2400" dirty="0"/>
-              <a:t>Examples include object </a:t>
-            </a:r>
-            <a:r>
-              <a:rPr lang="en-US" sz="2400" dirty="0" err="1"/>
-              <a:t>serializers</a:t>
-            </a:r>
-            <a:r>
-              <a:rPr lang="en-US" sz="2400" dirty="0"/>
-              <a:t> and web page generators.</a:t>
-            </a:r>
-          </a:p>
-        </p:txBody>
-      </p:sp>
-      <p:sp>
-        <p:nvSpPr>
-          <p:cNvPr id="6" name="TextBox 5"/>
-          <p:cNvSpPr txBox="1"/>
-          <p:nvPr/>
-        </p:nvSpPr>
-        <p:spPr>
-          <a:xfrm>
-            <a:off x="3447080" y="2140803"/>
-            <a:ext cx="1810720" cy="830997"/>
-          </a:xfrm>
-          <a:prstGeom prst="rect">
-            <a:avLst/>
-          </a:prstGeom>
-        </p:spPr>
-        <p:style>
-          <a:lnRef idx="2">
-            <a:schemeClr val="accent4"/>
-          </a:lnRef>
-          <a:fillRef idx="1">
-            <a:schemeClr val="lt1"/>
-          </a:fillRef>
-          <a:effectRef idx="0">
-            <a:schemeClr val="accent4"/>
-          </a:effectRef>
-          <a:fontRef idx="minor">
-            <a:schemeClr val="dk1"/>
-          </a:fontRef>
-        </p:style>
-        <p:txBody>
-          <a:bodyPr wrap="square" rtlCol="0">
-            <a:spAutoFit/>
-          </a:bodyPr>
-          <a:lstStyle/>
-          <a:p>
-            <a:pPr algn="ctr"/>
-            <a:r>
-              <a:rPr lang="en-US" sz="2400" dirty="0"/>
-              <a:t>Code</a:t>
-            </a:r>
-          </a:p>
-          <a:p>
-            <a:pPr algn="ctr"/>
-            <a:r>
-              <a:rPr lang="en-US" sz="2400" dirty="0"/>
-              <a:t>Generation</a:t>
-            </a:r>
-          </a:p>
-        </p:txBody>
-      </p:sp>
-      <p:sp>
-        <p:nvSpPr>
-          <p:cNvPr id="7" name="TextBox 6"/>
-          <p:cNvSpPr txBox="1"/>
-          <p:nvPr/>
-        </p:nvSpPr>
-        <p:spPr>
-          <a:xfrm>
-            <a:off x="2685080" y="2217003"/>
-            <a:ext cx="648371" cy="672525"/>
-          </a:xfrm>
-          <a:prstGeom prst="rightArrow">
-            <a:avLst/>
-          </a:prstGeom>
-        </p:spPr>
-        <p:style>
-          <a:lnRef idx="2">
-            <a:schemeClr val="accent4"/>
-          </a:lnRef>
-          <a:fillRef idx="1">
-            <a:schemeClr val="lt1"/>
-          </a:fillRef>
-          <a:effectRef idx="0">
-            <a:schemeClr val="accent4"/>
-          </a:effectRef>
-          <a:fontRef idx="minor">
-            <a:schemeClr val="dk1"/>
-          </a:fontRef>
-        </p:style>
-        <p:txBody>
-          <a:bodyPr wrap="square" rtlCol="0">
-            <a:spAutoFit/>
-          </a:bodyPr>
-          <a:lstStyle/>
-          <a:p>
-            <a:endParaRPr lang="en-US" dirty="0"/>
-          </a:p>
-        </p:txBody>
-      </p:sp>
-      <p:sp>
-        <p:nvSpPr>
-          <p:cNvPr id="8" name="TextBox 7"/>
-          <p:cNvSpPr txBox="1"/>
-          <p:nvPr/>
-        </p:nvSpPr>
-        <p:spPr>
-          <a:xfrm>
-            <a:off x="5410200" y="2217003"/>
-            <a:ext cx="648371" cy="672525"/>
-          </a:xfrm>
-          <a:prstGeom prst="rightArrow">
-            <a:avLst/>
-          </a:prstGeom>
-        </p:spPr>
-        <p:style>
-          <a:lnRef idx="2">
-            <a:schemeClr val="accent4"/>
-          </a:lnRef>
-          <a:fillRef idx="1">
-            <a:schemeClr val="lt1"/>
-          </a:fillRef>
-          <a:effectRef idx="0">
-            <a:schemeClr val="accent4"/>
-          </a:effectRef>
-          <a:fontRef idx="minor">
-            <a:schemeClr val="dk1"/>
-          </a:fontRef>
-        </p:style>
-        <p:txBody>
-          <a:bodyPr wrap="square" rtlCol="0">
-            <a:spAutoFit/>
-          </a:bodyPr>
-          <a:lstStyle/>
-          <a:p>
-            <a:endParaRPr lang="en-US" dirty="0"/>
-          </a:p>
-        </p:txBody>
-      </p:sp>
-      <p:sp>
-        <p:nvSpPr>
-          <p:cNvPr id="9" name="TextBox 8"/>
-          <p:cNvSpPr txBox="1"/>
-          <p:nvPr/>
-        </p:nvSpPr>
-        <p:spPr>
-          <a:xfrm>
-            <a:off x="2048550" y="2404646"/>
-            <a:ext cx="389850" cy="338554"/>
-          </a:xfrm>
-          <a:prstGeom prst="rect">
-            <a:avLst/>
-          </a:prstGeom>
-          <a:noFill/>
-        </p:spPr>
-        <p:txBody>
-          <a:bodyPr wrap="none" rtlCol="0">
-            <a:spAutoFit/>
-          </a:bodyPr>
-          <a:lstStyle/>
-          <a:p>
-            <a:pPr algn="ctr"/>
-            <a:r>
-              <a:rPr lang="en-US" dirty="0"/>
-              <a:t>IR</a:t>
-            </a:r>
-          </a:p>
-        </p:txBody>
-      </p:sp>
-      <p:sp>
-        <p:nvSpPr>
-          <p:cNvPr id="10" name="TextBox 9"/>
-          <p:cNvSpPr txBox="1"/>
-          <p:nvPr/>
-        </p:nvSpPr>
-        <p:spPr>
-          <a:xfrm>
-            <a:off x="6161390" y="2262723"/>
-            <a:ext cx="1097576" cy="584776"/>
-          </a:xfrm>
-          <a:prstGeom prst="rect">
-            <a:avLst/>
-          </a:prstGeom>
-          <a:noFill/>
-        </p:spPr>
-        <p:txBody>
-          <a:bodyPr wrap="none" rtlCol="0">
-            <a:spAutoFit/>
-          </a:bodyPr>
-          <a:lstStyle/>
-          <a:p>
-            <a:r>
-              <a:rPr lang="en-US" dirty="0"/>
-              <a:t>Target</a:t>
-            </a:r>
-            <a:br>
-              <a:rPr lang="en-US" dirty="0"/>
-            </a:br>
-            <a:r>
-              <a:rPr lang="en-US" dirty="0"/>
-              <a:t>Language</a:t>
-            </a:r>
-          </a:p>
-        </p:txBody>
-      </p:sp>
-    </p:spTree>
-  </p:cSld>
-  <p:clrMapOvr>
-    <a:masterClrMapping/>
-  </p:clrMapOvr>
-</p:sld>
-</file>
-
-<file path=ppt/slides/slide21.xml><?xml version="1.0" encoding="utf-8"?>
-<p:sld xmlns:a="http://schemas.openxmlformats.org/drawingml/2006/main" xmlns:r="http://schemas.openxmlformats.org/officeDocument/2006/relationships" xmlns:p="http://schemas.openxmlformats.org/presentationml/2006/main">
-  <p:cSld>
-    <p:spTree>
-      <p:nvGrpSpPr>
-        <p:cNvPr id="1" name=""/>
-        <p:cNvGrpSpPr/>
-        <p:nvPr/>
-      </p:nvGrpSpPr>
-      <p:grpSpPr>
-        <a:xfrm>
-          <a:off x="0" y="0"/>
-          <a:ext cx="0" cy="0"/>
-          <a:chOff x="0" y="0"/>
-          <a:chExt cx="0" cy="0"/>
-        </a:xfrm>
-      </p:grpSpPr>
-      <p:sp>
-        <p:nvSpPr>
-          <p:cNvPr id="16386" name="Rectangle 2"/>
-          <p:cNvSpPr>
-            <a:spLocks noGrp="1" noChangeArrowheads="1"/>
-          </p:cNvSpPr>
-          <p:nvPr>
-            <p:ph type="title"/>
-          </p:nvPr>
-        </p:nvSpPr>
-        <p:spPr/>
-        <p:txBody>
-          <a:bodyPr/>
-          <a:lstStyle/>
-          <a:p>
-            <a:r>
-              <a:rPr lang="en-US" dirty="0"/>
-              <a:t>The Interpreter</a:t>
-            </a:r>
-          </a:p>
-        </p:txBody>
-      </p:sp>
-      <p:sp>
-        <p:nvSpPr>
-          <p:cNvPr id="16387" name="Rectangle 3"/>
-          <p:cNvSpPr>
-            <a:spLocks noGrp="1" noChangeArrowheads="1"/>
-          </p:cNvSpPr>
-          <p:nvPr>
-            <p:ph type="body" idx="1"/>
-          </p:nvPr>
-        </p:nvSpPr>
-        <p:spPr>
-          <a:xfrm>
-            <a:off x="457200" y="3505200"/>
-            <a:ext cx="8534400" cy="2133600"/>
-          </a:xfrm>
-        </p:spPr>
-        <p:txBody>
-          <a:bodyPr/>
-          <a:lstStyle/>
-          <a:p>
-            <a:pPr>
-              <a:lnSpc>
-                <a:spcPct val="90000"/>
-              </a:lnSpc>
-            </a:pPr>
-            <a:r>
-              <a:rPr lang="en-US" sz="2400" dirty="0"/>
-              <a:t>An interpreter is made up of a syntactic and a semantic analysis block.</a:t>
-            </a:r>
-          </a:p>
-          <a:p>
-            <a:pPr>
-              <a:lnSpc>
-                <a:spcPct val="90000"/>
-              </a:lnSpc>
-            </a:pPr>
-            <a:r>
-              <a:rPr lang="en-US" sz="2400" dirty="0"/>
-              <a:t>An interpreter reads, decodes, and executes code.</a:t>
-            </a:r>
-          </a:p>
-          <a:p>
-            <a:pPr>
-              <a:lnSpc>
-                <a:spcPct val="90000"/>
-              </a:lnSpc>
-            </a:pPr>
-            <a:r>
-              <a:rPr lang="en-US" sz="2400" dirty="0"/>
-              <a:t>For interpreters the semantic analysis block is slightly modified – it analyzes and </a:t>
-            </a:r>
-            <a:r>
-              <a:rPr lang="en-US" sz="2400" b="1" dirty="0"/>
-              <a:t>executes</a:t>
-            </a:r>
-            <a:r>
-              <a:rPr lang="en-US" sz="2400" dirty="0"/>
-              <a:t> the IR producing the program output.</a:t>
-            </a:r>
-          </a:p>
-          <a:p>
-            <a:pPr>
-              <a:lnSpc>
-                <a:spcPct val="90000"/>
-              </a:lnSpc>
-            </a:pPr>
-            <a:r>
-              <a:rPr lang="en-US" sz="2400" dirty="0"/>
-              <a:t>Examples include simple programmable calculators as well </a:t>
-            </a:r>
-            <a:r>
-              <a:rPr lang="en-US" sz="2400"/>
-              <a:t>as languages </a:t>
-            </a:r>
-            <a:r>
-              <a:rPr lang="en-US" sz="2400" dirty="0"/>
-              <a:t>such as Ruby and Python.</a:t>
-            </a:r>
-          </a:p>
-        </p:txBody>
-      </p:sp>
-      <p:sp>
-        <p:nvSpPr>
-          <p:cNvPr id="8" name="TextBox 7"/>
-          <p:cNvSpPr txBox="1"/>
-          <p:nvPr/>
-        </p:nvSpPr>
-        <p:spPr>
-          <a:xfrm>
-            <a:off x="2266840" y="2064603"/>
-            <a:ext cx="1447800" cy="830997"/>
-          </a:xfrm>
-          <a:prstGeom prst="rect">
-            <a:avLst/>
-          </a:prstGeom>
-        </p:spPr>
-        <p:style>
-          <a:lnRef idx="2">
-            <a:schemeClr val="accent4"/>
-          </a:lnRef>
-          <a:fillRef idx="1">
-            <a:schemeClr val="lt1"/>
-          </a:fillRef>
-          <a:effectRef idx="0">
-            <a:schemeClr val="accent4"/>
-          </a:effectRef>
-          <a:fontRef idx="minor">
-            <a:schemeClr val="dk1"/>
-          </a:fontRef>
-        </p:style>
-        <p:txBody>
-          <a:bodyPr wrap="square" rtlCol="0">
-            <a:spAutoFit/>
-          </a:bodyPr>
-          <a:lstStyle/>
-          <a:p>
-            <a:pPr algn="ctr"/>
-            <a:r>
-              <a:rPr lang="en-US" sz="2400" dirty="0"/>
-              <a:t>Syntax</a:t>
-            </a:r>
-          </a:p>
-          <a:p>
-            <a:pPr algn="ctr"/>
-            <a:r>
-              <a:rPr lang="en-US" sz="2400" dirty="0"/>
-              <a:t>Analysis</a:t>
-            </a:r>
-          </a:p>
-        </p:txBody>
-      </p:sp>
-      <p:sp>
-        <p:nvSpPr>
-          <p:cNvPr id="9" name="TextBox 8"/>
-          <p:cNvSpPr txBox="1"/>
-          <p:nvPr/>
-        </p:nvSpPr>
-        <p:spPr>
-          <a:xfrm>
-            <a:off x="1504840" y="2140803"/>
-            <a:ext cx="648371" cy="672525"/>
-          </a:xfrm>
-          <a:prstGeom prst="rightArrow">
-            <a:avLst/>
-          </a:prstGeom>
-        </p:spPr>
-        <p:style>
-          <a:lnRef idx="2">
-            <a:schemeClr val="accent4"/>
-          </a:lnRef>
-          <a:fillRef idx="1">
-            <a:schemeClr val="lt1"/>
-          </a:fillRef>
-          <a:effectRef idx="0">
-            <a:schemeClr val="accent4"/>
-          </a:effectRef>
-          <a:fontRef idx="minor">
-            <a:schemeClr val="dk1"/>
-          </a:fontRef>
-        </p:style>
-        <p:txBody>
-          <a:bodyPr wrap="square" rtlCol="0">
-            <a:spAutoFit/>
-          </a:bodyPr>
-          <a:lstStyle/>
-          <a:p>
-            <a:endParaRPr lang="en-US" dirty="0"/>
-          </a:p>
-        </p:txBody>
-      </p:sp>
-      <p:sp>
-        <p:nvSpPr>
-          <p:cNvPr id="10" name="TextBox 9"/>
-          <p:cNvSpPr txBox="1"/>
-          <p:nvPr/>
-        </p:nvSpPr>
-        <p:spPr>
-          <a:xfrm>
-            <a:off x="3828269" y="2140803"/>
-            <a:ext cx="648371" cy="672525"/>
-          </a:xfrm>
-          <a:prstGeom prst="rightArrow">
-            <a:avLst/>
-          </a:prstGeom>
-        </p:spPr>
-        <p:style>
-          <a:lnRef idx="2">
-            <a:schemeClr val="accent4"/>
-          </a:lnRef>
-          <a:fillRef idx="1">
-            <a:schemeClr val="lt1"/>
-          </a:fillRef>
-          <a:effectRef idx="0">
-            <a:schemeClr val="accent4"/>
-          </a:effectRef>
-          <a:fontRef idx="minor">
-            <a:schemeClr val="dk1"/>
-          </a:fontRef>
-        </p:style>
-        <p:txBody>
-          <a:bodyPr wrap="square" rtlCol="0">
-            <a:spAutoFit/>
-          </a:bodyPr>
-          <a:lstStyle/>
-          <a:p>
-            <a:endParaRPr lang="en-US" dirty="0"/>
-          </a:p>
-        </p:txBody>
-      </p:sp>
-      <p:sp>
-        <p:nvSpPr>
-          <p:cNvPr id="11" name="TextBox 10"/>
-          <p:cNvSpPr txBox="1"/>
-          <p:nvPr/>
-        </p:nvSpPr>
-        <p:spPr>
-          <a:xfrm>
-            <a:off x="457200" y="2209800"/>
-            <a:ext cx="971440" cy="584776"/>
-          </a:xfrm>
-          <a:prstGeom prst="rect">
-            <a:avLst/>
-          </a:prstGeom>
-          <a:noFill/>
-        </p:spPr>
-        <p:txBody>
-          <a:bodyPr wrap="none" rtlCol="0">
-            <a:spAutoFit/>
-          </a:bodyPr>
-          <a:lstStyle/>
-          <a:p>
-            <a:pPr algn="ctr"/>
-            <a:r>
-              <a:rPr lang="en-US" dirty="0"/>
-              <a:t>Program</a:t>
-            </a:r>
-            <a:br>
-              <a:rPr lang="en-US" dirty="0"/>
-            </a:br>
-            <a:r>
-              <a:rPr lang="en-US" dirty="0"/>
-              <a:t>Text</a:t>
-            </a:r>
-          </a:p>
-        </p:txBody>
-      </p:sp>
-      <p:sp>
-        <p:nvSpPr>
-          <p:cNvPr id="12" name="TextBox 11"/>
-          <p:cNvSpPr txBox="1"/>
-          <p:nvPr/>
-        </p:nvSpPr>
-        <p:spPr>
-          <a:xfrm>
-            <a:off x="3886200" y="1676400"/>
-            <a:ext cx="389850" cy="338554"/>
-          </a:xfrm>
-          <a:prstGeom prst="rect">
-            <a:avLst/>
-          </a:prstGeom>
-          <a:noFill/>
-        </p:spPr>
-        <p:txBody>
-          <a:bodyPr wrap="none" rtlCol="0">
-            <a:spAutoFit/>
-          </a:bodyPr>
-          <a:lstStyle/>
-          <a:p>
-            <a:r>
-              <a:rPr lang="en-US" dirty="0"/>
-              <a:t>IR</a:t>
-            </a:r>
-          </a:p>
-        </p:txBody>
-      </p:sp>
-      <p:sp>
-        <p:nvSpPr>
-          <p:cNvPr id="13" name="TextBox 12"/>
-          <p:cNvSpPr txBox="1"/>
-          <p:nvPr/>
-        </p:nvSpPr>
-        <p:spPr>
-          <a:xfrm>
-            <a:off x="4572440" y="2064603"/>
-            <a:ext cx="1582120" cy="830997"/>
-          </a:xfrm>
-          <a:prstGeom prst="rect">
-            <a:avLst/>
-          </a:prstGeom>
-        </p:spPr>
-        <p:style>
-          <a:lnRef idx="2">
-            <a:schemeClr val="accent4"/>
-          </a:lnRef>
-          <a:fillRef idx="1">
-            <a:schemeClr val="lt1"/>
-          </a:fillRef>
-          <a:effectRef idx="0">
-            <a:schemeClr val="accent4"/>
-          </a:effectRef>
-          <a:fontRef idx="minor">
-            <a:schemeClr val="dk1"/>
-          </a:fontRef>
-        </p:style>
-        <p:txBody>
-          <a:bodyPr wrap="square" rtlCol="0">
-            <a:spAutoFit/>
-          </a:bodyPr>
-          <a:lstStyle/>
-          <a:p>
-            <a:pPr algn="ctr"/>
-            <a:r>
-              <a:rPr lang="en-US" sz="2400" dirty="0"/>
-              <a:t>Semantic</a:t>
-            </a:r>
-          </a:p>
-          <a:p>
-            <a:pPr algn="ctr"/>
-            <a:r>
-              <a:rPr lang="en-US" sz="2400" dirty="0"/>
-              <a:t>Analysis</a:t>
-            </a:r>
-          </a:p>
-        </p:txBody>
-      </p:sp>
-      <p:sp>
-        <p:nvSpPr>
-          <p:cNvPr id="14" name="TextBox 13"/>
-          <p:cNvSpPr txBox="1"/>
-          <p:nvPr/>
-        </p:nvSpPr>
-        <p:spPr>
-          <a:xfrm>
-            <a:off x="6268189" y="2140803"/>
-            <a:ext cx="648371" cy="672525"/>
-          </a:xfrm>
-          <a:prstGeom prst="rightArrow">
-            <a:avLst/>
-          </a:prstGeom>
-        </p:spPr>
-        <p:style>
-          <a:lnRef idx="2">
-            <a:schemeClr val="accent4"/>
-          </a:lnRef>
-          <a:fillRef idx="1">
-            <a:schemeClr val="lt1"/>
-          </a:fillRef>
-          <a:effectRef idx="0">
-            <a:schemeClr val="accent4"/>
-          </a:effectRef>
-          <a:fontRef idx="minor">
-            <a:schemeClr val="dk1"/>
-          </a:fontRef>
-        </p:style>
-        <p:txBody>
-          <a:bodyPr wrap="square" rtlCol="0">
-            <a:spAutoFit/>
-          </a:bodyPr>
-          <a:lstStyle/>
-          <a:p>
-            <a:endParaRPr lang="en-US" dirty="0"/>
-          </a:p>
-        </p:txBody>
-      </p:sp>
-      <p:sp>
-        <p:nvSpPr>
-          <p:cNvPr id="15" name="TextBox 14"/>
-          <p:cNvSpPr txBox="1"/>
-          <p:nvPr/>
-        </p:nvSpPr>
-        <p:spPr>
-          <a:xfrm>
-            <a:off x="6999590" y="2151241"/>
-            <a:ext cx="971440" cy="584776"/>
-          </a:xfrm>
-          <a:prstGeom prst="rect">
-            <a:avLst/>
-          </a:prstGeom>
-          <a:noFill/>
-        </p:spPr>
-        <p:txBody>
-          <a:bodyPr wrap="none" rtlCol="0">
-            <a:spAutoFit/>
-          </a:bodyPr>
-          <a:lstStyle/>
-          <a:p>
-            <a:pPr algn="ctr"/>
-            <a:r>
-              <a:rPr lang="en-US" dirty="0"/>
-              <a:t>Program</a:t>
-            </a:r>
-          </a:p>
-          <a:p>
-            <a:pPr algn="ctr"/>
-            <a:r>
-              <a:rPr lang="en-US" dirty="0"/>
-              <a:t>Output</a:t>
-            </a:r>
-          </a:p>
-        </p:txBody>
-      </p:sp>
-    </p:spTree>
-  </p:cSld>
-  <p:clrMapOvr>
-    <a:masterClrMapping/>
-  </p:clrMapOvr>
-</p:sld>
-</file>
-
-<file path=ppt/slides/slide22.xml><?xml version="1.0" encoding="utf-8"?>
-<p:sld xmlns:a="http://schemas.openxmlformats.org/drawingml/2006/main" xmlns:r="http://schemas.openxmlformats.org/officeDocument/2006/relationships" xmlns:p="http://schemas.openxmlformats.org/presentationml/2006/main">
-  <p:cSld>
-    <p:spTree>
-      <p:nvGrpSpPr>
-        <p:cNvPr id="1" name=""/>
-        <p:cNvGrpSpPr/>
-        <p:nvPr/>
-      </p:nvGrpSpPr>
-      <p:grpSpPr>
-        <a:xfrm>
-          <a:off x="0" y="0"/>
-          <a:ext cx="0" cy="0"/>
-          <a:chOff x="0" y="0"/>
-          <a:chExt cx="0" cy="0"/>
-        </a:xfrm>
-      </p:grpSpPr>
-      <p:sp>
-        <p:nvSpPr>
-          <p:cNvPr id="17410" name="Rectangle 2"/>
-          <p:cNvSpPr>
-            <a:spLocks noGrp="1" noChangeArrowheads="1"/>
-          </p:cNvSpPr>
-          <p:nvPr>
-            <p:ph type="title"/>
-          </p:nvPr>
-        </p:nvSpPr>
-        <p:spPr/>
-        <p:txBody>
-          <a:bodyPr/>
-          <a:lstStyle/>
-          <a:p>
-            <a:r>
-              <a:rPr lang="en-US" dirty="0"/>
-              <a:t>The Translator</a:t>
-            </a:r>
-          </a:p>
-        </p:txBody>
-      </p:sp>
-      <p:sp>
-        <p:nvSpPr>
-          <p:cNvPr id="17411" name="Rectangle 3"/>
-          <p:cNvSpPr>
-            <a:spLocks noGrp="1" noChangeArrowheads="1"/>
-          </p:cNvSpPr>
-          <p:nvPr>
-            <p:ph type="body" idx="1"/>
-          </p:nvPr>
-        </p:nvSpPr>
-        <p:spPr>
-          <a:xfrm>
-            <a:off x="457200" y="3886200"/>
-            <a:ext cx="8229600" cy="2133600"/>
-          </a:xfrm>
-        </p:spPr>
-        <p:txBody>
-          <a:bodyPr/>
-          <a:lstStyle/>
-          <a:p>
-            <a:pPr>
-              <a:lnSpc>
-                <a:spcPct val="90000"/>
-              </a:lnSpc>
-            </a:pPr>
-            <a:r>
-              <a:rPr lang="en-US" sz="2400" dirty="0"/>
-              <a:t>A translator consists of all three of our building blocks.</a:t>
-            </a:r>
-          </a:p>
-          <a:p>
-            <a:pPr>
-              <a:lnSpc>
-                <a:spcPct val="90000"/>
-              </a:lnSpc>
-            </a:pPr>
-            <a:r>
-              <a:rPr lang="en-US" sz="2400" dirty="0"/>
-              <a:t>A translator reads text in one language and emits output conforming to another language.</a:t>
+              <a:t>We often fit an additional optimization phase between the semantic analysis and the code generation phases.</a:t>
             </a:r>
           </a:p>
           <a:p>
@@ -13522,7 +12744,7 @@
 </p:sld>
 </file>
 
-<file path=ppt/slides/slide23.xml><?xml version="1.0" encoding="utf-8"?>
+<file path=ppt/slides/slide21.xml><?xml version="1.0" encoding="utf-8"?>
 <p:sld xmlns:a="http://schemas.openxmlformats.org/drawingml/2006/main" xmlns:r="http://schemas.openxmlformats.org/officeDocument/2006/relationships" xmlns:p="http://schemas.openxmlformats.org/presentationml/2006/main">
   <p:cSld>
     <p:spTree>
@@ -13964,7 +13186,7 @@
 </p:sld>
 </file>
 
-<file path=ppt/slides/slide24.xml><?xml version="1.0" encoding="utf-8"?>
+<file path=ppt/slides/slide22.xml><?xml version="1.0" encoding="utf-8"?>
 <p:sld xmlns:a="http://schemas.openxmlformats.org/drawingml/2006/main" xmlns:r="http://schemas.openxmlformats.org/officeDocument/2006/relationships" xmlns:p="http://schemas.openxmlformats.org/presentationml/2006/main">
   <p:cSld>
     <p:spTree>
@@ -14073,7 +13295,7 @@
 </p:sld>
 </file>
 
-<file path=ppt/slides/slide25.xml><?xml version="1.0" encoding="utf-8"?>
+<file path=ppt/slides/slide23.xml><?xml version="1.0" encoding="utf-8"?>
 <p:sld xmlns:a="http://schemas.openxmlformats.org/drawingml/2006/main" xmlns:r="http://schemas.openxmlformats.org/officeDocument/2006/relationships" xmlns:p="http://schemas.openxmlformats.org/presentationml/2006/main">
   <p:cSld>
     <p:spTree>
@@ -14139,7 +13361,7 @@
           </a:ln>
           <a:extLst>
             <a:ext uri="{909E8E84-426E-40dd-AFC4-6F175D3DCCD1}">
-              <a14:hiddenFill xmlns="" xmlns:a14="http://schemas.microsoft.com/office/drawing/2010/main">
+              <a14:hiddenFill xmlns:a14="http://schemas.microsoft.com/office/drawing/2010/main" xmlns="">
                 <a:solidFill>
                   <a:schemeClr val="accent1"/>
                 </a:solidFill>
@@ -14411,7 +13633,7 @@
           </a:ln>
           <a:extLst>
             <a:ext uri="{909E8E84-426E-40dd-AFC4-6F175D3DCCD1}">
-              <a14:hiddenFill xmlns="" xmlns:a14="http://schemas.microsoft.com/office/drawing/2010/main">
+              <a14:hiddenFill xmlns:a14="http://schemas.microsoft.com/office/drawing/2010/main" xmlns="">
                 <a:solidFill>
                   <a:schemeClr val="accent1"/>
                 </a:solidFill>
@@ -15002,14 +14224,14 @@
           </a:ln>
           <a:extLst>
             <a:ext uri="{909E8E84-426E-40dd-AFC4-6F175D3DCCD1}">
-              <a14:hiddenFill xmlns="" xmlns:a14="http://schemas.microsoft.com/office/drawing/2010/main">
+              <a14:hiddenFill xmlns:a14="http://schemas.microsoft.com/office/drawing/2010/main" xmlns="">
                 <a:solidFill>
                   <a:schemeClr val="accent1"/>
                 </a:solidFill>
               </a14:hiddenFill>
             </a:ext>
             <a:ext uri="{91240B29-F687-4f45-9708-019B960494DF}">
-              <a14:hiddenLine xmlns="" xmlns:a14="http://schemas.microsoft.com/office/drawing/2010/main" w="9525">
+              <a14:hiddenLine xmlns:a14="http://schemas.microsoft.com/office/drawing/2010/main" xmlns="" w="9525">
                 <a:solidFill>
                   <a:schemeClr val="tx1"/>
                 </a:solidFill>
@@ -15055,14 +14277,14 @@
           </a:ln>
           <a:extLst>
             <a:ext uri="{909E8E84-426E-40dd-AFC4-6F175D3DCCD1}">
-              <a14:hiddenFill xmlns="" xmlns:a14="http://schemas.microsoft.com/office/drawing/2010/main">
+              <a14:hiddenFill xmlns:a14="http://schemas.microsoft.com/office/drawing/2010/main" xmlns="">
                 <a:solidFill>
                   <a:schemeClr val="accent1"/>
                 </a:solidFill>
               </a14:hiddenFill>
             </a:ext>
             <a:ext uri="{91240B29-F687-4f45-9708-019B960494DF}">
-              <a14:hiddenLine xmlns="" xmlns:a14="http://schemas.microsoft.com/office/drawing/2010/main" w="9525">
+              <a14:hiddenLine xmlns:a14="http://schemas.microsoft.com/office/drawing/2010/main" xmlns="" w="9525">
                 <a:solidFill>
                   <a:schemeClr val="tx1"/>
                 </a:solidFill>
@@ -15229,14 +14451,14 @@
           </a:ln>
           <a:extLst>
             <a:ext uri="{909E8E84-426E-40dd-AFC4-6F175D3DCCD1}">
-              <a14:hiddenFill xmlns="" xmlns:a14="http://schemas.microsoft.com/office/drawing/2010/main">
+              <a14:hiddenFill xmlns:a14="http://schemas.microsoft.com/office/drawing/2010/main" xmlns="">
                 <a:solidFill>
                   <a:schemeClr val="accent1"/>
                 </a:solidFill>
               </a14:hiddenFill>
             </a:ext>
             <a:ext uri="{91240B29-F687-4f45-9708-019B960494DF}">
-              <a14:hiddenLine xmlns="" xmlns:a14="http://schemas.microsoft.com/office/drawing/2010/main" w="9525">
+              <a14:hiddenLine xmlns:a14="http://schemas.microsoft.com/office/drawing/2010/main" xmlns="" w="9525">
                 <a:solidFill>
                   <a:schemeClr val="tx1"/>
                 </a:solidFill>
@@ -15321,14 +14543,14 @@
           </a:ln>
           <a:extLst>
             <a:ext uri="{909E8E84-426E-40dd-AFC4-6F175D3DCCD1}">
-              <a14:hiddenFill xmlns="" xmlns:a14="http://schemas.microsoft.com/office/drawing/2010/main">
+              <a14:hiddenFill xmlns:a14="http://schemas.microsoft.com/office/drawing/2010/main" xmlns="">
                 <a:solidFill>
                   <a:schemeClr val="accent1"/>
                 </a:solidFill>
               </a14:hiddenFill>
             </a:ext>
             <a:ext uri="{91240B29-F687-4f45-9708-019B960494DF}">
-              <a14:hiddenLine xmlns="" xmlns:a14="http://schemas.microsoft.com/office/drawing/2010/main" w="9525">
+              <a14:hiddenLine xmlns:a14="http://schemas.microsoft.com/office/drawing/2010/main" xmlns="" w="9525">
                 <a:solidFill>
                   <a:schemeClr val="tx1"/>
                 </a:solidFill>
@@ -15379,7 +14601,7 @@
           </a:ln>
           <a:extLst>
             <a:ext uri="{909E8E84-426E-40dd-AFC4-6F175D3DCCD1}">
-              <a14:hiddenFill xmlns="" xmlns:a14="http://schemas.microsoft.com/office/drawing/2010/main">
+              <a14:hiddenFill xmlns:a14="http://schemas.microsoft.com/office/drawing/2010/main" xmlns="">
                 <a:solidFill>
                   <a:schemeClr val="accent1"/>
                 </a:solidFill>
@@ -15430,14 +14652,14 @@
           </a:ln>
           <a:extLst>
             <a:ext uri="{909E8E84-426E-40dd-AFC4-6F175D3DCCD1}">
-              <a14:hiddenFill xmlns="" xmlns:a14="http://schemas.microsoft.com/office/drawing/2010/main">
+              <a14:hiddenFill xmlns:a14="http://schemas.microsoft.com/office/drawing/2010/main" xmlns="">
                 <a:solidFill>
                   <a:schemeClr val="accent1"/>
                 </a:solidFill>
               </a14:hiddenFill>
             </a:ext>
             <a:ext uri="{91240B29-F687-4f45-9708-019B960494DF}">
-              <a14:hiddenLine xmlns="" xmlns:a14="http://schemas.microsoft.com/office/drawing/2010/main" w="9525">
+              <a14:hiddenLine xmlns:a14="http://schemas.microsoft.com/office/drawing/2010/main" xmlns="" w="9525">
                 <a:solidFill>
                   <a:schemeClr val="tx1"/>
                 </a:solidFill>
@@ -15469,7 +14691,7 @@
 </p:sld>
 </file>
 
-<file path=ppt/slides/slide26.xml><?xml version="1.0" encoding="utf-8"?>
+<file path=ppt/slides/slide24.xml><?xml version="1.0" encoding="utf-8"?>
 <p:sld xmlns:a="http://schemas.openxmlformats.org/drawingml/2006/main" xmlns:r="http://schemas.openxmlformats.org/officeDocument/2006/relationships" xmlns:p="http://schemas.openxmlformats.org/presentationml/2006/main">
   <p:cSld>
     <p:spTree>
@@ -15964,7 +15186,7 @@
 </p:sld>
 </file>
 
-<file path=ppt/slides/slide27.xml><?xml version="1.0" encoding="utf-8"?>
+<file path=ppt/slides/slide25.xml><?xml version="1.0" encoding="utf-8"?>
 <p:sld xmlns:a="http://schemas.openxmlformats.org/drawingml/2006/main" xmlns:r="http://schemas.openxmlformats.org/officeDocument/2006/relationships" xmlns:p="http://schemas.openxmlformats.org/presentationml/2006/main">
   <p:cSld>
     <p:spTree>
@@ -16346,7 +15568,7 @@
 </p:sld>
 </file>
 
-<file path=ppt/slides/slide28.xml><?xml version="1.0" encoding="utf-8"?>
+<file path=ppt/slides/slide26.xml><?xml version="1.0" encoding="utf-8"?>
 <p:sld xmlns:a="http://schemas.openxmlformats.org/drawingml/2006/main" xmlns:r="http://schemas.openxmlformats.org/officeDocument/2006/relationships" xmlns:p="http://schemas.openxmlformats.org/presentationml/2006/main">
   <p:cSld>
     <p:spTree>
@@ -16652,14 +15874,14 @@
           </a:ln>
           <a:extLst>
             <a:ext uri="{909E8E84-426E-40dd-AFC4-6F175D3DCCD1}">
-              <a14:hiddenFill xmlns="" xmlns:a14="http://schemas.microsoft.com/office/drawing/2010/main">
+              <a14:hiddenFill xmlns:a14="http://schemas.microsoft.com/office/drawing/2010/main" xmlns="">
                 <a:solidFill>
                   <a:schemeClr val="accent1"/>
                 </a:solidFill>
               </a14:hiddenFill>
             </a:ext>
             <a:ext uri="{91240B29-F687-4f45-9708-019B960494DF}">
-              <a14:hiddenLine xmlns="" xmlns:a14="http://schemas.microsoft.com/office/drawing/2010/main" w="9525">
+              <a14:hiddenLine xmlns:a14="http://schemas.microsoft.com/office/drawing/2010/main" xmlns="" w="9525">
                 <a:solidFill>
                   <a:schemeClr val="tx1"/>
                 </a:solidFill>
@@ -16803,14 +16025,14 @@
           </a:ln>
           <a:extLst>
             <a:ext uri="{909E8E84-426E-40dd-AFC4-6F175D3DCCD1}">
-              <a14:hiddenFill xmlns="" xmlns:a14="http://schemas.microsoft.com/office/drawing/2010/main">
+              <a14:hiddenFill xmlns:a14="http://schemas.microsoft.com/office/drawing/2010/main" xmlns="">
                 <a:solidFill>
                   <a:schemeClr val="accent1"/>
                 </a:solidFill>
               </a14:hiddenFill>
             </a:ext>
             <a:ext uri="{91240B29-F687-4f45-9708-019B960494DF}">
-              <a14:hiddenLine xmlns="" xmlns:a14="http://schemas.microsoft.com/office/drawing/2010/main" w="9525">
+              <a14:hiddenLine xmlns:a14="http://schemas.microsoft.com/office/drawing/2010/main" xmlns="" w="9525">
                 <a:solidFill>
                   <a:schemeClr val="tx1"/>
                 </a:solidFill>
@@ -17420,14 +16642,14 @@
           </a:ln>
           <a:extLst>
             <a:ext uri="{909E8E84-426E-40dd-AFC4-6F175D3DCCD1}">
-              <a14:hiddenFill xmlns="" xmlns:a14="http://schemas.microsoft.com/office/drawing/2010/main">
+              <a14:hiddenFill xmlns:a14="http://schemas.microsoft.com/office/drawing/2010/main" xmlns="">
                 <a:solidFill>
                   <a:schemeClr val="accent1"/>
                 </a:solidFill>
               </a14:hiddenFill>
             </a:ext>
             <a:ext uri="{91240B29-F687-4f45-9708-019B960494DF}">
-              <a14:hiddenLine xmlns="" xmlns:a14="http://schemas.microsoft.com/office/drawing/2010/main" w="9525">
+              <a14:hiddenLine xmlns:a14="http://schemas.microsoft.com/office/drawing/2010/main" xmlns="" w="9525">
                 <a:solidFill>
                   <a:schemeClr val="tx1"/>
                 </a:solidFill>
@@ -17504,7 +16726,7 @@
           </a:ln>
           <a:extLst>
             <a:ext uri="{909E8E84-426E-40dd-AFC4-6F175D3DCCD1}">
-              <a14:hiddenFill xmlns="" xmlns:a14="http://schemas.microsoft.com/office/drawing/2010/main">
+              <a14:hiddenFill xmlns:a14="http://schemas.microsoft.com/office/drawing/2010/main" xmlns="">
                 <a:noFill/>
               </a14:hiddenFill>
             </a:ext>
@@ -17540,14 +16762,14 @@
           </a:ln>
           <a:extLst>
             <a:ext uri="{909E8E84-426E-40dd-AFC4-6F175D3DCCD1}">
-              <a14:hiddenFill xmlns="" xmlns:a14="http://schemas.microsoft.com/office/drawing/2010/main">
+              <a14:hiddenFill xmlns:a14="http://schemas.microsoft.com/office/drawing/2010/main" xmlns="">
                 <a:solidFill>
                   <a:schemeClr val="accent1"/>
                 </a:solidFill>
               </a14:hiddenFill>
             </a:ext>
             <a:ext uri="{91240B29-F687-4f45-9708-019B960494DF}">
-              <a14:hiddenLine xmlns="" xmlns:a14="http://schemas.microsoft.com/office/drawing/2010/main" w="9525">
+              <a14:hiddenLine xmlns:a14="http://schemas.microsoft.com/office/drawing/2010/main" xmlns="" w="9525">
                 <a:solidFill>
                   <a:schemeClr val="tx1"/>
                 </a:solidFill>
@@ -17599,7 +16821,7 @@
           </a:ln>
           <a:extLst>
             <a:ext uri="{909E8E84-426E-40dd-AFC4-6F175D3DCCD1}">
-              <a14:hiddenFill xmlns="" xmlns:a14="http://schemas.microsoft.com/office/drawing/2010/main">
+              <a14:hiddenFill xmlns:a14="http://schemas.microsoft.com/office/drawing/2010/main" xmlns="">
                 <a:noFill/>
               </a14:hiddenFill>
             </a:ext>
@@ -17635,14 +16857,14 @@
           </a:ln>
           <a:extLst>
             <a:ext uri="{909E8E84-426E-40dd-AFC4-6F175D3DCCD1}">
-              <a14:hiddenFill xmlns="" xmlns:a14="http://schemas.microsoft.com/office/drawing/2010/main">
+              <a14:hiddenFill xmlns:a14="http://schemas.microsoft.com/office/drawing/2010/main" xmlns="">
                 <a:solidFill>
                   <a:schemeClr val="accent1"/>
                 </a:solidFill>
               </a14:hiddenFill>
             </a:ext>
             <a:ext uri="{91240B29-F687-4f45-9708-019B960494DF}">
-              <a14:hiddenLine xmlns="" xmlns:a14="http://schemas.microsoft.com/office/drawing/2010/main" w="9525">
+              <a14:hiddenLine xmlns:a14="http://schemas.microsoft.com/office/drawing/2010/main" xmlns="" w="9525">
                 <a:solidFill>
                   <a:schemeClr val="tx1"/>
                 </a:solidFill>
@@ -17696,7 +16918,7 @@
           </a:ln>
           <a:extLst>
             <a:ext uri="{909E8E84-426E-40dd-AFC4-6F175D3DCCD1}">
-              <a14:hiddenFill xmlns="" xmlns:a14="http://schemas.microsoft.com/office/drawing/2010/main">
+              <a14:hiddenFill xmlns:a14="http://schemas.microsoft.com/office/drawing/2010/main" xmlns="">
                 <a:solidFill>
                   <a:schemeClr val="accent1"/>
                 </a:solidFill>
@@ -17735,14 +16957,14 @@
           </a:ln>
           <a:extLst>
             <a:ext uri="{909E8E84-426E-40dd-AFC4-6F175D3DCCD1}">
-              <a14:hiddenFill xmlns="" xmlns:a14="http://schemas.microsoft.com/office/drawing/2010/main">
+              <a14:hiddenFill xmlns:a14="http://schemas.microsoft.com/office/drawing/2010/main" xmlns="">
                 <a:solidFill>
                   <a:schemeClr val="accent1"/>
                 </a:solidFill>
               </a14:hiddenFill>
             </a:ext>
             <a:ext uri="{91240B29-F687-4f45-9708-019B960494DF}">
-              <a14:hiddenLine xmlns="" xmlns:a14="http://schemas.microsoft.com/office/drawing/2010/main" w="9525">
+              <a14:hiddenLine xmlns:a14="http://schemas.microsoft.com/office/drawing/2010/main" xmlns="" w="9525">
                 <a:solidFill>
                   <a:schemeClr val="tx1"/>
                 </a:solidFill>
@@ -17796,7 +17018,7 @@
           </a:ln>
           <a:extLst>
             <a:ext uri="{909E8E84-426E-40dd-AFC4-6F175D3DCCD1}">
-              <a14:hiddenFill xmlns="" xmlns:a14="http://schemas.microsoft.com/office/drawing/2010/main">
+              <a14:hiddenFill xmlns:a14="http://schemas.microsoft.com/office/drawing/2010/main" xmlns="">
                 <a:solidFill>
                   <a:schemeClr val="accent1"/>
                 </a:solidFill>
@@ -17835,14 +17057,14 @@
           </a:ln>
           <a:extLst>
             <a:ext uri="{909E8E84-426E-40dd-AFC4-6F175D3DCCD1}">
-              <a14:hiddenFill xmlns="" xmlns:a14="http://schemas.microsoft.com/office/drawing/2010/main">
+              <a14:hiddenFill xmlns:a14="http://schemas.microsoft.com/office/drawing/2010/main" xmlns="">
                 <a:solidFill>
                   <a:schemeClr val="accent1"/>
                 </a:solidFill>
               </a14:hiddenFill>
             </a:ext>
             <a:ext uri="{91240B29-F687-4f45-9708-019B960494DF}">
-              <a14:hiddenLine xmlns="" xmlns:a14="http://schemas.microsoft.com/office/drawing/2010/main" w="9525">
+              <a14:hiddenLine xmlns:a14="http://schemas.microsoft.com/office/drawing/2010/main" xmlns="" w="9525">
                 <a:solidFill>
                   <a:schemeClr val="tx1"/>
                 </a:solidFill>
@@ -17896,7 +17118,7 @@
           </a:ln>
           <a:extLst>
             <a:ext uri="{909E8E84-426E-40dd-AFC4-6F175D3DCCD1}">
-              <a14:hiddenFill xmlns="" xmlns:a14="http://schemas.microsoft.com/office/drawing/2010/main">
+              <a14:hiddenFill xmlns:a14="http://schemas.microsoft.com/office/drawing/2010/main" xmlns="">
                 <a:solidFill>
                   <a:schemeClr val="accent1"/>
                 </a:solidFill>
@@ -17934,14 +17156,14 @@
           </a:ln>
           <a:extLst>
             <a:ext uri="{909E8E84-426E-40dd-AFC4-6F175D3DCCD1}">
-              <a14:hiddenFill xmlns="" xmlns:a14="http://schemas.microsoft.com/office/drawing/2010/main">
+              <a14:hiddenFill xmlns:a14="http://schemas.microsoft.com/office/drawing/2010/main" xmlns="">
                 <a:solidFill>
                   <a:schemeClr val="accent1"/>
                 </a:solidFill>
               </a14:hiddenFill>
             </a:ext>
             <a:ext uri="{91240B29-F687-4f45-9708-019B960494DF}">
-              <a14:hiddenLine xmlns="" xmlns:a14="http://schemas.microsoft.com/office/drawing/2010/main" w="9525">
+              <a14:hiddenLine xmlns:a14="http://schemas.microsoft.com/office/drawing/2010/main" xmlns="" w="9525">
                 <a:solidFill>
                   <a:schemeClr val="tx1"/>
                 </a:solidFill>
@@ -17995,7 +17217,7 @@
           </a:ln>
           <a:extLst>
             <a:ext uri="{909E8E84-426E-40dd-AFC4-6F175D3DCCD1}">
-              <a14:hiddenFill xmlns="" xmlns:a14="http://schemas.microsoft.com/office/drawing/2010/main">
+              <a14:hiddenFill xmlns:a14="http://schemas.microsoft.com/office/drawing/2010/main" xmlns="">
                 <a:solidFill>
                   <a:schemeClr val="accent1"/>
                 </a:solidFill>
@@ -18033,14 +17255,14 @@
           </a:ln>
           <a:extLst>
             <a:ext uri="{909E8E84-426E-40dd-AFC4-6F175D3DCCD1}">
-              <a14:hiddenFill xmlns="" xmlns:a14="http://schemas.microsoft.com/office/drawing/2010/main">
+              <a14:hiddenFill xmlns:a14="http://schemas.microsoft.com/office/drawing/2010/main" xmlns="">
                 <a:solidFill>
                   <a:schemeClr val="accent1"/>
                 </a:solidFill>
               </a14:hiddenFill>
             </a:ext>
             <a:ext uri="{91240B29-F687-4f45-9708-019B960494DF}">
-              <a14:hiddenLine xmlns="" xmlns:a14="http://schemas.microsoft.com/office/drawing/2010/main" w="9525">
+              <a14:hiddenLine xmlns:a14="http://schemas.microsoft.com/office/drawing/2010/main" xmlns="" w="9525">
                 <a:solidFill>
                   <a:schemeClr val="tx1"/>
                 </a:solidFill>
@@ -18094,7 +17316,7 @@
           </a:ln>
           <a:extLst>
             <a:ext uri="{909E8E84-426E-40dd-AFC4-6F175D3DCCD1}">
-              <a14:hiddenFill xmlns="" xmlns:a14="http://schemas.microsoft.com/office/drawing/2010/main">
+              <a14:hiddenFill xmlns:a14="http://schemas.microsoft.com/office/drawing/2010/main" xmlns="">
                 <a:solidFill>
                   <a:schemeClr val="accent1"/>
                 </a:solidFill>
@@ -18132,14 +17354,14 @@
           </a:ln>
           <a:extLst>
             <a:ext uri="{909E8E84-426E-40dd-AFC4-6F175D3DCCD1}">
-              <a14:hiddenFill xmlns="" xmlns:a14="http://schemas.microsoft.com/office/drawing/2010/main">
+              <a14:hiddenFill xmlns:a14="http://schemas.microsoft.com/office/drawing/2010/main" xmlns="">
                 <a:solidFill>
                   <a:schemeClr val="accent1"/>
                 </a:solidFill>
               </a14:hiddenFill>
             </a:ext>
             <a:ext uri="{91240B29-F687-4f45-9708-019B960494DF}">
-              <a14:hiddenLine xmlns="" xmlns:a14="http://schemas.microsoft.com/office/drawing/2010/main" w="9525">
+              <a14:hiddenLine xmlns:a14="http://schemas.microsoft.com/office/drawing/2010/main" xmlns="" w="9525">
                 <a:solidFill>
                   <a:schemeClr val="tx1"/>
                 </a:solidFill>
@@ -18190,7 +17412,7 @@
           </a:ln>
           <a:extLst>
             <a:ext uri="{909E8E84-426E-40dd-AFC4-6F175D3DCCD1}">
-              <a14:hiddenFill xmlns="" xmlns:a14="http://schemas.microsoft.com/office/drawing/2010/main">
+              <a14:hiddenFill xmlns:a14="http://schemas.microsoft.com/office/drawing/2010/main" xmlns="">
                 <a:solidFill>
                   <a:schemeClr val="accent1"/>
                 </a:solidFill>
@@ -18361,14 +17583,14 @@
           </a:ln>
           <a:extLst>
             <a:ext uri="{909E8E84-426E-40dd-AFC4-6F175D3DCCD1}">
-              <a14:hiddenFill xmlns="" xmlns:a14="http://schemas.microsoft.com/office/drawing/2010/main">
+              <a14:hiddenFill xmlns:a14="http://schemas.microsoft.com/office/drawing/2010/main" xmlns="">
                 <a:solidFill>
                   <a:schemeClr val="accent1"/>
                 </a:solidFill>
               </a14:hiddenFill>
             </a:ext>
             <a:ext uri="{91240B29-F687-4f45-9708-019B960494DF}">
-              <a14:hiddenLine xmlns="" xmlns:a14="http://schemas.microsoft.com/office/drawing/2010/main" w="9525">
+              <a14:hiddenLine xmlns:a14="http://schemas.microsoft.com/office/drawing/2010/main" xmlns="" w="9525">
                 <a:solidFill>
                   <a:schemeClr val="tx1"/>
                 </a:solidFill>
@@ -18516,7 +17738,7 @@
           <a:effectLst/>
           <a:extLst>
             <a:ext uri="{AF507438-7753-43e0-B8FC-AC1667EBCBE1}">
-              <a14:hiddenEffects xmlns="" xmlns:a14="http://schemas.microsoft.com/office/drawing/2010/main">
+              <a14:hiddenEffects xmlns:a14="http://schemas.microsoft.com/office/drawing/2010/main" xmlns="">
                 <a:effectLst>
                   <a:outerShdw blurRad="63500" dist="38099" dir="2700000" algn="ctr" rotWithShape="0">
                     <a:schemeClr val="bg2">
@@ -18558,7 +17780,7 @@
           <a:effectLst/>
           <a:extLst>
             <a:ext uri="{AF507438-7753-43e0-B8FC-AC1667EBCBE1}">
-              <a14:hiddenEffects xmlns="" xmlns:a14="http://schemas.microsoft.com/office/drawing/2010/main">
+              <a14:hiddenEffects xmlns:a14="http://schemas.microsoft.com/office/drawing/2010/main" xmlns="">
                 <a:effectLst>
                   <a:outerShdw blurRad="63500" dist="38099" dir="2700000" algn="ctr" rotWithShape="0">
                     <a:schemeClr val="bg2">
@@ -18600,7 +17822,7 @@
           <a:effectLst/>
           <a:extLst>
             <a:ext uri="{AF507438-7753-43e0-B8FC-AC1667EBCBE1}">
-              <a14:hiddenEffects xmlns="" xmlns:a14="http://schemas.microsoft.com/office/drawing/2010/main">
+              <a14:hiddenEffects xmlns:a14="http://schemas.microsoft.com/office/drawing/2010/main" xmlns="">
                 <a:effectLst>
                   <a:outerShdw blurRad="63500" dist="38099" dir="2700000" algn="ctr" rotWithShape="0">
                     <a:schemeClr val="bg2">
@@ -18867,7 +18089,7 @@
         <a:effectLst/>
         <a:extLst>
           <a:ext uri="{AF507438-7753-43e0-B8FC-AC1667EBCBE1}">
-            <a14:hiddenEffects xmlns="" xmlns:a14="http://schemas.microsoft.com/office/drawing/2010/main">
+            <a14:hiddenEffects xmlns:a14="http://schemas.microsoft.com/office/drawing/2010/main" xmlns="">
               <a:effectLst>
                 <a:outerShdw blurRad="63500" dist="38099" dir="2700000" algn="ctr" rotWithShape="0">
                   <a:schemeClr val="bg2">
@@ -18944,7 +18166,7 @@
         <a:effectLst/>
         <a:extLst>
           <a:ext uri="{AF507438-7753-43e0-B8FC-AC1667EBCBE1}">
-            <a14:hiddenEffects xmlns="" xmlns:a14="http://schemas.microsoft.com/office/drawing/2010/main">
+            <a14:hiddenEffects xmlns:a14="http://schemas.microsoft.com/office/drawing/2010/main" xmlns="">
               <a:effectLst>
                 <a:outerShdw blurRad="63500" dist="38099" dir="2700000" algn="ctr" rotWithShape="0">
                   <a:schemeClr val="bg2">

--- a/notes/csc402-ln001.pptx
+++ b/notes/csc402-ln001.pptx
@@ -230,17 +230,17 @@
           </a:ln>
           <a:extLst>
             <a:ext uri="{FAA26D3D-D897-4be2-8F04-BA451C77F1D7}">
-              <ma14:placeholderFlag xmlns="" xmlns:ma14="http://schemas.microsoft.com/office/mac/drawingml/2011/main" val="1"/>
+              <ma14:placeholderFlag xmlns:ma14="http://schemas.microsoft.com/office/mac/drawingml/2011/main" xmlns="" val="1"/>
             </a:ext>
             <a:ext uri="{909E8E84-426E-40dd-AFC4-6F175D3DCCD1}">
-              <a14:hiddenFill xmlns:a14="http://schemas.microsoft.com/office/drawing/2010/main" xmlns="">
+              <a14:hiddenFill xmlns="" xmlns:a14="http://schemas.microsoft.com/office/drawing/2010/main">
                 <a:solidFill>
                   <a:schemeClr val="accent1"/>
                 </a:solidFill>
               </a14:hiddenFill>
             </a:ext>
             <a:ext uri="{91240B29-F687-4f45-9708-019B960494DF}">
-              <a14:hiddenLine xmlns:a14="http://schemas.microsoft.com/office/drawing/2010/main" xmlns="" w="9525">
+              <a14:hiddenLine xmlns="" xmlns:a14="http://schemas.microsoft.com/office/drawing/2010/main" w="9525">
                 <a:solidFill>
                   <a:schemeClr val="tx1"/>
                 </a:solidFill>
@@ -291,17 +291,17 @@
           </a:ln>
           <a:extLst>
             <a:ext uri="{FAA26D3D-D897-4be2-8F04-BA451C77F1D7}">
-              <ma14:placeholderFlag xmlns="" xmlns:ma14="http://schemas.microsoft.com/office/mac/drawingml/2011/main" val="1"/>
+              <ma14:placeholderFlag xmlns:ma14="http://schemas.microsoft.com/office/mac/drawingml/2011/main" xmlns="" val="1"/>
             </a:ext>
             <a:ext uri="{909E8E84-426E-40dd-AFC4-6F175D3DCCD1}">
-              <a14:hiddenFill xmlns:a14="http://schemas.microsoft.com/office/drawing/2010/main" xmlns="">
+              <a14:hiddenFill xmlns="" xmlns:a14="http://schemas.microsoft.com/office/drawing/2010/main">
                 <a:solidFill>
                   <a:schemeClr val="accent1"/>
                 </a:solidFill>
               </a14:hiddenFill>
             </a:ext>
             <a:ext uri="{91240B29-F687-4f45-9708-019B960494DF}">
-              <a14:hiddenLine xmlns:a14="http://schemas.microsoft.com/office/drawing/2010/main" xmlns="" w="9525">
+              <a14:hiddenLine xmlns="" xmlns:a14="http://schemas.microsoft.com/office/drawing/2010/main" w="9525">
                 <a:solidFill>
                   <a:schemeClr val="tx1"/>
                 </a:solidFill>
@@ -358,7 +358,7 @@
           <a:effectLst/>
           <a:extLst>
             <a:ext uri="{AF507438-7753-43e0-B8FC-AC1667EBCBE1}">
-              <a14:hiddenEffects xmlns:a14="http://schemas.microsoft.com/office/drawing/2010/main" xmlns="">
+              <a14:hiddenEffects xmlns="" xmlns:a14="http://schemas.microsoft.com/office/drawing/2010/main">
                 <a:effectLst>
                   <a:outerShdw blurRad="63500" dist="38099" dir="2700000" algn="ctr" rotWithShape="0">
                     <a:srgbClr val="000000">
@@ -369,7 +369,7 @@
               </a14:hiddenEffects>
             </a:ext>
             <a:ext uri="{53640926-AAD7-44d8-BBD7-CCE9431645EC}">
-              <a14:shadowObscured xmlns:a14="http://schemas.microsoft.com/office/drawing/2010/main" xmlns="" val="1"/>
+              <a14:shadowObscured xmlns="" xmlns:a14="http://schemas.microsoft.com/office/drawing/2010/main" val="1"/>
             </a:ext>
           </a:extLst>
         </p:spPr>
@@ -398,17 +398,17 @@
           </a:ln>
           <a:extLst>
             <a:ext uri="{FAA26D3D-D897-4be2-8F04-BA451C77F1D7}">
-              <ma14:placeholderFlag xmlns="" xmlns:ma14="http://schemas.microsoft.com/office/mac/drawingml/2011/main" val="1"/>
+              <ma14:placeholderFlag xmlns:ma14="http://schemas.microsoft.com/office/mac/drawingml/2011/main" xmlns="" val="1"/>
             </a:ext>
             <a:ext uri="{909E8E84-426E-40dd-AFC4-6F175D3DCCD1}">
-              <a14:hiddenFill xmlns:a14="http://schemas.microsoft.com/office/drawing/2010/main" xmlns="">
+              <a14:hiddenFill xmlns="" xmlns:a14="http://schemas.microsoft.com/office/drawing/2010/main">
                 <a:solidFill>
                   <a:schemeClr val="accent1"/>
                 </a:solidFill>
               </a14:hiddenFill>
             </a:ext>
             <a:ext uri="{91240B29-F687-4f45-9708-019B960494DF}">
-              <a14:hiddenLine xmlns:a14="http://schemas.microsoft.com/office/drawing/2010/main" xmlns="" w="9525">
+              <a14:hiddenLine xmlns="" xmlns:a14="http://schemas.microsoft.com/office/drawing/2010/main" w="9525">
                 <a:solidFill>
                   <a:schemeClr val="tx1"/>
                 </a:solidFill>
@@ -487,17 +487,17 @@
           </a:ln>
           <a:extLst>
             <a:ext uri="{FAA26D3D-D897-4be2-8F04-BA451C77F1D7}">
-              <ma14:placeholderFlag xmlns="" xmlns:ma14="http://schemas.microsoft.com/office/mac/drawingml/2011/main" val="1"/>
+              <ma14:placeholderFlag xmlns:ma14="http://schemas.microsoft.com/office/mac/drawingml/2011/main" xmlns="" val="1"/>
             </a:ext>
             <a:ext uri="{909E8E84-426E-40dd-AFC4-6F175D3DCCD1}">
-              <a14:hiddenFill xmlns:a14="http://schemas.microsoft.com/office/drawing/2010/main" xmlns="">
+              <a14:hiddenFill xmlns="" xmlns:a14="http://schemas.microsoft.com/office/drawing/2010/main">
                 <a:solidFill>
                   <a:schemeClr val="accent1"/>
                 </a:solidFill>
               </a14:hiddenFill>
             </a:ext>
             <a:ext uri="{91240B29-F687-4f45-9708-019B960494DF}">
-              <a14:hiddenLine xmlns:a14="http://schemas.microsoft.com/office/drawing/2010/main" xmlns="" w="9525">
+              <a14:hiddenLine xmlns="" xmlns:a14="http://schemas.microsoft.com/office/drawing/2010/main" w="9525">
                 <a:solidFill>
                   <a:schemeClr val="tx1"/>
                 </a:solidFill>
@@ -548,17 +548,17 @@
           </a:ln>
           <a:extLst>
             <a:ext uri="{FAA26D3D-D897-4be2-8F04-BA451C77F1D7}">
-              <ma14:placeholderFlag xmlns="" xmlns:ma14="http://schemas.microsoft.com/office/mac/drawingml/2011/main" val="1"/>
+              <ma14:placeholderFlag xmlns:ma14="http://schemas.microsoft.com/office/mac/drawingml/2011/main" xmlns="" val="1"/>
             </a:ext>
             <a:ext uri="{909E8E84-426E-40dd-AFC4-6F175D3DCCD1}">
-              <a14:hiddenFill xmlns:a14="http://schemas.microsoft.com/office/drawing/2010/main" xmlns="">
+              <a14:hiddenFill xmlns="" xmlns:a14="http://schemas.microsoft.com/office/drawing/2010/main">
                 <a:solidFill>
                   <a:schemeClr val="accent1"/>
                 </a:solidFill>
               </a14:hiddenFill>
             </a:ext>
             <a:ext uri="{91240B29-F687-4f45-9708-019B960494DF}">
-              <a14:hiddenLine xmlns:a14="http://schemas.microsoft.com/office/drawing/2010/main" xmlns="" w="9525">
+              <a14:hiddenLine xmlns="" xmlns:a14="http://schemas.microsoft.com/office/drawing/2010/main" w="9525">
                 <a:solidFill>
                   <a:schemeClr val="tx1"/>
                 </a:solidFill>
@@ -780,7 +780,7 @@
           <a:ln/>
           <a:extLst>
             <a:ext uri="{FAA26D3D-D897-4be2-8F04-BA451C77F1D7}">
-              <ma14:placeholderFlag xmlns="" xmlns:ma14="http://schemas.microsoft.com/office/mac/drawingml/2011/main" val="1"/>
+              <ma14:placeholderFlag xmlns:ma14="http://schemas.microsoft.com/office/mac/drawingml/2011/main" xmlns="" val="1"/>
             </a:ext>
           </a:extLst>
         </p:spPr>
@@ -869,7 +869,7 @@
           <a:ln/>
           <a:extLst>
             <a:ext uri="{FAA26D3D-D897-4be2-8F04-BA451C77F1D7}">
-              <ma14:placeholderFlag xmlns="" xmlns:ma14="http://schemas.microsoft.com/office/mac/drawingml/2011/main" val="1"/>
+              <ma14:placeholderFlag xmlns:ma14="http://schemas.microsoft.com/office/mac/drawingml/2011/main" xmlns="" val="1"/>
             </a:ext>
           </a:extLst>
         </p:spPr>
@@ -958,7 +958,7 @@
           <a:ln/>
           <a:extLst>
             <a:ext uri="{FAA26D3D-D897-4be2-8F04-BA451C77F1D7}">
-              <ma14:placeholderFlag xmlns="" xmlns:ma14="http://schemas.microsoft.com/office/mac/drawingml/2011/main" val="1"/>
+              <ma14:placeholderFlag xmlns:ma14="http://schemas.microsoft.com/office/mac/drawingml/2011/main" xmlns="" val="1"/>
             </a:ext>
           </a:extLst>
         </p:spPr>
@@ -1047,7 +1047,7 @@
           <a:ln/>
           <a:extLst>
             <a:ext uri="{FAA26D3D-D897-4be2-8F04-BA451C77F1D7}">
-              <ma14:placeholderFlag xmlns="" xmlns:ma14="http://schemas.microsoft.com/office/mac/drawingml/2011/main" val="1"/>
+              <ma14:placeholderFlag xmlns:ma14="http://schemas.microsoft.com/office/mac/drawingml/2011/main" xmlns="" val="1"/>
             </a:ext>
           </a:extLst>
         </p:spPr>
@@ -1136,7 +1136,7 @@
           <a:ln/>
           <a:extLst>
             <a:ext uri="{FAA26D3D-D897-4be2-8F04-BA451C77F1D7}">
-              <ma14:placeholderFlag xmlns="" xmlns:ma14="http://schemas.microsoft.com/office/mac/drawingml/2011/main" val="1"/>
+              <ma14:placeholderFlag xmlns:ma14="http://schemas.microsoft.com/office/mac/drawingml/2011/main" xmlns="" val="1"/>
             </a:ext>
           </a:extLst>
         </p:spPr>
@@ -1225,7 +1225,7 @@
           <a:ln/>
           <a:extLst>
             <a:ext uri="{FAA26D3D-D897-4be2-8F04-BA451C77F1D7}">
-              <ma14:placeholderFlag xmlns="" xmlns:ma14="http://schemas.microsoft.com/office/mac/drawingml/2011/main" val="1"/>
+              <ma14:placeholderFlag xmlns:ma14="http://schemas.microsoft.com/office/mac/drawingml/2011/main" xmlns="" val="1"/>
             </a:ext>
           </a:extLst>
         </p:spPr>
@@ -1314,7 +1314,7 @@
           <a:ln/>
           <a:extLst>
             <a:ext uri="{FAA26D3D-D897-4be2-8F04-BA451C77F1D7}">
-              <ma14:placeholderFlag xmlns="" xmlns:ma14="http://schemas.microsoft.com/office/mac/drawingml/2011/main" val="1"/>
+              <ma14:placeholderFlag xmlns:ma14="http://schemas.microsoft.com/office/mac/drawingml/2011/main" xmlns="" val="1"/>
             </a:ext>
           </a:extLst>
         </p:spPr>
@@ -1403,7 +1403,7 @@
           <a:ln/>
           <a:extLst>
             <a:ext uri="{FAA26D3D-D897-4be2-8F04-BA451C77F1D7}">
-              <ma14:placeholderFlag xmlns="" xmlns:ma14="http://schemas.microsoft.com/office/mac/drawingml/2011/main" val="1"/>
+              <ma14:placeholderFlag xmlns:ma14="http://schemas.microsoft.com/office/mac/drawingml/2011/main" xmlns="" val="1"/>
             </a:ext>
           </a:extLst>
         </p:spPr>
@@ -1492,7 +1492,7 @@
           <a:ln/>
           <a:extLst>
             <a:ext uri="{FAA26D3D-D897-4be2-8F04-BA451C77F1D7}">
-              <ma14:placeholderFlag xmlns="" xmlns:ma14="http://schemas.microsoft.com/office/mac/drawingml/2011/main" val="1"/>
+              <ma14:placeholderFlag xmlns:ma14="http://schemas.microsoft.com/office/mac/drawingml/2011/main" xmlns="" val="1"/>
             </a:ext>
           </a:extLst>
         </p:spPr>
@@ -1586,7 +1586,7 @@
           <a:ln/>
           <a:extLst>
             <a:ext uri="{FAA26D3D-D897-4be2-8F04-BA451C77F1D7}">
-              <ma14:placeholderFlag xmlns="" xmlns:ma14="http://schemas.microsoft.com/office/mac/drawingml/2011/main" val="1"/>
+              <ma14:placeholderFlag xmlns:ma14="http://schemas.microsoft.com/office/mac/drawingml/2011/main" xmlns="" val="1"/>
             </a:ext>
           </a:extLst>
         </p:spPr>
@@ -1675,7 +1675,7 @@
           <a:ln/>
           <a:extLst>
             <a:ext uri="{FAA26D3D-D897-4be2-8F04-BA451C77F1D7}">
-              <ma14:placeholderFlag xmlns="" xmlns:ma14="http://schemas.microsoft.com/office/mac/drawingml/2011/main" val="1"/>
+              <ma14:placeholderFlag xmlns:ma14="http://schemas.microsoft.com/office/mac/drawingml/2011/main" xmlns="" val="1"/>
             </a:ext>
           </a:extLst>
         </p:spPr>
@@ -1764,7 +1764,7 @@
           <a:ln/>
           <a:extLst>
             <a:ext uri="{FAA26D3D-D897-4be2-8F04-BA451C77F1D7}">
-              <ma14:placeholderFlag xmlns="" xmlns:ma14="http://schemas.microsoft.com/office/mac/drawingml/2011/main" val="1"/>
+              <ma14:placeholderFlag xmlns:ma14="http://schemas.microsoft.com/office/mac/drawingml/2011/main" xmlns="" val="1"/>
             </a:ext>
           </a:extLst>
         </p:spPr>
@@ -1853,7 +1853,7 @@
           <a:ln/>
           <a:extLst>
             <a:ext uri="{FAA26D3D-D897-4be2-8F04-BA451C77F1D7}">
-              <ma14:placeholderFlag xmlns="" xmlns:ma14="http://schemas.microsoft.com/office/mac/drawingml/2011/main" val="1"/>
+              <ma14:placeholderFlag xmlns:ma14="http://schemas.microsoft.com/office/mac/drawingml/2011/main" xmlns="" val="1"/>
             </a:ext>
           </a:extLst>
         </p:spPr>
@@ -1942,7 +1942,7 @@
           <a:ln/>
           <a:extLst>
             <a:ext uri="{FAA26D3D-D897-4be2-8F04-BA451C77F1D7}">
-              <ma14:placeholderFlag xmlns="" xmlns:ma14="http://schemas.microsoft.com/office/mac/drawingml/2011/main" val="1"/>
+              <ma14:placeholderFlag xmlns:ma14="http://schemas.microsoft.com/office/mac/drawingml/2011/main" xmlns="" val="1"/>
             </a:ext>
           </a:extLst>
         </p:spPr>
@@ -2031,7 +2031,7 @@
           <a:ln/>
           <a:extLst>
             <a:ext uri="{FAA26D3D-D897-4be2-8F04-BA451C77F1D7}">
-              <ma14:placeholderFlag xmlns="" xmlns:ma14="http://schemas.microsoft.com/office/mac/drawingml/2011/main" val="1"/>
+              <ma14:placeholderFlag xmlns:ma14="http://schemas.microsoft.com/office/mac/drawingml/2011/main" xmlns="" val="1"/>
             </a:ext>
           </a:extLst>
         </p:spPr>
@@ -2120,7 +2120,7 @@
           <a:ln/>
           <a:extLst>
             <a:ext uri="{FAA26D3D-D897-4be2-8F04-BA451C77F1D7}">
-              <ma14:placeholderFlag xmlns="" xmlns:ma14="http://schemas.microsoft.com/office/mac/drawingml/2011/main" val="1"/>
+              <ma14:placeholderFlag xmlns:ma14="http://schemas.microsoft.com/office/mac/drawingml/2011/main" xmlns="" val="1"/>
             </a:ext>
           </a:extLst>
         </p:spPr>
@@ -2209,7 +2209,7 @@
           <a:ln/>
           <a:extLst>
             <a:ext uri="{FAA26D3D-D897-4be2-8F04-BA451C77F1D7}">
-              <ma14:placeholderFlag xmlns="" xmlns:ma14="http://schemas.microsoft.com/office/mac/drawingml/2011/main" val="1"/>
+              <ma14:placeholderFlag xmlns:ma14="http://schemas.microsoft.com/office/mac/drawingml/2011/main" xmlns="" val="1"/>
             </a:ext>
           </a:extLst>
         </p:spPr>
@@ -2286,12 +2286,12 @@
           <a:effectLst/>
           <a:extLst>
             <a:ext uri="{909E8E84-426E-40dd-AFC4-6F175D3DCCD1}">
-              <a14:hiddenFill xmlns:a14="http://schemas.microsoft.com/office/drawing/2010/main" xmlns="">
+              <a14:hiddenFill xmlns="" xmlns:a14="http://schemas.microsoft.com/office/drawing/2010/main">
                 <a:noFill/>
               </a14:hiddenFill>
             </a:ext>
             <a:ext uri="{AF507438-7753-43e0-B8FC-AC1667EBCBE1}">
-              <a14:hiddenEffects xmlns:a14="http://schemas.microsoft.com/office/drawing/2010/main" xmlns="">
+              <a14:hiddenEffects xmlns="" xmlns:a14="http://schemas.microsoft.com/office/drawing/2010/main">
                 <a:effectLst>
                   <a:outerShdw blurRad="63500" dist="38099" dir="2700000" algn="ctr" rotWithShape="0">
                     <a:schemeClr val="bg2">
@@ -2492,7 +2492,7 @@
             <a:effectLst/>
             <a:extLst>
               <a:ext uri="{91240B29-F687-4f45-9708-019B960494DF}">
-                <a14:hiddenLine xmlns:a14="http://schemas.microsoft.com/office/drawing/2010/main" xmlns="" w="9525">
+                <a14:hiddenLine xmlns="" xmlns:a14="http://schemas.microsoft.com/office/drawing/2010/main" w="9525">
                   <a:solidFill>
                     <a:schemeClr val="tx1"/>
                   </a:solidFill>
@@ -2502,7 +2502,7 @@
                 </a14:hiddenLine>
               </a:ext>
               <a:ext uri="{AF507438-7753-43e0-B8FC-AC1667EBCBE1}">
-                <a14:hiddenEffects xmlns:a14="http://schemas.microsoft.com/office/drawing/2010/main" xmlns="">
+                <a14:hiddenEffects xmlns="" xmlns:a14="http://schemas.microsoft.com/office/drawing/2010/main">
                   <a:effectLst>
                     <a:outerShdw blurRad="63500" dist="38099" dir="2700000" algn="ctr" rotWithShape="0">
                       <a:schemeClr val="bg2">
@@ -2547,7 +2547,7 @@
             <a:effectLst/>
             <a:extLst>
               <a:ext uri="{91240B29-F687-4f45-9708-019B960494DF}">
-                <a14:hiddenLine xmlns:a14="http://schemas.microsoft.com/office/drawing/2010/main" xmlns="" w="9525">
+                <a14:hiddenLine xmlns="" xmlns:a14="http://schemas.microsoft.com/office/drawing/2010/main" w="9525">
                   <a:solidFill>
                     <a:schemeClr val="tx1"/>
                   </a:solidFill>
@@ -2557,7 +2557,7 @@
                 </a14:hiddenLine>
               </a:ext>
               <a:ext uri="{AF507438-7753-43e0-B8FC-AC1667EBCBE1}">
-                <a14:hiddenEffects xmlns:a14="http://schemas.microsoft.com/office/drawing/2010/main" xmlns="">
+                <a14:hiddenEffects xmlns="" xmlns:a14="http://schemas.microsoft.com/office/drawing/2010/main">
                   <a:effectLst>
                     <a:outerShdw blurRad="63500" dist="38099" dir="2700000" algn="ctr" rotWithShape="0">
                       <a:schemeClr val="bg2">
@@ -2602,7 +2602,7 @@
             <a:effectLst/>
             <a:extLst>
               <a:ext uri="{91240B29-F687-4f45-9708-019B960494DF}">
-                <a14:hiddenLine xmlns:a14="http://schemas.microsoft.com/office/drawing/2010/main" xmlns="" w="9525">
+                <a14:hiddenLine xmlns="" xmlns:a14="http://schemas.microsoft.com/office/drawing/2010/main" w="9525">
                   <a:solidFill>
                     <a:schemeClr val="tx1"/>
                   </a:solidFill>
@@ -2612,7 +2612,7 @@
                 </a14:hiddenLine>
               </a:ext>
               <a:ext uri="{AF507438-7753-43e0-B8FC-AC1667EBCBE1}">
-                <a14:hiddenEffects xmlns:a14="http://schemas.microsoft.com/office/drawing/2010/main" xmlns="">
+                <a14:hiddenEffects xmlns="" xmlns:a14="http://schemas.microsoft.com/office/drawing/2010/main">
                   <a:effectLst>
                     <a:outerShdw blurRad="63500" dist="38099" dir="2700000" algn="ctr" rotWithShape="0">
                       <a:schemeClr val="bg2">
@@ -2657,7 +2657,7 @@
             <a:effectLst/>
             <a:extLst>
               <a:ext uri="{91240B29-F687-4f45-9708-019B960494DF}">
-                <a14:hiddenLine xmlns:a14="http://schemas.microsoft.com/office/drawing/2010/main" xmlns="" w="9525">
+                <a14:hiddenLine xmlns="" xmlns:a14="http://schemas.microsoft.com/office/drawing/2010/main" w="9525">
                   <a:solidFill>
                     <a:schemeClr val="tx1"/>
                   </a:solidFill>
@@ -2667,7 +2667,7 @@
                 </a14:hiddenLine>
               </a:ext>
               <a:ext uri="{AF507438-7753-43e0-B8FC-AC1667EBCBE1}">
-                <a14:hiddenEffects xmlns:a14="http://schemas.microsoft.com/office/drawing/2010/main" xmlns="">
+                <a14:hiddenEffects xmlns="" xmlns:a14="http://schemas.microsoft.com/office/drawing/2010/main">
                   <a:effectLst>
                     <a:outerShdw blurRad="63500" dist="38099" dir="2700000" algn="ctr" rotWithShape="0">
                       <a:schemeClr val="bg2">
@@ -2712,7 +2712,7 @@
             <a:effectLst/>
             <a:extLst>
               <a:ext uri="{91240B29-F687-4f45-9708-019B960494DF}">
-                <a14:hiddenLine xmlns:a14="http://schemas.microsoft.com/office/drawing/2010/main" xmlns="" w="9525">
+                <a14:hiddenLine xmlns="" xmlns:a14="http://schemas.microsoft.com/office/drawing/2010/main" w="9525">
                   <a:solidFill>
                     <a:schemeClr val="tx1"/>
                   </a:solidFill>
@@ -2722,7 +2722,7 @@
                 </a14:hiddenLine>
               </a:ext>
               <a:ext uri="{AF507438-7753-43e0-B8FC-AC1667EBCBE1}">
-                <a14:hiddenEffects xmlns:a14="http://schemas.microsoft.com/office/drawing/2010/main" xmlns="">
+                <a14:hiddenEffects xmlns="" xmlns:a14="http://schemas.microsoft.com/office/drawing/2010/main">
                   <a:effectLst>
                     <a:outerShdw blurRad="63500" dist="38099" dir="2700000" algn="ctr" rotWithShape="0">
                       <a:schemeClr val="bg2">
@@ -2767,7 +2767,7 @@
             <a:effectLst/>
             <a:extLst>
               <a:ext uri="{91240B29-F687-4f45-9708-019B960494DF}">
-                <a14:hiddenLine xmlns:a14="http://schemas.microsoft.com/office/drawing/2010/main" xmlns="" w="9525">
+                <a14:hiddenLine xmlns="" xmlns:a14="http://schemas.microsoft.com/office/drawing/2010/main" w="9525">
                   <a:solidFill>
                     <a:schemeClr val="tx1"/>
                   </a:solidFill>
@@ -2777,7 +2777,7 @@
                 </a14:hiddenLine>
               </a:ext>
               <a:ext uri="{AF507438-7753-43e0-B8FC-AC1667EBCBE1}">
-                <a14:hiddenEffects xmlns:a14="http://schemas.microsoft.com/office/drawing/2010/main" xmlns="">
+                <a14:hiddenEffects xmlns="" xmlns:a14="http://schemas.microsoft.com/office/drawing/2010/main">
                   <a:effectLst>
                     <a:outerShdw blurRad="63500" dist="38099" dir="2700000" algn="ctr" rotWithShape="0">
                       <a:schemeClr val="bg2">
@@ -2822,7 +2822,7 @@
             <a:effectLst/>
             <a:extLst>
               <a:ext uri="{91240B29-F687-4f45-9708-019B960494DF}">
-                <a14:hiddenLine xmlns:a14="http://schemas.microsoft.com/office/drawing/2010/main" xmlns="" w="9525">
+                <a14:hiddenLine xmlns="" xmlns:a14="http://schemas.microsoft.com/office/drawing/2010/main" w="9525">
                   <a:solidFill>
                     <a:schemeClr val="tx1"/>
                   </a:solidFill>
@@ -2832,7 +2832,7 @@
                 </a14:hiddenLine>
               </a:ext>
               <a:ext uri="{AF507438-7753-43e0-B8FC-AC1667EBCBE1}">
-                <a14:hiddenEffects xmlns:a14="http://schemas.microsoft.com/office/drawing/2010/main" xmlns="">
+                <a14:hiddenEffects xmlns="" xmlns:a14="http://schemas.microsoft.com/office/drawing/2010/main">
                   <a:effectLst>
                     <a:outerShdw blurRad="63500" dist="38099" dir="2700000" algn="ctr" rotWithShape="0">
                       <a:schemeClr val="bg2">
@@ -2877,7 +2877,7 @@
             <a:effectLst/>
             <a:extLst>
               <a:ext uri="{91240B29-F687-4f45-9708-019B960494DF}">
-                <a14:hiddenLine xmlns:a14="http://schemas.microsoft.com/office/drawing/2010/main" xmlns="" w="9525">
+                <a14:hiddenLine xmlns="" xmlns:a14="http://schemas.microsoft.com/office/drawing/2010/main" w="9525">
                   <a:solidFill>
                     <a:schemeClr val="tx1"/>
                   </a:solidFill>
@@ -2887,7 +2887,7 @@
                 </a14:hiddenLine>
               </a:ext>
               <a:ext uri="{AF507438-7753-43e0-B8FC-AC1667EBCBE1}">
-                <a14:hiddenEffects xmlns:a14="http://schemas.microsoft.com/office/drawing/2010/main" xmlns="">
+                <a14:hiddenEffects xmlns="" xmlns:a14="http://schemas.microsoft.com/office/drawing/2010/main">
                   <a:effectLst>
                     <a:outerShdw blurRad="63500" dist="38099" dir="2700000" algn="ctr" rotWithShape="0">
                       <a:schemeClr val="bg2">
@@ -2932,7 +2932,7 @@
             <a:effectLst/>
             <a:extLst>
               <a:ext uri="{91240B29-F687-4f45-9708-019B960494DF}">
-                <a14:hiddenLine xmlns:a14="http://schemas.microsoft.com/office/drawing/2010/main" xmlns="" w="9525">
+                <a14:hiddenLine xmlns="" xmlns:a14="http://schemas.microsoft.com/office/drawing/2010/main" w="9525">
                   <a:solidFill>
                     <a:schemeClr val="tx1"/>
                   </a:solidFill>
@@ -2942,7 +2942,7 @@
                 </a14:hiddenLine>
               </a:ext>
               <a:ext uri="{AF507438-7753-43e0-B8FC-AC1667EBCBE1}">
-                <a14:hiddenEffects xmlns:a14="http://schemas.microsoft.com/office/drawing/2010/main" xmlns="">
+                <a14:hiddenEffects xmlns="" xmlns:a14="http://schemas.microsoft.com/office/drawing/2010/main">
                   <a:effectLst>
                     <a:outerShdw blurRad="63500" dist="38099" dir="2700000" algn="ctr" rotWithShape="0">
                       <a:schemeClr val="bg2">
@@ -2987,7 +2987,7 @@
             <a:effectLst/>
             <a:extLst>
               <a:ext uri="{91240B29-F687-4f45-9708-019B960494DF}">
-                <a14:hiddenLine xmlns:a14="http://schemas.microsoft.com/office/drawing/2010/main" xmlns="" w="9525">
+                <a14:hiddenLine xmlns="" xmlns:a14="http://schemas.microsoft.com/office/drawing/2010/main" w="9525">
                   <a:solidFill>
                     <a:schemeClr val="tx1"/>
                   </a:solidFill>
@@ -2997,7 +2997,7 @@
                 </a14:hiddenLine>
               </a:ext>
               <a:ext uri="{AF507438-7753-43e0-B8FC-AC1667EBCBE1}">
-                <a14:hiddenEffects xmlns:a14="http://schemas.microsoft.com/office/drawing/2010/main" xmlns="">
+                <a14:hiddenEffects xmlns="" xmlns:a14="http://schemas.microsoft.com/office/drawing/2010/main">
                   <a:effectLst>
                     <a:outerShdw blurRad="63500" dist="38099" dir="2700000" algn="ctr" rotWithShape="0">
                       <a:schemeClr val="bg2">
@@ -3042,7 +3042,7 @@
             <a:effectLst/>
             <a:extLst>
               <a:ext uri="{91240B29-F687-4f45-9708-019B960494DF}">
-                <a14:hiddenLine xmlns:a14="http://schemas.microsoft.com/office/drawing/2010/main" xmlns="" w="9525">
+                <a14:hiddenLine xmlns="" xmlns:a14="http://schemas.microsoft.com/office/drawing/2010/main" w="9525">
                   <a:solidFill>
                     <a:schemeClr val="tx1"/>
                   </a:solidFill>
@@ -3052,7 +3052,7 @@
                 </a14:hiddenLine>
               </a:ext>
               <a:ext uri="{AF507438-7753-43e0-B8FC-AC1667EBCBE1}">
-                <a14:hiddenEffects xmlns:a14="http://schemas.microsoft.com/office/drawing/2010/main" xmlns="">
+                <a14:hiddenEffects xmlns="" xmlns:a14="http://schemas.microsoft.com/office/drawing/2010/main">
                   <a:effectLst>
                     <a:outerShdw blurRad="63500" dist="38099" dir="2700000" algn="ctr" rotWithShape="0">
                       <a:schemeClr val="bg2">
@@ -3097,7 +3097,7 @@
             <a:effectLst/>
             <a:extLst>
               <a:ext uri="{91240B29-F687-4f45-9708-019B960494DF}">
-                <a14:hiddenLine xmlns:a14="http://schemas.microsoft.com/office/drawing/2010/main" xmlns="" w="9525">
+                <a14:hiddenLine xmlns="" xmlns:a14="http://schemas.microsoft.com/office/drawing/2010/main" w="9525">
                   <a:solidFill>
                     <a:schemeClr val="tx1"/>
                   </a:solidFill>
@@ -3107,7 +3107,7 @@
                 </a14:hiddenLine>
               </a:ext>
               <a:ext uri="{AF507438-7753-43e0-B8FC-AC1667EBCBE1}">
-                <a14:hiddenEffects xmlns:a14="http://schemas.microsoft.com/office/drawing/2010/main" xmlns="">
+                <a14:hiddenEffects xmlns="" xmlns:a14="http://schemas.microsoft.com/office/drawing/2010/main">
                   <a:effectLst>
                     <a:outerShdw blurRad="63500" dist="38099" dir="2700000" algn="ctr" rotWithShape="0">
                       <a:schemeClr val="bg2">
@@ -3152,7 +3152,7 @@
             <a:effectLst/>
             <a:extLst>
               <a:ext uri="{91240B29-F687-4f45-9708-019B960494DF}">
-                <a14:hiddenLine xmlns:a14="http://schemas.microsoft.com/office/drawing/2010/main" xmlns="" w="9525">
+                <a14:hiddenLine xmlns="" xmlns:a14="http://schemas.microsoft.com/office/drawing/2010/main" w="9525">
                   <a:solidFill>
                     <a:schemeClr val="tx1"/>
                   </a:solidFill>
@@ -3162,7 +3162,7 @@
                 </a14:hiddenLine>
               </a:ext>
               <a:ext uri="{AF507438-7753-43e0-B8FC-AC1667EBCBE1}">
-                <a14:hiddenEffects xmlns:a14="http://schemas.microsoft.com/office/drawing/2010/main" xmlns="">
+                <a14:hiddenEffects xmlns="" xmlns:a14="http://schemas.microsoft.com/office/drawing/2010/main">
                   <a:effectLst>
                     <a:outerShdw blurRad="63500" dist="38099" dir="2700000" algn="ctr" rotWithShape="0">
                       <a:schemeClr val="bg2">
@@ -3207,7 +3207,7 @@
             <a:effectLst/>
             <a:extLst>
               <a:ext uri="{91240B29-F687-4f45-9708-019B960494DF}">
-                <a14:hiddenLine xmlns:a14="http://schemas.microsoft.com/office/drawing/2010/main" xmlns="" w="9525">
+                <a14:hiddenLine xmlns="" xmlns:a14="http://schemas.microsoft.com/office/drawing/2010/main" w="9525">
                   <a:solidFill>
                     <a:schemeClr val="tx1"/>
                   </a:solidFill>
@@ -3217,7 +3217,7 @@
                 </a14:hiddenLine>
               </a:ext>
               <a:ext uri="{AF507438-7753-43e0-B8FC-AC1667EBCBE1}">
-                <a14:hiddenEffects xmlns:a14="http://schemas.microsoft.com/office/drawing/2010/main" xmlns="">
+                <a14:hiddenEffects xmlns="" xmlns:a14="http://schemas.microsoft.com/office/drawing/2010/main">
                   <a:effectLst>
                     <a:outerShdw blurRad="63500" dist="38099" dir="2700000" algn="ctr" rotWithShape="0">
                       <a:schemeClr val="bg2">
@@ -3262,7 +3262,7 @@
             <a:effectLst/>
             <a:extLst>
               <a:ext uri="{91240B29-F687-4f45-9708-019B960494DF}">
-                <a14:hiddenLine xmlns:a14="http://schemas.microsoft.com/office/drawing/2010/main" xmlns="" w="9525">
+                <a14:hiddenLine xmlns="" xmlns:a14="http://schemas.microsoft.com/office/drawing/2010/main" w="9525">
                   <a:solidFill>
                     <a:schemeClr val="tx1"/>
                   </a:solidFill>
@@ -3272,7 +3272,7 @@
                 </a14:hiddenLine>
               </a:ext>
               <a:ext uri="{AF507438-7753-43e0-B8FC-AC1667EBCBE1}">
-                <a14:hiddenEffects xmlns:a14="http://schemas.microsoft.com/office/drawing/2010/main" xmlns="">
+                <a14:hiddenEffects xmlns="" xmlns:a14="http://schemas.microsoft.com/office/drawing/2010/main">
                   <a:effectLst>
                     <a:outerShdw blurRad="63500" dist="38099" dir="2700000" algn="ctr" rotWithShape="0">
                       <a:schemeClr val="bg2">
@@ -3317,7 +3317,7 @@
             <a:effectLst/>
             <a:extLst>
               <a:ext uri="{91240B29-F687-4f45-9708-019B960494DF}">
-                <a14:hiddenLine xmlns:a14="http://schemas.microsoft.com/office/drawing/2010/main" xmlns="" w="9525">
+                <a14:hiddenLine xmlns="" xmlns:a14="http://schemas.microsoft.com/office/drawing/2010/main" w="9525">
                   <a:solidFill>
                     <a:schemeClr val="tx1"/>
                   </a:solidFill>
@@ -3327,7 +3327,7 @@
                 </a14:hiddenLine>
               </a:ext>
               <a:ext uri="{AF507438-7753-43e0-B8FC-AC1667EBCBE1}">
-                <a14:hiddenEffects xmlns:a14="http://schemas.microsoft.com/office/drawing/2010/main" xmlns="">
+                <a14:hiddenEffects xmlns="" xmlns:a14="http://schemas.microsoft.com/office/drawing/2010/main">
                   <a:effectLst>
                     <a:outerShdw blurRad="63500" dist="38099" dir="2700000" algn="ctr" rotWithShape="0">
                       <a:schemeClr val="bg2">
@@ -3372,7 +3372,7 @@
             <a:effectLst/>
             <a:extLst>
               <a:ext uri="{91240B29-F687-4f45-9708-019B960494DF}">
-                <a14:hiddenLine xmlns:a14="http://schemas.microsoft.com/office/drawing/2010/main" xmlns="" w="9525">
+                <a14:hiddenLine xmlns="" xmlns:a14="http://schemas.microsoft.com/office/drawing/2010/main" w="9525">
                   <a:solidFill>
                     <a:schemeClr val="tx1"/>
                   </a:solidFill>
@@ -3382,7 +3382,7 @@
                 </a14:hiddenLine>
               </a:ext>
               <a:ext uri="{AF507438-7753-43e0-B8FC-AC1667EBCBE1}">
-                <a14:hiddenEffects xmlns:a14="http://schemas.microsoft.com/office/drawing/2010/main" xmlns="">
+                <a14:hiddenEffects xmlns="" xmlns:a14="http://schemas.microsoft.com/office/drawing/2010/main">
                   <a:effectLst>
                     <a:outerShdw blurRad="63500" dist="38099" dir="2700000" algn="ctr" rotWithShape="0">
                       <a:schemeClr val="bg2">
@@ -3427,7 +3427,7 @@
             <a:effectLst/>
             <a:extLst>
               <a:ext uri="{91240B29-F687-4f45-9708-019B960494DF}">
-                <a14:hiddenLine xmlns:a14="http://schemas.microsoft.com/office/drawing/2010/main" xmlns="" w="9525">
+                <a14:hiddenLine xmlns="" xmlns:a14="http://schemas.microsoft.com/office/drawing/2010/main" w="9525">
                   <a:solidFill>
                     <a:schemeClr val="tx1"/>
                   </a:solidFill>
@@ -3437,7 +3437,7 @@
                 </a14:hiddenLine>
               </a:ext>
               <a:ext uri="{AF507438-7753-43e0-B8FC-AC1667EBCBE1}">
-                <a14:hiddenEffects xmlns:a14="http://schemas.microsoft.com/office/drawing/2010/main" xmlns="">
+                <a14:hiddenEffects xmlns="" xmlns:a14="http://schemas.microsoft.com/office/drawing/2010/main">
                   <a:effectLst>
                     <a:outerShdw blurRad="63500" dist="38099" dir="2700000" algn="ctr" rotWithShape="0">
                       <a:schemeClr val="bg2">
@@ -3482,7 +3482,7 @@
             <a:effectLst/>
             <a:extLst>
               <a:ext uri="{91240B29-F687-4f45-9708-019B960494DF}">
-                <a14:hiddenLine xmlns:a14="http://schemas.microsoft.com/office/drawing/2010/main" xmlns="" w="9525">
+                <a14:hiddenLine xmlns="" xmlns:a14="http://schemas.microsoft.com/office/drawing/2010/main" w="9525">
                   <a:solidFill>
                     <a:schemeClr val="tx1"/>
                   </a:solidFill>
@@ -3492,7 +3492,7 @@
                 </a14:hiddenLine>
               </a:ext>
               <a:ext uri="{AF507438-7753-43e0-B8FC-AC1667EBCBE1}">
-                <a14:hiddenEffects xmlns:a14="http://schemas.microsoft.com/office/drawing/2010/main" xmlns="">
+                <a14:hiddenEffects xmlns="" xmlns:a14="http://schemas.microsoft.com/office/drawing/2010/main">
                   <a:effectLst>
                     <a:outerShdw blurRad="63500" dist="38099" dir="2700000" algn="ctr" rotWithShape="0">
                       <a:schemeClr val="bg2">
@@ -3537,7 +3537,7 @@
             <a:effectLst/>
             <a:extLst>
               <a:ext uri="{91240B29-F687-4f45-9708-019B960494DF}">
-                <a14:hiddenLine xmlns:a14="http://schemas.microsoft.com/office/drawing/2010/main" xmlns="" w="9525">
+                <a14:hiddenLine xmlns="" xmlns:a14="http://schemas.microsoft.com/office/drawing/2010/main" w="9525">
                   <a:solidFill>
                     <a:schemeClr val="tx1"/>
                   </a:solidFill>
@@ -3547,7 +3547,7 @@
                 </a14:hiddenLine>
               </a:ext>
               <a:ext uri="{AF507438-7753-43e0-B8FC-AC1667EBCBE1}">
-                <a14:hiddenEffects xmlns:a14="http://schemas.microsoft.com/office/drawing/2010/main" xmlns="">
+                <a14:hiddenEffects xmlns="" xmlns:a14="http://schemas.microsoft.com/office/drawing/2010/main">
                   <a:effectLst>
                     <a:outerShdw blurRad="63500" dist="38099" dir="2700000" algn="ctr" rotWithShape="0">
                       <a:schemeClr val="bg2">
@@ -3592,7 +3592,7 @@
             <a:effectLst/>
             <a:extLst>
               <a:ext uri="{91240B29-F687-4f45-9708-019B960494DF}">
-                <a14:hiddenLine xmlns:a14="http://schemas.microsoft.com/office/drawing/2010/main" xmlns="" w="9525">
+                <a14:hiddenLine xmlns="" xmlns:a14="http://schemas.microsoft.com/office/drawing/2010/main" w="9525">
                   <a:solidFill>
                     <a:schemeClr val="tx1"/>
                   </a:solidFill>
@@ -3602,7 +3602,7 @@
                 </a14:hiddenLine>
               </a:ext>
               <a:ext uri="{AF507438-7753-43e0-B8FC-AC1667EBCBE1}">
-                <a14:hiddenEffects xmlns:a14="http://schemas.microsoft.com/office/drawing/2010/main" xmlns="">
+                <a14:hiddenEffects xmlns="" xmlns:a14="http://schemas.microsoft.com/office/drawing/2010/main">
                   <a:effectLst>
                     <a:outerShdw blurRad="63500" dist="38099" dir="2700000" algn="ctr" rotWithShape="0">
                       <a:schemeClr val="bg2">
@@ -3647,7 +3647,7 @@
             <a:effectLst/>
             <a:extLst>
               <a:ext uri="{91240B29-F687-4f45-9708-019B960494DF}">
-                <a14:hiddenLine xmlns:a14="http://schemas.microsoft.com/office/drawing/2010/main" xmlns="" w="9525">
+                <a14:hiddenLine xmlns="" xmlns:a14="http://schemas.microsoft.com/office/drawing/2010/main" w="9525">
                   <a:solidFill>
                     <a:schemeClr val="tx1"/>
                   </a:solidFill>
@@ -3657,7 +3657,7 @@
                 </a14:hiddenLine>
               </a:ext>
               <a:ext uri="{AF507438-7753-43e0-B8FC-AC1667EBCBE1}">
-                <a14:hiddenEffects xmlns:a14="http://schemas.microsoft.com/office/drawing/2010/main" xmlns="">
+                <a14:hiddenEffects xmlns="" xmlns:a14="http://schemas.microsoft.com/office/drawing/2010/main">
                   <a:effectLst>
                     <a:outerShdw blurRad="63500" dist="38099" dir="2700000" algn="ctr" rotWithShape="0">
                       <a:schemeClr val="bg2">
@@ -3702,7 +3702,7 @@
             <a:effectLst/>
             <a:extLst>
               <a:ext uri="{91240B29-F687-4f45-9708-019B960494DF}">
-                <a14:hiddenLine xmlns:a14="http://schemas.microsoft.com/office/drawing/2010/main" xmlns="" w="9525">
+                <a14:hiddenLine xmlns="" xmlns:a14="http://schemas.microsoft.com/office/drawing/2010/main" w="9525">
                   <a:solidFill>
                     <a:schemeClr val="tx1"/>
                   </a:solidFill>
@@ -3712,7 +3712,7 @@
                 </a14:hiddenLine>
               </a:ext>
               <a:ext uri="{AF507438-7753-43e0-B8FC-AC1667EBCBE1}">
-                <a14:hiddenEffects xmlns:a14="http://schemas.microsoft.com/office/drawing/2010/main" xmlns="">
+                <a14:hiddenEffects xmlns="" xmlns:a14="http://schemas.microsoft.com/office/drawing/2010/main">
                   <a:effectLst>
                     <a:outerShdw blurRad="63500" dist="38099" dir="2700000" algn="ctr" rotWithShape="0">
                       <a:schemeClr val="bg2">
@@ -3757,7 +3757,7 @@
             <a:effectLst/>
             <a:extLst>
               <a:ext uri="{91240B29-F687-4f45-9708-019B960494DF}">
-                <a14:hiddenLine xmlns:a14="http://schemas.microsoft.com/office/drawing/2010/main" xmlns="" w="9525">
+                <a14:hiddenLine xmlns="" xmlns:a14="http://schemas.microsoft.com/office/drawing/2010/main" w="9525">
                   <a:solidFill>
                     <a:schemeClr val="tx1"/>
                   </a:solidFill>
@@ -3767,7 +3767,7 @@
                 </a14:hiddenLine>
               </a:ext>
               <a:ext uri="{AF507438-7753-43e0-B8FC-AC1667EBCBE1}">
-                <a14:hiddenEffects xmlns:a14="http://schemas.microsoft.com/office/drawing/2010/main" xmlns="">
+                <a14:hiddenEffects xmlns="" xmlns:a14="http://schemas.microsoft.com/office/drawing/2010/main">
                   <a:effectLst>
                     <a:outerShdw blurRad="63500" dist="38099" dir="2700000" algn="ctr" rotWithShape="0">
                       <a:schemeClr val="bg2">
@@ -3812,7 +3812,7 @@
             <a:effectLst/>
             <a:extLst>
               <a:ext uri="{91240B29-F687-4f45-9708-019B960494DF}">
-                <a14:hiddenLine xmlns:a14="http://schemas.microsoft.com/office/drawing/2010/main" xmlns="" w="9525">
+                <a14:hiddenLine xmlns="" xmlns:a14="http://schemas.microsoft.com/office/drawing/2010/main" w="9525">
                   <a:solidFill>
                     <a:schemeClr val="tx1"/>
                   </a:solidFill>
@@ -3822,7 +3822,7 @@
                 </a14:hiddenLine>
               </a:ext>
               <a:ext uri="{AF507438-7753-43e0-B8FC-AC1667EBCBE1}">
-                <a14:hiddenEffects xmlns:a14="http://schemas.microsoft.com/office/drawing/2010/main" xmlns="">
+                <a14:hiddenEffects xmlns="" xmlns:a14="http://schemas.microsoft.com/office/drawing/2010/main">
                   <a:effectLst>
                     <a:outerShdw blurRad="63500" dist="38099" dir="2700000" algn="ctr" rotWithShape="0">
                       <a:schemeClr val="bg2">
@@ -3867,7 +3867,7 @@
             <a:effectLst/>
             <a:extLst>
               <a:ext uri="{91240B29-F687-4f45-9708-019B960494DF}">
-                <a14:hiddenLine xmlns:a14="http://schemas.microsoft.com/office/drawing/2010/main" xmlns="" w="9525">
+                <a14:hiddenLine xmlns="" xmlns:a14="http://schemas.microsoft.com/office/drawing/2010/main" w="9525">
                   <a:solidFill>
                     <a:schemeClr val="tx1"/>
                   </a:solidFill>
@@ -3877,7 +3877,7 @@
                 </a14:hiddenLine>
               </a:ext>
               <a:ext uri="{AF507438-7753-43e0-B8FC-AC1667EBCBE1}">
-                <a14:hiddenEffects xmlns:a14="http://schemas.microsoft.com/office/drawing/2010/main" xmlns="">
+                <a14:hiddenEffects xmlns="" xmlns:a14="http://schemas.microsoft.com/office/drawing/2010/main">
                   <a:effectLst>
                     <a:outerShdw blurRad="63500" dist="38099" dir="2700000" algn="ctr" rotWithShape="0">
                       <a:schemeClr val="bg2">
@@ -3922,7 +3922,7 @@
             <a:effectLst/>
             <a:extLst>
               <a:ext uri="{91240B29-F687-4f45-9708-019B960494DF}">
-                <a14:hiddenLine xmlns:a14="http://schemas.microsoft.com/office/drawing/2010/main" xmlns="" w="9525">
+                <a14:hiddenLine xmlns="" xmlns:a14="http://schemas.microsoft.com/office/drawing/2010/main" w="9525">
                   <a:solidFill>
                     <a:schemeClr val="tx1"/>
                   </a:solidFill>
@@ -3932,7 +3932,7 @@
                 </a14:hiddenLine>
               </a:ext>
               <a:ext uri="{AF507438-7753-43e0-B8FC-AC1667EBCBE1}">
-                <a14:hiddenEffects xmlns:a14="http://schemas.microsoft.com/office/drawing/2010/main" xmlns="">
+                <a14:hiddenEffects xmlns="" xmlns:a14="http://schemas.microsoft.com/office/drawing/2010/main">
                   <a:effectLst>
                     <a:outerShdw blurRad="63500" dist="38099" dir="2700000" algn="ctr" rotWithShape="0">
                       <a:schemeClr val="bg2">
@@ -3977,7 +3977,7 @@
             <a:effectLst/>
             <a:extLst>
               <a:ext uri="{91240B29-F687-4f45-9708-019B960494DF}">
-                <a14:hiddenLine xmlns:a14="http://schemas.microsoft.com/office/drawing/2010/main" xmlns="" w="9525">
+                <a14:hiddenLine xmlns="" xmlns:a14="http://schemas.microsoft.com/office/drawing/2010/main" w="9525">
                   <a:solidFill>
                     <a:schemeClr val="tx1"/>
                   </a:solidFill>
@@ -3987,7 +3987,7 @@
                 </a14:hiddenLine>
               </a:ext>
               <a:ext uri="{AF507438-7753-43e0-B8FC-AC1667EBCBE1}">
-                <a14:hiddenEffects xmlns:a14="http://schemas.microsoft.com/office/drawing/2010/main" xmlns="">
+                <a14:hiddenEffects xmlns="" xmlns:a14="http://schemas.microsoft.com/office/drawing/2010/main">
                   <a:effectLst>
                     <a:outerShdw blurRad="63500" dist="38099" dir="2700000" algn="ctr" rotWithShape="0">
                       <a:schemeClr val="bg2">
@@ -4032,7 +4032,7 @@
             <a:effectLst/>
             <a:extLst>
               <a:ext uri="{91240B29-F687-4f45-9708-019B960494DF}">
-                <a14:hiddenLine xmlns:a14="http://schemas.microsoft.com/office/drawing/2010/main" xmlns="" w="9525">
+                <a14:hiddenLine xmlns="" xmlns:a14="http://schemas.microsoft.com/office/drawing/2010/main" w="9525">
                   <a:solidFill>
                     <a:schemeClr val="tx1"/>
                   </a:solidFill>
@@ -4042,7 +4042,7 @@
                 </a14:hiddenLine>
               </a:ext>
               <a:ext uri="{AF507438-7753-43e0-B8FC-AC1667EBCBE1}">
-                <a14:hiddenEffects xmlns:a14="http://schemas.microsoft.com/office/drawing/2010/main" xmlns="">
+                <a14:hiddenEffects xmlns="" xmlns:a14="http://schemas.microsoft.com/office/drawing/2010/main">
                   <a:effectLst>
                     <a:outerShdw blurRad="63500" dist="38099" dir="2700000" algn="ctr" rotWithShape="0">
                       <a:schemeClr val="bg2">
@@ -4087,7 +4087,7 @@
             <a:effectLst/>
             <a:extLst>
               <a:ext uri="{91240B29-F687-4f45-9708-019B960494DF}">
-                <a14:hiddenLine xmlns:a14="http://schemas.microsoft.com/office/drawing/2010/main" xmlns="" w="9525">
+                <a14:hiddenLine xmlns="" xmlns:a14="http://schemas.microsoft.com/office/drawing/2010/main" w="9525">
                   <a:solidFill>
                     <a:schemeClr val="tx1"/>
                   </a:solidFill>
@@ -4097,7 +4097,7 @@
                 </a14:hiddenLine>
               </a:ext>
               <a:ext uri="{AF507438-7753-43e0-B8FC-AC1667EBCBE1}">
-                <a14:hiddenEffects xmlns:a14="http://schemas.microsoft.com/office/drawing/2010/main" xmlns="">
+                <a14:hiddenEffects xmlns="" xmlns:a14="http://schemas.microsoft.com/office/drawing/2010/main">
                   <a:effectLst>
                     <a:outerShdw blurRad="63500" dist="38099" dir="2700000" algn="ctr" rotWithShape="0">
                       <a:schemeClr val="bg2">
@@ -4142,7 +4142,7 @@
             <a:effectLst/>
             <a:extLst>
               <a:ext uri="{91240B29-F687-4f45-9708-019B960494DF}">
-                <a14:hiddenLine xmlns:a14="http://schemas.microsoft.com/office/drawing/2010/main" xmlns="" w="9525">
+                <a14:hiddenLine xmlns="" xmlns:a14="http://schemas.microsoft.com/office/drawing/2010/main" w="9525">
                   <a:solidFill>
                     <a:schemeClr val="tx1"/>
                   </a:solidFill>
@@ -4152,7 +4152,7 @@
                 </a14:hiddenLine>
               </a:ext>
               <a:ext uri="{AF507438-7753-43e0-B8FC-AC1667EBCBE1}">
-                <a14:hiddenEffects xmlns:a14="http://schemas.microsoft.com/office/drawing/2010/main" xmlns="">
+                <a14:hiddenEffects xmlns="" xmlns:a14="http://schemas.microsoft.com/office/drawing/2010/main">
                   <a:effectLst>
                     <a:outerShdw blurRad="63500" dist="38099" dir="2700000" algn="ctr" rotWithShape="0">
                       <a:schemeClr val="bg2">
@@ -4201,12 +4201,12 @@
           <a:effectLst/>
           <a:extLst>
             <a:ext uri="{909E8E84-426E-40dd-AFC4-6F175D3DCCD1}">
-              <a14:hiddenFill xmlns:a14="http://schemas.microsoft.com/office/drawing/2010/main" xmlns="">
+              <a14:hiddenFill xmlns="" xmlns:a14="http://schemas.microsoft.com/office/drawing/2010/main">
                 <a:noFill/>
               </a14:hiddenFill>
             </a:ext>
             <a:ext uri="{AF507438-7753-43e0-B8FC-AC1667EBCBE1}">
-              <a14:hiddenEffects xmlns:a14="http://schemas.microsoft.com/office/drawing/2010/main" xmlns="">
+              <a14:hiddenEffects xmlns="" xmlns:a14="http://schemas.microsoft.com/office/drawing/2010/main">
                 <a:effectLst>
                   <a:outerShdw blurRad="63500" dist="38099" dir="2700000" algn="ctr" rotWithShape="0">
                     <a:schemeClr val="bg2">
@@ -6530,12 +6530,12 @@
           <a:effectLst/>
           <a:extLst>
             <a:ext uri="{909E8E84-426E-40dd-AFC4-6F175D3DCCD1}">
-              <a14:hiddenFill xmlns:a14="http://schemas.microsoft.com/office/drawing/2010/main" xmlns="">
+              <a14:hiddenFill xmlns="" xmlns:a14="http://schemas.microsoft.com/office/drawing/2010/main">
                 <a:noFill/>
               </a14:hiddenFill>
             </a:ext>
             <a:ext uri="{AF507438-7753-43e0-B8FC-AC1667EBCBE1}">
-              <a14:hiddenEffects xmlns:a14="http://schemas.microsoft.com/office/drawing/2010/main" xmlns="">
+              <a14:hiddenEffects xmlns="" xmlns:a14="http://schemas.microsoft.com/office/drawing/2010/main">
                 <a:effectLst>
                   <a:outerShdw blurRad="63500" dist="38099" dir="2700000" algn="ctr" rotWithShape="0">
                     <a:schemeClr val="bg2">
@@ -6580,17 +6580,17 @@
           <a:effectLst/>
           <a:extLst>
             <a:ext uri="{FAA26D3D-D897-4be2-8F04-BA451C77F1D7}">
-              <ma14:placeholderFlag xmlns="" xmlns:ma14="http://schemas.microsoft.com/office/mac/drawingml/2011/main" val="1"/>
+              <ma14:placeholderFlag xmlns:ma14="http://schemas.microsoft.com/office/mac/drawingml/2011/main" xmlns="" val="1"/>
             </a:ext>
             <a:ext uri="{909E8E84-426E-40dd-AFC4-6F175D3DCCD1}">
-              <a14:hiddenFill xmlns:a14="http://schemas.microsoft.com/office/drawing/2010/main" xmlns="">
+              <a14:hiddenFill xmlns="" xmlns:a14="http://schemas.microsoft.com/office/drawing/2010/main">
                 <a:solidFill>
                   <a:schemeClr val="accent1"/>
                 </a:solidFill>
               </a14:hiddenFill>
             </a:ext>
             <a:ext uri="{91240B29-F687-4f45-9708-019B960494DF}">
-              <a14:hiddenLine xmlns:a14="http://schemas.microsoft.com/office/drawing/2010/main" xmlns="" w="9525">
+              <a14:hiddenLine xmlns="" xmlns:a14="http://schemas.microsoft.com/office/drawing/2010/main" w="9525">
                 <a:solidFill>
                   <a:schemeClr val="tx1"/>
                 </a:solidFill>
@@ -6600,7 +6600,7 @@
               </a14:hiddenLine>
             </a:ext>
             <a:ext uri="{AF507438-7753-43e0-B8FC-AC1667EBCBE1}">
-              <a14:hiddenEffects xmlns:a14="http://schemas.microsoft.com/office/drawing/2010/main" xmlns="">
+              <a14:hiddenEffects xmlns="" xmlns:a14="http://schemas.microsoft.com/office/drawing/2010/main">
                 <a:effectLst>
                   <a:outerShdw blurRad="63500" dist="38099" dir="2700000" algn="ctr" rotWithShape="0">
                     <a:schemeClr val="bg2">
@@ -6653,17 +6653,17 @@
           <a:effectLst/>
           <a:extLst>
             <a:ext uri="{FAA26D3D-D897-4be2-8F04-BA451C77F1D7}">
-              <ma14:placeholderFlag xmlns="" xmlns:ma14="http://schemas.microsoft.com/office/mac/drawingml/2011/main" val="1"/>
+              <ma14:placeholderFlag xmlns:ma14="http://schemas.microsoft.com/office/mac/drawingml/2011/main" xmlns="" val="1"/>
             </a:ext>
             <a:ext uri="{909E8E84-426E-40dd-AFC4-6F175D3DCCD1}">
-              <a14:hiddenFill xmlns:a14="http://schemas.microsoft.com/office/drawing/2010/main" xmlns="">
+              <a14:hiddenFill xmlns="" xmlns:a14="http://schemas.microsoft.com/office/drawing/2010/main">
                 <a:solidFill>
                   <a:schemeClr val="accent1"/>
                 </a:solidFill>
               </a14:hiddenFill>
             </a:ext>
             <a:ext uri="{91240B29-F687-4f45-9708-019B960494DF}">
-              <a14:hiddenLine xmlns:a14="http://schemas.microsoft.com/office/drawing/2010/main" xmlns="" w="9525">
+              <a14:hiddenLine xmlns="" xmlns:a14="http://schemas.microsoft.com/office/drawing/2010/main" w="9525">
                 <a:solidFill>
                   <a:schemeClr val="tx1"/>
                 </a:solidFill>
@@ -6673,7 +6673,7 @@
               </a14:hiddenLine>
             </a:ext>
             <a:ext uri="{AF507438-7753-43e0-B8FC-AC1667EBCBE1}">
-              <a14:hiddenEffects xmlns:a14="http://schemas.microsoft.com/office/drawing/2010/main" xmlns="">
+              <a14:hiddenEffects xmlns="" xmlns:a14="http://schemas.microsoft.com/office/drawing/2010/main">
                 <a:effectLst>
                   <a:outerShdw blurRad="63500" dist="38099" dir="2700000" algn="ctr" rotWithShape="0">
                     <a:schemeClr val="bg2">
@@ -6754,17 +6754,17 @@
           <a:effectLst/>
           <a:extLst>
             <a:ext uri="{FAA26D3D-D897-4be2-8F04-BA451C77F1D7}">
-              <ma14:placeholderFlag xmlns="" xmlns:ma14="http://schemas.microsoft.com/office/mac/drawingml/2011/main" val="1"/>
+              <ma14:placeholderFlag xmlns:ma14="http://schemas.microsoft.com/office/mac/drawingml/2011/main" xmlns="" val="1"/>
             </a:ext>
             <a:ext uri="{909E8E84-426E-40dd-AFC4-6F175D3DCCD1}">
-              <a14:hiddenFill xmlns:a14="http://schemas.microsoft.com/office/drawing/2010/main" xmlns="">
+              <a14:hiddenFill xmlns="" xmlns:a14="http://schemas.microsoft.com/office/drawing/2010/main">
                 <a:solidFill>
                   <a:schemeClr val="accent1"/>
                 </a:solidFill>
               </a14:hiddenFill>
             </a:ext>
             <a:ext uri="{91240B29-F687-4f45-9708-019B960494DF}">
-              <a14:hiddenLine xmlns:a14="http://schemas.microsoft.com/office/drawing/2010/main" xmlns="" w="9525">
+              <a14:hiddenLine xmlns="" xmlns:a14="http://schemas.microsoft.com/office/drawing/2010/main" w="9525">
                 <a:solidFill>
                   <a:schemeClr val="tx1"/>
                 </a:solidFill>
@@ -6774,7 +6774,7 @@
               </a14:hiddenLine>
             </a:ext>
             <a:ext uri="{AF507438-7753-43e0-B8FC-AC1667EBCBE1}">
-              <a14:hiddenEffects xmlns:a14="http://schemas.microsoft.com/office/drawing/2010/main" xmlns="">
+              <a14:hiddenEffects xmlns="" xmlns:a14="http://schemas.microsoft.com/office/drawing/2010/main">
                 <a:effectLst>
                   <a:outerShdw blurRad="63500" dist="38099" dir="2700000" algn="ctr" rotWithShape="0">
                     <a:schemeClr val="bg2">
@@ -6827,17 +6827,17 @@
           <a:effectLst/>
           <a:extLst>
             <a:ext uri="{FAA26D3D-D897-4be2-8F04-BA451C77F1D7}">
-              <ma14:placeholderFlag xmlns="" xmlns:ma14="http://schemas.microsoft.com/office/mac/drawingml/2011/main" val="1"/>
+              <ma14:placeholderFlag xmlns:ma14="http://schemas.microsoft.com/office/mac/drawingml/2011/main" xmlns="" val="1"/>
             </a:ext>
             <a:ext uri="{909E8E84-426E-40dd-AFC4-6F175D3DCCD1}">
-              <a14:hiddenFill xmlns:a14="http://schemas.microsoft.com/office/drawing/2010/main" xmlns="">
+              <a14:hiddenFill xmlns="" xmlns:a14="http://schemas.microsoft.com/office/drawing/2010/main">
                 <a:solidFill>
                   <a:schemeClr val="accent1"/>
                 </a:solidFill>
               </a14:hiddenFill>
             </a:ext>
             <a:ext uri="{91240B29-F687-4f45-9708-019B960494DF}">
-              <a14:hiddenLine xmlns:a14="http://schemas.microsoft.com/office/drawing/2010/main" xmlns="" w="9525">
+              <a14:hiddenLine xmlns="" xmlns:a14="http://schemas.microsoft.com/office/drawing/2010/main" w="9525">
                 <a:solidFill>
                   <a:schemeClr val="tx1"/>
                 </a:solidFill>
@@ -6847,7 +6847,7 @@
               </a14:hiddenLine>
             </a:ext>
             <a:ext uri="{AF507438-7753-43e0-B8FC-AC1667EBCBE1}">
-              <a14:hiddenEffects xmlns:a14="http://schemas.microsoft.com/office/drawing/2010/main" xmlns="">
+              <a14:hiddenEffects xmlns="" xmlns:a14="http://schemas.microsoft.com/office/drawing/2010/main">
                 <a:effectLst>
                   <a:outerShdw blurRad="63500" dist="38099" dir="2700000" algn="ctr" rotWithShape="0">
                     <a:schemeClr val="bg2">
@@ -6900,17 +6900,17 @@
           <a:effectLst/>
           <a:extLst>
             <a:ext uri="{FAA26D3D-D897-4be2-8F04-BA451C77F1D7}">
-              <ma14:placeholderFlag xmlns="" xmlns:ma14="http://schemas.microsoft.com/office/mac/drawingml/2011/main" val="1"/>
+              <ma14:placeholderFlag xmlns:ma14="http://schemas.microsoft.com/office/mac/drawingml/2011/main" xmlns="" val="1"/>
             </a:ext>
             <a:ext uri="{909E8E84-426E-40dd-AFC4-6F175D3DCCD1}">
-              <a14:hiddenFill xmlns:a14="http://schemas.microsoft.com/office/drawing/2010/main" xmlns="">
+              <a14:hiddenFill xmlns="" xmlns:a14="http://schemas.microsoft.com/office/drawing/2010/main">
                 <a:solidFill>
                   <a:schemeClr val="accent1"/>
                 </a:solidFill>
               </a14:hiddenFill>
             </a:ext>
             <a:ext uri="{91240B29-F687-4f45-9708-019B960494DF}">
-              <a14:hiddenLine xmlns:a14="http://schemas.microsoft.com/office/drawing/2010/main" xmlns="" w="9525">
+              <a14:hiddenLine xmlns="" xmlns:a14="http://schemas.microsoft.com/office/drawing/2010/main" w="9525">
                 <a:solidFill>
                   <a:schemeClr val="tx1"/>
                 </a:solidFill>
@@ -6920,7 +6920,7 @@
               </a14:hiddenLine>
             </a:ext>
             <a:ext uri="{AF507438-7753-43e0-B8FC-AC1667EBCBE1}">
-              <a14:hiddenEffects xmlns:a14="http://schemas.microsoft.com/office/drawing/2010/main" xmlns="">
+              <a14:hiddenEffects xmlns="" xmlns:a14="http://schemas.microsoft.com/office/drawing/2010/main">
                 <a:effectLst>
                   <a:outerShdw blurRad="63500" dist="38099" dir="2700000" algn="ctr" rotWithShape="0">
                     <a:schemeClr val="bg2">
@@ -6994,7 +6994,7 @@
             <a:effectLst/>
             <a:extLst>
               <a:ext uri="{91240B29-F687-4f45-9708-019B960494DF}">
-                <a14:hiddenLine xmlns:a14="http://schemas.microsoft.com/office/drawing/2010/main" xmlns="" w="9525">
+                <a14:hiddenLine xmlns="" xmlns:a14="http://schemas.microsoft.com/office/drawing/2010/main" w="9525">
                   <a:solidFill>
                     <a:schemeClr val="tx1"/>
                   </a:solidFill>
@@ -7004,7 +7004,7 @@
                 </a14:hiddenLine>
               </a:ext>
               <a:ext uri="{AF507438-7753-43e0-B8FC-AC1667EBCBE1}">
-                <a14:hiddenEffects xmlns:a14="http://schemas.microsoft.com/office/drawing/2010/main" xmlns="">
+                <a14:hiddenEffects xmlns="" xmlns:a14="http://schemas.microsoft.com/office/drawing/2010/main">
                   <a:effectLst>
                     <a:outerShdw blurRad="63500" dist="38099" dir="2700000" algn="ctr" rotWithShape="0">
                       <a:schemeClr val="bg2">
@@ -7049,7 +7049,7 @@
             <a:effectLst/>
             <a:extLst>
               <a:ext uri="{91240B29-F687-4f45-9708-019B960494DF}">
-                <a14:hiddenLine xmlns:a14="http://schemas.microsoft.com/office/drawing/2010/main" xmlns="" w="9525">
+                <a14:hiddenLine xmlns="" xmlns:a14="http://schemas.microsoft.com/office/drawing/2010/main" w="9525">
                   <a:solidFill>
                     <a:schemeClr val="tx1"/>
                   </a:solidFill>
@@ -7059,7 +7059,7 @@
                 </a14:hiddenLine>
               </a:ext>
               <a:ext uri="{AF507438-7753-43e0-B8FC-AC1667EBCBE1}">
-                <a14:hiddenEffects xmlns:a14="http://schemas.microsoft.com/office/drawing/2010/main" xmlns="">
+                <a14:hiddenEffects xmlns="" xmlns:a14="http://schemas.microsoft.com/office/drawing/2010/main">
                   <a:effectLst>
                     <a:outerShdw blurRad="63500" dist="38099" dir="2700000" algn="ctr" rotWithShape="0">
                       <a:schemeClr val="bg2">
@@ -7104,7 +7104,7 @@
             <a:effectLst/>
             <a:extLst>
               <a:ext uri="{91240B29-F687-4f45-9708-019B960494DF}">
-                <a14:hiddenLine xmlns:a14="http://schemas.microsoft.com/office/drawing/2010/main" xmlns="" w="9525">
+                <a14:hiddenLine xmlns="" xmlns:a14="http://schemas.microsoft.com/office/drawing/2010/main" w="9525">
                   <a:solidFill>
                     <a:schemeClr val="tx1"/>
                   </a:solidFill>
@@ -7114,7 +7114,7 @@
                 </a14:hiddenLine>
               </a:ext>
               <a:ext uri="{AF507438-7753-43e0-B8FC-AC1667EBCBE1}">
-                <a14:hiddenEffects xmlns:a14="http://schemas.microsoft.com/office/drawing/2010/main" xmlns="">
+                <a14:hiddenEffects xmlns="" xmlns:a14="http://schemas.microsoft.com/office/drawing/2010/main">
                   <a:effectLst>
                     <a:outerShdw blurRad="63500" dist="38099" dir="2700000" algn="ctr" rotWithShape="0">
                       <a:schemeClr val="bg2">
@@ -7159,7 +7159,7 @@
             <a:effectLst/>
             <a:extLst>
               <a:ext uri="{91240B29-F687-4f45-9708-019B960494DF}">
-                <a14:hiddenLine xmlns:a14="http://schemas.microsoft.com/office/drawing/2010/main" xmlns="" w="9525">
+                <a14:hiddenLine xmlns="" xmlns:a14="http://schemas.microsoft.com/office/drawing/2010/main" w="9525">
                   <a:solidFill>
                     <a:schemeClr val="tx1"/>
                   </a:solidFill>
@@ -7169,7 +7169,7 @@
                 </a14:hiddenLine>
               </a:ext>
               <a:ext uri="{AF507438-7753-43e0-B8FC-AC1667EBCBE1}">
-                <a14:hiddenEffects xmlns:a14="http://schemas.microsoft.com/office/drawing/2010/main" xmlns="">
+                <a14:hiddenEffects xmlns="" xmlns:a14="http://schemas.microsoft.com/office/drawing/2010/main">
                   <a:effectLst>
                     <a:outerShdw blurRad="63500" dist="38099" dir="2700000" algn="ctr" rotWithShape="0">
                       <a:schemeClr val="bg2">
@@ -7214,7 +7214,7 @@
             <a:effectLst/>
             <a:extLst>
               <a:ext uri="{91240B29-F687-4f45-9708-019B960494DF}">
-                <a14:hiddenLine xmlns:a14="http://schemas.microsoft.com/office/drawing/2010/main" xmlns="" w="9525">
+                <a14:hiddenLine xmlns="" xmlns:a14="http://schemas.microsoft.com/office/drawing/2010/main" w="9525">
                   <a:solidFill>
                     <a:schemeClr val="tx1"/>
                   </a:solidFill>
@@ -7224,7 +7224,7 @@
                 </a14:hiddenLine>
               </a:ext>
               <a:ext uri="{AF507438-7753-43e0-B8FC-AC1667EBCBE1}">
-                <a14:hiddenEffects xmlns:a14="http://schemas.microsoft.com/office/drawing/2010/main" xmlns="">
+                <a14:hiddenEffects xmlns="" xmlns:a14="http://schemas.microsoft.com/office/drawing/2010/main">
                   <a:effectLst>
                     <a:outerShdw blurRad="63500" dist="38099" dir="2700000" algn="ctr" rotWithShape="0">
                       <a:schemeClr val="bg2">
@@ -7269,7 +7269,7 @@
             <a:effectLst/>
             <a:extLst>
               <a:ext uri="{91240B29-F687-4f45-9708-019B960494DF}">
-                <a14:hiddenLine xmlns:a14="http://schemas.microsoft.com/office/drawing/2010/main" xmlns="" w="9525">
+                <a14:hiddenLine xmlns="" xmlns:a14="http://schemas.microsoft.com/office/drawing/2010/main" w="9525">
                   <a:solidFill>
                     <a:schemeClr val="tx1"/>
                   </a:solidFill>
@@ -7279,7 +7279,7 @@
                 </a14:hiddenLine>
               </a:ext>
               <a:ext uri="{AF507438-7753-43e0-B8FC-AC1667EBCBE1}">
-                <a14:hiddenEffects xmlns:a14="http://schemas.microsoft.com/office/drawing/2010/main" xmlns="">
+                <a14:hiddenEffects xmlns="" xmlns:a14="http://schemas.microsoft.com/office/drawing/2010/main">
                   <a:effectLst>
                     <a:outerShdw blurRad="63500" dist="38099" dir="2700000" algn="ctr" rotWithShape="0">
                       <a:schemeClr val="bg2">
@@ -7324,7 +7324,7 @@
             <a:effectLst/>
             <a:extLst>
               <a:ext uri="{91240B29-F687-4f45-9708-019B960494DF}">
-                <a14:hiddenLine xmlns:a14="http://schemas.microsoft.com/office/drawing/2010/main" xmlns="" w="9525">
+                <a14:hiddenLine xmlns="" xmlns:a14="http://schemas.microsoft.com/office/drawing/2010/main" w="9525">
                   <a:solidFill>
                     <a:schemeClr val="tx1"/>
                   </a:solidFill>
@@ -7334,7 +7334,7 @@
                 </a14:hiddenLine>
               </a:ext>
               <a:ext uri="{AF507438-7753-43e0-B8FC-AC1667EBCBE1}">
-                <a14:hiddenEffects xmlns:a14="http://schemas.microsoft.com/office/drawing/2010/main" xmlns="">
+                <a14:hiddenEffects xmlns="" xmlns:a14="http://schemas.microsoft.com/office/drawing/2010/main">
                   <a:effectLst>
                     <a:outerShdw blurRad="63500" dist="38099" dir="2700000" algn="ctr" rotWithShape="0">
                       <a:schemeClr val="bg2">
@@ -7379,7 +7379,7 @@
             <a:effectLst/>
             <a:extLst>
               <a:ext uri="{91240B29-F687-4f45-9708-019B960494DF}">
-                <a14:hiddenLine xmlns:a14="http://schemas.microsoft.com/office/drawing/2010/main" xmlns="" w="9525">
+                <a14:hiddenLine xmlns="" xmlns:a14="http://schemas.microsoft.com/office/drawing/2010/main" w="9525">
                   <a:solidFill>
                     <a:schemeClr val="tx1"/>
                   </a:solidFill>
@@ -7389,7 +7389,7 @@
                 </a14:hiddenLine>
               </a:ext>
               <a:ext uri="{AF507438-7753-43e0-B8FC-AC1667EBCBE1}">
-                <a14:hiddenEffects xmlns:a14="http://schemas.microsoft.com/office/drawing/2010/main" xmlns="">
+                <a14:hiddenEffects xmlns="" xmlns:a14="http://schemas.microsoft.com/office/drawing/2010/main">
                   <a:effectLst>
                     <a:outerShdw blurRad="63500" dist="38099" dir="2700000" algn="ctr" rotWithShape="0">
                       <a:schemeClr val="bg2">
@@ -7434,7 +7434,7 @@
             <a:effectLst/>
             <a:extLst>
               <a:ext uri="{91240B29-F687-4f45-9708-019B960494DF}">
-                <a14:hiddenLine xmlns:a14="http://schemas.microsoft.com/office/drawing/2010/main" xmlns="" w="9525">
+                <a14:hiddenLine xmlns="" xmlns:a14="http://schemas.microsoft.com/office/drawing/2010/main" w="9525">
                   <a:solidFill>
                     <a:schemeClr val="tx1"/>
                   </a:solidFill>
@@ -7444,7 +7444,7 @@
                 </a14:hiddenLine>
               </a:ext>
               <a:ext uri="{AF507438-7753-43e0-B8FC-AC1667EBCBE1}">
-                <a14:hiddenEffects xmlns:a14="http://schemas.microsoft.com/office/drawing/2010/main" xmlns="">
+                <a14:hiddenEffects xmlns="" xmlns:a14="http://schemas.microsoft.com/office/drawing/2010/main">
                   <a:effectLst>
                     <a:outerShdw blurRad="63500" dist="38099" dir="2700000" algn="ctr" rotWithShape="0">
                       <a:schemeClr val="bg2">
@@ -7489,7 +7489,7 @@
             <a:effectLst/>
             <a:extLst>
               <a:ext uri="{91240B29-F687-4f45-9708-019B960494DF}">
-                <a14:hiddenLine xmlns:a14="http://schemas.microsoft.com/office/drawing/2010/main" xmlns="" w="9525">
+                <a14:hiddenLine xmlns="" xmlns:a14="http://schemas.microsoft.com/office/drawing/2010/main" w="9525">
                   <a:solidFill>
                     <a:schemeClr val="tx1"/>
                   </a:solidFill>
@@ -7499,7 +7499,7 @@
                 </a14:hiddenLine>
               </a:ext>
               <a:ext uri="{AF507438-7753-43e0-B8FC-AC1667EBCBE1}">
-                <a14:hiddenEffects xmlns:a14="http://schemas.microsoft.com/office/drawing/2010/main" xmlns="">
+                <a14:hiddenEffects xmlns="" xmlns:a14="http://schemas.microsoft.com/office/drawing/2010/main">
                   <a:effectLst>
                     <a:outerShdw blurRad="63500" dist="38099" dir="2700000" algn="ctr" rotWithShape="0">
                       <a:schemeClr val="bg2">
@@ -7544,7 +7544,7 @@
             <a:effectLst/>
             <a:extLst>
               <a:ext uri="{91240B29-F687-4f45-9708-019B960494DF}">
-                <a14:hiddenLine xmlns:a14="http://schemas.microsoft.com/office/drawing/2010/main" xmlns="" w="9525">
+                <a14:hiddenLine xmlns="" xmlns:a14="http://schemas.microsoft.com/office/drawing/2010/main" w="9525">
                   <a:solidFill>
                     <a:schemeClr val="tx1"/>
                   </a:solidFill>
@@ -7554,7 +7554,7 @@
                 </a14:hiddenLine>
               </a:ext>
               <a:ext uri="{AF507438-7753-43e0-B8FC-AC1667EBCBE1}">
-                <a14:hiddenEffects xmlns:a14="http://schemas.microsoft.com/office/drawing/2010/main" xmlns="">
+                <a14:hiddenEffects xmlns="" xmlns:a14="http://schemas.microsoft.com/office/drawing/2010/main">
                   <a:effectLst>
                     <a:outerShdw blurRad="63500" dist="38099" dir="2700000" algn="ctr" rotWithShape="0">
                       <a:schemeClr val="bg2">
@@ -7599,7 +7599,7 @@
             <a:effectLst/>
             <a:extLst>
               <a:ext uri="{91240B29-F687-4f45-9708-019B960494DF}">
-                <a14:hiddenLine xmlns:a14="http://schemas.microsoft.com/office/drawing/2010/main" xmlns="" w="9525">
+                <a14:hiddenLine xmlns="" xmlns:a14="http://schemas.microsoft.com/office/drawing/2010/main" w="9525">
                   <a:solidFill>
                     <a:schemeClr val="tx1"/>
                   </a:solidFill>
@@ -7609,7 +7609,7 @@
                 </a14:hiddenLine>
               </a:ext>
               <a:ext uri="{AF507438-7753-43e0-B8FC-AC1667EBCBE1}">
-                <a14:hiddenEffects xmlns:a14="http://schemas.microsoft.com/office/drawing/2010/main" xmlns="">
+                <a14:hiddenEffects xmlns="" xmlns:a14="http://schemas.microsoft.com/office/drawing/2010/main">
                   <a:effectLst>
                     <a:outerShdw blurRad="63500" dist="38099" dir="2700000" algn="ctr" rotWithShape="0">
                       <a:schemeClr val="bg2">
@@ -7654,7 +7654,7 @@
             <a:effectLst/>
             <a:extLst>
               <a:ext uri="{91240B29-F687-4f45-9708-019B960494DF}">
-                <a14:hiddenLine xmlns:a14="http://schemas.microsoft.com/office/drawing/2010/main" xmlns="" w="9525">
+                <a14:hiddenLine xmlns="" xmlns:a14="http://schemas.microsoft.com/office/drawing/2010/main" w="9525">
                   <a:solidFill>
                     <a:schemeClr val="tx1"/>
                   </a:solidFill>
@@ -7664,7 +7664,7 @@
                 </a14:hiddenLine>
               </a:ext>
               <a:ext uri="{AF507438-7753-43e0-B8FC-AC1667EBCBE1}">
-                <a14:hiddenEffects xmlns:a14="http://schemas.microsoft.com/office/drawing/2010/main" xmlns="">
+                <a14:hiddenEffects xmlns="" xmlns:a14="http://schemas.microsoft.com/office/drawing/2010/main">
                   <a:effectLst>
                     <a:outerShdw blurRad="63500" dist="38099" dir="2700000" algn="ctr" rotWithShape="0">
                       <a:schemeClr val="bg2">
@@ -7709,7 +7709,7 @@
             <a:effectLst/>
             <a:extLst>
               <a:ext uri="{91240B29-F687-4f45-9708-019B960494DF}">
-                <a14:hiddenLine xmlns:a14="http://schemas.microsoft.com/office/drawing/2010/main" xmlns="" w="9525">
+                <a14:hiddenLine xmlns="" xmlns:a14="http://schemas.microsoft.com/office/drawing/2010/main" w="9525">
                   <a:solidFill>
                     <a:schemeClr val="tx1"/>
                   </a:solidFill>
@@ -7719,7 +7719,7 @@
                 </a14:hiddenLine>
               </a:ext>
               <a:ext uri="{AF507438-7753-43e0-B8FC-AC1667EBCBE1}">
-                <a14:hiddenEffects xmlns:a14="http://schemas.microsoft.com/office/drawing/2010/main" xmlns="">
+                <a14:hiddenEffects xmlns="" xmlns:a14="http://schemas.microsoft.com/office/drawing/2010/main">
                   <a:effectLst>
                     <a:outerShdw blurRad="63500" dist="38099" dir="2700000" algn="ctr" rotWithShape="0">
                       <a:schemeClr val="bg2">
@@ -7764,7 +7764,7 @@
             <a:effectLst/>
             <a:extLst>
               <a:ext uri="{91240B29-F687-4f45-9708-019B960494DF}">
-                <a14:hiddenLine xmlns:a14="http://schemas.microsoft.com/office/drawing/2010/main" xmlns="" w="9525">
+                <a14:hiddenLine xmlns="" xmlns:a14="http://schemas.microsoft.com/office/drawing/2010/main" w="9525">
                   <a:solidFill>
                     <a:schemeClr val="tx1"/>
                   </a:solidFill>
@@ -7774,7 +7774,7 @@
                 </a14:hiddenLine>
               </a:ext>
               <a:ext uri="{AF507438-7753-43e0-B8FC-AC1667EBCBE1}">
-                <a14:hiddenEffects xmlns:a14="http://schemas.microsoft.com/office/drawing/2010/main" xmlns="">
+                <a14:hiddenEffects xmlns="" xmlns:a14="http://schemas.microsoft.com/office/drawing/2010/main">
                   <a:effectLst>
                     <a:outerShdw blurRad="63500" dist="38099" dir="2700000" algn="ctr" rotWithShape="0">
                       <a:schemeClr val="bg2">
@@ -7819,7 +7819,7 @@
             <a:effectLst/>
             <a:extLst>
               <a:ext uri="{91240B29-F687-4f45-9708-019B960494DF}">
-                <a14:hiddenLine xmlns:a14="http://schemas.microsoft.com/office/drawing/2010/main" xmlns="" w="9525">
+                <a14:hiddenLine xmlns="" xmlns:a14="http://schemas.microsoft.com/office/drawing/2010/main" w="9525">
                   <a:solidFill>
                     <a:schemeClr val="tx1"/>
                   </a:solidFill>
@@ -7829,7 +7829,7 @@
                 </a14:hiddenLine>
               </a:ext>
               <a:ext uri="{AF507438-7753-43e0-B8FC-AC1667EBCBE1}">
-                <a14:hiddenEffects xmlns:a14="http://schemas.microsoft.com/office/drawing/2010/main" xmlns="">
+                <a14:hiddenEffects xmlns="" xmlns:a14="http://schemas.microsoft.com/office/drawing/2010/main">
                   <a:effectLst>
                     <a:outerShdw blurRad="63500" dist="38099" dir="2700000" algn="ctr" rotWithShape="0">
                       <a:schemeClr val="bg2">
@@ -7874,7 +7874,7 @@
             <a:effectLst/>
             <a:extLst>
               <a:ext uri="{91240B29-F687-4f45-9708-019B960494DF}">
-                <a14:hiddenLine xmlns:a14="http://schemas.microsoft.com/office/drawing/2010/main" xmlns="" w="9525">
+                <a14:hiddenLine xmlns="" xmlns:a14="http://schemas.microsoft.com/office/drawing/2010/main" w="9525">
                   <a:solidFill>
                     <a:schemeClr val="tx1"/>
                   </a:solidFill>
@@ -7884,7 +7884,7 @@
                 </a14:hiddenLine>
               </a:ext>
               <a:ext uri="{AF507438-7753-43e0-B8FC-AC1667EBCBE1}">
-                <a14:hiddenEffects xmlns:a14="http://schemas.microsoft.com/office/drawing/2010/main" xmlns="">
+                <a14:hiddenEffects xmlns="" xmlns:a14="http://schemas.microsoft.com/office/drawing/2010/main">
                   <a:effectLst>
                     <a:outerShdw blurRad="63500" dist="38099" dir="2700000" algn="ctr" rotWithShape="0">
                       <a:schemeClr val="bg2">
@@ -7929,7 +7929,7 @@
             <a:effectLst/>
             <a:extLst>
               <a:ext uri="{91240B29-F687-4f45-9708-019B960494DF}">
-                <a14:hiddenLine xmlns:a14="http://schemas.microsoft.com/office/drawing/2010/main" xmlns="" w="9525">
+                <a14:hiddenLine xmlns="" xmlns:a14="http://schemas.microsoft.com/office/drawing/2010/main" w="9525">
                   <a:solidFill>
                     <a:schemeClr val="tx1"/>
                   </a:solidFill>
@@ -7939,7 +7939,7 @@
                 </a14:hiddenLine>
               </a:ext>
               <a:ext uri="{AF507438-7753-43e0-B8FC-AC1667EBCBE1}">
-                <a14:hiddenEffects xmlns:a14="http://schemas.microsoft.com/office/drawing/2010/main" xmlns="">
+                <a14:hiddenEffects xmlns="" xmlns:a14="http://schemas.microsoft.com/office/drawing/2010/main">
                   <a:effectLst>
                     <a:outerShdw blurRad="63500" dist="38099" dir="2700000" algn="ctr" rotWithShape="0">
                       <a:schemeClr val="bg2">
@@ -7984,7 +7984,7 @@
             <a:effectLst/>
             <a:extLst>
               <a:ext uri="{91240B29-F687-4f45-9708-019B960494DF}">
-                <a14:hiddenLine xmlns:a14="http://schemas.microsoft.com/office/drawing/2010/main" xmlns="" w="9525">
+                <a14:hiddenLine xmlns="" xmlns:a14="http://schemas.microsoft.com/office/drawing/2010/main" w="9525">
                   <a:solidFill>
                     <a:schemeClr val="tx1"/>
                   </a:solidFill>
@@ -7994,7 +7994,7 @@
                 </a14:hiddenLine>
               </a:ext>
               <a:ext uri="{AF507438-7753-43e0-B8FC-AC1667EBCBE1}">
-                <a14:hiddenEffects xmlns:a14="http://schemas.microsoft.com/office/drawing/2010/main" xmlns="">
+                <a14:hiddenEffects xmlns="" xmlns:a14="http://schemas.microsoft.com/office/drawing/2010/main">
                   <a:effectLst>
                     <a:outerShdw blurRad="63500" dist="38099" dir="2700000" algn="ctr" rotWithShape="0">
                       <a:schemeClr val="bg2">
@@ -8039,7 +8039,7 @@
             <a:effectLst/>
             <a:extLst>
               <a:ext uri="{91240B29-F687-4f45-9708-019B960494DF}">
-                <a14:hiddenLine xmlns:a14="http://schemas.microsoft.com/office/drawing/2010/main" xmlns="" w="9525">
+                <a14:hiddenLine xmlns="" xmlns:a14="http://schemas.microsoft.com/office/drawing/2010/main" w="9525">
                   <a:solidFill>
                     <a:schemeClr val="tx1"/>
                   </a:solidFill>
@@ -8049,7 +8049,7 @@
                 </a14:hiddenLine>
               </a:ext>
               <a:ext uri="{AF507438-7753-43e0-B8FC-AC1667EBCBE1}">
-                <a14:hiddenEffects xmlns:a14="http://schemas.microsoft.com/office/drawing/2010/main" xmlns="">
+                <a14:hiddenEffects xmlns="" xmlns:a14="http://schemas.microsoft.com/office/drawing/2010/main">
                   <a:effectLst>
                     <a:outerShdw blurRad="63500" dist="38099" dir="2700000" algn="ctr" rotWithShape="0">
                       <a:schemeClr val="bg2">
@@ -8094,7 +8094,7 @@
             <a:effectLst/>
             <a:extLst>
               <a:ext uri="{91240B29-F687-4f45-9708-019B960494DF}">
-                <a14:hiddenLine xmlns:a14="http://schemas.microsoft.com/office/drawing/2010/main" xmlns="" w="9525">
+                <a14:hiddenLine xmlns="" xmlns:a14="http://schemas.microsoft.com/office/drawing/2010/main" w="9525">
                   <a:solidFill>
                     <a:schemeClr val="tx1"/>
                   </a:solidFill>
@@ -8104,7 +8104,7 @@
                 </a14:hiddenLine>
               </a:ext>
               <a:ext uri="{AF507438-7753-43e0-B8FC-AC1667EBCBE1}">
-                <a14:hiddenEffects xmlns:a14="http://schemas.microsoft.com/office/drawing/2010/main" xmlns="">
+                <a14:hiddenEffects xmlns="" xmlns:a14="http://schemas.microsoft.com/office/drawing/2010/main">
                   <a:effectLst>
                     <a:outerShdw blurRad="63500" dist="38099" dir="2700000" algn="ctr" rotWithShape="0">
                       <a:schemeClr val="bg2">
@@ -8149,7 +8149,7 @@
             <a:effectLst/>
             <a:extLst>
               <a:ext uri="{91240B29-F687-4f45-9708-019B960494DF}">
-                <a14:hiddenLine xmlns:a14="http://schemas.microsoft.com/office/drawing/2010/main" xmlns="" w="9525">
+                <a14:hiddenLine xmlns="" xmlns:a14="http://schemas.microsoft.com/office/drawing/2010/main" w="9525">
                   <a:solidFill>
                     <a:schemeClr val="tx1"/>
                   </a:solidFill>
@@ -8159,7 +8159,7 @@
                 </a14:hiddenLine>
               </a:ext>
               <a:ext uri="{AF507438-7753-43e0-B8FC-AC1667EBCBE1}">
-                <a14:hiddenEffects xmlns:a14="http://schemas.microsoft.com/office/drawing/2010/main" xmlns="">
+                <a14:hiddenEffects xmlns="" xmlns:a14="http://schemas.microsoft.com/office/drawing/2010/main">
                   <a:effectLst>
                     <a:outerShdw blurRad="63500" dist="38099" dir="2700000" algn="ctr" rotWithShape="0">
                       <a:schemeClr val="bg2">
@@ -8204,7 +8204,7 @@
             <a:effectLst/>
             <a:extLst>
               <a:ext uri="{91240B29-F687-4f45-9708-019B960494DF}">
-                <a14:hiddenLine xmlns:a14="http://schemas.microsoft.com/office/drawing/2010/main" xmlns="" w="9525">
+                <a14:hiddenLine xmlns="" xmlns:a14="http://schemas.microsoft.com/office/drawing/2010/main" w="9525">
                   <a:solidFill>
                     <a:schemeClr val="tx1"/>
                   </a:solidFill>
@@ -8214,7 +8214,7 @@
                 </a14:hiddenLine>
               </a:ext>
               <a:ext uri="{AF507438-7753-43e0-B8FC-AC1667EBCBE1}">
-                <a14:hiddenEffects xmlns:a14="http://schemas.microsoft.com/office/drawing/2010/main" xmlns="">
+                <a14:hiddenEffects xmlns="" xmlns:a14="http://schemas.microsoft.com/office/drawing/2010/main">
                   <a:effectLst>
                     <a:outerShdw blurRad="63500" dist="38099" dir="2700000" algn="ctr" rotWithShape="0">
                       <a:schemeClr val="bg2">
@@ -8259,7 +8259,7 @@
             <a:effectLst/>
             <a:extLst>
               <a:ext uri="{91240B29-F687-4f45-9708-019B960494DF}">
-                <a14:hiddenLine xmlns:a14="http://schemas.microsoft.com/office/drawing/2010/main" xmlns="" w="9525">
+                <a14:hiddenLine xmlns="" xmlns:a14="http://schemas.microsoft.com/office/drawing/2010/main" w="9525">
                   <a:solidFill>
                     <a:schemeClr val="tx1"/>
                   </a:solidFill>
@@ -8269,7 +8269,7 @@
                 </a14:hiddenLine>
               </a:ext>
               <a:ext uri="{AF507438-7753-43e0-B8FC-AC1667EBCBE1}">
-                <a14:hiddenEffects xmlns:a14="http://schemas.microsoft.com/office/drawing/2010/main" xmlns="">
+                <a14:hiddenEffects xmlns="" xmlns:a14="http://schemas.microsoft.com/office/drawing/2010/main">
                   <a:effectLst>
                     <a:outerShdw blurRad="63500" dist="38099" dir="2700000" algn="ctr" rotWithShape="0">
                       <a:schemeClr val="bg2">
@@ -8314,7 +8314,7 @@
             <a:effectLst/>
             <a:extLst>
               <a:ext uri="{91240B29-F687-4f45-9708-019B960494DF}">
-                <a14:hiddenLine xmlns:a14="http://schemas.microsoft.com/office/drawing/2010/main" xmlns="" w="9525">
+                <a14:hiddenLine xmlns="" xmlns:a14="http://schemas.microsoft.com/office/drawing/2010/main" w="9525">
                   <a:solidFill>
                     <a:schemeClr val="tx1"/>
                   </a:solidFill>
@@ -8324,7 +8324,7 @@
                 </a14:hiddenLine>
               </a:ext>
               <a:ext uri="{AF507438-7753-43e0-B8FC-AC1667EBCBE1}">
-                <a14:hiddenEffects xmlns:a14="http://schemas.microsoft.com/office/drawing/2010/main" xmlns="">
+                <a14:hiddenEffects xmlns="" xmlns:a14="http://schemas.microsoft.com/office/drawing/2010/main">
                   <a:effectLst>
                     <a:outerShdw blurRad="63500" dist="38099" dir="2700000" algn="ctr" rotWithShape="0">
                       <a:schemeClr val="bg2">
@@ -8369,7 +8369,7 @@
             <a:effectLst/>
             <a:extLst>
               <a:ext uri="{91240B29-F687-4f45-9708-019B960494DF}">
-                <a14:hiddenLine xmlns:a14="http://schemas.microsoft.com/office/drawing/2010/main" xmlns="" w="9525">
+                <a14:hiddenLine xmlns="" xmlns:a14="http://schemas.microsoft.com/office/drawing/2010/main" w="9525">
                   <a:solidFill>
                     <a:schemeClr val="tx1"/>
                   </a:solidFill>
@@ -8379,7 +8379,7 @@
                 </a14:hiddenLine>
               </a:ext>
               <a:ext uri="{AF507438-7753-43e0-B8FC-AC1667EBCBE1}">
-                <a14:hiddenEffects xmlns:a14="http://schemas.microsoft.com/office/drawing/2010/main" xmlns="">
+                <a14:hiddenEffects xmlns="" xmlns:a14="http://schemas.microsoft.com/office/drawing/2010/main">
                   <a:effectLst>
                     <a:outerShdw blurRad="63500" dist="38099" dir="2700000" algn="ctr" rotWithShape="0">
                       <a:schemeClr val="bg2">
@@ -8424,7 +8424,7 @@
             <a:effectLst/>
             <a:extLst>
               <a:ext uri="{91240B29-F687-4f45-9708-019B960494DF}">
-                <a14:hiddenLine xmlns:a14="http://schemas.microsoft.com/office/drawing/2010/main" xmlns="" w="9525">
+                <a14:hiddenLine xmlns="" xmlns:a14="http://schemas.microsoft.com/office/drawing/2010/main" w="9525">
                   <a:solidFill>
                     <a:schemeClr val="tx1"/>
                   </a:solidFill>
@@ -8434,7 +8434,7 @@
                 </a14:hiddenLine>
               </a:ext>
               <a:ext uri="{AF507438-7753-43e0-B8FC-AC1667EBCBE1}">
-                <a14:hiddenEffects xmlns:a14="http://schemas.microsoft.com/office/drawing/2010/main" xmlns="">
+                <a14:hiddenEffects xmlns="" xmlns:a14="http://schemas.microsoft.com/office/drawing/2010/main">
                   <a:effectLst>
                     <a:outerShdw blurRad="63500" dist="38099" dir="2700000" algn="ctr" rotWithShape="0">
                       <a:schemeClr val="bg2">
@@ -8479,7 +8479,7 @@
             <a:effectLst/>
             <a:extLst>
               <a:ext uri="{91240B29-F687-4f45-9708-019B960494DF}">
-                <a14:hiddenLine xmlns:a14="http://schemas.microsoft.com/office/drawing/2010/main" xmlns="" w="9525">
+                <a14:hiddenLine xmlns="" xmlns:a14="http://schemas.microsoft.com/office/drawing/2010/main" w="9525">
                   <a:solidFill>
                     <a:schemeClr val="tx1"/>
                   </a:solidFill>
@@ -8489,7 +8489,7 @@
                 </a14:hiddenLine>
               </a:ext>
               <a:ext uri="{AF507438-7753-43e0-B8FC-AC1667EBCBE1}">
-                <a14:hiddenEffects xmlns:a14="http://schemas.microsoft.com/office/drawing/2010/main" xmlns="">
+                <a14:hiddenEffects xmlns="" xmlns:a14="http://schemas.microsoft.com/office/drawing/2010/main">
                   <a:effectLst>
                     <a:outerShdw blurRad="63500" dist="38099" dir="2700000" algn="ctr" rotWithShape="0">
                       <a:schemeClr val="bg2">
@@ -8534,7 +8534,7 @@
             <a:effectLst/>
             <a:extLst>
               <a:ext uri="{91240B29-F687-4f45-9708-019B960494DF}">
-                <a14:hiddenLine xmlns:a14="http://schemas.microsoft.com/office/drawing/2010/main" xmlns="" w="9525">
+                <a14:hiddenLine xmlns="" xmlns:a14="http://schemas.microsoft.com/office/drawing/2010/main" w="9525">
                   <a:solidFill>
                     <a:schemeClr val="tx1"/>
                   </a:solidFill>
@@ -8544,7 +8544,7 @@
                 </a14:hiddenLine>
               </a:ext>
               <a:ext uri="{AF507438-7753-43e0-B8FC-AC1667EBCBE1}">
-                <a14:hiddenEffects xmlns:a14="http://schemas.microsoft.com/office/drawing/2010/main" xmlns="">
+                <a14:hiddenEffects xmlns="" xmlns:a14="http://schemas.microsoft.com/office/drawing/2010/main">
                   <a:effectLst>
                     <a:outerShdw blurRad="63500" dist="38099" dir="2700000" algn="ctr" rotWithShape="0">
                       <a:schemeClr val="bg2">
@@ -8589,7 +8589,7 @@
             <a:effectLst/>
             <a:extLst>
               <a:ext uri="{91240B29-F687-4f45-9708-019B960494DF}">
-                <a14:hiddenLine xmlns:a14="http://schemas.microsoft.com/office/drawing/2010/main" xmlns="" w="9525">
+                <a14:hiddenLine xmlns="" xmlns:a14="http://schemas.microsoft.com/office/drawing/2010/main" w="9525">
                   <a:solidFill>
                     <a:schemeClr val="tx1"/>
                   </a:solidFill>
@@ -8599,7 +8599,7 @@
                 </a14:hiddenLine>
               </a:ext>
               <a:ext uri="{AF507438-7753-43e0-B8FC-AC1667EBCBE1}">
-                <a14:hiddenEffects xmlns:a14="http://schemas.microsoft.com/office/drawing/2010/main" xmlns="">
+                <a14:hiddenEffects xmlns="" xmlns:a14="http://schemas.microsoft.com/office/drawing/2010/main">
                   <a:effectLst>
                     <a:outerShdw blurRad="63500" dist="38099" dir="2700000" algn="ctr" rotWithShape="0">
                       <a:schemeClr val="bg2">
@@ -8644,7 +8644,7 @@
             <a:effectLst/>
             <a:extLst>
               <a:ext uri="{91240B29-F687-4f45-9708-019B960494DF}">
-                <a14:hiddenLine xmlns:a14="http://schemas.microsoft.com/office/drawing/2010/main" xmlns="" w="9525">
+                <a14:hiddenLine xmlns="" xmlns:a14="http://schemas.microsoft.com/office/drawing/2010/main" w="9525">
                   <a:solidFill>
                     <a:schemeClr val="tx1"/>
                   </a:solidFill>
@@ -8654,7 +8654,7 @@
                 </a14:hiddenLine>
               </a:ext>
               <a:ext uri="{AF507438-7753-43e0-B8FC-AC1667EBCBE1}">
-                <a14:hiddenEffects xmlns:a14="http://schemas.microsoft.com/office/drawing/2010/main" xmlns="">
+                <a14:hiddenEffects xmlns="" xmlns:a14="http://schemas.microsoft.com/office/drawing/2010/main">
                   <a:effectLst>
                     <a:outerShdw blurRad="63500" dist="38099" dir="2700000" algn="ctr" rotWithShape="0">
                       <a:schemeClr val="bg2">
@@ -9167,7 +9167,7 @@
           <a:effectLst/>
           <a:extLst>
             <a:ext uri="{AF507438-7753-43e0-B8FC-AC1667EBCBE1}">
-              <a14:hiddenEffects xmlns:a14="http://schemas.microsoft.com/office/drawing/2010/main" xmlns="">
+              <a14:hiddenEffects xmlns="" xmlns:a14="http://schemas.microsoft.com/office/drawing/2010/main">
                 <a:effectLst>
                   <a:outerShdw blurRad="63500" dist="38099" dir="2700000" algn="ctr" rotWithShape="0">
                     <a:schemeClr val="bg2">
@@ -10359,14 +10359,14 @@
           <a:effectLst/>
           <a:extLst>
             <a:ext uri="{909E8E84-426E-40dd-AFC4-6F175D3DCCD1}">
-              <a14:hiddenFill xmlns:a14="http://schemas.microsoft.com/office/drawing/2010/main" xmlns="">
+              <a14:hiddenFill xmlns="" xmlns:a14="http://schemas.microsoft.com/office/drawing/2010/main">
                 <a:solidFill>
                   <a:schemeClr val="accent1"/>
                 </a:solidFill>
               </a14:hiddenFill>
             </a:ext>
             <a:ext uri="{91240B29-F687-4f45-9708-019B960494DF}">
-              <a14:hiddenLine xmlns:a14="http://schemas.microsoft.com/office/drawing/2010/main" xmlns="" w="9525">
+              <a14:hiddenLine xmlns="" xmlns:a14="http://schemas.microsoft.com/office/drawing/2010/main" w="9525">
                 <a:solidFill>
                   <a:schemeClr val="tx1"/>
                 </a:solidFill>
@@ -10376,7 +10376,7 @@
               </a14:hiddenLine>
             </a:ext>
             <a:ext uri="{AF507438-7753-43e0-B8FC-AC1667EBCBE1}">
-              <a14:hiddenEffects xmlns:a14="http://schemas.microsoft.com/office/drawing/2010/main" xmlns="">
+              <a14:hiddenEffects xmlns="" xmlns:a14="http://schemas.microsoft.com/office/drawing/2010/main">
                 <a:effectLst>
                   <a:outerShdw blurRad="63500" dist="38099" dir="2700000" algn="ctr" rotWithShape="0">
                     <a:srgbClr val="000000">
@@ -10411,14 +10411,14 @@
           </a:ln>
           <a:extLst>
             <a:ext uri="{909E8E84-426E-40dd-AFC4-6F175D3DCCD1}">
-              <a14:hiddenFill xmlns:a14="http://schemas.microsoft.com/office/drawing/2010/main" xmlns="">
+              <a14:hiddenFill xmlns="" xmlns:a14="http://schemas.microsoft.com/office/drawing/2010/main">
                 <a:solidFill>
                   <a:schemeClr val="accent1"/>
                 </a:solidFill>
               </a14:hiddenFill>
             </a:ext>
             <a:ext uri="{91240B29-F687-4f45-9708-019B960494DF}">
-              <a14:hiddenLine xmlns:a14="http://schemas.microsoft.com/office/drawing/2010/main" xmlns="" w="9525">
+              <a14:hiddenLine xmlns="" xmlns:a14="http://schemas.microsoft.com/office/drawing/2010/main" w="9525">
                 <a:solidFill>
                   <a:schemeClr val="tx1"/>
                 </a:solidFill>
@@ -13361,7 +13361,7 @@
           </a:ln>
           <a:extLst>
             <a:ext uri="{909E8E84-426E-40dd-AFC4-6F175D3DCCD1}">
-              <a14:hiddenFill xmlns:a14="http://schemas.microsoft.com/office/drawing/2010/main" xmlns="">
+              <a14:hiddenFill xmlns="" xmlns:a14="http://schemas.microsoft.com/office/drawing/2010/main">
                 <a:solidFill>
                   <a:schemeClr val="accent1"/>
                 </a:solidFill>
@@ -13633,7 +13633,7 @@
           </a:ln>
           <a:extLst>
             <a:ext uri="{909E8E84-426E-40dd-AFC4-6F175D3DCCD1}">
-              <a14:hiddenFill xmlns:a14="http://schemas.microsoft.com/office/drawing/2010/main" xmlns="">
+              <a14:hiddenFill xmlns="" xmlns:a14="http://schemas.microsoft.com/office/drawing/2010/main">
                 <a:solidFill>
                   <a:schemeClr val="accent1"/>
                 </a:solidFill>
@@ -14224,14 +14224,14 @@
           </a:ln>
           <a:extLst>
             <a:ext uri="{909E8E84-426E-40dd-AFC4-6F175D3DCCD1}">
-              <a14:hiddenFill xmlns:a14="http://schemas.microsoft.com/office/drawing/2010/main" xmlns="">
+              <a14:hiddenFill xmlns="" xmlns:a14="http://schemas.microsoft.com/office/drawing/2010/main">
                 <a:solidFill>
                   <a:schemeClr val="accent1"/>
                 </a:solidFill>
               </a14:hiddenFill>
             </a:ext>
             <a:ext uri="{91240B29-F687-4f45-9708-019B960494DF}">
-              <a14:hiddenLine xmlns:a14="http://schemas.microsoft.com/office/drawing/2010/main" xmlns="" w="9525">
+              <a14:hiddenLine xmlns="" xmlns:a14="http://schemas.microsoft.com/office/drawing/2010/main" w="9525">
                 <a:solidFill>
                   <a:schemeClr val="tx1"/>
                 </a:solidFill>
@@ -14277,14 +14277,14 @@
           </a:ln>
           <a:extLst>
             <a:ext uri="{909E8E84-426E-40dd-AFC4-6F175D3DCCD1}">
-              <a14:hiddenFill xmlns:a14="http://schemas.microsoft.com/office/drawing/2010/main" xmlns="">
+              <a14:hiddenFill xmlns="" xmlns:a14="http://schemas.microsoft.com/office/drawing/2010/main">
                 <a:solidFill>
                   <a:schemeClr val="accent1"/>
                 </a:solidFill>
               </a14:hiddenFill>
             </a:ext>
             <a:ext uri="{91240B29-F687-4f45-9708-019B960494DF}">
-              <a14:hiddenLine xmlns:a14="http://schemas.microsoft.com/office/drawing/2010/main" xmlns="" w="9525">
+              <a14:hiddenLine xmlns="" xmlns:a14="http://schemas.microsoft.com/office/drawing/2010/main" w="9525">
                 <a:solidFill>
                   <a:schemeClr val="tx1"/>
                 </a:solidFill>
@@ -14451,14 +14451,14 @@
           </a:ln>
           <a:extLst>
             <a:ext uri="{909E8E84-426E-40dd-AFC4-6F175D3DCCD1}">
-              <a14:hiddenFill xmlns:a14="http://schemas.microsoft.com/office/drawing/2010/main" xmlns="">
+              <a14:hiddenFill xmlns="" xmlns:a14="http://schemas.microsoft.com/office/drawing/2010/main">
                 <a:solidFill>
                   <a:schemeClr val="accent1"/>
                 </a:solidFill>
               </a14:hiddenFill>
             </a:ext>
             <a:ext uri="{91240B29-F687-4f45-9708-019B960494DF}">
-              <a14:hiddenLine xmlns:a14="http://schemas.microsoft.com/office/drawing/2010/main" xmlns="" w="9525">
+              <a14:hiddenLine xmlns="" xmlns:a14="http://schemas.microsoft.com/office/drawing/2010/main" w="9525">
                 <a:solidFill>
                   <a:schemeClr val="tx1"/>
                 </a:solidFill>
@@ -14543,14 +14543,14 @@
           </a:ln>
           <a:extLst>
             <a:ext uri="{909E8E84-426E-40dd-AFC4-6F175D3DCCD1}">
-              <a14:hiddenFill xmlns:a14="http://schemas.microsoft.com/office/drawing/2010/main" xmlns="">
+              <a14:hiddenFill xmlns="" xmlns:a14="http://schemas.microsoft.com/office/drawing/2010/main">
                 <a:solidFill>
                   <a:schemeClr val="accent1"/>
                 </a:solidFill>
               </a14:hiddenFill>
             </a:ext>
             <a:ext uri="{91240B29-F687-4f45-9708-019B960494DF}">
-              <a14:hiddenLine xmlns:a14="http://schemas.microsoft.com/office/drawing/2010/main" xmlns="" w="9525">
+              <a14:hiddenLine xmlns="" xmlns:a14="http://schemas.microsoft.com/office/drawing/2010/main" w="9525">
                 <a:solidFill>
                   <a:schemeClr val="tx1"/>
                 </a:solidFill>
@@ -14601,7 +14601,7 @@
           </a:ln>
           <a:extLst>
             <a:ext uri="{909E8E84-426E-40dd-AFC4-6F175D3DCCD1}">
-              <a14:hiddenFill xmlns:a14="http://schemas.microsoft.com/office/drawing/2010/main" xmlns="">
+              <a14:hiddenFill xmlns="" xmlns:a14="http://schemas.microsoft.com/office/drawing/2010/main">
                 <a:solidFill>
                   <a:schemeClr val="accent1"/>
                 </a:solidFill>
@@ -14652,14 +14652,14 @@
           </a:ln>
           <a:extLst>
             <a:ext uri="{909E8E84-426E-40dd-AFC4-6F175D3DCCD1}">
-              <a14:hiddenFill xmlns:a14="http://schemas.microsoft.com/office/drawing/2010/main" xmlns="">
+              <a14:hiddenFill xmlns="" xmlns:a14="http://schemas.microsoft.com/office/drawing/2010/main">
                 <a:solidFill>
                   <a:schemeClr val="accent1"/>
                 </a:solidFill>
               </a14:hiddenFill>
             </a:ext>
             <a:ext uri="{91240B29-F687-4f45-9708-019B960494DF}">
-              <a14:hiddenLine xmlns:a14="http://schemas.microsoft.com/office/drawing/2010/main" xmlns="" w="9525">
+              <a14:hiddenLine xmlns="" xmlns:a14="http://schemas.microsoft.com/office/drawing/2010/main" w="9525">
                 <a:solidFill>
                   <a:schemeClr val="tx1"/>
                 </a:solidFill>
@@ -15722,26 +15722,32 @@
           <a:lstStyle/>
           <a:p>
             <a:r>
-              <a:rPr lang="en-US"/>
-              <a:t>Online </a:t>
-            </a:r>
-            <a:r>
               <a:rPr lang="en-US" dirty="0"/>
-              <a:t>Textbook</a:t>
+              <a:t>Online Textbook</a:t>
             </a:r>
           </a:p>
           <a:p>
             <a:pPr lvl="1"/>
             <a:r>
-              <a:rPr lang="en-US" sz="2000" dirty="0">
-                <a:hlinkClick r:id="rId2"/>
-              </a:rPr>
-              <a:t>https://www.dropbox.com/s/4j5q4yhrknelkgy/book.pdf?dl=0</a:t>
-            </a:r>
-            <a:endParaRPr lang="en-US" sz="2000" dirty="0"/>
-          </a:p>
-          <a:p>
-            <a:pPr lvl="1"/>
+              <a:rPr lang="en-US" sz="2000" dirty="0"/>
+              <a:t>https://</a:t>
+            </a:r>
+            <a:r>
+              <a:rPr lang="en-US" sz="2000" dirty="0" err="1"/>
+              <a:t>www.dropbox.com</a:t>
+            </a:r>
+            <a:r>
+              <a:rPr lang="en-US" sz="2000" dirty="0"/>
+              <a:t>/s/p1buwib8l3jkpby/</a:t>
+            </a:r>
+            <a:r>
+              <a:rPr lang="en-US" sz="2000" dirty="0" err="1"/>
+              <a:t>book.pdf?dl</a:t>
+            </a:r>
+            <a:r>
+              <a:rPr lang="en-US" sz="2000" dirty="0"/>
+              <a:t>=0</a:t>
+            </a:r>
             <a:endParaRPr lang="en-US" dirty="0"/>
           </a:p>
         </p:txBody>
@@ -15874,14 +15880,14 @@
           </a:ln>
           <a:extLst>
             <a:ext uri="{909E8E84-426E-40dd-AFC4-6F175D3DCCD1}">
-              <a14:hiddenFill xmlns:a14="http://schemas.microsoft.com/office/drawing/2010/main" xmlns="">
+              <a14:hiddenFill xmlns="" xmlns:a14="http://schemas.microsoft.com/office/drawing/2010/main">
                 <a:solidFill>
                   <a:schemeClr val="accent1"/>
                 </a:solidFill>
               </a14:hiddenFill>
             </a:ext>
             <a:ext uri="{91240B29-F687-4f45-9708-019B960494DF}">
-              <a14:hiddenLine xmlns:a14="http://schemas.microsoft.com/office/drawing/2010/main" xmlns="" w="9525">
+              <a14:hiddenLine xmlns="" xmlns:a14="http://schemas.microsoft.com/office/drawing/2010/main" w="9525">
                 <a:solidFill>
                   <a:schemeClr val="tx1"/>
                 </a:solidFill>
@@ -16025,14 +16031,14 @@
           </a:ln>
           <a:extLst>
             <a:ext uri="{909E8E84-426E-40dd-AFC4-6F175D3DCCD1}">
-              <a14:hiddenFill xmlns:a14="http://schemas.microsoft.com/office/drawing/2010/main" xmlns="">
+              <a14:hiddenFill xmlns="" xmlns:a14="http://schemas.microsoft.com/office/drawing/2010/main">
                 <a:solidFill>
                   <a:schemeClr val="accent1"/>
                 </a:solidFill>
               </a14:hiddenFill>
             </a:ext>
             <a:ext uri="{91240B29-F687-4f45-9708-019B960494DF}">
-              <a14:hiddenLine xmlns:a14="http://schemas.microsoft.com/office/drawing/2010/main" xmlns="" w="9525">
+              <a14:hiddenLine xmlns="" xmlns:a14="http://schemas.microsoft.com/office/drawing/2010/main" w="9525">
                 <a:solidFill>
                   <a:schemeClr val="tx1"/>
                 </a:solidFill>
@@ -16642,14 +16648,14 @@
           </a:ln>
           <a:extLst>
             <a:ext uri="{909E8E84-426E-40dd-AFC4-6F175D3DCCD1}">
-              <a14:hiddenFill xmlns:a14="http://schemas.microsoft.com/office/drawing/2010/main" xmlns="">
+              <a14:hiddenFill xmlns="" xmlns:a14="http://schemas.microsoft.com/office/drawing/2010/main">
                 <a:solidFill>
                   <a:schemeClr val="accent1"/>
                 </a:solidFill>
               </a14:hiddenFill>
             </a:ext>
             <a:ext uri="{91240B29-F687-4f45-9708-019B960494DF}">
-              <a14:hiddenLine xmlns:a14="http://schemas.microsoft.com/office/drawing/2010/main" xmlns="" w="9525">
+              <a14:hiddenLine xmlns="" xmlns:a14="http://schemas.microsoft.com/office/drawing/2010/main" w="9525">
                 <a:solidFill>
                   <a:schemeClr val="tx1"/>
                 </a:solidFill>
@@ -16726,7 +16732,7 @@
           </a:ln>
           <a:extLst>
             <a:ext uri="{909E8E84-426E-40dd-AFC4-6F175D3DCCD1}">
-              <a14:hiddenFill xmlns:a14="http://schemas.microsoft.com/office/drawing/2010/main" xmlns="">
+              <a14:hiddenFill xmlns="" xmlns:a14="http://schemas.microsoft.com/office/drawing/2010/main">
                 <a:noFill/>
               </a14:hiddenFill>
             </a:ext>
@@ -16762,14 +16768,14 @@
           </a:ln>
           <a:extLst>
             <a:ext uri="{909E8E84-426E-40dd-AFC4-6F175D3DCCD1}">
-              <a14:hiddenFill xmlns:a14="http://schemas.microsoft.com/office/drawing/2010/main" xmlns="">
+              <a14:hiddenFill xmlns="" xmlns:a14="http://schemas.microsoft.com/office/drawing/2010/main">
                 <a:solidFill>
                   <a:schemeClr val="accent1"/>
                 </a:solidFill>
               </a14:hiddenFill>
             </a:ext>
             <a:ext uri="{91240B29-F687-4f45-9708-019B960494DF}">
-              <a14:hiddenLine xmlns:a14="http://schemas.microsoft.com/office/drawing/2010/main" xmlns="" w="9525">
+              <a14:hiddenLine xmlns="" xmlns:a14="http://schemas.microsoft.com/office/drawing/2010/main" w="9525">
                 <a:solidFill>
                   <a:schemeClr val="tx1"/>
                 </a:solidFill>
@@ -16821,7 +16827,7 @@
           </a:ln>
           <a:extLst>
             <a:ext uri="{909E8E84-426E-40dd-AFC4-6F175D3DCCD1}">
-              <a14:hiddenFill xmlns:a14="http://schemas.microsoft.com/office/drawing/2010/main" xmlns="">
+              <a14:hiddenFill xmlns="" xmlns:a14="http://schemas.microsoft.com/office/drawing/2010/main">
                 <a:noFill/>
               </a14:hiddenFill>
             </a:ext>
@@ -16857,14 +16863,14 @@
           </a:ln>
           <a:extLst>
             <a:ext uri="{909E8E84-426E-40dd-AFC4-6F175D3DCCD1}">
-              <a14:hiddenFill xmlns:a14="http://schemas.microsoft.com/office/drawing/2010/main" xmlns="">
+              <a14:hiddenFill xmlns="" xmlns:a14="http://schemas.microsoft.com/office/drawing/2010/main">
                 <a:solidFill>
                   <a:schemeClr val="accent1"/>
                 </a:solidFill>
               </a14:hiddenFill>
             </a:ext>
             <a:ext uri="{91240B29-F687-4f45-9708-019B960494DF}">
-              <a14:hiddenLine xmlns:a14="http://schemas.microsoft.com/office/drawing/2010/main" xmlns="" w="9525">
+              <a14:hiddenLine xmlns="" xmlns:a14="http://schemas.microsoft.com/office/drawing/2010/main" w="9525">
                 <a:solidFill>
                   <a:schemeClr val="tx1"/>
                 </a:solidFill>
@@ -16918,7 +16924,7 @@
           </a:ln>
           <a:extLst>
             <a:ext uri="{909E8E84-426E-40dd-AFC4-6F175D3DCCD1}">
-              <a14:hiddenFill xmlns:a14="http://schemas.microsoft.com/office/drawing/2010/main" xmlns="">
+              <a14:hiddenFill xmlns="" xmlns:a14="http://schemas.microsoft.com/office/drawing/2010/main">
                 <a:solidFill>
                   <a:schemeClr val="accent1"/>
                 </a:solidFill>
@@ -16957,14 +16963,14 @@
           </a:ln>
           <a:extLst>
             <a:ext uri="{909E8E84-426E-40dd-AFC4-6F175D3DCCD1}">
-              <a14:hiddenFill xmlns:a14="http://schemas.microsoft.com/office/drawing/2010/main" xmlns="">
+              <a14:hiddenFill xmlns="" xmlns:a14="http://schemas.microsoft.com/office/drawing/2010/main">
                 <a:solidFill>
                   <a:schemeClr val="accent1"/>
                 </a:solidFill>
               </a14:hiddenFill>
             </a:ext>
             <a:ext uri="{91240B29-F687-4f45-9708-019B960494DF}">
-              <a14:hiddenLine xmlns:a14="http://schemas.microsoft.com/office/drawing/2010/main" xmlns="" w="9525">
+              <a14:hiddenLine xmlns="" xmlns:a14="http://schemas.microsoft.com/office/drawing/2010/main" w="9525">
                 <a:solidFill>
                   <a:schemeClr val="tx1"/>
                 </a:solidFill>
@@ -17018,7 +17024,7 @@
           </a:ln>
           <a:extLst>
             <a:ext uri="{909E8E84-426E-40dd-AFC4-6F175D3DCCD1}">
-              <a14:hiddenFill xmlns:a14="http://schemas.microsoft.com/office/drawing/2010/main" xmlns="">
+              <a14:hiddenFill xmlns="" xmlns:a14="http://schemas.microsoft.com/office/drawing/2010/main">
                 <a:solidFill>
                   <a:schemeClr val="accent1"/>
                 </a:solidFill>
@@ -17057,14 +17063,14 @@
           </a:ln>
           <a:extLst>
             <a:ext uri="{909E8E84-426E-40dd-AFC4-6F175D3DCCD1}">
-              <a14:hiddenFill xmlns:a14="http://schemas.microsoft.com/office/drawing/2010/main" xmlns="">
+              <a14:hiddenFill xmlns="" xmlns:a14="http://schemas.microsoft.com/office/drawing/2010/main">
                 <a:solidFill>
                   <a:schemeClr val="accent1"/>
                 </a:solidFill>
               </a14:hiddenFill>
             </a:ext>
             <a:ext uri="{91240B29-F687-4f45-9708-019B960494DF}">
-              <a14:hiddenLine xmlns:a14="http://schemas.microsoft.com/office/drawing/2010/main" xmlns="" w="9525">
+              <a14:hiddenLine xmlns="" xmlns:a14="http://schemas.microsoft.com/office/drawing/2010/main" w="9525">
                 <a:solidFill>
                   <a:schemeClr val="tx1"/>
                 </a:solidFill>
@@ -17118,7 +17124,7 @@
           </a:ln>
           <a:extLst>
             <a:ext uri="{909E8E84-426E-40dd-AFC4-6F175D3DCCD1}">
-              <a14:hiddenFill xmlns:a14="http://schemas.microsoft.com/office/drawing/2010/main" xmlns="">
+              <a14:hiddenFill xmlns="" xmlns:a14="http://schemas.microsoft.com/office/drawing/2010/main">
                 <a:solidFill>
                   <a:schemeClr val="accent1"/>
                 </a:solidFill>
@@ -17156,14 +17162,14 @@
           </a:ln>
           <a:extLst>
             <a:ext uri="{909E8E84-426E-40dd-AFC4-6F175D3DCCD1}">
-              <a14:hiddenFill xmlns:a14="http://schemas.microsoft.com/office/drawing/2010/main" xmlns="">
+              <a14:hiddenFill xmlns="" xmlns:a14="http://schemas.microsoft.com/office/drawing/2010/main">
                 <a:solidFill>
                   <a:schemeClr val="accent1"/>
                 </a:solidFill>
               </a14:hiddenFill>
             </a:ext>
             <a:ext uri="{91240B29-F687-4f45-9708-019B960494DF}">
-              <a14:hiddenLine xmlns:a14="http://schemas.microsoft.com/office/drawing/2010/main" xmlns="" w="9525">
+              <a14:hiddenLine xmlns="" xmlns:a14="http://schemas.microsoft.com/office/drawing/2010/main" w="9525">
                 <a:solidFill>
                   <a:schemeClr val="tx1"/>
                 </a:solidFill>
@@ -17217,7 +17223,7 @@
           </a:ln>
           <a:extLst>
             <a:ext uri="{909E8E84-426E-40dd-AFC4-6F175D3DCCD1}">
-              <a14:hiddenFill xmlns:a14="http://schemas.microsoft.com/office/drawing/2010/main" xmlns="">
+              <a14:hiddenFill xmlns="" xmlns:a14="http://schemas.microsoft.com/office/drawing/2010/main">
                 <a:solidFill>
                   <a:schemeClr val="accent1"/>
                 </a:solidFill>
@@ -17255,14 +17261,14 @@
           </a:ln>
           <a:extLst>
             <a:ext uri="{909E8E84-426E-40dd-AFC4-6F175D3DCCD1}">
-              <a14:hiddenFill xmlns:a14="http://schemas.microsoft.com/office/drawing/2010/main" xmlns="">
+              <a14:hiddenFill xmlns="" xmlns:a14="http://schemas.microsoft.com/office/drawing/2010/main">
                 <a:solidFill>
                   <a:schemeClr val="accent1"/>
                 </a:solidFill>
               </a14:hiddenFill>
             </a:ext>
             <a:ext uri="{91240B29-F687-4f45-9708-019B960494DF}">
-              <a14:hiddenLine xmlns:a14="http://schemas.microsoft.com/office/drawing/2010/main" xmlns="" w="9525">
+              <a14:hiddenLine xmlns="" xmlns:a14="http://schemas.microsoft.com/office/drawing/2010/main" w="9525">
                 <a:solidFill>
                   <a:schemeClr val="tx1"/>
                 </a:solidFill>
@@ -17316,7 +17322,7 @@
           </a:ln>
           <a:extLst>
             <a:ext uri="{909E8E84-426E-40dd-AFC4-6F175D3DCCD1}">
-              <a14:hiddenFill xmlns:a14="http://schemas.microsoft.com/office/drawing/2010/main" xmlns="">
+              <a14:hiddenFill xmlns="" xmlns:a14="http://schemas.microsoft.com/office/drawing/2010/main">
                 <a:solidFill>
                   <a:schemeClr val="accent1"/>
                 </a:solidFill>
@@ -17354,14 +17360,14 @@
           </a:ln>
           <a:extLst>
             <a:ext uri="{909E8E84-426E-40dd-AFC4-6F175D3DCCD1}">
-              <a14:hiddenFill xmlns:a14="http://schemas.microsoft.com/office/drawing/2010/main" xmlns="">
+              <a14:hiddenFill xmlns="" xmlns:a14="http://schemas.microsoft.com/office/drawing/2010/main">
                 <a:solidFill>
                   <a:schemeClr val="accent1"/>
                 </a:solidFill>
               </a14:hiddenFill>
             </a:ext>
             <a:ext uri="{91240B29-F687-4f45-9708-019B960494DF}">
-              <a14:hiddenLine xmlns:a14="http://schemas.microsoft.com/office/drawing/2010/main" xmlns="" w="9525">
+              <a14:hiddenLine xmlns="" xmlns:a14="http://schemas.microsoft.com/office/drawing/2010/main" w="9525">
                 <a:solidFill>
                   <a:schemeClr val="tx1"/>
                 </a:solidFill>
@@ -17412,7 +17418,7 @@
           </a:ln>
           <a:extLst>
             <a:ext uri="{909E8E84-426E-40dd-AFC4-6F175D3DCCD1}">
-              <a14:hiddenFill xmlns:a14="http://schemas.microsoft.com/office/drawing/2010/main" xmlns="">
+              <a14:hiddenFill xmlns="" xmlns:a14="http://schemas.microsoft.com/office/drawing/2010/main">
                 <a:solidFill>
                   <a:schemeClr val="accent1"/>
                 </a:solidFill>
@@ -17583,14 +17589,14 @@
           </a:ln>
           <a:extLst>
             <a:ext uri="{909E8E84-426E-40dd-AFC4-6F175D3DCCD1}">
-              <a14:hiddenFill xmlns:a14="http://schemas.microsoft.com/office/drawing/2010/main" xmlns="">
+              <a14:hiddenFill xmlns="" xmlns:a14="http://schemas.microsoft.com/office/drawing/2010/main">
                 <a:solidFill>
                   <a:schemeClr val="accent1"/>
                 </a:solidFill>
               </a14:hiddenFill>
             </a:ext>
             <a:ext uri="{91240B29-F687-4f45-9708-019B960494DF}">
-              <a14:hiddenLine xmlns:a14="http://schemas.microsoft.com/office/drawing/2010/main" xmlns="" w="9525">
+              <a14:hiddenLine xmlns="" xmlns:a14="http://schemas.microsoft.com/office/drawing/2010/main" w="9525">
                 <a:solidFill>
                   <a:schemeClr val="tx1"/>
                 </a:solidFill>
@@ -17738,7 +17744,7 @@
           <a:effectLst/>
           <a:extLst>
             <a:ext uri="{AF507438-7753-43e0-B8FC-AC1667EBCBE1}">
-              <a14:hiddenEffects xmlns:a14="http://schemas.microsoft.com/office/drawing/2010/main" xmlns="">
+              <a14:hiddenEffects xmlns="" xmlns:a14="http://schemas.microsoft.com/office/drawing/2010/main">
                 <a:effectLst>
                   <a:outerShdw blurRad="63500" dist="38099" dir="2700000" algn="ctr" rotWithShape="0">
                     <a:schemeClr val="bg2">
@@ -17780,7 +17786,7 @@
           <a:effectLst/>
           <a:extLst>
             <a:ext uri="{AF507438-7753-43e0-B8FC-AC1667EBCBE1}">
-              <a14:hiddenEffects xmlns:a14="http://schemas.microsoft.com/office/drawing/2010/main" xmlns="">
+              <a14:hiddenEffects xmlns="" xmlns:a14="http://schemas.microsoft.com/office/drawing/2010/main">
                 <a:effectLst>
                   <a:outerShdw blurRad="63500" dist="38099" dir="2700000" algn="ctr" rotWithShape="0">
                     <a:schemeClr val="bg2">
@@ -17822,7 +17828,7 @@
           <a:effectLst/>
           <a:extLst>
             <a:ext uri="{AF507438-7753-43e0-B8FC-AC1667EBCBE1}">
-              <a14:hiddenEffects xmlns:a14="http://schemas.microsoft.com/office/drawing/2010/main" xmlns="">
+              <a14:hiddenEffects xmlns="" xmlns:a14="http://schemas.microsoft.com/office/drawing/2010/main">
                 <a:effectLst>
                   <a:outerShdw blurRad="63500" dist="38099" dir="2700000" algn="ctr" rotWithShape="0">
                     <a:schemeClr val="bg2">
@@ -18089,7 +18095,7 @@
         <a:effectLst/>
         <a:extLst>
           <a:ext uri="{AF507438-7753-43e0-B8FC-AC1667EBCBE1}">
-            <a14:hiddenEffects xmlns:a14="http://schemas.microsoft.com/office/drawing/2010/main" xmlns="">
+            <a14:hiddenEffects xmlns="" xmlns:a14="http://schemas.microsoft.com/office/drawing/2010/main">
               <a:effectLst>
                 <a:outerShdw blurRad="63500" dist="38099" dir="2700000" algn="ctr" rotWithShape="0">
                   <a:schemeClr val="bg2">
@@ -18166,7 +18172,7 @@
         <a:effectLst/>
         <a:extLst>
           <a:ext uri="{AF507438-7753-43e0-B8FC-AC1667EBCBE1}">
-            <a14:hiddenEffects xmlns:a14="http://schemas.microsoft.com/office/drawing/2010/main" xmlns="">
+            <a14:hiddenEffects xmlns="" xmlns:a14="http://schemas.microsoft.com/office/drawing/2010/main">
               <a:effectLst>
                 <a:outerShdw blurRad="63500" dist="38099" dir="2700000" algn="ctr" rotWithShape="0">
                   <a:schemeClr val="bg2">

--- a/notes/csc402-ln001.pptx
+++ b/notes/csc402-ln001.pptx
@@ -230,17 +230,17 @@
           </a:ln>
           <a:extLst>
             <a:ext uri="{FAA26D3D-D897-4be2-8F04-BA451C77F1D7}">
-              <ma14:placeholderFlag xmlns:ma14="http://schemas.microsoft.com/office/mac/drawingml/2011/main" xmlns="" val="1"/>
+              <ma14:placeholderFlag xmlns="" xmlns:ma14="http://schemas.microsoft.com/office/mac/drawingml/2011/main" val="1"/>
             </a:ext>
             <a:ext uri="{909E8E84-426E-40dd-AFC4-6F175D3DCCD1}">
-              <a14:hiddenFill xmlns="" xmlns:a14="http://schemas.microsoft.com/office/drawing/2010/main">
+              <a14:hiddenFill xmlns:a14="http://schemas.microsoft.com/office/drawing/2010/main" xmlns="">
                 <a:solidFill>
                   <a:schemeClr val="accent1"/>
                 </a:solidFill>
               </a14:hiddenFill>
             </a:ext>
             <a:ext uri="{91240B29-F687-4f45-9708-019B960494DF}">
-              <a14:hiddenLine xmlns="" xmlns:a14="http://schemas.microsoft.com/office/drawing/2010/main" w="9525">
+              <a14:hiddenLine xmlns:a14="http://schemas.microsoft.com/office/drawing/2010/main" xmlns="" w="9525">
                 <a:solidFill>
                   <a:schemeClr val="tx1"/>
                 </a:solidFill>
@@ -291,17 +291,17 @@
           </a:ln>
           <a:extLst>
             <a:ext uri="{FAA26D3D-D897-4be2-8F04-BA451C77F1D7}">
-              <ma14:placeholderFlag xmlns:ma14="http://schemas.microsoft.com/office/mac/drawingml/2011/main" xmlns="" val="1"/>
+              <ma14:placeholderFlag xmlns="" xmlns:ma14="http://schemas.microsoft.com/office/mac/drawingml/2011/main" val="1"/>
             </a:ext>
             <a:ext uri="{909E8E84-426E-40dd-AFC4-6F175D3DCCD1}">
-              <a14:hiddenFill xmlns="" xmlns:a14="http://schemas.microsoft.com/office/drawing/2010/main">
+              <a14:hiddenFill xmlns:a14="http://schemas.microsoft.com/office/drawing/2010/main" xmlns="">
                 <a:solidFill>
                   <a:schemeClr val="accent1"/>
                 </a:solidFill>
               </a14:hiddenFill>
             </a:ext>
             <a:ext uri="{91240B29-F687-4f45-9708-019B960494DF}">
-              <a14:hiddenLine xmlns="" xmlns:a14="http://schemas.microsoft.com/office/drawing/2010/main" w="9525">
+              <a14:hiddenLine xmlns:a14="http://schemas.microsoft.com/office/drawing/2010/main" xmlns="" w="9525">
                 <a:solidFill>
                   <a:schemeClr val="tx1"/>
                 </a:solidFill>
@@ -358,7 +358,7 @@
           <a:effectLst/>
           <a:extLst>
             <a:ext uri="{AF507438-7753-43e0-B8FC-AC1667EBCBE1}">
-              <a14:hiddenEffects xmlns="" xmlns:a14="http://schemas.microsoft.com/office/drawing/2010/main">
+              <a14:hiddenEffects xmlns:a14="http://schemas.microsoft.com/office/drawing/2010/main" xmlns="">
                 <a:effectLst>
                   <a:outerShdw blurRad="63500" dist="38099" dir="2700000" algn="ctr" rotWithShape="0">
                     <a:srgbClr val="000000">
@@ -369,7 +369,7 @@
               </a14:hiddenEffects>
             </a:ext>
             <a:ext uri="{53640926-AAD7-44d8-BBD7-CCE9431645EC}">
-              <a14:shadowObscured xmlns="" xmlns:a14="http://schemas.microsoft.com/office/drawing/2010/main" val="1"/>
+              <a14:shadowObscured xmlns:a14="http://schemas.microsoft.com/office/drawing/2010/main" xmlns="" val="1"/>
             </a:ext>
           </a:extLst>
         </p:spPr>
@@ -398,17 +398,17 @@
           </a:ln>
           <a:extLst>
             <a:ext uri="{FAA26D3D-D897-4be2-8F04-BA451C77F1D7}">
-              <ma14:placeholderFlag xmlns:ma14="http://schemas.microsoft.com/office/mac/drawingml/2011/main" xmlns="" val="1"/>
+              <ma14:placeholderFlag xmlns="" xmlns:ma14="http://schemas.microsoft.com/office/mac/drawingml/2011/main" val="1"/>
             </a:ext>
             <a:ext uri="{909E8E84-426E-40dd-AFC4-6F175D3DCCD1}">
-              <a14:hiddenFill xmlns="" xmlns:a14="http://schemas.microsoft.com/office/drawing/2010/main">
+              <a14:hiddenFill xmlns:a14="http://schemas.microsoft.com/office/drawing/2010/main" xmlns="">
                 <a:solidFill>
                   <a:schemeClr val="accent1"/>
                 </a:solidFill>
               </a14:hiddenFill>
             </a:ext>
             <a:ext uri="{91240B29-F687-4f45-9708-019B960494DF}">
-              <a14:hiddenLine xmlns="" xmlns:a14="http://schemas.microsoft.com/office/drawing/2010/main" w="9525">
+              <a14:hiddenLine xmlns:a14="http://schemas.microsoft.com/office/drawing/2010/main" xmlns="" w="9525">
                 <a:solidFill>
                   <a:schemeClr val="tx1"/>
                 </a:solidFill>
@@ -487,17 +487,17 @@
           </a:ln>
           <a:extLst>
             <a:ext uri="{FAA26D3D-D897-4be2-8F04-BA451C77F1D7}">
-              <ma14:placeholderFlag xmlns:ma14="http://schemas.microsoft.com/office/mac/drawingml/2011/main" xmlns="" val="1"/>
+              <ma14:placeholderFlag xmlns="" xmlns:ma14="http://schemas.microsoft.com/office/mac/drawingml/2011/main" val="1"/>
             </a:ext>
             <a:ext uri="{909E8E84-426E-40dd-AFC4-6F175D3DCCD1}">
-              <a14:hiddenFill xmlns="" xmlns:a14="http://schemas.microsoft.com/office/drawing/2010/main">
+              <a14:hiddenFill xmlns:a14="http://schemas.microsoft.com/office/drawing/2010/main" xmlns="">
                 <a:solidFill>
                   <a:schemeClr val="accent1"/>
                 </a:solidFill>
               </a14:hiddenFill>
             </a:ext>
             <a:ext uri="{91240B29-F687-4f45-9708-019B960494DF}">
-              <a14:hiddenLine xmlns="" xmlns:a14="http://schemas.microsoft.com/office/drawing/2010/main" w="9525">
+              <a14:hiddenLine xmlns:a14="http://schemas.microsoft.com/office/drawing/2010/main" xmlns="" w="9525">
                 <a:solidFill>
                   <a:schemeClr val="tx1"/>
                 </a:solidFill>
@@ -548,17 +548,17 @@
           </a:ln>
           <a:extLst>
             <a:ext uri="{FAA26D3D-D897-4be2-8F04-BA451C77F1D7}">
-              <ma14:placeholderFlag xmlns:ma14="http://schemas.microsoft.com/office/mac/drawingml/2011/main" xmlns="" val="1"/>
+              <ma14:placeholderFlag xmlns="" xmlns:ma14="http://schemas.microsoft.com/office/mac/drawingml/2011/main" val="1"/>
             </a:ext>
             <a:ext uri="{909E8E84-426E-40dd-AFC4-6F175D3DCCD1}">
-              <a14:hiddenFill xmlns="" xmlns:a14="http://schemas.microsoft.com/office/drawing/2010/main">
+              <a14:hiddenFill xmlns:a14="http://schemas.microsoft.com/office/drawing/2010/main" xmlns="">
                 <a:solidFill>
                   <a:schemeClr val="accent1"/>
                 </a:solidFill>
               </a14:hiddenFill>
             </a:ext>
             <a:ext uri="{91240B29-F687-4f45-9708-019B960494DF}">
-              <a14:hiddenLine xmlns="" xmlns:a14="http://schemas.microsoft.com/office/drawing/2010/main" w="9525">
+              <a14:hiddenLine xmlns:a14="http://schemas.microsoft.com/office/drawing/2010/main" xmlns="" w="9525">
                 <a:solidFill>
                   <a:schemeClr val="tx1"/>
                 </a:solidFill>
@@ -780,7 +780,7 @@
           <a:ln/>
           <a:extLst>
             <a:ext uri="{FAA26D3D-D897-4be2-8F04-BA451C77F1D7}">
-              <ma14:placeholderFlag xmlns:ma14="http://schemas.microsoft.com/office/mac/drawingml/2011/main" xmlns="" val="1"/>
+              <ma14:placeholderFlag xmlns="" xmlns:ma14="http://schemas.microsoft.com/office/mac/drawingml/2011/main" val="1"/>
             </a:ext>
           </a:extLst>
         </p:spPr>
@@ -869,7 +869,7 @@
           <a:ln/>
           <a:extLst>
             <a:ext uri="{FAA26D3D-D897-4be2-8F04-BA451C77F1D7}">
-              <ma14:placeholderFlag xmlns:ma14="http://schemas.microsoft.com/office/mac/drawingml/2011/main" xmlns="" val="1"/>
+              <ma14:placeholderFlag xmlns="" xmlns:ma14="http://schemas.microsoft.com/office/mac/drawingml/2011/main" val="1"/>
             </a:ext>
           </a:extLst>
         </p:spPr>
@@ -958,7 +958,7 @@
           <a:ln/>
           <a:extLst>
             <a:ext uri="{FAA26D3D-D897-4be2-8F04-BA451C77F1D7}">
-              <ma14:placeholderFlag xmlns:ma14="http://schemas.microsoft.com/office/mac/drawingml/2011/main" xmlns="" val="1"/>
+              <ma14:placeholderFlag xmlns="" xmlns:ma14="http://schemas.microsoft.com/office/mac/drawingml/2011/main" val="1"/>
             </a:ext>
           </a:extLst>
         </p:spPr>
@@ -1047,7 +1047,7 @@
           <a:ln/>
           <a:extLst>
             <a:ext uri="{FAA26D3D-D897-4be2-8F04-BA451C77F1D7}">
-              <ma14:placeholderFlag xmlns:ma14="http://schemas.microsoft.com/office/mac/drawingml/2011/main" xmlns="" val="1"/>
+              <ma14:placeholderFlag xmlns="" xmlns:ma14="http://schemas.microsoft.com/office/mac/drawingml/2011/main" val="1"/>
             </a:ext>
           </a:extLst>
         </p:spPr>
@@ -1136,7 +1136,7 @@
           <a:ln/>
           <a:extLst>
             <a:ext uri="{FAA26D3D-D897-4be2-8F04-BA451C77F1D7}">
-              <ma14:placeholderFlag xmlns:ma14="http://schemas.microsoft.com/office/mac/drawingml/2011/main" xmlns="" val="1"/>
+              <ma14:placeholderFlag xmlns="" xmlns:ma14="http://schemas.microsoft.com/office/mac/drawingml/2011/main" val="1"/>
             </a:ext>
           </a:extLst>
         </p:spPr>
@@ -1225,7 +1225,7 @@
           <a:ln/>
           <a:extLst>
             <a:ext uri="{FAA26D3D-D897-4be2-8F04-BA451C77F1D7}">
-              <ma14:placeholderFlag xmlns:ma14="http://schemas.microsoft.com/office/mac/drawingml/2011/main" xmlns="" val="1"/>
+              <ma14:placeholderFlag xmlns="" xmlns:ma14="http://schemas.microsoft.com/office/mac/drawingml/2011/main" val="1"/>
             </a:ext>
           </a:extLst>
         </p:spPr>
@@ -1314,7 +1314,7 @@
           <a:ln/>
           <a:extLst>
             <a:ext uri="{FAA26D3D-D897-4be2-8F04-BA451C77F1D7}">
-              <ma14:placeholderFlag xmlns:ma14="http://schemas.microsoft.com/office/mac/drawingml/2011/main" xmlns="" val="1"/>
+              <ma14:placeholderFlag xmlns="" xmlns:ma14="http://schemas.microsoft.com/office/mac/drawingml/2011/main" val="1"/>
             </a:ext>
           </a:extLst>
         </p:spPr>
@@ -1403,7 +1403,7 @@
           <a:ln/>
           <a:extLst>
             <a:ext uri="{FAA26D3D-D897-4be2-8F04-BA451C77F1D7}">
-              <ma14:placeholderFlag xmlns:ma14="http://schemas.microsoft.com/office/mac/drawingml/2011/main" xmlns="" val="1"/>
+              <ma14:placeholderFlag xmlns="" xmlns:ma14="http://schemas.microsoft.com/office/mac/drawingml/2011/main" val="1"/>
             </a:ext>
           </a:extLst>
         </p:spPr>
@@ -1492,7 +1492,7 @@
           <a:ln/>
           <a:extLst>
             <a:ext uri="{FAA26D3D-D897-4be2-8F04-BA451C77F1D7}">
-              <ma14:placeholderFlag xmlns:ma14="http://schemas.microsoft.com/office/mac/drawingml/2011/main" xmlns="" val="1"/>
+              <ma14:placeholderFlag xmlns="" xmlns:ma14="http://schemas.microsoft.com/office/mac/drawingml/2011/main" val="1"/>
             </a:ext>
           </a:extLst>
         </p:spPr>
@@ -1586,7 +1586,7 @@
           <a:ln/>
           <a:extLst>
             <a:ext uri="{FAA26D3D-D897-4be2-8F04-BA451C77F1D7}">
-              <ma14:placeholderFlag xmlns:ma14="http://schemas.microsoft.com/office/mac/drawingml/2011/main" xmlns="" val="1"/>
+              <ma14:placeholderFlag xmlns="" xmlns:ma14="http://schemas.microsoft.com/office/mac/drawingml/2011/main" val="1"/>
             </a:ext>
           </a:extLst>
         </p:spPr>
@@ -1675,7 +1675,7 @@
           <a:ln/>
           <a:extLst>
             <a:ext uri="{FAA26D3D-D897-4be2-8F04-BA451C77F1D7}">
-              <ma14:placeholderFlag xmlns:ma14="http://schemas.microsoft.com/office/mac/drawingml/2011/main" xmlns="" val="1"/>
+              <ma14:placeholderFlag xmlns="" xmlns:ma14="http://schemas.microsoft.com/office/mac/drawingml/2011/main" val="1"/>
             </a:ext>
           </a:extLst>
         </p:spPr>
@@ -1764,7 +1764,7 @@
           <a:ln/>
           <a:extLst>
             <a:ext uri="{FAA26D3D-D897-4be2-8F04-BA451C77F1D7}">
-              <ma14:placeholderFlag xmlns:ma14="http://schemas.microsoft.com/office/mac/drawingml/2011/main" xmlns="" val="1"/>
+              <ma14:placeholderFlag xmlns="" xmlns:ma14="http://schemas.microsoft.com/office/mac/drawingml/2011/main" val="1"/>
             </a:ext>
           </a:extLst>
         </p:spPr>
@@ -1853,7 +1853,7 @@
           <a:ln/>
           <a:extLst>
             <a:ext uri="{FAA26D3D-D897-4be2-8F04-BA451C77F1D7}">
-              <ma14:placeholderFlag xmlns:ma14="http://schemas.microsoft.com/office/mac/drawingml/2011/main" xmlns="" val="1"/>
+              <ma14:placeholderFlag xmlns="" xmlns:ma14="http://schemas.microsoft.com/office/mac/drawingml/2011/main" val="1"/>
             </a:ext>
           </a:extLst>
         </p:spPr>
@@ -1942,7 +1942,7 @@
           <a:ln/>
           <a:extLst>
             <a:ext uri="{FAA26D3D-D897-4be2-8F04-BA451C77F1D7}">
-              <ma14:placeholderFlag xmlns:ma14="http://schemas.microsoft.com/office/mac/drawingml/2011/main" xmlns="" val="1"/>
+              <ma14:placeholderFlag xmlns="" xmlns:ma14="http://schemas.microsoft.com/office/mac/drawingml/2011/main" val="1"/>
             </a:ext>
           </a:extLst>
         </p:spPr>
@@ -2031,7 +2031,7 @@
           <a:ln/>
           <a:extLst>
             <a:ext uri="{FAA26D3D-D897-4be2-8F04-BA451C77F1D7}">
-              <ma14:placeholderFlag xmlns:ma14="http://schemas.microsoft.com/office/mac/drawingml/2011/main" xmlns="" val="1"/>
+              <ma14:placeholderFlag xmlns="" xmlns:ma14="http://schemas.microsoft.com/office/mac/drawingml/2011/main" val="1"/>
             </a:ext>
           </a:extLst>
         </p:spPr>
@@ -2120,7 +2120,7 @@
           <a:ln/>
           <a:extLst>
             <a:ext uri="{FAA26D3D-D897-4be2-8F04-BA451C77F1D7}">
-              <ma14:placeholderFlag xmlns:ma14="http://schemas.microsoft.com/office/mac/drawingml/2011/main" xmlns="" val="1"/>
+              <ma14:placeholderFlag xmlns="" xmlns:ma14="http://schemas.microsoft.com/office/mac/drawingml/2011/main" val="1"/>
             </a:ext>
           </a:extLst>
         </p:spPr>
@@ -2209,7 +2209,7 @@
           <a:ln/>
           <a:extLst>
             <a:ext uri="{FAA26D3D-D897-4be2-8F04-BA451C77F1D7}">
-              <ma14:placeholderFlag xmlns:ma14="http://schemas.microsoft.com/office/mac/drawingml/2011/main" xmlns="" val="1"/>
+              <ma14:placeholderFlag xmlns="" xmlns:ma14="http://schemas.microsoft.com/office/mac/drawingml/2011/main" val="1"/>
             </a:ext>
           </a:extLst>
         </p:spPr>
@@ -2286,12 +2286,12 @@
           <a:effectLst/>
           <a:extLst>
             <a:ext uri="{909E8E84-426E-40dd-AFC4-6F175D3DCCD1}">
-              <a14:hiddenFill xmlns="" xmlns:a14="http://schemas.microsoft.com/office/drawing/2010/main">
+              <a14:hiddenFill xmlns:a14="http://schemas.microsoft.com/office/drawing/2010/main" xmlns="">
                 <a:noFill/>
               </a14:hiddenFill>
             </a:ext>
             <a:ext uri="{AF507438-7753-43e0-B8FC-AC1667EBCBE1}">
-              <a14:hiddenEffects xmlns="" xmlns:a14="http://schemas.microsoft.com/office/drawing/2010/main">
+              <a14:hiddenEffects xmlns:a14="http://schemas.microsoft.com/office/drawing/2010/main" xmlns="">
                 <a:effectLst>
                   <a:outerShdw blurRad="63500" dist="38099" dir="2700000" algn="ctr" rotWithShape="0">
                     <a:schemeClr val="bg2">
@@ -2492,7 +2492,7 @@
             <a:effectLst/>
             <a:extLst>
               <a:ext uri="{91240B29-F687-4f45-9708-019B960494DF}">
-                <a14:hiddenLine xmlns="" xmlns:a14="http://schemas.microsoft.com/office/drawing/2010/main" w="9525">
+                <a14:hiddenLine xmlns:a14="http://schemas.microsoft.com/office/drawing/2010/main" xmlns="" w="9525">
                   <a:solidFill>
                     <a:schemeClr val="tx1"/>
                   </a:solidFill>
@@ -2502,7 +2502,7 @@
                 </a14:hiddenLine>
               </a:ext>
               <a:ext uri="{AF507438-7753-43e0-B8FC-AC1667EBCBE1}">
-                <a14:hiddenEffects xmlns="" xmlns:a14="http://schemas.microsoft.com/office/drawing/2010/main">
+                <a14:hiddenEffects xmlns:a14="http://schemas.microsoft.com/office/drawing/2010/main" xmlns="">
                   <a:effectLst>
                     <a:outerShdw blurRad="63500" dist="38099" dir="2700000" algn="ctr" rotWithShape="0">
                       <a:schemeClr val="bg2">
@@ -2547,7 +2547,7 @@
             <a:effectLst/>
             <a:extLst>
               <a:ext uri="{91240B29-F687-4f45-9708-019B960494DF}">
-                <a14:hiddenLine xmlns="" xmlns:a14="http://schemas.microsoft.com/office/drawing/2010/main" w="9525">
+                <a14:hiddenLine xmlns:a14="http://schemas.microsoft.com/office/drawing/2010/main" xmlns="" w="9525">
                   <a:solidFill>
                     <a:schemeClr val="tx1"/>
                   </a:solidFill>
@@ -2557,7 +2557,7 @@
                 </a14:hiddenLine>
               </a:ext>
               <a:ext uri="{AF507438-7753-43e0-B8FC-AC1667EBCBE1}">
-                <a14:hiddenEffects xmlns="" xmlns:a14="http://schemas.microsoft.com/office/drawing/2010/main">
+                <a14:hiddenEffects xmlns:a14="http://schemas.microsoft.com/office/drawing/2010/main" xmlns="">
                   <a:effectLst>
                     <a:outerShdw blurRad="63500" dist="38099" dir="2700000" algn="ctr" rotWithShape="0">
                       <a:schemeClr val="bg2">
@@ -2602,7 +2602,7 @@
             <a:effectLst/>
             <a:extLst>
               <a:ext uri="{91240B29-F687-4f45-9708-019B960494DF}">
-                <a14:hiddenLine xmlns="" xmlns:a14="http://schemas.microsoft.com/office/drawing/2010/main" w="9525">
+                <a14:hiddenLine xmlns:a14="http://schemas.microsoft.com/office/drawing/2010/main" xmlns="" w="9525">
                   <a:solidFill>
                     <a:schemeClr val="tx1"/>
                   </a:solidFill>
@@ -2612,7 +2612,7 @@
                 </a14:hiddenLine>
               </a:ext>
               <a:ext uri="{AF507438-7753-43e0-B8FC-AC1667EBCBE1}">
-                <a14:hiddenEffects xmlns="" xmlns:a14="http://schemas.microsoft.com/office/drawing/2010/main">
+                <a14:hiddenEffects xmlns:a14="http://schemas.microsoft.com/office/drawing/2010/main" xmlns="">
                   <a:effectLst>
                     <a:outerShdw blurRad="63500" dist="38099" dir="2700000" algn="ctr" rotWithShape="0">
                       <a:schemeClr val="bg2">
@@ -2657,7 +2657,7 @@
             <a:effectLst/>
             <a:extLst>
               <a:ext uri="{91240B29-F687-4f45-9708-019B960494DF}">
-                <a14:hiddenLine xmlns="" xmlns:a14="http://schemas.microsoft.com/office/drawing/2010/main" w="9525">
+                <a14:hiddenLine xmlns:a14="http://schemas.microsoft.com/office/drawing/2010/main" xmlns="" w="9525">
                   <a:solidFill>
                     <a:schemeClr val="tx1"/>
                   </a:solidFill>
@@ -2667,7 +2667,7 @@
                 </a14:hiddenLine>
               </a:ext>
               <a:ext uri="{AF507438-7753-43e0-B8FC-AC1667EBCBE1}">
-                <a14:hiddenEffects xmlns="" xmlns:a14="http://schemas.microsoft.com/office/drawing/2010/main">
+                <a14:hiddenEffects xmlns:a14="http://schemas.microsoft.com/office/drawing/2010/main" xmlns="">
                   <a:effectLst>
                     <a:outerShdw blurRad="63500" dist="38099" dir="2700000" algn="ctr" rotWithShape="0">
                       <a:schemeClr val="bg2">
@@ -2712,7 +2712,7 @@
             <a:effectLst/>
             <a:extLst>
               <a:ext uri="{91240B29-F687-4f45-9708-019B960494DF}">
-                <a14:hiddenLine xmlns="" xmlns:a14="http://schemas.microsoft.com/office/drawing/2010/main" w="9525">
+                <a14:hiddenLine xmlns:a14="http://schemas.microsoft.com/office/drawing/2010/main" xmlns="" w="9525">
                   <a:solidFill>
                     <a:schemeClr val="tx1"/>
                   </a:solidFill>
@@ -2722,7 +2722,7 @@
                 </a14:hiddenLine>
               </a:ext>
               <a:ext uri="{AF507438-7753-43e0-B8FC-AC1667EBCBE1}">
-                <a14:hiddenEffects xmlns="" xmlns:a14="http://schemas.microsoft.com/office/drawing/2010/main">
+                <a14:hiddenEffects xmlns:a14="http://schemas.microsoft.com/office/drawing/2010/main" xmlns="">
                   <a:effectLst>
                     <a:outerShdw blurRad="63500" dist="38099" dir="2700000" algn="ctr" rotWithShape="0">
                       <a:schemeClr val="bg2">
@@ -2767,7 +2767,7 @@
             <a:effectLst/>
             <a:extLst>
               <a:ext uri="{91240B29-F687-4f45-9708-019B960494DF}">
-                <a14:hiddenLine xmlns="" xmlns:a14="http://schemas.microsoft.com/office/drawing/2010/main" w="9525">
+                <a14:hiddenLine xmlns:a14="http://schemas.microsoft.com/office/drawing/2010/main" xmlns="" w="9525">
                   <a:solidFill>
                     <a:schemeClr val="tx1"/>
                   </a:solidFill>
@@ -2777,7 +2777,7 @@
                 </a14:hiddenLine>
               </a:ext>
               <a:ext uri="{AF507438-7753-43e0-B8FC-AC1667EBCBE1}">
-                <a14:hiddenEffects xmlns="" xmlns:a14="http://schemas.microsoft.com/office/drawing/2010/main">
+                <a14:hiddenEffects xmlns:a14="http://schemas.microsoft.com/office/drawing/2010/main" xmlns="">
                   <a:effectLst>
                     <a:outerShdw blurRad="63500" dist="38099" dir="2700000" algn="ctr" rotWithShape="0">
                       <a:schemeClr val="bg2">
@@ -2822,7 +2822,7 @@
             <a:effectLst/>
             <a:extLst>
               <a:ext uri="{91240B29-F687-4f45-9708-019B960494DF}">
-                <a14:hiddenLine xmlns="" xmlns:a14="http://schemas.microsoft.com/office/drawing/2010/main" w="9525">
+                <a14:hiddenLine xmlns:a14="http://schemas.microsoft.com/office/drawing/2010/main" xmlns="" w="9525">
                   <a:solidFill>
                     <a:schemeClr val="tx1"/>
                   </a:solidFill>
@@ -2832,7 +2832,7 @@
                 </a14:hiddenLine>
               </a:ext>
               <a:ext uri="{AF507438-7753-43e0-B8FC-AC1667EBCBE1}">
-                <a14:hiddenEffects xmlns="" xmlns:a14="http://schemas.microsoft.com/office/drawing/2010/main">
+                <a14:hiddenEffects xmlns:a14="http://schemas.microsoft.com/office/drawing/2010/main" xmlns="">
                   <a:effectLst>
                     <a:outerShdw blurRad="63500" dist="38099" dir="2700000" algn="ctr" rotWithShape="0">
                       <a:schemeClr val="bg2">
@@ -2877,7 +2877,7 @@
             <a:effectLst/>
             <a:extLst>
               <a:ext uri="{91240B29-F687-4f45-9708-019B960494DF}">
-                <a14:hiddenLine xmlns="" xmlns:a14="http://schemas.microsoft.com/office/drawing/2010/main" w="9525">
+                <a14:hiddenLine xmlns:a14="http://schemas.microsoft.com/office/drawing/2010/main" xmlns="" w="9525">
                   <a:solidFill>
                     <a:schemeClr val="tx1"/>
                   </a:solidFill>
@@ -2887,7 +2887,7 @@
                 </a14:hiddenLine>
               </a:ext>
               <a:ext uri="{AF507438-7753-43e0-B8FC-AC1667EBCBE1}">
-                <a14:hiddenEffects xmlns="" xmlns:a14="http://schemas.microsoft.com/office/drawing/2010/main">
+                <a14:hiddenEffects xmlns:a14="http://schemas.microsoft.com/office/drawing/2010/main" xmlns="">
                   <a:effectLst>
                     <a:outerShdw blurRad="63500" dist="38099" dir="2700000" algn="ctr" rotWithShape="0">
                       <a:schemeClr val="bg2">
@@ -2932,7 +2932,7 @@
             <a:effectLst/>
             <a:extLst>
               <a:ext uri="{91240B29-F687-4f45-9708-019B960494DF}">
-                <a14:hiddenLine xmlns="" xmlns:a14="http://schemas.microsoft.com/office/drawing/2010/main" w="9525">
+                <a14:hiddenLine xmlns:a14="http://schemas.microsoft.com/office/drawing/2010/main" xmlns="" w="9525">
                   <a:solidFill>
                     <a:schemeClr val="tx1"/>
                   </a:solidFill>
@@ -2942,7 +2942,7 @@
                 </a14:hiddenLine>
               </a:ext>
               <a:ext uri="{AF507438-7753-43e0-B8FC-AC1667EBCBE1}">
-                <a14:hiddenEffects xmlns="" xmlns:a14="http://schemas.microsoft.com/office/drawing/2010/main">
+                <a14:hiddenEffects xmlns:a14="http://schemas.microsoft.com/office/drawing/2010/main" xmlns="">
                   <a:effectLst>
                     <a:outerShdw blurRad="63500" dist="38099" dir="2700000" algn="ctr" rotWithShape="0">
                       <a:schemeClr val="bg2">
@@ -2987,7 +2987,7 @@
             <a:effectLst/>
             <a:extLst>
               <a:ext uri="{91240B29-F687-4f45-9708-019B960494DF}">
-                <a14:hiddenLine xmlns="" xmlns:a14="http://schemas.microsoft.com/office/drawing/2010/main" w="9525">
+                <a14:hiddenLine xmlns:a14="http://schemas.microsoft.com/office/drawing/2010/main" xmlns="" w="9525">
                   <a:solidFill>
                     <a:schemeClr val="tx1"/>
                   </a:solidFill>
@@ -2997,7 +2997,7 @@
                 </a14:hiddenLine>
               </a:ext>
               <a:ext uri="{AF507438-7753-43e0-B8FC-AC1667EBCBE1}">
-                <a14:hiddenEffects xmlns="" xmlns:a14="http://schemas.microsoft.com/office/drawing/2010/main">
+                <a14:hiddenEffects xmlns:a14="http://schemas.microsoft.com/office/drawing/2010/main" xmlns="">
                   <a:effectLst>
                     <a:outerShdw blurRad="63500" dist="38099" dir="2700000" algn="ctr" rotWithShape="0">
                       <a:schemeClr val="bg2">
@@ -3042,7 +3042,7 @@
             <a:effectLst/>
             <a:extLst>
               <a:ext uri="{91240B29-F687-4f45-9708-019B960494DF}">
-                <a14:hiddenLine xmlns="" xmlns:a14="http://schemas.microsoft.com/office/drawing/2010/main" w="9525">
+                <a14:hiddenLine xmlns:a14="http://schemas.microsoft.com/office/drawing/2010/main" xmlns="" w="9525">
                   <a:solidFill>
                     <a:schemeClr val="tx1"/>
                   </a:solidFill>
@@ -3052,7 +3052,7 @@
                 </a14:hiddenLine>
               </a:ext>
               <a:ext uri="{AF507438-7753-43e0-B8FC-AC1667EBCBE1}">
-                <a14:hiddenEffects xmlns="" xmlns:a14="http://schemas.microsoft.com/office/drawing/2010/main">
+                <a14:hiddenEffects xmlns:a14="http://schemas.microsoft.com/office/drawing/2010/main" xmlns="">
                   <a:effectLst>
                     <a:outerShdw blurRad="63500" dist="38099" dir="2700000" algn="ctr" rotWithShape="0">
                       <a:schemeClr val="bg2">
@@ -3097,7 +3097,7 @@
             <a:effectLst/>
             <a:extLst>
               <a:ext uri="{91240B29-F687-4f45-9708-019B960494DF}">
-                <a14:hiddenLine xmlns="" xmlns:a14="http://schemas.microsoft.com/office/drawing/2010/main" w="9525">
+                <a14:hiddenLine xmlns:a14="http://schemas.microsoft.com/office/drawing/2010/main" xmlns="" w="9525">
                   <a:solidFill>
                     <a:schemeClr val="tx1"/>
                   </a:solidFill>
@@ -3107,7 +3107,7 @@
                 </a14:hiddenLine>
               </a:ext>
               <a:ext uri="{AF507438-7753-43e0-B8FC-AC1667EBCBE1}">
-                <a14:hiddenEffects xmlns="" xmlns:a14="http://schemas.microsoft.com/office/drawing/2010/main">
+                <a14:hiddenEffects xmlns:a14="http://schemas.microsoft.com/office/drawing/2010/main" xmlns="">
                   <a:effectLst>
                     <a:outerShdw blurRad="63500" dist="38099" dir="2700000" algn="ctr" rotWithShape="0">
                       <a:schemeClr val="bg2">
@@ -3152,7 +3152,7 @@
             <a:effectLst/>
             <a:extLst>
               <a:ext uri="{91240B29-F687-4f45-9708-019B960494DF}">
-                <a14:hiddenLine xmlns="" xmlns:a14="http://schemas.microsoft.com/office/drawing/2010/main" w="9525">
+                <a14:hiddenLine xmlns:a14="http://schemas.microsoft.com/office/drawing/2010/main" xmlns="" w="9525">
                   <a:solidFill>
                     <a:schemeClr val="tx1"/>
                   </a:solidFill>
@@ -3162,7 +3162,7 @@
                 </a14:hiddenLine>
               </a:ext>
               <a:ext uri="{AF507438-7753-43e0-B8FC-AC1667EBCBE1}">
-                <a14:hiddenEffects xmlns="" xmlns:a14="http://schemas.microsoft.com/office/drawing/2010/main">
+                <a14:hiddenEffects xmlns:a14="http://schemas.microsoft.com/office/drawing/2010/main" xmlns="">
                   <a:effectLst>
                     <a:outerShdw blurRad="63500" dist="38099" dir="2700000" algn="ctr" rotWithShape="0">
                       <a:schemeClr val="bg2">
@@ -3207,7 +3207,7 @@
             <a:effectLst/>
             <a:extLst>
               <a:ext uri="{91240B29-F687-4f45-9708-019B960494DF}">
-                <a14:hiddenLine xmlns="" xmlns:a14="http://schemas.microsoft.com/office/drawing/2010/main" w="9525">
+                <a14:hiddenLine xmlns:a14="http://schemas.microsoft.com/office/drawing/2010/main" xmlns="" w="9525">
                   <a:solidFill>
                     <a:schemeClr val="tx1"/>
                   </a:solidFill>
@@ -3217,7 +3217,7 @@
                 </a14:hiddenLine>
               </a:ext>
               <a:ext uri="{AF507438-7753-43e0-B8FC-AC1667EBCBE1}">
-                <a14:hiddenEffects xmlns="" xmlns:a14="http://schemas.microsoft.com/office/drawing/2010/main">
+                <a14:hiddenEffects xmlns:a14="http://schemas.microsoft.com/office/drawing/2010/main" xmlns="">
                   <a:effectLst>
                     <a:outerShdw blurRad="63500" dist="38099" dir="2700000" algn="ctr" rotWithShape="0">
                       <a:schemeClr val="bg2">
@@ -3262,7 +3262,7 @@
             <a:effectLst/>
             <a:extLst>
               <a:ext uri="{91240B29-F687-4f45-9708-019B960494DF}">
-                <a14:hiddenLine xmlns="" xmlns:a14="http://schemas.microsoft.com/office/drawing/2010/main" w="9525">
+                <a14:hiddenLine xmlns:a14="http://schemas.microsoft.com/office/drawing/2010/main" xmlns="" w="9525">
                   <a:solidFill>
                     <a:schemeClr val="tx1"/>
                   </a:solidFill>
@@ -3272,7 +3272,7 @@
                 </a14:hiddenLine>
               </a:ext>
               <a:ext uri="{AF507438-7753-43e0-B8FC-AC1667EBCBE1}">
-                <a14:hiddenEffects xmlns="" xmlns:a14="http://schemas.microsoft.com/office/drawing/2010/main">
+                <a14:hiddenEffects xmlns:a14="http://schemas.microsoft.com/office/drawing/2010/main" xmlns="">
                   <a:effectLst>
                     <a:outerShdw blurRad="63500" dist="38099" dir="2700000" algn="ctr" rotWithShape="0">
                       <a:schemeClr val="bg2">
@@ -3317,7 +3317,7 @@
             <a:effectLst/>
             <a:extLst>
               <a:ext uri="{91240B29-F687-4f45-9708-019B960494DF}">
-                <a14:hiddenLine xmlns="" xmlns:a14="http://schemas.microsoft.com/office/drawing/2010/main" w="9525">
+                <a14:hiddenLine xmlns:a14="http://schemas.microsoft.com/office/drawing/2010/main" xmlns="" w="9525">
                   <a:solidFill>
                     <a:schemeClr val="tx1"/>
                   </a:solidFill>
@@ -3327,7 +3327,7 @@
                 </a14:hiddenLine>
               </a:ext>
               <a:ext uri="{AF507438-7753-43e0-B8FC-AC1667EBCBE1}">
-                <a14:hiddenEffects xmlns="" xmlns:a14="http://schemas.microsoft.com/office/drawing/2010/main">
+                <a14:hiddenEffects xmlns:a14="http://schemas.microsoft.com/office/drawing/2010/main" xmlns="">
                   <a:effectLst>
                     <a:outerShdw blurRad="63500" dist="38099" dir="2700000" algn="ctr" rotWithShape="0">
                       <a:schemeClr val="bg2">
@@ -3372,7 +3372,7 @@
             <a:effectLst/>
             <a:extLst>
               <a:ext uri="{91240B29-F687-4f45-9708-019B960494DF}">
-                <a14:hiddenLine xmlns="" xmlns:a14="http://schemas.microsoft.com/office/drawing/2010/main" w="9525">
+                <a14:hiddenLine xmlns:a14="http://schemas.microsoft.com/office/drawing/2010/main" xmlns="" w="9525">
                   <a:solidFill>
                     <a:schemeClr val="tx1"/>
                   </a:solidFill>
@@ -3382,7 +3382,7 @@
                 </a14:hiddenLine>
               </a:ext>
               <a:ext uri="{AF507438-7753-43e0-B8FC-AC1667EBCBE1}">
-                <a14:hiddenEffects xmlns="" xmlns:a14="http://schemas.microsoft.com/office/drawing/2010/main">
+                <a14:hiddenEffects xmlns:a14="http://schemas.microsoft.com/office/drawing/2010/main" xmlns="">
                   <a:effectLst>
                     <a:outerShdw blurRad="63500" dist="38099" dir="2700000" algn="ctr" rotWithShape="0">
                       <a:schemeClr val="bg2">
@@ -3427,7 +3427,7 @@
             <a:effectLst/>
             <a:extLst>
               <a:ext uri="{91240B29-F687-4f45-9708-019B960494DF}">
-                <a14:hiddenLine xmlns="" xmlns:a14="http://schemas.microsoft.com/office/drawing/2010/main" w="9525">
+                <a14:hiddenLine xmlns:a14="http://schemas.microsoft.com/office/drawing/2010/main" xmlns="" w="9525">
                   <a:solidFill>
                     <a:schemeClr val="tx1"/>
                   </a:solidFill>
@@ -3437,7 +3437,7 @@
                 </a14:hiddenLine>
               </a:ext>
               <a:ext uri="{AF507438-7753-43e0-B8FC-AC1667EBCBE1}">
-                <a14:hiddenEffects xmlns="" xmlns:a14="http://schemas.microsoft.com/office/drawing/2010/main">
+                <a14:hiddenEffects xmlns:a14="http://schemas.microsoft.com/office/drawing/2010/main" xmlns="">
                   <a:effectLst>
                     <a:outerShdw blurRad="63500" dist="38099" dir="2700000" algn="ctr" rotWithShape="0">
                       <a:schemeClr val="bg2">
@@ -3482,7 +3482,7 @@
             <a:effectLst/>
             <a:extLst>
               <a:ext uri="{91240B29-F687-4f45-9708-019B960494DF}">
-                <a14:hiddenLine xmlns="" xmlns:a14="http://schemas.microsoft.com/office/drawing/2010/main" w="9525">
+                <a14:hiddenLine xmlns:a14="http://schemas.microsoft.com/office/drawing/2010/main" xmlns="" w="9525">
                   <a:solidFill>
                     <a:schemeClr val="tx1"/>
                   </a:solidFill>
@@ -3492,7 +3492,7 @@
                 </a14:hiddenLine>
               </a:ext>
               <a:ext uri="{AF507438-7753-43e0-B8FC-AC1667EBCBE1}">
-                <a14:hiddenEffects xmlns="" xmlns:a14="http://schemas.microsoft.com/office/drawing/2010/main">
+                <a14:hiddenEffects xmlns:a14="http://schemas.microsoft.com/office/drawing/2010/main" xmlns="">
                   <a:effectLst>
                     <a:outerShdw blurRad="63500" dist="38099" dir="2700000" algn="ctr" rotWithShape="0">
                       <a:schemeClr val="bg2">
@@ -3537,7 +3537,7 @@
             <a:effectLst/>
             <a:extLst>
               <a:ext uri="{91240B29-F687-4f45-9708-019B960494DF}">
-                <a14:hiddenLine xmlns="" xmlns:a14="http://schemas.microsoft.com/office/drawing/2010/main" w="9525">
+                <a14:hiddenLine xmlns:a14="http://schemas.microsoft.com/office/drawing/2010/main" xmlns="" w="9525">
                   <a:solidFill>
                     <a:schemeClr val="tx1"/>
                   </a:solidFill>
@@ -3547,7 +3547,7 @@
                 </a14:hiddenLine>
               </a:ext>
               <a:ext uri="{AF507438-7753-43e0-B8FC-AC1667EBCBE1}">
-                <a14:hiddenEffects xmlns="" xmlns:a14="http://schemas.microsoft.com/office/drawing/2010/main">
+                <a14:hiddenEffects xmlns:a14="http://schemas.microsoft.com/office/drawing/2010/main" xmlns="">
                   <a:effectLst>
                     <a:outerShdw blurRad="63500" dist="38099" dir="2700000" algn="ctr" rotWithShape="0">
                       <a:schemeClr val="bg2">
@@ -3592,7 +3592,7 @@
             <a:effectLst/>
             <a:extLst>
               <a:ext uri="{91240B29-F687-4f45-9708-019B960494DF}">
-                <a14:hiddenLine xmlns="" xmlns:a14="http://schemas.microsoft.com/office/drawing/2010/main" w="9525">
+                <a14:hiddenLine xmlns:a14="http://schemas.microsoft.com/office/drawing/2010/main" xmlns="" w="9525">
                   <a:solidFill>
                     <a:schemeClr val="tx1"/>
                   </a:solidFill>
@@ -3602,7 +3602,7 @@
                 </a14:hiddenLine>
               </a:ext>
               <a:ext uri="{AF507438-7753-43e0-B8FC-AC1667EBCBE1}">
-                <a14:hiddenEffects xmlns="" xmlns:a14="http://schemas.microsoft.com/office/drawing/2010/main">
+                <a14:hiddenEffects xmlns:a14="http://schemas.microsoft.com/office/drawing/2010/main" xmlns="">
                   <a:effectLst>
                     <a:outerShdw blurRad="63500" dist="38099" dir="2700000" algn="ctr" rotWithShape="0">
                       <a:schemeClr val="bg2">
@@ -3647,7 +3647,7 @@
             <a:effectLst/>
             <a:extLst>
               <a:ext uri="{91240B29-F687-4f45-9708-019B960494DF}">
-                <a14:hiddenLine xmlns="" xmlns:a14="http://schemas.microsoft.com/office/drawing/2010/main" w="9525">
+                <a14:hiddenLine xmlns:a14="http://schemas.microsoft.com/office/drawing/2010/main" xmlns="" w="9525">
                   <a:solidFill>
                     <a:schemeClr val="tx1"/>
                   </a:solidFill>
@@ -3657,7 +3657,7 @@
                 </a14:hiddenLine>
               </a:ext>
               <a:ext uri="{AF507438-7753-43e0-B8FC-AC1667EBCBE1}">
-                <a14:hiddenEffects xmlns="" xmlns:a14="http://schemas.microsoft.com/office/drawing/2010/main">
+                <a14:hiddenEffects xmlns:a14="http://schemas.microsoft.com/office/drawing/2010/main" xmlns="">
                   <a:effectLst>
                     <a:outerShdw blurRad="63500" dist="38099" dir="2700000" algn="ctr" rotWithShape="0">
                       <a:schemeClr val="bg2">
@@ -3702,7 +3702,7 @@
             <a:effectLst/>
             <a:extLst>
               <a:ext uri="{91240B29-F687-4f45-9708-019B960494DF}">
-                <a14:hiddenLine xmlns="" xmlns:a14="http://schemas.microsoft.com/office/drawing/2010/main" w="9525">
+                <a14:hiddenLine xmlns:a14="http://schemas.microsoft.com/office/drawing/2010/main" xmlns="" w="9525">
                   <a:solidFill>
                     <a:schemeClr val="tx1"/>
                   </a:solidFill>
@@ -3712,7 +3712,7 @@
                 </a14:hiddenLine>
               </a:ext>
               <a:ext uri="{AF507438-7753-43e0-B8FC-AC1667EBCBE1}">
-                <a14:hiddenEffects xmlns="" xmlns:a14="http://schemas.microsoft.com/office/drawing/2010/main">
+                <a14:hiddenEffects xmlns:a14="http://schemas.microsoft.com/office/drawing/2010/main" xmlns="">
                   <a:effectLst>
                     <a:outerShdw blurRad="63500" dist="38099" dir="2700000" algn="ctr" rotWithShape="0">
                       <a:schemeClr val="bg2">
@@ -3757,7 +3757,7 @@
             <a:effectLst/>
             <a:extLst>
               <a:ext uri="{91240B29-F687-4f45-9708-019B960494DF}">
-                <a14:hiddenLine xmlns="" xmlns:a14="http://schemas.microsoft.com/office/drawing/2010/main" w="9525">
+                <a14:hiddenLine xmlns:a14="http://schemas.microsoft.com/office/drawing/2010/main" xmlns="" w="9525">
                   <a:solidFill>
                     <a:schemeClr val="tx1"/>
                   </a:solidFill>
@@ -3767,7 +3767,7 @@
                 </a14:hiddenLine>
               </a:ext>
               <a:ext uri="{AF507438-7753-43e0-B8FC-AC1667EBCBE1}">
-                <a14:hiddenEffects xmlns="" xmlns:a14="http://schemas.microsoft.com/office/drawing/2010/main">
+                <a14:hiddenEffects xmlns:a14="http://schemas.microsoft.com/office/drawing/2010/main" xmlns="">
                   <a:effectLst>
                     <a:outerShdw blurRad="63500" dist="38099" dir="2700000" algn="ctr" rotWithShape="0">
                       <a:schemeClr val="bg2">
@@ -3812,7 +3812,7 @@
             <a:effectLst/>
             <a:extLst>
               <a:ext uri="{91240B29-F687-4f45-9708-019B960494DF}">
-                <a14:hiddenLine xmlns="" xmlns:a14="http://schemas.microsoft.com/office/drawing/2010/main" w="9525">
+                <a14:hiddenLine xmlns:a14="http://schemas.microsoft.com/office/drawing/2010/main" xmlns="" w="9525">
                   <a:solidFill>
                     <a:schemeClr val="tx1"/>
                   </a:solidFill>
@@ -3822,7 +3822,7 @@
                 </a14:hiddenLine>
               </a:ext>
               <a:ext uri="{AF507438-7753-43e0-B8FC-AC1667EBCBE1}">
-                <a14:hiddenEffects xmlns="" xmlns:a14="http://schemas.microsoft.com/office/drawing/2010/main">
+                <a14:hiddenEffects xmlns:a14="http://schemas.microsoft.com/office/drawing/2010/main" xmlns="">
                   <a:effectLst>
                     <a:outerShdw blurRad="63500" dist="38099" dir="2700000" algn="ctr" rotWithShape="0">
                       <a:schemeClr val="bg2">
@@ -3867,7 +3867,7 @@
             <a:effectLst/>
             <a:extLst>
               <a:ext uri="{91240B29-F687-4f45-9708-019B960494DF}">
-                <a14:hiddenLine xmlns="" xmlns:a14="http://schemas.microsoft.com/office/drawing/2010/main" w="9525">
+                <a14:hiddenLine xmlns:a14="http://schemas.microsoft.com/office/drawing/2010/main" xmlns="" w="9525">
                   <a:solidFill>
                     <a:schemeClr val="tx1"/>
                   </a:solidFill>
@@ -3877,7 +3877,7 @@
                 </a14:hiddenLine>
               </a:ext>
               <a:ext uri="{AF507438-7753-43e0-B8FC-AC1667EBCBE1}">
-                <a14:hiddenEffects xmlns="" xmlns:a14="http://schemas.microsoft.com/office/drawing/2010/main">
+                <a14:hiddenEffects xmlns:a14="http://schemas.microsoft.com/office/drawing/2010/main" xmlns="">
                   <a:effectLst>
                     <a:outerShdw blurRad="63500" dist="38099" dir="2700000" algn="ctr" rotWithShape="0">
                       <a:schemeClr val="bg2">
@@ -3922,7 +3922,7 @@
             <a:effectLst/>
             <a:extLst>
               <a:ext uri="{91240B29-F687-4f45-9708-019B960494DF}">
-                <a14:hiddenLine xmlns="" xmlns:a14="http://schemas.microsoft.com/office/drawing/2010/main" w="9525">
+                <a14:hiddenLine xmlns:a14="http://schemas.microsoft.com/office/drawing/2010/main" xmlns="" w="9525">
                   <a:solidFill>
                     <a:schemeClr val="tx1"/>
                   </a:solidFill>
@@ -3932,7 +3932,7 @@
                 </a14:hiddenLine>
               </a:ext>
               <a:ext uri="{AF507438-7753-43e0-B8FC-AC1667EBCBE1}">
-                <a14:hiddenEffects xmlns="" xmlns:a14="http://schemas.microsoft.com/office/drawing/2010/main">
+                <a14:hiddenEffects xmlns:a14="http://schemas.microsoft.com/office/drawing/2010/main" xmlns="">
                   <a:effectLst>
                     <a:outerShdw blurRad="63500" dist="38099" dir="2700000" algn="ctr" rotWithShape="0">
                       <a:schemeClr val="bg2">
@@ -3977,7 +3977,7 @@
             <a:effectLst/>
             <a:extLst>
               <a:ext uri="{91240B29-F687-4f45-9708-019B960494DF}">
-                <a14:hiddenLine xmlns="" xmlns:a14="http://schemas.microsoft.com/office/drawing/2010/main" w="9525">
+                <a14:hiddenLine xmlns:a14="http://schemas.microsoft.com/office/drawing/2010/main" xmlns="" w="9525">
                   <a:solidFill>
                     <a:schemeClr val="tx1"/>
                   </a:solidFill>
@@ -3987,7 +3987,7 @@
                 </a14:hiddenLine>
               </a:ext>
               <a:ext uri="{AF507438-7753-43e0-B8FC-AC1667EBCBE1}">
-                <a14:hiddenEffects xmlns="" xmlns:a14="http://schemas.microsoft.com/office/drawing/2010/main">
+                <a14:hiddenEffects xmlns:a14="http://schemas.microsoft.com/office/drawing/2010/main" xmlns="">
                   <a:effectLst>
                     <a:outerShdw blurRad="63500" dist="38099" dir="2700000" algn="ctr" rotWithShape="0">
                       <a:schemeClr val="bg2">
@@ -4032,7 +4032,7 @@
             <a:effectLst/>
             <a:extLst>
               <a:ext uri="{91240B29-F687-4f45-9708-019B960494DF}">
-                <a14:hiddenLine xmlns="" xmlns:a14="http://schemas.microsoft.com/office/drawing/2010/main" w="9525">
+                <a14:hiddenLine xmlns:a14="http://schemas.microsoft.com/office/drawing/2010/main" xmlns="" w="9525">
                   <a:solidFill>
                     <a:schemeClr val="tx1"/>
                   </a:solidFill>
@@ -4042,7 +4042,7 @@
                 </a14:hiddenLine>
               </a:ext>
               <a:ext uri="{AF507438-7753-43e0-B8FC-AC1667EBCBE1}">
-                <a14:hiddenEffects xmlns="" xmlns:a14="http://schemas.microsoft.com/office/drawing/2010/main">
+                <a14:hiddenEffects xmlns:a14="http://schemas.microsoft.com/office/drawing/2010/main" xmlns="">
                   <a:effectLst>
                     <a:outerShdw blurRad="63500" dist="38099" dir="2700000" algn="ctr" rotWithShape="0">
                       <a:schemeClr val="bg2">
@@ -4087,7 +4087,7 @@
             <a:effectLst/>
             <a:extLst>
               <a:ext uri="{91240B29-F687-4f45-9708-019B960494DF}">
-                <a14:hiddenLine xmlns="" xmlns:a14="http://schemas.microsoft.com/office/drawing/2010/main" w="9525">
+                <a14:hiddenLine xmlns:a14="http://schemas.microsoft.com/office/drawing/2010/main" xmlns="" w="9525">
                   <a:solidFill>
                     <a:schemeClr val="tx1"/>
                   </a:solidFill>
@@ -4097,7 +4097,7 @@
                 </a14:hiddenLine>
               </a:ext>
               <a:ext uri="{AF507438-7753-43e0-B8FC-AC1667EBCBE1}">
-                <a14:hiddenEffects xmlns="" xmlns:a14="http://schemas.microsoft.com/office/drawing/2010/main">
+                <a14:hiddenEffects xmlns:a14="http://schemas.microsoft.com/office/drawing/2010/main" xmlns="">
                   <a:effectLst>
                     <a:outerShdw blurRad="63500" dist="38099" dir="2700000" algn="ctr" rotWithShape="0">
                       <a:schemeClr val="bg2">
@@ -4142,7 +4142,7 @@
             <a:effectLst/>
             <a:extLst>
               <a:ext uri="{91240B29-F687-4f45-9708-019B960494DF}">
-                <a14:hiddenLine xmlns="" xmlns:a14="http://schemas.microsoft.com/office/drawing/2010/main" w="9525">
+                <a14:hiddenLine xmlns:a14="http://schemas.microsoft.com/office/drawing/2010/main" xmlns="" w="9525">
                   <a:solidFill>
                     <a:schemeClr val="tx1"/>
                   </a:solidFill>
@@ -4152,7 +4152,7 @@
                 </a14:hiddenLine>
               </a:ext>
               <a:ext uri="{AF507438-7753-43e0-B8FC-AC1667EBCBE1}">
-                <a14:hiddenEffects xmlns="" xmlns:a14="http://schemas.microsoft.com/office/drawing/2010/main">
+                <a14:hiddenEffects xmlns:a14="http://schemas.microsoft.com/office/drawing/2010/main" xmlns="">
                   <a:effectLst>
                     <a:outerShdw blurRad="63500" dist="38099" dir="2700000" algn="ctr" rotWithShape="0">
                       <a:schemeClr val="bg2">
@@ -4201,12 +4201,12 @@
           <a:effectLst/>
           <a:extLst>
             <a:ext uri="{909E8E84-426E-40dd-AFC4-6F175D3DCCD1}">
-              <a14:hiddenFill xmlns="" xmlns:a14="http://schemas.microsoft.com/office/drawing/2010/main">
+              <a14:hiddenFill xmlns:a14="http://schemas.microsoft.com/office/drawing/2010/main" xmlns="">
                 <a:noFill/>
               </a14:hiddenFill>
             </a:ext>
             <a:ext uri="{AF507438-7753-43e0-B8FC-AC1667EBCBE1}">
-              <a14:hiddenEffects xmlns="" xmlns:a14="http://schemas.microsoft.com/office/drawing/2010/main">
+              <a14:hiddenEffects xmlns:a14="http://schemas.microsoft.com/office/drawing/2010/main" xmlns="">
                 <a:effectLst>
                   <a:outerShdw blurRad="63500" dist="38099" dir="2700000" algn="ctr" rotWithShape="0">
                     <a:schemeClr val="bg2">
@@ -6530,12 +6530,12 @@
           <a:effectLst/>
           <a:extLst>
             <a:ext uri="{909E8E84-426E-40dd-AFC4-6F175D3DCCD1}">
-              <a14:hiddenFill xmlns="" xmlns:a14="http://schemas.microsoft.com/office/drawing/2010/main">
+              <a14:hiddenFill xmlns:a14="http://schemas.microsoft.com/office/drawing/2010/main" xmlns="">
                 <a:noFill/>
               </a14:hiddenFill>
             </a:ext>
             <a:ext uri="{AF507438-7753-43e0-B8FC-AC1667EBCBE1}">
-              <a14:hiddenEffects xmlns="" xmlns:a14="http://schemas.microsoft.com/office/drawing/2010/main">
+              <a14:hiddenEffects xmlns:a14="http://schemas.microsoft.com/office/drawing/2010/main" xmlns="">
                 <a:effectLst>
                   <a:outerShdw blurRad="63500" dist="38099" dir="2700000" algn="ctr" rotWithShape="0">
                     <a:schemeClr val="bg2">
@@ -6580,17 +6580,17 @@
           <a:effectLst/>
           <a:extLst>
             <a:ext uri="{FAA26D3D-D897-4be2-8F04-BA451C77F1D7}">
-              <ma14:placeholderFlag xmlns:ma14="http://schemas.microsoft.com/office/mac/drawingml/2011/main" xmlns="" val="1"/>
+              <ma14:placeholderFlag xmlns="" xmlns:ma14="http://schemas.microsoft.com/office/mac/drawingml/2011/main" val="1"/>
             </a:ext>
             <a:ext uri="{909E8E84-426E-40dd-AFC4-6F175D3DCCD1}">
-              <a14:hiddenFill xmlns="" xmlns:a14="http://schemas.microsoft.com/office/drawing/2010/main">
+              <a14:hiddenFill xmlns:a14="http://schemas.microsoft.com/office/drawing/2010/main" xmlns="">
                 <a:solidFill>
                   <a:schemeClr val="accent1"/>
                 </a:solidFill>
               </a14:hiddenFill>
             </a:ext>
             <a:ext uri="{91240B29-F687-4f45-9708-019B960494DF}">
-              <a14:hiddenLine xmlns="" xmlns:a14="http://schemas.microsoft.com/office/drawing/2010/main" w="9525">
+              <a14:hiddenLine xmlns:a14="http://schemas.microsoft.com/office/drawing/2010/main" xmlns="" w="9525">
                 <a:solidFill>
                   <a:schemeClr val="tx1"/>
                 </a:solidFill>
@@ -6600,7 +6600,7 @@
               </a14:hiddenLine>
             </a:ext>
             <a:ext uri="{AF507438-7753-43e0-B8FC-AC1667EBCBE1}">
-              <a14:hiddenEffects xmlns="" xmlns:a14="http://schemas.microsoft.com/office/drawing/2010/main">
+              <a14:hiddenEffects xmlns:a14="http://schemas.microsoft.com/office/drawing/2010/main" xmlns="">
                 <a:effectLst>
                   <a:outerShdw blurRad="63500" dist="38099" dir="2700000" algn="ctr" rotWithShape="0">
                     <a:schemeClr val="bg2">
@@ -6653,17 +6653,17 @@
           <a:effectLst/>
           <a:extLst>
             <a:ext uri="{FAA26D3D-D897-4be2-8F04-BA451C77F1D7}">
-              <ma14:placeholderFlag xmlns:ma14="http://schemas.microsoft.com/office/mac/drawingml/2011/main" xmlns="" val="1"/>
+              <ma14:placeholderFlag xmlns="" xmlns:ma14="http://schemas.microsoft.com/office/mac/drawingml/2011/main" val="1"/>
             </a:ext>
             <a:ext uri="{909E8E84-426E-40dd-AFC4-6F175D3DCCD1}">
-              <a14:hiddenFill xmlns="" xmlns:a14="http://schemas.microsoft.com/office/drawing/2010/main">
+              <a14:hiddenFill xmlns:a14="http://schemas.microsoft.com/office/drawing/2010/main" xmlns="">
                 <a:solidFill>
                   <a:schemeClr val="accent1"/>
                 </a:solidFill>
               </a14:hiddenFill>
             </a:ext>
             <a:ext uri="{91240B29-F687-4f45-9708-019B960494DF}">
-              <a14:hiddenLine xmlns="" xmlns:a14="http://schemas.microsoft.com/office/drawing/2010/main" w="9525">
+              <a14:hiddenLine xmlns:a14="http://schemas.microsoft.com/office/drawing/2010/main" xmlns="" w="9525">
                 <a:solidFill>
                   <a:schemeClr val="tx1"/>
                 </a:solidFill>
@@ -6673,7 +6673,7 @@
               </a14:hiddenLine>
             </a:ext>
             <a:ext uri="{AF507438-7753-43e0-B8FC-AC1667EBCBE1}">
-              <a14:hiddenEffects xmlns="" xmlns:a14="http://schemas.microsoft.com/office/drawing/2010/main">
+              <a14:hiddenEffects xmlns:a14="http://schemas.microsoft.com/office/drawing/2010/main" xmlns="">
                 <a:effectLst>
                   <a:outerShdw blurRad="63500" dist="38099" dir="2700000" algn="ctr" rotWithShape="0">
                     <a:schemeClr val="bg2">
@@ -6754,17 +6754,17 @@
           <a:effectLst/>
           <a:extLst>
             <a:ext uri="{FAA26D3D-D897-4be2-8F04-BA451C77F1D7}">
-              <ma14:placeholderFlag xmlns:ma14="http://schemas.microsoft.com/office/mac/drawingml/2011/main" xmlns="" val="1"/>
+              <ma14:placeholderFlag xmlns="" xmlns:ma14="http://schemas.microsoft.com/office/mac/drawingml/2011/main" val="1"/>
             </a:ext>
             <a:ext uri="{909E8E84-426E-40dd-AFC4-6F175D3DCCD1}">
-              <a14:hiddenFill xmlns="" xmlns:a14="http://schemas.microsoft.com/office/drawing/2010/main">
+              <a14:hiddenFill xmlns:a14="http://schemas.microsoft.com/office/drawing/2010/main" xmlns="">
                 <a:solidFill>
                   <a:schemeClr val="accent1"/>
                 </a:solidFill>
               </a14:hiddenFill>
             </a:ext>
             <a:ext uri="{91240B29-F687-4f45-9708-019B960494DF}">
-              <a14:hiddenLine xmlns="" xmlns:a14="http://schemas.microsoft.com/office/drawing/2010/main" w="9525">
+              <a14:hiddenLine xmlns:a14="http://schemas.microsoft.com/office/drawing/2010/main" xmlns="" w="9525">
                 <a:solidFill>
                   <a:schemeClr val="tx1"/>
                 </a:solidFill>
@@ -6774,7 +6774,7 @@
               </a14:hiddenLine>
             </a:ext>
             <a:ext uri="{AF507438-7753-43e0-B8FC-AC1667EBCBE1}">
-              <a14:hiddenEffects xmlns="" xmlns:a14="http://schemas.microsoft.com/office/drawing/2010/main">
+              <a14:hiddenEffects xmlns:a14="http://schemas.microsoft.com/office/drawing/2010/main" xmlns="">
                 <a:effectLst>
                   <a:outerShdw blurRad="63500" dist="38099" dir="2700000" algn="ctr" rotWithShape="0">
                     <a:schemeClr val="bg2">
@@ -6827,17 +6827,17 @@
           <a:effectLst/>
           <a:extLst>
             <a:ext uri="{FAA26D3D-D897-4be2-8F04-BA451C77F1D7}">
-              <ma14:placeholderFlag xmlns:ma14="http://schemas.microsoft.com/office/mac/drawingml/2011/main" xmlns="" val="1"/>
+              <ma14:placeholderFlag xmlns="" xmlns:ma14="http://schemas.microsoft.com/office/mac/drawingml/2011/main" val="1"/>
             </a:ext>
             <a:ext uri="{909E8E84-426E-40dd-AFC4-6F175D3DCCD1}">
-              <a14:hiddenFill xmlns="" xmlns:a14="http://schemas.microsoft.com/office/drawing/2010/main">
+              <a14:hiddenFill xmlns:a14="http://schemas.microsoft.com/office/drawing/2010/main" xmlns="">
                 <a:solidFill>
                   <a:schemeClr val="accent1"/>
                 </a:solidFill>
               </a14:hiddenFill>
             </a:ext>
             <a:ext uri="{91240B29-F687-4f45-9708-019B960494DF}">
-              <a14:hiddenLine xmlns="" xmlns:a14="http://schemas.microsoft.com/office/drawing/2010/main" w="9525">
+              <a14:hiddenLine xmlns:a14="http://schemas.microsoft.com/office/drawing/2010/main" xmlns="" w="9525">
                 <a:solidFill>
                   <a:schemeClr val="tx1"/>
                 </a:solidFill>
@@ -6847,7 +6847,7 @@
               </a14:hiddenLine>
             </a:ext>
             <a:ext uri="{AF507438-7753-43e0-B8FC-AC1667EBCBE1}">
-              <a14:hiddenEffects xmlns="" xmlns:a14="http://schemas.microsoft.com/office/drawing/2010/main">
+              <a14:hiddenEffects xmlns:a14="http://schemas.microsoft.com/office/drawing/2010/main" xmlns="">
                 <a:effectLst>
                   <a:outerShdw blurRad="63500" dist="38099" dir="2700000" algn="ctr" rotWithShape="0">
                     <a:schemeClr val="bg2">
@@ -6900,17 +6900,17 @@
           <a:effectLst/>
           <a:extLst>
             <a:ext uri="{FAA26D3D-D897-4be2-8F04-BA451C77F1D7}">
-              <ma14:placeholderFlag xmlns:ma14="http://schemas.microsoft.com/office/mac/drawingml/2011/main" xmlns="" val="1"/>
+              <ma14:placeholderFlag xmlns="" xmlns:ma14="http://schemas.microsoft.com/office/mac/drawingml/2011/main" val="1"/>
             </a:ext>
             <a:ext uri="{909E8E84-426E-40dd-AFC4-6F175D3DCCD1}">
-              <a14:hiddenFill xmlns="" xmlns:a14="http://schemas.microsoft.com/office/drawing/2010/main">
+              <a14:hiddenFill xmlns:a14="http://schemas.microsoft.com/office/drawing/2010/main" xmlns="">
                 <a:solidFill>
                   <a:schemeClr val="accent1"/>
                 </a:solidFill>
               </a14:hiddenFill>
             </a:ext>
             <a:ext uri="{91240B29-F687-4f45-9708-019B960494DF}">
-              <a14:hiddenLine xmlns="" xmlns:a14="http://schemas.microsoft.com/office/drawing/2010/main" w="9525">
+              <a14:hiddenLine xmlns:a14="http://schemas.microsoft.com/office/drawing/2010/main" xmlns="" w="9525">
                 <a:solidFill>
                   <a:schemeClr val="tx1"/>
                 </a:solidFill>
@@ -6920,7 +6920,7 @@
               </a14:hiddenLine>
             </a:ext>
             <a:ext uri="{AF507438-7753-43e0-B8FC-AC1667EBCBE1}">
-              <a14:hiddenEffects xmlns="" xmlns:a14="http://schemas.microsoft.com/office/drawing/2010/main">
+              <a14:hiddenEffects xmlns:a14="http://schemas.microsoft.com/office/drawing/2010/main" xmlns="">
                 <a:effectLst>
                   <a:outerShdw blurRad="63500" dist="38099" dir="2700000" algn="ctr" rotWithShape="0">
                     <a:schemeClr val="bg2">
@@ -6994,7 +6994,7 @@
             <a:effectLst/>
             <a:extLst>
               <a:ext uri="{91240B29-F687-4f45-9708-019B960494DF}">
-                <a14:hiddenLine xmlns="" xmlns:a14="http://schemas.microsoft.com/office/drawing/2010/main" w="9525">
+                <a14:hiddenLine xmlns:a14="http://schemas.microsoft.com/office/drawing/2010/main" xmlns="" w="9525">
                   <a:solidFill>
                     <a:schemeClr val="tx1"/>
                   </a:solidFill>
@@ -7004,7 +7004,7 @@
                 </a14:hiddenLine>
               </a:ext>
               <a:ext uri="{AF507438-7753-43e0-B8FC-AC1667EBCBE1}">
-                <a14:hiddenEffects xmlns="" xmlns:a14="http://schemas.microsoft.com/office/drawing/2010/main">
+                <a14:hiddenEffects xmlns:a14="http://schemas.microsoft.com/office/drawing/2010/main" xmlns="">
                   <a:effectLst>
                     <a:outerShdw blurRad="63500" dist="38099" dir="2700000" algn="ctr" rotWithShape="0">
                       <a:schemeClr val="bg2">
@@ -7049,7 +7049,7 @@
             <a:effectLst/>
             <a:extLst>
               <a:ext uri="{91240B29-F687-4f45-9708-019B960494DF}">
-                <a14:hiddenLine xmlns="" xmlns:a14="http://schemas.microsoft.com/office/drawing/2010/main" w="9525">
+                <a14:hiddenLine xmlns:a14="http://schemas.microsoft.com/office/drawing/2010/main" xmlns="" w="9525">
                   <a:solidFill>
                     <a:schemeClr val="tx1"/>
                   </a:solidFill>
@@ -7059,7 +7059,7 @@
                 </a14:hiddenLine>
               </a:ext>
               <a:ext uri="{AF507438-7753-43e0-B8FC-AC1667EBCBE1}">
-                <a14:hiddenEffects xmlns="" xmlns:a14="http://schemas.microsoft.com/office/drawing/2010/main">
+                <a14:hiddenEffects xmlns:a14="http://schemas.microsoft.com/office/drawing/2010/main" xmlns="">
                   <a:effectLst>
                     <a:outerShdw blurRad="63500" dist="38099" dir="2700000" algn="ctr" rotWithShape="0">
                       <a:schemeClr val="bg2">
@@ -7104,7 +7104,7 @@
             <a:effectLst/>
             <a:extLst>
               <a:ext uri="{91240B29-F687-4f45-9708-019B960494DF}">
-                <a14:hiddenLine xmlns="" xmlns:a14="http://schemas.microsoft.com/office/drawing/2010/main" w="9525">
+                <a14:hiddenLine xmlns:a14="http://schemas.microsoft.com/office/drawing/2010/main" xmlns="" w="9525">
                   <a:solidFill>
                     <a:schemeClr val="tx1"/>
                   </a:solidFill>
@@ -7114,7 +7114,7 @@
                 </a14:hiddenLine>
               </a:ext>
               <a:ext uri="{AF507438-7753-43e0-B8FC-AC1667EBCBE1}">
-                <a14:hiddenEffects xmlns="" xmlns:a14="http://schemas.microsoft.com/office/drawing/2010/main">
+                <a14:hiddenEffects xmlns:a14="http://schemas.microsoft.com/office/drawing/2010/main" xmlns="">
                   <a:effectLst>
                     <a:outerShdw blurRad="63500" dist="38099" dir="2700000" algn="ctr" rotWithShape="0">
                       <a:schemeClr val="bg2">
@@ -7159,7 +7159,7 @@
             <a:effectLst/>
             <a:extLst>
               <a:ext uri="{91240B29-F687-4f45-9708-019B960494DF}">
-                <a14:hiddenLine xmlns="" xmlns:a14="http://schemas.microsoft.com/office/drawing/2010/main" w="9525">
+                <a14:hiddenLine xmlns:a14="http://schemas.microsoft.com/office/drawing/2010/main" xmlns="" w="9525">
                   <a:solidFill>
                     <a:schemeClr val="tx1"/>
                   </a:solidFill>
@@ -7169,7 +7169,7 @@
                 </a14:hiddenLine>
               </a:ext>
               <a:ext uri="{AF507438-7753-43e0-B8FC-AC1667EBCBE1}">
-                <a14:hiddenEffects xmlns="" xmlns:a14="http://schemas.microsoft.com/office/drawing/2010/main">
+                <a14:hiddenEffects xmlns:a14="http://schemas.microsoft.com/office/drawing/2010/main" xmlns="">
                   <a:effectLst>
                     <a:outerShdw blurRad="63500" dist="38099" dir="2700000" algn="ctr" rotWithShape="0">
                       <a:schemeClr val="bg2">
@@ -7214,7 +7214,7 @@
             <a:effectLst/>
             <a:extLst>
               <a:ext uri="{91240B29-F687-4f45-9708-019B960494DF}">
-                <a14:hiddenLine xmlns="" xmlns:a14="http://schemas.microsoft.com/office/drawing/2010/main" w="9525">
+                <a14:hiddenLine xmlns:a14="http://schemas.microsoft.com/office/drawing/2010/main" xmlns="" w="9525">
                   <a:solidFill>
                     <a:schemeClr val="tx1"/>
                   </a:solidFill>
@@ -7224,7 +7224,7 @@
                 </a14:hiddenLine>
               </a:ext>
               <a:ext uri="{AF507438-7753-43e0-B8FC-AC1667EBCBE1}">
-                <a14:hiddenEffects xmlns="" xmlns:a14="http://schemas.microsoft.com/office/drawing/2010/main">
+                <a14:hiddenEffects xmlns:a14="http://schemas.microsoft.com/office/drawing/2010/main" xmlns="">
                   <a:effectLst>
                     <a:outerShdw blurRad="63500" dist="38099" dir="2700000" algn="ctr" rotWithShape="0">
                       <a:schemeClr val="bg2">
@@ -7269,7 +7269,7 @@
             <a:effectLst/>
             <a:extLst>
               <a:ext uri="{91240B29-F687-4f45-9708-019B960494DF}">
-                <a14:hiddenLine xmlns="" xmlns:a14="http://schemas.microsoft.com/office/drawing/2010/main" w="9525">
+                <a14:hiddenLine xmlns:a14="http://schemas.microsoft.com/office/drawing/2010/main" xmlns="" w="9525">
                   <a:solidFill>
                     <a:schemeClr val="tx1"/>
                   </a:solidFill>
@@ -7279,7 +7279,7 @@
                 </a14:hiddenLine>
               </a:ext>
               <a:ext uri="{AF507438-7753-43e0-B8FC-AC1667EBCBE1}">
-                <a14:hiddenEffects xmlns="" xmlns:a14="http://schemas.microsoft.com/office/drawing/2010/main">
+                <a14:hiddenEffects xmlns:a14="http://schemas.microsoft.com/office/drawing/2010/main" xmlns="">
                   <a:effectLst>
                     <a:outerShdw blurRad="63500" dist="38099" dir="2700000" algn="ctr" rotWithShape="0">
                       <a:schemeClr val="bg2">
@@ -7324,7 +7324,7 @@
             <a:effectLst/>
             <a:extLst>
               <a:ext uri="{91240B29-F687-4f45-9708-019B960494DF}">
-                <a14:hiddenLine xmlns="" xmlns:a14="http://schemas.microsoft.com/office/drawing/2010/main" w="9525">
+                <a14:hiddenLine xmlns:a14="http://schemas.microsoft.com/office/drawing/2010/main" xmlns="" w="9525">
                   <a:solidFill>
                     <a:schemeClr val="tx1"/>
                   </a:solidFill>
@@ -7334,7 +7334,7 @@
                 </a14:hiddenLine>
               </a:ext>
               <a:ext uri="{AF507438-7753-43e0-B8FC-AC1667EBCBE1}">
-                <a14:hiddenEffects xmlns="" xmlns:a14="http://schemas.microsoft.com/office/drawing/2010/main">
+                <a14:hiddenEffects xmlns:a14="http://schemas.microsoft.com/office/drawing/2010/main" xmlns="">
                   <a:effectLst>
                     <a:outerShdw blurRad="63500" dist="38099" dir="2700000" algn="ctr" rotWithShape="0">
                       <a:schemeClr val="bg2">
@@ -7379,7 +7379,7 @@
             <a:effectLst/>
             <a:extLst>
               <a:ext uri="{91240B29-F687-4f45-9708-019B960494DF}">
-                <a14:hiddenLine xmlns="" xmlns:a14="http://schemas.microsoft.com/office/drawing/2010/main" w="9525">
+                <a14:hiddenLine xmlns:a14="http://schemas.microsoft.com/office/drawing/2010/main" xmlns="" w="9525">
                   <a:solidFill>
                     <a:schemeClr val="tx1"/>
                   </a:solidFill>
@@ -7389,7 +7389,7 @@
                 </a14:hiddenLine>
               </a:ext>
               <a:ext uri="{AF507438-7753-43e0-B8FC-AC1667EBCBE1}">
-                <a14:hiddenEffects xmlns="" xmlns:a14="http://schemas.microsoft.com/office/drawing/2010/main">
+                <a14:hiddenEffects xmlns:a14="http://schemas.microsoft.com/office/drawing/2010/main" xmlns="">
                   <a:effectLst>
                     <a:outerShdw blurRad="63500" dist="38099" dir="2700000" algn="ctr" rotWithShape="0">
                       <a:schemeClr val="bg2">
@@ -7434,7 +7434,7 @@
             <a:effectLst/>
             <a:extLst>
               <a:ext uri="{91240B29-F687-4f45-9708-019B960494DF}">
-                <a14:hiddenLine xmlns="" xmlns:a14="http://schemas.microsoft.com/office/drawing/2010/main" w="9525">
+                <a14:hiddenLine xmlns:a14="http://schemas.microsoft.com/office/drawing/2010/main" xmlns="" w="9525">
                   <a:solidFill>
                     <a:schemeClr val="tx1"/>
                   </a:solidFill>
@@ -7444,7 +7444,7 @@
                 </a14:hiddenLine>
               </a:ext>
               <a:ext uri="{AF507438-7753-43e0-B8FC-AC1667EBCBE1}">
-                <a14:hiddenEffects xmlns="" xmlns:a14="http://schemas.microsoft.com/office/drawing/2010/main">
+                <a14:hiddenEffects xmlns:a14="http://schemas.microsoft.com/office/drawing/2010/main" xmlns="">
                   <a:effectLst>
                     <a:outerShdw blurRad="63500" dist="38099" dir="2700000" algn="ctr" rotWithShape="0">
                       <a:schemeClr val="bg2">
@@ -7489,7 +7489,7 @@
             <a:effectLst/>
             <a:extLst>
               <a:ext uri="{91240B29-F687-4f45-9708-019B960494DF}">
-                <a14:hiddenLine xmlns="" xmlns:a14="http://schemas.microsoft.com/office/drawing/2010/main" w="9525">
+                <a14:hiddenLine xmlns:a14="http://schemas.microsoft.com/office/drawing/2010/main" xmlns="" w="9525">
                   <a:solidFill>
                     <a:schemeClr val="tx1"/>
                   </a:solidFill>
@@ -7499,7 +7499,7 @@
                 </a14:hiddenLine>
               </a:ext>
               <a:ext uri="{AF507438-7753-43e0-B8FC-AC1667EBCBE1}">
-                <a14:hiddenEffects xmlns="" xmlns:a14="http://schemas.microsoft.com/office/drawing/2010/main">
+                <a14:hiddenEffects xmlns:a14="http://schemas.microsoft.com/office/drawing/2010/main" xmlns="">
                   <a:effectLst>
                     <a:outerShdw blurRad="63500" dist="38099" dir="2700000" algn="ctr" rotWithShape="0">
                       <a:schemeClr val="bg2">
@@ -7544,7 +7544,7 @@
             <a:effectLst/>
             <a:extLst>
               <a:ext uri="{91240B29-F687-4f45-9708-019B960494DF}">
-                <a14:hiddenLine xmlns="" xmlns:a14="http://schemas.microsoft.com/office/drawing/2010/main" w="9525">
+                <a14:hiddenLine xmlns:a14="http://schemas.microsoft.com/office/drawing/2010/main" xmlns="" w="9525">
                   <a:solidFill>
                     <a:schemeClr val="tx1"/>
                   </a:solidFill>
@@ -7554,7 +7554,7 @@
                 </a14:hiddenLine>
               </a:ext>
               <a:ext uri="{AF507438-7753-43e0-B8FC-AC1667EBCBE1}">
-                <a14:hiddenEffects xmlns="" xmlns:a14="http://schemas.microsoft.com/office/drawing/2010/main">
+                <a14:hiddenEffects xmlns:a14="http://schemas.microsoft.com/office/drawing/2010/main" xmlns="">
                   <a:effectLst>
                     <a:outerShdw blurRad="63500" dist="38099" dir="2700000" algn="ctr" rotWithShape="0">
                       <a:schemeClr val="bg2">
@@ -7599,7 +7599,7 @@
             <a:effectLst/>
             <a:extLst>
               <a:ext uri="{91240B29-F687-4f45-9708-019B960494DF}">
-                <a14:hiddenLine xmlns="" xmlns:a14="http://schemas.microsoft.com/office/drawing/2010/main" w="9525">
+                <a14:hiddenLine xmlns:a14="http://schemas.microsoft.com/office/drawing/2010/main" xmlns="" w="9525">
                   <a:solidFill>
                     <a:schemeClr val="tx1"/>
                   </a:solidFill>
@@ -7609,7 +7609,7 @@
                 </a14:hiddenLine>
               </a:ext>
               <a:ext uri="{AF507438-7753-43e0-B8FC-AC1667EBCBE1}">
-                <a14:hiddenEffects xmlns="" xmlns:a14="http://schemas.microsoft.com/office/drawing/2010/main">
+                <a14:hiddenEffects xmlns:a14="http://schemas.microsoft.com/office/drawing/2010/main" xmlns="">
                   <a:effectLst>
                     <a:outerShdw blurRad="63500" dist="38099" dir="2700000" algn="ctr" rotWithShape="0">
                       <a:schemeClr val="bg2">
@@ -7654,7 +7654,7 @@
             <a:effectLst/>
             <a:extLst>
               <a:ext uri="{91240B29-F687-4f45-9708-019B960494DF}">
-                <a14:hiddenLine xmlns="" xmlns:a14="http://schemas.microsoft.com/office/drawing/2010/main" w="9525">
+                <a14:hiddenLine xmlns:a14="http://schemas.microsoft.com/office/drawing/2010/main" xmlns="" w="9525">
                   <a:solidFill>
                     <a:schemeClr val="tx1"/>
                   </a:solidFill>
@@ -7664,7 +7664,7 @@
                 </a14:hiddenLine>
               </a:ext>
               <a:ext uri="{AF507438-7753-43e0-B8FC-AC1667EBCBE1}">
-                <a14:hiddenEffects xmlns="" xmlns:a14="http://schemas.microsoft.com/office/drawing/2010/main">
+                <a14:hiddenEffects xmlns:a14="http://schemas.microsoft.com/office/drawing/2010/main" xmlns="">
                   <a:effectLst>
                     <a:outerShdw blurRad="63500" dist="38099" dir="2700000" algn="ctr" rotWithShape="0">
                       <a:schemeClr val="bg2">
@@ -7709,7 +7709,7 @@
             <a:effectLst/>
             <a:extLst>
               <a:ext uri="{91240B29-F687-4f45-9708-019B960494DF}">
-                <a14:hiddenLine xmlns="" xmlns:a14="http://schemas.microsoft.com/office/drawing/2010/main" w="9525">
+                <a14:hiddenLine xmlns:a14="http://schemas.microsoft.com/office/drawing/2010/main" xmlns="" w="9525">
                   <a:solidFill>
                     <a:schemeClr val="tx1"/>
                   </a:solidFill>
@@ -7719,7 +7719,7 @@
                 </a14:hiddenLine>
               </a:ext>
               <a:ext uri="{AF507438-7753-43e0-B8FC-AC1667EBCBE1}">
-                <a14:hiddenEffects xmlns="" xmlns:a14="http://schemas.microsoft.com/office/drawing/2010/main">
+                <a14:hiddenEffects xmlns:a14="http://schemas.microsoft.com/office/drawing/2010/main" xmlns="">
                   <a:effectLst>
                     <a:outerShdw blurRad="63500" dist="38099" dir="2700000" algn="ctr" rotWithShape="0">
                       <a:schemeClr val="bg2">
@@ -7764,7 +7764,7 @@
             <a:effectLst/>
             <a:extLst>
               <a:ext uri="{91240B29-F687-4f45-9708-019B960494DF}">
-                <a14:hiddenLine xmlns="" xmlns:a14="http://schemas.microsoft.com/office/drawing/2010/main" w="9525">
+                <a14:hiddenLine xmlns:a14="http://schemas.microsoft.com/office/drawing/2010/main" xmlns="" w="9525">
                   <a:solidFill>
                     <a:schemeClr val="tx1"/>
                   </a:solidFill>
@@ -7774,7 +7774,7 @@
                 </a14:hiddenLine>
               </a:ext>
               <a:ext uri="{AF507438-7753-43e0-B8FC-AC1667EBCBE1}">
-                <a14:hiddenEffects xmlns="" xmlns:a14="http://schemas.microsoft.com/office/drawing/2010/main">
+                <a14:hiddenEffects xmlns:a14="http://schemas.microsoft.com/office/drawing/2010/main" xmlns="">
                   <a:effectLst>
                     <a:outerShdw blurRad="63500" dist="38099" dir="2700000" algn="ctr" rotWithShape="0">
                       <a:schemeClr val="bg2">
@@ -7819,7 +7819,7 @@
             <a:effectLst/>
             <a:extLst>
               <a:ext uri="{91240B29-F687-4f45-9708-019B960494DF}">
-                <a14:hiddenLine xmlns="" xmlns:a14="http://schemas.microsoft.com/office/drawing/2010/main" w="9525">
+                <a14:hiddenLine xmlns:a14="http://schemas.microsoft.com/office/drawing/2010/main" xmlns="" w="9525">
                   <a:solidFill>
                     <a:schemeClr val="tx1"/>
                   </a:solidFill>
@@ -7829,7 +7829,7 @@
                 </a14:hiddenLine>
               </a:ext>
               <a:ext uri="{AF507438-7753-43e0-B8FC-AC1667EBCBE1}">
-                <a14:hiddenEffects xmlns="" xmlns:a14="http://schemas.microsoft.com/office/drawing/2010/main">
+                <a14:hiddenEffects xmlns:a14="http://schemas.microsoft.com/office/drawing/2010/main" xmlns="">
                   <a:effectLst>
                     <a:outerShdw blurRad="63500" dist="38099" dir="2700000" algn="ctr" rotWithShape="0">
                       <a:schemeClr val="bg2">
@@ -7874,7 +7874,7 @@
             <a:effectLst/>
             <a:extLst>
               <a:ext uri="{91240B29-F687-4f45-9708-019B960494DF}">
-                <a14:hiddenLine xmlns="" xmlns:a14="http://schemas.microsoft.com/office/drawing/2010/main" w="9525">
+                <a14:hiddenLine xmlns:a14="http://schemas.microsoft.com/office/drawing/2010/main" xmlns="" w="9525">
                   <a:solidFill>
                     <a:schemeClr val="tx1"/>
                   </a:solidFill>
@@ -7884,7 +7884,7 @@
                 </a14:hiddenLine>
               </a:ext>
               <a:ext uri="{AF507438-7753-43e0-B8FC-AC1667EBCBE1}">
-                <a14:hiddenEffects xmlns="" xmlns:a14="http://schemas.microsoft.com/office/drawing/2010/main">
+                <a14:hiddenEffects xmlns:a14="http://schemas.microsoft.com/office/drawing/2010/main" xmlns="">
                   <a:effectLst>
                     <a:outerShdw blurRad="63500" dist="38099" dir="2700000" algn="ctr" rotWithShape="0">
                       <a:schemeClr val="bg2">
@@ -7929,7 +7929,7 @@
             <a:effectLst/>
             <a:extLst>
               <a:ext uri="{91240B29-F687-4f45-9708-019B960494DF}">
-                <a14:hiddenLine xmlns="" xmlns:a14="http://schemas.microsoft.com/office/drawing/2010/main" w="9525">
+                <a14:hiddenLine xmlns:a14="http://schemas.microsoft.com/office/drawing/2010/main" xmlns="" w="9525">
                   <a:solidFill>
                     <a:schemeClr val="tx1"/>
                   </a:solidFill>
@@ -7939,7 +7939,7 @@
                 </a14:hiddenLine>
               </a:ext>
               <a:ext uri="{AF507438-7753-43e0-B8FC-AC1667EBCBE1}">
-                <a14:hiddenEffects xmlns="" xmlns:a14="http://schemas.microsoft.com/office/drawing/2010/main">
+                <a14:hiddenEffects xmlns:a14="http://schemas.microsoft.com/office/drawing/2010/main" xmlns="">
                   <a:effectLst>
                     <a:outerShdw blurRad="63500" dist="38099" dir="2700000" algn="ctr" rotWithShape="0">
                       <a:schemeClr val="bg2">
@@ -7984,7 +7984,7 @@
             <a:effectLst/>
             <a:extLst>
               <a:ext uri="{91240B29-F687-4f45-9708-019B960494DF}">
-                <a14:hiddenLine xmlns="" xmlns:a14="http://schemas.microsoft.com/office/drawing/2010/main" w="9525">
+                <a14:hiddenLine xmlns:a14="http://schemas.microsoft.com/office/drawing/2010/main" xmlns="" w="9525">
                   <a:solidFill>
                     <a:schemeClr val="tx1"/>
                   </a:solidFill>
@@ -7994,7 +7994,7 @@
                 </a14:hiddenLine>
               </a:ext>
               <a:ext uri="{AF507438-7753-43e0-B8FC-AC1667EBCBE1}">
-                <a14:hiddenEffects xmlns="" xmlns:a14="http://schemas.microsoft.com/office/drawing/2010/main">
+                <a14:hiddenEffects xmlns:a14="http://schemas.microsoft.com/office/drawing/2010/main" xmlns="">
                   <a:effectLst>
                     <a:outerShdw blurRad="63500" dist="38099" dir="2700000" algn="ctr" rotWithShape="0">
                       <a:schemeClr val="bg2">
@@ -8039,7 +8039,7 @@
             <a:effectLst/>
             <a:extLst>
               <a:ext uri="{91240B29-F687-4f45-9708-019B960494DF}">
-                <a14:hiddenLine xmlns="" xmlns:a14="http://schemas.microsoft.com/office/drawing/2010/main" w="9525">
+                <a14:hiddenLine xmlns:a14="http://schemas.microsoft.com/office/drawing/2010/main" xmlns="" w="9525">
                   <a:solidFill>
                     <a:schemeClr val="tx1"/>
                   </a:solidFill>
@@ -8049,7 +8049,7 @@
                 </a14:hiddenLine>
               </a:ext>
               <a:ext uri="{AF507438-7753-43e0-B8FC-AC1667EBCBE1}">
-                <a14:hiddenEffects xmlns="" xmlns:a14="http://schemas.microsoft.com/office/drawing/2010/main">
+                <a14:hiddenEffects xmlns:a14="http://schemas.microsoft.com/office/drawing/2010/main" xmlns="">
                   <a:effectLst>
                     <a:outerShdw blurRad="63500" dist="38099" dir="2700000" algn="ctr" rotWithShape="0">
                       <a:schemeClr val="bg2">
@@ -8094,7 +8094,7 @@
             <a:effectLst/>
             <a:extLst>
               <a:ext uri="{91240B29-F687-4f45-9708-019B960494DF}">
-                <a14:hiddenLine xmlns="" xmlns:a14="http://schemas.microsoft.com/office/drawing/2010/main" w="9525">
+                <a14:hiddenLine xmlns:a14="http://schemas.microsoft.com/office/drawing/2010/main" xmlns="" w="9525">
                   <a:solidFill>
                     <a:schemeClr val="tx1"/>
                   </a:solidFill>
@@ -8104,7 +8104,7 @@
                 </a14:hiddenLine>
               </a:ext>
               <a:ext uri="{AF507438-7753-43e0-B8FC-AC1667EBCBE1}">
-                <a14:hiddenEffects xmlns="" xmlns:a14="http://schemas.microsoft.com/office/drawing/2010/main">
+                <a14:hiddenEffects xmlns:a14="http://schemas.microsoft.com/office/drawing/2010/main" xmlns="">
                   <a:effectLst>
                     <a:outerShdw blurRad="63500" dist="38099" dir="2700000" algn="ctr" rotWithShape="0">
                       <a:schemeClr val="bg2">
@@ -8149,7 +8149,7 @@
             <a:effectLst/>
             <a:extLst>
               <a:ext uri="{91240B29-F687-4f45-9708-019B960494DF}">
-                <a14:hiddenLine xmlns="" xmlns:a14="http://schemas.microsoft.com/office/drawing/2010/main" w="9525">
+                <a14:hiddenLine xmlns:a14="http://schemas.microsoft.com/office/drawing/2010/main" xmlns="" w="9525">
                   <a:solidFill>
                     <a:schemeClr val="tx1"/>
                   </a:solidFill>
@@ -8159,7 +8159,7 @@
                 </a14:hiddenLine>
               </a:ext>
               <a:ext uri="{AF507438-7753-43e0-B8FC-AC1667EBCBE1}">
-                <a14:hiddenEffects xmlns="" xmlns:a14="http://schemas.microsoft.com/office/drawing/2010/main">
+                <a14:hiddenEffects xmlns:a14="http://schemas.microsoft.com/office/drawing/2010/main" xmlns="">
                   <a:effectLst>
                     <a:outerShdw blurRad="63500" dist="38099" dir="2700000" algn="ctr" rotWithShape="0">
                       <a:schemeClr val="bg2">
@@ -8204,7 +8204,7 @@
             <a:effectLst/>
             <a:extLst>
               <a:ext uri="{91240B29-F687-4f45-9708-019B960494DF}">
-                <a14:hiddenLine xmlns="" xmlns:a14="http://schemas.microsoft.com/office/drawing/2010/main" w="9525">
+                <a14:hiddenLine xmlns:a14="http://schemas.microsoft.com/office/drawing/2010/main" xmlns="" w="9525">
                   <a:solidFill>
                     <a:schemeClr val="tx1"/>
                   </a:solidFill>
@@ -8214,7 +8214,7 @@
                 </a14:hiddenLine>
               </a:ext>
               <a:ext uri="{AF507438-7753-43e0-B8FC-AC1667EBCBE1}">
-                <a14:hiddenEffects xmlns="" xmlns:a14="http://schemas.microsoft.com/office/drawing/2010/main">
+                <a14:hiddenEffects xmlns:a14="http://schemas.microsoft.com/office/drawing/2010/main" xmlns="">
                   <a:effectLst>
                     <a:outerShdw blurRad="63500" dist="38099" dir="2700000" algn="ctr" rotWithShape="0">
                       <a:schemeClr val="bg2">
@@ -8259,7 +8259,7 @@
             <a:effectLst/>
             <a:extLst>
               <a:ext uri="{91240B29-F687-4f45-9708-019B960494DF}">
-                <a14:hiddenLine xmlns="" xmlns:a14="http://schemas.microsoft.com/office/drawing/2010/main" w="9525">
+                <a14:hiddenLine xmlns:a14="http://schemas.microsoft.com/office/drawing/2010/main" xmlns="" w="9525">
                   <a:solidFill>
                     <a:schemeClr val="tx1"/>
                   </a:solidFill>
@@ -8269,7 +8269,7 @@
                 </a14:hiddenLine>
               </a:ext>
               <a:ext uri="{AF507438-7753-43e0-B8FC-AC1667EBCBE1}">
-                <a14:hiddenEffects xmlns="" xmlns:a14="http://schemas.microsoft.com/office/drawing/2010/main">
+                <a14:hiddenEffects xmlns:a14="http://schemas.microsoft.com/office/drawing/2010/main" xmlns="">
                   <a:effectLst>
                     <a:outerShdw blurRad="63500" dist="38099" dir="2700000" algn="ctr" rotWithShape="0">
                       <a:schemeClr val="bg2">
@@ -8314,7 +8314,7 @@
             <a:effectLst/>
             <a:extLst>
               <a:ext uri="{91240B29-F687-4f45-9708-019B960494DF}">
-                <a14:hiddenLine xmlns="" xmlns:a14="http://schemas.microsoft.com/office/drawing/2010/main" w="9525">
+                <a14:hiddenLine xmlns:a14="http://schemas.microsoft.com/office/drawing/2010/main" xmlns="" w="9525">
                   <a:solidFill>
                     <a:schemeClr val="tx1"/>
                   </a:solidFill>
@@ -8324,7 +8324,7 @@
                 </a14:hiddenLine>
               </a:ext>
               <a:ext uri="{AF507438-7753-43e0-B8FC-AC1667EBCBE1}">
-                <a14:hiddenEffects xmlns="" xmlns:a14="http://schemas.microsoft.com/office/drawing/2010/main">
+                <a14:hiddenEffects xmlns:a14="http://schemas.microsoft.com/office/drawing/2010/main" xmlns="">
                   <a:effectLst>
                     <a:outerShdw blurRad="63500" dist="38099" dir="2700000" algn="ctr" rotWithShape="0">
                       <a:schemeClr val="bg2">
@@ -8369,7 +8369,7 @@
             <a:effectLst/>
             <a:extLst>
               <a:ext uri="{91240B29-F687-4f45-9708-019B960494DF}">
-                <a14:hiddenLine xmlns="" xmlns:a14="http://schemas.microsoft.com/office/drawing/2010/main" w="9525">
+                <a14:hiddenLine xmlns:a14="http://schemas.microsoft.com/office/drawing/2010/main" xmlns="" w="9525">
                   <a:solidFill>
                     <a:schemeClr val="tx1"/>
                   </a:solidFill>
@@ -8379,7 +8379,7 @@
                 </a14:hiddenLine>
               </a:ext>
               <a:ext uri="{AF507438-7753-43e0-B8FC-AC1667EBCBE1}">
-                <a14:hiddenEffects xmlns="" xmlns:a14="http://schemas.microsoft.com/office/drawing/2010/main">
+                <a14:hiddenEffects xmlns:a14="http://schemas.microsoft.com/office/drawing/2010/main" xmlns="">
                   <a:effectLst>
                     <a:outerShdw blurRad="63500" dist="38099" dir="2700000" algn="ctr" rotWithShape="0">
                       <a:schemeClr val="bg2">
@@ -8424,7 +8424,7 @@
             <a:effectLst/>
             <a:extLst>
               <a:ext uri="{91240B29-F687-4f45-9708-019B960494DF}">
-                <a14:hiddenLine xmlns="" xmlns:a14="http://schemas.microsoft.com/office/drawing/2010/main" w="9525">
+                <a14:hiddenLine xmlns:a14="http://schemas.microsoft.com/office/drawing/2010/main" xmlns="" w="9525">
                   <a:solidFill>
                     <a:schemeClr val="tx1"/>
                   </a:solidFill>
@@ -8434,7 +8434,7 @@
                 </a14:hiddenLine>
               </a:ext>
               <a:ext uri="{AF507438-7753-43e0-B8FC-AC1667EBCBE1}">
-                <a14:hiddenEffects xmlns="" xmlns:a14="http://schemas.microsoft.com/office/drawing/2010/main">
+                <a14:hiddenEffects xmlns:a14="http://schemas.microsoft.com/office/drawing/2010/main" xmlns="">
                   <a:effectLst>
                     <a:outerShdw blurRad="63500" dist="38099" dir="2700000" algn="ctr" rotWithShape="0">
                       <a:schemeClr val="bg2">
@@ -8479,7 +8479,7 @@
             <a:effectLst/>
             <a:extLst>
               <a:ext uri="{91240B29-F687-4f45-9708-019B960494DF}">
-                <a14:hiddenLine xmlns="" xmlns:a14="http://schemas.microsoft.com/office/drawing/2010/main" w="9525">
+                <a14:hiddenLine xmlns:a14="http://schemas.microsoft.com/office/drawing/2010/main" xmlns="" w="9525">
                   <a:solidFill>
                     <a:schemeClr val="tx1"/>
                   </a:solidFill>
@@ -8489,7 +8489,7 @@
                 </a14:hiddenLine>
               </a:ext>
               <a:ext uri="{AF507438-7753-43e0-B8FC-AC1667EBCBE1}">
-                <a14:hiddenEffects xmlns="" xmlns:a14="http://schemas.microsoft.com/office/drawing/2010/main">
+                <a14:hiddenEffects xmlns:a14="http://schemas.microsoft.com/office/drawing/2010/main" xmlns="">
                   <a:effectLst>
                     <a:outerShdw blurRad="63500" dist="38099" dir="2700000" algn="ctr" rotWithShape="0">
                       <a:schemeClr val="bg2">
@@ -8534,7 +8534,7 @@
             <a:effectLst/>
             <a:extLst>
               <a:ext uri="{91240B29-F687-4f45-9708-019B960494DF}">
-                <a14:hiddenLine xmlns="" xmlns:a14="http://schemas.microsoft.com/office/drawing/2010/main" w="9525">
+                <a14:hiddenLine xmlns:a14="http://schemas.microsoft.com/office/drawing/2010/main" xmlns="" w="9525">
                   <a:solidFill>
                     <a:schemeClr val="tx1"/>
                   </a:solidFill>
@@ -8544,7 +8544,7 @@
                 </a14:hiddenLine>
               </a:ext>
               <a:ext uri="{AF507438-7753-43e0-B8FC-AC1667EBCBE1}">
-                <a14:hiddenEffects xmlns="" xmlns:a14="http://schemas.microsoft.com/office/drawing/2010/main">
+                <a14:hiddenEffects xmlns:a14="http://schemas.microsoft.com/office/drawing/2010/main" xmlns="">
                   <a:effectLst>
                     <a:outerShdw blurRad="63500" dist="38099" dir="2700000" algn="ctr" rotWithShape="0">
                       <a:schemeClr val="bg2">
@@ -8589,7 +8589,7 @@
             <a:effectLst/>
             <a:extLst>
               <a:ext uri="{91240B29-F687-4f45-9708-019B960494DF}">
-                <a14:hiddenLine xmlns="" xmlns:a14="http://schemas.microsoft.com/office/drawing/2010/main" w="9525">
+                <a14:hiddenLine xmlns:a14="http://schemas.microsoft.com/office/drawing/2010/main" xmlns="" w="9525">
                   <a:solidFill>
                     <a:schemeClr val="tx1"/>
                   </a:solidFill>
@@ -8599,7 +8599,7 @@
                 </a14:hiddenLine>
               </a:ext>
               <a:ext uri="{AF507438-7753-43e0-B8FC-AC1667EBCBE1}">
-                <a14:hiddenEffects xmlns="" xmlns:a14="http://schemas.microsoft.com/office/drawing/2010/main">
+                <a14:hiddenEffects xmlns:a14="http://schemas.microsoft.com/office/drawing/2010/main" xmlns="">
                   <a:effectLst>
                     <a:outerShdw blurRad="63500" dist="38099" dir="2700000" algn="ctr" rotWithShape="0">
                       <a:schemeClr val="bg2">
@@ -8644,7 +8644,7 @@
             <a:effectLst/>
             <a:extLst>
               <a:ext uri="{91240B29-F687-4f45-9708-019B960494DF}">
-                <a14:hiddenLine xmlns="" xmlns:a14="http://schemas.microsoft.com/office/drawing/2010/main" w="9525">
+                <a14:hiddenLine xmlns:a14="http://schemas.microsoft.com/office/drawing/2010/main" xmlns="" w="9525">
                   <a:solidFill>
                     <a:schemeClr val="tx1"/>
                   </a:solidFill>
@@ -8654,7 +8654,7 @@
                 </a14:hiddenLine>
               </a:ext>
               <a:ext uri="{AF507438-7753-43e0-B8FC-AC1667EBCBE1}">
-                <a14:hiddenEffects xmlns="" xmlns:a14="http://schemas.microsoft.com/office/drawing/2010/main">
+                <a14:hiddenEffects xmlns:a14="http://schemas.microsoft.com/office/drawing/2010/main" xmlns="">
                   <a:effectLst>
                     <a:outerShdw blurRad="63500" dist="38099" dir="2700000" algn="ctr" rotWithShape="0">
                       <a:schemeClr val="bg2">
@@ -9167,7 +9167,7 @@
           <a:effectLst/>
           <a:extLst>
             <a:ext uri="{AF507438-7753-43e0-B8FC-AC1667EBCBE1}">
-              <a14:hiddenEffects xmlns="" xmlns:a14="http://schemas.microsoft.com/office/drawing/2010/main">
+              <a14:hiddenEffects xmlns:a14="http://schemas.microsoft.com/office/drawing/2010/main" xmlns="">
                 <a:effectLst>
                   <a:outerShdw blurRad="63500" dist="38099" dir="2700000" algn="ctr" rotWithShape="0">
                     <a:schemeClr val="bg2">
@@ -10359,14 +10359,14 @@
           <a:effectLst/>
           <a:extLst>
             <a:ext uri="{909E8E84-426E-40dd-AFC4-6F175D3DCCD1}">
-              <a14:hiddenFill xmlns="" xmlns:a14="http://schemas.microsoft.com/office/drawing/2010/main">
+              <a14:hiddenFill xmlns:a14="http://schemas.microsoft.com/office/drawing/2010/main" xmlns="">
                 <a:solidFill>
                   <a:schemeClr val="accent1"/>
                 </a:solidFill>
               </a14:hiddenFill>
             </a:ext>
             <a:ext uri="{91240B29-F687-4f45-9708-019B960494DF}">
-              <a14:hiddenLine xmlns="" xmlns:a14="http://schemas.microsoft.com/office/drawing/2010/main" w="9525">
+              <a14:hiddenLine xmlns:a14="http://schemas.microsoft.com/office/drawing/2010/main" xmlns="" w="9525">
                 <a:solidFill>
                   <a:schemeClr val="tx1"/>
                 </a:solidFill>
@@ -10376,7 +10376,7 @@
               </a14:hiddenLine>
             </a:ext>
             <a:ext uri="{AF507438-7753-43e0-B8FC-AC1667EBCBE1}">
-              <a14:hiddenEffects xmlns="" xmlns:a14="http://schemas.microsoft.com/office/drawing/2010/main">
+              <a14:hiddenEffects xmlns:a14="http://schemas.microsoft.com/office/drawing/2010/main" xmlns="">
                 <a:effectLst>
                   <a:outerShdw blurRad="63500" dist="38099" dir="2700000" algn="ctr" rotWithShape="0">
                     <a:srgbClr val="000000">
@@ -10411,14 +10411,14 @@
           </a:ln>
           <a:extLst>
             <a:ext uri="{909E8E84-426E-40dd-AFC4-6F175D3DCCD1}">
-              <a14:hiddenFill xmlns="" xmlns:a14="http://schemas.microsoft.com/office/drawing/2010/main">
+              <a14:hiddenFill xmlns:a14="http://schemas.microsoft.com/office/drawing/2010/main" xmlns="">
                 <a:solidFill>
                   <a:schemeClr val="accent1"/>
                 </a:solidFill>
               </a14:hiddenFill>
             </a:ext>
             <a:ext uri="{91240B29-F687-4f45-9708-019B960494DF}">
-              <a14:hiddenLine xmlns="" xmlns:a14="http://schemas.microsoft.com/office/drawing/2010/main" w="9525">
+              <a14:hiddenLine xmlns:a14="http://schemas.microsoft.com/office/drawing/2010/main" xmlns="" w="9525">
                 <a:solidFill>
                   <a:schemeClr val="tx1"/>
                 </a:solidFill>
@@ -13361,7 +13361,7 @@
           </a:ln>
           <a:extLst>
             <a:ext uri="{909E8E84-426E-40dd-AFC4-6F175D3DCCD1}">
-              <a14:hiddenFill xmlns="" xmlns:a14="http://schemas.microsoft.com/office/drawing/2010/main">
+              <a14:hiddenFill xmlns:a14="http://schemas.microsoft.com/office/drawing/2010/main" xmlns="">
                 <a:solidFill>
                   <a:schemeClr val="accent1"/>
                 </a:solidFill>
@@ -13633,7 +13633,7 @@
           </a:ln>
           <a:extLst>
             <a:ext uri="{909E8E84-426E-40dd-AFC4-6F175D3DCCD1}">
-              <a14:hiddenFill xmlns="" xmlns:a14="http://schemas.microsoft.com/office/drawing/2010/main">
+              <a14:hiddenFill xmlns:a14="http://schemas.microsoft.com/office/drawing/2010/main" xmlns="">
                 <a:solidFill>
                   <a:schemeClr val="accent1"/>
                 </a:solidFill>
@@ -14224,14 +14224,14 @@
           </a:ln>
           <a:extLst>
             <a:ext uri="{909E8E84-426E-40dd-AFC4-6F175D3DCCD1}">
-              <a14:hiddenFill xmlns="" xmlns:a14="http://schemas.microsoft.com/office/drawing/2010/main">
+              <a14:hiddenFill xmlns:a14="http://schemas.microsoft.com/office/drawing/2010/main" xmlns="">
                 <a:solidFill>
                   <a:schemeClr val="accent1"/>
                 </a:solidFill>
               </a14:hiddenFill>
             </a:ext>
             <a:ext uri="{91240B29-F687-4f45-9708-019B960494DF}">
-              <a14:hiddenLine xmlns="" xmlns:a14="http://schemas.microsoft.com/office/drawing/2010/main" w="9525">
+              <a14:hiddenLine xmlns:a14="http://schemas.microsoft.com/office/drawing/2010/main" xmlns="" w="9525">
                 <a:solidFill>
                   <a:schemeClr val="tx1"/>
                 </a:solidFill>
@@ -14277,14 +14277,14 @@
           </a:ln>
           <a:extLst>
             <a:ext uri="{909E8E84-426E-40dd-AFC4-6F175D3DCCD1}">
-              <a14:hiddenFill xmlns="" xmlns:a14="http://schemas.microsoft.com/office/drawing/2010/main">
+              <a14:hiddenFill xmlns:a14="http://schemas.microsoft.com/office/drawing/2010/main" xmlns="">
                 <a:solidFill>
                   <a:schemeClr val="accent1"/>
                 </a:solidFill>
               </a14:hiddenFill>
             </a:ext>
             <a:ext uri="{91240B29-F687-4f45-9708-019B960494DF}">
-              <a14:hiddenLine xmlns="" xmlns:a14="http://schemas.microsoft.com/office/drawing/2010/main" w="9525">
+              <a14:hiddenLine xmlns:a14="http://schemas.microsoft.com/office/drawing/2010/main" xmlns="" w="9525">
                 <a:solidFill>
                   <a:schemeClr val="tx1"/>
                 </a:solidFill>
@@ -14451,14 +14451,14 @@
           </a:ln>
           <a:extLst>
             <a:ext uri="{909E8E84-426E-40dd-AFC4-6F175D3DCCD1}">
-              <a14:hiddenFill xmlns="" xmlns:a14="http://schemas.microsoft.com/office/drawing/2010/main">
+              <a14:hiddenFill xmlns:a14="http://schemas.microsoft.com/office/drawing/2010/main" xmlns="">
                 <a:solidFill>
                   <a:schemeClr val="accent1"/>
                 </a:solidFill>
               </a14:hiddenFill>
             </a:ext>
             <a:ext uri="{91240B29-F687-4f45-9708-019B960494DF}">
-              <a14:hiddenLine xmlns="" xmlns:a14="http://schemas.microsoft.com/office/drawing/2010/main" w="9525">
+              <a14:hiddenLine xmlns:a14="http://schemas.microsoft.com/office/drawing/2010/main" xmlns="" w="9525">
                 <a:solidFill>
                   <a:schemeClr val="tx1"/>
                 </a:solidFill>
@@ -14543,14 +14543,14 @@
           </a:ln>
           <a:extLst>
             <a:ext uri="{909E8E84-426E-40dd-AFC4-6F175D3DCCD1}">
-              <a14:hiddenFill xmlns="" xmlns:a14="http://schemas.microsoft.com/office/drawing/2010/main">
+              <a14:hiddenFill xmlns:a14="http://schemas.microsoft.com/office/drawing/2010/main" xmlns="">
                 <a:solidFill>
                   <a:schemeClr val="accent1"/>
                 </a:solidFill>
               </a14:hiddenFill>
             </a:ext>
             <a:ext uri="{91240B29-F687-4f45-9708-019B960494DF}">
-              <a14:hiddenLine xmlns="" xmlns:a14="http://schemas.microsoft.com/office/drawing/2010/main" w="9525">
+              <a14:hiddenLine xmlns:a14="http://schemas.microsoft.com/office/drawing/2010/main" xmlns="" w="9525">
                 <a:solidFill>
                   <a:schemeClr val="tx1"/>
                 </a:solidFill>
@@ -14601,7 +14601,7 @@
           </a:ln>
           <a:extLst>
             <a:ext uri="{909E8E84-426E-40dd-AFC4-6F175D3DCCD1}">
-              <a14:hiddenFill xmlns="" xmlns:a14="http://schemas.microsoft.com/office/drawing/2010/main">
+              <a14:hiddenFill xmlns:a14="http://schemas.microsoft.com/office/drawing/2010/main" xmlns="">
                 <a:solidFill>
                   <a:schemeClr val="accent1"/>
                 </a:solidFill>
@@ -14652,14 +14652,14 @@
           </a:ln>
           <a:extLst>
             <a:ext uri="{909E8E84-426E-40dd-AFC4-6F175D3DCCD1}">
-              <a14:hiddenFill xmlns="" xmlns:a14="http://schemas.microsoft.com/office/drawing/2010/main">
+              <a14:hiddenFill xmlns:a14="http://schemas.microsoft.com/office/drawing/2010/main" xmlns="">
                 <a:solidFill>
                   <a:schemeClr val="accent1"/>
                 </a:solidFill>
               </a14:hiddenFill>
             </a:ext>
             <a:ext uri="{91240B29-F687-4f45-9708-019B960494DF}">
-              <a14:hiddenLine xmlns="" xmlns:a14="http://schemas.microsoft.com/office/drawing/2010/main" w="9525">
+              <a14:hiddenLine xmlns:a14="http://schemas.microsoft.com/office/drawing/2010/main" xmlns="" w="9525">
                 <a:solidFill>
                   <a:schemeClr val="tx1"/>
                 </a:solidFill>
@@ -15729,24 +15729,12 @@
           <a:p>
             <a:pPr lvl="1"/>
             <a:r>
-              <a:rPr lang="en-US" sz="2000" dirty="0"/>
-              <a:t>https://</a:t>
-            </a:r>
-            <a:r>
-              <a:rPr lang="en-US" sz="2000" dirty="0" err="1"/>
-              <a:t>www.dropbox.com</a:t>
-            </a:r>
-            <a:r>
-              <a:rPr lang="en-US" sz="2000" dirty="0"/>
-              <a:t>/s/p1buwib8l3jkpby/</a:t>
-            </a:r>
-            <a:r>
-              <a:rPr lang="en-US" sz="2000" dirty="0" err="1"/>
-              <a:t>book.pdf?dl</a:t>
-            </a:r>
-            <a:r>
-              <a:rPr lang="en-US" sz="2000" dirty="0"/>
-              <a:t>=0</a:t>
+              <a:rPr lang="en-US" dirty="0"/>
+              <a:t>See </a:t>
+            </a:r>
+            <a:r>
+              <a:rPr lang="en-US" dirty="0" err="1"/>
+              <a:t>BrightSpace</a:t>
             </a:r>
             <a:endParaRPr lang="en-US" dirty="0"/>
           </a:p>
@@ -15880,14 +15868,14 @@
           </a:ln>
           <a:extLst>
             <a:ext uri="{909E8E84-426E-40dd-AFC4-6F175D3DCCD1}">
-              <a14:hiddenFill xmlns="" xmlns:a14="http://schemas.microsoft.com/office/drawing/2010/main">
+              <a14:hiddenFill xmlns:a14="http://schemas.microsoft.com/office/drawing/2010/main" xmlns="">
                 <a:solidFill>
                   <a:schemeClr val="accent1"/>
                 </a:solidFill>
               </a14:hiddenFill>
             </a:ext>
             <a:ext uri="{91240B29-F687-4f45-9708-019B960494DF}">
-              <a14:hiddenLine xmlns="" xmlns:a14="http://schemas.microsoft.com/office/drawing/2010/main" w="9525">
+              <a14:hiddenLine xmlns:a14="http://schemas.microsoft.com/office/drawing/2010/main" xmlns="" w="9525">
                 <a:solidFill>
                   <a:schemeClr val="tx1"/>
                 </a:solidFill>
@@ -16031,14 +16019,14 @@
           </a:ln>
           <a:extLst>
             <a:ext uri="{909E8E84-426E-40dd-AFC4-6F175D3DCCD1}">
-              <a14:hiddenFill xmlns="" xmlns:a14="http://schemas.microsoft.com/office/drawing/2010/main">
+              <a14:hiddenFill xmlns:a14="http://schemas.microsoft.com/office/drawing/2010/main" xmlns="">
                 <a:solidFill>
                   <a:schemeClr val="accent1"/>
                 </a:solidFill>
               </a14:hiddenFill>
             </a:ext>
             <a:ext uri="{91240B29-F687-4f45-9708-019B960494DF}">
-              <a14:hiddenLine xmlns="" xmlns:a14="http://schemas.microsoft.com/office/drawing/2010/main" w="9525">
+              <a14:hiddenLine xmlns:a14="http://schemas.microsoft.com/office/drawing/2010/main" xmlns="" w="9525">
                 <a:solidFill>
                   <a:schemeClr val="tx1"/>
                 </a:solidFill>
@@ -16648,14 +16636,14 @@
           </a:ln>
           <a:extLst>
             <a:ext uri="{909E8E84-426E-40dd-AFC4-6F175D3DCCD1}">
-              <a14:hiddenFill xmlns="" xmlns:a14="http://schemas.microsoft.com/office/drawing/2010/main">
+              <a14:hiddenFill xmlns:a14="http://schemas.microsoft.com/office/drawing/2010/main" xmlns="">
                 <a:solidFill>
                   <a:schemeClr val="accent1"/>
                 </a:solidFill>
               </a14:hiddenFill>
             </a:ext>
             <a:ext uri="{91240B29-F687-4f45-9708-019B960494DF}">
-              <a14:hiddenLine xmlns="" xmlns:a14="http://schemas.microsoft.com/office/drawing/2010/main" w="9525">
+              <a14:hiddenLine xmlns:a14="http://schemas.microsoft.com/office/drawing/2010/main" xmlns="" w="9525">
                 <a:solidFill>
                   <a:schemeClr val="tx1"/>
                 </a:solidFill>
@@ -16732,7 +16720,7 @@
           </a:ln>
           <a:extLst>
             <a:ext uri="{909E8E84-426E-40dd-AFC4-6F175D3DCCD1}">
-              <a14:hiddenFill xmlns="" xmlns:a14="http://schemas.microsoft.com/office/drawing/2010/main">
+              <a14:hiddenFill xmlns:a14="http://schemas.microsoft.com/office/drawing/2010/main" xmlns="">
                 <a:noFill/>
               </a14:hiddenFill>
             </a:ext>
@@ -16768,14 +16756,14 @@
           </a:ln>
           <a:extLst>
             <a:ext uri="{909E8E84-426E-40dd-AFC4-6F175D3DCCD1}">
-              <a14:hiddenFill xmlns="" xmlns:a14="http://schemas.microsoft.com/office/drawing/2010/main">
+              <a14:hiddenFill xmlns:a14="http://schemas.microsoft.com/office/drawing/2010/main" xmlns="">
                 <a:solidFill>
                   <a:schemeClr val="accent1"/>
                 </a:solidFill>
               </a14:hiddenFill>
             </a:ext>
             <a:ext uri="{91240B29-F687-4f45-9708-019B960494DF}">
-              <a14:hiddenLine xmlns="" xmlns:a14="http://schemas.microsoft.com/office/drawing/2010/main" w="9525">
+              <a14:hiddenLine xmlns:a14="http://schemas.microsoft.com/office/drawing/2010/main" xmlns="" w="9525">
                 <a:solidFill>
                   <a:schemeClr val="tx1"/>
                 </a:solidFill>
@@ -16827,7 +16815,7 @@
           </a:ln>
           <a:extLst>
             <a:ext uri="{909E8E84-426E-40dd-AFC4-6F175D3DCCD1}">
-              <a14:hiddenFill xmlns="" xmlns:a14="http://schemas.microsoft.com/office/drawing/2010/main">
+              <a14:hiddenFill xmlns:a14="http://schemas.microsoft.com/office/drawing/2010/main" xmlns="">
                 <a:noFill/>
               </a14:hiddenFill>
             </a:ext>
@@ -16863,14 +16851,14 @@
           </a:ln>
           <a:extLst>
             <a:ext uri="{909E8E84-426E-40dd-AFC4-6F175D3DCCD1}">
-              <a14:hiddenFill xmlns="" xmlns:a14="http://schemas.microsoft.com/office/drawing/2010/main">
+              <a14:hiddenFill xmlns:a14="http://schemas.microsoft.com/office/drawing/2010/main" xmlns="">
                 <a:solidFill>
                   <a:schemeClr val="accent1"/>
                 </a:solidFill>
               </a14:hiddenFill>
             </a:ext>
             <a:ext uri="{91240B29-F687-4f45-9708-019B960494DF}">
-              <a14:hiddenLine xmlns="" xmlns:a14="http://schemas.microsoft.com/office/drawing/2010/main" w="9525">
+              <a14:hiddenLine xmlns:a14="http://schemas.microsoft.com/office/drawing/2010/main" xmlns="" w="9525">
                 <a:solidFill>
                   <a:schemeClr val="tx1"/>
                 </a:solidFill>
@@ -16924,7 +16912,7 @@
           </a:ln>
           <a:extLst>
             <a:ext uri="{909E8E84-426E-40dd-AFC4-6F175D3DCCD1}">
-              <a14:hiddenFill xmlns="" xmlns:a14="http://schemas.microsoft.com/office/drawing/2010/main">
+              <a14:hiddenFill xmlns:a14="http://schemas.microsoft.com/office/drawing/2010/main" xmlns="">
                 <a:solidFill>
                   <a:schemeClr val="accent1"/>
                 </a:solidFill>
@@ -16963,14 +16951,14 @@
           </a:ln>
           <a:extLst>
             <a:ext uri="{909E8E84-426E-40dd-AFC4-6F175D3DCCD1}">
-              <a14:hiddenFill xmlns="" xmlns:a14="http://schemas.microsoft.com/office/drawing/2010/main">
+              <a14:hiddenFill xmlns:a14="http://schemas.microsoft.com/office/drawing/2010/main" xmlns="">
                 <a:solidFill>
                   <a:schemeClr val="accent1"/>
                 </a:solidFill>
               </a14:hiddenFill>
             </a:ext>
             <a:ext uri="{91240B29-F687-4f45-9708-019B960494DF}">
-              <a14:hiddenLine xmlns="" xmlns:a14="http://schemas.microsoft.com/office/drawing/2010/main" w="9525">
+              <a14:hiddenLine xmlns:a14="http://schemas.microsoft.com/office/drawing/2010/main" xmlns="" w="9525">
                 <a:solidFill>
                   <a:schemeClr val="tx1"/>
                 </a:solidFill>
@@ -17024,7 +17012,7 @@
           </a:ln>
           <a:extLst>
             <a:ext uri="{909E8E84-426E-40dd-AFC4-6F175D3DCCD1}">
-              <a14:hiddenFill xmlns="" xmlns:a14="http://schemas.microsoft.com/office/drawing/2010/main">
+              <a14:hiddenFill xmlns:a14="http://schemas.microsoft.com/office/drawing/2010/main" xmlns="">
                 <a:solidFill>
                   <a:schemeClr val="accent1"/>
                 </a:solidFill>
@@ -17063,14 +17051,14 @@
           </a:ln>
           <a:extLst>
             <a:ext uri="{909E8E84-426E-40dd-AFC4-6F175D3DCCD1}">
-              <a14:hiddenFill xmlns="" xmlns:a14="http://schemas.microsoft.com/office/drawing/2010/main">
+              <a14:hiddenFill xmlns:a14="http://schemas.microsoft.com/office/drawing/2010/main" xmlns="">
                 <a:solidFill>
                   <a:schemeClr val="accent1"/>
                 </a:solidFill>
               </a14:hiddenFill>
             </a:ext>
             <a:ext uri="{91240B29-F687-4f45-9708-019B960494DF}">
-              <a14:hiddenLine xmlns="" xmlns:a14="http://schemas.microsoft.com/office/drawing/2010/main" w="9525">
+              <a14:hiddenLine xmlns:a14="http://schemas.microsoft.com/office/drawing/2010/main" xmlns="" w="9525">
                 <a:solidFill>
                   <a:schemeClr val="tx1"/>
                 </a:solidFill>
@@ -17124,7 +17112,7 @@
           </a:ln>
           <a:extLst>
             <a:ext uri="{909E8E84-426E-40dd-AFC4-6F175D3DCCD1}">
-              <a14:hiddenFill xmlns="" xmlns:a14="http://schemas.microsoft.com/office/drawing/2010/main">
+              <a14:hiddenFill xmlns:a14="http://schemas.microsoft.com/office/drawing/2010/main" xmlns="">
                 <a:solidFill>
                   <a:schemeClr val="accent1"/>
                 </a:solidFill>
@@ -17162,14 +17150,14 @@
           </a:ln>
           <a:extLst>
             <a:ext uri="{909E8E84-426E-40dd-AFC4-6F175D3DCCD1}">
-              <a14:hiddenFill xmlns="" xmlns:a14="http://schemas.microsoft.com/office/drawing/2010/main">
+              <a14:hiddenFill xmlns:a14="http://schemas.microsoft.com/office/drawing/2010/main" xmlns="">
                 <a:solidFill>
                   <a:schemeClr val="accent1"/>
                 </a:solidFill>
               </a14:hiddenFill>
             </a:ext>
             <a:ext uri="{91240B29-F687-4f45-9708-019B960494DF}">
-              <a14:hiddenLine xmlns="" xmlns:a14="http://schemas.microsoft.com/office/drawing/2010/main" w="9525">
+              <a14:hiddenLine xmlns:a14="http://schemas.microsoft.com/office/drawing/2010/main" xmlns="" w="9525">
                 <a:solidFill>
                   <a:schemeClr val="tx1"/>
                 </a:solidFill>
@@ -17223,7 +17211,7 @@
           </a:ln>
           <a:extLst>
             <a:ext uri="{909E8E84-426E-40dd-AFC4-6F175D3DCCD1}">
-              <a14:hiddenFill xmlns="" xmlns:a14="http://schemas.microsoft.com/office/drawing/2010/main">
+              <a14:hiddenFill xmlns:a14="http://schemas.microsoft.com/office/drawing/2010/main" xmlns="">
                 <a:solidFill>
                   <a:schemeClr val="accent1"/>
                 </a:solidFill>
@@ -17261,14 +17249,14 @@
           </a:ln>
           <a:extLst>
             <a:ext uri="{909E8E84-426E-40dd-AFC4-6F175D3DCCD1}">
-              <a14:hiddenFill xmlns="" xmlns:a14="http://schemas.microsoft.com/office/drawing/2010/main">
+              <a14:hiddenFill xmlns:a14="http://schemas.microsoft.com/office/drawing/2010/main" xmlns="">
                 <a:solidFill>
                   <a:schemeClr val="accent1"/>
                 </a:solidFill>
               </a14:hiddenFill>
             </a:ext>
             <a:ext uri="{91240B29-F687-4f45-9708-019B960494DF}">
-              <a14:hiddenLine xmlns="" xmlns:a14="http://schemas.microsoft.com/office/drawing/2010/main" w="9525">
+              <a14:hiddenLine xmlns:a14="http://schemas.microsoft.com/office/drawing/2010/main" xmlns="" w="9525">
                 <a:solidFill>
                   <a:schemeClr val="tx1"/>
                 </a:solidFill>
@@ -17322,7 +17310,7 @@
           </a:ln>
           <a:extLst>
             <a:ext uri="{909E8E84-426E-40dd-AFC4-6F175D3DCCD1}">
-              <a14:hiddenFill xmlns="" xmlns:a14="http://schemas.microsoft.com/office/drawing/2010/main">
+              <a14:hiddenFill xmlns:a14="http://schemas.microsoft.com/office/drawing/2010/main" xmlns="">
                 <a:solidFill>
                   <a:schemeClr val="accent1"/>
                 </a:solidFill>
@@ -17360,14 +17348,14 @@
           </a:ln>
           <a:extLst>
             <a:ext uri="{909E8E84-426E-40dd-AFC4-6F175D3DCCD1}">
-              <a14:hiddenFill xmlns="" xmlns:a14="http://schemas.microsoft.com/office/drawing/2010/main">
+              <a14:hiddenFill xmlns:a14="http://schemas.microsoft.com/office/drawing/2010/main" xmlns="">
                 <a:solidFill>
                   <a:schemeClr val="accent1"/>
                 </a:solidFill>
               </a14:hiddenFill>
             </a:ext>
             <a:ext uri="{91240B29-F687-4f45-9708-019B960494DF}">
-              <a14:hiddenLine xmlns="" xmlns:a14="http://schemas.microsoft.com/office/drawing/2010/main" w="9525">
+              <a14:hiddenLine xmlns:a14="http://schemas.microsoft.com/office/drawing/2010/main" xmlns="" w="9525">
                 <a:solidFill>
                   <a:schemeClr val="tx1"/>
                 </a:solidFill>
@@ -17418,7 +17406,7 @@
           </a:ln>
           <a:extLst>
             <a:ext uri="{909E8E84-426E-40dd-AFC4-6F175D3DCCD1}">
-              <a14:hiddenFill xmlns="" xmlns:a14="http://schemas.microsoft.com/office/drawing/2010/main">
+              <a14:hiddenFill xmlns:a14="http://schemas.microsoft.com/office/drawing/2010/main" xmlns="">
                 <a:solidFill>
                   <a:schemeClr val="accent1"/>
                 </a:solidFill>
@@ -17589,14 +17577,14 @@
           </a:ln>
           <a:extLst>
             <a:ext uri="{909E8E84-426E-40dd-AFC4-6F175D3DCCD1}">
-              <a14:hiddenFill xmlns="" xmlns:a14="http://schemas.microsoft.com/office/drawing/2010/main">
+              <a14:hiddenFill xmlns:a14="http://schemas.microsoft.com/office/drawing/2010/main" xmlns="">
                 <a:solidFill>
                   <a:schemeClr val="accent1"/>
                 </a:solidFill>
               </a14:hiddenFill>
             </a:ext>
             <a:ext uri="{91240B29-F687-4f45-9708-019B960494DF}">
-              <a14:hiddenLine xmlns="" xmlns:a14="http://schemas.microsoft.com/office/drawing/2010/main" w="9525">
+              <a14:hiddenLine xmlns:a14="http://schemas.microsoft.com/office/drawing/2010/main" xmlns="" w="9525">
                 <a:solidFill>
                   <a:schemeClr val="tx1"/>
                 </a:solidFill>
@@ -17744,7 +17732,7 @@
           <a:effectLst/>
           <a:extLst>
             <a:ext uri="{AF507438-7753-43e0-B8FC-AC1667EBCBE1}">
-              <a14:hiddenEffects xmlns="" xmlns:a14="http://schemas.microsoft.com/office/drawing/2010/main">
+              <a14:hiddenEffects xmlns:a14="http://schemas.microsoft.com/office/drawing/2010/main" xmlns="">
                 <a:effectLst>
                   <a:outerShdw blurRad="63500" dist="38099" dir="2700000" algn="ctr" rotWithShape="0">
                     <a:schemeClr val="bg2">
@@ -17786,7 +17774,7 @@
           <a:effectLst/>
           <a:extLst>
             <a:ext uri="{AF507438-7753-43e0-B8FC-AC1667EBCBE1}">
-              <a14:hiddenEffects xmlns="" xmlns:a14="http://schemas.microsoft.com/office/drawing/2010/main">
+              <a14:hiddenEffects xmlns:a14="http://schemas.microsoft.com/office/drawing/2010/main" xmlns="">
                 <a:effectLst>
                   <a:outerShdw blurRad="63500" dist="38099" dir="2700000" algn="ctr" rotWithShape="0">
                     <a:schemeClr val="bg2">
@@ -17828,7 +17816,7 @@
           <a:effectLst/>
           <a:extLst>
             <a:ext uri="{AF507438-7753-43e0-B8FC-AC1667EBCBE1}">
-              <a14:hiddenEffects xmlns="" xmlns:a14="http://schemas.microsoft.com/office/drawing/2010/main">
+              <a14:hiddenEffects xmlns:a14="http://schemas.microsoft.com/office/drawing/2010/main" xmlns="">
                 <a:effectLst>
                   <a:outerShdw blurRad="63500" dist="38099" dir="2700000" algn="ctr" rotWithShape="0">
                     <a:schemeClr val="bg2">
@@ -18095,7 +18083,7 @@
         <a:effectLst/>
         <a:extLst>
           <a:ext uri="{AF507438-7753-43e0-B8FC-AC1667EBCBE1}">
-            <a14:hiddenEffects xmlns="" xmlns:a14="http://schemas.microsoft.com/office/drawing/2010/main">
+            <a14:hiddenEffects xmlns:a14="http://schemas.microsoft.com/office/drawing/2010/main" xmlns="">
               <a:effectLst>
                 <a:outerShdw blurRad="63500" dist="38099" dir="2700000" algn="ctr" rotWithShape="0">
                   <a:schemeClr val="bg2">
@@ -18172,7 +18160,7 @@
         <a:effectLst/>
         <a:extLst>
           <a:ext uri="{AF507438-7753-43e0-B8FC-AC1667EBCBE1}">
-            <a14:hiddenEffects xmlns="" xmlns:a14="http://schemas.microsoft.com/office/drawing/2010/main">
+            <a14:hiddenEffects xmlns:a14="http://schemas.microsoft.com/office/drawing/2010/main" xmlns="">
               <a:effectLst>
                 <a:outerShdw blurRad="63500" dist="38099" dir="2700000" algn="ctr" rotWithShape="0">
                   <a:schemeClr val="bg2">
